--- a/report/presentation.pptx
+++ b/report/presentation.pptx
@@ -6,8 +6,14 @@
   </p:sldMasterIdLst>
   <p:sldIdLst>
     <p:sldId id="256" r:id="rId2"/>
-    <p:sldId id="257" r:id="rId3"/>
-    <p:sldId id="258" r:id="rId4"/>
+    <p:sldId id="259" r:id="rId3"/>
+    <p:sldId id="260" r:id="rId4"/>
+    <p:sldId id="261" r:id="rId5"/>
+    <p:sldId id="264" r:id="rId6"/>
+    <p:sldId id="262" r:id="rId7"/>
+    <p:sldId id="257" r:id="rId8"/>
+    <p:sldId id="263" r:id="rId9"/>
+    <p:sldId id="258" r:id="rId10"/>
   </p:sldIdLst>
   <p:sldSz cx="12192000" cy="6858000"/>
   <p:notesSz cx="6858000" cy="9144000"/>
@@ -106,13 +112,18 @@
       </a:defRPr>
     </a:lvl9pPr>
   </p:defaultTextStyle>
+  <p:extLst>
+    <p:ext uri="{EFAFB233-063F-42B5-8137-9DF3F51BA10A}">
+      <p15:sldGuideLst xmlns:p15="http://schemas.microsoft.com/office/powerpoint/2012/main"/>
+    </p:ext>
+  </p:extLst>
 </p:presentation>
 </file>
 
 <file path=ppt/revisionInfo.xml><?xml version="1.0" encoding="utf-8"?>
 <p1510:revInfo xmlns:a="http://schemas.openxmlformats.org/drawingml/2006/main" xmlns:r="http://schemas.openxmlformats.org/officeDocument/2006/relationships" xmlns:p1510="http://schemas.microsoft.com/office/powerpoint/2015/10/main">
   <p1510:revLst>
-    <p1510:client id="{26A58844-2FB7-4F90-9501-5CC089926BE8}" v="6" dt="2025-01-27T10:11:33.826"/>
+    <p1510:client id="{26A58844-2FB7-4F90-9501-5CC089926BE8}" v="8" dt="2025-01-27T10:36:05.771"/>
   </p1510:revLst>
 </p1510:revInfo>
 </file>
@@ -121,8 +132,8 @@
 <pc:chgInfo xmlns:a="http://schemas.openxmlformats.org/drawingml/2006/main" xmlns:r="http://schemas.openxmlformats.org/officeDocument/2006/relationships" xmlns:ac="http://schemas.microsoft.com/office/drawing/2013/main/command" xmlns:pc="http://schemas.microsoft.com/office/powerpoint/2013/main/command">
   <pc:docChgLst>
     <pc:chgData name="Himmelbauer, Clara" userId="12d7e35a-e13e-4c49-b9be-a181bf83ad46" providerId="ADAL" clId="{26A58844-2FB7-4F90-9501-5CC089926BE8}"/>
-    <pc:docChg chg="addSld modSld">
-      <pc:chgData name="Himmelbauer, Clara" userId="12d7e35a-e13e-4c49-b9be-a181bf83ad46" providerId="ADAL" clId="{26A58844-2FB7-4F90-9501-5CC089926BE8}" dt="2025-01-27T10:11:59.892" v="121" actId="20577"/>
+    <pc:docChg chg="custSel addSld modSld">
+      <pc:chgData name="Himmelbauer, Clara" userId="12d7e35a-e13e-4c49-b9be-a181bf83ad46" providerId="ADAL" clId="{26A58844-2FB7-4F90-9501-5CC089926BE8}" dt="2025-01-27T10:36:05.771" v="631" actId="5736"/>
       <pc:docMkLst>
         <pc:docMk/>
       </pc:docMkLst>
@@ -150,7 +161,7 @@
         </pc:spChg>
       </pc:sldChg>
       <pc:sldChg chg="addSp delSp modSp new mod">
-        <pc:chgData name="Himmelbauer, Clara" userId="12d7e35a-e13e-4c49-b9be-a181bf83ad46" providerId="ADAL" clId="{26A58844-2FB7-4F90-9501-5CC089926BE8}" dt="2025-01-27T10:11:39.634" v="66" actId="20577"/>
+        <pc:chgData name="Himmelbauer, Clara" userId="12d7e35a-e13e-4c49-b9be-a181bf83ad46" providerId="ADAL" clId="{26A58844-2FB7-4F90-9501-5CC089926BE8}" dt="2025-01-27T10:36:05.771" v="631" actId="5736"/>
         <pc:sldMkLst>
           <pc:docMk/>
           <pc:sldMk cId="4171298435" sldId="257"/>
@@ -180,7 +191,7 @@
           </ac:graphicFrameMkLst>
         </pc:graphicFrameChg>
         <pc:graphicFrameChg chg="add mod">
-          <ac:chgData name="Himmelbauer, Clara" userId="12d7e35a-e13e-4c49-b9be-a181bf83ad46" providerId="ADAL" clId="{26A58844-2FB7-4F90-9501-5CC089926BE8}" dt="2025-01-27T10:11:28.491" v="38" actId="403"/>
+          <ac:chgData name="Himmelbauer, Clara" userId="12d7e35a-e13e-4c49-b9be-a181bf83ad46" providerId="ADAL" clId="{26A58844-2FB7-4F90-9501-5CC089926BE8}" dt="2025-01-27T10:36:05.771" v="631" actId="5736"/>
           <ac:graphicFrameMkLst>
             <pc:docMk/>
             <pc:sldMk cId="4171298435" sldId="257"/>
@@ -189,7 +200,7 @@
         </pc:graphicFrameChg>
       </pc:sldChg>
       <pc:sldChg chg="modSp new mod">
-        <pc:chgData name="Himmelbauer, Clara" userId="12d7e35a-e13e-4c49-b9be-a181bf83ad46" providerId="ADAL" clId="{26A58844-2FB7-4F90-9501-5CC089926BE8}" dt="2025-01-27T10:11:44.810" v="74" actId="20577"/>
+        <pc:chgData name="Himmelbauer, Clara" userId="12d7e35a-e13e-4c49-b9be-a181bf83ad46" providerId="ADAL" clId="{26A58844-2FB7-4F90-9501-5CC089926BE8}" dt="2025-01-27T10:34:59.625" v="594" actId="20577"/>
         <pc:sldMkLst>
           <pc:docMk/>
           <pc:sldMk cId="1720390971" sldId="258"/>
@@ -200,6 +211,112 @@
             <pc:docMk/>
             <pc:sldMk cId="1720390971" sldId="258"/>
             <ac:spMk id="2" creationId="{E598A848-6A90-634E-F347-3421E1503D22}"/>
+          </ac:spMkLst>
+        </pc:spChg>
+        <pc:spChg chg="mod">
+          <ac:chgData name="Himmelbauer, Clara" userId="12d7e35a-e13e-4c49-b9be-a181bf83ad46" providerId="ADAL" clId="{26A58844-2FB7-4F90-9501-5CC089926BE8}" dt="2025-01-27T10:34:59.625" v="594" actId="20577"/>
+          <ac:spMkLst>
+            <pc:docMk/>
+            <pc:sldMk cId="1720390971" sldId="258"/>
+            <ac:spMk id="3" creationId="{1FA04347-D704-73DD-249E-ACCB8AB8D9EB}"/>
+          </ac:spMkLst>
+        </pc:spChg>
+      </pc:sldChg>
+      <pc:sldChg chg="modSp new mod">
+        <pc:chgData name="Himmelbauer, Clara" userId="12d7e35a-e13e-4c49-b9be-a181bf83ad46" providerId="ADAL" clId="{26A58844-2FB7-4F90-9501-5CC089926BE8}" dt="2025-01-27T10:32:17.938" v="147" actId="20577"/>
+        <pc:sldMkLst>
+          <pc:docMk/>
+          <pc:sldMk cId="492563053" sldId="259"/>
+        </pc:sldMkLst>
+        <pc:spChg chg="mod">
+          <ac:chgData name="Himmelbauer, Clara" userId="12d7e35a-e13e-4c49-b9be-a181bf83ad46" providerId="ADAL" clId="{26A58844-2FB7-4F90-9501-5CC089926BE8}" dt="2025-01-27T10:32:17.938" v="147" actId="20577"/>
+          <ac:spMkLst>
+            <pc:docMk/>
+            <pc:sldMk cId="492563053" sldId="259"/>
+            <ac:spMk id="2" creationId="{1E4605C5-5701-3037-3C04-C8942A8964E0}"/>
+          </ac:spMkLst>
+        </pc:spChg>
+      </pc:sldChg>
+      <pc:sldChg chg="modSp new mod">
+        <pc:chgData name="Himmelbauer, Clara" userId="12d7e35a-e13e-4c49-b9be-a181bf83ad46" providerId="ADAL" clId="{26A58844-2FB7-4F90-9501-5CC089926BE8}" dt="2025-01-27T10:32:25.398" v="166" actId="20577"/>
+        <pc:sldMkLst>
+          <pc:docMk/>
+          <pc:sldMk cId="2475301093" sldId="260"/>
+        </pc:sldMkLst>
+        <pc:spChg chg="mod">
+          <ac:chgData name="Himmelbauer, Clara" userId="12d7e35a-e13e-4c49-b9be-a181bf83ad46" providerId="ADAL" clId="{26A58844-2FB7-4F90-9501-5CC089926BE8}" dt="2025-01-27T10:32:25.398" v="166" actId="20577"/>
+          <ac:spMkLst>
+            <pc:docMk/>
+            <pc:sldMk cId="2475301093" sldId="260"/>
+            <ac:spMk id="2" creationId="{DFE68D6C-E9A8-08F2-72B8-C51F4075EB7A}"/>
+          </ac:spMkLst>
+        </pc:spChg>
+      </pc:sldChg>
+      <pc:sldChg chg="modSp new mod">
+        <pc:chgData name="Himmelbauer, Clara" userId="12d7e35a-e13e-4c49-b9be-a181bf83ad46" providerId="ADAL" clId="{26A58844-2FB7-4F90-9501-5CC089926BE8}" dt="2025-01-27T10:32:34.229" v="208" actId="20577"/>
+        <pc:sldMkLst>
+          <pc:docMk/>
+          <pc:sldMk cId="2183538183" sldId="261"/>
+        </pc:sldMkLst>
+        <pc:spChg chg="mod">
+          <ac:chgData name="Himmelbauer, Clara" userId="12d7e35a-e13e-4c49-b9be-a181bf83ad46" providerId="ADAL" clId="{26A58844-2FB7-4F90-9501-5CC089926BE8}" dt="2025-01-27T10:32:34.229" v="208" actId="20577"/>
+          <ac:spMkLst>
+            <pc:docMk/>
+            <pc:sldMk cId="2183538183" sldId="261"/>
+            <ac:spMk id="2" creationId="{BA8B69C5-C240-88A4-BD48-850C48BE733B}"/>
+          </ac:spMkLst>
+        </pc:spChg>
+      </pc:sldChg>
+      <pc:sldChg chg="modSp new mod">
+        <pc:chgData name="Himmelbauer, Clara" userId="12d7e35a-e13e-4c49-b9be-a181bf83ad46" providerId="ADAL" clId="{26A58844-2FB7-4F90-9501-5CC089926BE8}" dt="2025-01-27T10:33:02.685" v="254" actId="20577"/>
+        <pc:sldMkLst>
+          <pc:docMk/>
+          <pc:sldMk cId="4082787262" sldId="262"/>
+        </pc:sldMkLst>
+        <pc:spChg chg="mod">
+          <ac:chgData name="Himmelbauer, Clara" userId="12d7e35a-e13e-4c49-b9be-a181bf83ad46" providerId="ADAL" clId="{26A58844-2FB7-4F90-9501-5CC089926BE8}" dt="2025-01-27T10:33:02.685" v="254" actId="20577"/>
+          <ac:spMkLst>
+            <pc:docMk/>
+            <pc:sldMk cId="4082787262" sldId="262"/>
+            <ac:spMk id="2" creationId="{AB4F34F2-FD1A-FC57-D53E-8A5C1321C35A}"/>
+          </ac:spMkLst>
+        </pc:spChg>
+      </pc:sldChg>
+      <pc:sldChg chg="modSp new mod">
+        <pc:chgData name="Himmelbauer, Clara" userId="12d7e35a-e13e-4c49-b9be-a181bf83ad46" providerId="ADAL" clId="{26A58844-2FB7-4F90-9501-5CC089926BE8}" dt="2025-01-27T10:34:47.460" v="559" actId="20577"/>
+        <pc:sldMkLst>
+          <pc:docMk/>
+          <pc:sldMk cId="2842475990" sldId="263"/>
+        </pc:sldMkLst>
+        <pc:spChg chg="mod">
+          <ac:chgData name="Himmelbauer, Clara" userId="12d7e35a-e13e-4c49-b9be-a181bf83ad46" providerId="ADAL" clId="{26A58844-2FB7-4F90-9501-5CC089926BE8}" dt="2025-01-27T10:33:07.570" v="268" actId="20577"/>
+          <ac:spMkLst>
+            <pc:docMk/>
+            <pc:sldMk cId="2842475990" sldId="263"/>
+            <ac:spMk id="2" creationId="{332DC837-2141-5975-411F-A47B8BE2D2C2}"/>
+          </ac:spMkLst>
+        </pc:spChg>
+        <pc:spChg chg="mod">
+          <ac:chgData name="Himmelbauer, Clara" userId="12d7e35a-e13e-4c49-b9be-a181bf83ad46" providerId="ADAL" clId="{26A58844-2FB7-4F90-9501-5CC089926BE8}" dt="2025-01-27T10:34:47.460" v="559" actId="20577"/>
+          <ac:spMkLst>
+            <pc:docMk/>
+            <pc:sldMk cId="2842475990" sldId="263"/>
+            <ac:spMk id="3" creationId="{84B95D0F-A849-7CA7-C56E-8B67EAE5CCEA}"/>
+          </ac:spMkLst>
+        </pc:spChg>
+      </pc:sldChg>
+      <pc:sldChg chg="modSp new mod">
+        <pc:chgData name="Himmelbauer, Clara" userId="12d7e35a-e13e-4c49-b9be-a181bf83ad46" providerId="ADAL" clId="{26A58844-2FB7-4F90-9501-5CC089926BE8}" dt="2025-01-27T10:35:21.864" v="630" actId="20577"/>
+        <pc:sldMkLst>
+          <pc:docMk/>
+          <pc:sldMk cId="2130042208" sldId="264"/>
+        </pc:sldMkLst>
+        <pc:spChg chg="mod">
+          <ac:chgData name="Himmelbauer, Clara" userId="12d7e35a-e13e-4c49-b9be-a181bf83ad46" providerId="ADAL" clId="{26A58844-2FB7-4F90-9501-5CC089926BE8}" dt="2025-01-27T10:35:21.864" v="630" actId="20577"/>
+          <ac:spMkLst>
+            <pc:docMk/>
+            <pc:sldMk cId="2130042208" sldId="264"/>
+            <ac:spMk id="2" creationId="{B0F12AB1-0276-235A-A78F-AC7C856D3ABB}"/>
           </ac:spMkLst>
         </pc:spChg>
       </pc:sldChg>
@@ -4452,7 +4569,7 @@
           <p:cNvPr id="2" name="Titel 1">
             <a:extLst>
               <a:ext uri="{FF2B5EF4-FFF2-40B4-BE49-F238E27FC236}">
-                <a16:creationId xmlns:a16="http://schemas.microsoft.com/office/drawing/2014/main" id="{BB36368B-FAB8-C20B-35F4-757B95A5D4EF}"/>
+                <a16:creationId xmlns:a16="http://schemas.microsoft.com/office/drawing/2014/main" id="{1E4605C5-5701-3037-3C04-C8942A8964E0}"/>
               </a:ext>
             </a:extLst>
           </p:cNvPr>
@@ -4470,47 +4587,41 @@
           <a:p>
             <a:r>
               <a:rPr lang="de-DE" dirty="0"/>
-              <a:t>Ziel: Urnenwahlergebnis NRW 2024</a:t>
+              <a:t>Was ist eine Hochrechnung</a:t>
             </a:r>
             <a:endParaRPr lang="de-AT" dirty="0"/>
           </a:p>
         </p:txBody>
       </p:sp>
-      <p:graphicFrame>
-        <p:nvGraphicFramePr>
-          <p:cNvPr id="5" name="Inhaltsplatzhalter 4">
-            <a:extLst>
-              <a:ext uri="{FF2B5EF4-FFF2-40B4-BE49-F238E27FC236}">
-                <a16:creationId xmlns:a16="http://schemas.microsoft.com/office/drawing/2014/main" id="{0B7A5EA3-4E87-D48C-6EF1-E98D90806FEE}"/>
-              </a:ext>
-            </a:extLst>
-          </p:cNvPr>
-          <p:cNvGraphicFramePr>
-            <a:graphicFrameLocks noGrp="1"/>
-          </p:cNvGraphicFramePr>
+      <p:sp>
+        <p:nvSpPr>
+          <p:cNvPr id="3" name="Inhaltsplatzhalter 2">
+            <a:extLst>
+              <a:ext uri="{FF2B5EF4-FFF2-40B4-BE49-F238E27FC236}">
+                <a16:creationId xmlns:a16="http://schemas.microsoft.com/office/drawing/2014/main" id="{0226F2C6-85B6-6062-A2C7-E4F57EE7EB2C}"/>
+              </a:ext>
+            </a:extLst>
+          </p:cNvPr>
+          <p:cNvSpPr>
+            <a:spLocks noGrp="1"/>
+          </p:cNvSpPr>
           <p:nvPr>
             <p:ph idx="1"/>
-            <p:extLst>
-              <p:ext uri="{D42A27DB-BD31-4B8C-83A1-F6EECF244321}">
-                <p14:modId xmlns:p14="http://schemas.microsoft.com/office/powerpoint/2010/main" val="3731833475"/>
-              </p:ext>
-            </p:extLst>
-          </p:nvPr>
-        </p:nvGraphicFramePr>
-        <p:xfrm>
-          <a:off x="838200" y="1825625"/>
-          <a:ext cx="10515600" cy="4351338"/>
-        </p:xfrm>
-        <a:graphic>
-          <a:graphicData uri="http://schemas.openxmlformats.org/drawingml/2006/chart">
-            <c:chart xmlns:c="http://schemas.openxmlformats.org/drawingml/2006/chart" xmlns:r="http://schemas.openxmlformats.org/officeDocument/2006/relationships" r:id="rId2"/>
-          </a:graphicData>
-        </a:graphic>
-      </p:graphicFrame>
+          </p:nvPr>
+        </p:nvSpPr>
+        <p:spPr/>
+        <p:txBody>
+          <a:bodyPr/>
+          <a:lstStyle/>
+          <a:p>
+            <a:endParaRPr lang="de-AT" dirty="0"/>
+          </a:p>
+        </p:txBody>
+      </p:sp>
     </p:spTree>
     <p:extLst>
       <p:ext uri="{BB962C8B-B14F-4D97-AF65-F5344CB8AC3E}">
-        <p14:creationId xmlns:p14="http://schemas.microsoft.com/office/powerpoint/2010/main" val="4171298435"/>
+        <p14:creationId xmlns:p14="http://schemas.microsoft.com/office/powerpoint/2010/main" val="492563053"/>
       </p:ext>
     </p:extLst>
   </p:cSld>
@@ -4542,6 +4653,552 @@
           <p:cNvPr id="2" name="Titel 1">
             <a:extLst>
               <a:ext uri="{FF2B5EF4-FFF2-40B4-BE49-F238E27FC236}">
+                <a16:creationId xmlns:a16="http://schemas.microsoft.com/office/drawing/2014/main" id="{DFE68D6C-E9A8-08F2-72B8-C51F4075EB7A}"/>
+              </a:ext>
+            </a:extLst>
+          </p:cNvPr>
+          <p:cNvSpPr>
+            <a:spLocks noGrp="1"/>
+          </p:cNvSpPr>
+          <p:nvPr>
+            <p:ph type="title"/>
+          </p:nvPr>
+        </p:nvSpPr>
+        <p:spPr/>
+        <p:txBody>
+          <a:bodyPr/>
+          <a:lstStyle/>
+          <a:p>
+            <a:r>
+              <a:rPr lang="de-DE" dirty="0"/>
+              <a:t>Lineare Funktionen</a:t>
+            </a:r>
+            <a:endParaRPr lang="de-AT" dirty="0"/>
+          </a:p>
+        </p:txBody>
+      </p:sp>
+      <p:sp>
+        <p:nvSpPr>
+          <p:cNvPr id="3" name="Inhaltsplatzhalter 2">
+            <a:extLst>
+              <a:ext uri="{FF2B5EF4-FFF2-40B4-BE49-F238E27FC236}">
+                <a16:creationId xmlns:a16="http://schemas.microsoft.com/office/drawing/2014/main" id="{8B4F73BC-6221-7151-9E3D-A10E327370F1}"/>
+              </a:ext>
+            </a:extLst>
+          </p:cNvPr>
+          <p:cNvSpPr>
+            <a:spLocks noGrp="1"/>
+          </p:cNvSpPr>
+          <p:nvPr>
+            <p:ph idx="1"/>
+          </p:nvPr>
+        </p:nvSpPr>
+        <p:spPr/>
+        <p:txBody>
+          <a:bodyPr/>
+          <a:lstStyle/>
+          <a:p>
+            <a:endParaRPr lang="de-AT"/>
+          </a:p>
+        </p:txBody>
+      </p:sp>
+    </p:spTree>
+    <p:extLst>
+      <p:ext uri="{BB962C8B-B14F-4D97-AF65-F5344CB8AC3E}">
+        <p14:creationId xmlns:p14="http://schemas.microsoft.com/office/powerpoint/2010/main" val="2475301093"/>
+      </p:ext>
+    </p:extLst>
+  </p:cSld>
+  <p:clrMapOvr>
+    <a:masterClrMapping/>
+  </p:clrMapOvr>
+</p:sld>
+</file>
+
+<file path=ppt/slides/slide4.xml><?xml version="1.0" encoding="utf-8"?>
+<p:sld xmlns:a="http://schemas.openxmlformats.org/drawingml/2006/main" xmlns:r="http://schemas.openxmlformats.org/officeDocument/2006/relationships" xmlns:p="http://schemas.openxmlformats.org/presentationml/2006/main">
+  <p:cSld>
+    <p:spTree>
+      <p:nvGrpSpPr>
+        <p:cNvPr id="1" name=""/>
+        <p:cNvGrpSpPr/>
+        <p:nvPr/>
+      </p:nvGrpSpPr>
+      <p:grpSpPr>
+        <a:xfrm>
+          <a:off x="0" y="0"/>
+          <a:ext cx="0" cy="0"/>
+          <a:chOff x="0" y="0"/>
+          <a:chExt cx="0" cy="0"/>
+        </a:xfrm>
+      </p:grpSpPr>
+      <p:sp>
+        <p:nvSpPr>
+          <p:cNvPr id="2" name="Titel 1">
+            <a:extLst>
+              <a:ext uri="{FF2B5EF4-FFF2-40B4-BE49-F238E27FC236}">
+                <a16:creationId xmlns:a16="http://schemas.microsoft.com/office/drawing/2014/main" id="{BA8B69C5-C240-88A4-BD48-850C48BE733B}"/>
+              </a:ext>
+            </a:extLst>
+          </p:cNvPr>
+          <p:cNvSpPr>
+            <a:spLocks noGrp="1"/>
+          </p:cNvSpPr>
+          <p:nvPr>
+            <p:ph type="title"/>
+          </p:nvPr>
+        </p:nvSpPr>
+        <p:spPr/>
+        <p:txBody>
+          <a:bodyPr/>
+          <a:lstStyle/>
+          <a:p>
+            <a:r>
+              <a:rPr lang="de-DE" dirty="0"/>
+              <a:t>Multivariate lineare Regression</a:t>
+            </a:r>
+            <a:endParaRPr lang="de-AT" dirty="0"/>
+          </a:p>
+        </p:txBody>
+      </p:sp>
+      <p:sp>
+        <p:nvSpPr>
+          <p:cNvPr id="3" name="Inhaltsplatzhalter 2">
+            <a:extLst>
+              <a:ext uri="{FF2B5EF4-FFF2-40B4-BE49-F238E27FC236}">
+                <a16:creationId xmlns:a16="http://schemas.microsoft.com/office/drawing/2014/main" id="{4C57A619-47FE-2F4B-4C80-DBFC185BAAF1}"/>
+              </a:ext>
+            </a:extLst>
+          </p:cNvPr>
+          <p:cNvSpPr>
+            <a:spLocks noGrp="1"/>
+          </p:cNvSpPr>
+          <p:nvPr>
+            <p:ph idx="1"/>
+          </p:nvPr>
+        </p:nvSpPr>
+        <p:spPr/>
+        <p:txBody>
+          <a:bodyPr/>
+          <a:lstStyle/>
+          <a:p>
+            <a:endParaRPr lang="de-AT"/>
+          </a:p>
+        </p:txBody>
+      </p:sp>
+    </p:spTree>
+    <p:extLst>
+      <p:ext uri="{BB962C8B-B14F-4D97-AF65-F5344CB8AC3E}">
+        <p14:creationId xmlns:p14="http://schemas.microsoft.com/office/powerpoint/2010/main" val="2183538183"/>
+      </p:ext>
+    </p:extLst>
+  </p:cSld>
+  <p:clrMapOvr>
+    <a:masterClrMapping/>
+  </p:clrMapOvr>
+</p:sld>
+</file>
+
+<file path=ppt/slides/slide5.xml><?xml version="1.0" encoding="utf-8"?>
+<p:sld xmlns:a="http://schemas.openxmlformats.org/drawingml/2006/main" xmlns:r="http://schemas.openxmlformats.org/officeDocument/2006/relationships" xmlns:p="http://schemas.openxmlformats.org/presentationml/2006/main">
+  <p:cSld>
+    <p:spTree>
+      <p:nvGrpSpPr>
+        <p:cNvPr id="1" name=""/>
+        <p:cNvGrpSpPr/>
+        <p:nvPr/>
+      </p:nvGrpSpPr>
+      <p:grpSpPr>
+        <a:xfrm>
+          <a:off x="0" y="0"/>
+          <a:ext cx="0" cy="0"/>
+          <a:chOff x="0" y="0"/>
+          <a:chExt cx="0" cy="0"/>
+        </a:xfrm>
+      </p:grpSpPr>
+      <p:sp>
+        <p:nvSpPr>
+          <p:cNvPr id="2" name="Titel 1">
+            <a:extLst>
+              <a:ext uri="{FF2B5EF4-FFF2-40B4-BE49-F238E27FC236}">
+                <a16:creationId xmlns:a16="http://schemas.microsoft.com/office/drawing/2014/main" id="{B0F12AB1-0276-235A-A78F-AC7C856D3ABB}"/>
+              </a:ext>
+            </a:extLst>
+          </p:cNvPr>
+          <p:cNvSpPr>
+            <a:spLocks noGrp="1"/>
+          </p:cNvSpPr>
+          <p:nvPr>
+            <p:ph type="title"/>
+          </p:nvPr>
+        </p:nvSpPr>
+        <p:spPr/>
+        <p:txBody>
+          <a:bodyPr/>
+          <a:lstStyle/>
+          <a:p>
+            <a:r>
+              <a:rPr lang="de-DE" dirty="0"/>
+              <a:t>Hochrechnung und lineare Regression</a:t>
+            </a:r>
+            <a:endParaRPr lang="de-AT" dirty="0"/>
+          </a:p>
+        </p:txBody>
+      </p:sp>
+      <p:sp>
+        <p:nvSpPr>
+          <p:cNvPr id="3" name="Inhaltsplatzhalter 2">
+            <a:extLst>
+              <a:ext uri="{FF2B5EF4-FFF2-40B4-BE49-F238E27FC236}">
+                <a16:creationId xmlns:a16="http://schemas.microsoft.com/office/drawing/2014/main" id="{AC7F4988-7C23-A449-FACD-67CE41C01E74}"/>
+              </a:ext>
+            </a:extLst>
+          </p:cNvPr>
+          <p:cNvSpPr>
+            <a:spLocks noGrp="1"/>
+          </p:cNvSpPr>
+          <p:nvPr>
+            <p:ph idx="1"/>
+          </p:nvPr>
+        </p:nvSpPr>
+        <p:spPr/>
+        <p:txBody>
+          <a:bodyPr/>
+          <a:lstStyle/>
+          <a:p>
+            <a:endParaRPr lang="de-AT"/>
+          </a:p>
+        </p:txBody>
+      </p:sp>
+    </p:spTree>
+    <p:extLst>
+      <p:ext uri="{BB962C8B-B14F-4D97-AF65-F5344CB8AC3E}">
+        <p14:creationId xmlns:p14="http://schemas.microsoft.com/office/powerpoint/2010/main" val="2130042208"/>
+      </p:ext>
+    </p:extLst>
+  </p:cSld>
+  <p:clrMapOvr>
+    <a:masterClrMapping/>
+  </p:clrMapOvr>
+</p:sld>
+</file>
+
+<file path=ppt/slides/slide6.xml><?xml version="1.0" encoding="utf-8"?>
+<p:sld xmlns:a="http://schemas.openxmlformats.org/drawingml/2006/main" xmlns:r="http://schemas.openxmlformats.org/officeDocument/2006/relationships" xmlns:p="http://schemas.openxmlformats.org/presentationml/2006/main">
+  <p:cSld>
+    <p:spTree>
+      <p:nvGrpSpPr>
+        <p:cNvPr id="1" name=""/>
+        <p:cNvGrpSpPr/>
+        <p:nvPr/>
+      </p:nvGrpSpPr>
+      <p:grpSpPr>
+        <a:xfrm>
+          <a:off x="0" y="0"/>
+          <a:ext cx="0" cy="0"/>
+          <a:chOff x="0" y="0"/>
+          <a:chExt cx="0" cy="0"/>
+        </a:xfrm>
+      </p:grpSpPr>
+      <p:sp>
+        <p:nvSpPr>
+          <p:cNvPr id="2" name="Titel 1">
+            <a:extLst>
+              <a:ext uri="{FF2B5EF4-FFF2-40B4-BE49-F238E27FC236}">
+                <a16:creationId xmlns:a16="http://schemas.microsoft.com/office/drawing/2014/main" id="{AB4F34F2-FD1A-FC57-D53E-8A5C1321C35A}"/>
+              </a:ext>
+            </a:extLst>
+          </p:cNvPr>
+          <p:cNvSpPr>
+            <a:spLocks noGrp="1"/>
+          </p:cNvSpPr>
+          <p:nvPr>
+            <p:ph type="title"/>
+          </p:nvPr>
+        </p:nvSpPr>
+        <p:spPr/>
+        <p:txBody>
+          <a:bodyPr/>
+          <a:lstStyle/>
+          <a:p>
+            <a:r>
+              <a:rPr lang="de-DE" dirty="0"/>
+              <a:t>Hochrechnung in Excel machen</a:t>
+            </a:r>
+            <a:endParaRPr lang="de-AT" dirty="0"/>
+          </a:p>
+        </p:txBody>
+      </p:sp>
+      <p:sp>
+        <p:nvSpPr>
+          <p:cNvPr id="3" name="Inhaltsplatzhalter 2">
+            <a:extLst>
+              <a:ext uri="{FF2B5EF4-FFF2-40B4-BE49-F238E27FC236}">
+                <a16:creationId xmlns:a16="http://schemas.microsoft.com/office/drawing/2014/main" id="{6471F93C-8191-3241-8A23-E9A5E8781D29}"/>
+              </a:ext>
+            </a:extLst>
+          </p:cNvPr>
+          <p:cNvSpPr>
+            <a:spLocks noGrp="1"/>
+          </p:cNvSpPr>
+          <p:nvPr>
+            <p:ph idx="1"/>
+          </p:nvPr>
+        </p:nvSpPr>
+        <p:spPr/>
+        <p:txBody>
+          <a:bodyPr/>
+          <a:lstStyle/>
+          <a:p>
+            <a:endParaRPr lang="de-AT"/>
+          </a:p>
+        </p:txBody>
+      </p:sp>
+    </p:spTree>
+    <p:extLst>
+      <p:ext uri="{BB962C8B-B14F-4D97-AF65-F5344CB8AC3E}">
+        <p14:creationId xmlns:p14="http://schemas.microsoft.com/office/powerpoint/2010/main" val="4082787262"/>
+      </p:ext>
+    </p:extLst>
+  </p:cSld>
+  <p:clrMapOvr>
+    <a:masterClrMapping/>
+  </p:clrMapOvr>
+</p:sld>
+</file>
+
+<file path=ppt/slides/slide7.xml><?xml version="1.0" encoding="utf-8"?>
+<p:sld xmlns:a="http://schemas.openxmlformats.org/drawingml/2006/main" xmlns:r="http://schemas.openxmlformats.org/officeDocument/2006/relationships" xmlns:p="http://schemas.openxmlformats.org/presentationml/2006/main">
+  <p:cSld>
+    <p:spTree>
+      <p:nvGrpSpPr>
+        <p:cNvPr id="1" name=""/>
+        <p:cNvGrpSpPr/>
+        <p:nvPr/>
+      </p:nvGrpSpPr>
+      <p:grpSpPr>
+        <a:xfrm>
+          <a:off x="0" y="0"/>
+          <a:ext cx="0" cy="0"/>
+          <a:chOff x="0" y="0"/>
+          <a:chExt cx="0" cy="0"/>
+        </a:xfrm>
+      </p:grpSpPr>
+      <p:sp>
+        <p:nvSpPr>
+          <p:cNvPr id="2" name="Titel 1">
+            <a:extLst>
+              <a:ext uri="{FF2B5EF4-FFF2-40B4-BE49-F238E27FC236}">
+                <a16:creationId xmlns:a16="http://schemas.microsoft.com/office/drawing/2014/main" id="{BB36368B-FAB8-C20B-35F4-757B95A5D4EF}"/>
+              </a:ext>
+            </a:extLst>
+          </p:cNvPr>
+          <p:cNvSpPr>
+            <a:spLocks noGrp="1"/>
+          </p:cNvSpPr>
+          <p:nvPr>
+            <p:ph type="title"/>
+          </p:nvPr>
+        </p:nvSpPr>
+        <p:spPr/>
+        <p:txBody>
+          <a:bodyPr/>
+          <a:lstStyle/>
+          <a:p>
+            <a:r>
+              <a:rPr lang="de-DE" dirty="0"/>
+              <a:t>Ziel: Urnenwahlergebnis NRW 2024</a:t>
+            </a:r>
+            <a:endParaRPr lang="de-AT" dirty="0"/>
+          </a:p>
+        </p:txBody>
+      </p:sp>
+      <p:graphicFrame>
+        <p:nvGraphicFramePr>
+          <p:cNvPr id="5" name="Inhaltsplatzhalter 4">
+            <a:extLst>
+              <a:ext uri="{FF2B5EF4-FFF2-40B4-BE49-F238E27FC236}">
+                <a16:creationId xmlns:a16="http://schemas.microsoft.com/office/drawing/2014/main" id="{0B7A5EA3-4E87-D48C-6EF1-E98D90806FEE}"/>
+              </a:ext>
+            </a:extLst>
+          </p:cNvPr>
+          <p:cNvGraphicFramePr>
+            <a:graphicFrameLocks noGrp="1"/>
+          </p:cNvGraphicFramePr>
+          <p:nvPr>
+            <p:ph idx="1"/>
+            <p:extLst>
+              <p:ext uri="{D42A27DB-BD31-4B8C-83A1-F6EECF244321}">
+                <p14:modId xmlns:p14="http://schemas.microsoft.com/office/powerpoint/2010/main" val="4105898660"/>
+              </p:ext>
+            </p:extLst>
+          </p:nvPr>
+        </p:nvGraphicFramePr>
+        <p:xfrm>
+          <a:off x="838200" y="1825625"/>
+          <a:ext cx="10515600" cy="4351338"/>
+        </p:xfrm>
+        <a:graphic>
+          <a:graphicData uri="http://schemas.openxmlformats.org/drawingml/2006/chart">
+            <c:chart xmlns:c="http://schemas.openxmlformats.org/drawingml/2006/chart" xmlns:r="http://schemas.openxmlformats.org/officeDocument/2006/relationships" r:id="rId2"/>
+          </a:graphicData>
+        </a:graphic>
+      </p:graphicFrame>
+    </p:spTree>
+    <p:extLst>
+      <p:ext uri="{BB962C8B-B14F-4D97-AF65-F5344CB8AC3E}">
+        <p14:creationId xmlns:p14="http://schemas.microsoft.com/office/powerpoint/2010/main" val="4171298435"/>
+      </p:ext>
+    </p:extLst>
+  </p:cSld>
+  <p:clrMapOvr>
+    <a:masterClrMapping/>
+  </p:clrMapOvr>
+</p:sld>
+</file>
+
+<file path=ppt/slides/slide8.xml><?xml version="1.0" encoding="utf-8"?>
+<p:sld xmlns:a="http://schemas.openxmlformats.org/drawingml/2006/main" xmlns:r="http://schemas.openxmlformats.org/officeDocument/2006/relationships" xmlns:p="http://schemas.openxmlformats.org/presentationml/2006/main">
+  <p:cSld>
+    <p:spTree>
+      <p:nvGrpSpPr>
+        <p:cNvPr id="1" name=""/>
+        <p:cNvGrpSpPr/>
+        <p:nvPr/>
+      </p:nvGrpSpPr>
+      <p:grpSpPr>
+        <a:xfrm>
+          <a:off x="0" y="0"/>
+          <a:ext cx="0" cy="0"/>
+          <a:chOff x="0" y="0"/>
+          <a:chExt cx="0" cy="0"/>
+        </a:xfrm>
+      </p:grpSpPr>
+      <p:sp>
+        <p:nvSpPr>
+          <p:cNvPr id="2" name="Titel 1">
+            <a:extLst>
+              <a:ext uri="{FF2B5EF4-FFF2-40B4-BE49-F238E27FC236}">
+                <a16:creationId xmlns:a16="http://schemas.microsoft.com/office/drawing/2014/main" id="{332DC837-2141-5975-411F-A47B8BE2D2C2}"/>
+              </a:ext>
+            </a:extLst>
+          </p:cNvPr>
+          <p:cNvSpPr>
+            <a:spLocks noGrp="1"/>
+          </p:cNvSpPr>
+          <p:nvPr>
+            <p:ph type="title"/>
+          </p:nvPr>
+        </p:nvSpPr>
+        <p:spPr/>
+        <p:txBody>
+          <a:bodyPr/>
+          <a:lstStyle/>
+          <a:p>
+            <a:r>
+              <a:rPr lang="de-DE" dirty="0"/>
+              <a:t>Datenstruktur</a:t>
+            </a:r>
+            <a:endParaRPr lang="de-AT" dirty="0"/>
+          </a:p>
+        </p:txBody>
+      </p:sp>
+      <p:sp>
+        <p:nvSpPr>
+          <p:cNvPr id="3" name="Inhaltsplatzhalter 2">
+            <a:extLst>
+              <a:ext uri="{FF2B5EF4-FFF2-40B4-BE49-F238E27FC236}">
+                <a16:creationId xmlns:a16="http://schemas.microsoft.com/office/drawing/2014/main" id="{84B95D0F-A849-7CA7-C56E-8B67EAE5CCEA}"/>
+              </a:ext>
+            </a:extLst>
+          </p:cNvPr>
+          <p:cNvSpPr>
+            <a:spLocks noGrp="1"/>
+          </p:cNvSpPr>
+          <p:nvPr>
+            <p:ph idx="1"/>
+          </p:nvPr>
+        </p:nvSpPr>
+        <p:spPr/>
+        <p:txBody>
+          <a:bodyPr/>
+          <a:lstStyle/>
+          <a:p>
+            <a:r>
+              <a:rPr lang="de-DE" dirty="0"/>
+              <a:t>GKZ = Gemeindekennziffer</a:t>
+            </a:r>
+          </a:p>
+          <a:p>
+            <a:pPr lvl="1"/>
+            <a:r>
+              <a:rPr lang="de-DE" dirty="0"/>
+              <a:t>1. Stelle: Bundesland</a:t>
+            </a:r>
+          </a:p>
+          <a:p>
+            <a:pPr lvl="1"/>
+            <a:r>
+              <a:rPr lang="de-DE" dirty="0"/>
+              <a:t>1.-3. Stelle: Bezirkskennziffer BKZ</a:t>
+            </a:r>
+          </a:p>
+          <a:p>
+            <a:pPr lvl="1"/>
+            <a:r>
+              <a:rPr lang="de-AT" dirty="0"/>
+              <a:t>1.-5. Stelle: GKZ</a:t>
+            </a:r>
+          </a:p>
+          <a:p>
+            <a:r>
+              <a:rPr lang="de-DE" dirty="0"/>
+              <a:t>Wahlberechtigte, Abgegebene, Ungültige, Gültige Stimmen</a:t>
+            </a:r>
+          </a:p>
+          <a:p>
+            <a:r>
+              <a:rPr lang="de-DE" dirty="0"/>
+              <a:t>Parteienergebnisse: ÖVP, SPÖ, FPÖ, Grüne, NEOS, Sonstige</a:t>
+            </a:r>
+          </a:p>
+        </p:txBody>
+      </p:sp>
+    </p:spTree>
+    <p:extLst>
+      <p:ext uri="{BB962C8B-B14F-4D97-AF65-F5344CB8AC3E}">
+        <p14:creationId xmlns:p14="http://schemas.microsoft.com/office/powerpoint/2010/main" val="2842475990"/>
+      </p:ext>
+    </p:extLst>
+  </p:cSld>
+  <p:clrMapOvr>
+    <a:masterClrMapping/>
+  </p:clrMapOvr>
+</p:sld>
+</file>
+
+<file path=ppt/slides/slide9.xml><?xml version="1.0" encoding="utf-8"?>
+<p:sld xmlns:a="http://schemas.openxmlformats.org/drawingml/2006/main" xmlns:r="http://schemas.openxmlformats.org/officeDocument/2006/relationships" xmlns:p="http://schemas.openxmlformats.org/presentationml/2006/main">
+  <p:cSld>
+    <p:spTree>
+      <p:nvGrpSpPr>
+        <p:cNvPr id="1" name=""/>
+        <p:cNvGrpSpPr/>
+        <p:nvPr/>
+      </p:nvGrpSpPr>
+      <p:grpSpPr>
+        <a:xfrm>
+          <a:off x="0" y="0"/>
+          <a:ext cx="0" cy="0"/>
+          <a:chOff x="0" y="0"/>
+          <a:chExt cx="0" cy="0"/>
+        </a:xfrm>
+      </p:grpSpPr>
+      <p:sp>
+        <p:nvSpPr>
+          <p:cNvPr id="2" name="Titel 1">
+            <a:extLst>
+              <a:ext uri="{FF2B5EF4-FFF2-40B4-BE49-F238E27FC236}">
                 <a16:creationId xmlns:a16="http://schemas.microsoft.com/office/drawing/2014/main" id="{E598A848-6A90-634E-F347-3421E1503D22}"/>
               </a:ext>
             </a:extLst>
@@ -4587,7 +5244,17 @@
           <a:bodyPr/>
           <a:lstStyle/>
           <a:p>
-            <a:endParaRPr lang="de-AT"/>
+            <a:r>
+              <a:rPr lang="de-DE" dirty="0">
+                <a:hlinkClick r:id="rId2"/>
+              </a:rPr>
+              <a:t>clara.himmelbauer@wu.ac.at</a:t>
+            </a:r>
+            <a:r>
+              <a:rPr lang="de-DE" dirty="0"/>
+              <a:t> </a:t>
+            </a:r>
+            <a:endParaRPr lang="de-AT" dirty="0"/>
           </a:p>
         </p:txBody>
       </p:sp>

--- a/report/presentation.pptx
+++ b/report/presentation.pptx
@@ -2,26 +2,28 @@
 <file path=ppt/presentation.xml><?xml version="1.0" encoding="utf-8"?>
 <p:presentation xmlns:a="http://schemas.openxmlformats.org/drawingml/2006/main" xmlns:r="http://schemas.openxmlformats.org/officeDocument/2006/relationships" xmlns:p="http://schemas.openxmlformats.org/presentationml/2006/main" saveSubsetFonts="1">
   <p:sldMasterIdLst>
-    <p:sldMasterId id="2147483648" r:id="rId1"/>
+    <p:sldMasterId id="2147483714" r:id="rId1"/>
   </p:sldMasterIdLst>
   <p:sldIdLst>
     <p:sldId id="256" r:id="rId2"/>
     <p:sldId id="259" r:id="rId3"/>
-    <p:sldId id="260" r:id="rId4"/>
-    <p:sldId id="261" r:id="rId5"/>
-    <p:sldId id="264" r:id="rId6"/>
-    <p:sldId id="262" r:id="rId7"/>
-    <p:sldId id="257" r:id="rId8"/>
-    <p:sldId id="263" r:id="rId9"/>
-    <p:sldId id="258" r:id="rId10"/>
+    <p:sldId id="265" r:id="rId4"/>
+    <p:sldId id="267" r:id="rId5"/>
+    <p:sldId id="260" r:id="rId6"/>
+    <p:sldId id="261" r:id="rId7"/>
+    <p:sldId id="264" r:id="rId8"/>
+    <p:sldId id="262" r:id="rId9"/>
+    <p:sldId id="257" r:id="rId10"/>
+    <p:sldId id="263" r:id="rId11"/>
+    <p:sldId id="258" r:id="rId12"/>
   </p:sldIdLst>
   <p:sldSz cx="12192000" cy="6858000"/>
   <p:notesSz cx="6858000" cy="9144000"/>
   <p:defaultTextStyle>
     <a:defPPr>
-      <a:defRPr lang="de-DE"/>
+      <a:defRPr lang="en-US"/>
     </a:defPPr>
-    <a:lvl1pPr marL="0" algn="l" defTabSz="914400" rtl="0" eaLnBrk="1" latinLnBrk="0" hangingPunct="1">
+    <a:lvl1pPr marL="0" algn="l" defTabSz="457200" rtl="0" eaLnBrk="1" latinLnBrk="0" hangingPunct="1">
       <a:defRPr sz="1800" kern="1200">
         <a:solidFill>
           <a:schemeClr val="tx1"/>
@@ -31,7 +33,7 @@
         <a:cs typeface="+mn-cs"/>
       </a:defRPr>
     </a:lvl1pPr>
-    <a:lvl2pPr marL="457200" algn="l" defTabSz="914400" rtl="0" eaLnBrk="1" latinLnBrk="0" hangingPunct="1">
+    <a:lvl2pPr marL="457200" algn="l" defTabSz="457200" rtl="0" eaLnBrk="1" latinLnBrk="0" hangingPunct="1">
       <a:defRPr sz="1800" kern="1200">
         <a:solidFill>
           <a:schemeClr val="tx1"/>
@@ -41,7 +43,7 @@
         <a:cs typeface="+mn-cs"/>
       </a:defRPr>
     </a:lvl2pPr>
-    <a:lvl3pPr marL="914400" algn="l" defTabSz="914400" rtl="0" eaLnBrk="1" latinLnBrk="0" hangingPunct="1">
+    <a:lvl3pPr marL="914400" algn="l" defTabSz="457200" rtl="0" eaLnBrk="1" latinLnBrk="0" hangingPunct="1">
       <a:defRPr sz="1800" kern="1200">
         <a:solidFill>
           <a:schemeClr val="tx1"/>
@@ -51,7 +53,7 @@
         <a:cs typeface="+mn-cs"/>
       </a:defRPr>
     </a:lvl3pPr>
-    <a:lvl4pPr marL="1371600" algn="l" defTabSz="914400" rtl="0" eaLnBrk="1" latinLnBrk="0" hangingPunct="1">
+    <a:lvl4pPr marL="1371600" algn="l" defTabSz="457200" rtl="0" eaLnBrk="1" latinLnBrk="0" hangingPunct="1">
       <a:defRPr sz="1800" kern="1200">
         <a:solidFill>
           <a:schemeClr val="tx1"/>
@@ -61,7 +63,7 @@
         <a:cs typeface="+mn-cs"/>
       </a:defRPr>
     </a:lvl4pPr>
-    <a:lvl5pPr marL="1828800" algn="l" defTabSz="914400" rtl="0" eaLnBrk="1" latinLnBrk="0" hangingPunct="1">
+    <a:lvl5pPr marL="1828800" algn="l" defTabSz="457200" rtl="0" eaLnBrk="1" latinLnBrk="0" hangingPunct="1">
       <a:defRPr sz="1800" kern="1200">
         <a:solidFill>
           <a:schemeClr val="tx1"/>
@@ -71,7 +73,7 @@
         <a:cs typeface="+mn-cs"/>
       </a:defRPr>
     </a:lvl5pPr>
-    <a:lvl6pPr marL="2286000" algn="l" defTabSz="914400" rtl="0" eaLnBrk="1" latinLnBrk="0" hangingPunct="1">
+    <a:lvl6pPr marL="2286000" algn="l" defTabSz="457200" rtl="0" eaLnBrk="1" latinLnBrk="0" hangingPunct="1">
       <a:defRPr sz="1800" kern="1200">
         <a:solidFill>
           <a:schemeClr val="tx1"/>
@@ -81,7 +83,7 @@
         <a:cs typeface="+mn-cs"/>
       </a:defRPr>
     </a:lvl6pPr>
-    <a:lvl7pPr marL="2743200" algn="l" defTabSz="914400" rtl="0" eaLnBrk="1" latinLnBrk="0" hangingPunct="1">
+    <a:lvl7pPr marL="2743200" algn="l" defTabSz="457200" rtl="0" eaLnBrk="1" latinLnBrk="0" hangingPunct="1">
       <a:defRPr sz="1800" kern="1200">
         <a:solidFill>
           <a:schemeClr val="tx1"/>
@@ -91,7 +93,7 @@
         <a:cs typeface="+mn-cs"/>
       </a:defRPr>
     </a:lvl7pPr>
-    <a:lvl8pPr marL="3200400" algn="l" defTabSz="914400" rtl="0" eaLnBrk="1" latinLnBrk="0" hangingPunct="1">
+    <a:lvl8pPr marL="3200400" algn="l" defTabSz="457200" rtl="0" eaLnBrk="1" latinLnBrk="0" hangingPunct="1">
       <a:defRPr sz="1800" kern="1200">
         <a:solidFill>
           <a:schemeClr val="tx1"/>
@@ -101,7 +103,7 @@
         <a:cs typeface="+mn-cs"/>
       </a:defRPr>
     </a:lvl8pPr>
-    <a:lvl9pPr marL="3657600" algn="l" defTabSz="914400" rtl="0" eaLnBrk="1" latinLnBrk="0" hangingPunct="1">
+    <a:lvl9pPr marL="3657600" algn="l" defTabSz="457200" rtl="0" eaLnBrk="1" latinLnBrk="0" hangingPunct="1">
       <a:defRPr sz="1800" kern="1200">
         <a:solidFill>
           <a:schemeClr val="tx1"/>
@@ -123,7 +125,7 @@
 <file path=ppt/revisionInfo.xml><?xml version="1.0" encoding="utf-8"?>
 <p1510:revInfo xmlns:a="http://schemas.openxmlformats.org/drawingml/2006/main" xmlns:r="http://schemas.openxmlformats.org/officeDocument/2006/relationships" xmlns:p1510="http://schemas.microsoft.com/office/powerpoint/2015/10/main">
   <p1510:revLst>
-    <p1510:client id="{26A58844-2FB7-4F90-9501-5CC089926BE8}" v="8" dt="2025-01-27T10:36:05.771"/>
+    <p1510:client id="{26A58844-2FB7-4F90-9501-5CC089926BE8}" v="16" dt="2025-02-06T16:45:01.294"/>
   </p1510:revLst>
 </p1510:revInfo>
 </file>
@@ -132,19 +134,19 @@
 <pc:chgInfo xmlns:a="http://schemas.openxmlformats.org/drawingml/2006/main" xmlns:r="http://schemas.openxmlformats.org/officeDocument/2006/relationships" xmlns:ac="http://schemas.microsoft.com/office/drawing/2013/main/command" xmlns:pc="http://schemas.microsoft.com/office/powerpoint/2013/main/command">
   <pc:docChgLst>
     <pc:chgData name="Himmelbauer, Clara" userId="12d7e35a-e13e-4c49-b9be-a181bf83ad46" providerId="ADAL" clId="{26A58844-2FB7-4F90-9501-5CC089926BE8}"/>
-    <pc:docChg chg="custSel addSld modSld">
-      <pc:chgData name="Himmelbauer, Clara" userId="12d7e35a-e13e-4c49-b9be-a181bf83ad46" providerId="ADAL" clId="{26A58844-2FB7-4F90-9501-5CC089926BE8}" dt="2025-01-27T10:36:05.771" v="631" actId="5736"/>
+    <pc:docChg chg="undo custSel addSld delSld modSld sldOrd">
+      <pc:chgData name="Himmelbauer, Clara" userId="12d7e35a-e13e-4c49-b9be-a181bf83ad46" providerId="ADAL" clId="{26A58844-2FB7-4F90-9501-5CC089926BE8}" dt="2025-02-06T16:45:20.719" v="810" actId="1076"/>
       <pc:docMkLst>
         <pc:docMk/>
       </pc:docMkLst>
       <pc:sldChg chg="modSp new mod">
-        <pc:chgData name="Himmelbauer, Clara" userId="12d7e35a-e13e-4c49-b9be-a181bf83ad46" providerId="ADAL" clId="{26A58844-2FB7-4F90-9501-5CC089926BE8}" dt="2025-01-27T10:11:59.892" v="121" actId="20577"/>
+        <pc:chgData name="Himmelbauer, Clara" userId="12d7e35a-e13e-4c49-b9be-a181bf83ad46" providerId="ADAL" clId="{26A58844-2FB7-4F90-9501-5CC089926BE8}" dt="2025-02-06T16:42:27.676" v="686"/>
         <pc:sldMkLst>
           <pc:docMk/>
           <pc:sldMk cId="1587025369" sldId="256"/>
         </pc:sldMkLst>
         <pc:spChg chg="mod">
-          <ac:chgData name="Himmelbauer, Clara" userId="12d7e35a-e13e-4c49-b9be-a181bf83ad46" providerId="ADAL" clId="{26A58844-2FB7-4F90-9501-5CC089926BE8}" dt="2025-01-27T10:11:49.673" v="86" actId="20577"/>
+          <ac:chgData name="Himmelbauer, Clara" userId="12d7e35a-e13e-4c49-b9be-a181bf83ad46" providerId="ADAL" clId="{26A58844-2FB7-4F90-9501-5CC089926BE8}" dt="2025-02-06T16:42:27.676" v="686"/>
           <ac:spMkLst>
             <pc:docMk/>
             <pc:sldMk cId="1587025369" sldId="256"/>
@@ -152,7 +154,7 @@
           </ac:spMkLst>
         </pc:spChg>
         <pc:spChg chg="mod">
-          <ac:chgData name="Himmelbauer, Clara" userId="12d7e35a-e13e-4c49-b9be-a181bf83ad46" providerId="ADAL" clId="{26A58844-2FB7-4F90-9501-5CC089926BE8}" dt="2025-01-27T10:11:59.892" v="121" actId="20577"/>
+          <ac:chgData name="Himmelbauer, Clara" userId="12d7e35a-e13e-4c49-b9be-a181bf83ad46" providerId="ADAL" clId="{26A58844-2FB7-4F90-9501-5CC089926BE8}" dt="2025-02-06T16:42:27.676" v="686"/>
           <ac:spMkLst>
             <pc:docMk/>
             <pc:sldMk cId="1587025369" sldId="256"/>
@@ -161,37 +163,21 @@
         </pc:spChg>
       </pc:sldChg>
       <pc:sldChg chg="addSp delSp modSp new mod">
-        <pc:chgData name="Himmelbauer, Clara" userId="12d7e35a-e13e-4c49-b9be-a181bf83ad46" providerId="ADAL" clId="{26A58844-2FB7-4F90-9501-5CC089926BE8}" dt="2025-01-27T10:36:05.771" v="631" actId="5736"/>
+        <pc:chgData name="Himmelbauer, Clara" userId="12d7e35a-e13e-4c49-b9be-a181bf83ad46" providerId="ADAL" clId="{26A58844-2FB7-4F90-9501-5CC089926BE8}" dt="2025-02-06T16:42:27.676" v="686"/>
         <pc:sldMkLst>
           <pc:docMk/>
           <pc:sldMk cId="4171298435" sldId="257"/>
         </pc:sldMkLst>
         <pc:spChg chg="mod">
-          <ac:chgData name="Himmelbauer, Clara" userId="12d7e35a-e13e-4c49-b9be-a181bf83ad46" providerId="ADAL" clId="{26A58844-2FB7-4F90-9501-5CC089926BE8}" dt="2025-01-27T10:11:39.634" v="66" actId="20577"/>
+          <ac:chgData name="Himmelbauer, Clara" userId="12d7e35a-e13e-4c49-b9be-a181bf83ad46" providerId="ADAL" clId="{26A58844-2FB7-4F90-9501-5CC089926BE8}" dt="2025-02-06T16:42:27.676" v="686"/>
           <ac:spMkLst>
             <pc:docMk/>
             <pc:sldMk cId="4171298435" sldId="257"/>
             <ac:spMk id="2" creationId="{BB36368B-FAB8-C20B-35F4-757B95A5D4EF}"/>
           </ac:spMkLst>
         </pc:spChg>
-        <pc:spChg chg="add del">
-          <ac:chgData name="Himmelbauer, Clara" userId="12d7e35a-e13e-4c49-b9be-a181bf83ad46" providerId="ADAL" clId="{26A58844-2FB7-4F90-9501-5CC089926BE8}" dt="2025-01-27T10:11:24.273" v="36"/>
-          <ac:spMkLst>
-            <pc:docMk/>
-            <pc:sldMk cId="4171298435" sldId="257"/>
-            <ac:spMk id="3" creationId="{600EB50D-88EF-FE55-1E20-67D30407853E}"/>
-          </ac:spMkLst>
-        </pc:spChg>
         <pc:graphicFrameChg chg="add mod">
-          <ac:chgData name="Himmelbauer, Clara" userId="12d7e35a-e13e-4c49-b9be-a181bf83ad46" providerId="ADAL" clId="{26A58844-2FB7-4F90-9501-5CC089926BE8}" dt="2025-01-27T10:11:19.088" v="34"/>
-          <ac:graphicFrameMkLst>
-            <pc:docMk/>
-            <pc:sldMk cId="4171298435" sldId="257"/>
-            <ac:graphicFrameMk id="4" creationId="{0B7A5EA3-4E87-D48C-6EF1-E98D90806FEE}"/>
-          </ac:graphicFrameMkLst>
-        </pc:graphicFrameChg>
-        <pc:graphicFrameChg chg="add mod">
-          <ac:chgData name="Himmelbauer, Clara" userId="12d7e35a-e13e-4c49-b9be-a181bf83ad46" providerId="ADAL" clId="{26A58844-2FB7-4F90-9501-5CC089926BE8}" dt="2025-01-27T10:36:05.771" v="631" actId="5736"/>
+          <ac:chgData name="Himmelbauer, Clara" userId="12d7e35a-e13e-4c49-b9be-a181bf83ad46" providerId="ADAL" clId="{26A58844-2FB7-4F90-9501-5CC089926BE8}" dt="2025-02-06T16:42:27.676" v="686"/>
           <ac:graphicFrameMkLst>
             <pc:docMk/>
             <pc:sldMk cId="4171298435" sldId="257"/>
@@ -200,13 +186,13 @@
         </pc:graphicFrameChg>
       </pc:sldChg>
       <pc:sldChg chg="modSp new mod">
-        <pc:chgData name="Himmelbauer, Clara" userId="12d7e35a-e13e-4c49-b9be-a181bf83ad46" providerId="ADAL" clId="{26A58844-2FB7-4F90-9501-5CC089926BE8}" dt="2025-01-27T10:34:59.625" v="594" actId="20577"/>
+        <pc:chgData name="Himmelbauer, Clara" userId="12d7e35a-e13e-4c49-b9be-a181bf83ad46" providerId="ADAL" clId="{26A58844-2FB7-4F90-9501-5CC089926BE8}" dt="2025-02-06T16:42:27.676" v="686"/>
         <pc:sldMkLst>
           <pc:docMk/>
           <pc:sldMk cId="1720390971" sldId="258"/>
         </pc:sldMkLst>
         <pc:spChg chg="mod">
-          <ac:chgData name="Himmelbauer, Clara" userId="12d7e35a-e13e-4c49-b9be-a181bf83ad46" providerId="ADAL" clId="{26A58844-2FB7-4F90-9501-5CC089926BE8}" dt="2025-01-27T10:11:44.810" v="74" actId="20577"/>
+          <ac:chgData name="Himmelbauer, Clara" userId="12d7e35a-e13e-4c49-b9be-a181bf83ad46" providerId="ADAL" clId="{26A58844-2FB7-4F90-9501-5CC089926BE8}" dt="2025-02-06T16:42:27.676" v="686"/>
           <ac:spMkLst>
             <pc:docMk/>
             <pc:sldMk cId="1720390971" sldId="258"/>
@@ -214,7 +200,7 @@
           </ac:spMkLst>
         </pc:spChg>
         <pc:spChg chg="mod">
-          <ac:chgData name="Himmelbauer, Clara" userId="12d7e35a-e13e-4c49-b9be-a181bf83ad46" providerId="ADAL" clId="{26A58844-2FB7-4F90-9501-5CC089926BE8}" dt="2025-01-27T10:34:59.625" v="594" actId="20577"/>
+          <ac:chgData name="Himmelbauer, Clara" userId="12d7e35a-e13e-4c49-b9be-a181bf83ad46" providerId="ADAL" clId="{26A58844-2FB7-4F90-9501-5CC089926BE8}" dt="2025-02-06T16:42:27.676" v="686"/>
           <ac:spMkLst>
             <pc:docMk/>
             <pc:sldMk cId="1720390971" sldId="258"/>
@@ -223,73 +209,105 @@
         </pc:spChg>
       </pc:sldChg>
       <pc:sldChg chg="modSp new mod">
-        <pc:chgData name="Himmelbauer, Clara" userId="12d7e35a-e13e-4c49-b9be-a181bf83ad46" providerId="ADAL" clId="{26A58844-2FB7-4F90-9501-5CC089926BE8}" dt="2025-01-27T10:32:17.938" v="147" actId="20577"/>
+        <pc:chgData name="Himmelbauer, Clara" userId="12d7e35a-e13e-4c49-b9be-a181bf83ad46" providerId="ADAL" clId="{26A58844-2FB7-4F90-9501-5CC089926BE8}" dt="2025-02-06T16:42:27.676" v="686"/>
         <pc:sldMkLst>
           <pc:docMk/>
           <pc:sldMk cId="492563053" sldId="259"/>
         </pc:sldMkLst>
         <pc:spChg chg="mod">
-          <ac:chgData name="Himmelbauer, Clara" userId="12d7e35a-e13e-4c49-b9be-a181bf83ad46" providerId="ADAL" clId="{26A58844-2FB7-4F90-9501-5CC089926BE8}" dt="2025-01-27T10:32:17.938" v="147" actId="20577"/>
+          <ac:chgData name="Himmelbauer, Clara" userId="12d7e35a-e13e-4c49-b9be-a181bf83ad46" providerId="ADAL" clId="{26A58844-2FB7-4F90-9501-5CC089926BE8}" dt="2025-02-06T16:42:27.676" v="686"/>
           <ac:spMkLst>
             <pc:docMk/>
             <pc:sldMk cId="492563053" sldId="259"/>
             <ac:spMk id="2" creationId="{1E4605C5-5701-3037-3C04-C8942A8964E0}"/>
           </ac:spMkLst>
         </pc:spChg>
+        <pc:spChg chg="mod">
+          <ac:chgData name="Himmelbauer, Clara" userId="12d7e35a-e13e-4c49-b9be-a181bf83ad46" providerId="ADAL" clId="{26A58844-2FB7-4F90-9501-5CC089926BE8}" dt="2025-02-06T16:42:27.676" v="686"/>
+          <ac:spMkLst>
+            <pc:docMk/>
+            <pc:sldMk cId="492563053" sldId="259"/>
+            <ac:spMk id="3" creationId="{0226F2C6-85B6-6062-A2C7-E4F57EE7EB2C}"/>
+          </ac:spMkLst>
+        </pc:spChg>
       </pc:sldChg>
       <pc:sldChg chg="modSp new mod">
-        <pc:chgData name="Himmelbauer, Clara" userId="12d7e35a-e13e-4c49-b9be-a181bf83ad46" providerId="ADAL" clId="{26A58844-2FB7-4F90-9501-5CC089926BE8}" dt="2025-01-27T10:32:25.398" v="166" actId="20577"/>
+        <pc:chgData name="Himmelbauer, Clara" userId="12d7e35a-e13e-4c49-b9be-a181bf83ad46" providerId="ADAL" clId="{26A58844-2FB7-4F90-9501-5CC089926BE8}" dt="2025-02-06T16:42:27.676" v="686"/>
         <pc:sldMkLst>
           <pc:docMk/>
           <pc:sldMk cId="2475301093" sldId="260"/>
         </pc:sldMkLst>
         <pc:spChg chg="mod">
-          <ac:chgData name="Himmelbauer, Clara" userId="12d7e35a-e13e-4c49-b9be-a181bf83ad46" providerId="ADAL" clId="{26A58844-2FB7-4F90-9501-5CC089926BE8}" dt="2025-01-27T10:32:25.398" v="166" actId="20577"/>
+          <ac:chgData name="Himmelbauer, Clara" userId="12d7e35a-e13e-4c49-b9be-a181bf83ad46" providerId="ADAL" clId="{26A58844-2FB7-4F90-9501-5CC089926BE8}" dt="2025-02-06T16:42:27.676" v="686"/>
           <ac:spMkLst>
             <pc:docMk/>
             <pc:sldMk cId="2475301093" sldId="260"/>
             <ac:spMk id="2" creationId="{DFE68D6C-E9A8-08F2-72B8-C51F4075EB7A}"/>
           </ac:spMkLst>
         </pc:spChg>
+        <pc:spChg chg="mod">
+          <ac:chgData name="Himmelbauer, Clara" userId="12d7e35a-e13e-4c49-b9be-a181bf83ad46" providerId="ADAL" clId="{26A58844-2FB7-4F90-9501-5CC089926BE8}" dt="2025-02-06T16:42:27.676" v="686"/>
+          <ac:spMkLst>
+            <pc:docMk/>
+            <pc:sldMk cId="2475301093" sldId="260"/>
+            <ac:spMk id="3" creationId="{8B4F73BC-6221-7151-9E3D-A10E327370F1}"/>
+          </ac:spMkLst>
+        </pc:spChg>
       </pc:sldChg>
       <pc:sldChg chg="modSp new mod">
-        <pc:chgData name="Himmelbauer, Clara" userId="12d7e35a-e13e-4c49-b9be-a181bf83ad46" providerId="ADAL" clId="{26A58844-2FB7-4F90-9501-5CC089926BE8}" dt="2025-01-27T10:32:34.229" v="208" actId="20577"/>
+        <pc:chgData name="Himmelbauer, Clara" userId="12d7e35a-e13e-4c49-b9be-a181bf83ad46" providerId="ADAL" clId="{26A58844-2FB7-4F90-9501-5CC089926BE8}" dt="2025-02-06T16:42:27.676" v="686"/>
         <pc:sldMkLst>
           <pc:docMk/>
           <pc:sldMk cId="2183538183" sldId="261"/>
         </pc:sldMkLst>
         <pc:spChg chg="mod">
-          <ac:chgData name="Himmelbauer, Clara" userId="12d7e35a-e13e-4c49-b9be-a181bf83ad46" providerId="ADAL" clId="{26A58844-2FB7-4F90-9501-5CC089926BE8}" dt="2025-01-27T10:32:34.229" v="208" actId="20577"/>
+          <ac:chgData name="Himmelbauer, Clara" userId="12d7e35a-e13e-4c49-b9be-a181bf83ad46" providerId="ADAL" clId="{26A58844-2FB7-4F90-9501-5CC089926BE8}" dt="2025-02-06T16:42:27.676" v="686"/>
           <ac:spMkLst>
             <pc:docMk/>
             <pc:sldMk cId="2183538183" sldId="261"/>
             <ac:spMk id="2" creationId="{BA8B69C5-C240-88A4-BD48-850C48BE733B}"/>
           </ac:spMkLst>
         </pc:spChg>
+        <pc:spChg chg="mod">
+          <ac:chgData name="Himmelbauer, Clara" userId="12d7e35a-e13e-4c49-b9be-a181bf83ad46" providerId="ADAL" clId="{26A58844-2FB7-4F90-9501-5CC089926BE8}" dt="2025-02-06T16:42:27.676" v="686"/>
+          <ac:spMkLst>
+            <pc:docMk/>
+            <pc:sldMk cId="2183538183" sldId="261"/>
+            <ac:spMk id="3" creationId="{4C57A619-47FE-2F4B-4C80-DBFC185BAAF1}"/>
+          </ac:spMkLst>
+        </pc:spChg>
       </pc:sldChg>
       <pc:sldChg chg="modSp new mod">
-        <pc:chgData name="Himmelbauer, Clara" userId="12d7e35a-e13e-4c49-b9be-a181bf83ad46" providerId="ADAL" clId="{26A58844-2FB7-4F90-9501-5CC089926BE8}" dt="2025-01-27T10:33:02.685" v="254" actId="20577"/>
+        <pc:chgData name="Himmelbauer, Clara" userId="12d7e35a-e13e-4c49-b9be-a181bf83ad46" providerId="ADAL" clId="{26A58844-2FB7-4F90-9501-5CC089926BE8}" dt="2025-02-06T16:42:27.676" v="686"/>
         <pc:sldMkLst>
           <pc:docMk/>
           <pc:sldMk cId="4082787262" sldId="262"/>
         </pc:sldMkLst>
         <pc:spChg chg="mod">
-          <ac:chgData name="Himmelbauer, Clara" userId="12d7e35a-e13e-4c49-b9be-a181bf83ad46" providerId="ADAL" clId="{26A58844-2FB7-4F90-9501-5CC089926BE8}" dt="2025-01-27T10:33:02.685" v="254" actId="20577"/>
+          <ac:chgData name="Himmelbauer, Clara" userId="12d7e35a-e13e-4c49-b9be-a181bf83ad46" providerId="ADAL" clId="{26A58844-2FB7-4F90-9501-5CC089926BE8}" dt="2025-02-06T16:42:27.676" v="686"/>
           <ac:spMkLst>
             <pc:docMk/>
             <pc:sldMk cId="4082787262" sldId="262"/>
             <ac:spMk id="2" creationId="{AB4F34F2-FD1A-FC57-D53E-8A5C1321C35A}"/>
           </ac:spMkLst>
         </pc:spChg>
+        <pc:spChg chg="mod">
+          <ac:chgData name="Himmelbauer, Clara" userId="12d7e35a-e13e-4c49-b9be-a181bf83ad46" providerId="ADAL" clId="{26A58844-2FB7-4F90-9501-5CC089926BE8}" dt="2025-02-06T16:42:27.676" v="686"/>
+          <ac:spMkLst>
+            <pc:docMk/>
+            <pc:sldMk cId="4082787262" sldId="262"/>
+            <ac:spMk id="3" creationId="{6471F93C-8191-3241-8A23-E9A5E8781D29}"/>
+          </ac:spMkLst>
+        </pc:spChg>
       </pc:sldChg>
       <pc:sldChg chg="modSp new mod">
-        <pc:chgData name="Himmelbauer, Clara" userId="12d7e35a-e13e-4c49-b9be-a181bf83ad46" providerId="ADAL" clId="{26A58844-2FB7-4F90-9501-5CC089926BE8}" dt="2025-01-27T10:34:47.460" v="559" actId="20577"/>
+        <pc:chgData name="Himmelbauer, Clara" userId="12d7e35a-e13e-4c49-b9be-a181bf83ad46" providerId="ADAL" clId="{26A58844-2FB7-4F90-9501-5CC089926BE8}" dt="2025-02-06T16:42:27.676" v="686"/>
         <pc:sldMkLst>
           <pc:docMk/>
           <pc:sldMk cId="2842475990" sldId="263"/>
         </pc:sldMkLst>
         <pc:spChg chg="mod">
-          <ac:chgData name="Himmelbauer, Clara" userId="12d7e35a-e13e-4c49-b9be-a181bf83ad46" providerId="ADAL" clId="{26A58844-2FB7-4F90-9501-5CC089926BE8}" dt="2025-01-27T10:33:07.570" v="268" actId="20577"/>
+          <ac:chgData name="Himmelbauer, Clara" userId="12d7e35a-e13e-4c49-b9be-a181bf83ad46" providerId="ADAL" clId="{26A58844-2FB7-4F90-9501-5CC089926BE8}" dt="2025-02-06T16:42:27.676" v="686"/>
           <ac:spMkLst>
             <pc:docMk/>
             <pc:sldMk cId="2842475990" sldId="263"/>
@@ -297,7 +315,7 @@
           </ac:spMkLst>
         </pc:spChg>
         <pc:spChg chg="mod">
-          <ac:chgData name="Himmelbauer, Clara" userId="12d7e35a-e13e-4c49-b9be-a181bf83ad46" providerId="ADAL" clId="{26A58844-2FB7-4F90-9501-5CC089926BE8}" dt="2025-01-27T10:34:47.460" v="559" actId="20577"/>
+          <ac:chgData name="Himmelbauer, Clara" userId="12d7e35a-e13e-4c49-b9be-a181bf83ad46" providerId="ADAL" clId="{26A58844-2FB7-4F90-9501-5CC089926BE8}" dt="2025-02-06T16:42:27.676" v="686"/>
           <ac:spMkLst>
             <pc:docMk/>
             <pc:sldMk cId="2842475990" sldId="263"/>
@@ -306,19 +324,96 @@
         </pc:spChg>
       </pc:sldChg>
       <pc:sldChg chg="modSp new mod">
-        <pc:chgData name="Himmelbauer, Clara" userId="12d7e35a-e13e-4c49-b9be-a181bf83ad46" providerId="ADAL" clId="{26A58844-2FB7-4F90-9501-5CC089926BE8}" dt="2025-01-27T10:35:21.864" v="630" actId="20577"/>
+        <pc:chgData name="Himmelbauer, Clara" userId="12d7e35a-e13e-4c49-b9be-a181bf83ad46" providerId="ADAL" clId="{26A58844-2FB7-4F90-9501-5CC089926BE8}" dt="2025-02-06T16:42:27.676" v="686"/>
         <pc:sldMkLst>
           <pc:docMk/>
           <pc:sldMk cId="2130042208" sldId="264"/>
         </pc:sldMkLst>
         <pc:spChg chg="mod">
-          <ac:chgData name="Himmelbauer, Clara" userId="12d7e35a-e13e-4c49-b9be-a181bf83ad46" providerId="ADAL" clId="{26A58844-2FB7-4F90-9501-5CC089926BE8}" dt="2025-01-27T10:35:21.864" v="630" actId="20577"/>
+          <ac:chgData name="Himmelbauer, Clara" userId="12d7e35a-e13e-4c49-b9be-a181bf83ad46" providerId="ADAL" clId="{26A58844-2FB7-4F90-9501-5CC089926BE8}" dt="2025-02-06T16:42:27.676" v="686"/>
           <ac:spMkLst>
             <pc:docMk/>
             <pc:sldMk cId="2130042208" sldId="264"/>
             <ac:spMk id="2" creationId="{B0F12AB1-0276-235A-A78F-AC7C856D3ABB}"/>
           </ac:spMkLst>
         </pc:spChg>
+        <pc:spChg chg="mod">
+          <ac:chgData name="Himmelbauer, Clara" userId="12d7e35a-e13e-4c49-b9be-a181bf83ad46" providerId="ADAL" clId="{26A58844-2FB7-4F90-9501-5CC089926BE8}" dt="2025-02-06T16:42:27.676" v="686"/>
+          <ac:spMkLst>
+            <pc:docMk/>
+            <pc:sldMk cId="2130042208" sldId="264"/>
+            <ac:spMk id="3" creationId="{AC7F4988-7C23-A449-FACD-67CE41C01E74}"/>
+          </ac:spMkLst>
+        </pc:spChg>
+      </pc:sldChg>
+      <pc:sldChg chg="modSp new mod">
+        <pc:chgData name="Himmelbauer, Clara" userId="12d7e35a-e13e-4c49-b9be-a181bf83ad46" providerId="ADAL" clId="{26A58844-2FB7-4F90-9501-5CC089926BE8}" dt="2025-02-06T16:42:27.676" v="686"/>
+        <pc:sldMkLst>
+          <pc:docMk/>
+          <pc:sldMk cId="687750663" sldId="265"/>
+        </pc:sldMkLst>
+        <pc:spChg chg="mod">
+          <ac:chgData name="Himmelbauer, Clara" userId="12d7e35a-e13e-4c49-b9be-a181bf83ad46" providerId="ADAL" clId="{26A58844-2FB7-4F90-9501-5CC089926BE8}" dt="2025-02-06T16:42:27.676" v="686"/>
+          <ac:spMkLst>
+            <pc:docMk/>
+            <pc:sldMk cId="687750663" sldId="265"/>
+            <ac:spMk id="2" creationId="{395F23DD-25C9-9DC6-905F-79D710601BB1}"/>
+          </ac:spMkLst>
+        </pc:spChg>
+        <pc:spChg chg="mod">
+          <ac:chgData name="Himmelbauer, Clara" userId="12d7e35a-e13e-4c49-b9be-a181bf83ad46" providerId="ADAL" clId="{26A58844-2FB7-4F90-9501-5CC089926BE8}" dt="2025-02-06T16:42:27.676" v="686"/>
+          <ac:spMkLst>
+            <pc:docMk/>
+            <pc:sldMk cId="687750663" sldId="265"/>
+            <ac:spMk id="3" creationId="{71DD4476-5570-B562-B1EA-F3653F25F252}"/>
+          </ac:spMkLst>
+        </pc:spChg>
+      </pc:sldChg>
+      <pc:sldChg chg="new del ord">
+        <pc:chgData name="Himmelbauer, Clara" userId="12d7e35a-e13e-4c49-b9be-a181bf83ad46" providerId="ADAL" clId="{26A58844-2FB7-4F90-9501-5CC089926BE8}" dt="2025-02-06T16:43:06.451" v="693" actId="2696"/>
+        <pc:sldMkLst>
+          <pc:docMk/>
+          <pc:sldMk cId="1814066068" sldId="266"/>
+        </pc:sldMkLst>
+      </pc:sldChg>
+      <pc:sldChg chg="addSp delSp modSp new mod ord">
+        <pc:chgData name="Himmelbauer, Clara" userId="12d7e35a-e13e-4c49-b9be-a181bf83ad46" providerId="ADAL" clId="{26A58844-2FB7-4F90-9501-5CC089926BE8}" dt="2025-02-06T16:45:20.719" v="810" actId="1076"/>
+        <pc:sldMkLst>
+          <pc:docMk/>
+          <pc:sldMk cId="1368333132" sldId="267"/>
+        </pc:sldMkLst>
+        <pc:spChg chg="mod">
+          <ac:chgData name="Himmelbauer, Clara" userId="12d7e35a-e13e-4c49-b9be-a181bf83ad46" providerId="ADAL" clId="{26A58844-2FB7-4F90-9501-5CC089926BE8}" dt="2025-02-06T16:43:13.462" v="725" actId="20577"/>
+          <ac:spMkLst>
+            <pc:docMk/>
+            <pc:sldMk cId="1368333132" sldId="267"/>
+            <ac:spMk id="2" creationId="{2236A51D-002B-D99F-E2D1-2CA94C39C13E}"/>
+          </ac:spMkLst>
+        </pc:spChg>
+        <pc:spChg chg="add del mod">
+          <ac:chgData name="Himmelbauer, Clara" userId="12d7e35a-e13e-4c49-b9be-a181bf83ad46" providerId="ADAL" clId="{26A58844-2FB7-4F90-9501-5CC089926BE8}" dt="2025-02-06T16:43:29.524" v="729" actId="3680"/>
+          <ac:spMkLst>
+            <pc:docMk/>
+            <pc:sldMk cId="1368333132" sldId="267"/>
+            <ac:spMk id="3" creationId="{ECE2AD14-DACF-15B1-8FD1-8FD0EA9B2DDC}"/>
+          </ac:spMkLst>
+        </pc:spChg>
+        <pc:graphicFrameChg chg="add del mod ord modGraphic">
+          <ac:chgData name="Himmelbauer, Clara" userId="12d7e35a-e13e-4c49-b9be-a181bf83ad46" providerId="ADAL" clId="{26A58844-2FB7-4F90-9501-5CC089926BE8}" dt="2025-02-06T16:43:26.443" v="728" actId="3680"/>
+          <ac:graphicFrameMkLst>
+            <pc:docMk/>
+            <pc:sldMk cId="1368333132" sldId="267"/>
+            <ac:graphicFrameMk id="5" creationId="{AC264F7F-E13E-4185-00F9-E5E4665EE62F}"/>
+          </ac:graphicFrameMkLst>
+        </pc:graphicFrameChg>
+        <pc:graphicFrameChg chg="add mod ord modGraphic">
+          <ac:chgData name="Himmelbauer, Clara" userId="12d7e35a-e13e-4c49-b9be-a181bf83ad46" providerId="ADAL" clId="{26A58844-2FB7-4F90-9501-5CC089926BE8}" dt="2025-02-06T16:45:20.719" v="810" actId="1076"/>
+          <ac:graphicFrameMkLst>
+            <pc:docMk/>
+            <pc:sldMk cId="1368333132" sldId="267"/>
+            <ac:graphicFrameMk id="6" creationId="{EC52E802-E748-5410-3E3F-376F55A08763}"/>
+          </ac:graphicFrameMkLst>
+        </pc:graphicFrameChg>
       </pc:sldChg>
     </pc:docChg>
   </pc:docChgLst>
@@ -1242,8 +1337,18 @@
 </file>
 
 <file path=ppt/slideLayouts/slideLayout1.xml><?xml version="1.0" encoding="utf-8"?>
-<p:sldLayout xmlns:a="http://schemas.openxmlformats.org/drawingml/2006/main" xmlns:r="http://schemas.openxmlformats.org/officeDocument/2006/relationships" xmlns:p="http://schemas.openxmlformats.org/presentationml/2006/main" type="title" preserve="1">
+<p:sldLayout xmlns:a="http://schemas.openxmlformats.org/drawingml/2006/main" xmlns:r="http://schemas.openxmlformats.org/officeDocument/2006/relationships" xmlns:p="http://schemas.openxmlformats.org/presentationml/2006/main" showMasterSp="0" type="title" preserve="1">
   <p:cSld name="Titelfolie">
+    <p:bg>
+      <p:bgPr>
+        <a:solidFill>
+          <a:schemeClr val="bg2">
+            <a:lumMod val="75000"/>
+          </a:schemeClr>
+        </a:solidFill>
+        <a:effectLst/>
+      </p:bgPr>
+    </p:bg>
     <p:spTree>
       <p:nvGrpSpPr>
         <p:cNvPr id="1" name=""/>
@@ -1260,13 +1365,7 @@
       </p:grpSpPr>
       <p:sp>
         <p:nvSpPr>
-          <p:cNvPr id="2" name="Titel 1">
-            <a:extLst>
-              <a:ext uri="{FF2B5EF4-FFF2-40B4-BE49-F238E27FC236}">
-                <a16:creationId xmlns:a16="http://schemas.microsoft.com/office/drawing/2014/main" id="{0FF04F0A-7273-5C76-3EF0-25DE2CEE183A}"/>
-              </a:ext>
-            </a:extLst>
-          </p:cNvPr>
+          <p:cNvPr id="2" name="Title 1"/>
           <p:cNvSpPr>
             <a:spLocks noGrp="1"/>
           </p:cNvSpPr>
@@ -1276,15 +1375,24 @@
         </p:nvSpPr>
         <p:spPr>
           <a:xfrm>
-            <a:off x="1524000" y="1122363"/>
-            <a:ext cx="9144000" cy="2387600"/>
+            <a:off x="1261872" y="758952"/>
+            <a:ext cx="9418320" cy="4041648"/>
           </a:xfrm>
         </p:spPr>
         <p:txBody>
-          <a:bodyPr anchor="b"/>
+          <a:bodyPr anchor="b">
+            <a:normAutofit/>
+          </a:bodyPr>
           <a:lstStyle>
-            <a:lvl1pPr algn="ctr">
-              <a:defRPr sz="6000"/>
+            <a:lvl1pPr algn="l">
+              <a:lnSpc>
+                <a:spcPct val="85000"/>
+              </a:lnSpc>
+              <a:defRPr sz="7200" baseline="0">
+                <a:solidFill>
+                  <a:schemeClr val="tx1"/>
+                </a:solidFill>
+              </a:defRPr>
             </a:lvl1pPr>
           </a:lstStyle>
           <a:p>
@@ -1292,19 +1400,13 @@
               <a:rPr lang="de-DE"/>
               <a:t>Mastertitelformat bearbeiten</a:t>
             </a:r>
-            <a:endParaRPr lang="de-AT"/>
-          </a:p>
-        </p:txBody>
-      </p:sp>
-      <p:sp>
-        <p:nvSpPr>
-          <p:cNvPr id="3" name="Untertitel 2">
-            <a:extLst>
-              <a:ext uri="{FF2B5EF4-FFF2-40B4-BE49-F238E27FC236}">
-                <a16:creationId xmlns:a16="http://schemas.microsoft.com/office/drawing/2014/main" id="{D0A11E73-3E4F-FAF6-70D7-A5FBF7F8C548}"/>
-              </a:ext>
-            </a:extLst>
-          </p:cNvPr>
+            <a:endParaRPr lang="en-US" dirty="0"/>
+          </a:p>
+        </p:txBody>
+      </p:sp>
+      <p:sp>
+        <p:nvSpPr>
+          <p:cNvPr id="3" name="Subtitle 2"/>
           <p:cNvSpPr>
             <a:spLocks noGrp="1"/>
           </p:cNvSpPr>
@@ -1314,48 +1416,56 @@
         </p:nvSpPr>
         <p:spPr>
           <a:xfrm>
-            <a:off x="1524000" y="3602038"/>
-            <a:ext cx="9144000" cy="1655762"/>
+            <a:off x="1261872" y="4800600"/>
+            <a:ext cx="9418320" cy="1691640"/>
           </a:xfrm>
         </p:spPr>
         <p:txBody>
-          <a:bodyPr/>
+          <a:bodyPr>
+            <a:normAutofit/>
+          </a:bodyPr>
           <a:lstStyle>
-            <a:lvl1pPr marL="0" indent="0" algn="ctr">
+            <a:lvl1pPr marL="0" indent="0" algn="l">
               <a:buNone/>
-              <a:defRPr sz="2400"/>
+              <a:defRPr sz="2200" baseline="0">
+                <a:solidFill>
+                  <a:schemeClr val="tx1">
+                    <a:lumMod val="75000"/>
+                  </a:schemeClr>
+                </a:solidFill>
+              </a:defRPr>
             </a:lvl1pPr>
             <a:lvl2pPr marL="457200" indent="0" algn="ctr">
               <a:buNone/>
-              <a:defRPr sz="2000"/>
+              <a:defRPr sz="2200"/>
             </a:lvl2pPr>
             <a:lvl3pPr marL="914400" indent="0" algn="ctr">
               <a:buNone/>
-              <a:defRPr sz="1800"/>
+              <a:defRPr sz="2200"/>
             </a:lvl3pPr>
             <a:lvl4pPr marL="1371600" indent="0" algn="ctr">
               <a:buNone/>
-              <a:defRPr sz="1600"/>
+              <a:defRPr sz="2000"/>
             </a:lvl4pPr>
             <a:lvl5pPr marL="1828800" indent="0" algn="ctr">
               <a:buNone/>
-              <a:defRPr sz="1600"/>
+              <a:defRPr sz="2000"/>
             </a:lvl5pPr>
             <a:lvl6pPr marL="2286000" indent="0" algn="ctr">
               <a:buNone/>
-              <a:defRPr sz="1600"/>
+              <a:defRPr sz="2000"/>
             </a:lvl6pPr>
             <a:lvl7pPr marL="2743200" indent="0" algn="ctr">
               <a:buNone/>
-              <a:defRPr sz="1600"/>
+              <a:defRPr sz="2000"/>
             </a:lvl7pPr>
             <a:lvl8pPr marL="3200400" indent="0" algn="ctr">
               <a:buNone/>
-              <a:defRPr sz="1600"/>
+              <a:defRPr sz="2000"/>
             </a:lvl8pPr>
             <a:lvl9pPr marL="3657600" indent="0" algn="ctr">
               <a:buNone/>
-              <a:defRPr sz="1600"/>
+              <a:defRPr sz="2000"/>
             </a:lvl9pPr>
           </a:lstStyle>
           <a:p>
@@ -1363,19 +1473,13 @@
               <a:rPr lang="de-DE"/>
               <a:t>Master-Untertitelformat bearbeiten</a:t>
             </a:r>
-            <a:endParaRPr lang="de-AT"/>
-          </a:p>
-        </p:txBody>
-      </p:sp>
-      <p:sp>
-        <p:nvSpPr>
-          <p:cNvPr id="4" name="Datumsplatzhalter 3">
-            <a:extLst>
-              <a:ext uri="{FF2B5EF4-FFF2-40B4-BE49-F238E27FC236}">
-                <a16:creationId xmlns:a16="http://schemas.microsoft.com/office/drawing/2014/main" id="{40076F14-EF39-02A3-31D6-092B28A50EC5}"/>
-              </a:ext>
-            </a:extLst>
-          </p:cNvPr>
+            <a:endParaRPr lang="en-US" dirty="0"/>
+          </a:p>
+        </p:txBody>
+      </p:sp>
+      <p:sp>
+        <p:nvSpPr>
+          <p:cNvPr id="4" name="Date Placeholder 3"/>
           <p:cNvSpPr>
             <a:spLocks noGrp="1"/>
           </p:cNvSpPr>
@@ -1386,11 +1490,21 @@
         <p:spPr/>
         <p:txBody>
           <a:bodyPr/>
-          <a:lstStyle/>
+          <a:lstStyle>
+            <a:lvl1pPr>
+              <a:defRPr>
+                <a:solidFill>
+                  <a:schemeClr val="tx1">
+                    <a:lumMod val="50000"/>
+                  </a:schemeClr>
+                </a:solidFill>
+              </a:defRPr>
+            </a:lvl1pPr>
+          </a:lstStyle>
           <a:p>
             <a:fld id="{C7B5033B-E79C-4009-9C64-ABF7A52B63B5}" type="datetimeFigureOut">
               <a:rPr lang="de-AT" smtClean="0"/>
-              <a:t>27.01.2025</a:t>
+              <a:t>06.02.2025</a:t>
             </a:fld>
             <a:endParaRPr lang="de-AT"/>
           </a:p>
@@ -1398,13 +1512,7 @@
       </p:sp>
       <p:sp>
         <p:nvSpPr>
-          <p:cNvPr id="5" name="Fußzeilenplatzhalter 4">
-            <a:extLst>
-              <a:ext uri="{FF2B5EF4-FFF2-40B4-BE49-F238E27FC236}">
-                <a16:creationId xmlns:a16="http://schemas.microsoft.com/office/drawing/2014/main" id="{C22F2C99-35BA-4A33-4838-18087DDF864F}"/>
-              </a:ext>
-            </a:extLst>
-          </p:cNvPr>
+          <p:cNvPr id="5" name="Footer Placeholder 4"/>
           <p:cNvSpPr>
             <a:spLocks noGrp="1"/>
           </p:cNvSpPr>
@@ -1415,7 +1523,17 @@
         <p:spPr/>
         <p:txBody>
           <a:bodyPr/>
-          <a:lstStyle/>
+          <a:lstStyle>
+            <a:lvl1pPr>
+              <a:defRPr>
+                <a:solidFill>
+                  <a:schemeClr val="tx1">
+                    <a:lumMod val="65000"/>
+                  </a:schemeClr>
+                </a:solidFill>
+              </a:defRPr>
+            </a:lvl1pPr>
+          </a:lstStyle>
           <a:p>
             <a:endParaRPr lang="de-AT"/>
           </a:p>
@@ -1423,13 +1541,7 @@
       </p:sp>
       <p:sp>
         <p:nvSpPr>
-          <p:cNvPr id="6" name="Foliennummernplatzhalter 5">
-            <a:extLst>
-              <a:ext uri="{FF2B5EF4-FFF2-40B4-BE49-F238E27FC236}">
-                <a16:creationId xmlns:a16="http://schemas.microsoft.com/office/drawing/2014/main" id="{D7F376B2-AEE4-6E2E-FD98-7AA06CA6B55C}"/>
-              </a:ext>
-            </a:extLst>
-          </p:cNvPr>
+          <p:cNvPr id="6" name="Slide Number Placeholder 5"/>
           <p:cNvSpPr>
             <a:spLocks noGrp="1"/>
           </p:cNvSpPr>
@@ -1440,7 +1552,17 @@
         <p:spPr/>
         <p:txBody>
           <a:bodyPr/>
-          <a:lstStyle/>
+          <a:lstStyle>
+            <a:lvl1pPr>
+              <a:defRPr>
+                <a:solidFill>
+                  <a:schemeClr val="tx1">
+                    <a:lumMod val="65000"/>
+                  </a:schemeClr>
+                </a:solidFill>
+              </a:defRPr>
+            </a:lvl1pPr>
+          </a:lstStyle>
           <a:p>
             <a:fld id="{58087E24-FB43-451A-9D0B-7B980EC5ED81}" type="slidenum">
               <a:rPr lang="de-AT" smtClean="0"/>
@@ -1450,15 +1572,53 @@
           </a:p>
         </p:txBody>
       </p:sp>
+      <p:sp>
+        <p:nvSpPr>
+          <p:cNvPr id="7" name="Rectangle 6"/>
+          <p:cNvSpPr/>
+          <p:nvPr/>
+        </p:nvSpPr>
+        <p:spPr>
+          <a:xfrm>
+            <a:off x="0" y="0"/>
+            <a:ext cx="457200" cy="6858000"/>
+          </a:xfrm>
+          <a:prstGeom prst="rect">
+            <a:avLst/>
+          </a:prstGeom>
+          <a:solidFill>
+            <a:schemeClr val="accent1"/>
+          </a:solidFill>
+          <a:ln>
+            <a:noFill/>
+          </a:ln>
+        </p:spPr>
+        <p:style>
+          <a:lnRef idx="2">
+            <a:schemeClr val="accent1">
+              <a:shade val="50000"/>
+            </a:schemeClr>
+          </a:lnRef>
+          <a:fillRef idx="1">
+            <a:schemeClr val="accent1"/>
+          </a:fillRef>
+          <a:effectRef idx="0">
+            <a:schemeClr val="accent1"/>
+          </a:effectRef>
+          <a:fontRef idx="minor">
+            <a:schemeClr val="lt1"/>
+          </a:fontRef>
+        </p:style>
+      </p:sp>
     </p:spTree>
     <p:extLst>
       <p:ext uri="{BB962C8B-B14F-4D97-AF65-F5344CB8AC3E}">
-        <p14:creationId xmlns:p14="http://schemas.microsoft.com/office/powerpoint/2010/main" val="2378216249"/>
+        <p14:creationId xmlns:p14="http://schemas.microsoft.com/office/powerpoint/2010/main" val="1278097906"/>
       </p:ext>
     </p:extLst>
   </p:cSld>
   <p:clrMapOvr>
-    <a:masterClrMapping/>
+    <a:overrideClrMapping bg1="dk1" tx1="lt1" bg2="dk2" tx2="lt2" accent1="accent1" accent2="accent2" accent3="accent3" accent4="accent4" accent5="accent5" accent6="accent6" hlink="hlink" folHlink="folHlink"/>
   </p:clrMapOvr>
 </p:sldLayout>
 </file>
@@ -1482,13 +1642,7 @@
       </p:grpSpPr>
       <p:sp>
         <p:nvSpPr>
-          <p:cNvPr id="2" name="Titel 1">
-            <a:extLst>
-              <a:ext uri="{FF2B5EF4-FFF2-40B4-BE49-F238E27FC236}">
-                <a16:creationId xmlns:a16="http://schemas.microsoft.com/office/drawing/2014/main" id="{23976F70-A149-50D4-65A1-50C9FABB844B}"/>
-              </a:ext>
-            </a:extLst>
-          </p:cNvPr>
+          <p:cNvPr id="2" name="Title 1"/>
           <p:cNvSpPr>
             <a:spLocks noGrp="1"/>
           </p:cNvSpPr>
@@ -1505,19 +1659,13 @@
               <a:rPr lang="de-DE"/>
               <a:t>Mastertitelformat bearbeiten</a:t>
             </a:r>
-            <a:endParaRPr lang="de-AT"/>
-          </a:p>
-        </p:txBody>
-      </p:sp>
-      <p:sp>
-        <p:nvSpPr>
-          <p:cNvPr id="3" name="Vertikaler Textplatzhalter 2">
-            <a:extLst>
-              <a:ext uri="{FF2B5EF4-FFF2-40B4-BE49-F238E27FC236}">
-                <a16:creationId xmlns:a16="http://schemas.microsoft.com/office/drawing/2014/main" id="{9C0EB4F6-179A-D8CA-49F4-F236C8BC7955}"/>
-              </a:ext>
-            </a:extLst>
-          </p:cNvPr>
+            <a:endParaRPr lang="en-US" dirty="0"/>
+          </a:p>
+        </p:txBody>
+      </p:sp>
+      <p:sp>
+        <p:nvSpPr>
+          <p:cNvPr id="3" name="Vertical Text Placeholder 2"/>
           <p:cNvSpPr>
             <a:spLocks noGrp="1"/>
           </p:cNvSpPr>
@@ -1563,19 +1711,13 @@
               <a:rPr lang="de-DE"/>
               <a:t>Fünfte Ebene</a:t>
             </a:r>
-            <a:endParaRPr lang="de-AT"/>
-          </a:p>
-        </p:txBody>
-      </p:sp>
-      <p:sp>
-        <p:nvSpPr>
-          <p:cNvPr id="4" name="Datumsplatzhalter 3">
-            <a:extLst>
-              <a:ext uri="{FF2B5EF4-FFF2-40B4-BE49-F238E27FC236}">
-                <a16:creationId xmlns:a16="http://schemas.microsoft.com/office/drawing/2014/main" id="{83F5A41D-C1A2-EC1C-FE31-F02160178057}"/>
-              </a:ext>
-            </a:extLst>
-          </p:cNvPr>
+            <a:endParaRPr lang="en-US" dirty="0"/>
+          </a:p>
+        </p:txBody>
+      </p:sp>
+      <p:sp>
+        <p:nvSpPr>
+          <p:cNvPr id="4" name="Date Placeholder 3"/>
           <p:cNvSpPr>
             <a:spLocks noGrp="1"/>
           </p:cNvSpPr>
@@ -1590,7 +1732,7 @@
           <a:p>
             <a:fld id="{C7B5033B-E79C-4009-9C64-ABF7A52B63B5}" type="datetimeFigureOut">
               <a:rPr lang="de-AT" smtClean="0"/>
-              <a:t>27.01.2025</a:t>
+              <a:t>06.02.2025</a:t>
             </a:fld>
             <a:endParaRPr lang="de-AT"/>
           </a:p>
@@ -1598,13 +1740,7 @@
       </p:sp>
       <p:sp>
         <p:nvSpPr>
-          <p:cNvPr id="5" name="Fußzeilenplatzhalter 4">
-            <a:extLst>
-              <a:ext uri="{FF2B5EF4-FFF2-40B4-BE49-F238E27FC236}">
-                <a16:creationId xmlns:a16="http://schemas.microsoft.com/office/drawing/2014/main" id="{FA10E80F-E7FA-65FA-66AE-ADD1148CD08D}"/>
-              </a:ext>
-            </a:extLst>
-          </p:cNvPr>
+          <p:cNvPr id="5" name="Footer Placeholder 4"/>
           <p:cNvSpPr>
             <a:spLocks noGrp="1"/>
           </p:cNvSpPr>
@@ -1623,13 +1759,7 @@
       </p:sp>
       <p:sp>
         <p:nvSpPr>
-          <p:cNvPr id="6" name="Foliennummernplatzhalter 5">
-            <a:extLst>
-              <a:ext uri="{FF2B5EF4-FFF2-40B4-BE49-F238E27FC236}">
-                <a16:creationId xmlns:a16="http://schemas.microsoft.com/office/drawing/2014/main" id="{47664D1A-C3C1-2245-9D13-3B903672A6A6}"/>
-              </a:ext>
-            </a:extLst>
-          </p:cNvPr>
+          <p:cNvPr id="6" name="Slide Number Placeholder 5"/>
           <p:cNvSpPr>
             <a:spLocks noGrp="1"/>
           </p:cNvSpPr>
@@ -1653,7 +1783,7 @@
     </p:spTree>
     <p:extLst>
       <p:ext uri="{BB962C8B-B14F-4D97-AF65-F5344CB8AC3E}">
-        <p14:creationId xmlns:p14="http://schemas.microsoft.com/office/powerpoint/2010/main" val="110271739"/>
+        <p14:creationId xmlns:p14="http://schemas.microsoft.com/office/powerpoint/2010/main" val="2121069891"/>
       </p:ext>
     </p:extLst>
   </p:cSld>
@@ -1682,13 +1812,7 @@
       </p:grpSpPr>
       <p:sp>
         <p:nvSpPr>
-          <p:cNvPr id="2" name="Vertikaler Titel 1">
-            <a:extLst>
-              <a:ext uri="{FF2B5EF4-FFF2-40B4-BE49-F238E27FC236}">
-                <a16:creationId xmlns:a16="http://schemas.microsoft.com/office/drawing/2014/main" id="{C0AC0641-C7B4-9832-7DDD-DBEF8443CD44}"/>
-              </a:ext>
-            </a:extLst>
-          </p:cNvPr>
+          <p:cNvPr id="2" name="Vertical Title 1"/>
           <p:cNvSpPr>
             <a:spLocks noGrp="1"/>
           </p:cNvSpPr>
@@ -1698,8 +1822,8 @@
         </p:nvSpPr>
         <p:spPr>
           <a:xfrm>
-            <a:off x="8724900" y="365125"/>
-            <a:ext cx="2628900" cy="5811838"/>
+            <a:off x="8648700" y="381000"/>
+            <a:ext cx="2476500" cy="5897562"/>
           </a:xfrm>
         </p:spPr>
         <p:txBody>
@@ -1710,19 +1834,13 @@
               <a:rPr lang="de-DE"/>
               <a:t>Mastertitelformat bearbeiten</a:t>
             </a:r>
-            <a:endParaRPr lang="de-AT"/>
-          </a:p>
-        </p:txBody>
-      </p:sp>
-      <p:sp>
-        <p:nvSpPr>
-          <p:cNvPr id="3" name="Vertikaler Textplatzhalter 2">
-            <a:extLst>
-              <a:ext uri="{FF2B5EF4-FFF2-40B4-BE49-F238E27FC236}">
-                <a16:creationId xmlns:a16="http://schemas.microsoft.com/office/drawing/2014/main" id="{35965BEC-E9DC-54D0-69D3-3B18532B6948}"/>
-              </a:ext>
-            </a:extLst>
-          </p:cNvPr>
+            <a:endParaRPr lang="en-US" dirty="0"/>
+          </a:p>
+        </p:txBody>
+      </p:sp>
+      <p:sp>
+        <p:nvSpPr>
+          <p:cNvPr id="3" name="Vertical Text Placeholder 2"/>
           <p:cNvSpPr>
             <a:spLocks noGrp="1"/>
           </p:cNvSpPr>
@@ -1732,8 +1850,8 @@
         </p:nvSpPr>
         <p:spPr>
           <a:xfrm>
-            <a:off x="838200" y="365125"/>
-            <a:ext cx="7734300" cy="5811838"/>
+            <a:off x="762000" y="381000"/>
+            <a:ext cx="7734300" cy="5897562"/>
           </a:xfrm>
         </p:spPr>
         <p:txBody>
@@ -1773,19 +1891,13 @@
               <a:rPr lang="de-DE"/>
               <a:t>Fünfte Ebene</a:t>
             </a:r>
-            <a:endParaRPr lang="de-AT"/>
-          </a:p>
-        </p:txBody>
-      </p:sp>
-      <p:sp>
-        <p:nvSpPr>
-          <p:cNvPr id="4" name="Datumsplatzhalter 3">
-            <a:extLst>
-              <a:ext uri="{FF2B5EF4-FFF2-40B4-BE49-F238E27FC236}">
-                <a16:creationId xmlns:a16="http://schemas.microsoft.com/office/drawing/2014/main" id="{26E62068-F016-5370-A158-ABD420BE42E4}"/>
-              </a:ext>
-            </a:extLst>
-          </p:cNvPr>
+            <a:endParaRPr lang="en-US" dirty="0"/>
+          </a:p>
+        </p:txBody>
+      </p:sp>
+      <p:sp>
+        <p:nvSpPr>
+          <p:cNvPr id="4" name="Date Placeholder 3"/>
           <p:cNvSpPr>
             <a:spLocks noGrp="1"/>
           </p:cNvSpPr>
@@ -1800,7 +1912,7 @@
           <a:p>
             <a:fld id="{C7B5033B-E79C-4009-9C64-ABF7A52B63B5}" type="datetimeFigureOut">
               <a:rPr lang="de-AT" smtClean="0"/>
-              <a:t>27.01.2025</a:t>
+              <a:t>06.02.2025</a:t>
             </a:fld>
             <a:endParaRPr lang="de-AT"/>
           </a:p>
@@ -1808,13 +1920,7 @@
       </p:sp>
       <p:sp>
         <p:nvSpPr>
-          <p:cNvPr id="5" name="Fußzeilenplatzhalter 4">
-            <a:extLst>
-              <a:ext uri="{FF2B5EF4-FFF2-40B4-BE49-F238E27FC236}">
-                <a16:creationId xmlns:a16="http://schemas.microsoft.com/office/drawing/2014/main" id="{C5D33E99-44BB-9F20-7E04-EBEAF2B0BB3D}"/>
-              </a:ext>
-            </a:extLst>
-          </p:cNvPr>
+          <p:cNvPr id="5" name="Footer Placeholder 4"/>
           <p:cNvSpPr>
             <a:spLocks noGrp="1"/>
           </p:cNvSpPr>
@@ -1833,13 +1939,7 @@
       </p:sp>
       <p:sp>
         <p:nvSpPr>
-          <p:cNvPr id="6" name="Foliennummernplatzhalter 5">
-            <a:extLst>
-              <a:ext uri="{FF2B5EF4-FFF2-40B4-BE49-F238E27FC236}">
-                <a16:creationId xmlns:a16="http://schemas.microsoft.com/office/drawing/2014/main" id="{4EFD67EB-D07E-F35D-7023-AC171215F013}"/>
-              </a:ext>
-            </a:extLst>
-          </p:cNvPr>
+          <p:cNvPr id="6" name="Slide Number Placeholder 5"/>
           <p:cNvSpPr>
             <a:spLocks noGrp="1"/>
           </p:cNvSpPr>
@@ -1863,7 +1963,7 @@
     </p:spTree>
     <p:extLst>
       <p:ext uri="{BB962C8B-B14F-4D97-AF65-F5344CB8AC3E}">
-        <p14:creationId xmlns:p14="http://schemas.microsoft.com/office/powerpoint/2010/main" val="2982026960"/>
+        <p14:creationId xmlns:p14="http://schemas.microsoft.com/office/powerpoint/2010/main" val="929664761"/>
       </p:ext>
     </p:extLst>
   </p:cSld>
@@ -1892,13 +1992,7 @@
       </p:grpSpPr>
       <p:sp>
         <p:nvSpPr>
-          <p:cNvPr id="2" name="Titel 1">
-            <a:extLst>
-              <a:ext uri="{FF2B5EF4-FFF2-40B4-BE49-F238E27FC236}">
-                <a16:creationId xmlns:a16="http://schemas.microsoft.com/office/drawing/2014/main" id="{664BF323-DD8A-280D-7288-428A5557C44A}"/>
-              </a:ext>
-            </a:extLst>
-          </p:cNvPr>
+          <p:cNvPr id="2" name="Title 1"/>
           <p:cNvSpPr>
             <a:spLocks noGrp="1"/>
           </p:cNvSpPr>
@@ -1915,19 +2009,13 @@
               <a:rPr lang="de-DE"/>
               <a:t>Mastertitelformat bearbeiten</a:t>
             </a:r>
-            <a:endParaRPr lang="de-AT"/>
-          </a:p>
-        </p:txBody>
-      </p:sp>
-      <p:sp>
-        <p:nvSpPr>
-          <p:cNvPr id="3" name="Inhaltsplatzhalter 2">
-            <a:extLst>
-              <a:ext uri="{FF2B5EF4-FFF2-40B4-BE49-F238E27FC236}">
-                <a16:creationId xmlns:a16="http://schemas.microsoft.com/office/drawing/2014/main" id="{90EE550B-3A9F-1872-F0D3-00B70BE0E337}"/>
-              </a:ext>
-            </a:extLst>
-          </p:cNvPr>
+            <a:endParaRPr lang="en-US" dirty="0"/>
+          </a:p>
+        </p:txBody>
+      </p:sp>
+      <p:sp>
+        <p:nvSpPr>
+          <p:cNvPr id="3" name="Content Placeholder 2"/>
           <p:cNvSpPr>
             <a:spLocks noGrp="1"/>
           </p:cNvSpPr>
@@ -1973,19 +2061,13 @@
               <a:rPr lang="de-DE"/>
               <a:t>Fünfte Ebene</a:t>
             </a:r>
-            <a:endParaRPr lang="de-AT"/>
-          </a:p>
-        </p:txBody>
-      </p:sp>
-      <p:sp>
-        <p:nvSpPr>
-          <p:cNvPr id="4" name="Datumsplatzhalter 3">
-            <a:extLst>
-              <a:ext uri="{FF2B5EF4-FFF2-40B4-BE49-F238E27FC236}">
-                <a16:creationId xmlns:a16="http://schemas.microsoft.com/office/drawing/2014/main" id="{801F508E-78F0-623E-43BD-226E5287C30F}"/>
-              </a:ext>
-            </a:extLst>
-          </p:cNvPr>
+            <a:endParaRPr lang="en-US" dirty="0"/>
+          </a:p>
+        </p:txBody>
+      </p:sp>
+      <p:sp>
+        <p:nvSpPr>
+          <p:cNvPr id="4" name="Date Placeholder 3"/>
           <p:cNvSpPr>
             <a:spLocks noGrp="1"/>
           </p:cNvSpPr>
@@ -2000,7 +2082,7 @@
           <a:p>
             <a:fld id="{C7B5033B-E79C-4009-9C64-ABF7A52B63B5}" type="datetimeFigureOut">
               <a:rPr lang="de-AT" smtClean="0"/>
-              <a:t>27.01.2025</a:t>
+              <a:t>06.02.2025</a:t>
             </a:fld>
             <a:endParaRPr lang="de-AT"/>
           </a:p>
@@ -2008,13 +2090,7 @@
       </p:sp>
       <p:sp>
         <p:nvSpPr>
-          <p:cNvPr id="5" name="Fußzeilenplatzhalter 4">
-            <a:extLst>
-              <a:ext uri="{FF2B5EF4-FFF2-40B4-BE49-F238E27FC236}">
-                <a16:creationId xmlns:a16="http://schemas.microsoft.com/office/drawing/2014/main" id="{77B3B919-20C2-D66F-037E-059247B8BA7A}"/>
-              </a:ext>
-            </a:extLst>
-          </p:cNvPr>
+          <p:cNvPr id="5" name="Footer Placeholder 4"/>
           <p:cNvSpPr>
             <a:spLocks noGrp="1"/>
           </p:cNvSpPr>
@@ -2033,13 +2109,7 @@
       </p:sp>
       <p:sp>
         <p:nvSpPr>
-          <p:cNvPr id="6" name="Foliennummernplatzhalter 5">
-            <a:extLst>
-              <a:ext uri="{FF2B5EF4-FFF2-40B4-BE49-F238E27FC236}">
-                <a16:creationId xmlns:a16="http://schemas.microsoft.com/office/drawing/2014/main" id="{C97ED101-457D-9C24-A464-50DCCF16DF0A}"/>
-              </a:ext>
-            </a:extLst>
-          </p:cNvPr>
+          <p:cNvPr id="6" name="Slide Number Placeholder 5"/>
           <p:cNvSpPr>
             <a:spLocks noGrp="1"/>
           </p:cNvSpPr>
@@ -2063,7 +2133,7 @@
     </p:spTree>
     <p:extLst>
       <p:ext uri="{BB962C8B-B14F-4D97-AF65-F5344CB8AC3E}">
-        <p14:creationId xmlns:p14="http://schemas.microsoft.com/office/powerpoint/2010/main" val="808701151"/>
+        <p14:creationId xmlns:p14="http://schemas.microsoft.com/office/powerpoint/2010/main" val="290952966"/>
       </p:ext>
     </p:extLst>
   </p:cSld>
@@ -2092,13 +2162,7 @@
       </p:grpSpPr>
       <p:sp>
         <p:nvSpPr>
-          <p:cNvPr id="2" name="Titel 1">
-            <a:extLst>
-              <a:ext uri="{FF2B5EF4-FFF2-40B4-BE49-F238E27FC236}">
-                <a16:creationId xmlns:a16="http://schemas.microsoft.com/office/drawing/2014/main" id="{29A3236B-DB5E-627A-170B-D73019FAA5D0}"/>
-              </a:ext>
-            </a:extLst>
-          </p:cNvPr>
+          <p:cNvPr id="2" name="Title 1"/>
           <p:cNvSpPr>
             <a:spLocks noGrp="1"/>
           </p:cNvSpPr>
@@ -2108,15 +2172,20 @@
         </p:nvSpPr>
         <p:spPr>
           <a:xfrm>
-            <a:off x="831850" y="1709738"/>
-            <a:ext cx="10515600" cy="2852737"/>
+            <a:off x="1261872" y="758952"/>
+            <a:ext cx="9418320" cy="4041648"/>
           </a:xfrm>
         </p:spPr>
         <p:txBody>
-          <a:bodyPr anchor="b"/>
+          <a:bodyPr anchor="b">
+            <a:normAutofit/>
+          </a:bodyPr>
           <a:lstStyle>
             <a:lvl1pPr>
-              <a:defRPr sz="6000"/>
+              <a:lnSpc>
+                <a:spcPct val="85000"/>
+              </a:lnSpc>
+              <a:defRPr sz="7200" b="0"/>
             </a:lvl1pPr>
           </a:lstStyle>
           <a:p>
@@ -2124,19 +2193,13 @@
               <a:rPr lang="de-DE"/>
               <a:t>Mastertitelformat bearbeiten</a:t>
             </a:r>
-            <a:endParaRPr lang="de-AT"/>
-          </a:p>
-        </p:txBody>
-      </p:sp>
-      <p:sp>
-        <p:nvSpPr>
-          <p:cNvPr id="3" name="Textplatzhalter 2">
-            <a:extLst>
-              <a:ext uri="{FF2B5EF4-FFF2-40B4-BE49-F238E27FC236}">
-                <a16:creationId xmlns:a16="http://schemas.microsoft.com/office/drawing/2014/main" id="{CFE1E035-7275-BADA-ACB3-C668696983D1}"/>
-              </a:ext>
-            </a:extLst>
-          </p:cNvPr>
+            <a:endParaRPr lang="en-US" dirty="0"/>
+          </a:p>
+        </p:txBody>
+      </p:sp>
+      <p:sp>
+        <p:nvSpPr>
+          <p:cNvPr id="3" name="Text Placeholder 2"/>
           <p:cNvSpPr>
             <a:spLocks noGrp="1"/>
           </p:cNvSpPr>
@@ -2146,99 +2209,102 @@
         </p:nvSpPr>
         <p:spPr>
           <a:xfrm>
-            <a:off x="831850" y="4589463"/>
-            <a:ext cx="10515600" cy="1500187"/>
+            <a:off x="1261872" y="4800600"/>
+            <a:ext cx="9418320" cy="1691640"/>
           </a:xfrm>
         </p:spPr>
         <p:txBody>
-          <a:bodyPr/>
+          <a:bodyPr anchor="t">
+            <a:normAutofit/>
+          </a:bodyPr>
           <a:lstStyle>
             <a:lvl1pPr marL="0" indent="0">
               <a:buNone/>
-              <a:defRPr sz="2400">
+              <a:defRPr sz="2200">
                 <a:solidFill>
                   <a:schemeClr val="tx1">
-                    <a:tint val="82000"/>
+                    <a:lumMod val="65000"/>
+                    <a:lumOff val="35000"/>
                   </a:schemeClr>
                 </a:solidFill>
               </a:defRPr>
             </a:lvl1pPr>
             <a:lvl2pPr marL="457200" indent="0">
               <a:buNone/>
-              <a:defRPr sz="2000">
+              <a:defRPr sz="1800">
                 <a:solidFill>
                   <a:schemeClr val="tx1">
-                    <a:tint val="82000"/>
+                    <a:tint val="75000"/>
                   </a:schemeClr>
                 </a:solidFill>
               </a:defRPr>
             </a:lvl2pPr>
             <a:lvl3pPr marL="914400" indent="0">
               <a:buNone/>
-              <a:defRPr sz="1800">
+              <a:defRPr sz="1600">
                 <a:solidFill>
                   <a:schemeClr val="tx1">
-                    <a:tint val="82000"/>
+                    <a:tint val="75000"/>
                   </a:schemeClr>
                 </a:solidFill>
               </a:defRPr>
             </a:lvl3pPr>
             <a:lvl4pPr marL="1371600" indent="0">
               <a:buNone/>
-              <a:defRPr sz="1600">
+              <a:defRPr sz="1400">
                 <a:solidFill>
                   <a:schemeClr val="tx1">
-                    <a:tint val="82000"/>
+                    <a:tint val="75000"/>
                   </a:schemeClr>
                 </a:solidFill>
               </a:defRPr>
             </a:lvl4pPr>
             <a:lvl5pPr marL="1828800" indent="0">
               <a:buNone/>
-              <a:defRPr sz="1600">
+              <a:defRPr sz="1400">
                 <a:solidFill>
                   <a:schemeClr val="tx1">
-                    <a:tint val="82000"/>
+                    <a:tint val="75000"/>
                   </a:schemeClr>
                 </a:solidFill>
               </a:defRPr>
             </a:lvl5pPr>
             <a:lvl6pPr marL="2286000" indent="0">
               <a:buNone/>
-              <a:defRPr sz="1600">
+              <a:defRPr sz="1400">
                 <a:solidFill>
                   <a:schemeClr val="tx1">
-                    <a:tint val="82000"/>
+                    <a:tint val="75000"/>
                   </a:schemeClr>
                 </a:solidFill>
               </a:defRPr>
             </a:lvl6pPr>
             <a:lvl7pPr marL="2743200" indent="0">
               <a:buNone/>
-              <a:defRPr sz="1600">
+              <a:defRPr sz="1400">
                 <a:solidFill>
                   <a:schemeClr val="tx1">
-                    <a:tint val="82000"/>
+                    <a:tint val="75000"/>
                   </a:schemeClr>
                 </a:solidFill>
               </a:defRPr>
             </a:lvl7pPr>
             <a:lvl8pPr marL="3200400" indent="0">
               <a:buNone/>
-              <a:defRPr sz="1600">
+              <a:defRPr sz="1400">
                 <a:solidFill>
                   <a:schemeClr val="tx1">
-                    <a:tint val="82000"/>
+                    <a:tint val="75000"/>
                   </a:schemeClr>
                 </a:solidFill>
               </a:defRPr>
             </a:lvl8pPr>
             <a:lvl9pPr marL="3657600" indent="0">
               <a:buNone/>
-              <a:defRPr sz="1600">
+              <a:defRPr sz="1400">
                 <a:solidFill>
                   <a:schemeClr val="tx1">
-                    <a:tint val="82000"/>
+                    <a:tint val="75000"/>
                   </a:schemeClr>
                 </a:solidFill>
               </a:defRPr>
@@ -2255,13 +2321,7 @@
       </p:sp>
       <p:sp>
         <p:nvSpPr>
-          <p:cNvPr id="4" name="Datumsplatzhalter 3">
-            <a:extLst>
-              <a:ext uri="{FF2B5EF4-FFF2-40B4-BE49-F238E27FC236}">
-                <a16:creationId xmlns:a16="http://schemas.microsoft.com/office/drawing/2014/main" id="{081D3B3F-B1DF-18F5-613C-4E10B973D82A}"/>
-              </a:ext>
-            </a:extLst>
-          </p:cNvPr>
+          <p:cNvPr id="4" name="Date Placeholder 3"/>
           <p:cNvSpPr>
             <a:spLocks noGrp="1"/>
           </p:cNvSpPr>
@@ -2276,7 +2336,7 @@
           <a:p>
             <a:fld id="{C7B5033B-E79C-4009-9C64-ABF7A52B63B5}" type="datetimeFigureOut">
               <a:rPr lang="de-AT" smtClean="0"/>
-              <a:t>27.01.2025</a:t>
+              <a:t>06.02.2025</a:t>
             </a:fld>
             <a:endParaRPr lang="de-AT"/>
           </a:p>
@@ -2284,13 +2344,7 @@
       </p:sp>
       <p:sp>
         <p:nvSpPr>
-          <p:cNvPr id="5" name="Fußzeilenplatzhalter 4">
-            <a:extLst>
-              <a:ext uri="{FF2B5EF4-FFF2-40B4-BE49-F238E27FC236}">
-                <a16:creationId xmlns:a16="http://schemas.microsoft.com/office/drawing/2014/main" id="{38C4AD0E-24D5-1F36-3AA3-DCD4CF168779}"/>
-              </a:ext>
-            </a:extLst>
-          </p:cNvPr>
+          <p:cNvPr id="5" name="Footer Placeholder 4"/>
           <p:cNvSpPr>
             <a:spLocks noGrp="1"/>
           </p:cNvSpPr>
@@ -2309,13 +2363,7 @@
       </p:sp>
       <p:sp>
         <p:nvSpPr>
-          <p:cNvPr id="6" name="Foliennummernplatzhalter 5">
-            <a:extLst>
-              <a:ext uri="{FF2B5EF4-FFF2-40B4-BE49-F238E27FC236}">
-                <a16:creationId xmlns:a16="http://schemas.microsoft.com/office/drawing/2014/main" id="{AF16F103-D9FC-FAAA-3AFF-8B222BEA5E2F}"/>
-              </a:ext>
-            </a:extLst>
-          </p:cNvPr>
+          <p:cNvPr id="6" name="Slide Number Placeholder 5"/>
           <p:cNvSpPr>
             <a:spLocks noGrp="1"/>
           </p:cNvSpPr>
@@ -2336,10 +2384,48 @@
           </a:p>
         </p:txBody>
       </p:sp>
+      <p:sp>
+        <p:nvSpPr>
+          <p:cNvPr id="7" name="Rectangle 6"/>
+          <p:cNvSpPr/>
+          <p:nvPr/>
+        </p:nvSpPr>
+        <p:spPr>
+          <a:xfrm>
+            <a:off x="0" y="0"/>
+            <a:ext cx="457200" cy="6858000"/>
+          </a:xfrm>
+          <a:prstGeom prst="rect">
+            <a:avLst/>
+          </a:prstGeom>
+          <a:solidFill>
+            <a:schemeClr val="accent1"/>
+          </a:solidFill>
+          <a:ln>
+            <a:noFill/>
+          </a:ln>
+        </p:spPr>
+        <p:style>
+          <a:lnRef idx="2">
+            <a:schemeClr val="accent1">
+              <a:shade val="50000"/>
+            </a:schemeClr>
+          </a:lnRef>
+          <a:fillRef idx="1">
+            <a:schemeClr val="accent1"/>
+          </a:fillRef>
+          <a:effectRef idx="0">
+            <a:schemeClr val="accent1"/>
+          </a:effectRef>
+          <a:fontRef idx="minor">
+            <a:schemeClr val="lt1"/>
+          </a:fontRef>
+        </p:style>
+      </p:sp>
     </p:spTree>
     <p:extLst>
       <p:ext uri="{BB962C8B-B14F-4D97-AF65-F5344CB8AC3E}">
-        <p14:creationId xmlns:p14="http://schemas.microsoft.com/office/powerpoint/2010/main" val="1934134644"/>
+        <p14:creationId xmlns:p14="http://schemas.microsoft.com/office/powerpoint/2010/main" val="4258150913"/>
       </p:ext>
     </p:extLst>
   </p:cSld>
@@ -2368,13 +2454,7 @@
       </p:grpSpPr>
       <p:sp>
         <p:nvSpPr>
-          <p:cNvPr id="2" name="Titel 1">
-            <a:extLst>
-              <a:ext uri="{FF2B5EF4-FFF2-40B4-BE49-F238E27FC236}">
-                <a16:creationId xmlns:a16="http://schemas.microsoft.com/office/drawing/2014/main" id="{840C2104-E8AE-3ED7-E2DD-4D6FE49583E7}"/>
-              </a:ext>
-            </a:extLst>
-          </p:cNvPr>
+          <p:cNvPr id="2" name="Title 1"/>
           <p:cNvSpPr>
             <a:spLocks noGrp="1"/>
           </p:cNvSpPr>
@@ -2391,19 +2471,13 @@
               <a:rPr lang="de-DE"/>
               <a:t>Mastertitelformat bearbeiten</a:t>
             </a:r>
-            <a:endParaRPr lang="de-AT"/>
-          </a:p>
-        </p:txBody>
-      </p:sp>
-      <p:sp>
-        <p:nvSpPr>
-          <p:cNvPr id="3" name="Inhaltsplatzhalter 2">
-            <a:extLst>
-              <a:ext uri="{FF2B5EF4-FFF2-40B4-BE49-F238E27FC236}">
-                <a16:creationId xmlns:a16="http://schemas.microsoft.com/office/drawing/2014/main" id="{9B563CDF-FF63-7E6D-4390-C57495B7B3E8}"/>
-              </a:ext>
-            </a:extLst>
-          </p:cNvPr>
+            <a:endParaRPr lang="en-US" dirty="0"/>
+          </a:p>
+        </p:txBody>
+      </p:sp>
+      <p:sp>
+        <p:nvSpPr>
+          <p:cNvPr id="3" name="Content Placeholder 2"/>
           <p:cNvSpPr>
             <a:spLocks noGrp="1"/>
           </p:cNvSpPr>
@@ -2413,13 +2487,41 @@
         </p:nvSpPr>
         <p:spPr>
           <a:xfrm>
-            <a:off x="838200" y="1825625"/>
-            <a:ext cx="5181600" cy="4351338"/>
+            <a:off x="1261872" y="1828800"/>
+            <a:ext cx="4480560" cy="4351337"/>
           </a:xfrm>
         </p:spPr>
         <p:txBody>
           <a:bodyPr/>
-          <a:lstStyle/>
+          <a:lstStyle>
+            <a:lvl1pPr>
+              <a:defRPr sz="1800"/>
+            </a:lvl1pPr>
+            <a:lvl2pPr>
+              <a:defRPr sz="1600"/>
+            </a:lvl2pPr>
+            <a:lvl3pPr>
+              <a:defRPr sz="1400"/>
+            </a:lvl3pPr>
+            <a:lvl4pPr>
+              <a:defRPr sz="1400"/>
+            </a:lvl4pPr>
+            <a:lvl5pPr>
+              <a:defRPr sz="1400"/>
+            </a:lvl5pPr>
+            <a:lvl6pPr>
+              <a:defRPr sz="1400"/>
+            </a:lvl6pPr>
+            <a:lvl7pPr>
+              <a:defRPr sz="1400"/>
+            </a:lvl7pPr>
+            <a:lvl8pPr>
+              <a:defRPr sz="1400"/>
+            </a:lvl8pPr>
+            <a:lvl9pPr>
+              <a:defRPr sz="1400"/>
+            </a:lvl9pPr>
+          </a:lstStyle>
           <a:p>
             <a:pPr lvl="0"/>
             <a:r>
@@ -2454,19 +2556,13 @@
               <a:rPr lang="de-DE"/>
               <a:t>Fünfte Ebene</a:t>
             </a:r>
-            <a:endParaRPr lang="de-AT"/>
-          </a:p>
-        </p:txBody>
-      </p:sp>
-      <p:sp>
-        <p:nvSpPr>
-          <p:cNvPr id="4" name="Inhaltsplatzhalter 3">
-            <a:extLst>
-              <a:ext uri="{FF2B5EF4-FFF2-40B4-BE49-F238E27FC236}">
-                <a16:creationId xmlns:a16="http://schemas.microsoft.com/office/drawing/2014/main" id="{BE4C48B9-0ED0-24C6-DD9C-77CED1A9DBC2}"/>
-              </a:ext>
-            </a:extLst>
-          </p:cNvPr>
+            <a:endParaRPr lang="en-US" dirty="0"/>
+          </a:p>
+        </p:txBody>
+      </p:sp>
+      <p:sp>
+        <p:nvSpPr>
+          <p:cNvPr id="4" name="Content Placeholder 3"/>
           <p:cNvSpPr>
             <a:spLocks noGrp="1"/>
           </p:cNvSpPr>
@@ -2476,13 +2572,41 @@
         </p:nvSpPr>
         <p:spPr>
           <a:xfrm>
-            <a:off x="6172200" y="1825625"/>
-            <a:ext cx="5181600" cy="4351338"/>
+            <a:off x="6126480" y="1828800"/>
+            <a:ext cx="4480560" cy="4351337"/>
           </a:xfrm>
         </p:spPr>
         <p:txBody>
           <a:bodyPr/>
-          <a:lstStyle/>
+          <a:lstStyle>
+            <a:lvl1pPr>
+              <a:defRPr sz="1800"/>
+            </a:lvl1pPr>
+            <a:lvl2pPr>
+              <a:defRPr sz="1600"/>
+            </a:lvl2pPr>
+            <a:lvl3pPr>
+              <a:defRPr sz="1400"/>
+            </a:lvl3pPr>
+            <a:lvl4pPr>
+              <a:defRPr sz="1400"/>
+            </a:lvl4pPr>
+            <a:lvl5pPr>
+              <a:defRPr sz="1400"/>
+            </a:lvl5pPr>
+            <a:lvl6pPr>
+              <a:defRPr sz="1400"/>
+            </a:lvl6pPr>
+            <a:lvl7pPr>
+              <a:defRPr sz="1400"/>
+            </a:lvl7pPr>
+            <a:lvl8pPr>
+              <a:defRPr sz="1400"/>
+            </a:lvl8pPr>
+            <a:lvl9pPr>
+              <a:defRPr sz="1400"/>
+            </a:lvl9pPr>
+          </a:lstStyle>
           <a:p>
             <a:pPr lvl="0"/>
             <a:r>
@@ -2517,19 +2641,13 @@
               <a:rPr lang="de-DE"/>
               <a:t>Fünfte Ebene</a:t>
             </a:r>
-            <a:endParaRPr lang="de-AT"/>
-          </a:p>
-        </p:txBody>
-      </p:sp>
-      <p:sp>
-        <p:nvSpPr>
-          <p:cNvPr id="5" name="Datumsplatzhalter 4">
-            <a:extLst>
-              <a:ext uri="{FF2B5EF4-FFF2-40B4-BE49-F238E27FC236}">
-                <a16:creationId xmlns:a16="http://schemas.microsoft.com/office/drawing/2014/main" id="{D68BF7BD-9573-E5F2-9F80-951EAACB0DE2}"/>
-              </a:ext>
-            </a:extLst>
-          </p:cNvPr>
+            <a:endParaRPr lang="en-US" dirty="0"/>
+          </a:p>
+        </p:txBody>
+      </p:sp>
+      <p:sp>
+        <p:nvSpPr>
+          <p:cNvPr id="5" name="Date Placeholder 4"/>
           <p:cNvSpPr>
             <a:spLocks noGrp="1"/>
           </p:cNvSpPr>
@@ -2544,7 +2662,7 @@
           <a:p>
             <a:fld id="{C7B5033B-E79C-4009-9C64-ABF7A52B63B5}" type="datetimeFigureOut">
               <a:rPr lang="de-AT" smtClean="0"/>
-              <a:t>27.01.2025</a:t>
+              <a:t>06.02.2025</a:t>
             </a:fld>
             <a:endParaRPr lang="de-AT"/>
           </a:p>
@@ -2552,13 +2670,7 @@
       </p:sp>
       <p:sp>
         <p:nvSpPr>
-          <p:cNvPr id="6" name="Fußzeilenplatzhalter 5">
-            <a:extLst>
-              <a:ext uri="{FF2B5EF4-FFF2-40B4-BE49-F238E27FC236}">
-                <a16:creationId xmlns:a16="http://schemas.microsoft.com/office/drawing/2014/main" id="{E4AAF85D-2527-9179-305D-B8E9CB3EFD92}"/>
-              </a:ext>
-            </a:extLst>
-          </p:cNvPr>
+          <p:cNvPr id="6" name="Footer Placeholder 5"/>
           <p:cNvSpPr>
             <a:spLocks noGrp="1"/>
           </p:cNvSpPr>
@@ -2577,13 +2689,7 @@
       </p:sp>
       <p:sp>
         <p:nvSpPr>
-          <p:cNvPr id="7" name="Foliennummernplatzhalter 6">
-            <a:extLst>
-              <a:ext uri="{FF2B5EF4-FFF2-40B4-BE49-F238E27FC236}">
-                <a16:creationId xmlns:a16="http://schemas.microsoft.com/office/drawing/2014/main" id="{D666357C-4801-721C-262A-61409A474855}"/>
-              </a:ext>
-            </a:extLst>
-          </p:cNvPr>
+          <p:cNvPr id="7" name="Slide Number Placeholder 6"/>
           <p:cNvSpPr>
             <a:spLocks noGrp="1"/>
           </p:cNvSpPr>
@@ -2607,7 +2713,7 @@
     </p:spTree>
     <p:extLst>
       <p:ext uri="{BB962C8B-B14F-4D97-AF65-F5344CB8AC3E}">
-        <p14:creationId xmlns:p14="http://schemas.microsoft.com/office/powerpoint/2010/main" val="3568542187"/>
+        <p14:creationId xmlns:p14="http://schemas.microsoft.com/office/powerpoint/2010/main" val="1144512035"/>
       </p:ext>
     </p:extLst>
   </p:cSld>
@@ -2636,66 +2742,58 @@
       </p:grpSpPr>
       <p:sp>
         <p:nvSpPr>
-          <p:cNvPr id="2" name="Titel 1">
-            <a:extLst>
-              <a:ext uri="{FF2B5EF4-FFF2-40B4-BE49-F238E27FC236}">
-                <a16:creationId xmlns:a16="http://schemas.microsoft.com/office/drawing/2014/main" id="{CEDC0801-74B2-965D-1F19-9BD6E2DA29D2}"/>
-              </a:ext>
-            </a:extLst>
-          </p:cNvPr>
+          <p:cNvPr id="10" name="Title 9"/>
           <p:cNvSpPr>
             <a:spLocks noGrp="1"/>
           </p:cNvSpPr>
           <p:nvPr>
             <p:ph type="title"/>
+          </p:nvPr>
+        </p:nvSpPr>
+        <p:spPr/>
+        <p:txBody>
+          <a:bodyPr/>
+          <a:lstStyle/>
+          <a:p>
+            <a:r>
+              <a:rPr lang="de-DE"/>
+              <a:t>Mastertitelformat bearbeiten</a:t>
+            </a:r>
+            <a:endParaRPr lang="en-US" dirty="0"/>
+          </a:p>
+        </p:txBody>
+      </p:sp>
+      <p:sp>
+        <p:nvSpPr>
+          <p:cNvPr id="3" name="Text Placeholder 2"/>
+          <p:cNvSpPr>
+            <a:spLocks noGrp="1"/>
+          </p:cNvSpPr>
+          <p:nvPr>
+            <p:ph type="body" idx="1"/>
           </p:nvPr>
         </p:nvSpPr>
         <p:spPr>
           <a:xfrm>
-            <a:off x="839788" y="365125"/>
-            <a:ext cx="10515600" cy="1325563"/>
+            <a:off x="1261872" y="1713655"/>
+            <a:ext cx="4480560" cy="731520"/>
           </a:xfrm>
         </p:spPr>
         <p:txBody>
-          <a:bodyPr/>
-          <a:lstStyle/>
-          <a:p>
-            <a:r>
-              <a:rPr lang="de-DE"/>
-              <a:t>Mastertitelformat bearbeiten</a:t>
-            </a:r>
-            <a:endParaRPr lang="de-AT"/>
-          </a:p>
-        </p:txBody>
-      </p:sp>
-      <p:sp>
-        <p:nvSpPr>
-          <p:cNvPr id="3" name="Textplatzhalter 2">
-            <a:extLst>
-              <a:ext uri="{FF2B5EF4-FFF2-40B4-BE49-F238E27FC236}">
-                <a16:creationId xmlns:a16="http://schemas.microsoft.com/office/drawing/2014/main" id="{281ABA0B-A669-B54D-DBDA-C14E2C2FC7B9}"/>
-              </a:ext>
-            </a:extLst>
-          </p:cNvPr>
-          <p:cNvSpPr>
-            <a:spLocks noGrp="1"/>
-          </p:cNvSpPr>
-          <p:nvPr>
-            <p:ph type="body" idx="1"/>
-          </p:nvPr>
-        </p:nvSpPr>
-        <p:spPr>
-          <a:xfrm>
-            <a:off x="839788" y="1681163"/>
-            <a:ext cx="5157787" cy="823912"/>
-          </a:xfrm>
-        </p:spPr>
-        <p:txBody>
-          <a:bodyPr anchor="b"/>
+          <a:bodyPr anchor="b">
+            <a:normAutofit/>
+          </a:bodyPr>
           <a:lstStyle>
             <a:lvl1pPr marL="0" indent="0">
+              <a:spcBef>
+                <a:spcPts val="0"/>
+              </a:spcBef>
               <a:buNone/>
-              <a:defRPr sz="2400" b="1"/>
+              <a:defRPr sz="2000" b="0">
+                <a:solidFill>
+                  <a:schemeClr val="tx2"/>
+                </a:solidFill>
+              </a:defRPr>
             </a:lvl1pPr>
             <a:lvl2pPr marL="457200" indent="0">
               <a:buNone/>
@@ -2741,13 +2839,7 @@
       </p:sp>
       <p:sp>
         <p:nvSpPr>
-          <p:cNvPr id="4" name="Inhaltsplatzhalter 3">
-            <a:extLst>
-              <a:ext uri="{FF2B5EF4-FFF2-40B4-BE49-F238E27FC236}">
-                <a16:creationId xmlns:a16="http://schemas.microsoft.com/office/drawing/2014/main" id="{BE191D70-4D36-9425-8C1C-7B889349453C}"/>
-              </a:ext>
-            </a:extLst>
-          </p:cNvPr>
+          <p:cNvPr id="4" name="Content Placeholder 3"/>
           <p:cNvSpPr>
             <a:spLocks noGrp="1"/>
           </p:cNvSpPr>
@@ -2757,13 +2849,41 @@
         </p:nvSpPr>
         <p:spPr>
           <a:xfrm>
-            <a:off x="839788" y="2505075"/>
-            <a:ext cx="5157787" cy="3684588"/>
+            <a:off x="1261872" y="2507550"/>
+            <a:ext cx="4480560" cy="3664650"/>
           </a:xfrm>
         </p:spPr>
         <p:txBody>
           <a:bodyPr/>
-          <a:lstStyle/>
+          <a:lstStyle>
+            <a:lvl1pPr>
+              <a:defRPr sz="1800"/>
+            </a:lvl1pPr>
+            <a:lvl2pPr>
+              <a:defRPr sz="1600"/>
+            </a:lvl2pPr>
+            <a:lvl3pPr>
+              <a:defRPr sz="1400"/>
+            </a:lvl3pPr>
+            <a:lvl4pPr>
+              <a:defRPr sz="1400"/>
+            </a:lvl4pPr>
+            <a:lvl5pPr>
+              <a:defRPr sz="1400"/>
+            </a:lvl5pPr>
+            <a:lvl6pPr>
+              <a:defRPr sz="1400"/>
+            </a:lvl6pPr>
+            <a:lvl7pPr>
+              <a:defRPr sz="1400"/>
+            </a:lvl7pPr>
+            <a:lvl8pPr>
+              <a:defRPr sz="1400"/>
+            </a:lvl8pPr>
+            <a:lvl9pPr>
+              <a:defRPr sz="1400"/>
+            </a:lvl9pPr>
+          </a:lstStyle>
           <a:p>
             <a:pPr lvl="0"/>
             <a:r>
@@ -2798,19 +2918,13 @@
               <a:rPr lang="de-DE"/>
               <a:t>Fünfte Ebene</a:t>
             </a:r>
-            <a:endParaRPr lang="de-AT"/>
-          </a:p>
-        </p:txBody>
-      </p:sp>
-      <p:sp>
-        <p:nvSpPr>
-          <p:cNvPr id="5" name="Textplatzhalter 4">
-            <a:extLst>
-              <a:ext uri="{FF2B5EF4-FFF2-40B4-BE49-F238E27FC236}">
-                <a16:creationId xmlns:a16="http://schemas.microsoft.com/office/drawing/2014/main" id="{1BABAE2F-8849-9C70-8C7C-F6BC5876D270}"/>
-              </a:ext>
-            </a:extLst>
-          </p:cNvPr>
+            <a:endParaRPr lang="en-US" dirty="0"/>
+          </a:p>
+        </p:txBody>
+      </p:sp>
+      <p:sp>
+        <p:nvSpPr>
+          <p:cNvPr id="5" name="Text Placeholder 4"/>
           <p:cNvSpPr>
             <a:spLocks noGrp="1"/>
           </p:cNvSpPr>
@@ -2820,16 +2934,31 @@
         </p:nvSpPr>
         <p:spPr>
           <a:xfrm>
-            <a:off x="6172200" y="1681163"/>
-            <a:ext cx="5183188" cy="823912"/>
+            <a:off x="6126480" y="1713655"/>
+            <a:ext cx="4480560" cy="731520"/>
           </a:xfrm>
         </p:spPr>
         <p:txBody>
-          <a:bodyPr anchor="b"/>
+          <a:bodyPr anchor="b">
+            <a:normAutofit/>
+          </a:bodyPr>
           <a:lstStyle>
             <a:lvl1pPr marL="0" indent="0">
+              <a:lnSpc>
+                <a:spcPct val="95000"/>
+              </a:lnSpc>
+              <a:spcBef>
+                <a:spcPts val="0"/>
+              </a:spcBef>
               <a:buNone/>
-              <a:defRPr sz="2400" b="1"/>
+              <a:defRPr lang="en-US" sz="2000" b="0" kern="1200" dirty="0">
+                <a:solidFill>
+                  <a:schemeClr val="tx2"/>
+                </a:solidFill>
+                <a:latin typeface="+mn-lt"/>
+                <a:ea typeface="+mn-ea"/>
+                <a:cs typeface="+mn-cs"/>
+              </a:defRPr>
             </a:lvl1pPr>
             <a:lvl2pPr marL="457200" indent="0">
               <a:buNone/>
@@ -2865,7 +2994,16 @@
             </a:lvl9pPr>
           </a:lstStyle>
           <a:p>
-            <a:pPr lvl="0"/>
+            <a:pPr marL="0" lvl="0" indent="0" algn="l" defTabSz="914400" rtl="0" eaLnBrk="1" latinLnBrk="0" hangingPunct="1">
+              <a:lnSpc>
+                <a:spcPct val="90000"/>
+              </a:lnSpc>
+              <a:spcBef>
+                <a:spcPts val="2000"/>
+              </a:spcBef>
+              <a:buFontTx/>
+              <a:buNone/>
+            </a:pPr>
             <a:r>
               <a:rPr lang="de-DE"/>
               <a:t>Mastertextformat bearbeiten</a:t>
@@ -2875,13 +3013,7 @@
       </p:sp>
       <p:sp>
         <p:nvSpPr>
-          <p:cNvPr id="6" name="Inhaltsplatzhalter 5">
-            <a:extLst>
-              <a:ext uri="{FF2B5EF4-FFF2-40B4-BE49-F238E27FC236}">
-                <a16:creationId xmlns:a16="http://schemas.microsoft.com/office/drawing/2014/main" id="{B889F023-EA6E-7096-CEDF-CDB414C873A2}"/>
-              </a:ext>
-            </a:extLst>
-          </p:cNvPr>
+          <p:cNvPr id="6" name="Content Placeholder 5"/>
           <p:cNvSpPr>
             <a:spLocks noGrp="1"/>
           </p:cNvSpPr>
@@ -2891,13 +3023,41 @@
         </p:nvSpPr>
         <p:spPr>
           <a:xfrm>
-            <a:off x="6172200" y="2505075"/>
-            <a:ext cx="5183188" cy="3684588"/>
+            <a:off x="6126480" y="2507550"/>
+            <a:ext cx="4480560" cy="3664650"/>
           </a:xfrm>
         </p:spPr>
         <p:txBody>
           <a:bodyPr/>
-          <a:lstStyle/>
+          <a:lstStyle>
+            <a:lvl1pPr>
+              <a:defRPr sz="1800"/>
+            </a:lvl1pPr>
+            <a:lvl2pPr>
+              <a:defRPr sz="1600"/>
+            </a:lvl2pPr>
+            <a:lvl3pPr>
+              <a:defRPr sz="1400"/>
+            </a:lvl3pPr>
+            <a:lvl4pPr>
+              <a:defRPr sz="1400"/>
+            </a:lvl4pPr>
+            <a:lvl5pPr>
+              <a:defRPr sz="1400"/>
+            </a:lvl5pPr>
+            <a:lvl6pPr>
+              <a:defRPr sz="1400"/>
+            </a:lvl6pPr>
+            <a:lvl7pPr>
+              <a:defRPr sz="1400"/>
+            </a:lvl7pPr>
+            <a:lvl8pPr>
+              <a:defRPr sz="1400"/>
+            </a:lvl8pPr>
+            <a:lvl9pPr>
+              <a:defRPr sz="1400"/>
+            </a:lvl9pPr>
+          </a:lstStyle>
           <a:p>
             <a:pPr lvl="0"/>
             <a:r>
@@ -2932,19 +3092,13 @@
               <a:rPr lang="de-DE"/>
               <a:t>Fünfte Ebene</a:t>
             </a:r>
-            <a:endParaRPr lang="de-AT"/>
-          </a:p>
-        </p:txBody>
-      </p:sp>
-      <p:sp>
-        <p:nvSpPr>
-          <p:cNvPr id="7" name="Datumsplatzhalter 6">
-            <a:extLst>
-              <a:ext uri="{FF2B5EF4-FFF2-40B4-BE49-F238E27FC236}">
-                <a16:creationId xmlns:a16="http://schemas.microsoft.com/office/drawing/2014/main" id="{8C4517F3-FEFF-8EE9-D930-A711095B3EB5}"/>
-              </a:ext>
-            </a:extLst>
-          </p:cNvPr>
+            <a:endParaRPr lang="en-US" dirty="0"/>
+          </a:p>
+        </p:txBody>
+      </p:sp>
+      <p:sp>
+        <p:nvSpPr>
+          <p:cNvPr id="7" name="Date Placeholder 6"/>
           <p:cNvSpPr>
             <a:spLocks noGrp="1"/>
           </p:cNvSpPr>
@@ -2959,7 +3113,7 @@
           <a:p>
             <a:fld id="{C7B5033B-E79C-4009-9C64-ABF7A52B63B5}" type="datetimeFigureOut">
               <a:rPr lang="de-AT" smtClean="0"/>
-              <a:t>27.01.2025</a:t>
+              <a:t>06.02.2025</a:t>
             </a:fld>
             <a:endParaRPr lang="de-AT"/>
           </a:p>
@@ -2967,13 +3121,7 @@
       </p:sp>
       <p:sp>
         <p:nvSpPr>
-          <p:cNvPr id="8" name="Fußzeilenplatzhalter 7">
-            <a:extLst>
-              <a:ext uri="{FF2B5EF4-FFF2-40B4-BE49-F238E27FC236}">
-                <a16:creationId xmlns:a16="http://schemas.microsoft.com/office/drawing/2014/main" id="{152DE8F8-B303-4708-AABA-8AF7F23EB99A}"/>
-              </a:ext>
-            </a:extLst>
-          </p:cNvPr>
+          <p:cNvPr id="8" name="Footer Placeholder 7"/>
           <p:cNvSpPr>
             <a:spLocks noGrp="1"/>
           </p:cNvSpPr>
@@ -2992,13 +3140,7 @@
       </p:sp>
       <p:sp>
         <p:nvSpPr>
-          <p:cNvPr id="9" name="Foliennummernplatzhalter 8">
-            <a:extLst>
-              <a:ext uri="{FF2B5EF4-FFF2-40B4-BE49-F238E27FC236}">
-                <a16:creationId xmlns:a16="http://schemas.microsoft.com/office/drawing/2014/main" id="{925FF062-000F-1F0A-539E-3D55B5F2B109}"/>
-              </a:ext>
-            </a:extLst>
-          </p:cNvPr>
+          <p:cNvPr id="9" name="Slide Number Placeholder 8"/>
           <p:cNvSpPr>
             <a:spLocks noGrp="1"/>
           </p:cNvSpPr>
@@ -3022,7 +3164,7 @@
     </p:spTree>
     <p:extLst>
       <p:ext uri="{BB962C8B-B14F-4D97-AF65-F5344CB8AC3E}">
-        <p14:creationId xmlns:p14="http://schemas.microsoft.com/office/powerpoint/2010/main" val="3772052715"/>
+        <p14:creationId xmlns:p14="http://schemas.microsoft.com/office/powerpoint/2010/main" val="2449433955"/>
       </p:ext>
     </p:extLst>
   </p:cSld>
@@ -3051,13 +3193,7 @@
       </p:grpSpPr>
       <p:sp>
         <p:nvSpPr>
-          <p:cNvPr id="2" name="Titel 1">
-            <a:extLst>
-              <a:ext uri="{FF2B5EF4-FFF2-40B4-BE49-F238E27FC236}">
-                <a16:creationId xmlns:a16="http://schemas.microsoft.com/office/drawing/2014/main" id="{9AC28909-3D5D-FEE8-61A6-39FCE0D5981E}"/>
-              </a:ext>
-            </a:extLst>
-          </p:cNvPr>
+          <p:cNvPr id="6" name="Title 5"/>
           <p:cNvSpPr>
             <a:spLocks noGrp="1"/>
           </p:cNvSpPr>
@@ -3074,19 +3210,13 @@
               <a:rPr lang="de-DE"/>
               <a:t>Mastertitelformat bearbeiten</a:t>
             </a:r>
-            <a:endParaRPr lang="de-AT"/>
-          </a:p>
-        </p:txBody>
-      </p:sp>
-      <p:sp>
-        <p:nvSpPr>
-          <p:cNvPr id="3" name="Datumsplatzhalter 2">
-            <a:extLst>
-              <a:ext uri="{FF2B5EF4-FFF2-40B4-BE49-F238E27FC236}">
-                <a16:creationId xmlns:a16="http://schemas.microsoft.com/office/drawing/2014/main" id="{941544D0-400A-14AC-9BEF-D63507631F88}"/>
-              </a:ext>
-            </a:extLst>
-          </p:cNvPr>
+            <a:endParaRPr lang="en-US" dirty="0"/>
+          </a:p>
+        </p:txBody>
+      </p:sp>
+      <p:sp>
+        <p:nvSpPr>
+          <p:cNvPr id="3" name="Date Placeholder 2"/>
           <p:cNvSpPr>
             <a:spLocks noGrp="1"/>
           </p:cNvSpPr>
@@ -3101,7 +3231,7 @@
           <a:p>
             <a:fld id="{C7B5033B-E79C-4009-9C64-ABF7A52B63B5}" type="datetimeFigureOut">
               <a:rPr lang="de-AT" smtClean="0"/>
-              <a:t>27.01.2025</a:t>
+              <a:t>06.02.2025</a:t>
             </a:fld>
             <a:endParaRPr lang="de-AT"/>
           </a:p>
@@ -3109,13 +3239,7 @@
       </p:sp>
       <p:sp>
         <p:nvSpPr>
-          <p:cNvPr id="4" name="Fußzeilenplatzhalter 3">
-            <a:extLst>
-              <a:ext uri="{FF2B5EF4-FFF2-40B4-BE49-F238E27FC236}">
-                <a16:creationId xmlns:a16="http://schemas.microsoft.com/office/drawing/2014/main" id="{09179BFD-3068-3906-0EC7-B77B69248775}"/>
-              </a:ext>
-            </a:extLst>
-          </p:cNvPr>
+          <p:cNvPr id="4" name="Footer Placeholder 3"/>
           <p:cNvSpPr>
             <a:spLocks noGrp="1"/>
           </p:cNvSpPr>
@@ -3134,13 +3258,7 @@
       </p:sp>
       <p:sp>
         <p:nvSpPr>
-          <p:cNvPr id="5" name="Foliennummernplatzhalter 4">
-            <a:extLst>
-              <a:ext uri="{FF2B5EF4-FFF2-40B4-BE49-F238E27FC236}">
-                <a16:creationId xmlns:a16="http://schemas.microsoft.com/office/drawing/2014/main" id="{8D384409-3E55-1AFD-A4A8-2A6C89A6238A}"/>
-              </a:ext>
-            </a:extLst>
-          </p:cNvPr>
+          <p:cNvPr id="5" name="Slide Number Placeholder 4"/>
           <p:cNvSpPr>
             <a:spLocks noGrp="1"/>
           </p:cNvSpPr>
@@ -3164,7 +3282,7 @@
     </p:spTree>
     <p:extLst>
       <p:ext uri="{BB962C8B-B14F-4D97-AF65-F5344CB8AC3E}">
-        <p14:creationId xmlns:p14="http://schemas.microsoft.com/office/powerpoint/2010/main" val="2634290447"/>
+        <p14:creationId xmlns:p14="http://schemas.microsoft.com/office/powerpoint/2010/main" val="1644750812"/>
       </p:ext>
     </p:extLst>
   </p:cSld>
@@ -3193,13 +3311,7 @@
       </p:grpSpPr>
       <p:sp>
         <p:nvSpPr>
-          <p:cNvPr id="2" name="Datumsplatzhalter 1">
-            <a:extLst>
-              <a:ext uri="{FF2B5EF4-FFF2-40B4-BE49-F238E27FC236}">
-                <a16:creationId xmlns:a16="http://schemas.microsoft.com/office/drawing/2014/main" id="{C33C508A-8F31-BCB5-5427-443319492C7C}"/>
-              </a:ext>
-            </a:extLst>
-          </p:cNvPr>
+          <p:cNvPr id="2" name="Date Placeholder 1"/>
           <p:cNvSpPr>
             <a:spLocks noGrp="1"/>
           </p:cNvSpPr>
@@ -3214,7 +3326,7 @@
           <a:p>
             <a:fld id="{C7B5033B-E79C-4009-9C64-ABF7A52B63B5}" type="datetimeFigureOut">
               <a:rPr lang="de-AT" smtClean="0"/>
-              <a:t>27.01.2025</a:t>
+              <a:t>06.02.2025</a:t>
             </a:fld>
             <a:endParaRPr lang="de-AT"/>
           </a:p>
@@ -3222,13 +3334,7 @@
       </p:sp>
       <p:sp>
         <p:nvSpPr>
-          <p:cNvPr id="3" name="Fußzeilenplatzhalter 2">
-            <a:extLst>
-              <a:ext uri="{FF2B5EF4-FFF2-40B4-BE49-F238E27FC236}">
-                <a16:creationId xmlns:a16="http://schemas.microsoft.com/office/drawing/2014/main" id="{E055509A-67D5-23B7-69EA-520609464A4F}"/>
-              </a:ext>
-            </a:extLst>
-          </p:cNvPr>
+          <p:cNvPr id="3" name="Footer Placeholder 2"/>
           <p:cNvSpPr>
             <a:spLocks noGrp="1"/>
           </p:cNvSpPr>
@@ -3247,13 +3353,7 @@
       </p:sp>
       <p:sp>
         <p:nvSpPr>
-          <p:cNvPr id="4" name="Foliennummernplatzhalter 3">
-            <a:extLst>
-              <a:ext uri="{FF2B5EF4-FFF2-40B4-BE49-F238E27FC236}">
-                <a16:creationId xmlns:a16="http://schemas.microsoft.com/office/drawing/2014/main" id="{014B011D-ECAF-DAED-B73A-327FCB90F52F}"/>
-              </a:ext>
-            </a:extLst>
-          </p:cNvPr>
+          <p:cNvPr id="4" name="Slide Number Placeholder 3"/>
           <p:cNvSpPr>
             <a:spLocks noGrp="1"/>
           </p:cNvSpPr>
@@ -3277,7 +3377,7 @@
     </p:spTree>
     <p:extLst>
       <p:ext uri="{BB962C8B-B14F-4D97-AF65-F5344CB8AC3E}">
-        <p14:creationId xmlns:p14="http://schemas.microsoft.com/office/powerpoint/2010/main" val="4123823173"/>
+        <p14:creationId xmlns:p14="http://schemas.microsoft.com/office/powerpoint/2010/main" val="253270363"/>
       </p:ext>
     </p:extLst>
   </p:cSld>
@@ -3306,13 +3406,7 @@
       </p:grpSpPr>
       <p:sp>
         <p:nvSpPr>
-          <p:cNvPr id="2" name="Titel 1">
-            <a:extLst>
-              <a:ext uri="{FF2B5EF4-FFF2-40B4-BE49-F238E27FC236}">
-                <a16:creationId xmlns:a16="http://schemas.microsoft.com/office/drawing/2014/main" id="{BBDC91E6-8814-1EEB-79A6-2E05532C7B53}"/>
-              </a:ext>
-            </a:extLst>
-          </p:cNvPr>
+          <p:cNvPr id="2" name="Title 1"/>
           <p:cNvSpPr>
             <a:spLocks noGrp="1"/>
           </p:cNvSpPr>
@@ -3322,15 +3416,17 @@
         </p:nvSpPr>
         <p:spPr>
           <a:xfrm>
-            <a:off x="839788" y="457200"/>
-            <a:ext cx="3932237" cy="1600200"/>
+            <a:off x="841248" y="457200"/>
+            <a:ext cx="3200400" cy="1600197"/>
           </a:xfrm>
         </p:spPr>
         <p:txBody>
-          <a:bodyPr anchor="b"/>
+          <a:bodyPr anchor="b">
+            <a:normAutofit/>
+          </a:bodyPr>
           <a:lstStyle>
             <a:lvl1pPr>
-              <a:defRPr sz="3200"/>
+              <a:defRPr sz="3200" b="0" baseline="0"/>
             </a:lvl1pPr>
           </a:lstStyle>
           <a:p>
@@ -3338,19 +3434,13 @@
               <a:rPr lang="de-DE"/>
               <a:t>Mastertitelformat bearbeiten</a:t>
             </a:r>
-            <a:endParaRPr lang="de-AT"/>
-          </a:p>
-        </p:txBody>
-      </p:sp>
-      <p:sp>
-        <p:nvSpPr>
-          <p:cNvPr id="3" name="Inhaltsplatzhalter 2">
-            <a:extLst>
-              <a:ext uri="{FF2B5EF4-FFF2-40B4-BE49-F238E27FC236}">
-                <a16:creationId xmlns:a16="http://schemas.microsoft.com/office/drawing/2014/main" id="{19C8B631-A6F5-3F25-1963-250416818051}"/>
-              </a:ext>
-            </a:extLst>
-          </p:cNvPr>
+            <a:endParaRPr lang="en-US" dirty="0"/>
+          </a:p>
+        </p:txBody>
+      </p:sp>
+      <p:sp>
+        <p:nvSpPr>
+          <p:cNvPr id="3" name="Content Placeholder 2"/>
           <p:cNvSpPr>
             <a:spLocks noGrp="1"/>
           </p:cNvSpPr>
@@ -3360,39 +3450,39 @@
         </p:nvSpPr>
         <p:spPr>
           <a:xfrm>
-            <a:off x="5183188" y="987425"/>
-            <a:ext cx="6172200" cy="4873625"/>
+            <a:off x="4504267" y="685800"/>
+            <a:ext cx="6079066" cy="5486400"/>
           </a:xfrm>
         </p:spPr>
         <p:txBody>
           <a:bodyPr/>
           <a:lstStyle>
             <a:lvl1pPr>
-              <a:defRPr sz="3200"/>
+              <a:defRPr sz="2000"/>
             </a:lvl1pPr>
             <a:lvl2pPr>
-              <a:defRPr sz="2800"/>
+              <a:defRPr sz="1800"/>
             </a:lvl2pPr>
             <a:lvl3pPr>
-              <a:defRPr sz="2400"/>
+              <a:defRPr sz="1600"/>
             </a:lvl3pPr>
             <a:lvl4pPr>
-              <a:defRPr sz="2000"/>
+              <a:defRPr sz="1400"/>
             </a:lvl4pPr>
             <a:lvl5pPr>
-              <a:defRPr sz="2000"/>
+              <a:defRPr sz="1400"/>
             </a:lvl5pPr>
             <a:lvl6pPr>
-              <a:defRPr sz="2000"/>
+              <a:defRPr sz="1400"/>
             </a:lvl6pPr>
             <a:lvl7pPr>
-              <a:defRPr sz="2000"/>
+              <a:defRPr sz="1400"/>
             </a:lvl7pPr>
             <a:lvl8pPr>
-              <a:defRPr sz="2000"/>
+              <a:defRPr sz="1400"/>
             </a:lvl8pPr>
             <a:lvl9pPr>
-              <a:defRPr sz="2000"/>
+              <a:defRPr sz="1400"/>
             </a:lvl9pPr>
           </a:lstStyle>
           <a:p>
@@ -3429,19 +3519,13 @@
               <a:rPr lang="de-DE"/>
               <a:t>Fünfte Ebene</a:t>
             </a:r>
-            <a:endParaRPr lang="de-AT"/>
-          </a:p>
-        </p:txBody>
-      </p:sp>
-      <p:sp>
-        <p:nvSpPr>
-          <p:cNvPr id="4" name="Textplatzhalter 3">
-            <a:extLst>
-              <a:ext uri="{FF2B5EF4-FFF2-40B4-BE49-F238E27FC236}">
-                <a16:creationId xmlns:a16="http://schemas.microsoft.com/office/drawing/2014/main" id="{CE433DEF-D167-312B-5CA5-75ABF2A0115D}"/>
-              </a:ext>
-            </a:extLst>
-          </p:cNvPr>
+            <a:endParaRPr lang="en-US" dirty="0"/>
+          </a:p>
+        </p:txBody>
+      </p:sp>
+      <p:sp>
+        <p:nvSpPr>
+          <p:cNvPr id="4" name="Text Placeholder 3"/>
           <p:cNvSpPr>
             <a:spLocks noGrp="1"/>
           </p:cNvSpPr>
@@ -3451,48 +3535,56 @@
         </p:nvSpPr>
         <p:spPr>
           <a:xfrm>
-            <a:off x="839788" y="2057400"/>
-            <a:ext cx="3932237" cy="3811588"/>
+            <a:off x="841248" y="2099734"/>
+            <a:ext cx="3200400" cy="3810001"/>
           </a:xfrm>
         </p:spPr>
         <p:txBody>
-          <a:bodyPr/>
+          <a:bodyPr>
+            <a:normAutofit/>
+          </a:bodyPr>
           <a:lstStyle>
             <a:lvl1pPr marL="0" indent="0">
+              <a:lnSpc>
+                <a:spcPct val="114000"/>
+              </a:lnSpc>
+              <a:spcBef>
+                <a:spcPts val="800"/>
+              </a:spcBef>
               <a:buNone/>
-              <a:defRPr sz="1600"/>
+              <a:defRPr sz="1300"/>
             </a:lvl1pPr>
             <a:lvl2pPr marL="457200" indent="0">
               <a:buNone/>
-              <a:defRPr sz="1400"/>
+              <a:defRPr sz="1200"/>
             </a:lvl2pPr>
             <a:lvl3pPr marL="914400" indent="0">
               <a:buNone/>
-              <a:defRPr sz="1200"/>
+              <a:defRPr sz="1000"/>
             </a:lvl3pPr>
             <a:lvl4pPr marL="1371600" indent="0">
               <a:buNone/>
-              <a:defRPr sz="1000"/>
+              <a:defRPr sz="900"/>
             </a:lvl4pPr>
             <a:lvl5pPr marL="1828800" indent="0">
               <a:buNone/>
-              <a:defRPr sz="1000"/>
+              <a:defRPr sz="900"/>
             </a:lvl5pPr>
             <a:lvl6pPr marL="2286000" indent="0">
               <a:buNone/>
-              <a:defRPr sz="1000"/>
+              <a:defRPr sz="900"/>
             </a:lvl6pPr>
             <a:lvl7pPr marL="2743200" indent="0">
               <a:buNone/>
-              <a:defRPr sz="1000"/>
+              <a:defRPr sz="900"/>
             </a:lvl7pPr>
             <a:lvl8pPr marL="3200400" indent="0">
               <a:buNone/>
-              <a:defRPr sz="1000"/>
+              <a:defRPr sz="900"/>
             </a:lvl8pPr>
             <a:lvl9pPr marL="3657600" indent="0">
               <a:buNone/>
-              <a:defRPr sz="1000"/>
+              <a:defRPr sz="900"/>
             </a:lvl9pPr>
           </a:lstStyle>
           <a:p>
@@ -3506,13 +3598,7 @@
       </p:sp>
       <p:sp>
         <p:nvSpPr>
-          <p:cNvPr id="5" name="Datumsplatzhalter 4">
-            <a:extLst>
-              <a:ext uri="{FF2B5EF4-FFF2-40B4-BE49-F238E27FC236}">
-                <a16:creationId xmlns:a16="http://schemas.microsoft.com/office/drawing/2014/main" id="{CF94805E-319C-6387-F293-B8F258CAFDFD}"/>
-              </a:ext>
-            </a:extLst>
-          </p:cNvPr>
+          <p:cNvPr id="5" name="Date Placeholder 4"/>
           <p:cNvSpPr>
             <a:spLocks noGrp="1"/>
           </p:cNvSpPr>
@@ -3527,7 +3613,7 @@
           <a:p>
             <a:fld id="{C7B5033B-E79C-4009-9C64-ABF7A52B63B5}" type="datetimeFigureOut">
               <a:rPr lang="de-AT" smtClean="0"/>
-              <a:t>27.01.2025</a:t>
+              <a:t>06.02.2025</a:t>
             </a:fld>
             <a:endParaRPr lang="de-AT"/>
           </a:p>
@@ -3535,13 +3621,7 @@
       </p:sp>
       <p:sp>
         <p:nvSpPr>
-          <p:cNvPr id="6" name="Fußzeilenplatzhalter 5">
-            <a:extLst>
-              <a:ext uri="{FF2B5EF4-FFF2-40B4-BE49-F238E27FC236}">
-                <a16:creationId xmlns:a16="http://schemas.microsoft.com/office/drawing/2014/main" id="{8D4DDAB3-7F46-5A7B-37D3-12C0C02FC1D5}"/>
-              </a:ext>
-            </a:extLst>
-          </p:cNvPr>
+          <p:cNvPr id="6" name="Footer Placeholder 5"/>
           <p:cNvSpPr>
             <a:spLocks noGrp="1"/>
           </p:cNvSpPr>
@@ -3560,13 +3640,7 @@
       </p:sp>
       <p:sp>
         <p:nvSpPr>
-          <p:cNvPr id="7" name="Foliennummernplatzhalter 6">
-            <a:extLst>
-              <a:ext uri="{FF2B5EF4-FFF2-40B4-BE49-F238E27FC236}">
-                <a16:creationId xmlns:a16="http://schemas.microsoft.com/office/drawing/2014/main" id="{EFCC9ECC-F55D-D5FA-DA26-D85A3AFF067E}"/>
-              </a:ext>
-            </a:extLst>
-          </p:cNvPr>
+          <p:cNvPr id="7" name="Slide Number Placeholder 6"/>
           <p:cNvSpPr>
             <a:spLocks noGrp="1"/>
           </p:cNvSpPr>
@@ -3590,7 +3664,7 @@
     </p:spTree>
     <p:extLst>
       <p:ext uri="{BB962C8B-B14F-4D97-AF65-F5344CB8AC3E}">
-        <p14:creationId xmlns:p14="http://schemas.microsoft.com/office/powerpoint/2010/main" val="3645450255"/>
+        <p14:creationId xmlns:p14="http://schemas.microsoft.com/office/powerpoint/2010/main" val="449034470"/>
       </p:ext>
     </p:extLst>
   </p:cSld>
@@ -3619,31 +3693,69 @@
       </p:grpSpPr>
       <p:sp>
         <p:nvSpPr>
-          <p:cNvPr id="2" name="Titel 1">
-            <a:extLst>
-              <a:ext uri="{FF2B5EF4-FFF2-40B4-BE49-F238E27FC236}">
-                <a16:creationId xmlns:a16="http://schemas.microsoft.com/office/drawing/2014/main" id="{CD59BEAC-FE36-676A-1423-95C3FC21735E}"/>
-              </a:ext>
-            </a:extLst>
-          </p:cNvPr>
-          <p:cNvSpPr>
-            <a:spLocks noGrp="1"/>
-          </p:cNvSpPr>
-          <p:nvPr>
-            <p:ph type="title"/>
-          </p:nvPr>
+          <p:cNvPr id="8" name="Rectangle 7"/>
+          <p:cNvSpPr/>
+          <p:nvPr/>
         </p:nvSpPr>
         <p:spPr>
           <a:xfrm>
-            <a:off x="839788" y="457200"/>
-            <a:ext cx="3932237" cy="1600200"/>
+            <a:off x="0" y="5105400"/>
+            <a:ext cx="11292840" cy="1752600"/>
+          </a:xfrm>
+          <a:prstGeom prst="rect">
+            <a:avLst/>
+          </a:prstGeom>
+          <a:solidFill>
+            <a:srgbClr val="000000"/>
+          </a:solidFill>
+          <a:ln>
+            <a:noFill/>
+          </a:ln>
+        </p:spPr>
+        <p:style>
+          <a:lnRef idx="2">
+            <a:schemeClr val="accent1">
+              <a:shade val="50000"/>
+            </a:schemeClr>
+          </a:lnRef>
+          <a:fillRef idx="1">
+            <a:schemeClr val="accent1"/>
+          </a:fillRef>
+          <a:effectRef idx="0">
+            <a:schemeClr val="accent1"/>
+          </a:effectRef>
+          <a:fontRef idx="minor">
+            <a:schemeClr val="lt1"/>
+          </a:fontRef>
+        </p:style>
+      </p:sp>
+      <p:sp>
+        <p:nvSpPr>
+          <p:cNvPr id="2" name="Title 1"/>
+          <p:cNvSpPr>
+            <a:spLocks noGrp="1"/>
+          </p:cNvSpPr>
+          <p:nvPr>
+            <p:ph type="title"/>
+          </p:nvPr>
+        </p:nvSpPr>
+        <p:spPr>
+          <a:xfrm>
+            <a:off x="914400" y="5257800"/>
+            <a:ext cx="9982200" cy="914400"/>
           </a:xfrm>
         </p:spPr>
         <p:txBody>
-          <a:bodyPr anchor="b"/>
+          <a:bodyPr anchor="b">
+            <a:normAutofit/>
+          </a:bodyPr>
           <a:lstStyle>
             <a:lvl1pPr>
-              <a:defRPr sz="3200"/>
+              <a:defRPr sz="2800" b="0">
+                <a:solidFill>
+                  <a:schemeClr val="bg1"/>
+                </a:solidFill>
+              </a:defRPr>
             </a:lvl1pPr>
           </a:lstStyle>
           <a:p>
@@ -3651,21 +3763,15 @@
               <a:rPr lang="de-DE"/>
               <a:t>Mastertitelformat bearbeiten</a:t>
             </a:r>
-            <a:endParaRPr lang="de-AT"/>
-          </a:p>
-        </p:txBody>
-      </p:sp>
-      <p:sp>
-        <p:nvSpPr>
-          <p:cNvPr id="3" name="Bildplatzhalter 2">
-            <a:extLst>
-              <a:ext uri="{FF2B5EF4-FFF2-40B4-BE49-F238E27FC236}">
-                <a16:creationId xmlns:a16="http://schemas.microsoft.com/office/drawing/2014/main" id="{FCD2B80B-F2B2-4B8D-F9DC-96EDD74992A9}"/>
-              </a:ext>
-            </a:extLst>
-          </p:cNvPr>
-          <p:cNvSpPr>
-            <a:spLocks noGrp="1"/>
+            <a:endParaRPr lang="en-US" dirty="0"/>
+          </a:p>
+        </p:txBody>
+      </p:sp>
+      <p:sp>
+        <p:nvSpPr>
+          <p:cNvPr id="3" name="Picture Placeholder 2"/>
+          <p:cNvSpPr>
+            <a:spLocks noGrp="1" noChangeAspect="1"/>
           </p:cNvSpPr>
           <p:nvPr>
             <p:ph type="pic" idx="1"/>
@@ -3673,16 +3779,23 @@
         </p:nvSpPr>
         <p:spPr>
           <a:xfrm>
-            <a:off x="5183188" y="987425"/>
-            <a:ext cx="6172200" cy="4873625"/>
+            <a:off x="0" y="0"/>
+            <a:ext cx="11292840" cy="5128923"/>
           </a:xfrm>
+          <a:solidFill>
+            <a:schemeClr val="accent1"/>
+          </a:solidFill>
         </p:spPr>
         <p:txBody>
-          <a:bodyPr/>
+          <a:bodyPr anchor="t"/>
           <a:lstStyle>
             <a:lvl1pPr marL="0" indent="0">
               <a:buNone/>
-              <a:defRPr sz="3200"/>
+              <a:defRPr sz="3200">
+                <a:solidFill>
+                  <a:schemeClr val="bg1"/>
+                </a:solidFill>
+              </a:defRPr>
             </a:lvl1pPr>
             <a:lvl2pPr marL="457200" indent="0">
               <a:buNone/>
@@ -3718,19 +3831,17 @@
             </a:lvl9pPr>
           </a:lstStyle>
           <a:p>
-            <a:endParaRPr lang="de-AT"/>
-          </a:p>
-        </p:txBody>
-      </p:sp>
-      <p:sp>
-        <p:nvSpPr>
-          <p:cNvPr id="4" name="Textplatzhalter 3">
-            <a:extLst>
-              <a:ext uri="{FF2B5EF4-FFF2-40B4-BE49-F238E27FC236}">
-                <a16:creationId xmlns:a16="http://schemas.microsoft.com/office/drawing/2014/main" id="{C9996EC5-035B-E774-4EEF-9FFC821F2318}"/>
-              </a:ext>
-            </a:extLst>
-          </p:cNvPr>
+            <a:r>
+              <a:rPr lang="de-DE"/>
+              <a:t>Bild durch Klicken auf Symbol hinzufügen</a:t>
+            </a:r>
+            <a:endParaRPr lang="en-US" dirty="0"/>
+          </a:p>
+        </p:txBody>
+      </p:sp>
+      <p:sp>
+        <p:nvSpPr>
+          <p:cNvPr id="4" name="Text Placeholder 3"/>
           <p:cNvSpPr>
             <a:spLocks noGrp="1"/>
           </p:cNvSpPr>
@@ -3740,48 +3851,62 @@
         </p:nvSpPr>
         <p:spPr>
           <a:xfrm>
-            <a:off x="839788" y="2057400"/>
-            <a:ext cx="3932237" cy="3811588"/>
+            <a:off x="914400" y="6108589"/>
+            <a:ext cx="9982200" cy="597011"/>
           </a:xfrm>
         </p:spPr>
         <p:txBody>
-          <a:bodyPr/>
+          <a:bodyPr>
+            <a:normAutofit/>
+          </a:bodyPr>
           <a:lstStyle>
             <a:lvl1pPr marL="0" indent="0">
+              <a:lnSpc>
+                <a:spcPct val="100000"/>
+              </a:lnSpc>
+              <a:spcBef>
+                <a:spcPts val="800"/>
+              </a:spcBef>
               <a:buNone/>
-              <a:defRPr sz="1600"/>
+              <a:defRPr sz="1300">
+                <a:solidFill>
+                  <a:schemeClr val="bg1">
+                    <a:lumMod val="85000"/>
+                  </a:schemeClr>
+                </a:solidFill>
+              </a:defRPr>
             </a:lvl1pPr>
             <a:lvl2pPr marL="457200" indent="0">
               <a:buNone/>
-              <a:defRPr sz="1400"/>
+              <a:defRPr sz="1200"/>
             </a:lvl2pPr>
             <a:lvl3pPr marL="914400" indent="0">
               <a:buNone/>
-              <a:defRPr sz="1200"/>
+              <a:defRPr sz="1000"/>
             </a:lvl3pPr>
             <a:lvl4pPr marL="1371600" indent="0">
               <a:buNone/>
-              <a:defRPr sz="1000"/>
+              <a:defRPr sz="900"/>
             </a:lvl4pPr>
             <a:lvl5pPr marL="1828800" indent="0">
               <a:buNone/>
-              <a:defRPr sz="1000"/>
+              <a:defRPr sz="900"/>
             </a:lvl5pPr>
             <a:lvl6pPr marL="2286000" indent="0">
               <a:buNone/>
-              <a:defRPr sz="1000"/>
+              <a:defRPr sz="900"/>
             </a:lvl6pPr>
             <a:lvl7pPr marL="2743200" indent="0">
               <a:buNone/>
-              <a:defRPr sz="1000"/>
+              <a:defRPr sz="900"/>
             </a:lvl7pPr>
             <a:lvl8pPr marL="3200400" indent="0">
               <a:buNone/>
-              <a:defRPr sz="1000"/>
+              <a:defRPr sz="900"/>
             </a:lvl8pPr>
             <a:lvl9pPr marL="3657600" indent="0">
               <a:buNone/>
-              <a:defRPr sz="1000"/>
+              <a:defRPr sz="900"/>
             </a:lvl9pPr>
           </a:lstStyle>
           <a:p>
@@ -3795,13 +3920,7 @@
       </p:sp>
       <p:sp>
         <p:nvSpPr>
-          <p:cNvPr id="5" name="Datumsplatzhalter 4">
-            <a:extLst>
-              <a:ext uri="{FF2B5EF4-FFF2-40B4-BE49-F238E27FC236}">
-                <a16:creationId xmlns:a16="http://schemas.microsoft.com/office/drawing/2014/main" id="{89FCF8BB-06C8-DF0B-9021-E0BCF1CDDED5}"/>
-              </a:ext>
-            </a:extLst>
-          </p:cNvPr>
+          <p:cNvPr id="5" name="Date Placeholder 4"/>
           <p:cNvSpPr>
             <a:spLocks noGrp="1"/>
           </p:cNvSpPr>
@@ -3816,7 +3935,7 @@
           <a:p>
             <a:fld id="{C7B5033B-E79C-4009-9C64-ABF7A52B63B5}" type="datetimeFigureOut">
               <a:rPr lang="de-AT" smtClean="0"/>
-              <a:t>27.01.2025</a:t>
+              <a:t>06.02.2025</a:t>
             </a:fld>
             <a:endParaRPr lang="de-AT"/>
           </a:p>
@@ -3824,13 +3943,7 @@
       </p:sp>
       <p:sp>
         <p:nvSpPr>
-          <p:cNvPr id="6" name="Fußzeilenplatzhalter 5">
-            <a:extLst>
-              <a:ext uri="{FF2B5EF4-FFF2-40B4-BE49-F238E27FC236}">
-                <a16:creationId xmlns:a16="http://schemas.microsoft.com/office/drawing/2014/main" id="{47715FDD-43D1-E70E-D5B8-ABC87682E8A9}"/>
-              </a:ext>
-            </a:extLst>
-          </p:cNvPr>
+          <p:cNvPr id="6" name="Footer Placeholder 5"/>
           <p:cNvSpPr>
             <a:spLocks noGrp="1"/>
           </p:cNvSpPr>
@@ -3849,13 +3962,7 @@
       </p:sp>
       <p:sp>
         <p:nvSpPr>
-          <p:cNvPr id="7" name="Foliennummernplatzhalter 6">
-            <a:extLst>
-              <a:ext uri="{FF2B5EF4-FFF2-40B4-BE49-F238E27FC236}">
-                <a16:creationId xmlns:a16="http://schemas.microsoft.com/office/drawing/2014/main" id="{585BB8EF-603C-4D01-6549-AC7001706EAA}"/>
-              </a:ext>
-            </a:extLst>
-          </p:cNvPr>
+          <p:cNvPr id="7" name="Slide Number Placeholder 6"/>
           <p:cNvSpPr>
             <a:spLocks noGrp="1"/>
           </p:cNvSpPr>
@@ -3879,7 +3986,7 @@
     </p:spTree>
     <p:extLst>
       <p:ext uri="{BB962C8B-B14F-4D97-AF65-F5344CB8AC3E}">
-        <p14:creationId xmlns:p14="http://schemas.microsoft.com/office/powerpoint/2010/main" val="2432531748"/>
+        <p14:creationId xmlns:p14="http://schemas.microsoft.com/office/powerpoint/2010/main" val="248325774"/>
       </p:ext>
     </p:extLst>
   </p:cSld>
@@ -3913,31 +4020,65 @@
       </p:grpSpPr>
       <p:sp>
         <p:nvSpPr>
-          <p:cNvPr id="2" name="Titelplatzhalter 1">
-            <a:extLst>
-              <a:ext uri="{FF2B5EF4-FFF2-40B4-BE49-F238E27FC236}">
-                <a16:creationId xmlns:a16="http://schemas.microsoft.com/office/drawing/2014/main" id="{2A62193D-1FF1-3FE8-2E4F-B1268D59F0D3}"/>
-              </a:ext>
-            </a:extLst>
-          </p:cNvPr>
-          <p:cNvSpPr>
-            <a:spLocks noGrp="1"/>
-          </p:cNvSpPr>
-          <p:nvPr>
-            <p:ph type="title"/>
-          </p:nvPr>
+          <p:cNvPr id="7" name="Rectangle 6"/>
+          <p:cNvSpPr/>
+          <p:nvPr/>
         </p:nvSpPr>
         <p:spPr>
           <a:xfrm>
-            <a:off x="838200" y="365125"/>
-            <a:ext cx="10515600" cy="1325563"/>
+            <a:off x="11292840" y="0"/>
+            <a:ext cx="914400" cy="6858000"/>
+          </a:xfrm>
+          <a:prstGeom prst="rect">
+            <a:avLst/>
+          </a:prstGeom>
+          <a:solidFill>
+            <a:schemeClr val="tx2">
+              <a:lumMod val="75000"/>
+            </a:schemeClr>
+          </a:solidFill>
+          <a:ln>
+            <a:noFill/>
+          </a:ln>
+        </p:spPr>
+        <p:style>
+          <a:lnRef idx="2">
+            <a:schemeClr val="accent1">
+              <a:shade val="50000"/>
+            </a:schemeClr>
+          </a:lnRef>
+          <a:fillRef idx="1">
+            <a:schemeClr val="accent1"/>
+          </a:fillRef>
+          <a:effectRef idx="0">
+            <a:schemeClr val="accent1"/>
+          </a:effectRef>
+          <a:fontRef idx="minor">
+            <a:schemeClr val="lt1"/>
+          </a:fontRef>
+        </p:style>
+      </p:sp>
+      <p:sp>
+        <p:nvSpPr>
+          <p:cNvPr id="2" name="Title Placeholder 1"/>
+          <p:cNvSpPr>
+            <a:spLocks noGrp="1"/>
+          </p:cNvSpPr>
+          <p:nvPr>
+            <p:ph type="title"/>
+          </p:nvPr>
+        </p:nvSpPr>
+        <p:spPr>
+          <a:xfrm>
+            <a:off x="1261872" y="365760"/>
+            <a:ext cx="9692640" cy="1325562"/>
           </a:xfrm>
           <a:prstGeom prst="rect">
             <a:avLst/>
           </a:prstGeom>
         </p:spPr>
         <p:txBody>
-          <a:bodyPr vert="horz" lIns="91440" tIns="45720" rIns="91440" bIns="45720" rtlCol="0" anchor="ctr">
+          <a:bodyPr vert="horz" lIns="91440" tIns="45720" rIns="91440" bIns="45720" rtlCol="0" anchor="b">
             <a:normAutofit/>
           </a:bodyPr>
           <a:lstStyle/>
@@ -3946,19 +4087,13 @@
               <a:rPr lang="de-DE"/>
               <a:t>Mastertitelformat bearbeiten</a:t>
             </a:r>
-            <a:endParaRPr lang="de-AT"/>
-          </a:p>
-        </p:txBody>
-      </p:sp>
-      <p:sp>
-        <p:nvSpPr>
-          <p:cNvPr id="3" name="Textplatzhalter 2">
-            <a:extLst>
-              <a:ext uri="{FF2B5EF4-FFF2-40B4-BE49-F238E27FC236}">
-                <a16:creationId xmlns:a16="http://schemas.microsoft.com/office/drawing/2014/main" id="{8FBC27A0-9C04-E5EC-FD19-E589DB57F05C}"/>
-              </a:ext>
-            </a:extLst>
-          </p:cNvPr>
+            <a:endParaRPr lang="en-US" dirty="0"/>
+          </a:p>
+        </p:txBody>
+      </p:sp>
+      <p:sp>
+        <p:nvSpPr>
+          <p:cNvPr id="3" name="Text Placeholder 2"/>
           <p:cNvSpPr>
             <a:spLocks noGrp="1"/>
           </p:cNvSpPr>
@@ -3968,8 +4103,8 @@
         </p:nvSpPr>
         <p:spPr>
           <a:xfrm>
-            <a:off x="838200" y="1825625"/>
-            <a:ext cx="10515600" cy="4351338"/>
+            <a:off x="1261872" y="1828800"/>
+            <a:ext cx="8595360" cy="4351337"/>
           </a:xfrm>
           <a:prstGeom prst="rect">
             <a:avLst/>
@@ -4014,19 +4149,13 @@
               <a:rPr lang="de-DE"/>
               <a:t>Fünfte Ebene</a:t>
             </a:r>
-            <a:endParaRPr lang="de-AT"/>
-          </a:p>
-        </p:txBody>
-      </p:sp>
-      <p:sp>
-        <p:nvSpPr>
-          <p:cNvPr id="4" name="Datumsplatzhalter 3">
-            <a:extLst>
-              <a:ext uri="{FF2B5EF4-FFF2-40B4-BE49-F238E27FC236}">
-                <a16:creationId xmlns:a16="http://schemas.microsoft.com/office/drawing/2014/main" id="{E773E597-BAEF-2AD0-C8A1-5EEF72861C2A}"/>
-              </a:ext>
-            </a:extLst>
-          </p:cNvPr>
+            <a:endParaRPr lang="en-US" dirty="0"/>
+          </a:p>
+        </p:txBody>
+      </p:sp>
+      <p:sp>
+        <p:nvSpPr>
+          <p:cNvPr id="4" name="Date Placeholder 3"/>
           <p:cNvSpPr>
             <a:spLocks noGrp="1"/>
           </p:cNvSpPr>
@@ -4035,9 +4164,9 @@
           </p:nvPr>
         </p:nvSpPr>
         <p:spPr>
-          <a:xfrm>
-            <a:off x="838200" y="6356350"/>
-            <a:ext cx="2743200" cy="365125"/>
+          <a:xfrm rot="16200000">
+            <a:off x="10797542" y="998537"/>
+            <a:ext cx="1904999" cy="365125"/>
           </a:xfrm>
           <a:prstGeom prst="rect">
             <a:avLst/>
@@ -4046,11 +4175,12 @@
         <p:txBody>
           <a:bodyPr vert="horz" lIns="91440" tIns="45720" rIns="91440" bIns="45720" rtlCol="0" anchor="ctr"/>
           <a:lstStyle>
-            <a:lvl1pPr algn="l">
-              <a:defRPr sz="1200">
+            <a:lvl1pPr algn="r">
+              <a:defRPr sz="1050" b="0">
                 <a:solidFill>
-                  <a:schemeClr val="tx1">
-                    <a:tint val="82000"/>
+                  <a:schemeClr val="tx2">
+                    <a:lumMod val="20000"/>
+                    <a:lumOff val="80000"/>
                   </a:schemeClr>
                 </a:solidFill>
               </a:defRPr>
@@ -4059,7 +4189,7 @@
           <a:p>
             <a:fld id="{C7B5033B-E79C-4009-9C64-ABF7A52B63B5}" type="datetimeFigureOut">
               <a:rPr lang="de-AT" smtClean="0"/>
-              <a:t>27.01.2025</a:t>
+              <a:t>06.02.2025</a:t>
             </a:fld>
             <a:endParaRPr lang="de-AT"/>
           </a:p>
@@ -4067,13 +4197,7 @@
       </p:sp>
       <p:sp>
         <p:nvSpPr>
-          <p:cNvPr id="5" name="Fußzeilenplatzhalter 4">
-            <a:extLst>
-              <a:ext uri="{FF2B5EF4-FFF2-40B4-BE49-F238E27FC236}">
-                <a16:creationId xmlns:a16="http://schemas.microsoft.com/office/drawing/2014/main" id="{33204456-692E-57B0-DB86-3A0D63A94915}"/>
-              </a:ext>
-            </a:extLst>
-          </p:cNvPr>
+          <p:cNvPr id="5" name="Footer Placeholder 4"/>
           <p:cNvSpPr>
             <a:spLocks noGrp="1"/>
           </p:cNvSpPr>
@@ -4082,9 +4206,9 @@
           </p:nvPr>
         </p:nvSpPr>
         <p:spPr>
-          <a:xfrm>
-            <a:off x="4038600" y="6356350"/>
-            <a:ext cx="4114800" cy="365125"/>
+          <a:xfrm rot="16200000">
+            <a:off x="9959341" y="4046537"/>
+            <a:ext cx="3581400" cy="365125"/>
           </a:xfrm>
           <a:prstGeom prst="rect">
             <a:avLst/>
@@ -4093,11 +4217,12 @@
         <p:txBody>
           <a:bodyPr vert="horz" lIns="91440" tIns="45720" rIns="91440" bIns="45720" rtlCol="0" anchor="ctr"/>
           <a:lstStyle>
-            <a:lvl1pPr algn="ctr">
-              <a:defRPr sz="1200">
+            <a:lvl1pPr algn="l">
+              <a:defRPr sz="1050">
                 <a:solidFill>
-                  <a:schemeClr val="tx1">
-                    <a:tint val="82000"/>
+                  <a:schemeClr val="tx2">
+                    <a:lumMod val="20000"/>
+                    <a:lumOff val="80000"/>
                   </a:schemeClr>
                 </a:solidFill>
               </a:defRPr>
@@ -4110,13 +4235,7 @@
       </p:sp>
       <p:sp>
         <p:nvSpPr>
-          <p:cNvPr id="6" name="Foliennummernplatzhalter 5">
-            <a:extLst>
-              <a:ext uri="{FF2B5EF4-FFF2-40B4-BE49-F238E27FC236}">
-                <a16:creationId xmlns:a16="http://schemas.microsoft.com/office/drawing/2014/main" id="{4208C995-D6DD-F5E7-99CC-70B88F6386DD}"/>
-              </a:ext>
-            </a:extLst>
-          </p:cNvPr>
+          <p:cNvPr id="6" name="Slide Number Placeholder 5"/>
           <p:cNvSpPr>
             <a:spLocks noGrp="1"/>
           </p:cNvSpPr>
@@ -4126,21 +4245,24 @@
         </p:nvSpPr>
         <p:spPr>
           <a:xfrm>
-            <a:off x="8610600" y="6356350"/>
-            <a:ext cx="2743200" cy="365125"/>
+            <a:off x="11292840" y="6172200"/>
+            <a:ext cx="914400" cy="593725"/>
           </a:xfrm>
           <a:prstGeom prst="rect">
             <a:avLst/>
           </a:prstGeom>
         </p:spPr>
         <p:txBody>
-          <a:bodyPr vert="horz" lIns="91440" tIns="45720" rIns="91440" bIns="45720" rtlCol="0" anchor="ctr"/>
+          <a:bodyPr vert="horz" lIns="45720" tIns="45720" rIns="45720" bIns="45720" rtlCol="0" anchor="ctr">
+            <a:normAutofit/>
+          </a:bodyPr>
           <a:lstStyle>
-            <a:lvl1pPr algn="r">
-              <a:defRPr sz="1200">
+            <a:lvl1pPr algn="ctr">
+              <a:defRPr sz="3600">
                 <a:solidFill>
-                  <a:schemeClr val="tx1">
-                    <a:tint val="82000"/>
+                  <a:schemeClr val="tx2">
+                    <a:lumMod val="60000"/>
+                    <a:lumOff val="40000"/>
                   </a:schemeClr>
                 </a:solidFill>
               </a:defRPr>
@@ -4158,23 +4280,23 @@
     </p:spTree>
     <p:extLst>
       <p:ext uri="{BB962C8B-B14F-4D97-AF65-F5344CB8AC3E}">
-        <p14:creationId xmlns:p14="http://schemas.microsoft.com/office/powerpoint/2010/main" val="2253170878"/>
+        <p14:creationId xmlns:p14="http://schemas.microsoft.com/office/powerpoint/2010/main" val="1735365149"/>
       </p:ext>
     </p:extLst>
   </p:cSld>
   <p:clrMap bg1="lt1" tx1="dk1" bg2="lt2" tx2="dk2" accent1="accent1" accent2="accent2" accent3="accent3" accent4="accent4" accent5="accent5" accent6="accent6" hlink="hlink" folHlink="folHlink"/>
   <p:sldLayoutIdLst>
-    <p:sldLayoutId id="2147483649" r:id="rId1"/>
-    <p:sldLayoutId id="2147483650" r:id="rId2"/>
-    <p:sldLayoutId id="2147483651" r:id="rId3"/>
-    <p:sldLayoutId id="2147483652" r:id="rId4"/>
-    <p:sldLayoutId id="2147483653" r:id="rId5"/>
-    <p:sldLayoutId id="2147483654" r:id="rId6"/>
-    <p:sldLayoutId id="2147483655" r:id="rId7"/>
-    <p:sldLayoutId id="2147483656" r:id="rId8"/>
-    <p:sldLayoutId id="2147483657" r:id="rId9"/>
-    <p:sldLayoutId id="2147483658" r:id="rId10"/>
-    <p:sldLayoutId id="2147483659" r:id="rId11"/>
+    <p:sldLayoutId id="2147483715" r:id="rId1"/>
+    <p:sldLayoutId id="2147483716" r:id="rId2"/>
+    <p:sldLayoutId id="2147483717" r:id="rId3"/>
+    <p:sldLayoutId id="2147483718" r:id="rId4"/>
+    <p:sldLayoutId id="2147483719" r:id="rId5"/>
+    <p:sldLayoutId id="2147483720" r:id="rId6"/>
+    <p:sldLayoutId id="2147483721" r:id="rId7"/>
+    <p:sldLayoutId id="2147483722" r:id="rId8"/>
+    <p:sldLayoutId id="2147483723" r:id="rId9"/>
+    <p:sldLayoutId id="2147483724" r:id="rId10"/>
+    <p:sldLayoutId id="2147483725" r:id="rId11"/>
   </p:sldLayoutIdLst>
   <p:txStyles>
     <p:titleStyle>
@@ -4186,7 +4308,7 @@
           <a:spcPct val="0"/>
         </a:spcBef>
         <a:buNone/>
-        <a:defRPr sz="4400" kern="1200">
+        <a:defRPr sz="4400" kern="1200" spc="-50" baseline="0">
           <a:solidFill>
             <a:schemeClr val="tx1"/>
           </a:solidFill>
@@ -4197,16 +4319,23 @@
       </a:lvl1pPr>
     </p:titleStyle>
     <p:bodyStyle>
-      <a:lvl1pPr marL="228600" indent="-228600" algn="l" defTabSz="914400" rtl="0" eaLnBrk="1" latinLnBrk="0" hangingPunct="1">
+      <a:lvl1pPr marL="182880" indent="-182880" algn="l" defTabSz="914400" rtl="0" eaLnBrk="1" latinLnBrk="0" hangingPunct="1">
         <a:lnSpc>
-          <a:spcPct val="90000"/>
+          <a:spcPct val="95000"/>
         </a:lnSpc>
         <a:spcBef>
-          <a:spcPts val="1000"/>
+          <a:spcPts val="1400"/>
         </a:spcBef>
-        <a:buFont typeface="Arial" panose="020B0604020202020204" pitchFamily="34" charset="0"/>
+        <a:spcAft>
+          <a:spcPts val="200"/>
+        </a:spcAft>
+        <a:buClr>
+          <a:schemeClr val="accent1"/>
+        </a:buClr>
+        <a:buSzPct val="80000"/>
+        <a:buFont typeface="Arial" pitchFamily="34" charset="0"/>
         <a:buChar char="•"/>
-        <a:defRPr sz="2800" kern="1200">
+        <a:defRPr sz="1800" kern="1200" spc="10" baseline="0">
           <a:solidFill>
             <a:schemeClr val="tx1"/>
           </a:solidFill>
@@ -4215,144 +4344,216 @@
           <a:cs typeface="+mn-cs"/>
         </a:defRPr>
       </a:lvl1pPr>
-      <a:lvl2pPr marL="685800" indent="-228600" algn="l" defTabSz="914400" rtl="0" eaLnBrk="1" latinLnBrk="0" hangingPunct="1">
+      <a:lvl2pPr marL="457200" indent="-182880" algn="l" defTabSz="914400" rtl="0" eaLnBrk="1" latinLnBrk="0" hangingPunct="1">
         <a:lnSpc>
           <a:spcPct val="90000"/>
         </a:lnSpc>
         <a:spcBef>
-          <a:spcPts val="500"/>
+          <a:spcPts val="300"/>
         </a:spcBef>
-        <a:buFont typeface="Arial" panose="020B0604020202020204" pitchFamily="34" charset="0"/>
-        <a:buChar char="•"/>
-        <a:defRPr sz="2400" kern="1200">
+        <a:spcAft>
+          <a:spcPts val="300"/>
+        </a:spcAft>
+        <a:buClr>
+          <a:schemeClr val="accent1"/>
+        </a:buClr>
+        <a:buFont typeface="Wingdings 2" pitchFamily="18" charset="2"/>
+        <a:buChar char=""/>
+        <a:defRPr sz="1600" kern="1200">
           <a:solidFill>
-            <a:schemeClr val="tx1"/>
+            <a:schemeClr val="tx1">
+              <a:lumMod val="85000"/>
+              <a:lumOff val="15000"/>
+            </a:schemeClr>
           </a:solidFill>
           <a:latin typeface="+mn-lt"/>
           <a:ea typeface="+mn-ea"/>
           <a:cs typeface="+mn-cs"/>
         </a:defRPr>
       </a:lvl2pPr>
-      <a:lvl3pPr marL="1143000" indent="-228600" algn="l" defTabSz="914400" rtl="0" eaLnBrk="1" latinLnBrk="0" hangingPunct="1">
+      <a:lvl3pPr marL="731520" indent="-182880" algn="l" defTabSz="914400" rtl="0" eaLnBrk="1" latinLnBrk="0" hangingPunct="1">
         <a:lnSpc>
           <a:spcPct val="90000"/>
         </a:lnSpc>
         <a:spcBef>
-          <a:spcPts val="500"/>
+          <a:spcPts val="300"/>
         </a:spcBef>
-        <a:buFont typeface="Arial" panose="020B0604020202020204" pitchFamily="34" charset="0"/>
-        <a:buChar char="•"/>
-        <a:defRPr sz="2000" kern="1200">
+        <a:spcAft>
+          <a:spcPts val="300"/>
+        </a:spcAft>
+        <a:buClr>
+          <a:schemeClr val="accent1"/>
+        </a:buClr>
+        <a:buFont typeface="Wingdings 2" pitchFamily="18" charset="2"/>
+        <a:buChar char=""/>
+        <a:defRPr sz="1400" kern="1200">
           <a:solidFill>
-            <a:schemeClr val="tx1"/>
+            <a:schemeClr val="tx1">
+              <a:lumMod val="85000"/>
+              <a:lumOff val="15000"/>
+            </a:schemeClr>
           </a:solidFill>
           <a:latin typeface="+mn-lt"/>
           <a:ea typeface="+mn-ea"/>
           <a:cs typeface="+mn-cs"/>
         </a:defRPr>
       </a:lvl3pPr>
-      <a:lvl4pPr marL="1600200" indent="-228600" algn="l" defTabSz="914400" rtl="0" eaLnBrk="1" latinLnBrk="0" hangingPunct="1">
+      <a:lvl4pPr marL="1005840" indent="-182880" algn="l" defTabSz="914400" rtl="0" eaLnBrk="1" latinLnBrk="0" hangingPunct="1">
         <a:lnSpc>
           <a:spcPct val="90000"/>
         </a:lnSpc>
         <a:spcBef>
-          <a:spcPts val="500"/>
+          <a:spcPts val="300"/>
         </a:spcBef>
-        <a:buFont typeface="Arial" panose="020B0604020202020204" pitchFamily="34" charset="0"/>
-        <a:buChar char="•"/>
-        <a:defRPr sz="1800" kern="1200">
+        <a:spcAft>
+          <a:spcPts val="300"/>
+        </a:spcAft>
+        <a:buClr>
+          <a:schemeClr val="accent1"/>
+        </a:buClr>
+        <a:buFont typeface="Wingdings 2" pitchFamily="18" charset="2"/>
+        <a:buChar char=""/>
+        <a:defRPr sz="1400" kern="1200">
           <a:solidFill>
-            <a:schemeClr val="tx1"/>
+            <a:schemeClr val="tx1">
+              <a:lumMod val="85000"/>
+              <a:lumOff val="15000"/>
+            </a:schemeClr>
           </a:solidFill>
           <a:latin typeface="+mn-lt"/>
           <a:ea typeface="+mn-ea"/>
           <a:cs typeface="+mn-cs"/>
         </a:defRPr>
       </a:lvl4pPr>
-      <a:lvl5pPr marL="2057400" indent="-228600" algn="l" defTabSz="914400" rtl="0" eaLnBrk="1" latinLnBrk="0" hangingPunct="1">
+      <a:lvl5pPr marL="1280160" indent="-182880" algn="l" defTabSz="914400" rtl="0" eaLnBrk="1" latinLnBrk="0" hangingPunct="1">
         <a:lnSpc>
           <a:spcPct val="90000"/>
         </a:lnSpc>
         <a:spcBef>
-          <a:spcPts val="500"/>
+          <a:spcPts val="300"/>
         </a:spcBef>
-        <a:buFont typeface="Arial" panose="020B0604020202020204" pitchFamily="34" charset="0"/>
-        <a:buChar char="•"/>
-        <a:defRPr sz="1800" kern="1200">
+        <a:spcAft>
+          <a:spcPts val="300"/>
+        </a:spcAft>
+        <a:buClr>
+          <a:schemeClr val="accent1"/>
+        </a:buClr>
+        <a:buFont typeface="Wingdings 2" pitchFamily="18" charset="2"/>
+        <a:buChar char=""/>
+        <a:defRPr sz="1400" kern="1200">
           <a:solidFill>
-            <a:schemeClr val="tx1"/>
+            <a:schemeClr val="tx1">
+              <a:lumMod val="85000"/>
+              <a:lumOff val="15000"/>
+            </a:schemeClr>
           </a:solidFill>
           <a:latin typeface="+mn-lt"/>
           <a:ea typeface="+mn-ea"/>
           <a:cs typeface="+mn-cs"/>
         </a:defRPr>
       </a:lvl5pPr>
-      <a:lvl6pPr marL="2514600" indent="-228600" algn="l" defTabSz="914400" rtl="0" eaLnBrk="1" latinLnBrk="0" hangingPunct="1">
+      <a:lvl6pPr marL="1600000" indent="-228600" algn="l" defTabSz="914400" rtl="0" eaLnBrk="1" latinLnBrk="0" hangingPunct="1">
         <a:lnSpc>
           <a:spcPct val="90000"/>
         </a:lnSpc>
         <a:spcBef>
-          <a:spcPts val="500"/>
+          <a:spcPts val="300"/>
         </a:spcBef>
-        <a:buFont typeface="Arial" panose="020B0604020202020204" pitchFamily="34" charset="0"/>
-        <a:buChar char="•"/>
-        <a:defRPr sz="1800" kern="1200">
+        <a:spcAft>
+          <a:spcPts val="300"/>
+        </a:spcAft>
+        <a:buClr>
+          <a:schemeClr val="accent1"/>
+        </a:buClr>
+        <a:buFont typeface="Wingdings 2" pitchFamily="18" charset="2"/>
+        <a:buChar char=""/>
+        <a:defRPr sz="1400" kern="1200">
           <a:solidFill>
-            <a:schemeClr val="tx1"/>
+            <a:schemeClr val="tx1">
+              <a:lumMod val="85000"/>
+              <a:lumOff val="15000"/>
+            </a:schemeClr>
           </a:solidFill>
           <a:latin typeface="+mn-lt"/>
           <a:ea typeface="+mn-ea"/>
           <a:cs typeface="+mn-cs"/>
         </a:defRPr>
       </a:lvl6pPr>
-      <a:lvl7pPr marL="2971800" indent="-228600" algn="l" defTabSz="914400" rtl="0" eaLnBrk="1" latinLnBrk="0" hangingPunct="1">
+      <a:lvl7pPr marL="1900000" indent="-228600" algn="l" defTabSz="914400" rtl="0" eaLnBrk="1" latinLnBrk="0" hangingPunct="1">
         <a:lnSpc>
           <a:spcPct val="90000"/>
         </a:lnSpc>
         <a:spcBef>
-          <a:spcPts val="500"/>
+          <a:spcPts val="300"/>
         </a:spcBef>
-        <a:buFont typeface="Arial" panose="020B0604020202020204" pitchFamily="34" charset="0"/>
-        <a:buChar char="•"/>
-        <a:defRPr sz="1800" kern="1200">
+        <a:spcAft>
+          <a:spcPts val="300"/>
+        </a:spcAft>
+        <a:buClr>
+          <a:schemeClr val="accent1"/>
+        </a:buClr>
+        <a:buFont typeface="Wingdings 2" pitchFamily="18" charset="2"/>
+        <a:buChar char=""/>
+        <a:defRPr sz="1400" kern="1200">
           <a:solidFill>
-            <a:schemeClr val="tx1"/>
+            <a:schemeClr val="tx1">
+              <a:lumMod val="85000"/>
+              <a:lumOff val="15000"/>
+            </a:schemeClr>
           </a:solidFill>
           <a:latin typeface="+mn-lt"/>
           <a:ea typeface="+mn-ea"/>
           <a:cs typeface="+mn-cs"/>
         </a:defRPr>
       </a:lvl7pPr>
-      <a:lvl8pPr marL="3429000" indent="-228600" algn="l" defTabSz="914400" rtl="0" eaLnBrk="1" latinLnBrk="0" hangingPunct="1">
+      <a:lvl8pPr marL="2200000" indent="-228600" algn="l" defTabSz="914400" rtl="0" eaLnBrk="1" latinLnBrk="0" hangingPunct="1">
         <a:lnSpc>
           <a:spcPct val="90000"/>
         </a:lnSpc>
         <a:spcBef>
-          <a:spcPts val="500"/>
+          <a:spcPts val="300"/>
         </a:spcBef>
-        <a:buFont typeface="Arial" panose="020B0604020202020204" pitchFamily="34" charset="0"/>
-        <a:buChar char="•"/>
-        <a:defRPr sz="1800" kern="1200">
+        <a:spcAft>
+          <a:spcPts val="300"/>
+        </a:spcAft>
+        <a:buClr>
+          <a:schemeClr val="accent1"/>
+        </a:buClr>
+        <a:buFont typeface="Wingdings 2" pitchFamily="18" charset="2"/>
+        <a:buChar char=""/>
+        <a:defRPr sz="1400" kern="1200">
           <a:solidFill>
-            <a:schemeClr val="tx1"/>
+            <a:schemeClr val="tx1">
+              <a:lumMod val="85000"/>
+              <a:lumOff val="15000"/>
+            </a:schemeClr>
           </a:solidFill>
           <a:latin typeface="+mn-lt"/>
           <a:ea typeface="+mn-ea"/>
           <a:cs typeface="+mn-cs"/>
         </a:defRPr>
       </a:lvl8pPr>
-      <a:lvl9pPr marL="3886200" indent="-228600" algn="l" defTabSz="914400" rtl="0" eaLnBrk="1" latinLnBrk="0" hangingPunct="1">
+      <a:lvl9pPr marL="2500000" indent="-228600" algn="l" defTabSz="914400" rtl="0" eaLnBrk="1" latinLnBrk="0" hangingPunct="1">
         <a:lnSpc>
           <a:spcPct val="90000"/>
         </a:lnSpc>
         <a:spcBef>
-          <a:spcPts val="500"/>
+          <a:spcPts val="300"/>
         </a:spcBef>
-        <a:buFont typeface="Arial" panose="020B0604020202020204" pitchFamily="34" charset="0"/>
-        <a:buChar char="•"/>
-        <a:defRPr sz="1800" kern="1200">
+        <a:spcAft>
+          <a:spcPts val="300"/>
+        </a:spcAft>
+        <a:buClr>
+          <a:schemeClr val="accent1"/>
+        </a:buClr>
+        <a:buFont typeface="Wingdings 2" pitchFamily="18" charset="2"/>
+        <a:buChar char=""/>
+        <a:defRPr sz="1400" kern="1200">
           <a:solidFill>
-            <a:schemeClr val="tx1"/>
+            <a:schemeClr val="tx1">
+              <a:lumMod val="85000"/>
+              <a:lumOff val="15000"/>
+            </a:schemeClr>
           </a:solidFill>
           <a:latin typeface="+mn-lt"/>
           <a:ea typeface="+mn-ea"/>
@@ -4362,7 +4563,7 @@
     </p:bodyStyle>
     <p:otherStyle>
       <a:defPPr>
-        <a:defRPr lang="de-DE"/>
+        <a:defRPr lang="en-US"/>
       </a:defPPr>
       <a:lvl1pPr marL="0" algn="l" defTabSz="914400" rtl="0" eaLnBrk="1" latinLnBrk="0" hangingPunct="1">
         <a:defRPr sz="1800" kern="1200">
@@ -4456,6 +4657,11 @@
       </a:lvl9pPr>
     </p:otherStyle>
   </p:txStyles>
+  <p:extLst>
+    <p:ext uri="{27BBF7A9-308A-43DC-89C8-2F10F3537804}">
+      <p15:sldGuideLst xmlns:p15="http://schemas.microsoft.com/office/powerpoint/2012/main"/>
+    </p:ext>
+  </p:extLst>
 </p:sldMaster>
 </file>
 
@@ -4538,6 +4744,220 @@
     <p:extLst>
       <p:ext uri="{BB962C8B-B14F-4D97-AF65-F5344CB8AC3E}">
         <p14:creationId xmlns:p14="http://schemas.microsoft.com/office/powerpoint/2010/main" val="1587025369"/>
+      </p:ext>
+    </p:extLst>
+  </p:cSld>
+  <p:clrMapOvr>
+    <a:masterClrMapping/>
+  </p:clrMapOvr>
+</p:sld>
+</file>
+
+<file path=ppt/slides/slide10.xml><?xml version="1.0" encoding="utf-8"?>
+<p:sld xmlns:a="http://schemas.openxmlformats.org/drawingml/2006/main" xmlns:r="http://schemas.openxmlformats.org/officeDocument/2006/relationships" xmlns:p="http://schemas.openxmlformats.org/presentationml/2006/main">
+  <p:cSld>
+    <p:spTree>
+      <p:nvGrpSpPr>
+        <p:cNvPr id="1" name=""/>
+        <p:cNvGrpSpPr/>
+        <p:nvPr/>
+      </p:nvGrpSpPr>
+      <p:grpSpPr>
+        <a:xfrm>
+          <a:off x="0" y="0"/>
+          <a:ext cx="0" cy="0"/>
+          <a:chOff x="0" y="0"/>
+          <a:chExt cx="0" cy="0"/>
+        </a:xfrm>
+      </p:grpSpPr>
+      <p:sp>
+        <p:nvSpPr>
+          <p:cNvPr id="2" name="Titel 1">
+            <a:extLst>
+              <a:ext uri="{FF2B5EF4-FFF2-40B4-BE49-F238E27FC236}">
+                <a16:creationId xmlns:a16="http://schemas.microsoft.com/office/drawing/2014/main" id="{332DC837-2141-5975-411F-A47B8BE2D2C2}"/>
+              </a:ext>
+            </a:extLst>
+          </p:cNvPr>
+          <p:cNvSpPr>
+            <a:spLocks noGrp="1"/>
+          </p:cNvSpPr>
+          <p:nvPr>
+            <p:ph type="title"/>
+          </p:nvPr>
+        </p:nvSpPr>
+        <p:spPr/>
+        <p:txBody>
+          <a:bodyPr/>
+          <a:lstStyle/>
+          <a:p>
+            <a:r>
+              <a:rPr lang="de-DE" dirty="0"/>
+              <a:t>Datenstruktur</a:t>
+            </a:r>
+            <a:endParaRPr lang="de-AT" dirty="0"/>
+          </a:p>
+        </p:txBody>
+      </p:sp>
+      <p:sp>
+        <p:nvSpPr>
+          <p:cNvPr id="3" name="Inhaltsplatzhalter 2">
+            <a:extLst>
+              <a:ext uri="{FF2B5EF4-FFF2-40B4-BE49-F238E27FC236}">
+                <a16:creationId xmlns:a16="http://schemas.microsoft.com/office/drawing/2014/main" id="{84B95D0F-A849-7CA7-C56E-8B67EAE5CCEA}"/>
+              </a:ext>
+            </a:extLst>
+          </p:cNvPr>
+          <p:cNvSpPr>
+            <a:spLocks noGrp="1"/>
+          </p:cNvSpPr>
+          <p:nvPr>
+            <p:ph idx="1"/>
+          </p:nvPr>
+        </p:nvSpPr>
+        <p:spPr/>
+        <p:txBody>
+          <a:bodyPr/>
+          <a:lstStyle/>
+          <a:p>
+            <a:r>
+              <a:rPr lang="de-DE" dirty="0"/>
+              <a:t>GKZ = Gemeindekennziffer</a:t>
+            </a:r>
+          </a:p>
+          <a:p>
+            <a:pPr lvl="1"/>
+            <a:r>
+              <a:rPr lang="de-DE" dirty="0"/>
+              <a:t>1. Stelle: Bundesland</a:t>
+            </a:r>
+          </a:p>
+          <a:p>
+            <a:pPr lvl="1"/>
+            <a:r>
+              <a:rPr lang="de-DE" dirty="0"/>
+              <a:t>1.-3. Stelle: Bezirkskennziffer BKZ</a:t>
+            </a:r>
+          </a:p>
+          <a:p>
+            <a:pPr lvl="1"/>
+            <a:r>
+              <a:rPr lang="de-AT" dirty="0"/>
+              <a:t>1.-5. Stelle: GKZ</a:t>
+            </a:r>
+          </a:p>
+          <a:p>
+            <a:r>
+              <a:rPr lang="de-DE" dirty="0"/>
+              <a:t>Wahlberechtigte, Abgegebene, Ungültige, Gültige Stimmen</a:t>
+            </a:r>
+          </a:p>
+          <a:p>
+            <a:r>
+              <a:rPr lang="de-DE" dirty="0"/>
+              <a:t>Parteienergebnisse: ÖVP, SPÖ, FPÖ, Grüne, NEOS, Sonstige</a:t>
+            </a:r>
+          </a:p>
+        </p:txBody>
+      </p:sp>
+    </p:spTree>
+    <p:extLst>
+      <p:ext uri="{BB962C8B-B14F-4D97-AF65-F5344CB8AC3E}">
+        <p14:creationId xmlns:p14="http://schemas.microsoft.com/office/powerpoint/2010/main" val="2842475990"/>
+      </p:ext>
+    </p:extLst>
+  </p:cSld>
+  <p:clrMapOvr>
+    <a:masterClrMapping/>
+  </p:clrMapOvr>
+</p:sld>
+</file>
+
+<file path=ppt/slides/slide11.xml><?xml version="1.0" encoding="utf-8"?>
+<p:sld xmlns:a="http://schemas.openxmlformats.org/drawingml/2006/main" xmlns:r="http://schemas.openxmlformats.org/officeDocument/2006/relationships" xmlns:p="http://schemas.openxmlformats.org/presentationml/2006/main">
+  <p:cSld>
+    <p:spTree>
+      <p:nvGrpSpPr>
+        <p:cNvPr id="1" name=""/>
+        <p:cNvGrpSpPr/>
+        <p:nvPr/>
+      </p:nvGrpSpPr>
+      <p:grpSpPr>
+        <a:xfrm>
+          <a:off x="0" y="0"/>
+          <a:ext cx="0" cy="0"/>
+          <a:chOff x="0" y="0"/>
+          <a:chExt cx="0" cy="0"/>
+        </a:xfrm>
+      </p:grpSpPr>
+      <p:sp>
+        <p:nvSpPr>
+          <p:cNvPr id="2" name="Titel 1">
+            <a:extLst>
+              <a:ext uri="{FF2B5EF4-FFF2-40B4-BE49-F238E27FC236}">
+                <a16:creationId xmlns:a16="http://schemas.microsoft.com/office/drawing/2014/main" id="{E598A848-6A90-634E-F347-3421E1503D22}"/>
+              </a:ext>
+            </a:extLst>
+          </p:cNvPr>
+          <p:cNvSpPr>
+            <a:spLocks noGrp="1"/>
+          </p:cNvSpPr>
+          <p:nvPr>
+            <p:ph type="title"/>
+          </p:nvPr>
+        </p:nvSpPr>
+        <p:spPr/>
+        <p:txBody>
+          <a:bodyPr/>
+          <a:lstStyle/>
+          <a:p>
+            <a:r>
+              <a:rPr lang="de-DE" dirty="0"/>
+              <a:t>Kontakt</a:t>
+            </a:r>
+            <a:endParaRPr lang="de-AT" dirty="0"/>
+          </a:p>
+        </p:txBody>
+      </p:sp>
+      <p:sp>
+        <p:nvSpPr>
+          <p:cNvPr id="3" name="Inhaltsplatzhalter 2">
+            <a:extLst>
+              <a:ext uri="{FF2B5EF4-FFF2-40B4-BE49-F238E27FC236}">
+                <a16:creationId xmlns:a16="http://schemas.microsoft.com/office/drawing/2014/main" id="{1FA04347-D704-73DD-249E-ACCB8AB8D9EB}"/>
+              </a:ext>
+            </a:extLst>
+          </p:cNvPr>
+          <p:cNvSpPr>
+            <a:spLocks noGrp="1"/>
+          </p:cNvSpPr>
+          <p:nvPr>
+            <p:ph idx="1"/>
+          </p:nvPr>
+        </p:nvSpPr>
+        <p:spPr/>
+        <p:txBody>
+          <a:bodyPr/>
+          <a:lstStyle/>
+          <a:p>
+            <a:r>
+              <a:rPr lang="de-DE" dirty="0">
+                <a:hlinkClick r:id="rId2"/>
+              </a:rPr>
+              <a:t>clara.himmelbauer@wu.ac.at</a:t>
+            </a:r>
+            <a:r>
+              <a:rPr lang="de-DE" dirty="0"/>
+              <a:t> </a:t>
+            </a:r>
+            <a:endParaRPr lang="de-AT" dirty="0"/>
+          </a:p>
+        </p:txBody>
+      </p:sp>
+    </p:spTree>
+    <p:extLst>
+      <p:ext uri="{BB962C8B-B14F-4D97-AF65-F5344CB8AC3E}">
+        <p14:creationId xmlns:p14="http://schemas.microsoft.com/office/powerpoint/2010/main" val="1720390971"/>
       </p:ext>
     </p:extLst>
   </p:cSld>
@@ -4653,7 +5073,7 @@
           <p:cNvPr id="2" name="Titel 1">
             <a:extLst>
               <a:ext uri="{FF2B5EF4-FFF2-40B4-BE49-F238E27FC236}">
-                <a16:creationId xmlns:a16="http://schemas.microsoft.com/office/drawing/2014/main" id="{DFE68D6C-E9A8-08F2-72B8-C51F4075EB7A}"/>
+                <a16:creationId xmlns:a16="http://schemas.microsoft.com/office/drawing/2014/main" id="{395F23DD-25C9-9DC6-905F-79D710601BB1}"/>
               </a:ext>
             </a:extLst>
           </p:cNvPr>
@@ -4661,7 +5081,7 @@
             <a:spLocks noGrp="1"/>
           </p:cNvSpPr>
           <p:nvPr>
-            <p:ph type="title"/>
+            <p:ph type="ctrTitle"/>
           </p:nvPr>
         </p:nvSpPr>
         <p:spPr/>
@@ -4671,7 +5091,7 @@
           <a:p>
             <a:r>
               <a:rPr lang="de-DE" dirty="0"/>
-              <a:t>Lineare Funktionen</a:t>
+              <a:t>Mathematische Grundlagen</a:t>
             </a:r>
             <a:endParaRPr lang="de-AT" dirty="0"/>
           </a:p>
@@ -4679,10 +5099,10 @@
       </p:sp>
       <p:sp>
         <p:nvSpPr>
-          <p:cNvPr id="3" name="Inhaltsplatzhalter 2">
+          <p:cNvPr id="3" name="Untertitel 2">
             <a:extLst>
               <a:ext uri="{FF2B5EF4-FFF2-40B4-BE49-F238E27FC236}">
-                <a16:creationId xmlns:a16="http://schemas.microsoft.com/office/drawing/2014/main" id="{8B4F73BC-6221-7151-9E3D-A10E327370F1}"/>
+                <a16:creationId xmlns:a16="http://schemas.microsoft.com/office/drawing/2014/main" id="{71DD4476-5570-B562-B1EA-F3653F25F252}"/>
               </a:ext>
             </a:extLst>
           </p:cNvPr>
@@ -4690,7 +5110,7 @@
             <a:spLocks noGrp="1"/>
           </p:cNvSpPr>
           <p:nvPr>
-            <p:ph idx="1"/>
+            <p:ph type="subTitle" idx="1"/>
           </p:nvPr>
         </p:nvSpPr>
         <p:spPr/>
@@ -4705,7 +5125,7 @@
     </p:spTree>
     <p:extLst>
       <p:ext uri="{BB962C8B-B14F-4D97-AF65-F5344CB8AC3E}">
-        <p14:creationId xmlns:p14="http://schemas.microsoft.com/office/powerpoint/2010/main" val="2475301093"/>
+        <p14:creationId xmlns:p14="http://schemas.microsoft.com/office/powerpoint/2010/main" val="687750663"/>
       </p:ext>
     </p:extLst>
   </p:cSld>
@@ -4737,7 +5157,7 @@
           <p:cNvPr id="2" name="Titel 1">
             <a:extLst>
               <a:ext uri="{FF2B5EF4-FFF2-40B4-BE49-F238E27FC236}">
-                <a16:creationId xmlns:a16="http://schemas.microsoft.com/office/drawing/2014/main" id="{BA8B69C5-C240-88A4-BD48-850C48BE733B}"/>
+                <a16:creationId xmlns:a16="http://schemas.microsoft.com/office/drawing/2014/main" id="{2236A51D-002B-D99F-E2D1-2CA94C39C13E}"/>
               </a:ext>
             </a:extLst>
           </p:cNvPr>
@@ -4755,26 +5175,235 @@
           <a:p>
             <a:r>
               <a:rPr lang="de-DE" dirty="0"/>
-              <a:t>Multivariate lineare Regression</a:t>
+              <a:t>Lineare Funktion</a:t>
             </a:r>
             <a:endParaRPr lang="de-AT" dirty="0"/>
           </a:p>
         </p:txBody>
       </p:sp>
-      <p:sp>
-        <p:nvSpPr>
-          <p:cNvPr id="3" name="Inhaltsplatzhalter 2">
+      <p:graphicFrame>
+        <p:nvGraphicFramePr>
+          <p:cNvPr id="6" name="Inhaltsplatzhalter 5">
             <a:extLst>
               <a:ext uri="{FF2B5EF4-FFF2-40B4-BE49-F238E27FC236}">
-                <a16:creationId xmlns:a16="http://schemas.microsoft.com/office/drawing/2014/main" id="{4C57A619-47FE-2F4B-4C80-DBFC185BAAF1}"/>
+                <a16:creationId xmlns:a16="http://schemas.microsoft.com/office/drawing/2014/main" id="{EC52E802-E748-5410-3E3F-376F55A08763}"/>
               </a:ext>
             </a:extLst>
           </p:cNvPr>
-          <p:cNvSpPr>
-            <a:spLocks noGrp="1"/>
-          </p:cNvSpPr>
-          <p:nvPr>
-            <p:ph idx="1"/>
+          <p:cNvGraphicFramePr>
+            <a:graphicFrameLocks noGrp="1"/>
+          </p:cNvGraphicFramePr>
+          <p:nvPr>
+            <p:ph sz="half" idx="1"/>
+            <p:extLst>
+              <p:ext uri="{D42A27DB-BD31-4B8C-83A1-F6EECF244321}">
+                <p14:modId xmlns:p14="http://schemas.microsoft.com/office/powerpoint/2010/main" val="2499011975"/>
+              </p:ext>
+            </p:extLst>
+          </p:nvPr>
+        </p:nvGraphicFramePr>
+        <p:xfrm>
+          <a:off x="1262063" y="1828800"/>
+          <a:ext cx="4479926" cy="1381760"/>
+        </p:xfrm>
+        <a:graphic>
+          <a:graphicData uri="http://schemas.openxmlformats.org/drawingml/2006/table">
+            <a:tbl>
+              <a:tblPr firstRow="1" bandRow="1">
+                <a:tableStyleId>{5C22544A-7EE6-4342-B048-85BDC9FD1C3A}</a:tableStyleId>
+              </a:tblPr>
+              <a:tblGrid>
+                <a:gridCol w="2172900">
+                  <a:extLst>
+                    <a:ext uri="{9D8B030D-6E8A-4147-A177-3AD203B41FA5}">
+                      <a16:colId xmlns:a16="http://schemas.microsoft.com/office/drawing/2014/main" val="3782367989"/>
+                    </a:ext>
+                  </a:extLst>
+                </a:gridCol>
+                <a:gridCol w="1153513">
+                  <a:extLst>
+                    <a:ext uri="{9D8B030D-6E8A-4147-A177-3AD203B41FA5}">
+                      <a16:colId xmlns:a16="http://schemas.microsoft.com/office/drawing/2014/main" val="970933377"/>
+                    </a:ext>
+                  </a:extLst>
+                </a:gridCol>
+                <a:gridCol w="1153513">
+                  <a:extLst>
+                    <a:ext uri="{9D8B030D-6E8A-4147-A177-3AD203B41FA5}">
+                      <a16:colId xmlns:a16="http://schemas.microsoft.com/office/drawing/2014/main" val="4069194008"/>
+                    </a:ext>
+                  </a:extLst>
+                </a:gridCol>
+              </a:tblGrid>
+              <a:tr h="370840">
+                <a:tc>
+                  <a:txBody>
+                    <a:bodyPr/>
+                    <a:lstStyle/>
+                    <a:p>
+                      <a:r>
+                        <a:rPr lang="de-DE" dirty="0"/>
+                        <a:t>Gemeinde</a:t>
+                      </a:r>
+                      <a:endParaRPr lang="de-AT" dirty="0"/>
+                    </a:p>
+                  </a:txBody>
+                  <a:tcPr/>
+                </a:tc>
+                <a:tc>
+                  <a:txBody>
+                    <a:bodyPr/>
+                    <a:lstStyle/>
+                    <a:p>
+                      <a:r>
+                        <a:rPr lang="de-DE" dirty="0"/>
+                        <a:t>ÖVP 2019</a:t>
+                      </a:r>
+                      <a:endParaRPr lang="de-AT" dirty="0"/>
+                    </a:p>
+                  </a:txBody>
+                  <a:tcPr/>
+                </a:tc>
+                <a:tc>
+                  <a:txBody>
+                    <a:bodyPr/>
+                    <a:lstStyle/>
+                    <a:p>
+                      <a:r>
+                        <a:rPr lang="de-DE" dirty="0"/>
+                        <a:t>ÖVP 2024</a:t>
+                      </a:r>
+                      <a:endParaRPr lang="de-AT" dirty="0"/>
+                    </a:p>
+                  </a:txBody>
+                  <a:tcPr/>
+                </a:tc>
+                <a:extLst>
+                  <a:ext uri="{0D108BD9-81ED-4DB2-BD59-A6C34878D82A}">
+                    <a16:rowId xmlns:a16="http://schemas.microsoft.com/office/drawing/2014/main" val="813830686"/>
+                  </a:ext>
+                </a:extLst>
+              </a:tr>
+              <a:tr h="370840">
+                <a:tc>
+                  <a:txBody>
+                    <a:bodyPr/>
+                    <a:lstStyle/>
+                    <a:p>
+                      <a:r>
+                        <a:rPr lang="de-DE" sz="1600" dirty="0" err="1"/>
+                        <a:t>Hintertupfing</a:t>
+                      </a:r>
+                      <a:endParaRPr lang="de-AT" sz="1600" dirty="0"/>
+                    </a:p>
+                  </a:txBody>
+                  <a:tcPr/>
+                </a:tc>
+                <a:tc>
+                  <a:txBody>
+                    <a:bodyPr/>
+                    <a:lstStyle/>
+                    <a:p>
+                      <a:pPr algn="r"/>
+                      <a:r>
+                        <a:rPr lang="de-DE" sz="1600" dirty="0"/>
+                        <a:t>30%</a:t>
+                      </a:r>
+                      <a:endParaRPr lang="de-AT" sz="1600" dirty="0"/>
+                    </a:p>
+                  </a:txBody>
+                  <a:tcPr/>
+                </a:tc>
+                <a:tc>
+                  <a:txBody>
+                    <a:bodyPr/>
+                    <a:lstStyle/>
+                    <a:p>
+                      <a:pPr algn="r"/>
+                      <a:r>
+                        <a:rPr lang="de-DE" sz="1600" dirty="0"/>
+                        <a:t>20%</a:t>
+                      </a:r>
+                      <a:endParaRPr lang="de-AT" sz="1600" dirty="0"/>
+                    </a:p>
+                  </a:txBody>
+                  <a:tcPr/>
+                </a:tc>
+                <a:extLst>
+                  <a:ext uri="{0D108BD9-81ED-4DB2-BD59-A6C34878D82A}">
+                    <a16:rowId xmlns:a16="http://schemas.microsoft.com/office/drawing/2014/main" val="1591309596"/>
+                  </a:ext>
+                </a:extLst>
+              </a:tr>
+              <a:tr h="370840">
+                <a:tc>
+                  <a:txBody>
+                    <a:bodyPr/>
+                    <a:lstStyle/>
+                    <a:p>
+                      <a:r>
+                        <a:rPr lang="de-DE" sz="1600" dirty="0" err="1"/>
+                        <a:t>Unterstinkenbrunn</a:t>
+                      </a:r>
+                      <a:endParaRPr lang="de-AT" sz="1600" dirty="0"/>
+                    </a:p>
+                  </a:txBody>
+                  <a:tcPr/>
+                </a:tc>
+                <a:tc>
+                  <a:txBody>
+                    <a:bodyPr/>
+                    <a:lstStyle/>
+                    <a:p>
+                      <a:pPr algn="r"/>
+                      <a:r>
+                        <a:rPr lang="de-DE" sz="1600" dirty="0"/>
+                        <a:t>50%</a:t>
+                      </a:r>
+                      <a:endParaRPr lang="de-AT" sz="1600" dirty="0"/>
+                    </a:p>
+                  </a:txBody>
+                  <a:tcPr/>
+                </a:tc>
+                <a:tc>
+                  <a:txBody>
+                    <a:bodyPr/>
+                    <a:lstStyle/>
+                    <a:p>
+                      <a:pPr algn="r"/>
+                      <a:r>
+                        <a:rPr lang="de-DE" sz="1600" dirty="0"/>
+                        <a:t>45%</a:t>
+                      </a:r>
+                      <a:endParaRPr lang="de-AT" sz="1600" dirty="0"/>
+                    </a:p>
+                  </a:txBody>
+                  <a:tcPr/>
+                </a:tc>
+                <a:extLst>
+                  <a:ext uri="{0D108BD9-81ED-4DB2-BD59-A6C34878D82A}">
+                    <a16:rowId xmlns:a16="http://schemas.microsoft.com/office/drawing/2014/main" val="3142812775"/>
+                  </a:ext>
+                </a:extLst>
+              </a:tr>
+            </a:tbl>
+          </a:graphicData>
+        </a:graphic>
+      </p:graphicFrame>
+      <p:sp>
+        <p:nvSpPr>
+          <p:cNvPr id="4" name="Inhaltsplatzhalter 3">
+            <a:extLst>
+              <a:ext uri="{FF2B5EF4-FFF2-40B4-BE49-F238E27FC236}">
+                <a16:creationId xmlns:a16="http://schemas.microsoft.com/office/drawing/2014/main" id="{FDA904B8-44EE-3666-ADC3-A3B0F91B04DF}"/>
+              </a:ext>
+            </a:extLst>
+          </p:cNvPr>
+          <p:cNvSpPr>
+            <a:spLocks noGrp="1"/>
+          </p:cNvSpPr>
+          <p:nvPr>
+            <p:ph sz="half" idx="2"/>
           </p:nvPr>
         </p:nvSpPr>
         <p:spPr/>
@@ -4789,7 +5418,7 @@
     </p:spTree>
     <p:extLst>
       <p:ext uri="{BB962C8B-B14F-4D97-AF65-F5344CB8AC3E}">
-        <p14:creationId xmlns:p14="http://schemas.microsoft.com/office/powerpoint/2010/main" val="2183538183"/>
+        <p14:creationId xmlns:p14="http://schemas.microsoft.com/office/powerpoint/2010/main" val="1368333132"/>
       </p:ext>
     </p:extLst>
   </p:cSld>
@@ -4821,7 +5450,7 @@
           <p:cNvPr id="2" name="Titel 1">
             <a:extLst>
               <a:ext uri="{FF2B5EF4-FFF2-40B4-BE49-F238E27FC236}">
-                <a16:creationId xmlns:a16="http://schemas.microsoft.com/office/drawing/2014/main" id="{B0F12AB1-0276-235A-A78F-AC7C856D3ABB}"/>
+                <a16:creationId xmlns:a16="http://schemas.microsoft.com/office/drawing/2014/main" id="{DFE68D6C-E9A8-08F2-72B8-C51F4075EB7A}"/>
               </a:ext>
             </a:extLst>
           </p:cNvPr>
@@ -4839,7 +5468,7 @@
           <a:p>
             <a:r>
               <a:rPr lang="de-DE" dirty="0"/>
-              <a:t>Hochrechnung und lineare Regression</a:t>
+              <a:t>Lineare Funktionen</a:t>
             </a:r>
             <a:endParaRPr lang="de-AT" dirty="0"/>
           </a:p>
@@ -4850,7 +5479,7 @@
           <p:cNvPr id="3" name="Inhaltsplatzhalter 2">
             <a:extLst>
               <a:ext uri="{FF2B5EF4-FFF2-40B4-BE49-F238E27FC236}">
-                <a16:creationId xmlns:a16="http://schemas.microsoft.com/office/drawing/2014/main" id="{AC7F4988-7C23-A449-FACD-67CE41C01E74}"/>
+                <a16:creationId xmlns:a16="http://schemas.microsoft.com/office/drawing/2014/main" id="{8B4F73BC-6221-7151-9E3D-A10E327370F1}"/>
               </a:ext>
             </a:extLst>
           </p:cNvPr>
@@ -4873,7 +5502,7 @@
     </p:spTree>
     <p:extLst>
       <p:ext uri="{BB962C8B-B14F-4D97-AF65-F5344CB8AC3E}">
-        <p14:creationId xmlns:p14="http://schemas.microsoft.com/office/powerpoint/2010/main" val="2130042208"/>
+        <p14:creationId xmlns:p14="http://schemas.microsoft.com/office/powerpoint/2010/main" val="2475301093"/>
       </p:ext>
     </p:extLst>
   </p:cSld>
@@ -4905,7 +5534,7 @@
           <p:cNvPr id="2" name="Titel 1">
             <a:extLst>
               <a:ext uri="{FF2B5EF4-FFF2-40B4-BE49-F238E27FC236}">
-                <a16:creationId xmlns:a16="http://schemas.microsoft.com/office/drawing/2014/main" id="{AB4F34F2-FD1A-FC57-D53E-8A5C1321C35A}"/>
+                <a16:creationId xmlns:a16="http://schemas.microsoft.com/office/drawing/2014/main" id="{BA8B69C5-C240-88A4-BD48-850C48BE733B}"/>
               </a:ext>
             </a:extLst>
           </p:cNvPr>
@@ -4923,7 +5552,7 @@
           <a:p>
             <a:r>
               <a:rPr lang="de-DE" dirty="0"/>
-              <a:t>Hochrechnung in Excel machen</a:t>
+              <a:t>Multivariate lineare Regression</a:t>
             </a:r>
             <a:endParaRPr lang="de-AT" dirty="0"/>
           </a:p>
@@ -4934,7 +5563,7 @@
           <p:cNvPr id="3" name="Inhaltsplatzhalter 2">
             <a:extLst>
               <a:ext uri="{FF2B5EF4-FFF2-40B4-BE49-F238E27FC236}">
-                <a16:creationId xmlns:a16="http://schemas.microsoft.com/office/drawing/2014/main" id="{6471F93C-8191-3241-8A23-E9A5E8781D29}"/>
+                <a16:creationId xmlns:a16="http://schemas.microsoft.com/office/drawing/2014/main" id="{4C57A619-47FE-2F4B-4C80-DBFC185BAAF1}"/>
               </a:ext>
             </a:extLst>
           </p:cNvPr>
@@ -4957,7 +5586,7 @@
     </p:spTree>
     <p:extLst>
       <p:ext uri="{BB962C8B-B14F-4D97-AF65-F5344CB8AC3E}">
-        <p14:creationId xmlns:p14="http://schemas.microsoft.com/office/powerpoint/2010/main" val="4082787262"/>
+        <p14:creationId xmlns:p14="http://schemas.microsoft.com/office/powerpoint/2010/main" val="2183538183"/>
       </p:ext>
     </p:extLst>
   </p:cSld>
@@ -4989,7 +5618,7 @@
           <p:cNvPr id="2" name="Titel 1">
             <a:extLst>
               <a:ext uri="{FF2B5EF4-FFF2-40B4-BE49-F238E27FC236}">
-                <a16:creationId xmlns:a16="http://schemas.microsoft.com/office/drawing/2014/main" id="{BB36368B-FAB8-C20B-35F4-757B95A5D4EF}"/>
+                <a16:creationId xmlns:a16="http://schemas.microsoft.com/office/drawing/2014/main" id="{B0F12AB1-0276-235A-A78F-AC7C856D3ABB}"/>
               </a:ext>
             </a:extLst>
           </p:cNvPr>
@@ -5007,47 +5636,41 @@
           <a:p>
             <a:r>
               <a:rPr lang="de-DE" dirty="0"/>
-              <a:t>Ziel: Urnenwahlergebnis NRW 2024</a:t>
+              <a:t>Hochrechnung und lineare Regression</a:t>
             </a:r>
             <a:endParaRPr lang="de-AT" dirty="0"/>
           </a:p>
         </p:txBody>
       </p:sp>
-      <p:graphicFrame>
-        <p:nvGraphicFramePr>
-          <p:cNvPr id="5" name="Inhaltsplatzhalter 4">
+      <p:sp>
+        <p:nvSpPr>
+          <p:cNvPr id="3" name="Inhaltsplatzhalter 2">
             <a:extLst>
               <a:ext uri="{FF2B5EF4-FFF2-40B4-BE49-F238E27FC236}">
-                <a16:creationId xmlns:a16="http://schemas.microsoft.com/office/drawing/2014/main" id="{0B7A5EA3-4E87-D48C-6EF1-E98D90806FEE}"/>
+                <a16:creationId xmlns:a16="http://schemas.microsoft.com/office/drawing/2014/main" id="{AC7F4988-7C23-A449-FACD-67CE41C01E74}"/>
               </a:ext>
             </a:extLst>
           </p:cNvPr>
-          <p:cNvGraphicFramePr>
-            <a:graphicFrameLocks noGrp="1"/>
-          </p:cNvGraphicFramePr>
+          <p:cNvSpPr>
+            <a:spLocks noGrp="1"/>
+          </p:cNvSpPr>
           <p:nvPr>
             <p:ph idx="1"/>
-            <p:extLst>
-              <p:ext uri="{D42A27DB-BD31-4B8C-83A1-F6EECF244321}">
-                <p14:modId xmlns:p14="http://schemas.microsoft.com/office/powerpoint/2010/main" val="4105898660"/>
-              </p:ext>
-            </p:extLst>
-          </p:nvPr>
-        </p:nvGraphicFramePr>
-        <p:xfrm>
-          <a:off x="838200" y="1825625"/>
-          <a:ext cx="10515600" cy="4351338"/>
-        </p:xfrm>
-        <a:graphic>
-          <a:graphicData uri="http://schemas.openxmlformats.org/drawingml/2006/chart">
-            <c:chart xmlns:c="http://schemas.openxmlformats.org/drawingml/2006/chart" xmlns:r="http://schemas.openxmlformats.org/officeDocument/2006/relationships" r:id="rId2"/>
-          </a:graphicData>
-        </a:graphic>
-      </p:graphicFrame>
+          </p:nvPr>
+        </p:nvSpPr>
+        <p:spPr/>
+        <p:txBody>
+          <a:bodyPr/>
+          <a:lstStyle/>
+          <a:p>
+            <a:endParaRPr lang="de-AT"/>
+          </a:p>
+        </p:txBody>
+      </p:sp>
     </p:spTree>
     <p:extLst>
       <p:ext uri="{BB962C8B-B14F-4D97-AF65-F5344CB8AC3E}">
-        <p14:creationId xmlns:p14="http://schemas.microsoft.com/office/powerpoint/2010/main" val="4171298435"/>
+        <p14:creationId xmlns:p14="http://schemas.microsoft.com/office/powerpoint/2010/main" val="2130042208"/>
       </p:ext>
     </p:extLst>
   </p:cSld>
@@ -5079,7 +5702,7 @@
           <p:cNvPr id="2" name="Titel 1">
             <a:extLst>
               <a:ext uri="{FF2B5EF4-FFF2-40B4-BE49-F238E27FC236}">
-                <a16:creationId xmlns:a16="http://schemas.microsoft.com/office/drawing/2014/main" id="{332DC837-2141-5975-411F-A47B8BE2D2C2}"/>
+                <a16:creationId xmlns:a16="http://schemas.microsoft.com/office/drawing/2014/main" id="{AB4F34F2-FD1A-FC57-D53E-8A5C1321C35A}"/>
               </a:ext>
             </a:extLst>
           </p:cNvPr>
@@ -5097,7 +5720,7 @@
           <a:p>
             <a:r>
               <a:rPr lang="de-DE" dirty="0"/>
-              <a:t>Datenstruktur</a:t>
+              <a:t>Hochrechnung in Excel machen</a:t>
             </a:r>
             <a:endParaRPr lang="de-AT" dirty="0"/>
           </a:p>
@@ -5108,7 +5731,7 @@
           <p:cNvPr id="3" name="Inhaltsplatzhalter 2">
             <a:extLst>
               <a:ext uri="{FF2B5EF4-FFF2-40B4-BE49-F238E27FC236}">
-                <a16:creationId xmlns:a16="http://schemas.microsoft.com/office/drawing/2014/main" id="{84B95D0F-A849-7CA7-C56E-8B67EAE5CCEA}"/>
+                <a16:creationId xmlns:a16="http://schemas.microsoft.com/office/drawing/2014/main" id="{6471F93C-8191-3241-8A23-E9A5E8781D29}"/>
               </a:ext>
             </a:extLst>
           </p:cNvPr>
@@ -5124,50 +5747,14 @@
           <a:bodyPr/>
           <a:lstStyle/>
           <a:p>
-            <a:r>
-              <a:rPr lang="de-DE" dirty="0"/>
-              <a:t>GKZ = Gemeindekennziffer</a:t>
-            </a:r>
-          </a:p>
-          <a:p>
-            <a:pPr lvl="1"/>
-            <a:r>
-              <a:rPr lang="de-DE" dirty="0"/>
-              <a:t>1. Stelle: Bundesland</a:t>
-            </a:r>
-          </a:p>
-          <a:p>
-            <a:pPr lvl="1"/>
-            <a:r>
-              <a:rPr lang="de-DE" dirty="0"/>
-              <a:t>1.-3. Stelle: Bezirkskennziffer BKZ</a:t>
-            </a:r>
-          </a:p>
-          <a:p>
-            <a:pPr lvl="1"/>
-            <a:r>
-              <a:rPr lang="de-AT" dirty="0"/>
-              <a:t>1.-5. Stelle: GKZ</a:t>
-            </a:r>
-          </a:p>
-          <a:p>
-            <a:r>
-              <a:rPr lang="de-DE" dirty="0"/>
-              <a:t>Wahlberechtigte, Abgegebene, Ungültige, Gültige Stimmen</a:t>
-            </a:r>
-          </a:p>
-          <a:p>
-            <a:r>
-              <a:rPr lang="de-DE" dirty="0"/>
-              <a:t>Parteienergebnisse: ÖVP, SPÖ, FPÖ, Grüne, NEOS, Sonstige</a:t>
-            </a:r>
+            <a:endParaRPr lang="de-AT"/>
           </a:p>
         </p:txBody>
       </p:sp>
     </p:spTree>
     <p:extLst>
       <p:ext uri="{BB962C8B-B14F-4D97-AF65-F5344CB8AC3E}">
-        <p14:creationId xmlns:p14="http://schemas.microsoft.com/office/powerpoint/2010/main" val="2842475990"/>
+        <p14:creationId xmlns:p14="http://schemas.microsoft.com/office/powerpoint/2010/main" val="4082787262"/>
       </p:ext>
     </p:extLst>
   </p:cSld>
@@ -5199,7 +5786,7 @@
           <p:cNvPr id="2" name="Titel 1">
             <a:extLst>
               <a:ext uri="{FF2B5EF4-FFF2-40B4-BE49-F238E27FC236}">
-                <a16:creationId xmlns:a16="http://schemas.microsoft.com/office/drawing/2014/main" id="{E598A848-6A90-634E-F347-3421E1503D22}"/>
+                <a16:creationId xmlns:a16="http://schemas.microsoft.com/office/drawing/2014/main" id="{BB36368B-FAB8-C20B-35F4-757B95A5D4EF}"/>
               </a:ext>
             </a:extLst>
           </p:cNvPr>
@@ -5217,51 +5804,47 @@
           <a:p>
             <a:r>
               <a:rPr lang="de-DE" dirty="0"/>
-              <a:t>Kontakt</a:t>
+              <a:t>Ziel: Urnenwahlergebnis NRW 2024</a:t>
             </a:r>
             <a:endParaRPr lang="de-AT" dirty="0"/>
           </a:p>
         </p:txBody>
       </p:sp>
-      <p:sp>
-        <p:nvSpPr>
-          <p:cNvPr id="3" name="Inhaltsplatzhalter 2">
+      <p:graphicFrame>
+        <p:nvGraphicFramePr>
+          <p:cNvPr id="5" name="Inhaltsplatzhalter 4">
             <a:extLst>
               <a:ext uri="{FF2B5EF4-FFF2-40B4-BE49-F238E27FC236}">
-                <a16:creationId xmlns:a16="http://schemas.microsoft.com/office/drawing/2014/main" id="{1FA04347-D704-73DD-249E-ACCB8AB8D9EB}"/>
+                <a16:creationId xmlns:a16="http://schemas.microsoft.com/office/drawing/2014/main" id="{0B7A5EA3-4E87-D48C-6EF1-E98D90806FEE}"/>
               </a:ext>
             </a:extLst>
           </p:cNvPr>
-          <p:cNvSpPr>
-            <a:spLocks noGrp="1"/>
-          </p:cNvSpPr>
+          <p:cNvGraphicFramePr>
+            <a:graphicFrameLocks noGrp="1"/>
+          </p:cNvGraphicFramePr>
           <p:nvPr>
             <p:ph idx="1"/>
-          </p:nvPr>
-        </p:nvSpPr>
-        <p:spPr/>
-        <p:txBody>
-          <a:bodyPr/>
-          <a:lstStyle/>
-          <a:p>
-            <a:r>
-              <a:rPr lang="de-DE" dirty="0">
-                <a:hlinkClick r:id="rId2"/>
-              </a:rPr>
-              <a:t>clara.himmelbauer@wu.ac.at</a:t>
-            </a:r>
-            <a:r>
-              <a:rPr lang="de-DE" dirty="0"/>
-              <a:t> </a:t>
-            </a:r>
-            <a:endParaRPr lang="de-AT" dirty="0"/>
-          </a:p>
-        </p:txBody>
-      </p:sp>
+            <p:extLst>
+              <p:ext uri="{D42A27DB-BD31-4B8C-83A1-F6EECF244321}">
+                <p14:modId xmlns:p14="http://schemas.microsoft.com/office/powerpoint/2010/main" val="4105898660"/>
+              </p:ext>
+            </p:extLst>
+          </p:nvPr>
+        </p:nvGraphicFramePr>
+        <p:xfrm>
+          <a:off x="1262063" y="1828800"/>
+          <a:ext cx="8594725" cy="4351338"/>
+        </p:xfrm>
+        <a:graphic>
+          <a:graphicData uri="http://schemas.openxmlformats.org/drawingml/2006/chart">
+            <c:chart xmlns:c="http://schemas.openxmlformats.org/drawingml/2006/chart" xmlns:r="http://schemas.openxmlformats.org/officeDocument/2006/relationships" r:id="rId2"/>
+          </a:graphicData>
+        </a:graphic>
+      </p:graphicFrame>
     </p:spTree>
     <p:extLst>
       <p:ext uri="{BB962C8B-B14F-4D97-AF65-F5344CB8AC3E}">
-        <p14:creationId xmlns:p14="http://schemas.microsoft.com/office/powerpoint/2010/main" val="1720390971"/>
+        <p14:creationId xmlns:p14="http://schemas.microsoft.com/office/powerpoint/2010/main" val="4171298435"/>
       </p:ext>
     </p:extLst>
   </p:cSld>
@@ -5272,110 +5855,58 @@
 </file>
 
 <file path=ppt/theme/theme1.xml><?xml version="1.0" encoding="utf-8"?>
-<a:theme xmlns:a="http://schemas.openxmlformats.org/drawingml/2006/main" name="Office">
+<a:theme xmlns:a="http://schemas.openxmlformats.org/drawingml/2006/main" name="Aussicht">
   <a:themeElements>
-    <a:clrScheme name="Office">
+    <a:clrScheme name="Aussicht">
       <a:dk1>
-        <a:sysClr val="windowText" lastClr="000000"/>
+        <a:srgbClr val="000000"/>
       </a:dk1>
       <a:lt1>
-        <a:sysClr val="window" lastClr="FFFFFF"/>
+        <a:srgbClr val="FFFFFF"/>
       </a:lt1>
       <a:dk2>
-        <a:srgbClr val="0E2841"/>
+        <a:srgbClr val="46464A"/>
       </a:dk2>
       <a:lt2>
-        <a:srgbClr val="E8E8E8"/>
+        <a:srgbClr val="D6D3CC"/>
       </a:lt2>
       <a:accent1>
-        <a:srgbClr val="156082"/>
+        <a:srgbClr val="6F6F74"/>
       </a:accent1>
       <a:accent2>
-        <a:srgbClr val="E97132"/>
+        <a:srgbClr val="92A9B9"/>
       </a:accent2>
       <a:accent3>
-        <a:srgbClr val="196B24"/>
+        <a:srgbClr val="A7B789"/>
       </a:accent3>
       <a:accent4>
-        <a:srgbClr val="0F9ED5"/>
+        <a:srgbClr val="B9A489"/>
       </a:accent4>
       <a:accent5>
-        <a:srgbClr val="A02B93"/>
+        <a:srgbClr val="8D6374"/>
       </a:accent5>
       <a:accent6>
-        <a:srgbClr val="4EA72E"/>
+        <a:srgbClr val="9B7362"/>
       </a:accent6>
       <a:hlink>
-        <a:srgbClr val="467886"/>
+        <a:srgbClr val="67AABF"/>
       </a:hlink>
       <a:folHlink>
-        <a:srgbClr val="96607D"/>
+        <a:srgbClr val="ABAFA5"/>
       </a:folHlink>
     </a:clrScheme>
-    <a:fontScheme name="Office">
+    <a:fontScheme name="Aussicht">
       <a:majorFont>
-        <a:latin typeface="Aptos Display" panose="02110004020202020204"/>
+        <a:latin typeface="Century Schoolbook" panose="02040604050505020304"/>
         <a:ea typeface=""/>
         <a:cs typeface=""/>
-        <a:font script="Jpan" typeface="游ゴシック Light"/>
+        <a:font script="Jpan" typeface="ＭＳ ゴシック"/>
         <a:font script="Hang" typeface="맑은 고딕"/>
-        <a:font script="Hans" typeface="等线 Light"/>
+        <a:font script="Hans" typeface="宋体"/>
         <a:font script="Hant" typeface="新細明體"/>
-        <a:font script="Arab" typeface="Times New Roman"/>
-        <a:font script="Hebr" typeface="Times New Roman"/>
-        <a:font script="Thai" typeface="Angsana New"/>
-        <a:font script="Ethi" typeface="Nyala"/>
-        <a:font script="Beng" typeface="Vrinda"/>
-        <a:font script="Gujr" typeface="Shruti"/>
-        <a:font script="Khmr" typeface="MoolBoran"/>
-        <a:font script="Knda" typeface="Tunga"/>
-        <a:font script="Guru" typeface="Raavi"/>
-        <a:font script="Cans" typeface="Euphemia"/>
-        <a:font script="Cher" typeface="Plantagenet Cherokee"/>
-        <a:font script="Yiii" typeface="Microsoft Yi Baiti"/>
-        <a:font script="Tibt" typeface="Microsoft Himalaya"/>
-        <a:font script="Thaa" typeface="MV Boli"/>
-        <a:font script="Deva" typeface="Mangal"/>
-        <a:font script="Telu" typeface="Gautami"/>
-        <a:font script="Taml" typeface="Latha"/>
-        <a:font script="Syrc" typeface="Estrangelo Edessa"/>
-        <a:font script="Orya" typeface="Kalinga"/>
-        <a:font script="Mlym" typeface="Kartika"/>
-        <a:font script="Laoo" typeface="DokChampa"/>
-        <a:font script="Sinh" typeface="Iskoola Pota"/>
-        <a:font script="Mong" typeface="Mongolian Baiti"/>
-        <a:font script="Viet" typeface="Times New Roman"/>
-        <a:font script="Uigh" typeface="Microsoft Uighur"/>
-        <a:font script="Geor" typeface="Sylfaen"/>
-        <a:font script="Armn" typeface="Arial"/>
-        <a:font script="Bugi" typeface="Leelawadee UI"/>
-        <a:font script="Bopo" typeface="Microsoft JhengHei"/>
-        <a:font script="Java" typeface="Javanese Text"/>
-        <a:font script="Lisu" typeface="Segoe UI"/>
-        <a:font script="Mymr" typeface="Myanmar Text"/>
-        <a:font script="Nkoo" typeface="Ebrima"/>
-        <a:font script="Olck" typeface="Nirmala UI"/>
-        <a:font script="Osma" typeface="Ebrima"/>
-        <a:font script="Phag" typeface="Phagspa"/>
-        <a:font script="Syrn" typeface="Estrangelo Edessa"/>
-        <a:font script="Syrj" typeface="Estrangelo Edessa"/>
-        <a:font script="Syre" typeface="Estrangelo Edessa"/>
-        <a:font script="Sora" typeface="Nirmala UI"/>
-        <a:font script="Tale" typeface="Microsoft Tai Le"/>
-        <a:font script="Talu" typeface="Microsoft New Tai Lue"/>
-        <a:font script="Tfng" typeface="Ebrima"/>
-      </a:majorFont>
-      <a:minorFont>
-        <a:latin typeface="Aptos" panose="02110004020202020204"/>
-        <a:ea typeface=""/>
-        <a:cs typeface=""/>
-        <a:font script="Jpan" typeface="游ゴシック"/>
-        <a:font script="Hang" typeface="맑은 고딕"/>
-        <a:font script="Hans" typeface="等线"/>
-        <a:font script="Hant" typeface="新細明體"/>
-        <a:font script="Arab" typeface="Arial"/>
-        <a:font script="Hebr" typeface="Arial"/>
-        <a:font script="Thai" typeface="Cordia New"/>
+        <a:font script="Arab" typeface="Tahoma"/>
+        <a:font script="Hebr" typeface="Gisha"/>
+        <a:font script="Thai" typeface="DilleniaUPC"/>
         <a:font script="Ethi" typeface="Nyala"/>
         <a:font script="Beng" typeface="Vrinda"/>
         <a:font script="Gujr" typeface="Shruti"/>
@@ -5396,107 +5927,86 @@
         <a:font script="Laoo" typeface="DokChampa"/>
         <a:font script="Sinh" typeface="Iskoola Pota"/>
         <a:font script="Mong" typeface="Mongolian Baiti"/>
-        <a:font script="Viet" typeface="Arial"/>
+        <a:font script="Viet" typeface="Tahoma"/>
         <a:font script="Uigh" typeface="Microsoft Uighur"/>
         <a:font script="Geor" typeface="Sylfaen"/>
-        <a:font script="Armn" typeface="Arial"/>
-        <a:font script="Bugi" typeface="Leelawadee UI"/>
-        <a:font script="Bopo" typeface="Microsoft JhengHei"/>
-        <a:font script="Java" typeface="Javanese Text"/>
-        <a:font script="Lisu" typeface="Segoe UI"/>
-        <a:font script="Mymr" typeface="Myanmar Text"/>
-        <a:font script="Nkoo" typeface="Ebrima"/>
-        <a:font script="Olck" typeface="Nirmala UI"/>
-        <a:font script="Osma" typeface="Ebrima"/>
-        <a:font script="Phag" typeface="Phagspa"/>
-        <a:font script="Syrn" typeface="Estrangelo Edessa"/>
-        <a:font script="Syrj" typeface="Estrangelo Edessa"/>
-        <a:font script="Syre" typeface="Estrangelo Edessa"/>
-        <a:font script="Sora" typeface="Nirmala UI"/>
-        <a:font script="Tale" typeface="Microsoft Tai Le"/>
-        <a:font script="Talu" typeface="Microsoft New Tai Lue"/>
-        <a:font script="Tfng" typeface="Ebrima"/>
+      </a:majorFont>
+      <a:minorFont>
+        <a:latin typeface="Century Schoolbook" panose="02040604050505020304"/>
+        <a:ea typeface=""/>
+        <a:cs typeface=""/>
+        <a:font script="Jpan" typeface="ＭＳ ゴシック"/>
+        <a:font script="Hang" typeface="맑은 고딕"/>
+        <a:font script="Hans" typeface="宋体"/>
+        <a:font script="Hant" typeface="新細明體"/>
+        <a:font script="Arab" typeface="Tahoma"/>
+        <a:font script="Hebr" typeface="Gisha"/>
+        <a:font script="Thai" typeface="DilleniaUPC"/>
+        <a:font script="Ethi" typeface="Nyala"/>
+        <a:font script="Beng" typeface="Vrinda"/>
+        <a:font script="Gujr" typeface="Shruti"/>
+        <a:font script="Khmr" typeface="DaunPenh"/>
+        <a:font script="Knda" typeface="Tunga"/>
+        <a:font script="Guru" typeface="Raavi"/>
+        <a:font script="Cans" typeface="Euphemia"/>
+        <a:font script="Cher" typeface="Plantagenet Cherokee"/>
+        <a:font script="Yiii" typeface="Microsoft Yi Baiti"/>
+        <a:font script="Tibt" typeface="Microsoft Himalaya"/>
+        <a:font script="Thaa" typeface="MV Boli"/>
+        <a:font script="Deva" typeface="Mangal"/>
+        <a:font script="Telu" typeface="Gautami"/>
+        <a:font script="Taml" typeface="Latha"/>
+        <a:font script="Syrc" typeface="Estrangelo Edessa"/>
+        <a:font script="Orya" typeface="Kalinga"/>
+        <a:font script="Mlym" typeface="Kartika"/>
+        <a:font script="Laoo" typeface="DokChampa"/>
+        <a:font script="Sinh" typeface="Iskoola Pota"/>
+        <a:font script="Mong" typeface="Mongolian Baiti"/>
+        <a:font script="Viet" typeface="Verdana"/>
+        <a:font script="Uigh" typeface="Microsoft Uighur"/>
+        <a:font script="Geor" typeface="Sylfaen"/>
       </a:minorFont>
     </a:fontScheme>
-    <a:fmtScheme name="Office">
+    <a:fmtScheme name="Aussicht">
       <a:fillStyleLst>
         <a:solidFill>
           <a:schemeClr val="phClr"/>
         </a:solidFill>
-        <a:gradFill rotWithShape="1">
-          <a:gsLst>
-            <a:gs pos="0">
-              <a:schemeClr val="phClr">
-                <a:lumMod val="110000"/>
-                <a:satMod val="105000"/>
-                <a:tint val="67000"/>
-              </a:schemeClr>
-            </a:gs>
-            <a:gs pos="50000">
-              <a:schemeClr val="phClr">
-                <a:lumMod val="105000"/>
-                <a:satMod val="103000"/>
-                <a:tint val="73000"/>
-              </a:schemeClr>
-            </a:gs>
-            <a:gs pos="100000">
-              <a:schemeClr val="phClr">
-                <a:lumMod val="105000"/>
-                <a:satMod val="109000"/>
-                <a:tint val="81000"/>
-              </a:schemeClr>
-            </a:gs>
-          </a:gsLst>
-          <a:lin ang="5400000" scaled="0"/>
-        </a:gradFill>
-        <a:gradFill rotWithShape="1">
-          <a:gsLst>
-            <a:gs pos="0">
-              <a:schemeClr val="phClr">
-                <a:satMod val="103000"/>
-                <a:lumMod val="102000"/>
-                <a:tint val="94000"/>
-              </a:schemeClr>
-            </a:gs>
-            <a:gs pos="50000">
-              <a:schemeClr val="phClr">
-                <a:satMod val="110000"/>
-                <a:lumMod val="100000"/>
-                <a:shade val="100000"/>
-              </a:schemeClr>
-            </a:gs>
-            <a:gs pos="100000">
-              <a:schemeClr val="phClr">
-                <a:lumMod val="99000"/>
-                <a:satMod val="120000"/>
-                <a:shade val="78000"/>
-              </a:schemeClr>
-            </a:gs>
-          </a:gsLst>
-          <a:lin ang="5400000" scaled="0"/>
-        </a:gradFill>
+        <a:solidFill>
+          <a:schemeClr val="phClr">
+            <a:tint val="60000"/>
+            <a:satMod val="120000"/>
+          </a:schemeClr>
+        </a:solidFill>
+        <a:solidFill>
+          <a:schemeClr val="phClr">
+            <a:shade val="75000"/>
+            <a:satMod val="160000"/>
+          </a:schemeClr>
+        </a:solidFill>
       </a:fillStyleLst>
       <a:lnStyleLst>
-        <a:ln w="12700" cap="flat" cmpd="sng" algn="ctr">
+        <a:ln w="9525" cap="flat" cmpd="sng" algn="ctr">
           <a:solidFill>
             <a:schemeClr val="phClr"/>
           </a:solidFill>
           <a:prstDash val="solid"/>
-          <a:miter lim="800000"/>
         </a:ln>
-        <a:ln w="19050" cap="flat" cmpd="sng" algn="ctr">
+        <a:ln w="13970" cap="flat" cmpd="sng" algn="ctr">
           <a:solidFill>
             <a:schemeClr val="phClr"/>
           </a:solidFill>
           <a:prstDash val="solid"/>
-          <a:miter lim="800000"/>
         </a:ln>
-        <a:ln w="25400" cap="flat" cmpd="sng" algn="ctr">
+        <a:ln w="17145" cap="flat" cmpd="sng" algn="ctr">
           <a:solidFill>
-            <a:schemeClr val="phClr"/>
+            <a:schemeClr val="phClr">
+              <a:shade val="95000"/>
+              <a:alpha val="95000"/>
+              <a:satMod val="150000"/>
+            </a:schemeClr>
           </a:solidFill>
           <a:prstDash val="solid"/>
-          <a:miter lim="800000"/>
         </a:ln>
       </a:lnStyleLst>
       <a:effectStyleLst>
@@ -5504,16 +6014,52 @@
           <a:effectLst/>
         </a:effectStyle>
         <a:effectStyle>
-          <a:effectLst/>
+          <a:effectLst>
+            <a:outerShdw blurRad="50800" dist="15240" dir="5400000" algn="tl" rotWithShape="0">
+              <a:srgbClr val="000000">
+                <a:alpha val="75000"/>
+              </a:srgbClr>
+            </a:outerShdw>
+          </a:effectLst>
+          <a:scene3d>
+            <a:camera prst="orthographicFront">
+              <a:rot lat="0" lon="0" rev="0"/>
+            </a:camera>
+            <a:lightRig rig="brightRoom" dir="tl"/>
+          </a:scene3d>
+          <a:sp3d contourW="9525" prstMaterial="flat">
+            <a:bevelT w="0" h="0" prst="coolSlant"/>
+            <a:contourClr>
+              <a:schemeClr val="phClr">
+                <a:shade val="35000"/>
+                <a:satMod val="130000"/>
+              </a:schemeClr>
+            </a:contourClr>
+          </a:sp3d>
         </a:effectStyle>
         <a:effectStyle>
           <a:effectLst>
-            <a:outerShdw blurRad="57150" dist="19050" dir="5400000" algn="ctr" rotWithShape="0">
+            <a:outerShdw blurRad="76200" dist="25400" dir="5400000" algn="tl" rotWithShape="0">
               <a:srgbClr val="000000">
-                <a:alpha val="63000"/>
+                <a:alpha val="55000"/>
               </a:srgbClr>
             </a:outerShdw>
           </a:effectLst>
+          <a:scene3d>
+            <a:camera prst="orthographicFront">
+              <a:rot lat="0" lon="0" rev="0"/>
+            </a:camera>
+            <a:lightRig rig="brightRoom" dir="tl"/>
+          </a:scene3d>
+          <a:sp3d contourW="19050" prstMaterial="flat">
+            <a:bevelT w="0" h="0" prst="coolSlant"/>
+            <a:contourClr>
+              <a:schemeClr val="phClr">
+                <a:shade val="25000"/>
+                <a:satMod val="140000"/>
+              </a:schemeClr>
+            </a:contourClr>
+          </a:sp3d>
         </a:effectStyle>
       </a:effectStyleLst>
       <a:bgFillStyleLst>
@@ -5530,57 +6076,32 @@
           <a:gsLst>
             <a:gs pos="0">
               <a:schemeClr val="phClr">
-                <a:tint val="93000"/>
-                <a:satMod val="150000"/>
+                <a:tint val="94000"/>
                 <a:shade val="98000"/>
+                <a:satMod val="130000"/>
                 <a:lumMod val="102000"/>
-              </a:schemeClr>
-            </a:gs>
-            <a:gs pos="50000">
-              <a:schemeClr val="phClr">
-                <a:tint val="98000"/>
-                <a:satMod val="130000"/>
-                <a:shade val="90000"/>
-                <a:lumMod val="103000"/>
               </a:schemeClr>
             </a:gs>
             <a:gs pos="100000">
               <a:schemeClr val="phClr">
-                <a:shade val="63000"/>
-                <a:satMod val="120000"/>
+                <a:tint val="98000"/>
+                <a:shade val="78000"/>
+                <a:satMod val="140000"/>
               </a:schemeClr>
             </a:gs>
           </a:gsLst>
-          <a:lin ang="5400000" scaled="0"/>
+          <a:path path="circle">
+            <a:fillToRect l="100000" t="100000" r="100000" b="100000"/>
+          </a:path>
         </a:gradFill>
       </a:bgFillStyleLst>
     </a:fmtScheme>
   </a:themeElements>
-  <a:objectDefaults>
-    <a:lnDef>
-      <a:spPr/>
-      <a:bodyPr/>
-      <a:lstStyle/>
-      <a:style>
-        <a:lnRef idx="2">
-          <a:schemeClr val="accent1"/>
-        </a:lnRef>
-        <a:fillRef idx="0">
-          <a:schemeClr val="accent1"/>
-        </a:fillRef>
-        <a:effectRef idx="1">
-          <a:schemeClr val="accent1"/>
-        </a:effectRef>
-        <a:fontRef idx="minor">
-          <a:schemeClr val="tx1"/>
-        </a:fontRef>
-      </a:style>
-    </a:lnDef>
-  </a:objectDefaults>
+  <a:objectDefaults/>
   <a:extraClrSchemeLst/>
   <a:extLst>
     <a:ext uri="{05A4C25C-085E-4340-85A3-A5531E510DB2}">
-      <thm15:themeFamily xmlns:thm15="http://schemas.microsoft.com/office/thememl/2012/main" name="Office Theme" id="{2E142A2C-CD16-42D6-873A-C26D2A0506FA}" vid="{1BDDFF52-6CD6-40A5-AB3C-68EB2F1E4D0A}"/>
+      <thm15:themeFamily xmlns:thm15="http://schemas.microsoft.com/office/thememl/2012/main" name="View" id="{BA0EB5A6-F2D4-4F82-977B-64ADEE4A2A69}" vid="{3969A8A2-35DB-4E3B-8885-16FD20568674}"/>
     </a:ext>
   </a:extLst>
 </a:theme>

--- a/report/presentation.pptx
+++ b/report/presentation.pptx
@@ -4,18 +4,23 @@
   <p:sldMasterIdLst>
     <p:sldMasterId id="2147483714" r:id="rId1"/>
   </p:sldMasterIdLst>
+  <p:notesMasterIdLst>
+    <p:notesMasterId r:id="rId15"/>
+  </p:notesMasterIdLst>
   <p:sldIdLst>
     <p:sldId id="256" r:id="rId2"/>
     <p:sldId id="259" r:id="rId3"/>
     <p:sldId id="265" r:id="rId4"/>
     <p:sldId id="267" r:id="rId5"/>
-    <p:sldId id="260" r:id="rId6"/>
-    <p:sldId id="261" r:id="rId7"/>
-    <p:sldId id="264" r:id="rId8"/>
-    <p:sldId id="262" r:id="rId9"/>
+    <p:sldId id="269" r:id="rId6"/>
+    <p:sldId id="268" r:id="rId7"/>
+    <p:sldId id="260" r:id="rId8"/>
+    <p:sldId id="270" r:id="rId9"/>
     <p:sldId id="257" r:id="rId10"/>
-    <p:sldId id="263" r:id="rId11"/>
-    <p:sldId id="258" r:id="rId12"/>
+    <p:sldId id="262" r:id="rId11"/>
+    <p:sldId id="263" r:id="rId12"/>
+    <p:sldId id="272" r:id="rId13"/>
+    <p:sldId id="271" r:id="rId14"/>
   </p:sldIdLst>
   <p:sldSz cx="12192000" cy="6858000"/>
   <p:notesSz cx="6858000" cy="9144000"/>
@@ -125,7 +130,7 @@
 <file path=ppt/revisionInfo.xml><?xml version="1.0" encoding="utf-8"?>
 <p1510:revInfo xmlns:a="http://schemas.openxmlformats.org/drawingml/2006/main" xmlns:r="http://schemas.openxmlformats.org/officeDocument/2006/relationships" xmlns:p1510="http://schemas.microsoft.com/office/powerpoint/2015/10/main">
   <p1510:revLst>
-    <p1510:client id="{26A58844-2FB7-4F90-9501-5CC089926BE8}" v="16" dt="2025-02-06T16:45:01.294"/>
+    <p1510:client id="{26A58844-2FB7-4F90-9501-5CC089926BE8}" v="603" dt="2025-02-14T15:57:04.907"/>
   </p1510:revLst>
 </p1510:revInfo>
 </file>
@@ -134,13 +139,13 @@
 <pc:chgInfo xmlns:a="http://schemas.openxmlformats.org/drawingml/2006/main" xmlns:r="http://schemas.openxmlformats.org/officeDocument/2006/relationships" xmlns:ac="http://schemas.microsoft.com/office/drawing/2013/main/command" xmlns:pc="http://schemas.microsoft.com/office/powerpoint/2013/main/command">
   <pc:docChgLst>
     <pc:chgData name="Himmelbauer, Clara" userId="12d7e35a-e13e-4c49-b9be-a181bf83ad46" providerId="ADAL" clId="{26A58844-2FB7-4F90-9501-5CC089926BE8}"/>
-    <pc:docChg chg="undo custSel addSld delSld modSld sldOrd">
-      <pc:chgData name="Himmelbauer, Clara" userId="12d7e35a-e13e-4c49-b9be-a181bf83ad46" providerId="ADAL" clId="{26A58844-2FB7-4F90-9501-5CC089926BE8}" dt="2025-02-06T16:45:20.719" v="810" actId="1076"/>
+    <pc:docChg chg="undo custSel addSld delSld modSld sldOrd modMainMaster">
+      <pc:chgData name="Himmelbauer, Clara" userId="12d7e35a-e13e-4c49-b9be-a181bf83ad46" providerId="ADAL" clId="{26A58844-2FB7-4F90-9501-5CC089926BE8}" dt="2025-02-14T15:57:04.907" v="2893"/>
       <pc:docMkLst>
         <pc:docMk/>
       </pc:docMkLst>
       <pc:sldChg chg="modSp new mod">
-        <pc:chgData name="Himmelbauer, Clara" userId="12d7e35a-e13e-4c49-b9be-a181bf83ad46" providerId="ADAL" clId="{26A58844-2FB7-4F90-9501-5CC089926BE8}" dt="2025-02-06T16:42:27.676" v="686"/>
+        <pc:chgData name="Himmelbauer, Clara" userId="12d7e35a-e13e-4c49-b9be-a181bf83ad46" providerId="ADAL" clId="{26A58844-2FB7-4F90-9501-5CC089926BE8}" dt="2025-02-14T15:33:33.834" v="1995" actId="27636"/>
         <pc:sldMkLst>
           <pc:docMk/>
           <pc:sldMk cId="1587025369" sldId="256"/>
@@ -161,9 +166,17 @@
             <ac:spMk id="3" creationId="{99D2ED66-8565-4709-E590-6B99F8FD1771}"/>
           </ac:spMkLst>
         </pc:spChg>
+        <pc:spChg chg="mod">
+          <ac:chgData name="Himmelbauer, Clara" userId="12d7e35a-e13e-4c49-b9be-a181bf83ad46" providerId="ADAL" clId="{26A58844-2FB7-4F90-9501-5CC089926BE8}" dt="2025-02-14T15:33:33.834" v="1995" actId="27636"/>
+          <ac:spMkLst>
+            <pc:docMk/>
+            <pc:sldMk cId="1587025369" sldId="256"/>
+            <ac:spMk id="5" creationId="{8623CE2C-28AB-D987-F6E7-526E0D739BEF}"/>
+          </ac:spMkLst>
+        </pc:spChg>
       </pc:sldChg>
-      <pc:sldChg chg="addSp delSp modSp new mod">
-        <pc:chgData name="Himmelbauer, Clara" userId="12d7e35a-e13e-4c49-b9be-a181bf83ad46" providerId="ADAL" clId="{26A58844-2FB7-4F90-9501-5CC089926BE8}" dt="2025-02-06T16:42:27.676" v="686"/>
+      <pc:sldChg chg="addSp delSp modSp new mod ord">
+        <pc:chgData name="Himmelbauer, Clara" userId="12d7e35a-e13e-4c49-b9be-a181bf83ad46" providerId="ADAL" clId="{26A58844-2FB7-4F90-9501-5CC089926BE8}" dt="2025-02-14T15:46:28.114" v="2403" actId="403"/>
         <pc:sldMkLst>
           <pc:docMk/>
           <pc:sldMk cId="4171298435" sldId="257"/>
@@ -176,8 +189,16 @@
             <ac:spMk id="2" creationId="{BB36368B-FAB8-C20B-35F4-757B95A5D4EF}"/>
           </ac:spMkLst>
         </pc:spChg>
+        <pc:spChg chg="mod">
+          <ac:chgData name="Himmelbauer, Clara" userId="12d7e35a-e13e-4c49-b9be-a181bf83ad46" providerId="ADAL" clId="{26A58844-2FB7-4F90-9501-5CC089926BE8}" dt="2025-02-14T15:33:33.834" v="1992" actId="27636"/>
+          <ac:spMkLst>
+            <pc:docMk/>
+            <pc:sldMk cId="4171298435" sldId="257"/>
+            <ac:spMk id="4" creationId="{2148BD3E-D14A-C146-52F3-D15D55DE1AF4}"/>
+          </ac:spMkLst>
+        </pc:spChg>
         <pc:graphicFrameChg chg="add mod">
-          <ac:chgData name="Himmelbauer, Clara" userId="12d7e35a-e13e-4c49-b9be-a181bf83ad46" providerId="ADAL" clId="{26A58844-2FB7-4F90-9501-5CC089926BE8}" dt="2025-02-06T16:42:27.676" v="686"/>
+          <ac:chgData name="Himmelbauer, Clara" userId="12d7e35a-e13e-4c49-b9be-a181bf83ad46" providerId="ADAL" clId="{26A58844-2FB7-4F90-9501-5CC089926BE8}" dt="2025-02-14T15:46:28.114" v="2403" actId="403"/>
           <ac:graphicFrameMkLst>
             <pc:docMk/>
             <pc:sldMk cId="4171298435" sldId="257"/>
@@ -185,31 +206,23 @@
           </ac:graphicFrameMkLst>
         </pc:graphicFrameChg>
       </pc:sldChg>
-      <pc:sldChg chg="modSp new mod">
-        <pc:chgData name="Himmelbauer, Clara" userId="12d7e35a-e13e-4c49-b9be-a181bf83ad46" providerId="ADAL" clId="{26A58844-2FB7-4F90-9501-5CC089926BE8}" dt="2025-02-06T16:42:27.676" v="686"/>
+      <pc:sldChg chg="modSp new del mod">
+        <pc:chgData name="Himmelbauer, Clara" userId="12d7e35a-e13e-4c49-b9be-a181bf83ad46" providerId="ADAL" clId="{26A58844-2FB7-4F90-9501-5CC089926BE8}" dt="2025-02-14T15:43:21.643" v="2248" actId="2696"/>
         <pc:sldMkLst>
           <pc:docMk/>
           <pc:sldMk cId="1720390971" sldId="258"/>
         </pc:sldMkLst>
         <pc:spChg chg="mod">
-          <ac:chgData name="Himmelbauer, Clara" userId="12d7e35a-e13e-4c49-b9be-a181bf83ad46" providerId="ADAL" clId="{26A58844-2FB7-4F90-9501-5CC089926BE8}" dt="2025-02-06T16:42:27.676" v="686"/>
+          <ac:chgData name="Himmelbauer, Clara" userId="12d7e35a-e13e-4c49-b9be-a181bf83ad46" providerId="ADAL" clId="{26A58844-2FB7-4F90-9501-5CC089926BE8}" dt="2025-02-14T15:33:33.834" v="1994" actId="27636"/>
           <ac:spMkLst>
             <pc:docMk/>
             <pc:sldMk cId="1720390971" sldId="258"/>
-            <ac:spMk id="2" creationId="{E598A848-6A90-634E-F347-3421E1503D22}"/>
-          </ac:spMkLst>
-        </pc:spChg>
-        <pc:spChg chg="mod">
-          <ac:chgData name="Himmelbauer, Clara" userId="12d7e35a-e13e-4c49-b9be-a181bf83ad46" providerId="ADAL" clId="{26A58844-2FB7-4F90-9501-5CC089926BE8}" dt="2025-02-06T16:42:27.676" v="686"/>
-          <ac:spMkLst>
-            <pc:docMk/>
-            <pc:sldMk cId="1720390971" sldId="258"/>
-            <ac:spMk id="3" creationId="{1FA04347-D704-73DD-249E-ACCB8AB8D9EB}"/>
+            <ac:spMk id="5" creationId="{EB066036-2BFB-B30F-21FD-8040913425AB}"/>
           </ac:spMkLst>
         </pc:spChg>
       </pc:sldChg>
-      <pc:sldChg chg="modSp new mod">
-        <pc:chgData name="Himmelbauer, Clara" userId="12d7e35a-e13e-4c49-b9be-a181bf83ad46" providerId="ADAL" clId="{26A58844-2FB7-4F90-9501-5CC089926BE8}" dt="2025-02-06T16:42:27.676" v="686"/>
+      <pc:sldChg chg="modSp new mod modAnim">
+        <pc:chgData name="Himmelbauer, Clara" userId="12d7e35a-e13e-4c49-b9be-a181bf83ad46" providerId="ADAL" clId="{26A58844-2FB7-4F90-9501-5CC089926BE8}" dt="2025-02-14T15:57:04.907" v="2893"/>
         <pc:sldMkLst>
           <pc:docMk/>
           <pc:sldMk cId="492563053" sldId="259"/>
@@ -223,22 +236,30 @@
           </ac:spMkLst>
         </pc:spChg>
         <pc:spChg chg="mod">
-          <ac:chgData name="Himmelbauer, Clara" userId="12d7e35a-e13e-4c49-b9be-a181bf83ad46" providerId="ADAL" clId="{26A58844-2FB7-4F90-9501-5CC089926BE8}" dt="2025-02-06T16:42:27.676" v="686"/>
+          <ac:chgData name="Himmelbauer, Clara" userId="12d7e35a-e13e-4c49-b9be-a181bf83ad46" providerId="ADAL" clId="{26A58844-2FB7-4F90-9501-5CC089926BE8}" dt="2025-02-14T15:51:00.835" v="2892" actId="20577"/>
           <ac:spMkLst>
             <pc:docMk/>
             <pc:sldMk cId="492563053" sldId="259"/>
             <ac:spMk id="3" creationId="{0226F2C6-85B6-6062-A2C7-E4F57EE7EB2C}"/>
           </ac:spMkLst>
         </pc:spChg>
+        <pc:spChg chg="mod">
+          <ac:chgData name="Himmelbauer, Clara" userId="12d7e35a-e13e-4c49-b9be-a181bf83ad46" providerId="ADAL" clId="{26A58844-2FB7-4F90-9501-5CC089926BE8}" dt="2025-02-14T15:33:33.849" v="1996" actId="27636"/>
+          <ac:spMkLst>
+            <pc:docMk/>
+            <pc:sldMk cId="492563053" sldId="259"/>
+            <ac:spMk id="5" creationId="{DA904810-1F0C-C3B4-502E-D546E6F35022}"/>
+          </ac:spMkLst>
+        </pc:spChg>
       </pc:sldChg>
-      <pc:sldChg chg="modSp new mod">
-        <pc:chgData name="Himmelbauer, Clara" userId="12d7e35a-e13e-4c49-b9be-a181bf83ad46" providerId="ADAL" clId="{26A58844-2FB7-4F90-9501-5CC089926BE8}" dt="2025-02-06T16:42:27.676" v="686"/>
+      <pc:sldChg chg="modSp new mod modAnim">
+        <pc:chgData name="Himmelbauer, Clara" userId="12d7e35a-e13e-4c49-b9be-a181bf83ad46" providerId="ADAL" clId="{26A58844-2FB7-4F90-9501-5CC089926BE8}" dt="2025-02-14T15:33:33.803" v="1988" actId="27636"/>
         <pc:sldMkLst>
           <pc:docMk/>
           <pc:sldMk cId="2475301093" sldId="260"/>
         </pc:sldMkLst>
         <pc:spChg chg="mod">
-          <ac:chgData name="Himmelbauer, Clara" userId="12d7e35a-e13e-4c49-b9be-a181bf83ad46" providerId="ADAL" clId="{26A58844-2FB7-4F90-9501-5CC089926BE8}" dt="2025-02-06T16:42:27.676" v="686"/>
+          <ac:chgData name="Himmelbauer, Clara" userId="12d7e35a-e13e-4c49-b9be-a181bf83ad46" providerId="ADAL" clId="{26A58844-2FB7-4F90-9501-5CC089926BE8}" dt="2025-02-14T15:30:27.321" v="1792" actId="20577"/>
           <ac:spMkLst>
             <pc:docMk/>
             <pc:sldMk cId="2475301093" sldId="260"/>
@@ -246,45 +267,53 @@
           </ac:spMkLst>
         </pc:spChg>
         <pc:spChg chg="mod">
-          <ac:chgData name="Himmelbauer, Clara" userId="12d7e35a-e13e-4c49-b9be-a181bf83ad46" providerId="ADAL" clId="{26A58844-2FB7-4F90-9501-5CC089926BE8}" dt="2025-02-06T16:42:27.676" v="686"/>
+          <ac:chgData name="Himmelbauer, Clara" userId="12d7e35a-e13e-4c49-b9be-a181bf83ad46" providerId="ADAL" clId="{26A58844-2FB7-4F90-9501-5CC089926BE8}" dt="2025-02-14T15:25:41.833" v="1752" actId="20577"/>
           <ac:spMkLst>
             <pc:docMk/>
             <pc:sldMk cId="2475301093" sldId="260"/>
             <ac:spMk id="3" creationId="{8B4F73BC-6221-7151-9E3D-A10E327370F1}"/>
           </ac:spMkLst>
         </pc:spChg>
+        <pc:spChg chg="mod">
+          <ac:chgData name="Himmelbauer, Clara" userId="12d7e35a-e13e-4c49-b9be-a181bf83ad46" providerId="ADAL" clId="{26A58844-2FB7-4F90-9501-5CC089926BE8}" dt="2025-02-14T15:33:33.803" v="1988" actId="27636"/>
+          <ac:spMkLst>
+            <pc:docMk/>
+            <pc:sldMk cId="2475301093" sldId="260"/>
+            <ac:spMk id="5" creationId="{AC990CCD-0B57-449F-86AA-3F9EE9F1DE08}"/>
+          </ac:spMkLst>
+        </pc:spChg>
       </pc:sldChg>
-      <pc:sldChg chg="modSp new mod">
-        <pc:chgData name="Himmelbauer, Clara" userId="12d7e35a-e13e-4c49-b9be-a181bf83ad46" providerId="ADAL" clId="{26A58844-2FB7-4F90-9501-5CC089926BE8}" dt="2025-02-06T16:42:27.676" v="686"/>
+      <pc:sldChg chg="modSp new del mod">
+        <pc:chgData name="Himmelbauer, Clara" userId="12d7e35a-e13e-4c49-b9be-a181bf83ad46" providerId="ADAL" clId="{26A58844-2FB7-4F90-9501-5CC089926BE8}" dt="2025-02-14T15:41:21.606" v="2049" actId="2696"/>
         <pc:sldMkLst>
           <pc:docMk/>
           <pc:sldMk cId="2183538183" sldId="261"/>
         </pc:sldMkLst>
         <pc:spChg chg="mod">
-          <ac:chgData name="Himmelbauer, Clara" userId="12d7e35a-e13e-4c49-b9be-a181bf83ad46" providerId="ADAL" clId="{26A58844-2FB7-4F90-9501-5CC089926BE8}" dt="2025-02-06T16:42:27.676" v="686"/>
-          <ac:spMkLst>
-            <pc:docMk/>
-            <pc:sldMk cId="2183538183" sldId="261"/>
-            <ac:spMk id="2" creationId="{BA8B69C5-C240-88A4-BD48-850C48BE733B}"/>
-          </ac:spMkLst>
-        </pc:spChg>
-        <pc:spChg chg="mod">
-          <ac:chgData name="Himmelbauer, Clara" userId="12d7e35a-e13e-4c49-b9be-a181bf83ad46" providerId="ADAL" clId="{26A58844-2FB7-4F90-9501-5CC089926BE8}" dt="2025-02-06T16:42:27.676" v="686"/>
+          <ac:chgData name="Himmelbauer, Clara" userId="12d7e35a-e13e-4c49-b9be-a181bf83ad46" providerId="ADAL" clId="{26A58844-2FB7-4F90-9501-5CC089926BE8}" dt="2025-02-14T14:56:54.987" v="881" actId="20577"/>
           <ac:spMkLst>
             <pc:docMk/>
             <pc:sldMk cId="2183538183" sldId="261"/>
             <ac:spMk id="3" creationId="{4C57A619-47FE-2F4B-4C80-DBFC185BAAF1}"/>
           </ac:spMkLst>
         </pc:spChg>
+        <pc:spChg chg="mod">
+          <ac:chgData name="Himmelbauer, Clara" userId="12d7e35a-e13e-4c49-b9be-a181bf83ad46" providerId="ADAL" clId="{26A58844-2FB7-4F90-9501-5CC089926BE8}" dt="2025-02-14T15:33:33.819" v="1989" actId="27636"/>
+          <ac:spMkLst>
+            <pc:docMk/>
+            <pc:sldMk cId="2183538183" sldId="261"/>
+            <ac:spMk id="5" creationId="{5FFE7AF0-2F4D-EADA-2781-ACBAE8A94E17}"/>
+          </ac:spMkLst>
+        </pc:spChg>
       </pc:sldChg>
       <pc:sldChg chg="modSp new mod">
-        <pc:chgData name="Himmelbauer, Clara" userId="12d7e35a-e13e-4c49-b9be-a181bf83ad46" providerId="ADAL" clId="{26A58844-2FB7-4F90-9501-5CC089926BE8}" dt="2025-02-06T16:42:27.676" v="686"/>
+        <pc:chgData name="Himmelbauer, Clara" userId="12d7e35a-e13e-4c49-b9be-a181bf83ad46" providerId="ADAL" clId="{26A58844-2FB7-4F90-9501-5CC089926BE8}" dt="2025-02-14T15:42:17.494" v="2116" actId="20577"/>
         <pc:sldMkLst>
           <pc:docMk/>
           <pc:sldMk cId="4082787262" sldId="262"/>
         </pc:sldMkLst>
         <pc:spChg chg="mod">
-          <ac:chgData name="Himmelbauer, Clara" userId="12d7e35a-e13e-4c49-b9be-a181bf83ad46" providerId="ADAL" clId="{26A58844-2FB7-4F90-9501-5CC089926BE8}" dt="2025-02-06T16:42:27.676" v="686"/>
+          <ac:chgData name="Himmelbauer, Clara" userId="12d7e35a-e13e-4c49-b9be-a181bf83ad46" providerId="ADAL" clId="{26A58844-2FB7-4F90-9501-5CC089926BE8}" dt="2025-02-14T15:42:17.494" v="2116" actId="20577"/>
           <ac:spMkLst>
             <pc:docMk/>
             <pc:sldMk cId="4082787262" sldId="262"/>
@@ -292,22 +321,30 @@
           </ac:spMkLst>
         </pc:spChg>
         <pc:spChg chg="mod">
-          <ac:chgData name="Himmelbauer, Clara" userId="12d7e35a-e13e-4c49-b9be-a181bf83ad46" providerId="ADAL" clId="{26A58844-2FB7-4F90-9501-5CC089926BE8}" dt="2025-02-06T16:42:27.676" v="686"/>
+          <ac:chgData name="Himmelbauer, Clara" userId="12d7e35a-e13e-4c49-b9be-a181bf83ad46" providerId="ADAL" clId="{26A58844-2FB7-4F90-9501-5CC089926BE8}" dt="2025-02-14T15:42:15.474" v="2109" actId="20577"/>
           <ac:spMkLst>
             <pc:docMk/>
             <pc:sldMk cId="4082787262" sldId="262"/>
             <ac:spMk id="3" creationId="{6471F93C-8191-3241-8A23-E9A5E8781D29}"/>
           </ac:spMkLst>
         </pc:spChg>
+        <pc:spChg chg="mod">
+          <ac:chgData name="Himmelbauer, Clara" userId="12d7e35a-e13e-4c49-b9be-a181bf83ad46" providerId="ADAL" clId="{26A58844-2FB7-4F90-9501-5CC089926BE8}" dt="2025-02-14T15:33:33.819" v="1991" actId="27636"/>
+          <ac:spMkLst>
+            <pc:docMk/>
+            <pc:sldMk cId="4082787262" sldId="262"/>
+            <ac:spMk id="5" creationId="{C5BA5588-5E52-6350-56D1-1A6F750510D3}"/>
+          </ac:spMkLst>
+        </pc:spChg>
       </pc:sldChg>
       <pc:sldChg chg="modSp new mod">
-        <pc:chgData name="Himmelbauer, Clara" userId="12d7e35a-e13e-4c49-b9be-a181bf83ad46" providerId="ADAL" clId="{26A58844-2FB7-4F90-9501-5CC089926BE8}" dt="2025-02-06T16:42:27.676" v="686"/>
+        <pc:chgData name="Himmelbauer, Clara" userId="12d7e35a-e13e-4c49-b9be-a181bf83ad46" providerId="ADAL" clId="{26A58844-2FB7-4F90-9501-5CC089926BE8}" dt="2025-02-14T15:42:43.891" v="2180" actId="20577"/>
         <pc:sldMkLst>
           <pc:docMk/>
           <pc:sldMk cId="2842475990" sldId="263"/>
         </pc:sldMkLst>
         <pc:spChg chg="mod">
-          <ac:chgData name="Himmelbauer, Clara" userId="12d7e35a-e13e-4c49-b9be-a181bf83ad46" providerId="ADAL" clId="{26A58844-2FB7-4F90-9501-5CC089926BE8}" dt="2025-02-06T16:42:27.676" v="686"/>
+          <ac:chgData name="Himmelbauer, Clara" userId="12d7e35a-e13e-4c49-b9be-a181bf83ad46" providerId="ADAL" clId="{26A58844-2FB7-4F90-9501-5CC089926BE8}" dt="2025-02-14T15:42:43.891" v="2180" actId="20577"/>
           <ac:spMkLst>
             <pc:docMk/>
             <pc:sldMk cId="2842475990" sldId="263"/>
@@ -322,32 +359,32 @@
             <ac:spMk id="3" creationId="{84B95D0F-A849-7CA7-C56E-8B67EAE5CCEA}"/>
           </ac:spMkLst>
         </pc:spChg>
+        <pc:spChg chg="mod">
+          <ac:chgData name="Himmelbauer, Clara" userId="12d7e35a-e13e-4c49-b9be-a181bf83ad46" providerId="ADAL" clId="{26A58844-2FB7-4F90-9501-5CC089926BE8}" dt="2025-02-14T15:33:33.834" v="1993" actId="27636"/>
+          <ac:spMkLst>
+            <pc:docMk/>
+            <pc:sldMk cId="2842475990" sldId="263"/>
+            <ac:spMk id="5" creationId="{D9992BD1-340C-F4E8-C67B-3531D064089A}"/>
+          </ac:spMkLst>
+        </pc:spChg>
       </pc:sldChg>
-      <pc:sldChg chg="modSp new mod">
-        <pc:chgData name="Himmelbauer, Clara" userId="12d7e35a-e13e-4c49-b9be-a181bf83ad46" providerId="ADAL" clId="{26A58844-2FB7-4F90-9501-5CC089926BE8}" dt="2025-02-06T16:42:27.676" v="686"/>
+      <pc:sldChg chg="modSp new del mod">
+        <pc:chgData name="Himmelbauer, Clara" userId="12d7e35a-e13e-4c49-b9be-a181bf83ad46" providerId="ADAL" clId="{26A58844-2FB7-4F90-9501-5CC089926BE8}" dt="2025-02-14T15:41:21.606" v="2049" actId="2696"/>
         <pc:sldMkLst>
           <pc:docMk/>
           <pc:sldMk cId="2130042208" sldId="264"/>
         </pc:sldMkLst>
         <pc:spChg chg="mod">
-          <ac:chgData name="Himmelbauer, Clara" userId="12d7e35a-e13e-4c49-b9be-a181bf83ad46" providerId="ADAL" clId="{26A58844-2FB7-4F90-9501-5CC089926BE8}" dt="2025-02-06T16:42:27.676" v="686"/>
+          <ac:chgData name="Himmelbauer, Clara" userId="12d7e35a-e13e-4c49-b9be-a181bf83ad46" providerId="ADAL" clId="{26A58844-2FB7-4F90-9501-5CC089926BE8}" dt="2025-02-14T15:33:33.819" v="1990" actId="27636"/>
           <ac:spMkLst>
             <pc:docMk/>
             <pc:sldMk cId="2130042208" sldId="264"/>
-            <ac:spMk id="2" creationId="{B0F12AB1-0276-235A-A78F-AC7C856D3ABB}"/>
-          </ac:spMkLst>
-        </pc:spChg>
-        <pc:spChg chg="mod">
-          <ac:chgData name="Himmelbauer, Clara" userId="12d7e35a-e13e-4c49-b9be-a181bf83ad46" providerId="ADAL" clId="{26A58844-2FB7-4F90-9501-5CC089926BE8}" dt="2025-02-06T16:42:27.676" v="686"/>
-          <ac:spMkLst>
-            <pc:docMk/>
-            <pc:sldMk cId="2130042208" sldId="264"/>
-            <ac:spMk id="3" creationId="{AC7F4988-7C23-A449-FACD-67CE41C01E74}"/>
+            <ac:spMk id="5" creationId="{08F5F4C6-C6AA-C3CF-9CA2-902D99715259}"/>
           </ac:spMkLst>
         </pc:spChg>
       </pc:sldChg>
       <pc:sldChg chg="modSp new mod">
-        <pc:chgData name="Himmelbauer, Clara" userId="12d7e35a-e13e-4c49-b9be-a181bf83ad46" providerId="ADAL" clId="{26A58844-2FB7-4F90-9501-5CC089926BE8}" dt="2025-02-06T16:42:27.676" v="686"/>
+        <pc:chgData name="Himmelbauer, Clara" userId="12d7e35a-e13e-4c49-b9be-a181bf83ad46" providerId="ADAL" clId="{26A58844-2FB7-4F90-9501-5CC089926BE8}" dt="2025-02-14T15:33:33.856" v="1997" actId="27636"/>
         <pc:sldMkLst>
           <pc:docMk/>
           <pc:sldMk cId="687750663" sldId="265"/>
@@ -368,6 +405,14 @@
             <ac:spMk id="3" creationId="{71DD4476-5570-B562-B1EA-F3653F25F252}"/>
           </ac:spMkLst>
         </pc:spChg>
+        <pc:spChg chg="mod">
+          <ac:chgData name="Himmelbauer, Clara" userId="12d7e35a-e13e-4c49-b9be-a181bf83ad46" providerId="ADAL" clId="{26A58844-2FB7-4F90-9501-5CC089926BE8}" dt="2025-02-14T15:33:33.856" v="1997" actId="27636"/>
+          <ac:spMkLst>
+            <pc:docMk/>
+            <pc:sldMk cId="687750663" sldId="265"/>
+            <ac:spMk id="5" creationId="{B3E7E42D-C360-5C83-5ACE-B1396D0B8B0C}"/>
+          </ac:spMkLst>
+        </pc:spChg>
       </pc:sldChg>
       <pc:sldChg chg="new del ord">
         <pc:chgData name="Himmelbauer, Clara" userId="12d7e35a-e13e-4c49-b9be-a181bf83ad46" providerId="ADAL" clId="{26A58844-2FB7-4F90-9501-5CC089926BE8}" dt="2025-02-06T16:43:06.451" v="693" actId="2696"/>
@@ -376,8 +421,8 @@
           <pc:sldMk cId="1814066068" sldId="266"/>
         </pc:sldMkLst>
       </pc:sldChg>
-      <pc:sldChg chg="addSp delSp modSp new mod ord">
-        <pc:chgData name="Himmelbauer, Clara" userId="12d7e35a-e13e-4c49-b9be-a181bf83ad46" providerId="ADAL" clId="{26A58844-2FB7-4F90-9501-5CC089926BE8}" dt="2025-02-06T16:45:20.719" v="810" actId="1076"/>
+      <pc:sldChg chg="addSp delSp modSp new mod ord modAnim">
+        <pc:chgData name="Himmelbauer, Clara" userId="12d7e35a-e13e-4c49-b9be-a181bf83ad46" providerId="ADAL" clId="{26A58844-2FB7-4F90-9501-5CC089926BE8}" dt="2025-02-14T15:33:33.786" v="1985" actId="27636"/>
         <pc:sldMkLst>
           <pc:docMk/>
           <pc:sldMk cId="1368333132" sldId="267"/>
@@ -390,24 +435,48 @@
             <ac:spMk id="2" creationId="{2236A51D-002B-D99F-E2D1-2CA94C39C13E}"/>
           </ac:spMkLst>
         </pc:spChg>
-        <pc:spChg chg="add del mod">
-          <ac:chgData name="Himmelbauer, Clara" userId="12d7e35a-e13e-4c49-b9be-a181bf83ad46" providerId="ADAL" clId="{26A58844-2FB7-4F90-9501-5CC089926BE8}" dt="2025-02-06T16:43:29.524" v="729" actId="3680"/>
+        <pc:spChg chg="del">
+          <ac:chgData name="Himmelbauer, Clara" userId="12d7e35a-e13e-4c49-b9be-a181bf83ad46" providerId="ADAL" clId="{26A58844-2FB7-4F90-9501-5CC089926BE8}" dt="2025-02-14T14:53:52.768" v="812"/>
           <ac:spMkLst>
             <pc:docMk/>
             <pc:sldMk cId="1368333132" sldId="267"/>
-            <ac:spMk id="3" creationId="{ECE2AD14-DACF-15B1-8FD1-8FD0EA9B2DDC}"/>
+            <ac:spMk id="4" creationId="{FDA904B8-44EE-3666-ADC3-A3B0F91B04DF}"/>
           </ac:spMkLst>
         </pc:spChg>
-        <pc:graphicFrameChg chg="add del mod ord modGraphic">
-          <ac:chgData name="Himmelbauer, Clara" userId="12d7e35a-e13e-4c49-b9be-a181bf83ad46" providerId="ADAL" clId="{26A58844-2FB7-4F90-9501-5CC089926BE8}" dt="2025-02-06T16:43:26.443" v="728" actId="3680"/>
+        <pc:spChg chg="add mod">
+          <ac:chgData name="Himmelbauer, Clara" userId="12d7e35a-e13e-4c49-b9be-a181bf83ad46" providerId="ADAL" clId="{26A58844-2FB7-4F90-9501-5CC089926BE8}" dt="2025-02-14T15:00:43.276" v="1010" actId="20577"/>
+          <ac:spMkLst>
+            <pc:docMk/>
+            <pc:sldMk cId="1368333132" sldId="267"/>
+            <ac:spMk id="7" creationId="{88E3934B-7E44-7944-33A5-D96EA4980EC6}"/>
+          </ac:spMkLst>
+        </pc:spChg>
+        <pc:spChg chg="mod">
+          <ac:chgData name="Himmelbauer, Clara" userId="12d7e35a-e13e-4c49-b9be-a181bf83ad46" providerId="ADAL" clId="{26A58844-2FB7-4F90-9501-5CC089926BE8}" dt="2025-02-14T15:33:33.786" v="1985" actId="27636"/>
+          <ac:spMkLst>
+            <pc:docMk/>
+            <pc:sldMk cId="1368333132" sldId="267"/>
+            <ac:spMk id="9" creationId="{B75AFD40-371D-62CC-3A43-D33984754868}"/>
+          </ac:spMkLst>
+        </pc:spChg>
+        <pc:graphicFrameChg chg="add mod">
+          <ac:chgData name="Himmelbauer, Clara" userId="12d7e35a-e13e-4c49-b9be-a181bf83ad46" providerId="ADAL" clId="{26A58844-2FB7-4F90-9501-5CC089926BE8}" dt="2025-02-14T14:56:14.545" v="876" actId="14100"/>
           <ac:graphicFrameMkLst>
             <pc:docMk/>
             <pc:sldMk cId="1368333132" sldId="267"/>
-            <ac:graphicFrameMk id="5" creationId="{AC264F7F-E13E-4185-00F9-E5E4665EE62F}"/>
+            <ac:graphicFrameMk id="3" creationId="{E91C3302-3212-4B6A-8208-514EE0DC525F}"/>
+          </ac:graphicFrameMkLst>
+        </pc:graphicFrameChg>
+        <pc:graphicFrameChg chg="add mod">
+          <ac:chgData name="Himmelbauer, Clara" userId="12d7e35a-e13e-4c49-b9be-a181bf83ad46" providerId="ADAL" clId="{26A58844-2FB7-4F90-9501-5CC089926BE8}" dt="2025-02-14T14:56:53.046" v="880"/>
+          <ac:graphicFrameMkLst>
+            <pc:docMk/>
+            <pc:sldMk cId="1368333132" sldId="267"/>
+            <ac:graphicFrameMk id="5" creationId="{E91C3302-3212-4B6A-8208-514EE0DC525F}"/>
           </ac:graphicFrameMkLst>
         </pc:graphicFrameChg>
         <pc:graphicFrameChg chg="add mod ord modGraphic">
-          <ac:chgData name="Himmelbauer, Clara" userId="12d7e35a-e13e-4c49-b9be-a181bf83ad46" providerId="ADAL" clId="{26A58844-2FB7-4F90-9501-5CC089926BE8}" dt="2025-02-06T16:45:20.719" v="810" actId="1076"/>
+          <ac:chgData name="Himmelbauer, Clara" userId="12d7e35a-e13e-4c49-b9be-a181bf83ad46" providerId="ADAL" clId="{26A58844-2FB7-4F90-9501-5CC089926BE8}" dt="2025-02-14T15:05:52.263" v="1036"/>
           <ac:graphicFrameMkLst>
             <pc:docMk/>
             <pc:sldMk cId="1368333132" sldId="267"/>
@@ -415,12 +484,1852 @@
           </ac:graphicFrameMkLst>
         </pc:graphicFrameChg>
       </pc:sldChg>
+      <pc:sldChg chg="addSp delSp modSp new mod modAnim">
+        <pc:chgData name="Himmelbauer, Clara" userId="12d7e35a-e13e-4c49-b9be-a181bf83ad46" providerId="ADAL" clId="{26A58844-2FB7-4F90-9501-5CC089926BE8}" dt="2025-02-14T15:33:33.803" v="1987" actId="27636"/>
+        <pc:sldMkLst>
+          <pc:docMk/>
+          <pc:sldMk cId="1577236126" sldId="268"/>
+        </pc:sldMkLst>
+        <pc:spChg chg="mod">
+          <ac:chgData name="Himmelbauer, Clara" userId="12d7e35a-e13e-4c49-b9be-a181bf83ad46" providerId="ADAL" clId="{26A58844-2FB7-4F90-9501-5CC089926BE8}" dt="2025-02-14T15:12:32.953" v="1261" actId="20577"/>
+          <ac:spMkLst>
+            <pc:docMk/>
+            <pc:sldMk cId="1577236126" sldId="268"/>
+            <ac:spMk id="2" creationId="{08DF9AF6-C3AF-B2EF-5CC2-EFAE60243826}"/>
+          </ac:spMkLst>
+        </pc:spChg>
+        <pc:spChg chg="del">
+          <ac:chgData name="Himmelbauer, Clara" userId="12d7e35a-e13e-4c49-b9be-a181bf83ad46" providerId="ADAL" clId="{26A58844-2FB7-4F90-9501-5CC089926BE8}" dt="2025-02-14T15:13:51.244" v="1262" actId="478"/>
+          <ac:spMkLst>
+            <pc:docMk/>
+            <pc:sldMk cId="1577236126" sldId="268"/>
+            <ac:spMk id="3" creationId="{CDEFAE27-0214-629F-02BA-0A62CB4F8405}"/>
+          </ac:spMkLst>
+        </pc:spChg>
+        <pc:spChg chg="del">
+          <ac:chgData name="Himmelbauer, Clara" userId="12d7e35a-e13e-4c49-b9be-a181bf83ad46" providerId="ADAL" clId="{26A58844-2FB7-4F90-9501-5CC089926BE8}" dt="2025-02-14T15:13:53.548" v="1263" actId="478"/>
+          <ac:spMkLst>
+            <pc:docMk/>
+            <pc:sldMk cId="1577236126" sldId="268"/>
+            <ac:spMk id="4" creationId="{1B967E4E-49F8-0846-B54F-D5BEBCBA6669}"/>
+          </ac:spMkLst>
+        </pc:spChg>
+        <pc:spChg chg="add del mod">
+          <ac:chgData name="Himmelbauer, Clara" userId="12d7e35a-e13e-4c49-b9be-a181bf83ad46" providerId="ADAL" clId="{26A58844-2FB7-4F90-9501-5CC089926BE8}" dt="2025-02-14T15:14:02.768" v="1266"/>
+          <ac:spMkLst>
+            <pc:docMk/>
+            <pc:sldMk cId="1577236126" sldId="268"/>
+            <ac:spMk id="5" creationId="{9E232D34-B976-730B-C969-6588EFF06E54}"/>
+          </ac:spMkLst>
+        </pc:spChg>
+        <pc:spChg chg="add mod">
+          <ac:chgData name="Himmelbauer, Clara" userId="12d7e35a-e13e-4c49-b9be-a181bf83ad46" providerId="ADAL" clId="{26A58844-2FB7-4F90-9501-5CC089926BE8}" dt="2025-02-14T15:18:06.038" v="1313" actId="164"/>
+          <ac:spMkLst>
+            <pc:docMk/>
+            <pc:sldMk cId="1577236126" sldId="268"/>
+            <ac:spMk id="7" creationId="{E938058F-E636-9839-D31C-57738A9ED5DE}"/>
+          </ac:spMkLst>
+        </pc:spChg>
+        <pc:spChg chg="add mod">
+          <ac:chgData name="Himmelbauer, Clara" userId="12d7e35a-e13e-4c49-b9be-a181bf83ad46" providerId="ADAL" clId="{26A58844-2FB7-4F90-9501-5CC089926BE8}" dt="2025-02-14T15:18:06.038" v="1313" actId="164"/>
+          <ac:spMkLst>
+            <pc:docMk/>
+            <pc:sldMk cId="1577236126" sldId="268"/>
+            <ac:spMk id="8" creationId="{BE21E40E-1EFD-93E4-266B-34C0B80243D7}"/>
+          </ac:spMkLst>
+        </pc:spChg>
+        <pc:spChg chg="add mod">
+          <ac:chgData name="Himmelbauer, Clara" userId="12d7e35a-e13e-4c49-b9be-a181bf83ad46" providerId="ADAL" clId="{26A58844-2FB7-4F90-9501-5CC089926BE8}" dt="2025-02-14T15:18:06.038" v="1313" actId="164"/>
+          <ac:spMkLst>
+            <pc:docMk/>
+            <pc:sldMk cId="1577236126" sldId="268"/>
+            <ac:spMk id="9" creationId="{E3BC3924-033D-379E-0EAC-6654E7800FA2}"/>
+          </ac:spMkLst>
+        </pc:spChg>
+        <pc:spChg chg="add mod">
+          <ac:chgData name="Himmelbauer, Clara" userId="12d7e35a-e13e-4c49-b9be-a181bf83ad46" providerId="ADAL" clId="{26A58844-2FB7-4F90-9501-5CC089926BE8}" dt="2025-02-14T15:18:06.038" v="1313" actId="164"/>
+          <ac:spMkLst>
+            <pc:docMk/>
+            <pc:sldMk cId="1577236126" sldId="268"/>
+            <ac:spMk id="10" creationId="{9E9E395C-16B2-3D66-AC2B-817C966DC5F1}"/>
+          </ac:spMkLst>
+        </pc:spChg>
+        <pc:spChg chg="add mod">
+          <ac:chgData name="Himmelbauer, Clara" userId="12d7e35a-e13e-4c49-b9be-a181bf83ad46" providerId="ADAL" clId="{26A58844-2FB7-4F90-9501-5CC089926BE8}" dt="2025-02-14T15:18:06.038" v="1313" actId="164"/>
+          <ac:spMkLst>
+            <pc:docMk/>
+            <pc:sldMk cId="1577236126" sldId="268"/>
+            <ac:spMk id="11" creationId="{E48C39C6-1B0A-40D5-0C39-133D7531BF4A}"/>
+          </ac:spMkLst>
+        </pc:spChg>
+        <pc:spChg chg="mod">
+          <ac:chgData name="Himmelbauer, Clara" userId="12d7e35a-e13e-4c49-b9be-a181bf83ad46" providerId="ADAL" clId="{26A58844-2FB7-4F90-9501-5CC089926BE8}" dt="2025-02-14T15:33:33.803" v="1987" actId="27636"/>
+          <ac:spMkLst>
+            <pc:docMk/>
+            <pc:sldMk cId="1577236126" sldId="268"/>
+            <ac:spMk id="14" creationId="{BCBBBD86-36CE-5F5A-27D2-510518E584A0}"/>
+          </ac:spMkLst>
+        </pc:spChg>
+        <pc:grpChg chg="add mod">
+          <ac:chgData name="Himmelbauer, Clara" userId="12d7e35a-e13e-4c49-b9be-a181bf83ad46" providerId="ADAL" clId="{26A58844-2FB7-4F90-9501-5CC089926BE8}" dt="2025-02-14T15:18:06.038" v="1313" actId="164"/>
+          <ac:grpSpMkLst>
+            <pc:docMk/>
+            <pc:sldMk cId="1577236126" sldId="268"/>
+            <ac:grpSpMk id="12" creationId="{DC25BA6E-843D-9D73-2655-F7106F304E26}"/>
+          </ac:grpSpMkLst>
+        </pc:grpChg>
+        <pc:graphicFrameChg chg="add mod">
+          <ac:chgData name="Himmelbauer, Clara" userId="12d7e35a-e13e-4c49-b9be-a181bf83ad46" providerId="ADAL" clId="{26A58844-2FB7-4F90-9501-5CC089926BE8}" dt="2025-02-14T15:15:12.960" v="1274" actId="34135"/>
+          <ac:graphicFrameMkLst>
+            <pc:docMk/>
+            <pc:sldMk cId="1577236126" sldId="268"/>
+            <ac:graphicFrameMk id="6" creationId="{BF92515A-37FA-47F8-B3A1-3447AE6F536C}"/>
+          </ac:graphicFrameMkLst>
+        </pc:graphicFrameChg>
+      </pc:sldChg>
+      <pc:sldChg chg="addSp delSp modSp add mod modAnim">
+        <pc:chgData name="Himmelbauer, Clara" userId="12d7e35a-e13e-4c49-b9be-a181bf83ad46" providerId="ADAL" clId="{26A58844-2FB7-4F90-9501-5CC089926BE8}" dt="2025-02-14T15:33:33.803" v="1986" actId="27636"/>
+        <pc:sldMkLst>
+          <pc:docMk/>
+          <pc:sldMk cId="1972135932" sldId="269"/>
+        </pc:sldMkLst>
+        <pc:spChg chg="mod">
+          <ac:chgData name="Himmelbauer, Clara" userId="12d7e35a-e13e-4c49-b9be-a181bf83ad46" providerId="ADAL" clId="{26A58844-2FB7-4F90-9501-5CC089926BE8}" dt="2025-02-14T15:12:12.114" v="1191" actId="20577"/>
+          <ac:spMkLst>
+            <pc:docMk/>
+            <pc:sldMk cId="1972135932" sldId="269"/>
+            <ac:spMk id="2" creationId="{914F389D-BA30-A740-8FD6-3AFDA7B8A889}"/>
+          </ac:spMkLst>
+        </pc:spChg>
+        <pc:spChg chg="add del mod">
+          <ac:chgData name="Himmelbauer, Clara" userId="12d7e35a-e13e-4c49-b9be-a181bf83ad46" providerId="ADAL" clId="{26A58844-2FB7-4F90-9501-5CC089926BE8}" dt="2025-02-14T15:06:08.051" v="1042" actId="478"/>
+          <ac:spMkLst>
+            <pc:docMk/>
+            <pc:sldMk cId="1972135932" sldId="269"/>
+            <ac:spMk id="5" creationId="{2DFFC354-A4C9-5E9A-8917-8B2670A5115F}"/>
+          </ac:spMkLst>
+        </pc:spChg>
+        <pc:spChg chg="del mod">
+          <ac:chgData name="Himmelbauer, Clara" userId="12d7e35a-e13e-4c49-b9be-a181bf83ad46" providerId="ADAL" clId="{26A58844-2FB7-4F90-9501-5CC089926BE8}" dt="2025-02-14T15:08:28.553" v="1112" actId="478"/>
+          <ac:spMkLst>
+            <pc:docMk/>
+            <pc:sldMk cId="1972135932" sldId="269"/>
+            <ac:spMk id="7" creationId="{E83A0256-DFEB-66DF-7932-DE1B50037CD9}"/>
+          </ac:spMkLst>
+        </pc:spChg>
+        <pc:spChg chg="add del mod">
+          <ac:chgData name="Himmelbauer, Clara" userId="12d7e35a-e13e-4c49-b9be-a181bf83ad46" providerId="ADAL" clId="{26A58844-2FB7-4F90-9501-5CC089926BE8}" dt="2025-02-14T15:07:37.820" v="1101"/>
+          <ac:spMkLst>
+            <pc:docMk/>
+            <pc:sldMk cId="1972135932" sldId="269"/>
+            <ac:spMk id="11" creationId="{B4204B03-2C39-5CD8-6C01-7C63DEFA916A}"/>
+          </ac:spMkLst>
+        </pc:spChg>
+        <pc:spChg chg="add">
+          <ac:chgData name="Himmelbauer, Clara" userId="12d7e35a-e13e-4c49-b9be-a181bf83ad46" providerId="ADAL" clId="{26A58844-2FB7-4F90-9501-5CC089926BE8}" dt="2025-02-14T15:10:06.518" v="1113"/>
+          <ac:spMkLst>
+            <pc:docMk/>
+            <pc:sldMk cId="1972135932" sldId="269"/>
+            <ac:spMk id="13" creationId="{AD5EE53A-E57F-B8A3-B053-BC1866F53F63}"/>
+          </ac:spMkLst>
+        </pc:spChg>
+        <pc:spChg chg="add mod">
+          <ac:chgData name="Himmelbauer, Clara" userId="12d7e35a-e13e-4c49-b9be-a181bf83ad46" providerId="ADAL" clId="{26A58844-2FB7-4F90-9501-5CC089926BE8}" dt="2025-02-14T15:11:38.563" v="1157" actId="14100"/>
+          <ac:spMkLst>
+            <pc:docMk/>
+            <pc:sldMk cId="1972135932" sldId="269"/>
+            <ac:spMk id="14" creationId="{7599AAB2-DB64-2218-507F-DB2A3AC7E1E9}"/>
+          </ac:spMkLst>
+        </pc:spChg>
+        <pc:spChg chg="add">
+          <ac:chgData name="Himmelbauer, Clara" userId="12d7e35a-e13e-4c49-b9be-a181bf83ad46" providerId="ADAL" clId="{26A58844-2FB7-4F90-9501-5CC089926BE8}" dt="2025-02-14T15:10:28.433" v="1117"/>
+          <ac:spMkLst>
+            <pc:docMk/>
+            <pc:sldMk cId="1972135932" sldId="269"/>
+            <ac:spMk id="15" creationId="{EB08B462-16D9-CC01-2485-5AE88741E862}"/>
+          </ac:spMkLst>
+        </pc:spChg>
+        <pc:spChg chg="add">
+          <ac:chgData name="Himmelbauer, Clara" userId="12d7e35a-e13e-4c49-b9be-a181bf83ad46" providerId="ADAL" clId="{26A58844-2FB7-4F90-9501-5CC089926BE8}" dt="2025-02-14T15:10:32.707" v="1118"/>
+          <ac:spMkLst>
+            <pc:docMk/>
+            <pc:sldMk cId="1972135932" sldId="269"/>
+            <ac:spMk id="16" creationId="{50AE2770-F393-9793-78AD-52773C542B40}"/>
+          </ac:spMkLst>
+        </pc:spChg>
+        <pc:spChg chg="add">
+          <ac:chgData name="Himmelbauer, Clara" userId="12d7e35a-e13e-4c49-b9be-a181bf83ad46" providerId="ADAL" clId="{26A58844-2FB7-4F90-9501-5CC089926BE8}" dt="2025-02-14T15:10:35.535" v="1119"/>
+          <ac:spMkLst>
+            <pc:docMk/>
+            <pc:sldMk cId="1972135932" sldId="269"/>
+            <ac:spMk id="17" creationId="{30606458-B032-13AB-7C84-1437499FE8D2}"/>
+          </ac:spMkLst>
+        </pc:spChg>
+        <pc:spChg chg="mod">
+          <ac:chgData name="Himmelbauer, Clara" userId="12d7e35a-e13e-4c49-b9be-a181bf83ad46" providerId="ADAL" clId="{26A58844-2FB7-4F90-9501-5CC089926BE8}" dt="2025-02-14T15:33:33.803" v="1986" actId="27636"/>
+          <ac:spMkLst>
+            <pc:docMk/>
+            <pc:sldMk cId="1972135932" sldId="269"/>
+            <ac:spMk id="19" creationId="{AD7AF727-0E65-4B11-C3E2-E538BE3E4E9E}"/>
+          </ac:spMkLst>
+        </pc:spChg>
+        <pc:graphicFrameChg chg="del">
+          <ac:chgData name="Himmelbauer, Clara" userId="12d7e35a-e13e-4c49-b9be-a181bf83ad46" providerId="ADAL" clId="{26A58844-2FB7-4F90-9501-5CC089926BE8}" dt="2025-02-14T15:07:31.490" v="1099" actId="478"/>
+          <ac:graphicFrameMkLst>
+            <pc:docMk/>
+            <pc:sldMk cId="1972135932" sldId="269"/>
+            <ac:graphicFrameMk id="3" creationId="{4F6DD39B-72D2-CC98-7CDD-CD94B6009983}"/>
+          </ac:graphicFrameMkLst>
+        </pc:graphicFrameChg>
+        <pc:graphicFrameChg chg="add del mod modGraphic">
+          <ac:chgData name="Himmelbauer, Clara" userId="12d7e35a-e13e-4c49-b9be-a181bf83ad46" providerId="ADAL" clId="{26A58844-2FB7-4F90-9501-5CC089926BE8}" dt="2025-02-14T15:07:21.420" v="1098" actId="20577"/>
+          <ac:graphicFrameMkLst>
+            <pc:docMk/>
+            <pc:sldMk cId="1972135932" sldId="269"/>
+            <ac:graphicFrameMk id="6" creationId="{D1AB6CBF-9B23-9BED-0CEB-F159E928D85C}"/>
+          </ac:graphicFrameMkLst>
+        </pc:graphicFrameChg>
+        <pc:graphicFrameChg chg="add mod">
+          <ac:chgData name="Himmelbauer, Clara" userId="12d7e35a-e13e-4c49-b9be-a181bf83ad46" providerId="ADAL" clId="{26A58844-2FB7-4F90-9501-5CC089926BE8}" dt="2025-02-14T15:05:28.307" v="1031"/>
+          <ac:graphicFrameMkLst>
+            <pc:docMk/>
+            <pc:sldMk cId="1972135932" sldId="269"/>
+            <ac:graphicFrameMk id="8" creationId="{64EC9247-132A-324F-C5F8-5C370457151E}"/>
+          </ac:graphicFrameMkLst>
+        </pc:graphicFrameChg>
+        <pc:graphicFrameChg chg="add del mod ord modGraphic">
+          <ac:chgData name="Himmelbauer, Clara" userId="12d7e35a-e13e-4c49-b9be-a181bf83ad46" providerId="ADAL" clId="{26A58844-2FB7-4F90-9501-5CC089926BE8}" dt="2025-02-14T15:06:07.598" v="1041" actId="3680"/>
+          <ac:graphicFrameMkLst>
+            <pc:docMk/>
+            <pc:sldMk cId="1972135932" sldId="269"/>
+            <ac:graphicFrameMk id="9" creationId="{EF137BB7-8508-AA1A-4278-59A5969A5BE5}"/>
+          </ac:graphicFrameMkLst>
+        </pc:graphicFrameChg>
+        <pc:graphicFrameChg chg="add mod">
+          <ac:chgData name="Himmelbauer, Clara" userId="12d7e35a-e13e-4c49-b9be-a181bf83ad46" providerId="ADAL" clId="{26A58844-2FB7-4F90-9501-5CC089926BE8}" dt="2025-02-14T15:08:20.374" v="1111" actId="14100"/>
+          <ac:graphicFrameMkLst>
+            <pc:docMk/>
+            <pc:sldMk cId="1972135932" sldId="269"/>
+            <ac:graphicFrameMk id="12" creationId="{BF92515A-37FA-47F8-B3A1-3447AE6F536C}"/>
+          </ac:graphicFrameMkLst>
+        </pc:graphicFrameChg>
+      </pc:sldChg>
+      <pc:sldChg chg="modSp new mod">
+        <pc:chgData name="Himmelbauer, Clara" userId="12d7e35a-e13e-4c49-b9be-a181bf83ad46" providerId="ADAL" clId="{26A58844-2FB7-4F90-9501-5CC089926BE8}" dt="2025-02-14T15:46:53.532" v="2460" actId="20577"/>
+        <pc:sldMkLst>
+          <pc:docMk/>
+          <pc:sldMk cId="3274048661" sldId="270"/>
+        </pc:sldMkLst>
+        <pc:spChg chg="mod">
+          <ac:chgData name="Himmelbauer, Clara" userId="12d7e35a-e13e-4c49-b9be-a181bf83ad46" providerId="ADAL" clId="{26A58844-2FB7-4F90-9501-5CC089926BE8}" dt="2025-02-14T15:46:48.342" v="2431" actId="20577"/>
+          <ac:spMkLst>
+            <pc:docMk/>
+            <pc:sldMk cId="3274048661" sldId="270"/>
+            <ac:spMk id="2" creationId="{72D063B7-920E-99CF-ED69-5C505F27D448}"/>
+          </ac:spMkLst>
+        </pc:spChg>
+        <pc:spChg chg="mod">
+          <ac:chgData name="Himmelbauer, Clara" userId="12d7e35a-e13e-4c49-b9be-a181bf83ad46" providerId="ADAL" clId="{26A58844-2FB7-4F90-9501-5CC089926BE8}" dt="2025-02-14T15:46:53.532" v="2460" actId="20577"/>
+          <ac:spMkLst>
+            <pc:docMk/>
+            <pc:sldMk cId="3274048661" sldId="270"/>
+            <ac:spMk id="3" creationId="{CE01CBFB-C7A0-A578-95B9-6D9198EFAA2B}"/>
+          </ac:spMkLst>
+        </pc:spChg>
+        <pc:spChg chg="mod">
+          <ac:chgData name="Himmelbauer, Clara" userId="12d7e35a-e13e-4c49-b9be-a181bf83ad46" providerId="ADAL" clId="{26A58844-2FB7-4F90-9501-5CC089926BE8}" dt="2025-02-14T15:42:15.532" v="2110" actId="27636"/>
+          <ac:spMkLst>
+            <pc:docMk/>
+            <pc:sldMk cId="3274048661" sldId="270"/>
+            <ac:spMk id="5" creationId="{AEC9DD78-CC11-233B-12E1-03CA8E258FC2}"/>
+          </ac:spMkLst>
+        </pc:spChg>
+      </pc:sldChg>
+      <pc:sldChg chg="modSp new mod">
+        <pc:chgData name="Himmelbauer, Clara" userId="12d7e35a-e13e-4c49-b9be-a181bf83ad46" providerId="ADAL" clId="{26A58844-2FB7-4F90-9501-5CC089926BE8}" dt="2025-02-14T15:43:13.775" v="2247" actId="20577"/>
+        <pc:sldMkLst>
+          <pc:docMk/>
+          <pc:sldMk cId="2580471319" sldId="271"/>
+        </pc:sldMkLst>
+        <pc:spChg chg="mod">
+          <ac:chgData name="Himmelbauer, Clara" userId="12d7e35a-e13e-4c49-b9be-a181bf83ad46" providerId="ADAL" clId="{26A58844-2FB7-4F90-9501-5CC089926BE8}" dt="2025-02-14T15:43:03.213" v="2188" actId="20577"/>
+          <ac:spMkLst>
+            <pc:docMk/>
+            <pc:sldMk cId="2580471319" sldId="271"/>
+            <ac:spMk id="2" creationId="{4305337E-AC67-7FCE-EF39-E9B60053183A}"/>
+          </ac:spMkLst>
+        </pc:spChg>
+        <pc:spChg chg="mod">
+          <ac:chgData name="Himmelbauer, Clara" userId="12d7e35a-e13e-4c49-b9be-a181bf83ad46" providerId="ADAL" clId="{26A58844-2FB7-4F90-9501-5CC089926BE8}" dt="2025-02-14T15:43:13.775" v="2247" actId="20577"/>
+          <ac:spMkLst>
+            <pc:docMk/>
+            <pc:sldMk cId="2580471319" sldId="271"/>
+            <ac:spMk id="3" creationId="{27233127-5468-D201-174C-3A85568BA4C7}"/>
+          </ac:spMkLst>
+        </pc:spChg>
+      </pc:sldChg>
+      <pc:sldChg chg="modSp new mod">
+        <pc:chgData name="Himmelbauer, Clara" userId="12d7e35a-e13e-4c49-b9be-a181bf83ad46" providerId="ADAL" clId="{26A58844-2FB7-4F90-9501-5CC089926BE8}" dt="2025-02-14T15:45:58.449" v="2395" actId="27636"/>
+        <pc:sldMkLst>
+          <pc:docMk/>
+          <pc:sldMk cId="1092695825" sldId="272"/>
+        </pc:sldMkLst>
+        <pc:spChg chg="mod">
+          <ac:chgData name="Himmelbauer, Clara" userId="12d7e35a-e13e-4c49-b9be-a181bf83ad46" providerId="ADAL" clId="{26A58844-2FB7-4F90-9501-5CC089926BE8}" dt="2025-02-14T15:44:09.014" v="2283" actId="20577"/>
+          <ac:spMkLst>
+            <pc:docMk/>
+            <pc:sldMk cId="1092695825" sldId="272"/>
+            <ac:spMk id="2" creationId="{EAA1EB89-0DA5-8B12-35B9-45D2002014C9}"/>
+          </ac:spMkLst>
+        </pc:spChg>
+        <pc:spChg chg="mod">
+          <ac:chgData name="Himmelbauer, Clara" userId="12d7e35a-e13e-4c49-b9be-a181bf83ad46" providerId="ADAL" clId="{26A58844-2FB7-4F90-9501-5CC089926BE8}" dt="2025-02-14T15:45:58.449" v="2395" actId="27636"/>
+          <ac:spMkLst>
+            <pc:docMk/>
+            <pc:sldMk cId="1092695825" sldId="272"/>
+            <ac:spMk id="3" creationId="{E1798F2C-FE89-ED24-D240-6CC575BDD404}"/>
+          </ac:spMkLst>
+        </pc:spChg>
+      </pc:sldChg>
+      <pc:sldMasterChg chg="modSp mod modSldLayout">
+        <pc:chgData name="Himmelbauer, Clara" userId="12d7e35a-e13e-4c49-b9be-a181bf83ad46" providerId="ADAL" clId="{26A58844-2FB7-4F90-9501-5CC089926BE8}" dt="2025-02-14T15:34:07.440" v="2021" actId="20577"/>
+        <pc:sldMasterMkLst>
+          <pc:docMk/>
+          <pc:sldMasterMk cId="1735365149" sldId="2147483714"/>
+        </pc:sldMasterMkLst>
+        <pc:spChg chg="mod">
+          <ac:chgData name="Himmelbauer, Clara" userId="12d7e35a-e13e-4c49-b9be-a181bf83ad46" providerId="ADAL" clId="{26A58844-2FB7-4F90-9501-5CC089926BE8}" dt="2025-02-14T15:31:18.609" v="1846" actId="20577"/>
+          <ac:spMkLst>
+            <pc:docMk/>
+            <pc:sldMasterMk cId="1735365149" sldId="2147483714"/>
+            <ac:spMk id="4" creationId="{00000000-0000-0000-0000-000000000000}"/>
+          </ac:spMkLst>
+        </pc:spChg>
+        <pc:spChg chg="mod">
+          <ac:chgData name="Himmelbauer, Clara" userId="12d7e35a-e13e-4c49-b9be-a181bf83ad46" providerId="ADAL" clId="{26A58844-2FB7-4F90-9501-5CC089926BE8}" dt="2025-02-14T15:34:07.440" v="2021" actId="20577"/>
+          <ac:spMkLst>
+            <pc:docMk/>
+            <pc:sldMasterMk cId="1735365149" sldId="2147483714"/>
+            <ac:spMk id="5" creationId="{00000000-0000-0000-0000-000000000000}"/>
+          </ac:spMkLst>
+        </pc:spChg>
+        <pc:sldLayoutChg chg="modSp mod">
+          <pc:chgData name="Himmelbauer, Clara" userId="12d7e35a-e13e-4c49-b9be-a181bf83ad46" providerId="ADAL" clId="{26A58844-2FB7-4F90-9501-5CC089926BE8}" dt="2025-02-14T15:34:01.108" v="2019" actId="20577"/>
+          <pc:sldLayoutMkLst>
+            <pc:docMk/>
+            <pc:sldMasterMk cId="1735365149" sldId="2147483714"/>
+            <pc:sldLayoutMk cId="1278097906" sldId="2147483715"/>
+          </pc:sldLayoutMkLst>
+          <pc:spChg chg="mod">
+            <ac:chgData name="Himmelbauer, Clara" userId="12d7e35a-e13e-4c49-b9be-a181bf83ad46" providerId="ADAL" clId="{26A58844-2FB7-4F90-9501-5CC089926BE8}" dt="2025-02-14T15:34:01.108" v="2019" actId="20577"/>
+            <ac:spMkLst>
+              <pc:docMk/>
+              <pc:sldMasterMk cId="1735365149" sldId="2147483714"/>
+              <pc:sldLayoutMk cId="1278097906" sldId="2147483715"/>
+              <ac:spMk id="5" creationId="{00000000-0000-0000-0000-000000000000}"/>
+            </ac:spMkLst>
+          </pc:spChg>
+        </pc:sldLayoutChg>
+        <pc:sldLayoutChg chg="modSp mod">
+          <pc:chgData name="Himmelbauer, Clara" userId="12d7e35a-e13e-4c49-b9be-a181bf83ad46" providerId="ADAL" clId="{26A58844-2FB7-4F90-9501-5CC089926BE8}" dt="2025-02-14T15:31:47.366" v="1868" actId="20577"/>
+          <pc:sldLayoutMkLst>
+            <pc:docMk/>
+            <pc:sldMasterMk cId="1735365149" sldId="2147483714"/>
+            <pc:sldLayoutMk cId="290952966" sldId="2147483716"/>
+          </pc:sldLayoutMkLst>
+          <pc:spChg chg="mod">
+            <ac:chgData name="Himmelbauer, Clara" userId="12d7e35a-e13e-4c49-b9be-a181bf83ad46" providerId="ADAL" clId="{26A58844-2FB7-4F90-9501-5CC089926BE8}" dt="2025-02-14T15:31:47.366" v="1868" actId="20577"/>
+            <ac:spMkLst>
+              <pc:docMk/>
+              <pc:sldMasterMk cId="1735365149" sldId="2147483714"/>
+              <pc:sldLayoutMk cId="290952966" sldId="2147483716"/>
+              <ac:spMk id="5" creationId="{00000000-0000-0000-0000-000000000000}"/>
+            </ac:spMkLst>
+          </pc:spChg>
+        </pc:sldLayoutChg>
+        <pc:sldLayoutChg chg="modSp mod">
+          <pc:chgData name="Himmelbauer, Clara" userId="12d7e35a-e13e-4c49-b9be-a181bf83ad46" providerId="ADAL" clId="{26A58844-2FB7-4F90-9501-5CC089926BE8}" dt="2025-02-14T15:32:46.984" v="1984" actId="20577"/>
+          <pc:sldLayoutMkLst>
+            <pc:docMk/>
+            <pc:sldMasterMk cId="1735365149" sldId="2147483714"/>
+            <pc:sldLayoutMk cId="4258150913" sldId="2147483717"/>
+          </pc:sldLayoutMkLst>
+          <pc:spChg chg="mod">
+            <ac:chgData name="Himmelbauer, Clara" userId="12d7e35a-e13e-4c49-b9be-a181bf83ad46" providerId="ADAL" clId="{26A58844-2FB7-4F90-9501-5CC089926BE8}" dt="2025-02-14T15:32:46.984" v="1984" actId="20577"/>
+            <ac:spMkLst>
+              <pc:docMk/>
+              <pc:sldMasterMk cId="1735365149" sldId="2147483714"/>
+              <pc:sldLayoutMk cId="4258150913" sldId="2147483717"/>
+              <ac:spMk id="5" creationId="{00000000-0000-0000-0000-000000000000}"/>
+            </ac:spMkLst>
+          </pc:spChg>
+        </pc:sldLayoutChg>
+        <pc:sldLayoutChg chg="modSp mod">
+          <pc:chgData name="Himmelbauer, Clara" userId="12d7e35a-e13e-4c49-b9be-a181bf83ad46" providerId="ADAL" clId="{26A58844-2FB7-4F90-9501-5CC089926BE8}" dt="2025-02-14T15:27:03.637" v="1770" actId="20577"/>
+          <pc:sldLayoutMkLst>
+            <pc:docMk/>
+            <pc:sldMasterMk cId="1735365149" sldId="2147483714"/>
+            <pc:sldLayoutMk cId="1144512035" sldId="2147483718"/>
+          </pc:sldLayoutMkLst>
+          <pc:spChg chg="mod">
+            <ac:chgData name="Himmelbauer, Clara" userId="12d7e35a-e13e-4c49-b9be-a181bf83ad46" providerId="ADAL" clId="{26A58844-2FB7-4F90-9501-5CC089926BE8}" dt="2025-02-14T15:27:03.637" v="1770" actId="20577"/>
+            <ac:spMkLst>
+              <pc:docMk/>
+              <pc:sldMasterMk cId="1735365149" sldId="2147483714"/>
+              <pc:sldLayoutMk cId="1144512035" sldId="2147483718"/>
+              <ac:spMk id="6" creationId="{00000000-0000-0000-0000-000000000000}"/>
+            </ac:spMkLst>
+          </pc:spChg>
+        </pc:sldLayoutChg>
+        <pc:sldLayoutChg chg="modSp mod">
+          <pc:chgData name="Himmelbauer, Clara" userId="12d7e35a-e13e-4c49-b9be-a181bf83ad46" providerId="ADAL" clId="{26A58844-2FB7-4F90-9501-5CC089926BE8}" dt="2025-02-14T15:32:40.703" v="1982" actId="20577"/>
+          <pc:sldLayoutMkLst>
+            <pc:docMk/>
+            <pc:sldMasterMk cId="1735365149" sldId="2147483714"/>
+            <pc:sldLayoutMk cId="2449433955" sldId="2147483719"/>
+          </pc:sldLayoutMkLst>
+          <pc:spChg chg="mod">
+            <ac:chgData name="Himmelbauer, Clara" userId="12d7e35a-e13e-4c49-b9be-a181bf83ad46" providerId="ADAL" clId="{26A58844-2FB7-4F90-9501-5CC089926BE8}" dt="2025-02-14T15:32:40.703" v="1982" actId="20577"/>
+            <ac:spMkLst>
+              <pc:docMk/>
+              <pc:sldMasterMk cId="1735365149" sldId="2147483714"/>
+              <pc:sldLayoutMk cId="2449433955" sldId="2147483719"/>
+              <ac:spMk id="8" creationId="{00000000-0000-0000-0000-000000000000}"/>
+            </ac:spMkLst>
+          </pc:spChg>
+        </pc:sldLayoutChg>
+        <pc:sldLayoutChg chg="modSp mod">
+          <pc:chgData name="Himmelbauer, Clara" userId="12d7e35a-e13e-4c49-b9be-a181bf83ad46" providerId="ADAL" clId="{26A58844-2FB7-4F90-9501-5CC089926BE8}" dt="2025-02-14T15:32:34.250" v="1966" actId="20577"/>
+          <pc:sldLayoutMkLst>
+            <pc:docMk/>
+            <pc:sldMasterMk cId="1735365149" sldId="2147483714"/>
+            <pc:sldLayoutMk cId="1644750812" sldId="2147483720"/>
+          </pc:sldLayoutMkLst>
+          <pc:spChg chg="mod">
+            <ac:chgData name="Himmelbauer, Clara" userId="12d7e35a-e13e-4c49-b9be-a181bf83ad46" providerId="ADAL" clId="{26A58844-2FB7-4F90-9501-5CC089926BE8}" dt="2025-02-14T15:32:34.250" v="1966" actId="20577"/>
+            <ac:spMkLst>
+              <pc:docMk/>
+              <pc:sldMasterMk cId="1735365149" sldId="2147483714"/>
+              <pc:sldLayoutMk cId="1644750812" sldId="2147483720"/>
+              <ac:spMk id="4" creationId="{00000000-0000-0000-0000-000000000000}"/>
+            </ac:spMkLst>
+          </pc:spChg>
+        </pc:sldLayoutChg>
+        <pc:sldLayoutChg chg="modSp mod">
+          <pc:chgData name="Himmelbauer, Clara" userId="12d7e35a-e13e-4c49-b9be-a181bf83ad46" providerId="ADAL" clId="{26A58844-2FB7-4F90-9501-5CC089926BE8}" dt="2025-02-14T15:32:28.914" v="1950" actId="20577"/>
+          <pc:sldLayoutMkLst>
+            <pc:docMk/>
+            <pc:sldMasterMk cId="1735365149" sldId="2147483714"/>
+            <pc:sldLayoutMk cId="253270363" sldId="2147483721"/>
+          </pc:sldLayoutMkLst>
+          <pc:spChg chg="mod">
+            <ac:chgData name="Himmelbauer, Clara" userId="12d7e35a-e13e-4c49-b9be-a181bf83ad46" providerId="ADAL" clId="{26A58844-2FB7-4F90-9501-5CC089926BE8}" dt="2025-02-14T15:32:28.914" v="1950" actId="20577"/>
+            <ac:spMkLst>
+              <pc:docMk/>
+              <pc:sldMasterMk cId="1735365149" sldId="2147483714"/>
+              <pc:sldLayoutMk cId="253270363" sldId="2147483721"/>
+              <ac:spMk id="3" creationId="{00000000-0000-0000-0000-000000000000}"/>
+            </ac:spMkLst>
+          </pc:spChg>
+        </pc:sldLayoutChg>
+        <pc:sldLayoutChg chg="modSp mod">
+          <pc:chgData name="Himmelbauer, Clara" userId="12d7e35a-e13e-4c49-b9be-a181bf83ad46" providerId="ADAL" clId="{26A58844-2FB7-4F90-9501-5CC089926BE8}" dt="2025-02-14T15:32:21.457" v="1932" actId="20577"/>
+          <pc:sldLayoutMkLst>
+            <pc:docMk/>
+            <pc:sldMasterMk cId="1735365149" sldId="2147483714"/>
+            <pc:sldLayoutMk cId="449034470" sldId="2147483722"/>
+          </pc:sldLayoutMkLst>
+          <pc:spChg chg="mod">
+            <ac:chgData name="Himmelbauer, Clara" userId="12d7e35a-e13e-4c49-b9be-a181bf83ad46" providerId="ADAL" clId="{26A58844-2FB7-4F90-9501-5CC089926BE8}" dt="2025-02-14T15:32:21.457" v="1932" actId="20577"/>
+            <ac:spMkLst>
+              <pc:docMk/>
+              <pc:sldMasterMk cId="1735365149" sldId="2147483714"/>
+              <pc:sldLayoutMk cId="449034470" sldId="2147483722"/>
+              <ac:spMk id="6" creationId="{00000000-0000-0000-0000-000000000000}"/>
+            </ac:spMkLst>
+          </pc:spChg>
+        </pc:sldLayoutChg>
+        <pc:sldLayoutChg chg="modSp mod">
+          <pc:chgData name="Himmelbauer, Clara" userId="12d7e35a-e13e-4c49-b9be-a181bf83ad46" providerId="ADAL" clId="{26A58844-2FB7-4F90-9501-5CC089926BE8}" dt="2025-02-14T15:32:16.028" v="1916" actId="20577"/>
+          <pc:sldLayoutMkLst>
+            <pc:docMk/>
+            <pc:sldMasterMk cId="1735365149" sldId="2147483714"/>
+            <pc:sldLayoutMk cId="248325774" sldId="2147483723"/>
+          </pc:sldLayoutMkLst>
+          <pc:spChg chg="mod">
+            <ac:chgData name="Himmelbauer, Clara" userId="12d7e35a-e13e-4c49-b9be-a181bf83ad46" providerId="ADAL" clId="{26A58844-2FB7-4F90-9501-5CC089926BE8}" dt="2025-02-14T15:32:16.028" v="1916" actId="20577"/>
+            <ac:spMkLst>
+              <pc:docMk/>
+              <pc:sldMasterMk cId="1735365149" sldId="2147483714"/>
+              <pc:sldLayoutMk cId="248325774" sldId="2147483723"/>
+              <ac:spMk id="6" creationId="{00000000-0000-0000-0000-000000000000}"/>
+            </ac:spMkLst>
+          </pc:spChg>
+        </pc:sldLayoutChg>
+        <pc:sldLayoutChg chg="modSp mod">
+          <pc:chgData name="Himmelbauer, Clara" userId="12d7e35a-e13e-4c49-b9be-a181bf83ad46" providerId="ADAL" clId="{26A58844-2FB7-4F90-9501-5CC089926BE8}" dt="2025-02-14T15:32:10.876" v="1900" actId="20577"/>
+          <pc:sldLayoutMkLst>
+            <pc:docMk/>
+            <pc:sldMasterMk cId="1735365149" sldId="2147483714"/>
+            <pc:sldLayoutMk cId="2121069891" sldId="2147483724"/>
+          </pc:sldLayoutMkLst>
+          <pc:spChg chg="mod">
+            <ac:chgData name="Himmelbauer, Clara" userId="12d7e35a-e13e-4c49-b9be-a181bf83ad46" providerId="ADAL" clId="{26A58844-2FB7-4F90-9501-5CC089926BE8}" dt="2025-02-14T15:32:10.876" v="1900" actId="20577"/>
+            <ac:spMkLst>
+              <pc:docMk/>
+              <pc:sldMasterMk cId="1735365149" sldId="2147483714"/>
+              <pc:sldLayoutMk cId="2121069891" sldId="2147483724"/>
+              <ac:spMk id="5" creationId="{00000000-0000-0000-0000-000000000000}"/>
+            </ac:spMkLst>
+          </pc:spChg>
+        </pc:sldLayoutChg>
+        <pc:sldLayoutChg chg="modSp mod">
+          <pc:chgData name="Himmelbauer, Clara" userId="12d7e35a-e13e-4c49-b9be-a181bf83ad46" providerId="ADAL" clId="{26A58844-2FB7-4F90-9501-5CC089926BE8}" dt="2025-02-14T15:32:03.850" v="1884" actId="20577"/>
+          <pc:sldLayoutMkLst>
+            <pc:docMk/>
+            <pc:sldMasterMk cId="1735365149" sldId="2147483714"/>
+            <pc:sldLayoutMk cId="929664761" sldId="2147483725"/>
+          </pc:sldLayoutMkLst>
+          <pc:spChg chg="mod">
+            <ac:chgData name="Himmelbauer, Clara" userId="12d7e35a-e13e-4c49-b9be-a181bf83ad46" providerId="ADAL" clId="{26A58844-2FB7-4F90-9501-5CC089926BE8}" dt="2025-02-14T15:32:03.850" v="1884" actId="20577"/>
+            <ac:spMkLst>
+              <pc:docMk/>
+              <pc:sldMasterMk cId="1735365149" sldId="2147483714"/>
+              <pc:sldLayoutMk cId="929664761" sldId="2147483725"/>
+              <ac:spMk id="5" creationId="{00000000-0000-0000-0000-000000000000}"/>
+            </ac:spMkLst>
+          </pc:spChg>
+        </pc:sldLayoutChg>
+      </pc:sldMasterChg>
     </pc:docChg>
   </pc:docChgLst>
 </pc:chgInfo>
 </file>
 
 <file path=ppt/charts/chart1.xml><?xml version="1.0" encoding="utf-8"?>
+<c:chartSpace xmlns:c="http://schemas.openxmlformats.org/drawingml/2006/chart" xmlns:a="http://schemas.openxmlformats.org/drawingml/2006/main" xmlns:r="http://schemas.openxmlformats.org/officeDocument/2006/relationships" xmlns:c16r2="http://schemas.microsoft.com/office/drawing/2015/06/chart">
+  <c:date1904 val="0"/>
+  <c:lang val="de-DE"/>
+  <c:roundedCorners val="0"/>
+  <mc:AlternateContent xmlns:mc="http://schemas.openxmlformats.org/markup-compatibility/2006">
+    <mc:Choice xmlns:c14="http://schemas.microsoft.com/office/drawing/2007/8/2/chart" Requires="c14">
+      <c14:style val="102"/>
+    </mc:Choice>
+    <mc:Fallback>
+      <c:style val="2"/>
+    </mc:Fallback>
+  </mc:AlternateContent>
+  <c:chart>
+    <c:autoTitleDeleted val="1"/>
+    <c:plotArea>
+      <c:layout/>
+      <c:scatterChart>
+        <c:scatterStyle val="lineMarker"/>
+        <c:varyColors val="0"/>
+        <c:ser>
+          <c:idx val="0"/>
+          <c:order val="0"/>
+          <c:spPr>
+            <a:ln w="25400" cap="rnd">
+              <a:noFill/>
+              <a:round/>
+            </a:ln>
+            <a:effectLst/>
+          </c:spPr>
+          <c:marker>
+            <c:symbol val="circle"/>
+            <c:size val="5"/>
+            <c:spPr>
+              <a:solidFill>
+                <a:schemeClr val="accent1"/>
+              </a:solidFill>
+              <a:ln w="9525">
+                <a:solidFill>
+                  <a:schemeClr val="accent1"/>
+                </a:solidFill>
+              </a:ln>
+              <a:effectLst/>
+            </c:spPr>
+          </c:marker>
+          <c:dLbls>
+            <c:dLbl>
+              <c:idx val="0"/>
+              <c:tx>
+                <c:rich>
+                  <a:bodyPr/>
+                  <a:lstStyle/>
+                  <a:p>
+                    <a:endParaRPr lang="en-US"/>
+                  </a:p>
+                </c:rich>
+              </c:tx>
+              <c:dLblPos val="t"/>
+              <c:showLegendKey val="0"/>
+              <c:showVal val="1"/>
+              <c:showCatName val="0"/>
+              <c:showSerName val="0"/>
+              <c:showPercent val="0"/>
+              <c:showBubbleSize val="0"/>
+              <c:extLst>
+                <c:ext xmlns:c15="http://schemas.microsoft.com/office/drawing/2012/chart" uri="{CE6537A1-D6FC-4f65-9D91-7224C49458BB}">
+                  <c15:showDataLabelsRange val="0"/>
+                </c:ext>
+                <c:ext xmlns:c16="http://schemas.microsoft.com/office/drawing/2014/chart" uri="{C3380CC4-5D6E-409C-BE32-E72D297353CC}">
+                  <c16:uniqueId val="{00000000-766A-4E35-B2B2-5B1A90D01432}"/>
+                </c:ext>
+              </c:extLst>
+            </c:dLbl>
+            <c:dLbl>
+              <c:idx val="1"/>
+              <c:delete val="1"/>
+              <c:extLst>
+                <c:ext xmlns:c15="http://schemas.microsoft.com/office/drawing/2012/chart" uri="{CE6537A1-D6FC-4f65-9D91-7224C49458BB}"/>
+                <c:ext xmlns:c16="http://schemas.microsoft.com/office/drawing/2014/chart" uri="{C3380CC4-5D6E-409C-BE32-E72D297353CC}">
+                  <c16:uniqueId val="{00000001-766A-4E35-B2B2-5B1A90D01432}"/>
+                </c:ext>
+              </c:extLst>
+            </c:dLbl>
+            <c:spPr>
+              <a:noFill/>
+              <a:ln>
+                <a:noFill/>
+              </a:ln>
+              <a:effectLst/>
+            </c:spPr>
+            <c:txPr>
+              <a:bodyPr rot="0" spcFirstLastPara="1" vertOverflow="ellipsis" vert="horz" wrap="square" anchor="ctr" anchorCtr="1"/>
+              <a:lstStyle/>
+              <a:p>
+                <a:pPr>
+                  <a:defRPr sz="1600" b="0" i="0" u="none" strike="noStrike" kern="1200" baseline="0">
+                    <a:solidFill>
+                      <a:schemeClr val="tx1"/>
+                    </a:solidFill>
+                    <a:latin typeface="+mn-lt"/>
+                    <a:ea typeface="+mn-ea"/>
+                    <a:cs typeface="+mn-cs"/>
+                  </a:defRPr>
+                </a:pPr>
+                <a:endParaRPr lang="de-DE"/>
+              </a:p>
+            </c:txPr>
+            <c:dLblPos val="t"/>
+            <c:showLegendKey val="0"/>
+            <c:showVal val="1"/>
+            <c:showCatName val="0"/>
+            <c:showSerName val="0"/>
+            <c:showPercent val="0"/>
+            <c:showBubbleSize val="0"/>
+            <c:showLeaderLines val="0"/>
+            <c:extLst>
+              <c:ext xmlns:c15="http://schemas.microsoft.com/office/drawing/2012/chart" uri="{CE6537A1-D6FC-4f65-9D91-7224C49458BB}">
+                <c15:showLeaderLines val="1"/>
+                <c15:leaderLines>
+                  <c:spPr>
+                    <a:ln w="9525" cap="flat" cmpd="sng" algn="ctr">
+                      <a:solidFill>
+                        <a:schemeClr val="tx1">
+                          <a:lumMod val="35000"/>
+                          <a:lumOff val="65000"/>
+                        </a:schemeClr>
+                      </a:solidFill>
+                      <a:round/>
+                    </a:ln>
+                    <a:effectLst/>
+                  </c:spPr>
+                </c15:leaderLines>
+              </c:ext>
+            </c:extLst>
+          </c:dLbls>
+          <c:trendline>
+            <c:spPr>
+              <a:ln w="19050" cap="rnd">
+                <a:solidFill>
+                  <a:schemeClr val="accent1"/>
+                </a:solidFill>
+                <a:prstDash val="sysDot"/>
+              </a:ln>
+              <a:effectLst/>
+            </c:spPr>
+            <c:trendlineType val="linear"/>
+            <c:forward val="0.5"/>
+            <c:backward val="0.30000000000000004"/>
+            <c:dispRSqr val="0"/>
+            <c:dispEq val="0"/>
+          </c:trendline>
+          <c:xVal>
+            <c:numRef>
+              <c:f>'lineare funktion'!$B$2:$B$3</c:f>
+              <c:numCache>
+                <c:formatCode>0%</c:formatCode>
+                <c:ptCount val="2"/>
+                <c:pt idx="0">
+                  <c:v>0.3</c:v>
+                </c:pt>
+                <c:pt idx="1">
+                  <c:v>0.5</c:v>
+                </c:pt>
+              </c:numCache>
+            </c:numRef>
+          </c:xVal>
+          <c:yVal>
+            <c:numRef>
+              <c:f>'lineare funktion'!$C$2:$C$3</c:f>
+              <c:numCache>
+                <c:formatCode>0%</c:formatCode>
+                <c:ptCount val="2"/>
+                <c:pt idx="0">
+                  <c:v>0.2</c:v>
+                </c:pt>
+                <c:pt idx="1">
+                  <c:v>0.45</c:v>
+                </c:pt>
+              </c:numCache>
+            </c:numRef>
+          </c:yVal>
+          <c:smooth val="0"/>
+          <c:extLst>
+            <c:ext xmlns:c16="http://schemas.microsoft.com/office/drawing/2014/chart" uri="{C3380CC4-5D6E-409C-BE32-E72D297353CC}">
+              <c16:uniqueId val="{00000003-766A-4E35-B2B2-5B1A90D01432}"/>
+            </c:ext>
+          </c:extLst>
+        </c:ser>
+        <c:dLbls>
+          <c:dLblPos val="t"/>
+          <c:showLegendKey val="0"/>
+          <c:showVal val="1"/>
+          <c:showCatName val="0"/>
+          <c:showSerName val="0"/>
+          <c:showPercent val="0"/>
+          <c:showBubbleSize val="0"/>
+        </c:dLbls>
+        <c:axId val="846280960"/>
+        <c:axId val="1160046928"/>
+      </c:scatterChart>
+      <c:valAx>
+        <c:axId val="846280960"/>
+        <c:scaling>
+          <c:orientation val="minMax"/>
+          <c:max val="0.60000000000000009"/>
+          <c:min val="0"/>
+        </c:scaling>
+        <c:delete val="0"/>
+        <c:axPos val="b"/>
+        <c:majorGridlines>
+          <c:spPr>
+            <a:ln w="9525" cap="flat" cmpd="sng" algn="ctr">
+              <a:solidFill>
+                <a:schemeClr val="tx1">
+                  <a:lumMod val="15000"/>
+                  <a:lumOff val="85000"/>
+                </a:schemeClr>
+              </a:solidFill>
+              <a:round/>
+            </a:ln>
+            <a:effectLst/>
+          </c:spPr>
+        </c:majorGridlines>
+        <c:minorGridlines>
+          <c:spPr>
+            <a:ln w="9525" cap="flat" cmpd="sng" algn="ctr">
+              <a:solidFill>
+                <a:schemeClr val="tx1">
+                  <a:lumMod val="5000"/>
+                  <a:lumOff val="95000"/>
+                </a:schemeClr>
+              </a:solidFill>
+              <a:round/>
+            </a:ln>
+            <a:effectLst/>
+          </c:spPr>
+        </c:minorGridlines>
+        <c:title>
+          <c:tx>
+            <c:rich>
+              <a:bodyPr rot="0" spcFirstLastPara="1" vertOverflow="ellipsis" vert="horz" wrap="square" anchor="ctr" anchorCtr="1"/>
+              <a:lstStyle/>
+              <a:p>
+                <a:pPr>
+                  <a:defRPr sz="1600" b="0" i="0" u="none" strike="noStrike" kern="1200" baseline="0">
+                    <a:solidFill>
+                      <a:schemeClr val="tx1"/>
+                    </a:solidFill>
+                    <a:latin typeface="+mn-lt"/>
+                    <a:ea typeface="+mn-ea"/>
+                    <a:cs typeface="+mn-cs"/>
+                  </a:defRPr>
+                </a:pPr>
+                <a:r>
+                  <a:rPr lang="de-AT"/>
+                  <a:t>ÖVP 2019</a:t>
+                </a:r>
+              </a:p>
+            </c:rich>
+          </c:tx>
+          <c:overlay val="0"/>
+          <c:spPr>
+            <a:noFill/>
+            <a:ln>
+              <a:noFill/>
+            </a:ln>
+            <a:effectLst/>
+          </c:spPr>
+          <c:txPr>
+            <a:bodyPr rot="0" spcFirstLastPara="1" vertOverflow="ellipsis" vert="horz" wrap="square" anchor="ctr" anchorCtr="1"/>
+            <a:lstStyle/>
+            <a:p>
+              <a:pPr>
+                <a:defRPr sz="1600" b="0" i="0" u="none" strike="noStrike" kern="1200" baseline="0">
+                  <a:solidFill>
+                    <a:schemeClr val="tx1"/>
+                  </a:solidFill>
+                  <a:latin typeface="+mn-lt"/>
+                  <a:ea typeface="+mn-ea"/>
+                  <a:cs typeface="+mn-cs"/>
+                </a:defRPr>
+              </a:pPr>
+              <a:endParaRPr lang="de-DE"/>
+            </a:p>
+          </c:txPr>
+        </c:title>
+        <c:numFmt formatCode="0%" sourceLinked="1"/>
+        <c:majorTickMark val="none"/>
+        <c:minorTickMark val="none"/>
+        <c:tickLblPos val="nextTo"/>
+        <c:spPr>
+          <a:noFill/>
+          <a:ln w="9525" cap="flat" cmpd="sng" algn="ctr">
+            <a:solidFill>
+              <a:schemeClr val="tx1">
+                <a:lumMod val="25000"/>
+                <a:lumOff val="75000"/>
+              </a:schemeClr>
+            </a:solidFill>
+            <a:round/>
+          </a:ln>
+          <a:effectLst/>
+        </c:spPr>
+        <c:txPr>
+          <a:bodyPr rot="-60000000" spcFirstLastPara="1" vertOverflow="ellipsis" vert="horz" wrap="square" anchor="ctr" anchorCtr="1"/>
+          <a:lstStyle/>
+          <a:p>
+            <a:pPr>
+              <a:defRPr sz="1600" b="0" i="0" u="none" strike="noStrike" kern="1200" baseline="0">
+                <a:solidFill>
+                  <a:schemeClr val="tx1"/>
+                </a:solidFill>
+                <a:latin typeface="+mn-lt"/>
+                <a:ea typeface="+mn-ea"/>
+                <a:cs typeface="+mn-cs"/>
+              </a:defRPr>
+            </a:pPr>
+            <a:endParaRPr lang="de-DE"/>
+          </a:p>
+        </c:txPr>
+        <c:crossAx val="1160046928"/>
+        <c:crosses val="autoZero"/>
+        <c:crossBetween val="midCat"/>
+        <c:minorUnit val="5.000000000000001E-2"/>
+      </c:valAx>
+      <c:valAx>
+        <c:axId val="1160046928"/>
+        <c:scaling>
+          <c:orientation val="minMax"/>
+          <c:max val="0.60000000000000009"/>
+          <c:min val="0"/>
+        </c:scaling>
+        <c:delete val="0"/>
+        <c:axPos val="l"/>
+        <c:majorGridlines>
+          <c:spPr>
+            <a:ln w="9525" cap="flat" cmpd="sng" algn="ctr">
+              <a:solidFill>
+                <a:schemeClr val="tx1">
+                  <a:lumMod val="15000"/>
+                  <a:lumOff val="85000"/>
+                </a:schemeClr>
+              </a:solidFill>
+              <a:round/>
+            </a:ln>
+            <a:effectLst/>
+          </c:spPr>
+        </c:majorGridlines>
+        <c:minorGridlines>
+          <c:spPr>
+            <a:ln w="9525" cap="flat" cmpd="sng" algn="ctr">
+              <a:solidFill>
+                <a:schemeClr val="tx1">
+                  <a:lumMod val="5000"/>
+                  <a:lumOff val="95000"/>
+                </a:schemeClr>
+              </a:solidFill>
+              <a:round/>
+            </a:ln>
+            <a:effectLst/>
+          </c:spPr>
+        </c:minorGridlines>
+        <c:title>
+          <c:tx>
+            <c:rich>
+              <a:bodyPr rot="-5400000" spcFirstLastPara="1" vertOverflow="ellipsis" vert="horz" wrap="square" anchor="ctr" anchorCtr="1"/>
+              <a:lstStyle/>
+              <a:p>
+                <a:pPr>
+                  <a:defRPr sz="1600" b="0" i="0" u="none" strike="noStrike" kern="1200" baseline="0">
+                    <a:solidFill>
+                      <a:schemeClr val="tx1"/>
+                    </a:solidFill>
+                    <a:latin typeface="+mn-lt"/>
+                    <a:ea typeface="+mn-ea"/>
+                    <a:cs typeface="+mn-cs"/>
+                  </a:defRPr>
+                </a:pPr>
+                <a:r>
+                  <a:rPr lang="de-AT"/>
+                  <a:t>ÖVP 2024</a:t>
+                </a:r>
+              </a:p>
+            </c:rich>
+          </c:tx>
+          <c:overlay val="0"/>
+          <c:spPr>
+            <a:noFill/>
+            <a:ln>
+              <a:noFill/>
+            </a:ln>
+            <a:effectLst/>
+          </c:spPr>
+          <c:txPr>
+            <a:bodyPr rot="-5400000" spcFirstLastPara="1" vertOverflow="ellipsis" vert="horz" wrap="square" anchor="ctr" anchorCtr="1"/>
+            <a:lstStyle/>
+            <a:p>
+              <a:pPr>
+                <a:defRPr sz="1600" b="0" i="0" u="none" strike="noStrike" kern="1200" baseline="0">
+                  <a:solidFill>
+                    <a:schemeClr val="tx1"/>
+                  </a:solidFill>
+                  <a:latin typeface="+mn-lt"/>
+                  <a:ea typeface="+mn-ea"/>
+                  <a:cs typeface="+mn-cs"/>
+                </a:defRPr>
+              </a:pPr>
+              <a:endParaRPr lang="de-DE"/>
+            </a:p>
+          </c:txPr>
+        </c:title>
+        <c:numFmt formatCode="0%" sourceLinked="1"/>
+        <c:majorTickMark val="none"/>
+        <c:minorTickMark val="none"/>
+        <c:tickLblPos val="nextTo"/>
+        <c:spPr>
+          <a:noFill/>
+          <a:ln w="9525" cap="flat" cmpd="sng" algn="ctr">
+            <a:solidFill>
+              <a:schemeClr val="tx1">
+                <a:lumMod val="25000"/>
+                <a:lumOff val="75000"/>
+              </a:schemeClr>
+            </a:solidFill>
+            <a:round/>
+          </a:ln>
+          <a:effectLst/>
+        </c:spPr>
+        <c:txPr>
+          <a:bodyPr rot="-60000000" spcFirstLastPara="1" vertOverflow="ellipsis" vert="horz" wrap="square" anchor="ctr" anchorCtr="1"/>
+          <a:lstStyle/>
+          <a:p>
+            <a:pPr>
+              <a:defRPr sz="1600" b="0" i="0" u="none" strike="noStrike" kern="1200" baseline="0">
+                <a:solidFill>
+                  <a:schemeClr val="tx1"/>
+                </a:solidFill>
+                <a:latin typeface="+mn-lt"/>
+                <a:ea typeface="+mn-ea"/>
+                <a:cs typeface="+mn-cs"/>
+              </a:defRPr>
+            </a:pPr>
+            <a:endParaRPr lang="de-DE"/>
+          </a:p>
+        </c:txPr>
+        <c:crossAx val="846280960"/>
+        <c:crosses val="autoZero"/>
+        <c:crossBetween val="midCat"/>
+        <c:majorUnit val="0.2"/>
+        <c:minorUnit val="5.000000000000001E-2"/>
+      </c:valAx>
+      <c:spPr>
+        <a:noFill/>
+        <a:ln>
+          <a:noFill/>
+        </a:ln>
+        <a:effectLst/>
+      </c:spPr>
+    </c:plotArea>
+    <c:plotVisOnly val="1"/>
+    <c:dispBlanksAs val="gap"/>
+    <c:extLst>
+      <c:ext xmlns:c16r3="http://schemas.microsoft.com/office/drawing/2017/03/chart" uri="{56B9EC1D-385E-4148-901F-78D8002777C0}">
+        <c16r3:dataDisplayOptions16>
+          <c16r3:dispNaAsBlank val="1"/>
+        </c16r3:dataDisplayOptions16>
+      </c:ext>
+    </c:extLst>
+    <c:showDLblsOverMax val="0"/>
+  </c:chart>
+  <c:spPr>
+    <a:noFill/>
+    <a:ln>
+      <a:noFill/>
+    </a:ln>
+    <a:effectLst/>
+  </c:spPr>
+  <c:txPr>
+    <a:bodyPr/>
+    <a:lstStyle/>
+    <a:p>
+      <a:pPr>
+        <a:defRPr sz="1600">
+          <a:solidFill>
+            <a:schemeClr val="tx1"/>
+          </a:solidFill>
+        </a:defRPr>
+      </a:pPr>
+      <a:endParaRPr lang="de-DE"/>
+    </a:p>
+  </c:txPr>
+  <c:externalData r:id="rId3">
+    <c:autoUpdate val="0"/>
+  </c:externalData>
+</c:chartSpace>
+</file>
+
+<file path=ppt/charts/chart2.xml><?xml version="1.0" encoding="utf-8"?>
+<c:chartSpace xmlns:c="http://schemas.openxmlformats.org/drawingml/2006/chart" xmlns:a="http://schemas.openxmlformats.org/drawingml/2006/main" xmlns:r="http://schemas.openxmlformats.org/officeDocument/2006/relationships" xmlns:c16r2="http://schemas.microsoft.com/office/drawing/2015/06/chart">
+  <c:date1904 val="0"/>
+  <c:lang val="de-DE"/>
+  <c:roundedCorners val="0"/>
+  <mc:AlternateContent xmlns:mc="http://schemas.openxmlformats.org/markup-compatibility/2006">
+    <mc:Choice xmlns:c14="http://schemas.microsoft.com/office/drawing/2007/8/2/chart" Requires="c14">
+      <c14:style val="102"/>
+    </mc:Choice>
+    <mc:Fallback>
+      <c:style val="2"/>
+    </mc:Fallback>
+  </mc:AlternateContent>
+  <c:chart>
+    <c:autoTitleDeleted val="1"/>
+    <c:plotArea>
+      <c:layout/>
+      <c:scatterChart>
+        <c:scatterStyle val="lineMarker"/>
+        <c:varyColors val="0"/>
+        <c:ser>
+          <c:idx val="0"/>
+          <c:order val="0"/>
+          <c:spPr>
+            <a:ln w="25400" cap="rnd">
+              <a:noFill/>
+              <a:round/>
+            </a:ln>
+            <a:effectLst/>
+          </c:spPr>
+          <c:marker>
+            <c:symbol val="circle"/>
+            <c:size val="5"/>
+            <c:spPr>
+              <a:solidFill>
+                <a:schemeClr val="accent1"/>
+              </a:solidFill>
+              <a:ln w="9525">
+                <a:solidFill>
+                  <a:schemeClr val="accent1"/>
+                </a:solidFill>
+              </a:ln>
+              <a:effectLst/>
+            </c:spPr>
+          </c:marker>
+          <c:dLbls>
+            <c:delete val="1"/>
+          </c:dLbls>
+          <c:trendline>
+            <c:spPr>
+              <a:ln w="19050" cap="rnd">
+                <a:solidFill>
+                  <a:schemeClr val="accent1"/>
+                </a:solidFill>
+                <a:prstDash val="sysDot"/>
+              </a:ln>
+              <a:effectLst/>
+            </c:spPr>
+            <c:trendlineType val="linear"/>
+            <c:forward val="0.5"/>
+            <c:backward val="0.30000000000000004"/>
+            <c:dispRSqr val="0"/>
+            <c:dispEq val="0"/>
+          </c:trendline>
+          <c:xVal>
+            <c:numRef>
+              <c:f>'lineare funktion'!$B$2:$B$6</c:f>
+              <c:numCache>
+                <c:formatCode>0%</c:formatCode>
+                <c:ptCount val="5"/>
+                <c:pt idx="0">
+                  <c:v>0.3</c:v>
+                </c:pt>
+                <c:pt idx="1">
+                  <c:v>0.5</c:v>
+                </c:pt>
+                <c:pt idx="2">
+                  <c:v>0.2</c:v>
+                </c:pt>
+                <c:pt idx="3">
+                  <c:v>0.55000000000000004</c:v>
+                </c:pt>
+                <c:pt idx="4">
+                  <c:v>0.4</c:v>
+                </c:pt>
+              </c:numCache>
+            </c:numRef>
+          </c:xVal>
+          <c:yVal>
+            <c:numRef>
+              <c:f>'lineare funktion'!$C$2:$C$6</c:f>
+              <c:numCache>
+                <c:formatCode>0%</c:formatCode>
+                <c:ptCount val="5"/>
+                <c:pt idx="0">
+                  <c:v>0.2</c:v>
+                </c:pt>
+                <c:pt idx="1">
+                  <c:v>0.45</c:v>
+                </c:pt>
+                <c:pt idx="2">
+                  <c:v>0.15</c:v>
+                </c:pt>
+                <c:pt idx="3">
+                  <c:v>0.3</c:v>
+                </c:pt>
+                <c:pt idx="4">
+                  <c:v>0.4</c:v>
+                </c:pt>
+              </c:numCache>
+            </c:numRef>
+          </c:yVal>
+          <c:smooth val="0"/>
+          <c:extLst>
+            <c:ext xmlns:c16="http://schemas.microsoft.com/office/drawing/2014/chart" uri="{C3380CC4-5D6E-409C-BE32-E72D297353CC}">
+              <c16:uniqueId val="{00000001-C450-4678-8570-B3D701EE45FC}"/>
+            </c:ext>
+          </c:extLst>
+        </c:ser>
+        <c:dLbls>
+          <c:dLblPos val="t"/>
+          <c:showLegendKey val="0"/>
+          <c:showVal val="1"/>
+          <c:showCatName val="0"/>
+          <c:showSerName val="0"/>
+          <c:showPercent val="0"/>
+          <c:showBubbleSize val="0"/>
+        </c:dLbls>
+        <c:axId val="846280960"/>
+        <c:axId val="1160046928"/>
+      </c:scatterChart>
+      <c:valAx>
+        <c:axId val="846280960"/>
+        <c:scaling>
+          <c:orientation val="minMax"/>
+          <c:max val="0.60000000000000009"/>
+          <c:min val="0"/>
+        </c:scaling>
+        <c:delete val="0"/>
+        <c:axPos val="b"/>
+        <c:majorGridlines>
+          <c:spPr>
+            <a:ln w="9525" cap="flat" cmpd="sng" algn="ctr">
+              <a:solidFill>
+                <a:schemeClr val="tx1">
+                  <a:lumMod val="15000"/>
+                  <a:lumOff val="85000"/>
+                </a:schemeClr>
+              </a:solidFill>
+              <a:round/>
+            </a:ln>
+            <a:effectLst/>
+          </c:spPr>
+        </c:majorGridlines>
+        <c:minorGridlines>
+          <c:spPr>
+            <a:ln w="9525" cap="flat" cmpd="sng" algn="ctr">
+              <a:solidFill>
+                <a:schemeClr val="tx1">
+                  <a:lumMod val="5000"/>
+                  <a:lumOff val="95000"/>
+                </a:schemeClr>
+              </a:solidFill>
+              <a:round/>
+            </a:ln>
+            <a:effectLst/>
+          </c:spPr>
+        </c:minorGridlines>
+        <c:title>
+          <c:tx>
+            <c:rich>
+              <a:bodyPr rot="0" spcFirstLastPara="1" vertOverflow="ellipsis" vert="horz" wrap="square" anchor="ctr" anchorCtr="1"/>
+              <a:lstStyle/>
+              <a:p>
+                <a:pPr>
+                  <a:defRPr sz="1600" b="0" i="0" u="none" strike="noStrike" kern="1200" baseline="0">
+                    <a:solidFill>
+                      <a:schemeClr val="tx1"/>
+                    </a:solidFill>
+                    <a:latin typeface="+mn-lt"/>
+                    <a:ea typeface="+mn-ea"/>
+                    <a:cs typeface="+mn-cs"/>
+                  </a:defRPr>
+                </a:pPr>
+                <a:r>
+                  <a:rPr lang="de-AT"/>
+                  <a:t>ÖVP 2019</a:t>
+                </a:r>
+              </a:p>
+            </c:rich>
+          </c:tx>
+          <c:overlay val="0"/>
+          <c:spPr>
+            <a:noFill/>
+            <a:ln>
+              <a:noFill/>
+            </a:ln>
+            <a:effectLst/>
+          </c:spPr>
+          <c:txPr>
+            <a:bodyPr rot="0" spcFirstLastPara="1" vertOverflow="ellipsis" vert="horz" wrap="square" anchor="ctr" anchorCtr="1"/>
+            <a:lstStyle/>
+            <a:p>
+              <a:pPr>
+                <a:defRPr sz="1600" b="0" i="0" u="none" strike="noStrike" kern="1200" baseline="0">
+                  <a:solidFill>
+                    <a:schemeClr val="tx1"/>
+                  </a:solidFill>
+                  <a:latin typeface="+mn-lt"/>
+                  <a:ea typeface="+mn-ea"/>
+                  <a:cs typeface="+mn-cs"/>
+                </a:defRPr>
+              </a:pPr>
+              <a:endParaRPr lang="de-DE"/>
+            </a:p>
+          </c:txPr>
+        </c:title>
+        <c:numFmt formatCode="0%" sourceLinked="1"/>
+        <c:majorTickMark val="none"/>
+        <c:minorTickMark val="none"/>
+        <c:tickLblPos val="nextTo"/>
+        <c:spPr>
+          <a:noFill/>
+          <a:ln w="9525" cap="flat" cmpd="sng" algn="ctr">
+            <a:solidFill>
+              <a:schemeClr val="tx1">
+                <a:lumMod val="25000"/>
+                <a:lumOff val="75000"/>
+              </a:schemeClr>
+            </a:solidFill>
+            <a:round/>
+          </a:ln>
+          <a:effectLst/>
+        </c:spPr>
+        <c:txPr>
+          <a:bodyPr rot="-60000000" spcFirstLastPara="1" vertOverflow="ellipsis" vert="horz" wrap="square" anchor="ctr" anchorCtr="1"/>
+          <a:lstStyle/>
+          <a:p>
+            <a:pPr>
+              <a:defRPr sz="1600" b="0" i="0" u="none" strike="noStrike" kern="1200" baseline="0">
+                <a:solidFill>
+                  <a:schemeClr val="tx1"/>
+                </a:solidFill>
+                <a:latin typeface="+mn-lt"/>
+                <a:ea typeface="+mn-ea"/>
+                <a:cs typeface="+mn-cs"/>
+              </a:defRPr>
+            </a:pPr>
+            <a:endParaRPr lang="de-DE"/>
+          </a:p>
+        </c:txPr>
+        <c:crossAx val="1160046928"/>
+        <c:crosses val="autoZero"/>
+        <c:crossBetween val="midCat"/>
+        <c:minorUnit val="5.000000000000001E-2"/>
+      </c:valAx>
+      <c:valAx>
+        <c:axId val="1160046928"/>
+        <c:scaling>
+          <c:orientation val="minMax"/>
+          <c:max val="0.60000000000000009"/>
+          <c:min val="0"/>
+        </c:scaling>
+        <c:delete val="0"/>
+        <c:axPos val="l"/>
+        <c:majorGridlines>
+          <c:spPr>
+            <a:ln w="9525" cap="flat" cmpd="sng" algn="ctr">
+              <a:solidFill>
+                <a:schemeClr val="tx1">
+                  <a:lumMod val="15000"/>
+                  <a:lumOff val="85000"/>
+                </a:schemeClr>
+              </a:solidFill>
+              <a:round/>
+            </a:ln>
+            <a:effectLst/>
+          </c:spPr>
+        </c:majorGridlines>
+        <c:minorGridlines>
+          <c:spPr>
+            <a:ln w="9525" cap="flat" cmpd="sng" algn="ctr">
+              <a:solidFill>
+                <a:schemeClr val="tx1">
+                  <a:lumMod val="5000"/>
+                  <a:lumOff val="95000"/>
+                </a:schemeClr>
+              </a:solidFill>
+              <a:round/>
+            </a:ln>
+            <a:effectLst/>
+          </c:spPr>
+        </c:minorGridlines>
+        <c:title>
+          <c:tx>
+            <c:rich>
+              <a:bodyPr rot="-5400000" spcFirstLastPara="1" vertOverflow="ellipsis" vert="horz" wrap="square" anchor="ctr" anchorCtr="1"/>
+              <a:lstStyle/>
+              <a:p>
+                <a:pPr>
+                  <a:defRPr sz="1600" b="0" i="0" u="none" strike="noStrike" kern="1200" baseline="0">
+                    <a:solidFill>
+                      <a:schemeClr val="tx1"/>
+                    </a:solidFill>
+                    <a:latin typeface="+mn-lt"/>
+                    <a:ea typeface="+mn-ea"/>
+                    <a:cs typeface="+mn-cs"/>
+                  </a:defRPr>
+                </a:pPr>
+                <a:r>
+                  <a:rPr lang="de-AT"/>
+                  <a:t>ÖVP 2024</a:t>
+                </a:r>
+              </a:p>
+            </c:rich>
+          </c:tx>
+          <c:overlay val="0"/>
+          <c:spPr>
+            <a:noFill/>
+            <a:ln>
+              <a:noFill/>
+            </a:ln>
+            <a:effectLst/>
+          </c:spPr>
+          <c:txPr>
+            <a:bodyPr rot="-5400000" spcFirstLastPara="1" vertOverflow="ellipsis" vert="horz" wrap="square" anchor="ctr" anchorCtr="1"/>
+            <a:lstStyle/>
+            <a:p>
+              <a:pPr>
+                <a:defRPr sz="1600" b="0" i="0" u="none" strike="noStrike" kern="1200" baseline="0">
+                  <a:solidFill>
+                    <a:schemeClr val="tx1"/>
+                  </a:solidFill>
+                  <a:latin typeface="+mn-lt"/>
+                  <a:ea typeface="+mn-ea"/>
+                  <a:cs typeface="+mn-cs"/>
+                </a:defRPr>
+              </a:pPr>
+              <a:endParaRPr lang="de-DE"/>
+            </a:p>
+          </c:txPr>
+        </c:title>
+        <c:numFmt formatCode="0%" sourceLinked="1"/>
+        <c:majorTickMark val="none"/>
+        <c:minorTickMark val="none"/>
+        <c:tickLblPos val="nextTo"/>
+        <c:spPr>
+          <a:noFill/>
+          <a:ln w="9525" cap="flat" cmpd="sng" algn="ctr">
+            <a:solidFill>
+              <a:schemeClr val="tx1">
+                <a:lumMod val="25000"/>
+                <a:lumOff val="75000"/>
+              </a:schemeClr>
+            </a:solidFill>
+            <a:round/>
+          </a:ln>
+          <a:effectLst/>
+        </c:spPr>
+        <c:txPr>
+          <a:bodyPr rot="-60000000" spcFirstLastPara="1" vertOverflow="ellipsis" vert="horz" wrap="square" anchor="ctr" anchorCtr="1"/>
+          <a:lstStyle/>
+          <a:p>
+            <a:pPr>
+              <a:defRPr sz="1600" b="0" i="0" u="none" strike="noStrike" kern="1200" baseline="0">
+                <a:solidFill>
+                  <a:schemeClr val="tx1"/>
+                </a:solidFill>
+                <a:latin typeface="+mn-lt"/>
+                <a:ea typeface="+mn-ea"/>
+                <a:cs typeface="+mn-cs"/>
+              </a:defRPr>
+            </a:pPr>
+            <a:endParaRPr lang="de-DE"/>
+          </a:p>
+        </c:txPr>
+        <c:crossAx val="846280960"/>
+        <c:crosses val="autoZero"/>
+        <c:crossBetween val="midCat"/>
+        <c:majorUnit val="0.2"/>
+        <c:minorUnit val="5.000000000000001E-2"/>
+      </c:valAx>
+      <c:spPr>
+        <a:noFill/>
+        <a:ln>
+          <a:noFill/>
+        </a:ln>
+        <a:effectLst/>
+      </c:spPr>
+    </c:plotArea>
+    <c:plotVisOnly val="1"/>
+    <c:dispBlanksAs val="gap"/>
+    <c:extLst>
+      <c:ext xmlns:c16r3="http://schemas.microsoft.com/office/drawing/2017/03/chart" uri="{56B9EC1D-385E-4148-901F-78D8002777C0}">
+        <c16r3:dataDisplayOptions16>
+          <c16r3:dispNaAsBlank val="1"/>
+        </c16r3:dataDisplayOptions16>
+      </c:ext>
+    </c:extLst>
+    <c:showDLblsOverMax val="0"/>
+  </c:chart>
+  <c:spPr>
+    <a:noFill/>
+    <a:ln>
+      <a:noFill/>
+    </a:ln>
+    <a:effectLst/>
+  </c:spPr>
+  <c:txPr>
+    <a:bodyPr/>
+    <a:lstStyle/>
+    <a:p>
+      <a:pPr>
+        <a:defRPr sz="1600">
+          <a:solidFill>
+            <a:schemeClr val="tx1"/>
+          </a:solidFill>
+        </a:defRPr>
+      </a:pPr>
+      <a:endParaRPr lang="de-DE"/>
+    </a:p>
+  </c:txPr>
+  <c:externalData r:id="rId3">
+    <c:autoUpdate val="0"/>
+  </c:externalData>
+</c:chartSpace>
+</file>
+
+<file path=ppt/charts/chart3.xml><?xml version="1.0" encoding="utf-8"?>
+<c:chartSpace xmlns:c="http://schemas.openxmlformats.org/drawingml/2006/chart" xmlns:a="http://schemas.openxmlformats.org/drawingml/2006/main" xmlns:r="http://schemas.openxmlformats.org/officeDocument/2006/relationships" xmlns:c16r2="http://schemas.microsoft.com/office/drawing/2015/06/chart">
+  <c:date1904 val="0"/>
+  <c:lang val="de-DE"/>
+  <c:roundedCorners val="0"/>
+  <mc:AlternateContent xmlns:mc="http://schemas.openxmlformats.org/markup-compatibility/2006">
+    <mc:Choice xmlns:c14="http://schemas.microsoft.com/office/drawing/2007/8/2/chart" Requires="c14">
+      <c14:style val="102"/>
+    </mc:Choice>
+    <mc:Fallback>
+      <c:style val="2"/>
+    </mc:Fallback>
+  </mc:AlternateContent>
+  <c:chart>
+    <c:autoTitleDeleted val="1"/>
+    <c:plotArea>
+      <c:layout/>
+      <c:scatterChart>
+        <c:scatterStyle val="lineMarker"/>
+        <c:varyColors val="0"/>
+        <c:ser>
+          <c:idx val="0"/>
+          <c:order val="0"/>
+          <c:spPr>
+            <a:ln w="25400" cap="rnd">
+              <a:noFill/>
+              <a:round/>
+            </a:ln>
+            <a:effectLst/>
+          </c:spPr>
+          <c:marker>
+            <c:symbol val="circle"/>
+            <c:size val="5"/>
+            <c:spPr>
+              <a:solidFill>
+                <a:schemeClr val="accent1"/>
+              </a:solidFill>
+              <a:ln w="9525">
+                <a:solidFill>
+                  <a:schemeClr val="accent1"/>
+                </a:solidFill>
+              </a:ln>
+              <a:effectLst/>
+            </c:spPr>
+          </c:marker>
+          <c:dLbls>
+            <c:delete val="1"/>
+          </c:dLbls>
+          <c:trendline>
+            <c:spPr>
+              <a:ln w="19050" cap="rnd">
+                <a:solidFill>
+                  <a:schemeClr val="accent1"/>
+                </a:solidFill>
+                <a:prstDash val="sysDot"/>
+              </a:ln>
+              <a:effectLst/>
+            </c:spPr>
+            <c:trendlineType val="linear"/>
+            <c:forward val="0.5"/>
+            <c:backward val="0.30000000000000004"/>
+            <c:dispRSqr val="0"/>
+            <c:dispEq val="0"/>
+          </c:trendline>
+          <c:xVal>
+            <c:numRef>
+              <c:f>'lineare funktion'!$B$2:$B$6</c:f>
+              <c:numCache>
+                <c:formatCode>0%</c:formatCode>
+                <c:ptCount val="5"/>
+                <c:pt idx="0">
+                  <c:v>0.3</c:v>
+                </c:pt>
+                <c:pt idx="1">
+                  <c:v>0.5</c:v>
+                </c:pt>
+                <c:pt idx="2">
+                  <c:v>0.2</c:v>
+                </c:pt>
+                <c:pt idx="3">
+                  <c:v>0.55000000000000004</c:v>
+                </c:pt>
+                <c:pt idx="4">
+                  <c:v>0.4</c:v>
+                </c:pt>
+              </c:numCache>
+            </c:numRef>
+          </c:xVal>
+          <c:yVal>
+            <c:numRef>
+              <c:f>'lineare funktion'!$C$2:$C$6</c:f>
+              <c:numCache>
+                <c:formatCode>0%</c:formatCode>
+                <c:ptCount val="5"/>
+                <c:pt idx="0">
+                  <c:v>0.2</c:v>
+                </c:pt>
+                <c:pt idx="1">
+                  <c:v>0.45</c:v>
+                </c:pt>
+                <c:pt idx="2">
+                  <c:v>0.15</c:v>
+                </c:pt>
+                <c:pt idx="3">
+                  <c:v>0.3</c:v>
+                </c:pt>
+                <c:pt idx="4">
+                  <c:v>0.4</c:v>
+                </c:pt>
+              </c:numCache>
+            </c:numRef>
+          </c:yVal>
+          <c:smooth val="0"/>
+          <c:extLst>
+            <c:ext xmlns:c16="http://schemas.microsoft.com/office/drawing/2014/chart" uri="{C3380CC4-5D6E-409C-BE32-E72D297353CC}">
+              <c16:uniqueId val="{00000001-36BF-45DD-A5AA-C0179DA0A40A}"/>
+            </c:ext>
+          </c:extLst>
+        </c:ser>
+        <c:dLbls>
+          <c:dLblPos val="t"/>
+          <c:showLegendKey val="0"/>
+          <c:showVal val="1"/>
+          <c:showCatName val="0"/>
+          <c:showSerName val="0"/>
+          <c:showPercent val="0"/>
+          <c:showBubbleSize val="0"/>
+        </c:dLbls>
+        <c:axId val="846280960"/>
+        <c:axId val="1160046928"/>
+      </c:scatterChart>
+      <c:valAx>
+        <c:axId val="846280960"/>
+        <c:scaling>
+          <c:orientation val="minMax"/>
+          <c:max val="0.60000000000000009"/>
+          <c:min val="0"/>
+        </c:scaling>
+        <c:delete val="0"/>
+        <c:axPos val="b"/>
+        <c:majorGridlines>
+          <c:spPr>
+            <a:ln w="9525" cap="flat" cmpd="sng" algn="ctr">
+              <a:solidFill>
+                <a:schemeClr val="tx1">
+                  <a:lumMod val="15000"/>
+                  <a:lumOff val="85000"/>
+                </a:schemeClr>
+              </a:solidFill>
+              <a:round/>
+            </a:ln>
+            <a:effectLst/>
+          </c:spPr>
+        </c:majorGridlines>
+        <c:title>
+          <c:tx>
+            <c:rich>
+              <a:bodyPr rot="0" spcFirstLastPara="1" vertOverflow="ellipsis" vert="horz" wrap="square" anchor="ctr" anchorCtr="1"/>
+              <a:lstStyle/>
+              <a:p>
+                <a:pPr>
+                  <a:defRPr sz="1600" b="0" i="0" u="none" strike="noStrike" kern="1200" baseline="0">
+                    <a:solidFill>
+                      <a:schemeClr val="tx1"/>
+                    </a:solidFill>
+                    <a:latin typeface="+mn-lt"/>
+                    <a:ea typeface="+mn-ea"/>
+                    <a:cs typeface="+mn-cs"/>
+                  </a:defRPr>
+                </a:pPr>
+                <a:r>
+                  <a:rPr lang="de-AT"/>
+                  <a:t>ÖVP 2019</a:t>
+                </a:r>
+              </a:p>
+            </c:rich>
+          </c:tx>
+          <c:overlay val="0"/>
+          <c:spPr>
+            <a:noFill/>
+            <a:ln>
+              <a:noFill/>
+            </a:ln>
+            <a:effectLst/>
+          </c:spPr>
+          <c:txPr>
+            <a:bodyPr rot="0" spcFirstLastPara="1" vertOverflow="ellipsis" vert="horz" wrap="square" anchor="ctr" anchorCtr="1"/>
+            <a:lstStyle/>
+            <a:p>
+              <a:pPr>
+                <a:defRPr sz="1600" b="0" i="0" u="none" strike="noStrike" kern="1200" baseline="0">
+                  <a:solidFill>
+                    <a:schemeClr val="tx1"/>
+                  </a:solidFill>
+                  <a:latin typeface="+mn-lt"/>
+                  <a:ea typeface="+mn-ea"/>
+                  <a:cs typeface="+mn-cs"/>
+                </a:defRPr>
+              </a:pPr>
+              <a:endParaRPr lang="de-DE"/>
+            </a:p>
+          </c:txPr>
+        </c:title>
+        <c:numFmt formatCode="0%" sourceLinked="1"/>
+        <c:majorTickMark val="none"/>
+        <c:minorTickMark val="none"/>
+        <c:tickLblPos val="nextTo"/>
+        <c:spPr>
+          <a:noFill/>
+          <a:ln w="9525" cap="flat" cmpd="sng" algn="ctr">
+            <a:solidFill>
+              <a:schemeClr val="tx1">
+                <a:lumMod val="25000"/>
+                <a:lumOff val="75000"/>
+              </a:schemeClr>
+            </a:solidFill>
+            <a:round/>
+          </a:ln>
+          <a:effectLst/>
+        </c:spPr>
+        <c:txPr>
+          <a:bodyPr rot="-60000000" spcFirstLastPara="1" vertOverflow="ellipsis" vert="horz" wrap="square" anchor="ctr" anchorCtr="1"/>
+          <a:lstStyle/>
+          <a:p>
+            <a:pPr>
+              <a:defRPr sz="1600" b="0" i="0" u="none" strike="noStrike" kern="1200" baseline="0">
+                <a:solidFill>
+                  <a:schemeClr val="tx1"/>
+                </a:solidFill>
+                <a:latin typeface="+mn-lt"/>
+                <a:ea typeface="+mn-ea"/>
+                <a:cs typeface="+mn-cs"/>
+              </a:defRPr>
+            </a:pPr>
+            <a:endParaRPr lang="de-DE"/>
+          </a:p>
+        </c:txPr>
+        <c:crossAx val="1160046928"/>
+        <c:crosses val="autoZero"/>
+        <c:crossBetween val="midCat"/>
+      </c:valAx>
+      <c:valAx>
+        <c:axId val="1160046928"/>
+        <c:scaling>
+          <c:orientation val="minMax"/>
+          <c:max val="0.60000000000000009"/>
+          <c:min val="0"/>
+        </c:scaling>
+        <c:delete val="0"/>
+        <c:axPos val="l"/>
+        <c:majorGridlines>
+          <c:spPr>
+            <a:ln w="9525" cap="flat" cmpd="sng" algn="ctr">
+              <a:solidFill>
+                <a:schemeClr val="tx1">
+                  <a:lumMod val="15000"/>
+                  <a:lumOff val="85000"/>
+                </a:schemeClr>
+              </a:solidFill>
+              <a:round/>
+            </a:ln>
+            <a:effectLst/>
+          </c:spPr>
+        </c:majorGridlines>
+        <c:title>
+          <c:tx>
+            <c:rich>
+              <a:bodyPr rot="-5400000" spcFirstLastPara="1" vertOverflow="ellipsis" vert="horz" wrap="square" anchor="ctr" anchorCtr="1"/>
+              <a:lstStyle/>
+              <a:p>
+                <a:pPr>
+                  <a:defRPr sz="1600" b="0" i="0" u="none" strike="noStrike" kern="1200" baseline="0">
+                    <a:solidFill>
+                      <a:schemeClr val="tx1"/>
+                    </a:solidFill>
+                    <a:latin typeface="+mn-lt"/>
+                    <a:ea typeface="+mn-ea"/>
+                    <a:cs typeface="+mn-cs"/>
+                  </a:defRPr>
+                </a:pPr>
+                <a:r>
+                  <a:rPr lang="de-AT"/>
+                  <a:t>ÖVP 2024</a:t>
+                </a:r>
+              </a:p>
+            </c:rich>
+          </c:tx>
+          <c:overlay val="0"/>
+          <c:spPr>
+            <a:noFill/>
+            <a:ln>
+              <a:noFill/>
+            </a:ln>
+            <a:effectLst/>
+          </c:spPr>
+          <c:txPr>
+            <a:bodyPr rot="-5400000" spcFirstLastPara="1" vertOverflow="ellipsis" vert="horz" wrap="square" anchor="ctr" anchorCtr="1"/>
+            <a:lstStyle/>
+            <a:p>
+              <a:pPr>
+                <a:defRPr sz="1600" b="0" i="0" u="none" strike="noStrike" kern="1200" baseline="0">
+                  <a:solidFill>
+                    <a:schemeClr val="tx1"/>
+                  </a:solidFill>
+                  <a:latin typeface="+mn-lt"/>
+                  <a:ea typeface="+mn-ea"/>
+                  <a:cs typeface="+mn-cs"/>
+                </a:defRPr>
+              </a:pPr>
+              <a:endParaRPr lang="de-DE"/>
+            </a:p>
+          </c:txPr>
+        </c:title>
+        <c:numFmt formatCode="0%" sourceLinked="1"/>
+        <c:majorTickMark val="none"/>
+        <c:minorTickMark val="none"/>
+        <c:tickLblPos val="nextTo"/>
+        <c:spPr>
+          <a:noFill/>
+          <a:ln w="9525" cap="flat" cmpd="sng" algn="ctr">
+            <a:solidFill>
+              <a:schemeClr val="tx1">
+                <a:lumMod val="25000"/>
+                <a:lumOff val="75000"/>
+              </a:schemeClr>
+            </a:solidFill>
+            <a:round/>
+          </a:ln>
+          <a:effectLst/>
+        </c:spPr>
+        <c:txPr>
+          <a:bodyPr rot="-60000000" spcFirstLastPara="1" vertOverflow="ellipsis" vert="horz" wrap="square" anchor="ctr" anchorCtr="1"/>
+          <a:lstStyle/>
+          <a:p>
+            <a:pPr>
+              <a:defRPr sz="1600" b="0" i="0" u="none" strike="noStrike" kern="1200" baseline="0">
+                <a:solidFill>
+                  <a:schemeClr val="tx1"/>
+                </a:solidFill>
+                <a:latin typeface="+mn-lt"/>
+                <a:ea typeface="+mn-ea"/>
+                <a:cs typeface="+mn-cs"/>
+              </a:defRPr>
+            </a:pPr>
+            <a:endParaRPr lang="de-DE"/>
+          </a:p>
+        </c:txPr>
+        <c:crossAx val="846280960"/>
+        <c:crosses val="autoZero"/>
+        <c:crossBetween val="midCat"/>
+        <c:majorUnit val="0.1"/>
+      </c:valAx>
+      <c:spPr>
+        <a:noFill/>
+        <a:ln>
+          <a:noFill/>
+        </a:ln>
+        <a:effectLst/>
+      </c:spPr>
+    </c:plotArea>
+    <c:plotVisOnly val="1"/>
+    <c:dispBlanksAs val="gap"/>
+    <c:extLst>
+      <c:ext xmlns:c16r3="http://schemas.microsoft.com/office/drawing/2017/03/chart" uri="{56B9EC1D-385E-4148-901F-78D8002777C0}">
+        <c16r3:dataDisplayOptions16>
+          <c16r3:dispNaAsBlank val="1"/>
+        </c16r3:dataDisplayOptions16>
+      </c:ext>
+    </c:extLst>
+    <c:showDLblsOverMax val="0"/>
+  </c:chart>
+  <c:spPr>
+    <a:noFill/>
+    <a:ln>
+      <a:noFill/>
+    </a:ln>
+    <a:effectLst/>
+  </c:spPr>
+  <c:txPr>
+    <a:bodyPr/>
+    <a:lstStyle/>
+    <a:p>
+      <a:pPr>
+        <a:defRPr sz="1600">
+          <a:solidFill>
+            <a:schemeClr val="tx1"/>
+          </a:solidFill>
+        </a:defRPr>
+      </a:pPr>
+      <a:endParaRPr lang="de-DE"/>
+    </a:p>
+  </c:txPr>
+  <c:externalData r:id="rId3">
+    <c:autoUpdate val="0"/>
+  </c:externalData>
+</c:chartSpace>
+</file>
+
+<file path=ppt/charts/chart4.xml><?xml version="1.0" encoding="utf-8"?>
 <c:chartSpace xmlns:c="http://schemas.openxmlformats.org/drawingml/2006/chart" xmlns:a="http://schemas.openxmlformats.org/drawingml/2006/main" xmlns:r="http://schemas.openxmlformats.org/officeDocument/2006/relationships" xmlns:c16r2="http://schemas.microsoft.com/office/drawing/2015/06/chart">
   <c:date1904 val="0"/>
   <c:lang val="de-DE"/>
@@ -566,9 +2475,9 @@
               <a:lstStyle/>
               <a:p>
                 <a:pPr>
-                  <a:defRPr sz="900" b="0" i="0" u="none" strike="noStrike" kern="1200" baseline="0">
+                  <a:defRPr sz="1600" b="0" i="0" u="none" strike="noStrike" kern="1200" baseline="0">
                     <a:solidFill>
-                      <a:sysClr val="windowText" lastClr="000000"/>
+                      <a:schemeClr val="tx1"/>
                     </a:solidFill>
                     <a:latin typeface="Palatino Linotype" panose="02040502050505030304" pitchFamily="18" charset="0"/>
                     <a:ea typeface="+mn-ea"/>
@@ -707,9 +2616,9 @@
           <a:lstStyle/>
           <a:p>
             <a:pPr>
-              <a:defRPr sz="900" b="0" i="0" u="none" strike="noStrike" kern="1200" baseline="0">
+              <a:defRPr sz="1600" b="0" i="0" u="none" strike="noStrike" kern="1200" baseline="0">
                 <a:solidFill>
-                  <a:sysClr val="windowText" lastClr="000000"/>
+                  <a:schemeClr val="tx1"/>
                 </a:solidFill>
                 <a:latin typeface="Palatino Linotype" panose="02040502050505030304" pitchFamily="18" charset="0"/>
                 <a:ea typeface="+mn-ea"/>
@@ -775,9 +2684,9 @@
     <a:lstStyle/>
     <a:p>
       <a:pPr>
-        <a:defRPr>
+        <a:defRPr sz="1600">
           <a:solidFill>
-            <a:sysClr val="windowText" lastClr="000000"/>
+            <a:schemeClr val="tx1"/>
           </a:solidFill>
           <a:latin typeface="Palatino Linotype" panose="02040502050505030304" pitchFamily="18" charset="0"/>
         </a:defRPr>
@@ -831,7 +2740,1675 @@
 </cs:colorStyle>
 </file>
 
+<file path=ppt/charts/colors2.xml><?xml version="1.0" encoding="utf-8"?>
+<cs:colorStyle xmlns:cs="http://schemas.microsoft.com/office/drawing/2012/chartStyle" xmlns:a="http://schemas.openxmlformats.org/drawingml/2006/main" meth="cycle" id="10">
+  <a:schemeClr val="accent1"/>
+  <a:schemeClr val="accent2"/>
+  <a:schemeClr val="accent3"/>
+  <a:schemeClr val="accent4"/>
+  <a:schemeClr val="accent5"/>
+  <a:schemeClr val="accent6"/>
+  <cs:variation/>
+  <cs:variation>
+    <a:lumMod val="60000"/>
+  </cs:variation>
+  <cs:variation>
+    <a:lumMod val="80000"/>
+    <a:lumOff val="20000"/>
+  </cs:variation>
+  <cs:variation>
+    <a:lumMod val="80000"/>
+  </cs:variation>
+  <cs:variation>
+    <a:lumMod val="60000"/>
+    <a:lumOff val="40000"/>
+  </cs:variation>
+  <cs:variation>
+    <a:lumMod val="50000"/>
+  </cs:variation>
+  <cs:variation>
+    <a:lumMod val="70000"/>
+    <a:lumOff val="30000"/>
+  </cs:variation>
+  <cs:variation>
+    <a:lumMod val="70000"/>
+  </cs:variation>
+  <cs:variation>
+    <a:lumMod val="50000"/>
+    <a:lumOff val="50000"/>
+  </cs:variation>
+</cs:colorStyle>
+</file>
+
+<file path=ppt/charts/colors3.xml><?xml version="1.0" encoding="utf-8"?>
+<cs:colorStyle xmlns:cs="http://schemas.microsoft.com/office/drawing/2012/chartStyle" xmlns:a="http://schemas.openxmlformats.org/drawingml/2006/main" meth="cycle" id="10">
+  <a:schemeClr val="accent1"/>
+  <a:schemeClr val="accent2"/>
+  <a:schemeClr val="accent3"/>
+  <a:schemeClr val="accent4"/>
+  <a:schemeClr val="accent5"/>
+  <a:schemeClr val="accent6"/>
+  <cs:variation/>
+  <cs:variation>
+    <a:lumMod val="60000"/>
+  </cs:variation>
+  <cs:variation>
+    <a:lumMod val="80000"/>
+    <a:lumOff val="20000"/>
+  </cs:variation>
+  <cs:variation>
+    <a:lumMod val="80000"/>
+  </cs:variation>
+  <cs:variation>
+    <a:lumMod val="60000"/>
+    <a:lumOff val="40000"/>
+  </cs:variation>
+  <cs:variation>
+    <a:lumMod val="50000"/>
+  </cs:variation>
+  <cs:variation>
+    <a:lumMod val="70000"/>
+    <a:lumOff val="30000"/>
+  </cs:variation>
+  <cs:variation>
+    <a:lumMod val="70000"/>
+  </cs:variation>
+  <cs:variation>
+    <a:lumMod val="50000"/>
+    <a:lumOff val="50000"/>
+  </cs:variation>
+</cs:colorStyle>
+</file>
+
+<file path=ppt/charts/colors4.xml><?xml version="1.0" encoding="utf-8"?>
+<cs:colorStyle xmlns:cs="http://schemas.microsoft.com/office/drawing/2012/chartStyle" xmlns:a="http://schemas.openxmlformats.org/drawingml/2006/main" meth="cycle" id="10">
+  <a:schemeClr val="accent1"/>
+  <a:schemeClr val="accent2"/>
+  <a:schemeClr val="accent3"/>
+  <a:schemeClr val="accent4"/>
+  <a:schemeClr val="accent5"/>
+  <a:schemeClr val="accent6"/>
+  <cs:variation/>
+  <cs:variation>
+    <a:lumMod val="60000"/>
+  </cs:variation>
+  <cs:variation>
+    <a:lumMod val="80000"/>
+    <a:lumOff val="20000"/>
+  </cs:variation>
+  <cs:variation>
+    <a:lumMod val="80000"/>
+  </cs:variation>
+  <cs:variation>
+    <a:lumMod val="60000"/>
+    <a:lumOff val="40000"/>
+  </cs:variation>
+  <cs:variation>
+    <a:lumMod val="50000"/>
+  </cs:variation>
+  <cs:variation>
+    <a:lumMod val="70000"/>
+    <a:lumOff val="30000"/>
+  </cs:variation>
+  <cs:variation>
+    <a:lumMod val="70000"/>
+  </cs:variation>
+  <cs:variation>
+    <a:lumMod val="50000"/>
+    <a:lumOff val="50000"/>
+  </cs:variation>
+</cs:colorStyle>
+</file>
+
 <file path=ppt/charts/style1.xml><?xml version="1.0" encoding="utf-8"?>
+<cs:chartStyle xmlns:cs="http://schemas.microsoft.com/office/drawing/2012/chartStyle" xmlns:a="http://schemas.openxmlformats.org/drawingml/2006/main" id="240">
+  <cs:axisTitle>
+    <cs:lnRef idx="0"/>
+    <cs:fillRef idx="0"/>
+    <cs:effectRef idx="0"/>
+    <cs:fontRef idx="minor">
+      <a:schemeClr val="tx1">
+        <a:lumMod val="65000"/>
+        <a:lumOff val="35000"/>
+      </a:schemeClr>
+    </cs:fontRef>
+    <cs:defRPr sz="1000" kern="1200"/>
+  </cs:axisTitle>
+  <cs:categoryAxis>
+    <cs:lnRef idx="0"/>
+    <cs:fillRef idx="0"/>
+    <cs:effectRef idx="0"/>
+    <cs:fontRef idx="minor">
+      <a:schemeClr val="tx1">
+        <a:lumMod val="65000"/>
+        <a:lumOff val="35000"/>
+      </a:schemeClr>
+    </cs:fontRef>
+    <cs:spPr>
+      <a:ln w="9525" cap="flat" cmpd="sng" algn="ctr">
+        <a:solidFill>
+          <a:schemeClr val="tx1">
+            <a:lumMod val="25000"/>
+            <a:lumOff val="75000"/>
+          </a:schemeClr>
+        </a:solidFill>
+        <a:round/>
+      </a:ln>
+    </cs:spPr>
+    <cs:defRPr sz="900" kern="1200"/>
+  </cs:categoryAxis>
+  <cs:chartArea mods="allowNoFillOverride allowNoLineOverride">
+    <cs:lnRef idx="0"/>
+    <cs:fillRef idx="0"/>
+    <cs:effectRef idx="0"/>
+    <cs:fontRef idx="minor">
+      <a:schemeClr val="tx1"/>
+    </cs:fontRef>
+    <cs:spPr>
+      <a:solidFill>
+        <a:schemeClr val="bg1"/>
+      </a:solidFill>
+      <a:ln w="9525" cap="flat" cmpd="sng" algn="ctr">
+        <a:solidFill>
+          <a:schemeClr val="tx1">
+            <a:lumMod val="15000"/>
+            <a:lumOff val="85000"/>
+          </a:schemeClr>
+        </a:solidFill>
+        <a:round/>
+      </a:ln>
+    </cs:spPr>
+    <cs:defRPr sz="1000" kern="1200"/>
+  </cs:chartArea>
+  <cs:dataLabel>
+    <cs:lnRef idx="0"/>
+    <cs:fillRef idx="0"/>
+    <cs:effectRef idx="0"/>
+    <cs:fontRef idx="minor">
+      <a:schemeClr val="tx1">
+        <a:lumMod val="75000"/>
+        <a:lumOff val="25000"/>
+      </a:schemeClr>
+    </cs:fontRef>
+    <cs:defRPr sz="900" kern="1200"/>
+  </cs:dataLabel>
+  <cs:dataLabelCallout>
+    <cs:lnRef idx="0"/>
+    <cs:fillRef idx="0"/>
+    <cs:effectRef idx="0"/>
+    <cs:fontRef idx="minor">
+      <a:schemeClr val="dk1">
+        <a:lumMod val="65000"/>
+        <a:lumOff val="35000"/>
+      </a:schemeClr>
+    </cs:fontRef>
+    <cs:spPr>
+      <a:solidFill>
+        <a:schemeClr val="lt1"/>
+      </a:solidFill>
+      <a:ln>
+        <a:solidFill>
+          <a:schemeClr val="dk1">
+            <a:lumMod val="25000"/>
+            <a:lumOff val="75000"/>
+          </a:schemeClr>
+        </a:solidFill>
+      </a:ln>
+    </cs:spPr>
+    <cs:defRPr sz="900" kern="1200"/>
+    <cs:bodyPr rot="0" spcFirstLastPara="1" vertOverflow="clip" horzOverflow="clip" vert="horz" wrap="square" lIns="36576" tIns="18288" rIns="36576" bIns="18288" anchor="ctr" anchorCtr="1">
+      <a:spAutoFit/>
+    </cs:bodyPr>
+  </cs:dataLabelCallout>
+  <cs:dataPoint>
+    <cs:lnRef idx="0"/>
+    <cs:fillRef idx="1">
+      <cs:styleClr val="auto"/>
+    </cs:fillRef>
+    <cs:effectRef idx="0"/>
+    <cs:fontRef idx="minor">
+      <a:schemeClr val="tx1"/>
+    </cs:fontRef>
+  </cs:dataPoint>
+  <cs:dataPoint3D>
+    <cs:lnRef idx="0"/>
+    <cs:fillRef idx="1">
+      <cs:styleClr val="auto"/>
+    </cs:fillRef>
+    <cs:effectRef idx="0"/>
+    <cs:fontRef idx="minor">
+      <a:schemeClr val="tx1"/>
+    </cs:fontRef>
+  </cs:dataPoint3D>
+  <cs:dataPointLine>
+    <cs:lnRef idx="0">
+      <cs:styleClr val="auto"/>
+    </cs:lnRef>
+    <cs:fillRef idx="1"/>
+    <cs:effectRef idx="0"/>
+    <cs:fontRef idx="minor">
+      <a:schemeClr val="tx1"/>
+    </cs:fontRef>
+    <cs:spPr>
+      <a:ln w="19050" cap="rnd">
+        <a:solidFill>
+          <a:schemeClr val="phClr"/>
+        </a:solidFill>
+        <a:round/>
+      </a:ln>
+    </cs:spPr>
+  </cs:dataPointLine>
+  <cs:dataPointMarker>
+    <cs:lnRef idx="0">
+      <cs:styleClr val="auto"/>
+    </cs:lnRef>
+    <cs:fillRef idx="1">
+      <cs:styleClr val="auto"/>
+    </cs:fillRef>
+    <cs:effectRef idx="0"/>
+    <cs:fontRef idx="minor">
+      <a:schemeClr val="tx1"/>
+    </cs:fontRef>
+    <cs:spPr>
+      <a:ln w="9525">
+        <a:solidFill>
+          <a:schemeClr val="phClr"/>
+        </a:solidFill>
+      </a:ln>
+    </cs:spPr>
+  </cs:dataPointMarker>
+  <cs:dataPointMarkerLayout symbol="circle" size="5"/>
+  <cs:dataPointWireframe>
+    <cs:lnRef idx="0">
+      <cs:styleClr val="auto"/>
+    </cs:lnRef>
+    <cs:fillRef idx="0"/>
+    <cs:effectRef idx="0"/>
+    <cs:fontRef idx="minor">
+      <a:schemeClr val="dk1"/>
+    </cs:fontRef>
+    <cs:spPr>
+      <a:ln w="9525" cap="rnd">
+        <a:solidFill>
+          <a:schemeClr val="phClr"/>
+        </a:solidFill>
+        <a:round/>
+      </a:ln>
+    </cs:spPr>
+  </cs:dataPointWireframe>
+  <cs:dataTable>
+    <cs:lnRef idx="0"/>
+    <cs:fillRef idx="0"/>
+    <cs:effectRef idx="0"/>
+    <cs:fontRef idx="minor">
+      <a:schemeClr val="tx1">
+        <a:lumMod val="65000"/>
+        <a:lumOff val="35000"/>
+      </a:schemeClr>
+    </cs:fontRef>
+    <cs:spPr>
+      <a:noFill/>
+      <a:ln w="9525" cap="flat" cmpd="sng" algn="ctr">
+        <a:solidFill>
+          <a:schemeClr val="tx1">
+            <a:lumMod val="15000"/>
+            <a:lumOff val="85000"/>
+          </a:schemeClr>
+        </a:solidFill>
+        <a:round/>
+      </a:ln>
+    </cs:spPr>
+    <cs:defRPr sz="900" kern="1200"/>
+  </cs:dataTable>
+  <cs:downBar>
+    <cs:lnRef idx="0"/>
+    <cs:fillRef idx="0"/>
+    <cs:effectRef idx="0"/>
+    <cs:fontRef idx="minor">
+      <a:schemeClr val="tx1"/>
+    </cs:fontRef>
+    <cs:spPr>
+      <a:solidFill>
+        <a:schemeClr val="dk1">
+          <a:lumMod val="75000"/>
+          <a:lumOff val="25000"/>
+        </a:schemeClr>
+      </a:solidFill>
+      <a:ln w="9525" cap="flat" cmpd="sng" algn="ctr">
+        <a:solidFill>
+          <a:schemeClr val="tx1">
+            <a:lumMod val="65000"/>
+            <a:lumOff val="35000"/>
+          </a:schemeClr>
+        </a:solidFill>
+        <a:round/>
+      </a:ln>
+    </cs:spPr>
+  </cs:downBar>
+  <cs:dropLine>
+    <cs:lnRef idx="0"/>
+    <cs:fillRef idx="0"/>
+    <cs:effectRef idx="0"/>
+    <cs:fontRef idx="minor">
+      <a:schemeClr val="tx1"/>
+    </cs:fontRef>
+    <cs:spPr>
+      <a:ln w="9525" cap="flat" cmpd="sng" algn="ctr">
+        <a:solidFill>
+          <a:schemeClr val="tx1">
+            <a:lumMod val="35000"/>
+            <a:lumOff val="65000"/>
+          </a:schemeClr>
+        </a:solidFill>
+        <a:round/>
+      </a:ln>
+    </cs:spPr>
+  </cs:dropLine>
+  <cs:errorBar>
+    <cs:lnRef idx="0"/>
+    <cs:fillRef idx="0"/>
+    <cs:effectRef idx="0"/>
+    <cs:fontRef idx="minor">
+      <a:schemeClr val="tx1"/>
+    </cs:fontRef>
+    <cs:spPr>
+      <a:ln w="9525" cap="flat" cmpd="sng" algn="ctr">
+        <a:solidFill>
+          <a:schemeClr val="tx1">
+            <a:lumMod val="65000"/>
+            <a:lumOff val="35000"/>
+          </a:schemeClr>
+        </a:solidFill>
+        <a:round/>
+      </a:ln>
+    </cs:spPr>
+  </cs:errorBar>
+  <cs:floor>
+    <cs:lnRef idx="0"/>
+    <cs:fillRef idx="0"/>
+    <cs:effectRef idx="0"/>
+    <cs:fontRef idx="minor">
+      <a:schemeClr val="tx1"/>
+    </cs:fontRef>
+    <cs:spPr>
+      <a:noFill/>
+      <a:ln>
+        <a:noFill/>
+      </a:ln>
+    </cs:spPr>
+  </cs:floor>
+  <cs:gridlineMajor>
+    <cs:lnRef idx="0"/>
+    <cs:fillRef idx="0"/>
+    <cs:effectRef idx="0"/>
+    <cs:fontRef idx="minor">
+      <a:schemeClr val="tx1"/>
+    </cs:fontRef>
+    <cs:spPr>
+      <a:ln w="9525" cap="flat" cmpd="sng" algn="ctr">
+        <a:solidFill>
+          <a:schemeClr val="tx1">
+            <a:lumMod val="15000"/>
+            <a:lumOff val="85000"/>
+          </a:schemeClr>
+        </a:solidFill>
+        <a:round/>
+      </a:ln>
+    </cs:spPr>
+  </cs:gridlineMajor>
+  <cs:gridlineMinor>
+    <cs:lnRef idx="0"/>
+    <cs:fillRef idx="0"/>
+    <cs:effectRef idx="0"/>
+    <cs:fontRef idx="minor">
+      <a:schemeClr val="tx1"/>
+    </cs:fontRef>
+    <cs:spPr>
+      <a:ln w="9525" cap="flat" cmpd="sng" algn="ctr">
+        <a:solidFill>
+          <a:schemeClr val="tx1">
+            <a:lumMod val="5000"/>
+            <a:lumOff val="95000"/>
+          </a:schemeClr>
+        </a:solidFill>
+        <a:round/>
+      </a:ln>
+    </cs:spPr>
+  </cs:gridlineMinor>
+  <cs:hiLoLine>
+    <cs:lnRef idx="0"/>
+    <cs:fillRef idx="0"/>
+    <cs:effectRef idx="0"/>
+    <cs:fontRef idx="minor">
+      <a:schemeClr val="tx1"/>
+    </cs:fontRef>
+    <cs:spPr>
+      <a:ln w="9525" cap="flat" cmpd="sng" algn="ctr">
+        <a:solidFill>
+          <a:schemeClr val="tx1">
+            <a:lumMod val="50000"/>
+            <a:lumOff val="50000"/>
+          </a:schemeClr>
+        </a:solidFill>
+        <a:round/>
+      </a:ln>
+    </cs:spPr>
+  </cs:hiLoLine>
+  <cs:leaderLine>
+    <cs:lnRef idx="0"/>
+    <cs:fillRef idx="0"/>
+    <cs:effectRef idx="0"/>
+    <cs:fontRef idx="minor">
+      <a:schemeClr val="tx1"/>
+    </cs:fontRef>
+    <cs:spPr>
+      <a:ln w="9525" cap="flat" cmpd="sng" algn="ctr">
+        <a:solidFill>
+          <a:schemeClr val="tx1">
+            <a:lumMod val="35000"/>
+            <a:lumOff val="65000"/>
+          </a:schemeClr>
+        </a:solidFill>
+        <a:round/>
+      </a:ln>
+    </cs:spPr>
+  </cs:leaderLine>
+  <cs:legend>
+    <cs:lnRef idx="0"/>
+    <cs:fillRef idx="0"/>
+    <cs:effectRef idx="0"/>
+    <cs:fontRef idx="minor">
+      <a:schemeClr val="tx1">
+        <a:lumMod val="65000"/>
+        <a:lumOff val="35000"/>
+      </a:schemeClr>
+    </cs:fontRef>
+    <cs:defRPr sz="900" kern="1200"/>
+  </cs:legend>
+  <cs:plotArea mods="allowNoFillOverride allowNoLineOverride">
+    <cs:lnRef idx="0"/>
+    <cs:fillRef idx="0"/>
+    <cs:effectRef idx="0"/>
+    <cs:fontRef idx="minor">
+      <a:schemeClr val="tx1"/>
+    </cs:fontRef>
+  </cs:plotArea>
+  <cs:plotArea3D mods="allowNoFillOverride allowNoLineOverride">
+    <cs:lnRef idx="0"/>
+    <cs:fillRef idx="0"/>
+    <cs:effectRef idx="0"/>
+    <cs:fontRef idx="minor">
+      <a:schemeClr val="tx1"/>
+    </cs:fontRef>
+  </cs:plotArea3D>
+  <cs:seriesAxis>
+    <cs:lnRef idx="0"/>
+    <cs:fillRef idx="0"/>
+    <cs:effectRef idx="0"/>
+    <cs:fontRef idx="minor">
+      <a:schemeClr val="tx1">
+        <a:lumMod val="65000"/>
+        <a:lumOff val="35000"/>
+      </a:schemeClr>
+    </cs:fontRef>
+    <cs:defRPr sz="900" kern="1200"/>
+  </cs:seriesAxis>
+  <cs:seriesLine>
+    <cs:lnRef idx="0"/>
+    <cs:fillRef idx="0"/>
+    <cs:effectRef idx="0"/>
+    <cs:fontRef idx="minor">
+      <a:schemeClr val="tx1"/>
+    </cs:fontRef>
+    <cs:spPr>
+      <a:ln w="9525" cap="flat" cmpd="sng" algn="ctr">
+        <a:solidFill>
+          <a:schemeClr val="tx1">
+            <a:lumMod val="35000"/>
+            <a:lumOff val="65000"/>
+          </a:schemeClr>
+        </a:solidFill>
+        <a:round/>
+      </a:ln>
+    </cs:spPr>
+  </cs:seriesLine>
+  <cs:title>
+    <cs:lnRef idx="0"/>
+    <cs:fillRef idx="0"/>
+    <cs:effectRef idx="0"/>
+    <cs:fontRef idx="minor">
+      <a:schemeClr val="tx1">
+        <a:lumMod val="65000"/>
+        <a:lumOff val="35000"/>
+      </a:schemeClr>
+    </cs:fontRef>
+    <cs:defRPr sz="1400" b="0" kern="1200" spc="0" baseline="0"/>
+  </cs:title>
+  <cs:trendline>
+    <cs:lnRef idx="0">
+      <cs:styleClr val="auto"/>
+    </cs:lnRef>
+    <cs:fillRef idx="0"/>
+    <cs:effectRef idx="0"/>
+    <cs:fontRef idx="minor">
+      <a:schemeClr val="tx1"/>
+    </cs:fontRef>
+    <cs:spPr>
+      <a:ln w="19050" cap="rnd">
+        <a:solidFill>
+          <a:schemeClr val="phClr"/>
+        </a:solidFill>
+        <a:prstDash val="sysDot"/>
+      </a:ln>
+    </cs:spPr>
+  </cs:trendline>
+  <cs:trendlineLabel>
+    <cs:lnRef idx="0"/>
+    <cs:fillRef idx="0"/>
+    <cs:effectRef idx="0"/>
+    <cs:fontRef idx="minor">
+      <a:schemeClr val="tx1">
+        <a:lumMod val="65000"/>
+        <a:lumOff val="35000"/>
+      </a:schemeClr>
+    </cs:fontRef>
+    <cs:defRPr sz="900" kern="1200"/>
+  </cs:trendlineLabel>
+  <cs:upBar>
+    <cs:lnRef idx="0"/>
+    <cs:fillRef idx="0"/>
+    <cs:effectRef idx="0"/>
+    <cs:fontRef idx="minor">
+      <a:schemeClr val="tx1"/>
+    </cs:fontRef>
+    <cs:spPr>
+      <a:solidFill>
+        <a:schemeClr val="lt1"/>
+      </a:solidFill>
+      <a:ln w="9525" cap="flat" cmpd="sng" algn="ctr">
+        <a:solidFill>
+          <a:schemeClr val="tx1">
+            <a:lumMod val="65000"/>
+            <a:lumOff val="35000"/>
+          </a:schemeClr>
+        </a:solidFill>
+        <a:round/>
+      </a:ln>
+    </cs:spPr>
+  </cs:upBar>
+  <cs:valueAxis>
+    <cs:lnRef idx="0"/>
+    <cs:fillRef idx="0"/>
+    <cs:effectRef idx="0"/>
+    <cs:fontRef idx="minor">
+      <a:schemeClr val="tx1">
+        <a:lumMod val="65000"/>
+        <a:lumOff val="35000"/>
+      </a:schemeClr>
+    </cs:fontRef>
+    <cs:spPr>
+      <a:ln w="9525" cap="flat" cmpd="sng" algn="ctr">
+        <a:solidFill>
+          <a:schemeClr val="tx1">
+            <a:lumMod val="25000"/>
+            <a:lumOff val="75000"/>
+          </a:schemeClr>
+        </a:solidFill>
+        <a:round/>
+      </a:ln>
+    </cs:spPr>
+    <cs:defRPr sz="900" kern="1200"/>
+  </cs:valueAxis>
+  <cs:wall>
+    <cs:lnRef idx="0"/>
+    <cs:fillRef idx="0"/>
+    <cs:effectRef idx="0"/>
+    <cs:fontRef idx="minor">
+      <a:schemeClr val="tx1"/>
+    </cs:fontRef>
+    <cs:spPr>
+      <a:noFill/>
+      <a:ln>
+        <a:noFill/>
+      </a:ln>
+    </cs:spPr>
+  </cs:wall>
+</cs:chartStyle>
+</file>
+
+<file path=ppt/charts/style2.xml><?xml version="1.0" encoding="utf-8"?>
+<cs:chartStyle xmlns:cs="http://schemas.microsoft.com/office/drawing/2012/chartStyle" xmlns:a="http://schemas.openxmlformats.org/drawingml/2006/main" id="240">
+  <cs:axisTitle>
+    <cs:lnRef idx="0"/>
+    <cs:fillRef idx="0"/>
+    <cs:effectRef idx="0"/>
+    <cs:fontRef idx="minor">
+      <a:schemeClr val="tx1">
+        <a:lumMod val="65000"/>
+        <a:lumOff val="35000"/>
+      </a:schemeClr>
+    </cs:fontRef>
+    <cs:defRPr sz="1000" kern="1200"/>
+  </cs:axisTitle>
+  <cs:categoryAxis>
+    <cs:lnRef idx="0"/>
+    <cs:fillRef idx="0"/>
+    <cs:effectRef idx="0"/>
+    <cs:fontRef idx="minor">
+      <a:schemeClr val="tx1">
+        <a:lumMod val="65000"/>
+        <a:lumOff val="35000"/>
+      </a:schemeClr>
+    </cs:fontRef>
+    <cs:spPr>
+      <a:ln w="9525" cap="flat" cmpd="sng" algn="ctr">
+        <a:solidFill>
+          <a:schemeClr val="tx1">
+            <a:lumMod val="25000"/>
+            <a:lumOff val="75000"/>
+          </a:schemeClr>
+        </a:solidFill>
+        <a:round/>
+      </a:ln>
+    </cs:spPr>
+    <cs:defRPr sz="900" kern="1200"/>
+  </cs:categoryAxis>
+  <cs:chartArea mods="allowNoFillOverride allowNoLineOverride">
+    <cs:lnRef idx="0"/>
+    <cs:fillRef idx="0"/>
+    <cs:effectRef idx="0"/>
+    <cs:fontRef idx="minor">
+      <a:schemeClr val="tx1"/>
+    </cs:fontRef>
+    <cs:spPr>
+      <a:solidFill>
+        <a:schemeClr val="bg1"/>
+      </a:solidFill>
+      <a:ln w="9525" cap="flat" cmpd="sng" algn="ctr">
+        <a:solidFill>
+          <a:schemeClr val="tx1">
+            <a:lumMod val="15000"/>
+            <a:lumOff val="85000"/>
+          </a:schemeClr>
+        </a:solidFill>
+        <a:round/>
+      </a:ln>
+    </cs:spPr>
+    <cs:defRPr sz="1000" kern="1200"/>
+  </cs:chartArea>
+  <cs:dataLabel>
+    <cs:lnRef idx="0"/>
+    <cs:fillRef idx="0"/>
+    <cs:effectRef idx="0"/>
+    <cs:fontRef idx="minor">
+      <a:schemeClr val="tx1">
+        <a:lumMod val="75000"/>
+        <a:lumOff val="25000"/>
+      </a:schemeClr>
+    </cs:fontRef>
+    <cs:defRPr sz="900" kern="1200"/>
+  </cs:dataLabel>
+  <cs:dataLabelCallout>
+    <cs:lnRef idx="0"/>
+    <cs:fillRef idx="0"/>
+    <cs:effectRef idx="0"/>
+    <cs:fontRef idx="minor">
+      <a:schemeClr val="dk1">
+        <a:lumMod val="65000"/>
+        <a:lumOff val="35000"/>
+      </a:schemeClr>
+    </cs:fontRef>
+    <cs:spPr>
+      <a:solidFill>
+        <a:schemeClr val="lt1"/>
+      </a:solidFill>
+      <a:ln>
+        <a:solidFill>
+          <a:schemeClr val="dk1">
+            <a:lumMod val="25000"/>
+            <a:lumOff val="75000"/>
+          </a:schemeClr>
+        </a:solidFill>
+      </a:ln>
+    </cs:spPr>
+    <cs:defRPr sz="900" kern="1200"/>
+    <cs:bodyPr rot="0" spcFirstLastPara="1" vertOverflow="clip" horzOverflow="clip" vert="horz" wrap="square" lIns="36576" tIns="18288" rIns="36576" bIns="18288" anchor="ctr" anchorCtr="1">
+      <a:spAutoFit/>
+    </cs:bodyPr>
+  </cs:dataLabelCallout>
+  <cs:dataPoint>
+    <cs:lnRef idx="0"/>
+    <cs:fillRef idx="1">
+      <cs:styleClr val="auto"/>
+    </cs:fillRef>
+    <cs:effectRef idx="0"/>
+    <cs:fontRef idx="minor">
+      <a:schemeClr val="tx1"/>
+    </cs:fontRef>
+  </cs:dataPoint>
+  <cs:dataPoint3D>
+    <cs:lnRef idx="0"/>
+    <cs:fillRef idx="1">
+      <cs:styleClr val="auto"/>
+    </cs:fillRef>
+    <cs:effectRef idx="0"/>
+    <cs:fontRef idx="minor">
+      <a:schemeClr val="tx1"/>
+    </cs:fontRef>
+  </cs:dataPoint3D>
+  <cs:dataPointLine>
+    <cs:lnRef idx="0">
+      <cs:styleClr val="auto"/>
+    </cs:lnRef>
+    <cs:fillRef idx="1"/>
+    <cs:effectRef idx="0"/>
+    <cs:fontRef idx="minor">
+      <a:schemeClr val="tx1"/>
+    </cs:fontRef>
+    <cs:spPr>
+      <a:ln w="19050" cap="rnd">
+        <a:solidFill>
+          <a:schemeClr val="phClr"/>
+        </a:solidFill>
+        <a:round/>
+      </a:ln>
+    </cs:spPr>
+  </cs:dataPointLine>
+  <cs:dataPointMarker>
+    <cs:lnRef idx="0">
+      <cs:styleClr val="auto"/>
+    </cs:lnRef>
+    <cs:fillRef idx="1">
+      <cs:styleClr val="auto"/>
+    </cs:fillRef>
+    <cs:effectRef idx="0"/>
+    <cs:fontRef idx="minor">
+      <a:schemeClr val="tx1"/>
+    </cs:fontRef>
+    <cs:spPr>
+      <a:ln w="9525">
+        <a:solidFill>
+          <a:schemeClr val="phClr"/>
+        </a:solidFill>
+      </a:ln>
+    </cs:spPr>
+  </cs:dataPointMarker>
+  <cs:dataPointMarkerLayout symbol="circle" size="5"/>
+  <cs:dataPointWireframe>
+    <cs:lnRef idx="0">
+      <cs:styleClr val="auto"/>
+    </cs:lnRef>
+    <cs:fillRef idx="0"/>
+    <cs:effectRef idx="0"/>
+    <cs:fontRef idx="minor">
+      <a:schemeClr val="dk1"/>
+    </cs:fontRef>
+    <cs:spPr>
+      <a:ln w="9525" cap="rnd">
+        <a:solidFill>
+          <a:schemeClr val="phClr"/>
+        </a:solidFill>
+        <a:round/>
+      </a:ln>
+    </cs:spPr>
+  </cs:dataPointWireframe>
+  <cs:dataTable>
+    <cs:lnRef idx="0"/>
+    <cs:fillRef idx="0"/>
+    <cs:effectRef idx="0"/>
+    <cs:fontRef idx="minor">
+      <a:schemeClr val="tx1">
+        <a:lumMod val="65000"/>
+        <a:lumOff val="35000"/>
+      </a:schemeClr>
+    </cs:fontRef>
+    <cs:spPr>
+      <a:noFill/>
+      <a:ln w="9525" cap="flat" cmpd="sng" algn="ctr">
+        <a:solidFill>
+          <a:schemeClr val="tx1">
+            <a:lumMod val="15000"/>
+            <a:lumOff val="85000"/>
+          </a:schemeClr>
+        </a:solidFill>
+        <a:round/>
+      </a:ln>
+    </cs:spPr>
+    <cs:defRPr sz="900" kern="1200"/>
+  </cs:dataTable>
+  <cs:downBar>
+    <cs:lnRef idx="0"/>
+    <cs:fillRef idx="0"/>
+    <cs:effectRef idx="0"/>
+    <cs:fontRef idx="minor">
+      <a:schemeClr val="tx1"/>
+    </cs:fontRef>
+    <cs:spPr>
+      <a:solidFill>
+        <a:schemeClr val="dk1">
+          <a:lumMod val="75000"/>
+          <a:lumOff val="25000"/>
+        </a:schemeClr>
+      </a:solidFill>
+      <a:ln w="9525" cap="flat" cmpd="sng" algn="ctr">
+        <a:solidFill>
+          <a:schemeClr val="tx1">
+            <a:lumMod val="65000"/>
+            <a:lumOff val="35000"/>
+          </a:schemeClr>
+        </a:solidFill>
+        <a:round/>
+      </a:ln>
+    </cs:spPr>
+  </cs:downBar>
+  <cs:dropLine>
+    <cs:lnRef idx="0"/>
+    <cs:fillRef idx="0"/>
+    <cs:effectRef idx="0"/>
+    <cs:fontRef idx="minor">
+      <a:schemeClr val="tx1"/>
+    </cs:fontRef>
+    <cs:spPr>
+      <a:ln w="9525" cap="flat" cmpd="sng" algn="ctr">
+        <a:solidFill>
+          <a:schemeClr val="tx1">
+            <a:lumMod val="35000"/>
+            <a:lumOff val="65000"/>
+          </a:schemeClr>
+        </a:solidFill>
+        <a:round/>
+      </a:ln>
+    </cs:spPr>
+  </cs:dropLine>
+  <cs:errorBar>
+    <cs:lnRef idx="0"/>
+    <cs:fillRef idx="0"/>
+    <cs:effectRef idx="0"/>
+    <cs:fontRef idx="minor">
+      <a:schemeClr val="tx1"/>
+    </cs:fontRef>
+    <cs:spPr>
+      <a:ln w="9525" cap="flat" cmpd="sng" algn="ctr">
+        <a:solidFill>
+          <a:schemeClr val="tx1">
+            <a:lumMod val="65000"/>
+            <a:lumOff val="35000"/>
+          </a:schemeClr>
+        </a:solidFill>
+        <a:round/>
+      </a:ln>
+    </cs:spPr>
+  </cs:errorBar>
+  <cs:floor>
+    <cs:lnRef idx="0"/>
+    <cs:fillRef idx="0"/>
+    <cs:effectRef idx="0"/>
+    <cs:fontRef idx="minor">
+      <a:schemeClr val="tx1"/>
+    </cs:fontRef>
+    <cs:spPr>
+      <a:noFill/>
+      <a:ln>
+        <a:noFill/>
+      </a:ln>
+    </cs:spPr>
+  </cs:floor>
+  <cs:gridlineMajor>
+    <cs:lnRef idx="0"/>
+    <cs:fillRef idx="0"/>
+    <cs:effectRef idx="0"/>
+    <cs:fontRef idx="minor">
+      <a:schemeClr val="tx1"/>
+    </cs:fontRef>
+    <cs:spPr>
+      <a:ln w="9525" cap="flat" cmpd="sng" algn="ctr">
+        <a:solidFill>
+          <a:schemeClr val="tx1">
+            <a:lumMod val="15000"/>
+            <a:lumOff val="85000"/>
+          </a:schemeClr>
+        </a:solidFill>
+        <a:round/>
+      </a:ln>
+    </cs:spPr>
+  </cs:gridlineMajor>
+  <cs:gridlineMinor>
+    <cs:lnRef idx="0"/>
+    <cs:fillRef idx="0"/>
+    <cs:effectRef idx="0"/>
+    <cs:fontRef idx="minor">
+      <a:schemeClr val="tx1"/>
+    </cs:fontRef>
+    <cs:spPr>
+      <a:ln w="9525" cap="flat" cmpd="sng" algn="ctr">
+        <a:solidFill>
+          <a:schemeClr val="tx1">
+            <a:lumMod val="5000"/>
+            <a:lumOff val="95000"/>
+          </a:schemeClr>
+        </a:solidFill>
+        <a:round/>
+      </a:ln>
+    </cs:spPr>
+  </cs:gridlineMinor>
+  <cs:hiLoLine>
+    <cs:lnRef idx="0"/>
+    <cs:fillRef idx="0"/>
+    <cs:effectRef idx="0"/>
+    <cs:fontRef idx="minor">
+      <a:schemeClr val="tx1"/>
+    </cs:fontRef>
+    <cs:spPr>
+      <a:ln w="9525" cap="flat" cmpd="sng" algn="ctr">
+        <a:solidFill>
+          <a:schemeClr val="tx1">
+            <a:lumMod val="50000"/>
+            <a:lumOff val="50000"/>
+          </a:schemeClr>
+        </a:solidFill>
+        <a:round/>
+      </a:ln>
+    </cs:spPr>
+  </cs:hiLoLine>
+  <cs:leaderLine>
+    <cs:lnRef idx="0"/>
+    <cs:fillRef idx="0"/>
+    <cs:effectRef idx="0"/>
+    <cs:fontRef idx="minor">
+      <a:schemeClr val="tx1"/>
+    </cs:fontRef>
+    <cs:spPr>
+      <a:ln w="9525" cap="flat" cmpd="sng" algn="ctr">
+        <a:solidFill>
+          <a:schemeClr val="tx1">
+            <a:lumMod val="35000"/>
+            <a:lumOff val="65000"/>
+          </a:schemeClr>
+        </a:solidFill>
+        <a:round/>
+      </a:ln>
+    </cs:spPr>
+  </cs:leaderLine>
+  <cs:legend>
+    <cs:lnRef idx="0"/>
+    <cs:fillRef idx="0"/>
+    <cs:effectRef idx="0"/>
+    <cs:fontRef idx="minor">
+      <a:schemeClr val="tx1">
+        <a:lumMod val="65000"/>
+        <a:lumOff val="35000"/>
+      </a:schemeClr>
+    </cs:fontRef>
+    <cs:defRPr sz="900" kern="1200"/>
+  </cs:legend>
+  <cs:plotArea mods="allowNoFillOverride allowNoLineOverride">
+    <cs:lnRef idx="0"/>
+    <cs:fillRef idx="0"/>
+    <cs:effectRef idx="0"/>
+    <cs:fontRef idx="minor">
+      <a:schemeClr val="tx1"/>
+    </cs:fontRef>
+  </cs:plotArea>
+  <cs:plotArea3D mods="allowNoFillOverride allowNoLineOverride">
+    <cs:lnRef idx="0"/>
+    <cs:fillRef idx="0"/>
+    <cs:effectRef idx="0"/>
+    <cs:fontRef idx="minor">
+      <a:schemeClr val="tx1"/>
+    </cs:fontRef>
+  </cs:plotArea3D>
+  <cs:seriesAxis>
+    <cs:lnRef idx="0"/>
+    <cs:fillRef idx="0"/>
+    <cs:effectRef idx="0"/>
+    <cs:fontRef idx="minor">
+      <a:schemeClr val="tx1">
+        <a:lumMod val="65000"/>
+        <a:lumOff val="35000"/>
+      </a:schemeClr>
+    </cs:fontRef>
+    <cs:defRPr sz="900" kern="1200"/>
+  </cs:seriesAxis>
+  <cs:seriesLine>
+    <cs:lnRef idx="0"/>
+    <cs:fillRef idx="0"/>
+    <cs:effectRef idx="0"/>
+    <cs:fontRef idx="minor">
+      <a:schemeClr val="tx1"/>
+    </cs:fontRef>
+    <cs:spPr>
+      <a:ln w="9525" cap="flat" cmpd="sng" algn="ctr">
+        <a:solidFill>
+          <a:schemeClr val="tx1">
+            <a:lumMod val="35000"/>
+            <a:lumOff val="65000"/>
+          </a:schemeClr>
+        </a:solidFill>
+        <a:round/>
+      </a:ln>
+    </cs:spPr>
+  </cs:seriesLine>
+  <cs:title>
+    <cs:lnRef idx="0"/>
+    <cs:fillRef idx="0"/>
+    <cs:effectRef idx="0"/>
+    <cs:fontRef idx="minor">
+      <a:schemeClr val="tx1">
+        <a:lumMod val="65000"/>
+        <a:lumOff val="35000"/>
+      </a:schemeClr>
+    </cs:fontRef>
+    <cs:defRPr sz="1400" b="0" kern="1200" spc="0" baseline="0"/>
+  </cs:title>
+  <cs:trendline>
+    <cs:lnRef idx="0">
+      <cs:styleClr val="auto"/>
+    </cs:lnRef>
+    <cs:fillRef idx="0"/>
+    <cs:effectRef idx="0"/>
+    <cs:fontRef idx="minor">
+      <a:schemeClr val="tx1"/>
+    </cs:fontRef>
+    <cs:spPr>
+      <a:ln w="19050" cap="rnd">
+        <a:solidFill>
+          <a:schemeClr val="phClr"/>
+        </a:solidFill>
+        <a:prstDash val="sysDot"/>
+      </a:ln>
+    </cs:spPr>
+  </cs:trendline>
+  <cs:trendlineLabel>
+    <cs:lnRef idx="0"/>
+    <cs:fillRef idx="0"/>
+    <cs:effectRef idx="0"/>
+    <cs:fontRef idx="minor">
+      <a:schemeClr val="tx1">
+        <a:lumMod val="65000"/>
+        <a:lumOff val="35000"/>
+      </a:schemeClr>
+    </cs:fontRef>
+    <cs:defRPr sz="900" kern="1200"/>
+  </cs:trendlineLabel>
+  <cs:upBar>
+    <cs:lnRef idx="0"/>
+    <cs:fillRef idx="0"/>
+    <cs:effectRef idx="0"/>
+    <cs:fontRef idx="minor">
+      <a:schemeClr val="tx1"/>
+    </cs:fontRef>
+    <cs:spPr>
+      <a:solidFill>
+        <a:schemeClr val="lt1"/>
+      </a:solidFill>
+      <a:ln w="9525" cap="flat" cmpd="sng" algn="ctr">
+        <a:solidFill>
+          <a:schemeClr val="tx1">
+            <a:lumMod val="65000"/>
+            <a:lumOff val="35000"/>
+          </a:schemeClr>
+        </a:solidFill>
+        <a:round/>
+      </a:ln>
+    </cs:spPr>
+  </cs:upBar>
+  <cs:valueAxis>
+    <cs:lnRef idx="0"/>
+    <cs:fillRef idx="0"/>
+    <cs:effectRef idx="0"/>
+    <cs:fontRef idx="minor">
+      <a:schemeClr val="tx1">
+        <a:lumMod val="65000"/>
+        <a:lumOff val="35000"/>
+      </a:schemeClr>
+    </cs:fontRef>
+    <cs:spPr>
+      <a:ln w="9525" cap="flat" cmpd="sng" algn="ctr">
+        <a:solidFill>
+          <a:schemeClr val="tx1">
+            <a:lumMod val="25000"/>
+            <a:lumOff val="75000"/>
+          </a:schemeClr>
+        </a:solidFill>
+        <a:round/>
+      </a:ln>
+    </cs:spPr>
+    <cs:defRPr sz="900" kern="1200"/>
+  </cs:valueAxis>
+  <cs:wall>
+    <cs:lnRef idx="0"/>
+    <cs:fillRef idx="0"/>
+    <cs:effectRef idx="0"/>
+    <cs:fontRef idx="minor">
+      <a:schemeClr val="tx1"/>
+    </cs:fontRef>
+    <cs:spPr>
+      <a:noFill/>
+      <a:ln>
+        <a:noFill/>
+      </a:ln>
+    </cs:spPr>
+  </cs:wall>
+</cs:chartStyle>
+</file>
+
+<file path=ppt/charts/style3.xml><?xml version="1.0" encoding="utf-8"?>
+<cs:chartStyle xmlns:cs="http://schemas.microsoft.com/office/drawing/2012/chartStyle" xmlns:a="http://schemas.openxmlformats.org/drawingml/2006/main" id="240">
+  <cs:axisTitle>
+    <cs:lnRef idx="0"/>
+    <cs:fillRef idx="0"/>
+    <cs:effectRef idx="0"/>
+    <cs:fontRef idx="minor">
+      <a:schemeClr val="tx1">
+        <a:lumMod val="65000"/>
+        <a:lumOff val="35000"/>
+      </a:schemeClr>
+    </cs:fontRef>
+    <cs:defRPr sz="1000" kern="1200"/>
+  </cs:axisTitle>
+  <cs:categoryAxis>
+    <cs:lnRef idx="0"/>
+    <cs:fillRef idx="0"/>
+    <cs:effectRef idx="0"/>
+    <cs:fontRef idx="minor">
+      <a:schemeClr val="tx1">
+        <a:lumMod val="65000"/>
+        <a:lumOff val="35000"/>
+      </a:schemeClr>
+    </cs:fontRef>
+    <cs:spPr>
+      <a:ln w="9525" cap="flat" cmpd="sng" algn="ctr">
+        <a:solidFill>
+          <a:schemeClr val="tx1">
+            <a:lumMod val="25000"/>
+            <a:lumOff val="75000"/>
+          </a:schemeClr>
+        </a:solidFill>
+        <a:round/>
+      </a:ln>
+    </cs:spPr>
+    <cs:defRPr sz="900" kern="1200"/>
+  </cs:categoryAxis>
+  <cs:chartArea mods="allowNoFillOverride allowNoLineOverride">
+    <cs:lnRef idx="0"/>
+    <cs:fillRef idx="0"/>
+    <cs:effectRef idx="0"/>
+    <cs:fontRef idx="minor">
+      <a:schemeClr val="tx1"/>
+    </cs:fontRef>
+    <cs:spPr>
+      <a:solidFill>
+        <a:schemeClr val="bg1"/>
+      </a:solidFill>
+      <a:ln w="9525" cap="flat" cmpd="sng" algn="ctr">
+        <a:solidFill>
+          <a:schemeClr val="tx1">
+            <a:lumMod val="15000"/>
+            <a:lumOff val="85000"/>
+          </a:schemeClr>
+        </a:solidFill>
+        <a:round/>
+      </a:ln>
+    </cs:spPr>
+    <cs:defRPr sz="1000" kern="1200"/>
+  </cs:chartArea>
+  <cs:dataLabel>
+    <cs:lnRef idx="0"/>
+    <cs:fillRef idx="0"/>
+    <cs:effectRef idx="0"/>
+    <cs:fontRef idx="minor">
+      <a:schemeClr val="tx1">
+        <a:lumMod val="75000"/>
+        <a:lumOff val="25000"/>
+      </a:schemeClr>
+    </cs:fontRef>
+    <cs:defRPr sz="900" kern="1200"/>
+  </cs:dataLabel>
+  <cs:dataLabelCallout>
+    <cs:lnRef idx="0"/>
+    <cs:fillRef idx="0"/>
+    <cs:effectRef idx="0"/>
+    <cs:fontRef idx="minor">
+      <a:schemeClr val="dk1">
+        <a:lumMod val="65000"/>
+        <a:lumOff val="35000"/>
+      </a:schemeClr>
+    </cs:fontRef>
+    <cs:spPr>
+      <a:solidFill>
+        <a:schemeClr val="lt1"/>
+      </a:solidFill>
+      <a:ln>
+        <a:solidFill>
+          <a:schemeClr val="dk1">
+            <a:lumMod val="25000"/>
+            <a:lumOff val="75000"/>
+          </a:schemeClr>
+        </a:solidFill>
+      </a:ln>
+    </cs:spPr>
+    <cs:defRPr sz="900" kern="1200"/>
+    <cs:bodyPr rot="0" spcFirstLastPara="1" vertOverflow="clip" horzOverflow="clip" vert="horz" wrap="square" lIns="36576" tIns="18288" rIns="36576" bIns="18288" anchor="ctr" anchorCtr="1">
+      <a:spAutoFit/>
+    </cs:bodyPr>
+  </cs:dataLabelCallout>
+  <cs:dataPoint>
+    <cs:lnRef idx="0"/>
+    <cs:fillRef idx="1">
+      <cs:styleClr val="auto"/>
+    </cs:fillRef>
+    <cs:effectRef idx="0"/>
+    <cs:fontRef idx="minor">
+      <a:schemeClr val="tx1"/>
+    </cs:fontRef>
+  </cs:dataPoint>
+  <cs:dataPoint3D>
+    <cs:lnRef idx="0"/>
+    <cs:fillRef idx="1">
+      <cs:styleClr val="auto"/>
+    </cs:fillRef>
+    <cs:effectRef idx="0"/>
+    <cs:fontRef idx="minor">
+      <a:schemeClr val="tx1"/>
+    </cs:fontRef>
+  </cs:dataPoint3D>
+  <cs:dataPointLine>
+    <cs:lnRef idx="0">
+      <cs:styleClr val="auto"/>
+    </cs:lnRef>
+    <cs:fillRef idx="1"/>
+    <cs:effectRef idx="0"/>
+    <cs:fontRef idx="minor">
+      <a:schemeClr val="tx1"/>
+    </cs:fontRef>
+    <cs:spPr>
+      <a:ln w="19050" cap="rnd">
+        <a:solidFill>
+          <a:schemeClr val="phClr"/>
+        </a:solidFill>
+        <a:round/>
+      </a:ln>
+    </cs:spPr>
+  </cs:dataPointLine>
+  <cs:dataPointMarker>
+    <cs:lnRef idx="0">
+      <cs:styleClr val="auto"/>
+    </cs:lnRef>
+    <cs:fillRef idx="1">
+      <cs:styleClr val="auto"/>
+    </cs:fillRef>
+    <cs:effectRef idx="0"/>
+    <cs:fontRef idx="minor">
+      <a:schemeClr val="tx1"/>
+    </cs:fontRef>
+    <cs:spPr>
+      <a:ln w="9525">
+        <a:solidFill>
+          <a:schemeClr val="phClr"/>
+        </a:solidFill>
+      </a:ln>
+    </cs:spPr>
+  </cs:dataPointMarker>
+  <cs:dataPointMarkerLayout symbol="circle" size="5"/>
+  <cs:dataPointWireframe>
+    <cs:lnRef idx="0">
+      <cs:styleClr val="auto"/>
+    </cs:lnRef>
+    <cs:fillRef idx="0"/>
+    <cs:effectRef idx="0"/>
+    <cs:fontRef idx="minor">
+      <a:schemeClr val="dk1"/>
+    </cs:fontRef>
+    <cs:spPr>
+      <a:ln w="9525" cap="rnd">
+        <a:solidFill>
+          <a:schemeClr val="phClr"/>
+        </a:solidFill>
+        <a:round/>
+      </a:ln>
+    </cs:spPr>
+  </cs:dataPointWireframe>
+  <cs:dataTable>
+    <cs:lnRef idx="0"/>
+    <cs:fillRef idx="0"/>
+    <cs:effectRef idx="0"/>
+    <cs:fontRef idx="minor">
+      <a:schemeClr val="tx1">
+        <a:lumMod val="65000"/>
+        <a:lumOff val="35000"/>
+      </a:schemeClr>
+    </cs:fontRef>
+    <cs:spPr>
+      <a:noFill/>
+      <a:ln w="9525" cap="flat" cmpd="sng" algn="ctr">
+        <a:solidFill>
+          <a:schemeClr val="tx1">
+            <a:lumMod val="15000"/>
+            <a:lumOff val="85000"/>
+          </a:schemeClr>
+        </a:solidFill>
+        <a:round/>
+      </a:ln>
+    </cs:spPr>
+    <cs:defRPr sz="900" kern="1200"/>
+  </cs:dataTable>
+  <cs:downBar>
+    <cs:lnRef idx="0"/>
+    <cs:fillRef idx="0"/>
+    <cs:effectRef idx="0"/>
+    <cs:fontRef idx="minor">
+      <a:schemeClr val="tx1"/>
+    </cs:fontRef>
+    <cs:spPr>
+      <a:solidFill>
+        <a:schemeClr val="dk1">
+          <a:lumMod val="75000"/>
+          <a:lumOff val="25000"/>
+        </a:schemeClr>
+      </a:solidFill>
+      <a:ln w="9525" cap="flat" cmpd="sng" algn="ctr">
+        <a:solidFill>
+          <a:schemeClr val="tx1">
+            <a:lumMod val="65000"/>
+            <a:lumOff val="35000"/>
+          </a:schemeClr>
+        </a:solidFill>
+        <a:round/>
+      </a:ln>
+    </cs:spPr>
+  </cs:downBar>
+  <cs:dropLine>
+    <cs:lnRef idx="0"/>
+    <cs:fillRef idx="0"/>
+    <cs:effectRef idx="0"/>
+    <cs:fontRef idx="minor">
+      <a:schemeClr val="tx1"/>
+    </cs:fontRef>
+    <cs:spPr>
+      <a:ln w="9525" cap="flat" cmpd="sng" algn="ctr">
+        <a:solidFill>
+          <a:schemeClr val="tx1">
+            <a:lumMod val="35000"/>
+            <a:lumOff val="65000"/>
+          </a:schemeClr>
+        </a:solidFill>
+        <a:round/>
+      </a:ln>
+    </cs:spPr>
+  </cs:dropLine>
+  <cs:errorBar>
+    <cs:lnRef idx="0"/>
+    <cs:fillRef idx="0"/>
+    <cs:effectRef idx="0"/>
+    <cs:fontRef idx="minor">
+      <a:schemeClr val="tx1"/>
+    </cs:fontRef>
+    <cs:spPr>
+      <a:ln w="9525" cap="flat" cmpd="sng" algn="ctr">
+        <a:solidFill>
+          <a:schemeClr val="tx1">
+            <a:lumMod val="65000"/>
+            <a:lumOff val="35000"/>
+          </a:schemeClr>
+        </a:solidFill>
+        <a:round/>
+      </a:ln>
+    </cs:spPr>
+  </cs:errorBar>
+  <cs:floor>
+    <cs:lnRef idx="0"/>
+    <cs:fillRef idx="0"/>
+    <cs:effectRef idx="0"/>
+    <cs:fontRef idx="minor">
+      <a:schemeClr val="tx1"/>
+    </cs:fontRef>
+    <cs:spPr>
+      <a:noFill/>
+      <a:ln>
+        <a:noFill/>
+      </a:ln>
+    </cs:spPr>
+  </cs:floor>
+  <cs:gridlineMajor>
+    <cs:lnRef idx="0"/>
+    <cs:fillRef idx="0"/>
+    <cs:effectRef idx="0"/>
+    <cs:fontRef idx="minor">
+      <a:schemeClr val="tx1"/>
+    </cs:fontRef>
+    <cs:spPr>
+      <a:ln w="9525" cap="flat" cmpd="sng" algn="ctr">
+        <a:solidFill>
+          <a:schemeClr val="tx1">
+            <a:lumMod val="15000"/>
+            <a:lumOff val="85000"/>
+          </a:schemeClr>
+        </a:solidFill>
+        <a:round/>
+      </a:ln>
+    </cs:spPr>
+  </cs:gridlineMajor>
+  <cs:gridlineMinor>
+    <cs:lnRef idx="0"/>
+    <cs:fillRef idx="0"/>
+    <cs:effectRef idx="0"/>
+    <cs:fontRef idx="minor">
+      <a:schemeClr val="tx1"/>
+    </cs:fontRef>
+    <cs:spPr>
+      <a:ln w="9525" cap="flat" cmpd="sng" algn="ctr">
+        <a:solidFill>
+          <a:schemeClr val="tx1">
+            <a:lumMod val="5000"/>
+            <a:lumOff val="95000"/>
+          </a:schemeClr>
+        </a:solidFill>
+        <a:round/>
+      </a:ln>
+    </cs:spPr>
+  </cs:gridlineMinor>
+  <cs:hiLoLine>
+    <cs:lnRef idx="0"/>
+    <cs:fillRef idx="0"/>
+    <cs:effectRef idx="0"/>
+    <cs:fontRef idx="minor">
+      <a:schemeClr val="tx1"/>
+    </cs:fontRef>
+    <cs:spPr>
+      <a:ln w="9525" cap="flat" cmpd="sng" algn="ctr">
+        <a:solidFill>
+          <a:schemeClr val="tx1">
+            <a:lumMod val="50000"/>
+            <a:lumOff val="50000"/>
+          </a:schemeClr>
+        </a:solidFill>
+        <a:round/>
+      </a:ln>
+    </cs:spPr>
+  </cs:hiLoLine>
+  <cs:leaderLine>
+    <cs:lnRef idx="0"/>
+    <cs:fillRef idx="0"/>
+    <cs:effectRef idx="0"/>
+    <cs:fontRef idx="minor">
+      <a:schemeClr val="tx1"/>
+    </cs:fontRef>
+    <cs:spPr>
+      <a:ln w="9525" cap="flat" cmpd="sng" algn="ctr">
+        <a:solidFill>
+          <a:schemeClr val="tx1">
+            <a:lumMod val="35000"/>
+            <a:lumOff val="65000"/>
+          </a:schemeClr>
+        </a:solidFill>
+        <a:round/>
+      </a:ln>
+    </cs:spPr>
+  </cs:leaderLine>
+  <cs:legend>
+    <cs:lnRef idx="0"/>
+    <cs:fillRef idx="0"/>
+    <cs:effectRef idx="0"/>
+    <cs:fontRef idx="minor">
+      <a:schemeClr val="tx1">
+        <a:lumMod val="65000"/>
+        <a:lumOff val="35000"/>
+      </a:schemeClr>
+    </cs:fontRef>
+    <cs:defRPr sz="900" kern="1200"/>
+  </cs:legend>
+  <cs:plotArea mods="allowNoFillOverride allowNoLineOverride">
+    <cs:lnRef idx="0"/>
+    <cs:fillRef idx="0"/>
+    <cs:effectRef idx="0"/>
+    <cs:fontRef idx="minor">
+      <a:schemeClr val="tx1"/>
+    </cs:fontRef>
+  </cs:plotArea>
+  <cs:plotArea3D mods="allowNoFillOverride allowNoLineOverride">
+    <cs:lnRef idx="0"/>
+    <cs:fillRef idx="0"/>
+    <cs:effectRef idx="0"/>
+    <cs:fontRef idx="minor">
+      <a:schemeClr val="tx1"/>
+    </cs:fontRef>
+  </cs:plotArea3D>
+  <cs:seriesAxis>
+    <cs:lnRef idx="0"/>
+    <cs:fillRef idx="0"/>
+    <cs:effectRef idx="0"/>
+    <cs:fontRef idx="minor">
+      <a:schemeClr val="tx1">
+        <a:lumMod val="65000"/>
+        <a:lumOff val="35000"/>
+      </a:schemeClr>
+    </cs:fontRef>
+    <cs:defRPr sz="900" kern="1200"/>
+  </cs:seriesAxis>
+  <cs:seriesLine>
+    <cs:lnRef idx="0"/>
+    <cs:fillRef idx="0"/>
+    <cs:effectRef idx="0"/>
+    <cs:fontRef idx="minor">
+      <a:schemeClr val="tx1"/>
+    </cs:fontRef>
+    <cs:spPr>
+      <a:ln w="9525" cap="flat" cmpd="sng" algn="ctr">
+        <a:solidFill>
+          <a:schemeClr val="tx1">
+            <a:lumMod val="35000"/>
+            <a:lumOff val="65000"/>
+          </a:schemeClr>
+        </a:solidFill>
+        <a:round/>
+      </a:ln>
+    </cs:spPr>
+  </cs:seriesLine>
+  <cs:title>
+    <cs:lnRef idx="0"/>
+    <cs:fillRef idx="0"/>
+    <cs:effectRef idx="0"/>
+    <cs:fontRef idx="minor">
+      <a:schemeClr val="tx1">
+        <a:lumMod val="65000"/>
+        <a:lumOff val="35000"/>
+      </a:schemeClr>
+    </cs:fontRef>
+    <cs:defRPr sz="1400" b="0" kern="1200" spc="0" baseline="0"/>
+  </cs:title>
+  <cs:trendline>
+    <cs:lnRef idx="0">
+      <cs:styleClr val="auto"/>
+    </cs:lnRef>
+    <cs:fillRef idx="0"/>
+    <cs:effectRef idx="0"/>
+    <cs:fontRef idx="minor">
+      <a:schemeClr val="tx1"/>
+    </cs:fontRef>
+    <cs:spPr>
+      <a:ln w="19050" cap="rnd">
+        <a:solidFill>
+          <a:schemeClr val="phClr"/>
+        </a:solidFill>
+        <a:prstDash val="sysDot"/>
+      </a:ln>
+    </cs:spPr>
+  </cs:trendline>
+  <cs:trendlineLabel>
+    <cs:lnRef idx="0"/>
+    <cs:fillRef idx="0"/>
+    <cs:effectRef idx="0"/>
+    <cs:fontRef idx="minor">
+      <a:schemeClr val="tx1">
+        <a:lumMod val="65000"/>
+        <a:lumOff val="35000"/>
+      </a:schemeClr>
+    </cs:fontRef>
+    <cs:defRPr sz="900" kern="1200"/>
+  </cs:trendlineLabel>
+  <cs:upBar>
+    <cs:lnRef idx="0"/>
+    <cs:fillRef idx="0"/>
+    <cs:effectRef idx="0"/>
+    <cs:fontRef idx="minor">
+      <a:schemeClr val="tx1"/>
+    </cs:fontRef>
+    <cs:spPr>
+      <a:solidFill>
+        <a:schemeClr val="lt1"/>
+      </a:solidFill>
+      <a:ln w="9525" cap="flat" cmpd="sng" algn="ctr">
+        <a:solidFill>
+          <a:schemeClr val="tx1">
+            <a:lumMod val="65000"/>
+            <a:lumOff val="35000"/>
+          </a:schemeClr>
+        </a:solidFill>
+        <a:round/>
+      </a:ln>
+    </cs:spPr>
+  </cs:upBar>
+  <cs:valueAxis>
+    <cs:lnRef idx="0"/>
+    <cs:fillRef idx="0"/>
+    <cs:effectRef idx="0"/>
+    <cs:fontRef idx="minor">
+      <a:schemeClr val="tx1">
+        <a:lumMod val="65000"/>
+        <a:lumOff val="35000"/>
+      </a:schemeClr>
+    </cs:fontRef>
+    <cs:spPr>
+      <a:ln w="9525" cap="flat" cmpd="sng" algn="ctr">
+        <a:solidFill>
+          <a:schemeClr val="tx1">
+            <a:lumMod val="25000"/>
+            <a:lumOff val="75000"/>
+          </a:schemeClr>
+        </a:solidFill>
+        <a:round/>
+      </a:ln>
+    </cs:spPr>
+    <cs:defRPr sz="900" kern="1200"/>
+  </cs:valueAxis>
+  <cs:wall>
+    <cs:lnRef idx="0"/>
+    <cs:fillRef idx="0"/>
+    <cs:effectRef idx="0"/>
+    <cs:fontRef idx="minor">
+      <a:schemeClr val="tx1"/>
+    </cs:fontRef>
+    <cs:spPr>
+      <a:noFill/>
+      <a:ln>
+        <a:noFill/>
+      </a:ln>
+    </cs:spPr>
+  </cs:wall>
+</cs:chartStyle>
+</file>
+
+<file path=ppt/charts/style4.xml><?xml version="1.0" encoding="utf-8"?>
 <cs:chartStyle xmlns:cs="http://schemas.microsoft.com/office/drawing/2012/chartStyle" xmlns:a="http://schemas.openxmlformats.org/drawingml/2006/main" id="216">
   <cs:axisTitle>
     <cs:lnRef idx="0"/>
@@ -1336,6 +4913,356 @@
 </cs:chartStyle>
 </file>
 
+<file path=ppt/notesMasters/notesMaster1.xml><?xml version="1.0" encoding="utf-8"?>
+<p:notesMaster xmlns:a="http://schemas.openxmlformats.org/drawingml/2006/main" xmlns:r="http://schemas.openxmlformats.org/officeDocument/2006/relationships" xmlns:p="http://schemas.openxmlformats.org/presentationml/2006/main">
+  <p:cSld>
+    <p:bg>
+      <p:bgRef idx="1001">
+        <a:schemeClr val="bg1"/>
+      </p:bgRef>
+    </p:bg>
+    <p:spTree>
+      <p:nvGrpSpPr>
+        <p:cNvPr id="1" name=""/>
+        <p:cNvGrpSpPr/>
+        <p:nvPr/>
+      </p:nvGrpSpPr>
+      <p:grpSpPr>
+        <a:xfrm>
+          <a:off x="0" y="0"/>
+          <a:ext cx="0" cy="0"/>
+          <a:chOff x="0" y="0"/>
+          <a:chExt cx="0" cy="0"/>
+        </a:xfrm>
+      </p:grpSpPr>
+      <p:sp>
+        <p:nvSpPr>
+          <p:cNvPr id="2" name="Kopfzeilenplatzhalter 1"/>
+          <p:cNvSpPr>
+            <a:spLocks noGrp="1"/>
+          </p:cNvSpPr>
+          <p:nvPr>
+            <p:ph type="hdr" sz="quarter"/>
+          </p:nvPr>
+        </p:nvSpPr>
+        <p:spPr>
+          <a:xfrm>
+            <a:off x="0" y="0"/>
+            <a:ext cx="2971800" cy="458788"/>
+          </a:xfrm>
+          <a:prstGeom prst="rect">
+            <a:avLst/>
+          </a:prstGeom>
+        </p:spPr>
+        <p:txBody>
+          <a:bodyPr vert="horz" lIns="91440" tIns="45720" rIns="91440" bIns="45720" rtlCol="0"/>
+          <a:lstStyle>
+            <a:lvl1pPr algn="l">
+              <a:defRPr sz="1200"/>
+            </a:lvl1pPr>
+          </a:lstStyle>
+          <a:p>
+            <a:endParaRPr lang="de-AT"/>
+          </a:p>
+        </p:txBody>
+      </p:sp>
+      <p:sp>
+        <p:nvSpPr>
+          <p:cNvPr id="3" name="Datumsplatzhalter 2"/>
+          <p:cNvSpPr>
+            <a:spLocks noGrp="1"/>
+          </p:cNvSpPr>
+          <p:nvPr>
+            <p:ph type="dt" idx="1"/>
+          </p:nvPr>
+        </p:nvSpPr>
+        <p:spPr>
+          <a:xfrm>
+            <a:off x="3884613" y="0"/>
+            <a:ext cx="2971800" cy="458788"/>
+          </a:xfrm>
+          <a:prstGeom prst="rect">
+            <a:avLst/>
+          </a:prstGeom>
+        </p:spPr>
+        <p:txBody>
+          <a:bodyPr vert="horz" lIns="91440" tIns="45720" rIns="91440" bIns="45720" rtlCol="0"/>
+          <a:lstStyle>
+            <a:lvl1pPr algn="r">
+              <a:defRPr sz="1200"/>
+            </a:lvl1pPr>
+          </a:lstStyle>
+          <a:p>
+            <a:fld id="{76434FE5-7B68-4ABA-9120-E8154FE6DC3F}" type="datetimeFigureOut">
+              <a:rPr lang="de-AT" smtClean="0"/>
+              <a:t>14.02.2025</a:t>
+            </a:fld>
+            <a:endParaRPr lang="de-AT"/>
+          </a:p>
+        </p:txBody>
+      </p:sp>
+      <p:sp>
+        <p:nvSpPr>
+          <p:cNvPr id="4" name="Folienbildplatzhalter 3"/>
+          <p:cNvSpPr>
+            <a:spLocks noGrp="1" noRot="1" noChangeAspect="1"/>
+          </p:cNvSpPr>
+          <p:nvPr>
+            <p:ph type="sldImg" idx="2"/>
+          </p:nvPr>
+        </p:nvSpPr>
+        <p:spPr>
+          <a:xfrm>
+            <a:off x="685800" y="1143000"/>
+            <a:ext cx="5486400" cy="3086100"/>
+          </a:xfrm>
+          <a:prstGeom prst="rect">
+            <a:avLst/>
+          </a:prstGeom>
+          <a:noFill/>
+          <a:ln w="12700">
+            <a:solidFill>
+              <a:prstClr val="black"/>
+            </a:solidFill>
+          </a:ln>
+        </p:spPr>
+        <p:txBody>
+          <a:bodyPr vert="horz" lIns="91440" tIns="45720" rIns="91440" bIns="45720" rtlCol="0" anchor="ctr"/>
+          <a:lstStyle/>
+          <a:p>
+            <a:endParaRPr lang="de-AT"/>
+          </a:p>
+        </p:txBody>
+      </p:sp>
+      <p:sp>
+        <p:nvSpPr>
+          <p:cNvPr id="5" name="Notizenplatzhalter 4"/>
+          <p:cNvSpPr>
+            <a:spLocks noGrp="1"/>
+          </p:cNvSpPr>
+          <p:nvPr>
+            <p:ph type="body" sz="quarter" idx="3"/>
+          </p:nvPr>
+        </p:nvSpPr>
+        <p:spPr>
+          <a:xfrm>
+            <a:off x="685800" y="4400550"/>
+            <a:ext cx="5486400" cy="3600450"/>
+          </a:xfrm>
+          <a:prstGeom prst="rect">
+            <a:avLst/>
+          </a:prstGeom>
+        </p:spPr>
+        <p:txBody>
+          <a:bodyPr vert="horz" lIns="91440" tIns="45720" rIns="91440" bIns="45720" rtlCol="0"/>
+          <a:lstStyle/>
+          <a:p>
+            <a:pPr lvl="0"/>
+            <a:r>
+              <a:rPr lang="de-DE"/>
+              <a:t>Mastertextformat bearbeiten</a:t>
+            </a:r>
+          </a:p>
+          <a:p>
+            <a:pPr lvl="1"/>
+            <a:r>
+              <a:rPr lang="de-DE"/>
+              <a:t>Zweite Ebene</a:t>
+            </a:r>
+          </a:p>
+          <a:p>
+            <a:pPr lvl="2"/>
+            <a:r>
+              <a:rPr lang="de-DE"/>
+              <a:t>Dritte Ebene</a:t>
+            </a:r>
+          </a:p>
+          <a:p>
+            <a:pPr lvl="3"/>
+            <a:r>
+              <a:rPr lang="de-DE"/>
+              <a:t>Vierte Ebene</a:t>
+            </a:r>
+          </a:p>
+          <a:p>
+            <a:pPr lvl="4"/>
+            <a:r>
+              <a:rPr lang="de-DE"/>
+              <a:t>Fünfte Ebene</a:t>
+            </a:r>
+            <a:endParaRPr lang="de-AT"/>
+          </a:p>
+        </p:txBody>
+      </p:sp>
+      <p:sp>
+        <p:nvSpPr>
+          <p:cNvPr id="6" name="Fußzeilenplatzhalter 5"/>
+          <p:cNvSpPr>
+            <a:spLocks noGrp="1"/>
+          </p:cNvSpPr>
+          <p:nvPr>
+            <p:ph type="ftr" sz="quarter" idx="4"/>
+          </p:nvPr>
+        </p:nvSpPr>
+        <p:spPr>
+          <a:xfrm>
+            <a:off x="0" y="8685213"/>
+            <a:ext cx="2971800" cy="458787"/>
+          </a:xfrm>
+          <a:prstGeom prst="rect">
+            <a:avLst/>
+          </a:prstGeom>
+        </p:spPr>
+        <p:txBody>
+          <a:bodyPr vert="horz" lIns="91440" tIns="45720" rIns="91440" bIns="45720" rtlCol="0" anchor="b"/>
+          <a:lstStyle>
+            <a:lvl1pPr algn="l">
+              <a:defRPr sz="1200"/>
+            </a:lvl1pPr>
+          </a:lstStyle>
+          <a:p>
+            <a:endParaRPr lang="de-AT"/>
+          </a:p>
+        </p:txBody>
+      </p:sp>
+      <p:sp>
+        <p:nvSpPr>
+          <p:cNvPr id="7" name="Foliennummernplatzhalter 6"/>
+          <p:cNvSpPr>
+            <a:spLocks noGrp="1"/>
+          </p:cNvSpPr>
+          <p:nvPr>
+            <p:ph type="sldNum" sz="quarter" idx="5"/>
+          </p:nvPr>
+        </p:nvSpPr>
+        <p:spPr>
+          <a:xfrm>
+            <a:off x="3884613" y="8685213"/>
+            <a:ext cx="2971800" cy="458787"/>
+          </a:xfrm>
+          <a:prstGeom prst="rect">
+            <a:avLst/>
+          </a:prstGeom>
+        </p:spPr>
+        <p:txBody>
+          <a:bodyPr vert="horz" lIns="91440" tIns="45720" rIns="91440" bIns="45720" rtlCol="0" anchor="b"/>
+          <a:lstStyle>
+            <a:lvl1pPr algn="r">
+              <a:defRPr sz="1200"/>
+            </a:lvl1pPr>
+          </a:lstStyle>
+          <a:p>
+            <a:fld id="{88D9DBE0-E5DC-46AB-8A56-F73A7BAD3F05}" type="slidenum">
+              <a:rPr lang="de-AT" smtClean="0"/>
+              <a:t>‹Nr.›</a:t>
+            </a:fld>
+            <a:endParaRPr lang="de-AT"/>
+          </a:p>
+        </p:txBody>
+      </p:sp>
+    </p:spTree>
+    <p:extLst>
+      <p:ext uri="{BB962C8B-B14F-4D97-AF65-F5344CB8AC3E}">
+        <p14:creationId xmlns:p14="http://schemas.microsoft.com/office/powerpoint/2010/main" val="1729155974"/>
+      </p:ext>
+    </p:extLst>
+  </p:cSld>
+  <p:clrMap bg1="lt1" tx1="dk1" bg2="lt2" tx2="dk2" accent1="accent1" accent2="accent2" accent3="accent3" accent4="accent4" accent5="accent5" accent6="accent6" hlink="hlink" folHlink="folHlink"/>
+  <p:notesStyle>
+    <a:lvl1pPr marL="0" algn="l" defTabSz="914400" rtl="0" eaLnBrk="1" latinLnBrk="0" hangingPunct="1">
+      <a:defRPr sz="1200" kern="1200">
+        <a:solidFill>
+          <a:schemeClr val="tx1"/>
+        </a:solidFill>
+        <a:latin typeface="+mn-lt"/>
+        <a:ea typeface="+mn-ea"/>
+        <a:cs typeface="+mn-cs"/>
+      </a:defRPr>
+    </a:lvl1pPr>
+    <a:lvl2pPr marL="457200" algn="l" defTabSz="914400" rtl="0" eaLnBrk="1" latinLnBrk="0" hangingPunct="1">
+      <a:defRPr sz="1200" kern="1200">
+        <a:solidFill>
+          <a:schemeClr val="tx1"/>
+        </a:solidFill>
+        <a:latin typeface="+mn-lt"/>
+        <a:ea typeface="+mn-ea"/>
+        <a:cs typeface="+mn-cs"/>
+      </a:defRPr>
+    </a:lvl2pPr>
+    <a:lvl3pPr marL="914400" algn="l" defTabSz="914400" rtl="0" eaLnBrk="1" latinLnBrk="0" hangingPunct="1">
+      <a:defRPr sz="1200" kern="1200">
+        <a:solidFill>
+          <a:schemeClr val="tx1"/>
+        </a:solidFill>
+        <a:latin typeface="+mn-lt"/>
+        <a:ea typeface="+mn-ea"/>
+        <a:cs typeface="+mn-cs"/>
+      </a:defRPr>
+    </a:lvl3pPr>
+    <a:lvl4pPr marL="1371600" algn="l" defTabSz="914400" rtl="0" eaLnBrk="1" latinLnBrk="0" hangingPunct="1">
+      <a:defRPr sz="1200" kern="1200">
+        <a:solidFill>
+          <a:schemeClr val="tx1"/>
+        </a:solidFill>
+        <a:latin typeface="+mn-lt"/>
+        <a:ea typeface="+mn-ea"/>
+        <a:cs typeface="+mn-cs"/>
+      </a:defRPr>
+    </a:lvl4pPr>
+    <a:lvl5pPr marL="1828800" algn="l" defTabSz="914400" rtl="0" eaLnBrk="1" latinLnBrk="0" hangingPunct="1">
+      <a:defRPr sz="1200" kern="1200">
+        <a:solidFill>
+          <a:schemeClr val="tx1"/>
+        </a:solidFill>
+        <a:latin typeface="+mn-lt"/>
+        <a:ea typeface="+mn-ea"/>
+        <a:cs typeface="+mn-cs"/>
+      </a:defRPr>
+    </a:lvl5pPr>
+    <a:lvl6pPr marL="2286000" algn="l" defTabSz="914400" rtl="0" eaLnBrk="1" latinLnBrk="0" hangingPunct="1">
+      <a:defRPr sz="1200" kern="1200">
+        <a:solidFill>
+          <a:schemeClr val="tx1"/>
+        </a:solidFill>
+        <a:latin typeface="+mn-lt"/>
+        <a:ea typeface="+mn-ea"/>
+        <a:cs typeface="+mn-cs"/>
+      </a:defRPr>
+    </a:lvl6pPr>
+    <a:lvl7pPr marL="2743200" algn="l" defTabSz="914400" rtl="0" eaLnBrk="1" latinLnBrk="0" hangingPunct="1">
+      <a:defRPr sz="1200" kern="1200">
+        <a:solidFill>
+          <a:schemeClr val="tx1"/>
+        </a:solidFill>
+        <a:latin typeface="+mn-lt"/>
+        <a:ea typeface="+mn-ea"/>
+        <a:cs typeface="+mn-cs"/>
+      </a:defRPr>
+    </a:lvl7pPr>
+    <a:lvl8pPr marL="3200400" algn="l" defTabSz="914400" rtl="0" eaLnBrk="1" latinLnBrk="0" hangingPunct="1">
+      <a:defRPr sz="1200" kern="1200">
+        <a:solidFill>
+          <a:schemeClr val="tx1"/>
+        </a:solidFill>
+        <a:latin typeface="+mn-lt"/>
+        <a:ea typeface="+mn-ea"/>
+        <a:cs typeface="+mn-cs"/>
+      </a:defRPr>
+    </a:lvl8pPr>
+    <a:lvl9pPr marL="3657600" algn="l" defTabSz="914400" rtl="0" eaLnBrk="1" latinLnBrk="0" hangingPunct="1">
+      <a:defRPr sz="1200" kern="1200">
+        <a:solidFill>
+          <a:schemeClr val="tx1"/>
+        </a:solidFill>
+        <a:latin typeface="+mn-lt"/>
+        <a:ea typeface="+mn-ea"/>
+        <a:cs typeface="+mn-cs"/>
+      </a:defRPr>
+    </a:lvl9pPr>
+  </p:notesStyle>
+</p:notesMaster>
+</file>
+
 <file path=ppt/slideLayouts/slideLayout1.xml><?xml version="1.0" encoding="utf-8"?>
 <p:sldLayout xmlns:a="http://schemas.openxmlformats.org/drawingml/2006/main" xmlns:r="http://schemas.openxmlformats.org/officeDocument/2006/relationships" xmlns:p="http://schemas.openxmlformats.org/presentationml/2006/main" showMasterSp="0" type="title" preserve="1">
   <p:cSld name="Titelfolie">
@@ -1502,9 +5429,9 @@
             </a:lvl1pPr>
           </a:lstStyle>
           <a:p>
-            <a:fld id="{C7B5033B-E79C-4009-9C64-ABF7A52B63B5}" type="datetimeFigureOut">
+            <a:fld id="{246058E9-55A2-4372-9191-49F9A4870AAA}" type="datetime1">
               <a:rPr lang="de-AT" smtClean="0"/>
-              <a:t>06.02.2025</a:t>
+              <a:t>14.02.2025</a:t>
             </a:fld>
             <a:endParaRPr lang="de-AT"/>
           </a:p>
@@ -1535,7 +5462,15 @@
             </a:lvl1pPr>
           </a:lstStyle>
           <a:p>
-            <a:endParaRPr lang="de-AT"/>
+            <a:r>
+              <a:rPr lang="de-AT" dirty="0"/>
+              <a:t>WIPOL </a:t>
+            </a:r>
+            <a:r>
+              <a:rPr lang="de-AT" dirty="0" err="1"/>
+              <a:t>Hirschwang</a:t>
+            </a:r>
+            <a:endParaRPr lang="de-AT" dirty="0"/>
           </a:p>
         </p:txBody>
       </p:sp>
@@ -1730,9 +5665,9 @@
           <a:bodyPr/>
           <a:lstStyle/>
           <a:p>
-            <a:fld id="{C7B5033B-E79C-4009-9C64-ABF7A52B63B5}" type="datetimeFigureOut">
+            <a:fld id="{143B0B5A-4FCE-4D89-AA62-7BF252F71E89}" type="datetime1">
               <a:rPr lang="de-AT" smtClean="0"/>
-              <a:t>06.02.2025</a:t>
+              <a:t>14.02.2025</a:t>
             </a:fld>
             <a:endParaRPr lang="de-AT"/>
           </a:p>
@@ -1753,7 +5688,11 @@
           <a:bodyPr/>
           <a:lstStyle/>
           <a:p>
-            <a:endParaRPr lang="de-AT"/>
+            <a:r>
+              <a:rPr lang="de-DE"/>
+              <a:t>WIPOL Hirschwang</a:t>
+            </a:r>
+            <a:endParaRPr lang="de-AT" dirty="0"/>
           </a:p>
         </p:txBody>
       </p:sp>
@@ -1910,9 +5849,9 @@
           <a:bodyPr/>
           <a:lstStyle/>
           <a:p>
-            <a:fld id="{C7B5033B-E79C-4009-9C64-ABF7A52B63B5}" type="datetimeFigureOut">
+            <a:fld id="{73E23147-2EDF-4F5F-8C95-FE456210809D}" type="datetime1">
               <a:rPr lang="de-AT" smtClean="0"/>
-              <a:t>06.02.2025</a:t>
+              <a:t>14.02.2025</a:t>
             </a:fld>
             <a:endParaRPr lang="de-AT"/>
           </a:p>
@@ -1933,7 +5872,11 @@
           <a:bodyPr/>
           <a:lstStyle/>
           <a:p>
-            <a:endParaRPr lang="de-AT"/>
+            <a:r>
+              <a:rPr lang="de-DE"/>
+              <a:t>WIPOL Hirschwang</a:t>
+            </a:r>
+            <a:endParaRPr lang="de-AT" dirty="0"/>
           </a:p>
         </p:txBody>
       </p:sp>
@@ -2080,11 +6023,11 @@
           <a:bodyPr/>
           <a:lstStyle/>
           <a:p>
-            <a:fld id="{C7B5033B-E79C-4009-9C64-ABF7A52B63B5}" type="datetimeFigureOut">
+            <a:fld id="{689FCED0-334A-4C9A-9230-D481B01ADEAD}" type="datetime1">
               <a:rPr lang="de-AT" smtClean="0"/>
-              <a:t>06.02.2025</a:t>
+              <a:t>14.02.2025</a:t>
             </a:fld>
-            <a:endParaRPr lang="de-AT"/>
+            <a:endParaRPr lang="de-AT" dirty="0"/>
           </a:p>
         </p:txBody>
       </p:sp>
@@ -2103,7 +6046,11 @@
           <a:bodyPr/>
           <a:lstStyle/>
           <a:p>
-            <a:endParaRPr lang="de-AT"/>
+            <a:r>
+              <a:rPr lang="de-DE"/>
+              <a:t>WIPOL Hirschwang</a:t>
+            </a:r>
+            <a:endParaRPr lang="de-AT" dirty="0"/>
           </a:p>
         </p:txBody>
       </p:sp>
@@ -2334,9 +6281,9 @@
           <a:bodyPr/>
           <a:lstStyle/>
           <a:p>
-            <a:fld id="{C7B5033B-E79C-4009-9C64-ABF7A52B63B5}" type="datetimeFigureOut">
+            <a:fld id="{B6D0B57B-F9DC-45CA-811E-177ABA524BFE}" type="datetime1">
               <a:rPr lang="de-AT" smtClean="0"/>
-              <a:t>06.02.2025</a:t>
+              <a:t>14.02.2025</a:t>
             </a:fld>
             <a:endParaRPr lang="de-AT"/>
           </a:p>
@@ -2357,7 +6304,11 @@
           <a:bodyPr/>
           <a:lstStyle/>
           <a:p>
-            <a:endParaRPr lang="de-AT"/>
+            <a:r>
+              <a:rPr lang="de-AT"/>
+              <a:t>WIPOL Hirschwang</a:t>
+            </a:r>
+            <a:endParaRPr lang="de-AT" dirty="0"/>
           </a:p>
         </p:txBody>
       </p:sp>
@@ -2660,9 +6611,9 @@
           <a:bodyPr/>
           <a:lstStyle/>
           <a:p>
-            <a:fld id="{C7B5033B-E79C-4009-9C64-ABF7A52B63B5}" type="datetimeFigureOut">
+            <a:fld id="{B21427AD-1DF3-4BA4-9BED-4548075ED95D}" type="datetime1">
               <a:rPr lang="de-AT" smtClean="0"/>
-              <a:t>06.02.2025</a:t>
+              <a:t>14.02.2025</a:t>
             </a:fld>
             <a:endParaRPr lang="de-AT"/>
           </a:p>
@@ -2683,7 +6634,11 @@
           <a:bodyPr/>
           <a:lstStyle/>
           <a:p>
-            <a:endParaRPr lang="de-AT"/>
+            <a:r>
+              <a:rPr lang="de-DE"/>
+              <a:t>WIPOL Hirschwang</a:t>
+            </a:r>
+            <a:endParaRPr lang="de-AT" dirty="0"/>
           </a:p>
         </p:txBody>
       </p:sp>
@@ -3111,9 +7066,9 @@
           <a:bodyPr/>
           <a:lstStyle/>
           <a:p>
-            <a:fld id="{C7B5033B-E79C-4009-9C64-ABF7A52B63B5}" type="datetimeFigureOut">
+            <a:fld id="{A63B4EB0-A88A-4452-B6A6-330855AB3A89}" type="datetime1">
               <a:rPr lang="de-AT" smtClean="0"/>
-              <a:t>06.02.2025</a:t>
+              <a:t>14.02.2025</a:t>
             </a:fld>
             <a:endParaRPr lang="de-AT"/>
           </a:p>
@@ -3134,7 +7089,11 @@
           <a:bodyPr/>
           <a:lstStyle/>
           <a:p>
-            <a:endParaRPr lang="de-AT"/>
+            <a:r>
+              <a:rPr lang="de-DE"/>
+              <a:t>WIPOL Hirschwang</a:t>
+            </a:r>
+            <a:endParaRPr lang="de-AT" dirty="0"/>
           </a:p>
         </p:txBody>
       </p:sp>
@@ -3229,9 +7188,9 @@
           <a:bodyPr/>
           <a:lstStyle/>
           <a:p>
-            <a:fld id="{C7B5033B-E79C-4009-9C64-ABF7A52B63B5}" type="datetimeFigureOut">
+            <a:fld id="{EB26C837-E799-4614-84E9-45715316A295}" type="datetime1">
               <a:rPr lang="de-AT" smtClean="0"/>
-              <a:t>06.02.2025</a:t>
+              <a:t>14.02.2025</a:t>
             </a:fld>
             <a:endParaRPr lang="de-AT"/>
           </a:p>
@@ -3252,7 +7211,11 @@
           <a:bodyPr/>
           <a:lstStyle/>
           <a:p>
-            <a:endParaRPr lang="de-AT"/>
+            <a:r>
+              <a:rPr lang="de-DE"/>
+              <a:t>WIPOL Hirschwang</a:t>
+            </a:r>
+            <a:endParaRPr lang="de-AT" dirty="0"/>
           </a:p>
         </p:txBody>
       </p:sp>
@@ -3324,9 +7287,9 @@
           <a:bodyPr/>
           <a:lstStyle/>
           <a:p>
-            <a:fld id="{C7B5033B-E79C-4009-9C64-ABF7A52B63B5}" type="datetimeFigureOut">
+            <a:fld id="{9EEE9879-AADB-4E18-9D95-470FF4626C68}" type="datetime1">
               <a:rPr lang="de-AT" smtClean="0"/>
-              <a:t>06.02.2025</a:t>
+              <a:t>14.02.2025</a:t>
             </a:fld>
             <a:endParaRPr lang="de-AT"/>
           </a:p>
@@ -3347,7 +7310,11 @@
           <a:bodyPr/>
           <a:lstStyle/>
           <a:p>
-            <a:endParaRPr lang="de-AT"/>
+            <a:r>
+              <a:rPr lang="de-DE"/>
+              <a:t>WIPOL Hirschwang</a:t>
+            </a:r>
+            <a:endParaRPr lang="de-AT" dirty="0"/>
           </a:p>
         </p:txBody>
       </p:sp>
@@ -3611,9 +7578,9 @@
           <a:bodyPr/>
           <a:lstStyle/>
           <a:p>
-            <a:fld id="{C7B5033B-E79C-4009-9C64-ABF7A52B63B5}" type="datetimeFigureOut">
+            <a:fld id="{FC65365C-52D5-475A-9AB0-4158C41B7A41}" type="datetime1">
               <a:rPr lang="de-AT" smtClean="0"/>
-              <a:t>06.02.2025</a:t>
+              <a:t>14.02.2025</a:t>
             </a:fld>
             <a:endParaRPr lang="de-AT"/>
           </a:p>
@@ -3634,7 +7601,11 @@
           <a:bodyPr/>
           <a:lstStyle/>
           <a:p>
-            <a:endParaRPr lang="de-AT"/>
+            <a:r>
+              <a:rPr lang="de-DE"/>
+              <a:t>WIPOL Hirschwang</a:t>
+            </a:r>
+            <a:endParaRPr lang="de-AT" dirty="0"/>
           </a:p>
         </p:txBody>
       </p:sp>
@@ -3933,9 +7904,9 @@
           <a:bodyPr/>
           <a:lstStyle/>
           <a:p>
-            <a:fld id="{C7B5033B-E79C-4009-9C64-ABF7A52B63B5}" type="datetimeFigureOut">
+            <a:fld id="{814CA2A9-C25F-4097-9711-0218A29E078F}" type="datetime1">
               <a:rPr lang="de-AT" smtClean="0"/>
-              <a:t>06.02.2025</a:t>
+              <a:t>14.02.2025</a:t>
             </a:fld>
             <a:endParaRPr lang="de-AT"/>
           </a:p>
@@ -3956,7 +7927,11 @@
           <a:bodyPr/>
           <a:lstStyle/>
           <a:p>
-            <a:endParaRPr lang="de-AT"/>
+            <a:r>
+              <a:rPr lang="de-DE"/>
+              <a:t>WIPOL Hirschwang</a:t>
+            </a:r>
+            <a:endParaRPr lang="de-AT" dirty="0"/>
           </a:p>
         </p:txBody>
       </p:sp>
@@ -4187,11 +8162,11 @@
             </a:lvl1pPr>
           </a:lstStyle>
           <a:p>
-            <a:fld id="{C7B5033B-E79C-4009-9C64-ABF7A52B63B5}" type="datetimeFigureOut">
+            <a:fld id="{9C96DB8E-0008-40D4-BEBB-7F8E3F84F940}" type="datetime1">
               <a:rPr lang="de-AT" smtClean="0"/>
-              <a:t>06.02.2025</a:t>
+              <a:t>14.02.2025</a:t>
             </a:fld>
-            <a:endParaRPr lang="de-AT"/>
+            <a:endParaRPr lang="de-AT" dirty="0"/>
           </a:p>
         </p:txBody>
       </p:sp>
@@ -4229,7 +8204,15 @@
             </a:lvl1pPr>
           </a:lstStyle>
           <a:p>
-            <a:endParaRPr lang="de-AT"/>
+            <a:r>
+              <a:rPr lang="de-DE" dirty="0"/>
+              <a:t>WIPOL </a:t>
+            </a:r>
+            <a:r>
+              <a:rPr lang="de-DE" dirty="0" err="1"/>
+              <a:t>Hirschwang</a:t>
+            </a:r>
+            <a:endParaRPr lang="de-AT" dirty="0"/>
           </a:p>
         </p:txBody>
       </p:sp>
@@ -4298,6 +8281,7 @@
     <p:sldLayoutId id="2147483724" r:id="rId10"/>
     <p:sldLayoutId id="2147483725" r:id="rId11"/>
   </p:sldLayoutIdLst>
+  <p:hf hdr="0" dt="0"/>
   <p:txStyles>
     <p:titleStyle>
       <a:lvl1pPr algn="l" defTabSz="914400" rtl="0" eaLnBrk="1" latinLnBrk="0" hangingPunct="1">
@@ -4740,6 +8724,65 @@
           </a:p>
         </p:txBody>
       </p:sp>
+      <p:sp>
+        <p:nvSpPr>
+          <p:cNvPr id="4" name="Fußzeilenplatzhalter 3">
+            <a:extLst>
+              <a:ext uri="{FF2B5EF4-FFF2-40B4-BE49-F238E27FC236}">
+                <a16:creationId xmlns:a16="http://schemas.microsoft.com/office/drawing/2014/main" id="{F72D2D72-F399-C915-E01B-684F6310A366}"/>
+              </a:ext>
+            </a:extLst>
+          </p:cNvPr>
+          <p:cNvSpPr>
+            <a:spLocks noGrp="1"/>
+          </p:cNvSpPr>
+          <p:nvPr>
+            <p:ph type="ftr" sz="quarter" idx="11"/>
+          </p:nvPr>
+        </p:nvSpPr>
+        <p:spPr/>
+        <p:txBody>
+          <a:bodyPr/>
+          <a:lstStyle/>
+          <a:p>
+            <a:r>
+              <a:rPr lang="de-AT"/>
+              <a:t>WIPOL Hirschwang</a:t>
+            </a:r>
+          </a:p>
+        </p:txBody>
+      </p:sp>
+      <p:sp>
+        <p:nvSpPr>
+          <p:cNvPr id="5" name="Foliennummernplatzhalter 4">
+            <a:extLst>
+              <a:ext uri="{FF2B5EF4-FFF2-40B4-BE49-F238E27FC236}">
+                <a16:creationId xmlns:a16="http://schemas.microsoft.com/office/drawing/2014/main" id="{8623CE2C-28AB-D987-F6E7-526E0D739BEF}"/>
+              </a:ext>
+            </a:extLst>
+          </p:cNvPr>
+          <p:cNvSpPr>
+            <a:spLocks noGrp="1"/>
+          </p:cNvSpPr>
+          <p:nvPr>
+            <p:ph type="sldNum" sz="quarter" idx="12"/>
+          </p:nvPr>
+        </p:nvSpPr>
+        <p:spPr/>
+        <p:txBody>
+          <a:bodyPr>
+            <a:normAutofit lnSpcReduction="10000"/>
+          </a:bodyPr>
+          <a:lstStyle/>
+          <a:p>
+            <a:fld id="{58087E24-FB43-451A-9D0B-7B980EC5ED81}" type="slidenum">
+              <a:rPr lang="de-AT" smtClean="0"/>
+              <a:t>1</a:t>
+            </a:fld>
+            <a:endParaRPr lang="de-AT"/>
+          </a:p>
+        </p:txBody>
+      </p:sp>
     </p:spTree>
     <p:extLst>
       <p:ext uri="{BB962C8B-B14F-4D97-AF65-F5344CB8AC3E}">
@@ -4754,6 +8797,159 @@
 </file>
 
 <file path=ppt/slides/slide10.xml><?xml version="1.0" encoding="utf-8"?>
+<p:sld xmlns:a="http://schemas.openxmlformats.org/drawingml/2006/main" xmlns:r="http://schemas.openxmlformats.org/officeDocument/2006/relationships" xmlns:p="http://schemas.openxmlformats.org/presentationml/2006/main">
+  <p:cSld>
+    <p:spTree>
+      <p:nvGrpSpPr>
+        <p:cNvPr id="1" name=""/>
+        <p:cNvGrpSpPr/>
+        <p:nvPr/>
+      </p:nvGrpSpPr>
+      <p:grpSpPr>
+        <a:xfrm>
+          <a:off x="0" y="0"/>
+          <a:ext cx="0" cy="0"/>
+          <a:chOff x="0" y="0"/>
+          <a:chExt cx="0" cy="0"/>
+        </a:xfrm>
+      </p:grpSpPr>
+      <p:sp>
+        <p:nvSpPr>
+          <p:cNvPr id="2" name="Titel 1">
+            <a:extLst>
+              <a:ext uri="{FF2B5EF4-FFF2-40B4-BE49-F238E27FC236}">
+                <a16:creationId xmlns:a16="http://schemas.microsoft.com/office/drawing/2014/main" id="{AB4F34F2-FD1A-FC57-D53E-8A5C1321C35A}"/>
+              </a:ext>
+            </a:extLst>
+          </p:cNvPr>
+          <p:cNvSpPr>
+            <a:spLocks noGrp="1"/>
+          </p:cNvSpPr>
+          <p:nvPr>
+            <p:ph type="title"/>
+          </p:nvPr>
+        </p:nvSpPr>
+        <p:spPr/>
+        <p:txBody>
+          <a:bodyPr/>
+          <a:lstStyle/>
+          <a:p>
+            <a:r>
+              <a:rPr lang="de-DE" dirty="0" err="1"/>
+              <a:t>Github</a:t>
+            </a:r>
+            <a:endParaRPr lang="de-AT" dirty="0"/>
+          </a:p>
+        </p:txBody>
+      </p:sp>
+      <p:sp>
+        <p:nvSpPr>
+          <p:cNvPr id="3" name="Inhaltsplatzhalter 2">
+            <a:extLst>
+              <a:ext uri="{FF2B5EF4-FFF2-40B4-BE49-F238E27FC236}">
+                <a16:creationId xmlns:a16="http://schemas.microsoft.com/office/drawing/2014/main" id="{6471F93C-8191-3241-8A23-E9A5E8781D29}"/>
+              </a:ext>
+            </a:extLst>
+          </p:cNvPr>
+          <p:cNvSpPr>
+            <a:spLocks noGrp="1"/>
+          </p:cNvSpPr>
+          <p:nvPr>
+            <p:ph idx="1"/>
+          </p:nvPr>
+        </p:nvSpPr>
+        <p:spPr/>
+        <p:txBody>
+          <a:bodyPr/>
+          <a:lstStyle/>
+          <a:p>
+            <a:r>
+              <a:rPr lang="de-AT" dirty="0">
+                <a:hlinkClick r:id="rId2"/>
+              </a:rPr>
+              <a:t>https://github.com/ClaraHimmelbauer/hirschwang-hochrechnung</a:t>
+            </a:r>
+            <a:r>
+              <a:rPr lang="de-AT" dirty="0"/>
+              <a:t> </a:t>
+            </a:r>
+          </a:p>
+        </p:txBody>
+      </p:sp>
+      <p:sp>
+        <p:nvSpPr>
+          <p:cNvPr id="4" name="Fußzeilenplatzhalter 3">
+            <a:extLst>
+              <a:ext uri="{FF2B5EF4-FFF2-40B4-BE49-F238E27FC236}">
+                <a16:creationId xmlns:a16="http://schemas.microsoft.com/office/drawing/2014/main" id="{71785966-08C8-DB34-DD0F-CCF445189BEC}"/>
+              </a:ext>
+            </a:extLst>
+          </p:cNvPr>
+          <p:cNvSpPr>
+            <a:spLocks noGrp="1"/>
+          </p:cNvSpPr>
+          <p:nvPr>
+            <p:ph type="ftr" sz="quarter" idx="11"/>
+          </p:nvPr>
+        </p:nvSpPr>
+        <p:spPr/>
+        <p:txBody>
+          <a:bodyPr/>
+          <a:lstStyle/>
+          <a:p>
+            <a:r>
+              <a:rPr lang="de-DE"/>
+              <a:t>WIPOL Hirschwang</a:t>
+            </a:r>
+            <a:endParaRPr lang="de-AT" dirty="0"/>
+          </a:p>
+        </p:txBody>
+      </p:sp>
+      <p:sp>
+        <p:nvSpPr>
+          <p:cNvPr id="5" name="Foliennummernplatzhalter 4">
+            <a:extLst>
+              <a:ext uri="{FF2B5EF4-FFF2-40B4-BE49-F238E27FC236}">
+                <a16:creationId xmlns:a16="http://schemas.microsoft.com/office/drawing/2014/main" id="{C5BA5588-5E52-6350-56D1-1A6F750510D3}"/>
+              </a:ext>
+            </a:extLst>
+          </p:cNvPr>
+          <p:cNvSpPr>
+            <a:spLocks noGrp="1"/>
+          </p:cNvSpPr>
+          <p:nvPr>
+            <p:ph type="sldNum" sz="quarter" idx="12"/>
+          </p:nvPr>
+        </p:nvSpPr>
+        <p:spPr/>
+        <p:txBody>
+          <a:bodyPr>
+            <a:normAutofit lnSpcReduction="10000"/>
+          </a:bodyPr>
+          <a:lstStyle/>
+          <a:p>
+            <a:fld id="{58087E24-FB43-451A-9D0B-7B980EC5ED81}" type="slidenum">
+              <a:rPr lang="de-AT" smtClean="0"/>
+              <a:t>10</a:t>
+            </a:fld>
+            <a:endParaRPr lang="de-AT"/>
+          </a:p>
+        </p:txBody>
+      </p:sp>
+    </p:spTree>
+    <p:extLst>
+      <p:ext uri="{BB962C8B-B14F-4D97-AF65-F5344CB8AC3E}">
+        <p14:creationId xmlns:p14="http://schemas.microsoft.com/office/powerpoint/2010/main" val="4082787262"/>
+      </p:ext>
+    </p:extLst>
+  </p:cSld>
+  <p:clrMapOvr>
+    <a:masterClrMapping/>
+  </p:clrMapOvr>
+</p:sld>
+</file>
+
+<file path=ppt/slides/slide11.xml><?xml version="1.0" encoding="utf-8"?>
 <p:sld xmlns:a="http://schemas.openxmlformats.org/drawingml/2006/main" xmlns:r="http://schemas.openxmlformats.org/officeDocument/2006/relationships" xmlns:p="http://schemas.openxmlformats.org/presentationml/2006/main">
   <p:cSld>
     <p:spTree>
@@ -4793,7 +8989,7 @@
           <a:p>
             <a:r>
               <a:rPr lang="de-DE" dirty="0"/>
-              <a:t>Datenstruktur</a:t>
+              <a:t>Datenstruktur im master.xlsx</a:t>
             </a:r>
             <a:endParaRPr lang="de-AT" dirty="0"/>
           </a:p>
@@ -4860,6 +9056,66 @@
           </a:p>
         </p:txBody>
       </p:sp>
+      <p:sp>
+        <p:nvSpPr>
+          <p:cNvPr id="4" name="Fußzeilenplatzhalter 3">
+            <a:extLst>
+              <a:ext uri="{FF2B5EF4-FFF2-40B4-BE49-F238E27FC236}">
+                <a16:creationId xmlns:a16="http://schemas.microsoft.com/office/drawing/2014/main" id="{D74C05D1-8134-CFD2-5D08-C0B430F76437}"/>
+              </a:ext>
+            </a:extLst>
+          </p:cNvPr>
+          <p:cNvSpPr>
+            <a:spLocks noGrp="1"/>
+          </p:cNvSpPr>
+          <p:nvPr>
+            <p:ph type="ftr" sz="quarter" idx="11"/>
+          </p:nvPr>
+        </p:nvSpPr>
+        <p:spPr/>
+        <p:txBody>
+          <a:bodyPr/>
+          <a:lstStyle/>
+          <a:p>
+            <a:r>
+              <a:rPr lang="de-DE"/>
+              <a:t>WIPOL Hirschwang</a:t>
+            </a:r>
+            <a:endParaRPr lang="de-AT" dirty="0"/>
+          </a:p>
+        </p:txBody>
+      </p:sp>
+      <p:sp>
+        <p:nvSpPr>
+          <p:cNvPr id="5" name="Foliennummernplatzhalter 4">
+            <a:extLst>
+              <a:ext uri="{FF2B5EF4-FFF2-40B4-BE49-F238E27FC236}">
+                <a16:creationId xmlns:a16="http://schemas.microsoft.com/office/drawing/2014/main" id="{D9992BD1-340C-F4E8-C67B-3531D064089A}"/>
+              </a:ext>
+            </a:extLst>
+          </p:cNvPr>
+          <p:cNvSpPr>
+            <a:spLocks noGrp="1"/>
+          </p:cNvSpPr>
+          <p:nvPr>
+            <p:ph type="sldNum" sz="quarter" idx="12"/>
+          </p:nvPr>
+        </p:nvSpPr>
+        <p:spPr/>
+        <p:txBody>
+          <a:bodyPr>
+            <a:normAutofit lnSpcReduction="10000"/>
+          </a:bodyPr>
+          <a:lstStyle/>
+          <a:p>
+            <a:fld id="{58087E24-FB43-451A-9D0B-7B980EC5ED81}" type="slidenum">
+              <a:rPr lang="de-AT" smtClean="0"/>
+              <a:t>11</a:t>
+            </a:fld>
+            <a:endParaRPr lang="de-AT"/>
+          </a:p>
+        </p:txBody>
+      </p:sp>
     </p:spTree>
     <p:extLst>
       <p:ext uri="{BB962C8B-B14F-4D97-AF65-F5344CB8AC3E}">
@@ -4873,7 +9129,7 @@
 </p:sld>
 </file>
 
-<file path=ppt/slides/slide11.xml><?xml version="1.0" encoding="utf-8"?>
+<file path=ppt/slides/slide12.xml><?xml version="1.0" encoding="utf-8"?>
 <p:sld xmlns:a="http://schemas.openxmlformats.org/drawingml/2006/main" xmlns:r="http://schemas.openxmlformats.org/officeDocument/2006/relationships" xmlns:p="http://schemas.openxmlformats.org/presentationml/2006/main">
   <p:cSld>
     <p:spTree>
@@ -4895,7 +9151,7 @@
           <p:cNvPr id="2" name="Titel 1">
             <a:extLst>
               <a:ext uri="{FF2B5EF4-FFF2-40B4-BE49-F238E27FC236}">
-                <a16:creationId xmlns:a16="http://schemas.microsoft.com/office/drawing/2014/main" id="{E598A848-6A90-634E-F347-3421E1503D22}"/>
+                <a16:creationId xmlns:a16="http://schemas.microsoft.com/office/drawing/2014/main" id="{EAA1EB89-0DA5-8B12-35B9-45D2002014C9}"/>
               </a:ext>
             </a:extLst>
           </p:cNvPr>
@@ -4913,7 +9169,7 @@
           <a:p>
             <a:r>
               <a:rPr lang="de-DE" dirty="0"/>
-              <a:t>Kontakt</a:t>
+              <a:t>Rechenschritte</a:t>
             </a:r>
             <a:endParaRPr lang="de-AT" dirty="0"/>
           </a:p>
@@ -4924,7 +9180,7 @@
           <p:cNvPr id="3" name="Inhaltsplatzhalter 2">
             <a:extLst>
               <a:ext uri="{FF2B5EF4-FFF2-40B4-BE49-F238E27FC236}">
-                <a16:creationId xmlns:a16="http://schemas.microsoft.com/office/drawing/2014/main" id="{1FA04347-D704-73DD-249E-ACCB8AB8D9EB}"/>
+                <a16:creationId xmlns:a16="http://schemas.microsoft.com/office/drawing/2014/main" id="{E1798F2C-FE89-ED24-D240-6CC575BDD404}"/>
               </a:ext>
             </a:extLst>
           </p:cNvPr>
@@ -4937,27 +9193,412 @@
         </p:nvSpPr>
         <p:spPr/>
         <p:txBody>
-          <a:bodyPr/>
+          <a:bodyPr>
+            <a:normAutofit fontScale="85000" lnSpcReduction="10000"/>
+          </a:bodyPr>
           <a:lstStyle/>
           <a:p>
+            <a:pPr marL="342900" indent="-342900">
+              <a:lnSpc>
+                <a:spcPct val="134000"/>
+              </a:lnSpc>
+              <a:spcBef>
+                <a:spcPts val="0"/>
+              </a:spcBef>
+              <a:spcAft>
+                <a:spcPts val="0"/>
+              </a:spcAft>
+              <a:buFont typeface="+mj-lt"/>
+              <a:buAutoNum type="arabicPeriod"/>
+            </a:pPr>
             <a:r>
-              <a:rPr lang="de-DE" dirty="0">
-                <a:hlinkClick r:id="rId2"/>
-              </a:rPr>
-              <a:t>clara.himmelbauer@wu.ac.at</a:t>
+              <a:rPr lang="de-DE" dirty="0"/>
+              <a:t>Nichtwähler berechnen</a:t>
+            </a:r>
+          </a:p>
+          <a:p>
+            <a:pPr marL="342900" indent="-342900">
+              <a:lnSpc>
+                <a:spcPct val="134000"/>
+              </a:lnSpc>
+              <a:spcBef>
+                <a:spcPts val="0"/>
+              </a:spcBef>
+              <a:spcAft>
+                <a:spcPts val="0"/>
+              </a:spcAft>
+              <a:buFont typeface="+mj-lt"/>
+              <a:buAutoNum type="arabicPeriod"/>
+            </a:pPr>
+            <a:r>
+              <a:rPr lang="de-DE" dirty="0"/>
+              <a:t>Daten zusammenkopieren (oder 1. und 2. in umgekehrter Reihenfolge)</a:t>
+            </a:r>
+          </a:p>
+          <a:p>
+            <a:pPr marL="342900" indent="-342900">
+              <a:lnSpc>
+                <a:spcPct val="134000"/>
+              </a:lnSpc>
+              <a:spcBef>
+                <a:spcPts val="0"/>
+              </a:spcBef>
+              <a:spcAft>
+                <a:spcPts val="0"/>
+              </a:spcAft>
+              <a:buFont typeface="+mj-lt"/>
+              <a:buAutoNum type="arabicPeriod"/>
+            </a:pPr>
+            <a:r>
+              <a:rPr lang="de-DE" dirty="0"/>
+              <a:t>Ausgezählte Gemeinden filtern/danach sortieren und Daten in ein extra Tabellenblatt kopieren</a:t>
+            </a:r>
+          </a:p>
+          <a:p>
+            <a:pPr marL="342900" indent="-342900">
+              <a:lnSpc>
+                <a:spcPct val="134000"/>
+              </a:lnSpc>
+              <a:spcBef>
+                <a:spcPts val="0"/>
+              </a:spcBef>
+              <a:spcAft>
+                <a:spcPts val="0"/>
+              </a:spcAft>
+              <a:buFont typeface="+mj-lt"/>
+              <a:buAutoNum type="arabicPeriod"/>
+            </a:pPr>
+            <a:r>
+              <a:rPr lang="de-DE" dirty="0"/>
+              <a:t>Regressionen rechnen. Das </a:t>
+            </a:r>
+            <a:r>
+              <a:rPr lang="de-DE" dirty="0" err="1"/>
+              <a:t>Datenanlyse</a:t>
             </a:r>
             <a:r>
               <a:rPr lang="de-DE" dirty="0"/>
-              <a:t> </a:t>
+              <a:t> Add-In muss aktiviert sein. Dazu siehe `man/excel-datenanalyse-aktivieren.docx` </a:t>
+            </a:r>
+          </a:p>
+          <a:p>
+            <a:pPr marL="342900" indent="-342900">
+              <a:lnSpc>
+                <a:spcPct val="134000"/>
+              </a:lnSpc>
+              <a:spcBef>
+                <a:spcPts val="0"/>
+              </a:spcBef>
+              <a:spcAft>
+                <a:spcPts val="0"/>
+              </a:spcAft>
+              <a:buFont typeface="+mj-lt"/>
+              <a:buAutoNum type="arabicPeriod"/>
+            </a:pPr>
+            <a:r>
+              <a:rPr lang="de-DE" dirty="0"/>
+              <a:t>Nach jeder Regression die Koeffizienten in ein extra Tabellenblatt kopieren, oder direkt extra ins prognose-Tabellenblatt.</a:t>
+            </a:r>
+          </a:p>
+          <a:p>
+            <a:pPr marL="342900" indent="-342900">
+              <a:lnSpc>
+                <a:spcPct val="134000"/>
+              </a:lnSpc>
+              <a:spcBef>
+                <a:spcPts val="0"/>
+              </a:spcBef>
+              <a:spcAft>
+                <a:spcPts val="0"/>
+              </a:spcAft>
+              <a:buFont typeface="+mj-lt"/>
+              <a:buAutoNum type="arabicPeriod"/>
+            </a:pPr>
+            <a:r>
+              <a:rPr lang="de-DE" dirty="0"/>
+              <a:t>Prognose-Tabellenblatt erstellen: alle Daten </a:t>
+            </a:r>
+            <a:r>
+              <a:rPr lang="de-DE" dirty="0" err="1"/>
+              <a:t>rüberkopieren</a:t>
+            </a:r>
+            <a:r>
+              <a:rPr lang="de-DE" dirty="0"/>
+              <a:t>, nach GKZ sortieren, Spalten für Prognose vorsehen, Daten nach unten schieben und in die frei gewordenen Zeilen über der jeweiligen Partei die Koeffizienten einfügen</a:t>
+            </a:r>
+          </a:p>
+          <a:p>
+            <a:pPr marL="342900" indent="-342900">
+              <a:lnSpc>
+                <a:spcPct val="134000"/>
+              </a:lnSpc>
+              <a:spcBef>
+                <a:spcPts val="0"/>
+              </a:spcBef>
+              <a:spcAft>
+                <a:spcPts val="0"/>
+              </a:spcAft>
+              <a:buFont typeface="+mj-lt"/>
+              <a:buAutoNum type="arabicPeriod"/>
+            </a:pPr>
+            <a:r>
+              <a:rPr lang="de-DE" dirty="0"/>
+              <a:t>Prognose rechnen: lineare Regression</a:t>
+            </a:r>
+          </a:p>
+          <a:p>
+            <a:pPr marL="342900" indent="-342900">
+              <a:lnSpc>
+                <a:spcPct val="134000"/>
+              </a:lnSpc>
+              <a:spcBef>
+                <a:spcPts val="0"/>
+              </a:spcBef>
+              <a:spcAft>
+                <a:spcPts val="0"/>
+              </a:spcAft>
+              <a:buFont typeface="+mj-lt"/>
+              <a:buAutoNum type="arabicPeriod"/>
+            </a:pPr>
+            <a:r>
+              <a:rPr lang="de-DE" dirty="0"/>
+              <a:t>Prognose korrigieren: Keine Werte unter 0, Ausgezählte mit echten Zahlen, Summe der Stimmen = Wahlberechtigte</a:t>
+            </a:r>
+          </a:p>
+          <a:p>
+            <a:pPr marL="342900" indent="-342900">
+              <a:lnSpc>
+                <a:spcPct val="134000"/>
+              </a:lnSpc>
+              <a:spcBef>
+                <a:spcPts val="0"/>
+              </a:spcBef>
+              <a:spcAft>
+                <a:spcPts val="0"/>
+              </a:spcAft>
+              <a:buFont typeface="+mj-lt"/>
+              <a:buAutoNum type="arabicPeriod"/>
+            </a:pPr>
+            <a:r>
+              <a:rPr lang="de-DE" dirty="0"/>
+              <a:t>Gesamtergebnis berechnen</a:t>
             </a:r>
             <a:endParaRPr lang="de-AT" dirty="0"/>
+          </a:p>
+        </p:txBody>
+      </p:sp>
+      <p:sp>
+        <p:nvSpPr>
+          <p:cNvPr id="4" name="Fußzeilenplatzhalter 3">
+            <a:extLst>
+              <a:ext uri="{FF2B5EF4-FFF2-40B4-BE49-F238E27FC236}">
+                <a16:creationId xmlns:a16="http://schemas.microsoft.com/office/drawing/2014/main" id="{D480C1F3-6927-DEA2-D5EF-A0678606CD9D}"/>
+              </a:ext>
+            </a:extLst>
+          </p:cNvPr>
+          <p:cNvSpPr>
+            <a:spLocks noGrp="1"/>
+          </p:cNvSpPr>
+          <p:nvPr>
+            <p:ph type="ftr" sz="quarter" idx="11"/>
+          </p:nvPr>
+        </p:nvSpPr>
+        <p:spPr/>
+        <p:txBody>
+          <a:bodyPr/>
+          <a:lstStyle/>
+          <a:p>
+            <a:r>
+              <a:rPr lang="de-DE"/>
+              <a:t>WIPOL Hirschwang</a:t>
+            </a:r>
+            <a:endParaRPr lang="de-AT" dirty="0"/>
+          </a:p>
+        </p:txBody>
+      </p:sp>
+      <p:sp>
+        <p:nvSpPr>
+          <p:cNvPr id="5" name="Foliennummernplatzhalter 4">
+            <a:extLst>
+              <a:ext uri="{FF2B5EF4-FFF2-40B4-BE49-F238E27FC236}">
+                <a16:creationId xmlns:a16="http://schemas.microsoft.com/office/drawing/2014/main" id="{9146F115-010A-F4A5-10F0-F26B3786F243}"/>
+              </a:ext>
+            </a:extLst>
+          </p:cNvPr>
+          <p:cNvSpPr>
+            <a:spLocks noGrp="1"/>
+          </p:cNvSpPr>
+          <p:nvPr>
+            <p:ph type="sldNum" sz="quarter" idx="12"/>
+          </p:nvPr>
+        </p:nvSpPr>
+        <p:spPr/>
+        <p:txBody>
+          <a:bodyPr>
+            <a:normAutofit lnSpcReduction="10000"/>
+          </a:bodyPr>
+          <a:lstStyle/>
+          <a:p>
+            <a:fld id="{58087E24-FB43-451A-9D0B-7B980EC5ED81}" type="slidenum">
+              <a:rPr lang="de-AT" smtClean="0"/>
+              <a:t>12</a:t>
+            </a:fld>
+            <a:endParaRPr lang="de-AT"/>
           </a:p>
         </p:txBody>
       </p:sp>
     </p:spTree>
     <p:extLst>
       <p:ext uri="{BB962C8B-B14F-4D97-AF65-F5344CB8AC3E}">
-        <p14:creationId xmlns:p14="http://schemas.microsoft.com/office/powerpoint/2010/main" val="1720390971"/>
+        <p14:creationId xmlns:p14="http://schemas.microsoft.com/office/powerpoint/2010/main" val="1092695825"/>
+      </p:ext>
+    </p:extLst>
+  </p:cSld>
+  <p:clrMapOvr>
+    <a:masterClrMapping/>
+  </p:clrMapOvr>
+</p:sld>
+</file>
+
+<file path=ppt/slides/slide13.xml><?xml version="1.0" encoding="utf-8"?>
+<p:sld xmlns:a="http://schemas.openxmlformats.org/drawingml/2006/main" xmlns:r="http://schemas.openxmlformats.org/officeDocument/2006/relationships" xmlns:p="http://schemas.openxmlformats.org/presentationml/2006/main">
+  <p:cSld>
+    <p:spTree>
+      <p:nvGrpSpPr>
+        <p:cNvPr id="1" name=""/>
+        <p:cNvGrpSpPr/>
+        <p:nvPr/>
+      </p:nvGrpSpPr>
+      <p:grpSpPr>
+        <a:xfrm>
+          <a:off x="0" y="0"/>
+          <a:ext cx="0" cy="0"/>
+          <a:chOff x="0" y="0"/>
+          <a:chExt cx="0" cy="0"/>
+        </a:xfrm>
+      </p:grpSpPr>
+      <p:sp>
+        <p:nvSpPr>
+          <p:cNvPr id="2" name="Titel 1">
+            <a:extLst>
+              <a:ext uri="{FF2B5EF4-FFF2-40B4-BE49-F238E27FC236}">
+                <a16:creationId xmlns:a16="http://schemas.microsoft.com/office/drawing/2014/main" id="{4305337E-AC67-7FCE-EF39-E9B60053183A}"/>
+              </a:ext>
+            </a:extLst>
+          </p:cNvPr>
+          <p:cNvSpPr>
+            <a:spLocks noGrp="1"/>
+          </p:cNvSpPr>
+          <p:nvPr>
+            <p:ph type="ctrTitle"/>
+          </p:nvPr>
+        </p:nvSpPr>
+        <p:spPr/>
+        <p:txBody>
+          <a:bodyPr/>
+          <a:lstStyle/>
+          <a:p>
+            <a:r>
+              <a:rPr lang="de-DE" dirty="0"/>
+              <a:t>Kontakt</a:t>
+            </a:r>
+            <a:endParaRPr lang="de-AT" dirty="0"/>
+          </a:p>
+        </p:txBody>
+      </p:sp>
+      <p:sp>
+        <p:nvSpPr>
+          <p:cNvPr id="3" name="Untertitel 2">
+            <a:extLst>
+              <a:ext uri="{FF2B5EF4-FFF2-40B4-BE49-F238E27FC236}">
+                <a16:creationId xmlns:a16="http://schemas.microsoft.com/office/drawing/2014/main" id="{27233127-5468-D201-174C-3A85568BA4C7}"/>
+              </a:ext>
+            </a:extLst>
+          </p:cNvPr>
+          <p:cNvSpPr>
+            <a:spLocks noGrp="1"/>
+          </p:cNvSpPr>
+          <p:nvPr>
+            <p:ph type="subTitle" idx="1"/>
+          </p:nvPr>
+        </p:nvSpPr>
+        <p:spPr/>
+        <p:txBody>
+          <a:bodyPr/>
+          <a:lstStyle/>
+          <a:p>
+            <a:r>
+              <a:rPr lang="de-DE" dirty="0"/>
+              <a:t>clara.himmelbauer@wu.ac.at</a:t>
+            </a:r>
+            <a:endParaRPr lang="de-AT" dirty="0"/>
+          </a:p>
+        </p:txBody>
+      </p:sp>
+      <p:sp>
+        <p:nvSpPr>
+          <p:cNvPr id="4" name="Fußzeilenplatzhalter 3">
+            <a:extLst>
+              <a:ext uri="{FF2B5EF4-FFF2-40B4-BE49-F238E27FC236}">
+                <a16:creationId xmlns:a16="http://schemas.microsoft.com/office/drawing/2014/main" id="{1ACEC547-D164-E6ED-8502-EC613B8C1523}"/>
+              </a:ext>
+            </a:extLst>
+          </p:cNvPr>
+          <p:cNvSpPr>
+            <a:spLocks noGrp="1"/>
+          </p:cNvSpPr>
+          <p:nvPr>
+            <p:ph type="ftr" sz="quarter" idx="11"/>
+          </p:nvPr>
+        </p:nvSpPr>
+        <p:spPr/>
+        <p:txBody>
+          <a:bodyPr/>
+          <a:lstStyle/>
+          <a:p>
+            <a:r>
+              <a:rPr lang="de-AT"/>
+              <a:t>WIPOL Hirschwang</a:t>
+            </a:r>
+            <a:endParaRPr lang="de-AT" dirty="0"/>
+          </a:p>
+        </p:txBody>
+      </p:sp>
+      <p:sp>
+        <p:nvSpPr>
+          <p:cNvPr id="5" name="Foliennummernplatzhalter 4">
+            <a:extLst>
+              <a:ext uri="{FF2B5EF4-FFF2-40B4-BE49-F238E27FC236}">
+                <a16:creationId xmlns:a16="http://schemas.microsoft.com/office/drawing/2014/main" id="{B55DB7B9-52B2-0202-3BF0-90BC281EBA95}"/>
+              </a:ext>
+            </a:extLst>
+          </p:cNvPr>
+          <p:cNvSpPr>
+            <a:spLocks noGrp="1"/>
+          </p:cNvSpPr>
+          <p:nvPr>
+            <p:ph type="sldNum" sz="quarter" idx="12"/>
+          </p:nvPr>
+        </p:nvSpPr>
+        <p:spPr/>
+        <p:txBody>
+          <a:bodyPr>
+            <a:normAutofit lnSpcReduction="10000"/>
+          </a:bodyPr>
+          <a:lstStyle/>
+          <a:p>
+            <a:fld id="{58087E24-FB43-451A-9D0B-7B980EC5ED81}" type="slidenum">
+              <a:rPr lang="de-AT" smtClean="0"/>
+              <a:t>13</a:t>
+            </a:fld>
+            <a:endParaRPr lang="de-AT"/>
+          </a:p>
+        </p:txBody>
+      </p:sp>
+    </p:spTree>
+    <p:extLst>
+      <p:ext uri="{BB962C8B-B14F-4D97-AF65-F5344CB8AC3E}">
+        <p14:creationId xmlns:p14="http://schemas.microsoft.com/office/powerpoint/2010/main" val="2580471319"/>
       </p:ext>
     </p:extLst>
   </p:cSld>
@@ -5034,7 +9675,101 @@
           <a:bodyPr/>
           <a:lstStyle/>
           <a:p>
+            <a:r>
+              <a:rPr lang="de-AT" dirty="0"/>
+              <a:t>Hochrechnung praktisch: </a:t>
+            </a:r>
+            <a:r>
+              <a:rPr lang="de-AT" dirty="0">
+                <a:hlinkClick r:id="rId2"/>
+              </a:rPr>
+              <a:t>Das, was an Wahlabenden im ORF um kurz nach 17:00 läuft</a:t>
+            </a:r>
             <a:endParaRPr lang="de-AT" dirty="0"/>
+          </a:p>
+          <a:p>
+            <a:r>
+              <a:rPr lang="de-AT" dirty="0"/>
+              <a:t>Hochrechnung technisch:</a:t>
+            </a:r>
+          </a:p>
+          <a:p>
+            <a:pPr lvl="1"/>
+            <a:r>
+              <a:rPr lang="de-AT" dirty="0"/>
+              <a:t>Eine lineare Regression</a:t>
+            </a:r>
+          </a:p>
+          <a:p>
+            <a:pPr lvl="1"/>
+            <a:r>
+              <a:rPr lang="de-AT" dirty="0"/>
+              <a:t>Ergebnis der aktuellen Wahl wird anhand der Wähler*innenströme in bereits ausgezählten Gemeinden prognostiziert</a:t>
+            </a:r>
+          </a:p>
+          <a:p>
+            <a:pPr lvl="1"/>
+            <a:endParaRPr lang="de-AT" dirty="0"/>
+          </a:p>
+        </p:txBody>
+      </p:sp>
+      <p:sp>
+        <p:nvSpPr>
+          <p:cNvPr id="4" name="Fußzeilenplatzhalter 3">
+            <a:extLst>
+              <a:ext uri="{FF2B5EF4-FFF2-40B4-BE49-F238E27FC236}">
+                <a16:creationId xmlns:a16="http://schemas.microsoft.com/office/drawing/2014/main" id="{C27A3D85-8996-E354-E7BA-72E7C4E1CDD0}"/>
+              </a:ext>
+            </a:extLst>
+          </p:cNvPr>
+          <p:cNvSpPr>
+            <a:spLocks noGrp="1"/>
+          </p:cNvSpPr>
+          <p:nvPr>
+            <p:ph type="ftr" sz="quarter" idx="11"/>
+          </p:nvPr>
+        </p:nvSpPr>
+        <p:spPr/>
+        <p:txBody>
+          <a:bodyPr/>
+          <a:lstStyle/>
+          <a:p>
+            <a:r>
+              <a:rPr lang="de-DE"/>
+              <a:t>WIPOL Hirschwang</a:t>
+            </a:r>
+            <a:endParaRPr lang="de-AT" dirty="0"/>
+          </a:p>
+        </p:txBody>
+      </p:sp>
+      <p:sp>
+        <p:nvSpPr>
+          <p:cNvPr id="5" name="Foliennummernplatzhalter 4">
+            <a:extLst>
+              <a:ext uri="{FF2B5EF4-FFF2-40B4-BE49-F238E27FC236}">
+                <a16:creationId xmlns:a16="http://schemas.microsoft.com/office/drawing/2014/main" id="{DA904810-1F0C-C3B4-502E-D546E6F35022}"/>
+              </a:ext>
+            </a:extLst>
+          </p:cNvPr>
+          <p:cNvSpPr>
+            <a:spLocks noGrp="1"/>
+          </p:cNvSpPr>
+          <p:nvPr>
+            <p:ph type="sldNum" sz="quarter" idx="12"/>
+          </p:nvPr>
+        </p:nvSpPr>
+        <p:spPr/>
+        <p:txBody>
+          <a:bodyPr>
+            <a:normAutofit lnSpcReduction="10000"/>
+          </a:bodyPr>
+          <a:lstStyle/>
+          <a:p>
+            <a:fld id="{58087E24-FB43-451A-9D0B-7B980EC5ED81}" type="slidenum">
+              <a:rPr lang="de-AT" smtClean="0"/>
+              <a:t>2</a:t>
+            </a:fld>
+            <a:endParaRPr lang="de-AT"/>
           </a:p>
         </p:txBody>
       </p:sp>
@@ -5048,6 +9783,147 @@
   <p:clrMapOvr>
     <a:masterClrMapping/>
   </p:clrMapOvr>
+  <p:timing>
+    <p:tnLst>
+      <p:par>
+        <p:cTn id="1" dur="indefinite" restart="never" nodeType="tmRoot">
+          <p:childTnLst>
+            <p:seq concurrent="1" nextAc="seek">
+              <p:cTn id="2" dur="indefinite" nodeType="mainSeq">
+                <p:childTnLst>
+                  <p:par>
+                    <p:cTn id="3" fill="hold">
+                      <p:stCondLst>
+                        <p:cond delay="indefinite"/>
+                      </p:stCondLst>
+                      <p:childTnLst>
+                        <p:par>
+                          <p:cTn id="4" fill="hold">
+                            <p:stCondLst>
+                              <p:cond delay="0"/>
+                            </p:stCondLst>
+                            <p:childTnLst>
+                              <p:par>
+                                <p:cTn id="5" presetID="1" presetClass="entr" presetSubtype="0" fill="hold" nodeType="clickEffect">
+                                  <p:stCondLst>
+                                    <p:cond delay="0"/>
+                                  </p:stCondLst>
+                                  <p:childTnLst>
+                                    <p:set>
+                                      <p:cBhvr>
+                                        <p:cTn id="6" dur="1" fill="hold">
+                                          <p:stCondLst>
+                                            <p:cond delay="0"/>
+                                          </p:stCondLst>
+                                        </p:cTn>
+                                        <p:tgtEl>
+                                          <p:spTgt spid="3">
+                                            <p:txEl>
+                                              <p:pRg st="1" end="1"/>
+                                            </p:txEl>
+                                          </p:spTgt>
+                                        </p:tgtEl>
+                                        <p:attrNameLst>
+                                          <p:attrName>style.visibility</p:attrName>
+                                        </p:attrNameLst>
+                                      </p:cBhvr>
+                                      <p:to>
+                                        <p:strVal val="visible"/>
+                                      </p:to>
+                                    </p:set>
+                                  </p:childTnLst>
+                                </p:cTn>
+                              </p:par>
+                              <p:par>
+                                <p:cTn id="7" presetID="1" presetClass="entr" presetSubtype="0" fill="hold" nodeType="withEffect">
+                                  <p:stCondLst>
+                                    <p:cond delay="0"/>
+                                  </p:stCondLst>
+                                  <p:childTnLst>
+                                    <p:set>
+                                      <p:cBhvr>
+                                        <p:cTn id="8" dur="1" fill="hold">
+                                          <p:stCondLst>
+                                            <p:cond delay="0"/>
+                                          </p:stCondLst>
+                                        </p:cTn>
+                                        <p:tgtEl>
+                                          <p:spTgt spid="3">
+                                            <p:txEl>
+                                              <p:pRg st="2" end="2"/>
+                                            </p:txEl>
+                                          </p:spTgt>
+                                        </p:tgtEl>
+                                        <p:attrNameLst>
+                                          <p:attrName>style.visibility</p:attrName>
+                                        </p:attrNameLst>
+                                      </p:cBhvr>
+                                      <p:to>
+                                        <p:strVal val="visible"/>
+                                      </p:to>
+                                    </p:set>
+                                  </p:childTnLst>
+                                </p:cTn>
+                              </p:par>
+                              <p:par>
+                                <p:cTn id="9" presetID="1" presetClass="entr" presetSubtype="0" fill="hold" nodeType="withEffect">
+                                  <p:stCondLst>
+                                    <p:cond delay="0"/>
+                                  </p:stCondLst>
+                                  <p:childTnLst>
+                                    <p:set>
+                                      <p:cBhvr>
+                                        <p:cTn id="10" dur="1" fill="hold">
+                                          <p:stCondLst>
+                                            <p:cond delay="0"/>
+                                          </p:stCondLst>
+                                        </p:cTn>
+                                        <p:tgtEl>
+                                          <p:spTgt spid="3">
+                                            <p:txEl>
+                                              <p:pRg st="3" end="3"/>
+                                            </p:txEl>
+                                          </p:spTgt>
+                                        </p:tgtEl>
+                                        <p:attrNameLst>
+                                          <p:attrName>style.visibility</p:attrName>
+                                        </p:attrNameLst>
+                                      </p:cBhvr>
+                                      <p:to>
+                                        <p:strVal val="visible"/>
+                                      </p:to>
+                                    </p:set>
+                                  </p:childTnLst>
+                                </p:cTn>
+                              </p:par>
+                            </p:childTnLst>
+                          </p:cTn>
+                        </p:par>
+                      </p:childTnLst>
+                    </p:cTn>
+                  </p:par>
+                </p:childTnLst>
+              </p:cTn>
+              <p:prevCondLst>
+                <p:cond evt="onPrev" delay="0">
+                  <p:tgtEl>
+                    <p:sldTgt/>
+                  </p:tgtEl>
+                </p:cond>
+              </p:prevCondLst>
+              <p:nextCondLst>
+                <p:cond evt="onNext" delay="0">
+                  <p:tgtEl>
+                    <p:sldTgt/>
+                  </p:tgtEl>
+                </p:cond>
+              </p:nextCondLst>
+            </p:seq>
+          </p:childTnLst>
+        </p:cTn>
+      </p:par>
+    </p:tnLst>
+  </p:timing>
 </p:sld>
 </file>
 
@@ -5118,6 +9994,65 @@
           <a:bodyPr/>
           <a:lstStyle/>
           <a:p>
+            <a:endParaRPr lang="de-AT"/>
+          </a:p>
+        </p:txBody>
+      </p:sp>
+      <p:sp>
+        <p:nvSpPr>
+          <p:cNvPr id="4" name="Fußzeilenplatzhalter 3">
+            <a:extLst>
+              <a:ext uri="{FF2B5EF4-FFF2-40B4-BE49-F238E27FC236}">
+                <a16:creationId xmlns:a16="http://schemas.microsoft.com/office/drawing/2014/main" id="{4B399DC3-2F43-0603-42DB-39ED1274DD5D}"/>
+              </a:ext>
+            </a:extLst>
+          </p:cNvPr>
+          <p:cNvSpPr>
+            <a:spLocks noGrp="1"/>
+          </p:cNvSpPr>
+          <p:nvPr>
+            <p:ph type="ftr" sz="quarter" idx="11"/>
+          </p:nvPr>
+        </p:nvSpPr>
+        <p:spPr/>
+        <p:txBody>
+          <a:bodyPr/>
+          <a:lstStyle/>
+          <a:p>
+            <a:r>
+              <a:rPr lang="de-AT"/>
+              <a:t>WIPOL Hirschwang</a:t>
+            </a:r>
+          </a:p>
+        </p:txBody>
+      </p:sp>
+      <p:sp>
+        <p:nvSpPr>
+          <p:cNvPr id="5" name="Foliennummernplatzhalter 4">
+            <a:extLst>
+              <a:ext uri="{FF2B5EF4-FFF2-40B4-BE49-F238E27FC236}">
+                <a16:creationId xmlns:a16="http://schemas.microsoft.com/office/drawing/2014/main" id="{B3E7E42D-C360-5C83-5ACE-B1396D0B8B0C}"/>
+              </a:ext>
+            </a:extLst>
+          </p:cNvPr>
+          <p:cNvSpPr>
+            <a:spLocks noGrp="1"/>
+          </p:cNvSpPr>
+          <p:nvPr>
+            <p:ph type="sldNum" sz="quarter" idx="12"/>
+          </p:nvPr>
+        </p:nvSpPr>
+        <p:spPr/>
+        <p:txBody>
+          <a:bodyPr>
+            <a:normAutofit lnSpcReduction="10000"/>
+          </a:bodyPr>
+          <a:lstStyle/>
+          <a:p>
+            <a:fld id="{58087E24-FB43-451A-9D0B-7B980EC5ED81}" type="slidenum">
+              <a:rPr lang="de-AT" smtClean="0"/>
+              <a:t>3</a:t>
+            </a:fld>
             <a:endParaRPr lang="de-AT"/>
           </a:p>
         </p:txBody>
@@ -5390,12 +10325,588 @@
           </a:graphicData>
         </a:graphic>
       </p:graphicFrame>
+      <p:graphicFrame>
+        <p:nvGraphicFramePr>
+          <p:cNvPr id="3" name="Inhaltsplatzhalter 2">
+            <a:extLst>
+              <a:ext uri="{FF2B5EF4-FFF2-40B4-BE49-F238E27FC236}">
+                <a16:creationId xmlns:a16="http://schemas.microsoft.com/office/drawing/2014/main" id="{E91C3302-3212-4B6A-8208-514EE0DC525F}"/>
+              </a:ext>
+            </a:extLst>
+          </p:cNvPr>
+          <p:cNvGraphicFramePr>
+            <a:graphicFrameLocks noGrp="1"/>
+          </p:cNvGraphicFramePr>
+          <p:nvPr>
+            <p:ph sz="half" idx="2"/>
+            <p:extLst>
+              <p:ext uri="{D42A27DB-BD31-4B8C-83A1-F6EECF244321}">
+                <p14:modId xmlns:p14="http://schemas.microsoft.com/office/powerpoint/2010/main" val="1191220809"/>
+              </p:ext>
+            </p:extLst>
+          </p:nvPr>
+        </p:nvGraphicFramePr>
+        <p:xfrm>
+          <a:off x="6126163" y="1828800"/>
+          <a:ext cx="4680000" cy="4320000"/>
+        </p:xfrm>
+        <a:graphic>
+          <a:graphicData uri="http://schemas.openxmlformats.org/drawingml/2006/chart">
+            <c:chart xmlns:c="http://schemas.openxmlformats.org/drawingml/2006/chart" xmlns:r="http://schemas.openxmlformats.org/officeDocument/2006/relationships" r:id="rId2"/>
+          </a:graphicData>
+        </a:graphic>
+      </p:graphicFrame>
+      <mc:AlternateContent xmlns:mc="http://schemas.openxmlformats.org/markup-compatibility/2006">
+        <mc:Choice xmlns:a14="http://schemas.microsoft.com/office/drawing/2010/main" Requires="a14">
+          <p:sp>
+            <p:nvSpPr>
+              <p:cNvPr id="7" name="Inhaltsplatzhalter 2">
+                <a:extLst>
+                  <a:ext uri="{FF2B5EF4-FFF2-40B4-BE49-F238E27FC236}">
+                    <a16:creationId xmlns:a16="http://schemas.microsoft.com/office/drawing/2014/main" id="{88E3934B-7E44-7944-33A5-D96EA4980EC6}"/>
+                  </a:ext>
+                </a:extLst>
+              </p:cNvPr>
+              <p:cNvSpPr txBox="1">
+                <a:spLocks/>
+              </p:cNvSpPr>
+              <p:nvPr/>
+            </p:nvSpPr>
+            <p:spPr>
+              <a:xfrm>
+                <a:off x="1261872" y="3429000"/>
+                <a:ext cx="4479926" cy="3246119"/>
+              </a:xfrm>
+              <a:prstGeom prst="rect">
+                <a:avLst/>
+              </a:prstGeom>
+            </p:spPr>
+            <p:txBody>
+              <a:bodyPr vert="horz" lIns="91440" tIns="45720" rIns="91440" bIns="45720" rtlCol="0">
+                <a:normAutofit/>
+              </a:bodyPr>
+              <a:lstStyle>
+                <a:lvl1pPr marL="182880" indent="-182880" algn="l" defTabSz="914400" rtl="0" eaLnBrk="1" latinLnBrk="0" hangingPunct="1">
+                  <a:lnSpc>
+                    <a:spcPct val="95000"/>
+                  </a:lnSpc>
+                  <a:spcBef>
+                    <a:spcPts val="1400"/>
+                  </a:spcBef>
+                  <a:spcAft>
+                    <a:spcPts val="200"/>
+                  </a:spcAft>
+                  <a:buClr>
+                    <a:schemeClr val="accent1"/>
+                  </a:buClr>
+                  <a:buSzPct val="80000"/>
+                  <a:buFont typeface="Arial" pitchFamily="34" charset="0"/>
+                  <a:buChar char="•"/>
+                  <a:defRPr sz="1800" kern="1200" spc="10" baseline="0">
+                    <a:solidFill>
+                      <a:schemeClr val="tx1"/>
+                    </a:solidFill>
+                    <a:latin typeface="+mn-lt"/>
+                    <a:ea typeface="+mn-ea"/>
+                    <a:cs typeface="+mn-cs"/>
+                  </a:defRPr>
+                </a:lvl1pPr>
+                <a:lvl2pPr marL="457200" indent="-182880" algn="l" defTabSz="914400" rtl="0" eaLnBrk="1" latinLnBrk="0" hangingPunct="1">
+                  <a:lnSpc>
+                    <a:spcPct val="90000"/>
+                  </a:lnSpc>
+                  <a:spcBef>
+                    <a:spcPts val="300"/>
+                  </a:spcBef>
+                  <a:spcAft>
+                    <a:spcPts val="300"/>
+                  </a:spcAft>
+                  <a:buClr>
+                    <a:schemeClr val="accent1"/>
+                  </a:buClr>
+                  <a:buFont typeface="Wingdings 2" pitchFamily="18" charset="2"/>
+                  <a:buChar char=""/>
+                  <a:defRPr sz="1600" kern="1200">
+                    <a:solidFill>
+                      <a:schemeClr val="tx1">
+                        <a:lumMod val="85000"/>
+                        <a:lumOff val="15000"/>
+                      </a:schemeClr>
+                    </a:solidFill>
+                    <a:latin typeface="+mn-lt"/>
+                    <a:ea typeface="+mn-ea"/>
+                    <a:cs typeface="+mn-cs"/>
+                  </a:defRPr>
+                </a:lvl2pPr>
+                <a:lvl3pPr marL="731520" indent="-182880" algn="l" defTabSz="914400" rtl="0" eaLnBrk="1" latinLnBrk="0" hangingPunct="1">
+                  <a:lnSpc>
+                    <a:spcPct val="90000"/>
+                  </a:lnSpc>
+                  <a:spcBef>
+                    <a:spcPts val="300"/>
+                  </a:spcBef>
+                  <a:spcAft>
+                    <a:spcPts val="300"/>
+                  </a:spcAft>
+                  <a:buClr>
+                    <a:schemeClr val="accent1"/>
+                  </a:buClr>
+                  <a:buFont typeface="Wingdings 2" pitchFamily="18" charset="2"/>
+                  <a:buChar char=""/>
+                  <a:defRPr sz="1400" kern="1200">
+                    <a:solidFill>
+                      <a:schemeClr val="tx1">
+                        <a:lumMod val="85000"/>
+                        <a:lumOff val="15000"/>
+                      </a:schemeClr>
+                    </a:solidFill>
+                    <a:latin typeface="+mn-lt"/>
+                    <a:ea typeface="+mn-ea"/>
+                    <a:cs typeface="+mn-cs"/>
+                  </a:defRPr>
+                </a:lvl3pPr>
+                <a:lvl4pPr marL="1005840" indent="-182880" algn="l" defTabSz="914400" rtl="0" eaLnBrk="1" latinLnBrk="0" hangingPunct="1">
+                  <a:lnSpc>
+                    <a:spcPct val="90000"/>
+                  </a:lnSpc>
+                  <a:spcBef>
+                    <a:spcPts val="300"/>
+                  </a:spcBef>
+                  <a:spcAft>
+                    <a:spcPts val="300"/>
+                  </a:spcAft>
+                  <a:buClr>
+                    <a:schemeClr val="accent1"/>
+                  </a:buClr>
+                  <a:buFont typeface="Wingdings 2" pitchFamily="18" charset="2"/>
+                  <a:buChar char=""/>
+                  <a:defRPr sz="1400" kern="1200">
+                    <a:solidFill>
+                      <a:schemeClr val="tx1">
+                        <a:lumMod val="85000"/>
+                        <a:lumOff val="15000"/>
+                      </a:schemeClr>
+                    </a:solidFill>
+                    <a:latin typeface="+mn-lt"/>
+                    <a:ea typeface="+mn-ea"/>
+                    <a:cs typeface="+mn-cs"/>
+                  </a:defRPr>
+                </a:lvl4pPr>
+                <a:lvl5pPr marL="1280160" indent="-182880" algn="l" defTabSz="914400" rtl="0" eaLnBrk="1" latinLnBrk="0" hangingPunct="1">
+                  <a:lnSpc>
+                    <a:spcPct val="90000"/>
+                  </a:lnSpc>
+                  <a:spcBef>
+                    <a:spcPts val="300"/>
+                  </a:spcBef>
+                  <a:spcAft>
+                    <a:spcPts val="300"/>
+                  </a:spcAft>
+                  <a:buClr>
+                    <a:schemeClr val="accent1"/>
+                  </a:buClr>
+                  <a:buFont typeface="Wingdings 2" pitchFamily="18" charset="2"/>
+                  <a:buChar char=""/>
+                  <a:defRPr sz="1400" kern="1200">
+                    <a:solidFill>
+                      <a:schemeClr val="tx1">
+                        <a:lumMod val="85000"/>
+                        <a:lumOff val="15000"/>
+                      </a:schemeClr>
+                    </a:solidFill>
+                    <a:latin typeface="+mn-lt"/>
+                    <a:ea typeface="+mn-ea"/>
+                    <a:cs typeface="+mn-cs"/>
+                  </a:defRPr>
+                </a:lvl5pPr>
+                <a:lvl6pPr marL="1600000" indent="-228600" algn="l" defTabSz="914400" rtl="0" eaLnBrk="1" latinLnBrk="0" hangingPunct="1">
+                  <a:lnSpc>
+                    <a:spcPct val="90000"/>
+                  </a:lnSpc>
+                  <a:spcBef>
+                    <a:spcPts val="300"/>
+                  </a:spcBef>
+                  <a:spcAft>
+                    <a:spcPts val="300"/>
+                  </a:spcAft>
+                  <a:buClr>
+                    <a:schemeClr val="accent1"/>
+                  </a:buClr>
+                  <a:buFont typeface="Wingdings 2" pitchFamily="18" charset="2"/>
+                  <a:buChar char=""/>
+                  <a:defRPr sz="1400" kern="1200">
+                    <a:solidFill>
+                      <a:schemeClr val="tx1">
+                        <a:lumMod val="85000"/>
+                        <a:lumOff val="15000"/>
+                      </a:schemeClr>
+                    </a:solidFill>
+                    <a:latin typeface="+mn-lt"/>
+                    <a:ea typeface="+mn-ea"/>
+                    <a:cs typeface="+mn-cs"/>
+                  </a:defRPr>
+                </a:lvl6pPr>
+                <a:lvl7pPr marL="1900000" indent="-228600" algn="l" defTabSz="914400" rtl="0" eaLnBrk="1" latinLnBrk="0" hangingPunct="1">
+                  <a:lnSpc>
+                    <a:spcPct val="90000"/>
+                  </a:lnSpc>
+                  <a:spcBef>
+                    <a:spcPts val="300"/>
+                  </a:spcBef>
+                  <a:spcAft>
+                    <a:spcPts val="300"/>
+                  </a:spcAft>
+                  <a:buClr>
+                    <a:schemeClr val="accent1"/>
+                  </a:buClr>
+                  <a:buFont typeface="Wingdings 2" pitchFamily="18" charset="2"/>
+                  <a:buChar char=""/>
+                  <a:defRPr sz="1400" kern="1200">
+                    <a:solidFill>
+                      <a:schemeClr val="tx1">
+                        <a:lumMod val="85000"/>
+                        <a:lumOff val="15000"/>
+                      </a:schemeClr>
+                    </a:solidFill>
+                    <a:latin typeface="+mn-lt"/>
+                    <a:ea typeface="+mn-ea"/>
+                    <a:cs typeface="+mn-cs"/>
+                  </a:defRPr>
+                </a:lvl7pPr>
+                <a:lvl8pPr marL="2200000" indent="-228600" algn="l" defTabSz="914400" rtl="0" eaLnBrk="1" latinLnBrk="0" hangingPunct="1">
+                  <a:lnSpc>
+                    <a:spcPct val="90000"/>
+                  </a:lnSpc>
+                  <a:spcBef>
+                    <a:spcPts val="300"/>
+                  </a:spcBef>
+                  <a:spcAft>
+                    <a:spcPts val="300"/>
+                  </a:spcAft>
+                  <a:buClr>
+                    <a:schemeClr val="accent1"/>
+                  </a:buClr>
+                  <a:buFont typeface="Wingdings 2" pitchFamily="18" charset="2"/>
+                  <a:buChar char=""/>
+                  <a:defRPr sz="1400" kern="1200">
+                    <a:solidFill>
+                      <a:schemeClr val="tx1">
+                        <a:lumMod val="85000"/>
+                        <a:lumOff val="15000"/>
+                      </a:schemeClr>
+                    </a:solidFill>
+                    <a:latin typeface="+mn-lt"/>
+                    <a:ea typeface="+mn-ea"/>
+                    <a:cs typeface="+mn-cs"/>
+                  </a:defRPr>
+                </a:lvl8pPr>
+                <a:lvl9pPr marL="2500000" indent="-228600" algn="l" defTabSz="914400" rtl="0" eaLnBrk="1" latinLnBrk="0" hangingPunct="1">
+                  <a:lnSpc>
+                    <a:spcPct val="90000"/>
+                  </a:lnSpc>
+                  <a:spcBef>
+                    <a:spcPts val="300"/>
+                  </a:spcBef>
+                  <a:spcAft>
+                    <a:spcPts val="300"/>
+                  </a:spcAft>
+                  <a:buClr>
+                    <a:schemeClr val="accent1"/>
+                  </a:buClr>
+                  <a:buFont typeface="Wingdings 2" pitchFamily="18" charset="2"/>
+                  <a:buChar char=""/>
+                  <a:defRPr sz="1400" kern="1200">
+                    <a:solidFill>
+                      <a:schemeClr val="tx1">
+                        <a:lumMod val="85000"/>
+                        <a:lumOff val="15000"/>
+                      </a:schemeClr>
+                    </a:solidFill>
+                    <a:latin typeface="+mn-lt"/>
+                    <a:ea typeface="+mn-ea"/>
+                    <a:cs typeface="+mn-cs"/>
+                  </a:defRPr>
+                </a:lvl9pPr>
+              </a:lstStyle>
+              <a:p>
+                <a:pPr marL="0" indent="0">
+                  <a:buNone/>
+                </a:pPr>
+                <a14:m>
+                  <m:oMathPara xmlns:m="http://schemas.openxmlformats.org/officeDocument/2006/math">
+                    <m:oMathParaPr>
+                      <m:jc m:val="centerGroup"/>
+                    </m:oMathParaPr>
+                    <m:oMath xmlns:m="http://schemas.openxmlformats.org/officeDocument/2006/math">
+                      <m:r>
+                        <a:rPr lang="de-DE" b="0" i="1" smtClean="0">
+                          <a:latin typeface="Cambria Math" panose="02040503050406030204" pitchFamily="18" charset="0"/>
+                        </a:rPr>
+                        <m:t>𝑦</m:t>
+                      </m:r>
+                      <m:r>
+                        <a:rPr lang="de-DE" b="0" i="1" smtClean="0">
+                          <a:latin typeface="Cambria Math" panose="02040503050406030204" pitchFamily="18" charset="0"/>
+                        </a:rPr>
+                        <m:t>=</m:t>
+                      </m:r>
+                      <m:r>
+                        <a:rPr lang="de-DE" b="0" i="1" smtClean="0">
+                          <a:latin typeface="Cambria Math" panose="02040503050406030204" pitchFamily="18" charset="0"/>
+                        </a:rPr>
+                        <m:t>𝑘𝑥</m:t>
+                      </m:r>
+                      <m:r>
+                        <a:rPr lang="de-DE" b="0" i="1" smtClean="0">
+                          <a:latin typeface="Cambria Math" panose="02040503050406030204" pitchFamily="18" charset="0"/>
+                        </a:rPr>
+                        <m:t>+</m:t>
+                      </m:r>
+                      <m:r>
+                        <a:rPr lang="de-DE" b="0" i="1" smtClean="0">
+                          <a:latin typeface="Cambria Math" panose="02040503050406030204" pitchFamily="18" charset="0"/>
+                        </a:rPr>
+                        <m:t>𝑑</m:t>
+                      </m:r>
+                    </m:oMath>
+                  </m:oMathPara>
+                </a14:m>
+                <a:endParaRPr lang="de-DE" b="0" dirty="0"/>
+              </a:p>
+              <a:p>
+                <a:pPr marL="0" indent="0">
+                  <a:buNone/>
+                </a:pPr>
+                <a:endParaRPr lang="de-AT" dirty="0"/>
+              </a:p>
+              <a:p>
+                <a:pPr marL="0" indent="0">
+                  <a:buNone/>
+                </a:pPr>
+                <a14:m>
+                  <m:oMathPara xmlns:m="http://schemas.openxmlformats.org/officeDocument/2006/math">
+                    <m:oMathParaPr>
+                      <m:jc m:val="centerGroup"/>
+                    </m:oMathParaPr>
+                    <m:oMath xmlns:m="http://schemas.openxmlformats.org/officeDocument/2006/math">
+                      <m:r>
+                        <a:rPr lang="de-DE" b="0" i="1" smtClean="0">
+                          <a:latin typeface="Cambria Math" panose="02040503050406030204" pitchFamily="18" charset="0"/>
+                        </a:rPr>
+                        <m:t>20=</m:t>
+                      </m:r>
+                      <m:r>
+                        <a:rPr lang="de-DE" b="0" i="1" smtClean="0">
+                          <a:latin typeface="Cambria Math" panose="02040503050406030204" pitchFamily="18" charset="0"/>
+                        </a:rPr>
+                        <m:t>𝑘</m:t>
+                      </m:r>
+                      <m:r>
+                        <a:rPr lang="de-DE" b="0" i="1" smtClean="0">
+                          <a:latin typeface="Cambria Math" panose="02040503050406030204" pitchFamily="18" charset="0"/>
+                        </a:rPr>
+                        <m:t>∗30+</m:t>
+                      </m:r>
+                      <m:r>
+                        <a:rPr lang="de-DE" b="0" i="1" smtClean="0">
+                          <a:latin typeface="Cambria Math" panose="02040503050406030204" pitchFamily="18" charset="0"/>
+                        </a:rPr>
+                        <m:t>𝑑</m:t>
+                      </m:r>
+                    </m:oMath>
+                  </m:oMathPara>
+                </a14:m>
+                <a:endParaRPr lang="de-DE" b="0" dirty="0"/>
+              </a:p>
+              <a:p>
+                <a:pPr marL="0" indent="0">
+                  <a:buNone/>
+                </a:pPr>
+                <a14:m>
+                  <m:oMathPara xmlns:m="http://schemas.openxmlformats.org/officeDocument/2006/math">
+                    <m:oMathParaPr>
+                      <m:jc m:val="centerGroup"/>
+                    </m:oMathParaPr>
+                    <m:oMath xmlns:m="http://schemas.openxmlformats.org/officeDocument/2006/math">
+                      <m:r>
+                        <a:rPr lang="de-DE" b="0" i="1" smtClean="0">
+                          <a:latin typeface="Cambria Math" panose="02040503050406030204" pitchFamily="18" charset="0"/>
+                        </a:rPr>
+                        <m:t>45=</m:t>
+                      </m:r>
+                      <m:r>
+                        <a:rPr lang="de-DE" b="0" i="1" smtClean="0">
+                          <a:latin typeface="Cambria Math" panose="02040503050406030204" pitchFamily="18" charset="0"/>
+                        </a:rPr>
+                        <m:t>𝑘</m:t>
+                      </m:r>
+                      <m:r>
+                        <a:rPr lang="de-DE" b="0" i="1" smtClean="0">
+                          <a:latin typeface="Cambria Math" panose="02040503050406030204" pitchFamily="18" charset="0"/>
+                        </a:rPr>
+                        <m:t> ∗50+</m:t>
+                      </m:r>
+                      <m:r>
+                        <a:rPr lang="de-DE" b="0" i="1" smtClean="0">
+                          <a:latin typeface="Cambria Math" panose="02040503050406030204" pitchFamily="18" charset="0"/>
+                        </a:rPr>
+                        <m:t>𝑑</m:t>
+                      </m:r>
+                    </m:oMath>
+                  </m:oMathPara>
+                </a14:m>
+                <a:endParaRPr lang="de-DE" b="0" dirty="0"/>
+              </a:p>
+              <a:p>
+                <a:pPr marL="0" indent="0">
+                  <a:buNone/>
+                </a:pPr>
+                <a:endParaRPr lang="de-AT" dirty="0"/>
+              </a:p>
+              <a:p>
+                <a:pPr marL="0" indent="0">
+                  <a:buNone/>
+                </a:pPr>
+                <a14:m>
+                  <m:oMathPara xmlns:m="http://schemas.openxmlformats.org/officeDocument/2006/math">
+                    <m:oMathParaPr>
+                      <m:jc m:val="centerGroup"/>
+                    </m:oMathParaPr>
+                    <m:oMath xmlns:m="http://schemas.openxmlformats.org/officeDocument/2006/math">
+                      <m:r>
+                        <a:rPr lang="de-DE" b="0" i="1" smtClean="0">
+                          <a:latin typeface="Cambria Math" panose="02040503050406030204" pitchFamily="18" charset="0"/>
+                        </a:rPr>
+                        <m:t>𝑦</m:t>
+                      </m:r>
+                      <m:r>
+                        <a:rPr lang="de-DE" b="0" i="1" smtClean="0">
+                          <a:latin typeface="Cambria Math" panose="02040503050406030204" pitchFamily="18" charset="0"/>
+                        </a:rPr>
+                        <m:t>=1,25 </m:t>
+                      </m:r>
+                      <m:r>
+                        <a:rPr lang="de-DE" b="0" i="1" smtClean="0">
+                          <a:latin typeface="Cambria Math" panose="02040503050406030204" pitchFamily="18" charset="0"/>
+                        </a:rPr>
+                        <m:t>𝑥</m:t>
+                      </m:r>
+                      <m:r>
+                        <a:rPr lang="de-DE" b="0" i="1" smtClean="0">
+                          <a:latin typeface="Cambria Math" panose="02040503050406030204" pitchFamily="18" charset="0"/>
+                        </a:rPr>
+                        <m:t>−17,5</m:t>
+                      </m:r>
+                    </m:oMath>
+                  </m:oMathPara>
+                </a14:m>
+                <a:endParaRPr lang="de-DE" b="0" dirty="0"/>
+              </a:p>
+              <a:p>
+                <a:pPr marL="0" indent="0">
+                  <a:buNone/>
+                </a:pPr>
+                <a14:m>
+                  <m:oMathPara xmlns:m="http://schemas.openxmlformats.org/officeDocument/2006/math">
+                    <m:oMathParaPr>
+                      <m:jc m:val="centerGroup"/>
+                    </m:oMathParaPr>
+                    <m:oMath xmlns:m="http://schemas.openxmlformats.org/officeDocument/2006/math">
+                      <m:r>
+                        <a:rPr lang="de-DE" b="0" i="1" smtClean="0">
+                          <a:latin typeface="Cambria Math" panose="02040503050406030204" pitchFamily="18" charset="0"/>
+                        </a:rPr>
+                        <m:t>Ö</m:t>
+                      </m:r>
+                      <m:r>
+                        <a:rPr lang="de-DE" b="0" i="1" smtClean="0">
+                          <a:latin typeface="Cambria Math" panose="02040503050406030204" pitchFamily="18" charset="0"/>
+                        </a:rPr>
+                        <m:t>𝑉𝑃</m:t>
+                      </m:r>
+                      <m:r>
+                        <a:rPr lang="de-DE" b="0" i="1" smtClean="0">
+                          <a:latin typeface="Cambria Math" panose="02040503050406030204" pitchFamily="18" charset="0"/>
+                        </a:rPr>
+                        <m:t>24=1,25 Ö</m:t>
+                      </m:r>
+                      <m:r>
+                        <a:rPr lang="de-DE" b="0" i="1" smtClean="0">
+                          <a:latin typeface="Cambria Math" panose="02040503050406030204" pitchFamily="18" charset="0"/>
+                        </a:rPr>
+                        <m:t>𝑉𝑃</m:t>
+                      </m:r>
+                      <m:r>
+                        <a:rPr lang="de-DE" b="0" i="1" smtClean="0">
+                          <a:latin typeface="Cambria Math" panose="02040503050406030204" pitchFamily="18" charset="0"/>
+                        </a:rPr>
+                        <m:t>19 −17,5</m:t>
+                      </m:r>
+                    </m:oMath>
+                  </m:oMathPara>
+                </a14:m>
+                <a:endParaRPr lang="de-DE" b="0" dirty="0"/>
+              </a:p>
+              <a:p>
+                <a:pPr marL="0" indent="0">
+                  <a:buNone/>
+                </a:pPr>
+                <a:endParaRPr lang="de-AT" dirty="0"/>
+              </a:p>
+            </p:txBody>
+          </p:sp>
+        </mc:Choice>
+        <mc:Fallback>
+          <p:sp>
+            <p:nvSpPr>
+              <p:cNvPr id="7" name="Inhaltsplatzhalter 2">
+                <a:extLst>
+                  <a:ext uri="{FF2B5EF4-FFF2-40B4-BE49-F238E27FC236}">
+                    <a16:creationId xmlns:a16="http://schemas.microsoft.com/office/drawing/2014/main" id="{88E3934B-7E44-7944-33A5-D96EA4980EC6}"/>
+                  </a:ext>
+                </a:extLst>
+              </p:cNvPr>
+              <p:cNvSpPr txBox="1">
+                <a:spLocks noRot="1" noChangeAspect="1" noMove="1" noResize="1" noEditPoints="1" noAdjustHandles="1" noChangeArrowheads="1" noChangeShapeType="1" noTextEdit="1"/>
+              </p:cNvSpPr>
+              <p:nvPr/>
+            </p:nvSpPr>
+            <p:spPr>
+              <a:xfrm>
+                <a:off x="1261872" y="3429000"/>
+                <a:ext cx="4479926" cy="3246119"/>
+              </a:xfrm>
+              <a:prstGeom prst="rect">
+                <a:avLst/>
+              </a:prstGeom>
+              <a:blipFill>
+                <a:blip r:embed="rId3"/>
+                <a:stretch>
+                  <a:fillRect/>
+                </a:stretch>
+              </a:blipFill>
+            </p:spPr>
+            <p:txBody>
+              <a:bodyPr/>
+              <a:lstStyle/>
+              <a:p>
+                <a:r>
+                  <a:rPr lang="de-AT">
+                    <a:noFill/>
+                  </a:rPr>
+                  <a:t> </a:t>
+                </a:r>
+              </a:p>
+            </p:txBody>
+          </p:sp>
+        </mc:Fallback>
+      </mc:AlternateContent>
       <p:sp>
         <p:nvSpPr>
-          <p:cNvPr id="4" name="Inhaltsplatzhalter 3">
+          <p:cNvPr id="8" name="Fußzeilenplatzhalter 7">
             <a:extLst>
               <a:ext uri="{FF2B5EF4-FFF2-40B4-BE49-F238E27FC236}">
-                <a16:creationId xmlns:a16="http://schemas.microsoft.com/office/drawing/2014/main" id="{FDA904B8-44EE-3666-ADC3-A3B0F91B04DF}"/>
+                <a16:creationId xmlns:a16="http://schemas.microsoft.com/office/drawing/2014/main" id="{2D06F948-F873-2A6D-BDA4-A30857DC608A}"/>
               </a:ext>
             </a:extLst>
           </p:cNvPr>
@@ -5403,7 +10914,7 @@
             <a:spLocks noGrp="1"/>
           </p:cNvSpPr>
           <p:nvPr>
-            <p:ph sz="half" idx="2"/>
+            <p:ph type="ftr" sz="quarter" idx="11"/>
           </p:nvPr>
         </p:nvSpPr>
         <p:spPr/>
@@ -5411,6 +10922,41 @@
           <a:bodyPr/>
           <a:lstStyle/>
           <a:p>
+            <a:r>
+              <a:rPr lang="de-DE"/>
+              <a:t>WIPOL Hirschwang</a:t>
+            </a:r>
+            <a:endParaRPr lang="de-AT" dirty="0"/>
+          </a:p>
+        </p:txBody>
+      </p:sp>
+      <p:sp>
+        <p:nvSpPr>
+          <p:cNvPr id="9" name="Foliennummernplatzhalter 8">
+            <a:extLst>
+              <a:ext uri="{FF2B5EF4-FFF2-40B4-BE49-F238E27FC236}">
+                <a16:creationId xmlns:a16="http://schemas.microsoft.com/office/drawing/2014/main" id="{B75AFD40-371D-62CC-3A43-D33984754868}"/>
+              </a:ext>
+            </a:extLst>
+          </p:cNvPr>
+          <p:cNvSpPr>
+            <a:spLocks noGrp="1"/>
+          </p:cNvSpPr>
+          <p:nvPr>
+            <p:ph type="sldNum" sz="quarter" idx="12"/>
+          </p:nvPr>
+        </p:nvSpPr>
+        <p:spPr/>
+        <p:txBody>
+          <a:bodyPr>
+            <a:normAutofit lnSpcReduction="10000"/>
+          </a:bodyPr>
+          <a:lstStyle/>
+          <a:p>
+            <a:fld id="{58087E24-FB43-451A-9D0B-7B980EC5ED81}" type="slidenum">
+              <a:rPr lang="de-AT" smtClean="0"/>
+              <a:t>4</a:t>
+            </a:fld>
             <a:endParaRPr lang="de-AT"/>
           </a:p>
         </p:txBody>
@@ -5425,10 +10971,1831 @@
   <p:clrMapOvr>
     <a:masterClrMapping/>
   </p:clrMapOvr>
+  <p:timing>
+    <p:tnLst>
+      <p:par>
+        <p:cTn id="1" dur="indefinite" restart="never" nodeType="tmRoot">
+          <p:childTnLst>
+            <p:seq concurrent="1" nextAc="seek">
+              <p:cTn id="2" dur="indefinite" nodeType="mainSeq">
+                <p:childTnLst>
+                  <p:par>
+                    <p:cTn id="3" fill="hold">
+                      <p:stCondLst>
+                        <p:cond delay="indefinite"/>
+                      </p:stCondLst>
+                      <p:childTnLst>
+                        <p:par>
+                          <p:cTn id="4" fill="hold">
+                            <p:stCondLst>
+                              <p:cond delay="0"/>
+                            </p:stCondLst>
+                            <p:childTnLst>
+                              <p:par>
+                                <p:cTn id="5" presetID="1" presetClass="entr" presetSubtype="0" fill="hold" grpId="0" nodeType="clickEffect">
+                                  <p:stCondLst>
+                                    <p:cond delay="0"/>
+                                  </p:stCondLst>
+                                  <p:childTnLst>
+                                    <p:set>
+                                      <p:cBhvr>
+                                        <p:cTn id="6" dur="1" fill="hold">
+                                          <p:stCondLst>
+                                            <p:cond delay="0"/>
+                                          </p:stCondLst>
+                                        </p:cTn>
+                                        <p:tgtEl>
+                                          <p:spTgt spid="3"/>
+                                        </p:tgtEl>
+                                        <p:attrNameLst>
+                                          <p:attrName>style.visibility</p:attrName>
+                                        </p:attrNameLst>
+                                      </p:cBhvr>
+                                      <p:to>
+                                        <p:strVal val="visible"/>
+                                      </p:to>
+                                    </p:set>
+                                  </p:childTnLst>
+                                </p:cTn>
+                              </p:par>
+                            </p:childTnLst>
+                          </p:cTn>
+                        </p:par>
+                      </p:childTnLst>
+                    </p:cTn>
+                  </p:par>
+                  <p:par>
+                    <p:cTn id="7" fill="hold">
+                      <p:stCondLst>
+                        <p:cond delay="indefinite"/>
+                      </p:stCondLst>
+                      <p:childTnLst>
+                        <p:par>
+                          <p:cTn id="8" fill="hold">
+                            <p:stCondLst>
+                              <p:cond delay="0"/>
+                            </p:stCondLst>
+                            <p:childTnLst>
+                              <p:par>
+                                <p:cTn id="9" presetID="1" presetClass="entr" presetSubtype="0" fill="hold" nodeType="clickEffect">
+                                  <p:stCondLst>
+                                    <p:cond delay="0"/>
+                                  </p:stCondLst>
+                                  <p:childTnLst>
+                                    <p:set>
+                                      <p:cBhvr>
+                                        <p:cTn id="10" dur="1" fill="hold">
+                                          <p:stCondLst>
+                                            <p:cond delay="0"/>
+                                          </p:stCondLst>
+                                        </p:cTn>
+                                        <p:tgtEl>
+                                          <p:spTgt spid="7">
+                                            <p:txEl>
+                                              <p:pRg st="0" end="0"/>
+                                            </p:txEl>
+                                          </p:spTgt>
+                                        </p:tgtEl>
+                                        <p:attrNameLst>
+                                          <p:attrName>style.visibility</p:attrName>
+                                        </p:attrNameLst>
+                                      </p:cBhvr>
+                                      <p:to>
+                                        <p:strVal val="visible"/>
+                                      </p:to>
+                                    </p:set>
+                                  </p:childTnLst>
+                                </p:cTn>
+                              </p:par>
+                            </p:childTnLst>
+                          </p:cTn>
+                        </p:par>
+                      </p:childTnLst>
+                    </p:cTn>
+                  </p:par>
+                  <p:par>
+                    <p:cTn id="11" fill="hold">
+                      <p:stCondLst>
+                        <p:cond delay="indefinite"/>
+                      </p:stCondLst>
+                      <p:childTnLst>
+                        <p:par>
+                          <p:cTn id="12" fill="hold">
+                            <p:stCondLst>
+                              <p:cond delay="0"/>
+                            </p:stCondLst>
+                            <p:childTnLst>
+                              <p:par>
+                                <p:cTn id="13" presetID="1" presetClass="entr" presetSubtype="0" fill="hold" nodeType="clickEffect">
+                                  <p:stCondLst>
+                                    <p:cond delay="0"/>
+                                  </p:stCondLst>
+                                  <p:childTnLst>
+                                    <p:set>
+                                      <p:cBhvr>
+                                        <p:cTn id="14" dur="1" fill="hold">
+                                          <p:stCondLst>
+                                            <p:cond delay="0"/>
+                                          </p:stCondLst>
+                                        </p:cTn>
+                                        <p:tgtEl>
+                                          <p:spTgt spid="7">
+                                            <p:txEl>
+                                              <p:pRg st="2" end="2"/>
+                                            </p:txEl>
+                                          </p:spTgt>
+                                        </p:tgtEl>
+                                        <p:attrNameLst>
+                                          <p:attrName>style.visibility</p:attrName>
+                                        </p:attrNameLst>
+                                      </p:cBhvr>
+                                      <p:to>
+                                        <p:strVal val="visible"/>
+                                      </p:to>
+                                    </p:set>
+                                  </p:childTnLst>
+                                </p:cTn>
+                              </p:par>
+                              <p:par>
+                                <p:cTn id="15" presetID="1" presetClass="entr" presetSubtype="0" fill="hold" nodeType="withEffect">
+                                  <p:stCondLst>
+                                    <p:cond delay="0"/>
+                                  </p:stCondLst>
+                                  <p:childTnLst>
+                                    <p:set>
+                                      <p:cBhvr>
+                                        <p:cTn id="16" dur="1" fill="hold">
+                                          <p:stCondLst>
+                                            <p:cond delay="0"/>
+                                          </p:stCondLst>
+                                        </p:cTn>
+                                        <p:tgtEl>
+                                          <p:spTgt spid="7">
+                                            <p:txEl>
+                                              <p:pRg st="3" end="3"/>
+                                            </p:txEl>
+                                          </p:spTgt>
+                                        </p:tgtEl>
+                                        <p:attrNameLst>
+                                          <p:attrName>style.visibility</p:attrName>
+                                        </p:attrNameLst>
+                                      </p:cBhvr>
+                                      <p:to>
+                                        <p:strVal val="visible"/>
+                                      </p:to>
+                                    </p:set>
+                                  </p:childTnLst>
+                                </p:cTn>
+                              </p:par>
+                            </p:childTnLst>
+                          </p:cTn>
+                        </p:par>
+                      </p:childTnLst>
+                    </p:cTn>
+                  </p:par>
+                  <p:par>
+                    <p:cTn id="17" fill="hold">
+                      <p:stCondLst>
+                        <p:cond delay="indefinite"/>
+                      </p:stCondLst>
+                      <p:childTnLst>
+                        <p:par>
+                          <p:cTn id="18" fill="hold">
+                            <p:stCondLst>
+                              <p:cond delay="0"/>
+                            </p:stCondLst>
+                            <p:childTnLst>
+                              <p:par>
+                                <p:cTn id="19" presetID="1" presetClass="entr" presetSubtype="0" fill="hold" nodeType="clickEffect">
+                                  <p:stCondLst>
+                                    <p:cond delay="0"/>
+                                  </p:stCondLst>
+                                  <p:childTnLst>
+                                    <p:set>
+                                      <p:cBhvr>
+                                        <p:cTn id="20" dur="1" fill="hold">
+                                          <p:stCondLst>
+                                            <p:cond delay="0"/>
+                                          </p:stCondLst>
+                                        </p:cTn>
+                                        <p:tgtEl>
+                                          <p:spTgt spid="7">
+                                            <p:txEl>
+                                              <p:pRg st="5" end="5"/>
+                                            </p:txEl>
+                                          </p:spTgt>
+                                        </p:tgtEl>
+                                        <p:attrNameLst>
+                                          <p:attrName>style.visibility</p:attrName>
+                                        </p:attrNameLst>
+                                      </p:cBhvr>
+                                      <p:to>
+                                        <p:strVal val="visible"/>
+                                      </p:to>
+                                    </p:set>
+                                  </p:childTnLst>
+                                </p:cTn>
+                              </p:par>
+                            </p:childTnLst>
+                          </p:cTn>
+                        </p:par>
+                      </p:childTnLst>
+                    </p:cTn>
+                  </p:par>
+                  <p:par>
+                    <p:cTn id="21" fill="hold">
+                      <p:stCondLst>
+                        <p:cond delay="indefinite"/>
+                      </p:stCondLst>
+                      <p:childTnLst>
+                        <p:par>
+                          <p:cTn id="22" fill="hold">
+                            <p:stCondLst>
+                              <p:cond delay="0"/>
+                            </p:stCondLst>
+                            <p:childTnLst>
+                              <p:par>
+                                <p:cTn id="23" presetID="1" presetClass="entr" presetSubtype="0" fill="hold" nodeType="clickEffect">
+                                  <p:stCondLst>
+                                    <p:cond delay="0"/>
+                                  </p:stCondLst>
+                                  <p:childTnLst>
+                                    <p:set>
+                                      <p:cBhvr>
+                                        <p:cTn id="24" dur="1" fill="hold">
+                                          <p:stCondLst>
+                                            <p:cond delay="0"/>
+                                          </p:stCondLst>
+                                        </p:cTn>
+                                        <p:tgtEl>
+                                          <p:spTgt spid="7">
+                                            <p:txEl>
+                                              <p:pRg st="6" end="6"/>
+                                            </p:txEl>
+                                          </p:spTgt>
+                                        </p:tgtEl>
+                                        <p:attrNameLst>
+                                          <p:attrName>style.visibility</p:attrName>
+                                        </p:attrNameLst>
+                                      </p:cBhvr>
+                                      <p:to>
+                                        <p:strVal val="visible"/>
+                                      </p:to>
+                                    </p:set>
+                                  </p:childTnLst>
+                                </p:cTn>
+                              </p:par>
+                            </p:childTnLst>
+                          </p:cTn>
+                        </p:par>
+                      </p:childTnLst>
+                    </p:cTn>
+                  </p:par>
+                </p:childTnLst>
+              </p:cTn>
+              <p:prevCondLst>
+                <p:cond evt="onPrev" delay="0">
+                  <p:tgtEl>
+                    <p:sldTgt/>
+                  </p:tgtEl>
+                </p:cond>
+              </p:prevCondLst>
+              <p:nextCondLst>
+                <p:cond evt="onNext" delay="0">
+                  <p:tgtEl>
+                    <p:sldTgt/>
+                  </p:tgtEl>
+                </p:cond>
+              </p:nextCondLst>
+            </p:seq>
+          </p:childTnLst>
+        </p:cTn>
+      </p:par>
+    </p:tnLst>
+    <p:bldLst>
+      <p:bldGraphic spid="3" grpId="0">
+        <p:bldAsOne/>
+      </p:bldGraphic>
+    </p:bldLst>
+  </p:timing>
 </p:sld>
 </file>
 
 <file path=ppt/slides/slide5.xml><?xml version="1.0" encoding="utf-8"?>
+<p:sld xmlns:a="http://schemas.openxmlformats.org/drawingml/2006/main" xmlns:r="http://schemas.openxmlformats.org/officeDocument/2006/relationships" xmlns:p="http://schemas.openxmlformats.org/presentationml/2006/main">
+  <p:cSld>
+    <p:spTree>
+      <p:nvGrpSpPr>
+        <p:cNvPr id="1" name="">
+          <a:extLst>
+            <a:ext uri="{FF2B5EF4-FFF2-40B4-BE49-F238E27FC236}">
+              <a16:creationId xmlns:a16="http://schemas.microsoft.com/office/drawing/2014/main" id="{F6017079-9C4A-965C-1680-A9C7223B8771}"/>
+            </a:ext>
+          </a:extLst>
+        </p:cNvPr>
+        <p:cNvGrpSpPr/>
+        <p:nvPr/>
+      </p:nvGrpSpPr>
+      <p:grpSpPr>
+        <a:xfrm>
+          <a:off x="0" y="0"/>
+          <a:ext cx="0" cy="0"/>
+          <a:chOff x="0" y="0"/>
+          <a:chExt cx="0" cy="0"/>
+        </a:xfrm>
+      </p:grpSpPr>
+      <p:sp>
+        <p:nvSpPr>
+          <p:cNvPr id="2" name="Titel 1">
+            <a:extLst>
+              <a:ext uri="{FF2B5EF4-FFF2-40B4-BE49-F238E27FC236}">
+                <a16:creationId xmlns:a16="http://schemas.microsoft.com/office/drawing/2014/main" id="{914F389D-BA30-A740-8FD6-3AFDA7B8A889}"/>
+              </a:ext>
+            </a:extLst>
+          </p:cNvPr>
+          <p:cNvSpPr>
+            <a:spLocks noGrp="1"/>
+          </p:cNvSpPr>
+          <p:nvPr>
+            <p:ph type="title"/>
+          </p:nvPr>
+        </p:nvSpPr>
+        <p:spPr/>
+        <p:txBody>
+          <a:bodyPr/>
+          <a:lstStyle/>
+          <a:p>
+            <a:r>
+              <a:rPr lang="de-DE" dirty="0"/>
+              <a:t>Regression</a:t>
+            </a:r>
+            <a:endParaRPr lang="de-AT" dirty="0"/>
+          </a:p>
+        </p:txBody>
+      </p:sp>
+      <p:graphicFrame>
+        <p:nvGraphicFramePr>
+          <p:cNvPr id="6" name="Inhaltsplatzhalter 5">
+            <a:extLst>
+              <a:ext uri="{FF2B5EF4-FFF2-40B4-BE49-F238E27FC236}">
+                <a16:creationId xmlns:a16="http://schemas.microsoft.com/office/drawing/2014/main" id="{D1AB6CBF-9B23-9BED-0CEB-F159E928D85C}"/>
+              </a:ext>
+            </a:extLst>
+          </p:cNvPr>
+          <p:cNvGraphicFramePr>
+            <a:graphicFrameLocks noGrp="1"/>
+          </p:cNvGraphicFramePr>
+          <p:nvPr>
+            <p:ph sz="half" idx="1"/>
+            <p:extLst>
+              <p:ext uri="{D42A27DB-BD31-4B8C-83A1-F6EECF244321}">
+                <p14:modId xmlns:p14="http://schemas.microsoft.com/office/powerpoint/2010/main" val="3102360880"/>
+              </p:ext>
+            </p:extLst>
+          </p:nvPr>
+        </p:nvGraphicFramePr>
+        <p:xfrm>
+          <a:off x="1262063" y="1828800"/>
+          <a:ext cx="4479926" cy="2494280"/>
+        </p:xfrm>
+        <a:graphic>
+          <a:graphicData uri="http://schemas.openxmlformats.org/drawingml/2006/table">
+            <a:tbl>
+              <a:tblPr firstRow="1" bandRow="1">
+                <a:tableStyleId>{5C22544A-7EE6-4342-B048-85BDC9FD1C3A}</a:tableStyleId>
+              </a:tblPr>
+              <a:tblGrid>
+                <a:gridCol w="2172900">
+                  <a:extLst>
+                    <a:ext uri="{9D8B030D-6E8A-4147-A177-3AD203B41FA5}">
+                      <a16:colId xmlns:a16="http://schemas.microsoft.com/office/drawing/2014/main" val="3782367989"/>
+                    </a:ext>
+                  </a:extLst>
+                </a:gridCol>
+                <a:gridCol w="1153513">
+                  <a:extLst>
+                    <a:ext uri="{9D8B030D-6E8A-4147-A177-3AD203B41FA5}">
+                      <a16:colId xmlns:a16="http://schemas.microsoft.com/office/drawing/2014/main" val="970933377"/>
+                    </a:ext>
+                  </a:extLst>
+                </a:gridCol>
+                <a:gridCol w="1153513">
+                  <a:extLst>
+                    <a:ext uri="{9D8B030D-6E8A-4147-A177-3AD203B41FA5}">
+                      <a16:colId xmlns:a16="http://schemas.microsoft.com/office/drawing/2014/main" val="4069194008"/>
+                    </a:ext>
+                  </a:extLst>
+                </a:gridCol>
+              </a:tblGrid>
+              <a:tr h="370840">
+                <a:tc>
+                  <a:txBody>
+                    <a:bodyPr/>
+                    <a:lstStyle/>
+                    <a:p>
+                      <a:r>
+                        <a:rPr lang="de-DE" dirty="0"/>
+                        <a:t>Gemeinde</a:t>
+                      </a:r>
+                      <a:endParaRPr lang="de-AT" dirty="0"/>
+                    </a:p>
+                  </a:txBody>
+                  <a:tcPr/>
+                </a:tc>
+                <a:tc>
+                  <a:txBody>
+                    <a:bodyPr/>
+                    <a:lstStyle/>
+                    <a:p>
+                      <a:r>
+                        <a:rPr lang="de-DE" dirty="0"/>
+                        <a:t>ÖVP 2019</a:t>
+                      </a:r>
+                      <a:endParaRPr lang="de-AT" dirty="0"/>
+                    </a:p>
+                  </a:txBody>
+                  <a:tcPr/>
+                </a:tc>
+                <a:tc>
+                  <a:txBody>
+                    <a:bodyPr/>
+                    <a:lstStyle/>
+                    <a:p>
+                      <a:r>
+                        <a:rPr lang="de-DE" dirty="0"/>
+                        <a:t>ÖVP 2024</a:t>
+                      </a:r>
+                      <a:endParaRPr lang="de-AT" dirty="0"/>
+                    </a:p>
+                  </a:txBody>
+                  <a:tcPr/>
+                </a:tc>
+                <a:extLst>
+                  <a:ext uri="{0D108BD9-81ED-4DB2-BD59-A6C34878D82A}">
+                    <a16:rowId xmlns:a16="http://schemas.microsoft.com/office/drawing/2014/main" val="813830686"/>
+                  </a:ext>
+                </a:extLst>
+              </a:tr>
+              <a:tr h="370840">
+                <a:tc>
+                  <a:txBody>
+                    <a:bodyPr/>
+                    <a:lstStyle/>
+                    <a:p>
+                      <a:r>
+                        <a:rPr lang="de-DE" sz="1600" dirty="0" err="1"/>
+                        <a:t>Hintertupfing</a:t>
+                      </a:r>
+                      <a:endParaRPr lang="de-AT" sz="1600" dirty="0"/>
+                    </a:p>
+                  </a:txBody>
+                  <a:tcPr/>
+                </a:tc>
+                <a:tc>
+                  <a:txBody>
+                    <a:bodyPr/>
+                    <a:lstStyle/>
+                    <a:p>
+                      <a:pPr algn="r"/>
+                      <a:r>
+                        <a:rPr lang="de-DE" sz="1600" dirty="0"/>
+                        <a:t>30%</a:t>
+                      </a:r>
+                      <a:endParaRPr lang="de-AT" sz="1600" dirty="0"/>
+                    </a:p>
+                  </a:txBody>
+                  <a:tcPr/>
+                </a:tc>
+                <a:tc>
+                  <a:txBody>
+                    <a:bodyPr/>
+                    <a:lstStyle/>
+                    <a:p>
+                      <a:pPr algn="r"/>
+                      <a:r>
+                        <a:rPr lang="de-DE" sz="1600" dirty="0"/>
+                        <a:t>20%</a:t>
+                      </a:r>
+                      <a:endParaRPr lang="de-AT" sz="1600" dirty="0"/>
+                    </a:p>
+                  </a:txBody>
+                  <a:tcPr/>
+                </a:tc>
+                <a:extLst>
+                  <a:ext uri="{0D108BD9-81ED-4DB2-BD59-A6C34878D82A}">
+                    <a16:rowId xmlns:a16="http://schemas.microsoft.com/office/drawing/2014/main" val="1591309596"/>
+                  </a:ext>
+                </a:extLst>
+              </a:tr>
+              <a:tr h="370840">
+                <a:tc>
+                  <a:txBody>
+                    <a:bodyPr/>
+                    <a:lstStyle/>
+                    <a:p>
+                      <a:r>
+                        <a:rPr lang="de-DE" sz="1600" dirty="0" err="1"/>
+                        <a:t>Unterstinkenbrunn</a:t>
+                      </a:r>
+                      <a:endParaRPr lang="de-AT" sz="1600" dirty="0"/>
+                    </a:p>
+                  </a:txBody>
+                  <a:tcPr/>
+                </a:tc>
+                <a:tc>
+                  <a:txBody>
+                    <a:bodyPr/>
+                    <a:lstStyle/>
+                    <a:p>
+                      <a:pPr algn="r"/>
+                      <a:r>
+                        <a:rPr lang="de-DE" sz="1600" dirty="0"/>
+                        <a:t>50%</a:t>
+                      </a:r>
+                      <a:endParaRPr lang="de-AT" sz="1600" dirty="0"/>
+                    </a:p>
+                  </a:txBody>
+                  <a:tcPr/>
+                </a:tc>
+                <a:tc>
+                  <a:txBody>
+                    <a:bodyPr/>
+                    <a:lstStyle/>
+                    <a:p>
+                      <a:pPr algn="r"/>
+                      <a:r>
+                        <a:rPr lang="de-DE" sz="1600" dirty="0"/>
+                        <a:t>45%</a:t>
+                      </a:r>
+                      <a:endParaRPr lang="de-AT" sz="1600" dirty="0"/>
+                    </a:p>
+                  </a:txBody>
+                  <a:tcPr/>
+                </a:tc>
+                <a:extLst>
+                  <a:ext uri="{0D108BD9-81ED-4DB2-BD59-A6C34878D82A}">
+                    <a16:rowId xmlns:a16="http://schemas.microsoft.com/office/drawing/2014/main" val="3142812775"/>
+                  </a:ext>
+                </a:extLst>
+              </a:tr>
+              <a:tr h="370840">
+                <a:tc>
+                  <a:txBody>
+                    <a:bodyPr/>
+                    <a:lstStyle/>
+                    <a:p>
+                      <a:r>
+                        <a:rPr lang="de-DE" sz="1600" dirty="0" err="1"/>
+                        <a:t>Fugging</a:t>
+                      </a:r>
+                      <a:endParaRPr lang="de-AT" sz="1600" dirty="0"/>
+                    </a:p>
+                  </a:txBody>
+                  <a:tcPr/>
+                </a:tc>
+                <a:tc>
+                  <a:txBody>
+                    <a:bodyPr/>
+                    <a:lstStyle/>
+                    <a:p>
+                      <a:pPr algn="r"/>
+                      <a:r>
+                        <a:rPr lang="de-DE" sz="1600" dirty="0"/>
+                        <a:t>20%</a:t>
+                      </a:r>
+                      <a:endParaRPr lang="de-AT" sz="1600" dirty="0"/>
+                    </a:p>
+                  </a:txBody>
+                  <a:tcPr/>
+                </a:tc>
+                <a:tc>
+                  <a:txBody>
+                    <a:bodyPr/>
+                    <a:lstStyle/>
+                    <a:p>
+                      <a:pPr algn="r"/>
+                      <a:r>
+                        <a:rPr lang="de-DE" sz="1600" dirty="0"/>
+                        <a:t>15%</a:t>
+                      </a:r>
+                      <a:endParaRPr lang="de-AT" sz="1600" dirty="0"/>
+                    </a:p>
+                  </a:txBody>
+                  <a:tcPr/>
+                </a:tc>
+                <a:extLst>
+                  <a:ext uri="{0D108BD9-81ED-4DB2-BD59-A6C34878D82A}">
+                    <a16:rowId xmlns:a16="http://schemas.microsoft.com/office/drawing/2014/main" val="3643716968"/>
+                  </a:ext>
+                </a:extLst>
+              </a:tr>
+              <a:tr h="370840">
+                <a:tc>
+                  <a:txBody>
+                    <a:bodyPr/>
+                    <a:lstStyle/>
+                    <a:p>
+                      <a:r>
+                        <a:rPr lang="de-DE" sz="1600" dirty="0" err="1"/>
+                        <a:t>Vorderoberaching</a:t>
+                      </a:r>
+                      <a:endParaRPr lang="de-AT" sz="1600" dirty="0"/>
+                    </a:p>
+                  </a:txBody>
+                  <a:tcPr/>
+                </a:tc>
+                <a:tc>
+                  <a:txBody>
+                    <a:bodyPr/>
+                    <a:lstStyle/>
+                    <a:p>
+                      <a:pPr algn="r"/>
+                      <a:r>
+                        <a:rPr lang="de-DE" sz="1600" dirty="0"/>
+                        <a:t>55%</a:t>
+                      </a:r>
+                      <a:endParaRPr lang="de-AT" sz="1600" dirty="0"/>
+                    </a:p>
+                  </a:txBody>
+                  <a:tcPr/>
+                </a:tc>
+                <a:tc>
+                  <a:txBody>
+                    <a:bodyPr/>
+                    <a:lstStyle/>
+                    <a:p>
+                      <a:pPr algn="r"/>
+                      <a:r>
+                        <a:rPr lang="de-DE" sz="1600" dirty="0"/>
+                        <a:t>30%</a:t>
+                      </a:r>
+                      <a:endParaRPr lang="de-AT" sz="1600" dirty="0"/>
+                    </a:p>
+                  </a:txBody>
+                  <a:tcPr/>
+                </a:tc>
+                <a:extLst>
+                  <a:ext uri="{0D108BD9-81ED-4DB2-BD59-A6C34878D82A}">
+                    <a16:rowId xmlns:a16="http://schemas.microsoft.com/office/drawing/2014/main" val="172053815"/>
+                  </a:ext>
+                </a:extLst>
+              </a:tr>
+              <a:tr h="370840">
+                <a:tc>
+                  <a:txBody>
+                    <a:bodyPr/>
+                    <a:lstStyle/>
+                    <a:p>
+                      <a:r>
+                        <a:rPr lang="de-DE" sz="1600" dirty="0"/>
+                        <a:t>Wald</a:t>
+                      </a:r>
+                      <a:endParaRPr lang="de-AT" sz="1600" dirty="0"/>
+                    </a:p>
+                  </a:txBody>
+                  <a:tcPr/>
+                </a:tc>
+                <a:tc>
+                  <a:txBody>
+                    <a:bodyPr/>
+                    <a:lstStyle/>
+                    <a:p>
+                      <a:pPr algn="r"/>
+                      <a:r>
+                        <a:rPr lang="de-DE" sz="1600" dirty="0"/>
+                        <a:t>40%</a:t>
+                      </a:r>
+                      <a:endParaRPr lang="de-AT" sz="1600" dirty="0"/>
+                    </a:p>
+                  </a:txBody>
+                  <a:tcPr/>
+                </a:tc>
+                <a:tc>
+                  <a:txBody>
+                    <a:bodyPr/>
+                    <a:lstStyle/>
+                    <a:p>
+                      <a:pPr algn="r"/>
+                      <a:r>
+                        <a:rPr lang="de-DE" sz="1600" dirty="0"/>
+                        <a:t>40%</a:t>
+                      </a:r>
+                      <a:endParaRPr lang="de-AT" sz="1600" dirty="0"/>
+                    </a:p>
+                  </a:txBody>
+                  <a:tcPr/>
+                </a:tc>
+                <a:extLst>
+                  <a:ext uri="{0D108BD9-81ED-4DB2-BD59-A6C34878D82A}">
+                    <a16:rowId xmlns:a16="http://schemas.microsoft.com/office/drawing/2014/main" val="2313967589"/>
+                  </a:ext>
+                </a:extLst>
+              </a:tr>
+            </a:tbl>
+          </a:graphicData>
+        </a:graphic>
+      </p:graphicFrame>
+      <p:graphicFrame>
+        <p:nvGraphicFramePr>
+          <p:cNvPr id="12" name="Inhaltsplatzhalter 11">
+            <a:extLst>
+              <a:ext uri="{FF2B5EF4-FFF2-40B4-BE49-F238E27FC236}">
+                <a16:creationId xmlns:a16="http://schemas.microsoft.com/office/drawing/2014/main" id="{BF92515A-37FA-47F8-B3A1-3447AE6F536C}"/>
+              </a:ext>
+            </a:extLst>
+          </p:cNvPr>
+          <p:cNvGraphicFramePr>
+            <a:graphicFrameLocks noGrp="1"/>
+          </p:cNvGraphicFramePr>
+          <p:nvPr>
+            <p:ph sz="half" idx="2"/>
+            <p:extLst>
+              <p:ext uri="{D42A27DB-BD31-4B8C-83A1-F6EECF244321}">
+                <p14:modId xmlns:p14="http://schemas.microsoft.com/office/powerpoint/2010/main" val="3513182259"/>
+              </p:ext>
+            </p:extLst>
+          </p:nvPr>
+        </p:nvGraphicFramePr>
+        <p:xfrm>
+          <a:off x="6126163" y="1828800"/>
+          <a:ext cx="4680000" cy="4320000"/>
+        </p:xfrm>
+        <a:graphic>
+          <a:graphicData uri="http://schemas.openxmlformats.org/drawingml/2006/chart">
+            <c:chart xmlns:c="http://schemas.openxmlformats.org/drawingml/2006/chart" xmlns:r="http://schemas.openxmlformats.org/officeDocument/2006/relationships" r:id="rId2"/>
+          </a:graphicData>
+        </a:graphic>
+      </p:graphicFrame>
+      <mc:AlternateContent xmlns:mc="http://schemas.openxmlformats.org/markup-compatibility/2006">
+        <mc:Choice xmlns:a14="http://schemas.microsoft.com/office/drawing/2010/main" Requires="a14">
+          <p:sp>
+            <p:nvSpPr>
+              <p:cNvPr id="14" name="Inhaltsplatzhalter 2">
+                <a:extLst>
+                  <a:ext uri="{FF2B5EF4-FFF2-40B4-BE49-F238E27FC236}">
+                    <a16:creationId xmlns:a16="http://schemas.microsoft.com/office/drawing/2014/main" id="{7599AAB2-DB64-2218-507F-DB2A3AC7E1E9}"/>
+                  </a:ext>
+                </a:extLst>
+              </p:cNvPr>
+              <p:cNvSpPr txBox="1">
+                <a:spLocks/>
+              </p:cNvSpPr>
+              <p:nvPr/>
+            </p:nvSpPr>
+            <p:spPr>
+              <a:xfrm>
+                <a:off x="1261872" y="4533498"/>
+                <a:ext cx="4479926" cy="1615301"/>
+              </a:xfrm>
+              <a:prstGeom prst="rect">
+                <a:avLst/>
+              </a:prstGeom>
+            </p:spPr>
+            <p:txBody>
+              <a:bodyPr vert="horz" lIns="91440" tIns="45720" rIns="91440" bIns="45720" rtlCol="0">
+                <a:normAutofit/>
+              </a:bodyPr>
+              <a:lstStyle>
+                <a:lvl1pPr marL="182880" indent="-182880" algn="l" defTabSz="914400" rtl="0" eaLnBrk="1" latinLnBrk="0" hangingPunct="1">
+                  <a:lnSpc>
+                    <a:spcPct val="95000"/>
+                  </a:lnSpc>
+                  <a:spcBef>
+                    <a:spcPts val="1400"/>
+                  </a:spcBef>
+                  <a:spcAft>
+                    <a:spcPts val="200"/>
+                  </a:spcAft>
+                  <a:buClr>
+                    <a:schemeClr val="accent1"/>
+                  </a:buClr>
+                  <a:buSzPct val="80000"/>
+                  <a:buFont typeface="Arial" pitchFamily="34" charset="0"/>
+                  <a:buChar char="•"/>
+                  <a:defRPr sz="1800" kern="1200" spc="10" baseline="0">
+                    <a:solidFill>
+                      <a:schemeClr val="tx1"/>
+                    </a:solidFill>
+                    <a:latin typeface="+mn-lt"/>
+                    <a:ea typeface="+mn-ea"/>
+                    <a:cs typeface="+mn-cs"/>
+                  </a:defRPr>
+                </a:lvl1pPr>
+                <a:lvl2pPr marL="457200" indent="-182880" algn="l" defTabSz="914400" rtl="0" eaLnBrk="1" latinLnBrk="0" hangingPunct="1">
+                  <a:lnSpc>
+                    <a:spcPct val="90000"/>
+                  </a:lnSpc>
+                  <a:spcBef>
+                    <a:spcPts val="300"/>
+                  </a:spcBef>
+                  <a:spcAft>
+                    <a:spcPts val="300"/>
+                  </a:spcAft>
+                  <a:buClr>
+                    <a:schemeClr val="accent1"/>
+                  </a:buClr>
+                  <a:buFont typeface="Wingdings 2" pitchFamily="18" charset="2"/>
+                  <a:buChar char=""/>
+                  <a:defRPr sz="1600" kern="1200">
+                    <a:solidFill>
+                      <a:schemeClr val="tx1">
+                        <a:lumMod val="85000"/>
+                        <a:lumOff val="15000"/>
+                      </a:schemeClr>
+                    </a:solidFill>
+                    <a:latin typeface="+mn-lt"/>
+                    <a:ea typeface="+mn-ea"/>
+                    <a:cs typeface="+mn-cs"/>
+                  </a:defRPr>
+                </a:lvl2pPr>
+                <a:lvl3pPr marL="731520" indent="-182880" algn="l" defTabSz="914400" rtl="0" eaLnBrk="1" latinLnBrk="0" hangingPunct="1">
+                  <a:lnSpc>
+                    <a:spcPct val="90000"/>
+                  </a:lnSpc>
+                  <a:spcBef>
+                    <a:spcPts val="300"/>
+                  </a:spcBef>
+                  <a:spcAft>
+                    <a:spcPts val="300"/>
+                  </a:spcAft>
+                  <a:buClr>
+                    <a:schemeClr val="accent1"/>
+                  </a:buClr>
+                  <a:buFont typeface="Wingdings 2" pitchFamily="18" charset="2"/>
+                  <a:buChar char=""/>
+                  <a:defRPr sz="1400" kern="1200">
+                    <a:solidFill>
+                      <a:schemeClr val="tx1">
+                        <a:lumMod val="85000"/>
+                        <a:lumOff val="15000"/>
+                      </a:schemeClr>
+                    </a:solidFill>
+                    <a:latin typeface="+mn-lt"/>
+                    <a:ea typeface="+mn-ea"/>
+                    <a:cs typeface="+mn-cs"/>
+                  </a:defRPr>
+                </a:lvl3pPr>
+                <a:lvl4pPr marL="1005840" indent="-182880" algn="l" defTabSz="914400" rtl="0" eaLnBrk="1" latinLnBrk="0" hangingPunct="1">
+                  <a:lnSpc>
+                    <a:spcPct val="90000"/>
+                  </a:lnSpc>
+                  <a:spcBef>
+                    <a:spcPts val="300"/>
+                  </a:spcBef>
+                  <a:spcAft>
+                    <a:spcPts val="300"/>
+                  </a:spcAft>
+                  <a:buClr>
+                    <a:schemeClr val="accent1"/>
+                  </a:buClr>
+                  <a:buFont typeface="Wingdings 2" pitchFamily="18" charset="2"/>
+                  <a:buChar char=""/>
+                  <a:defRPr sz="1400" kern="1200">
+                    <a:solidFill>
+                      <a:schemeClr val="tx1">
+                        <a:lumMod val="85000"/>
+                        <a:lumOff val="15000"/>
+                      </a:schemeClr>
+                    </a:solidFill>
+                    <a:latin typeface="+mn-lt"/>
+                    <a:ea typeface="+mn-ea"/>
+                    <a:cs typeface="+mn-cs"/>
+                  </a:defRPr>
+                </a:lvl4pPr>
+                <a:lvl5pPr marL="1280160" indent="-182880" algn="l" defTabSz="914400" rtl="0" eaLnBrk="1" latinLnBrk="0" hangingPunct="1">
+                  <a:lnSpc>
+                    <a:spcPct val="90000"/>
+                  </a:lnSpc>
+                  <a:spcBef>
+                    <a:spcPts val="300"/>
+                  </a:spcBef>
+                  <a:spcAft>
+                    <a:spcPts val="300"/>
+                  </a:spcAft>
+                  <a:buClr>
+                    <a:schemeClr val="accent1"/>
+                  </a:buClr>
+                  <a:buFont typeface="Wingdings 2" pitchFamily="18" charset="2"/>
+                  <a:buChar char=""/>
+                  <a:defRPr sz="1400" kern="1200">
+                    <a:solidFill>
+                      <a:schemeClr val="tx1">
+                        <a:lumMod val="85000"/>
+                        <a:lumOff val="15000"/>
+                      </a:schemeClr>
+                    </a:solidFill>
+                    <a:latin typeface="+mn-lt"/>
+                    <a:ea typeface="+mn-ea"/>
+                    <a:cs typeface="+mn-cs"/>
+                  </a:defRPr>
+                </a:lvl5pPr>
+                <a:lvl6pPr marL="1600000" indent="-228600" algn="l" defTabSz="914400" rtl="0" eaLnBrk="1" latinLnBrk="0" hangingPunct="1">
+                  <a:lnSpc>
+                    <a:spcPct val="90000"/>
+                  </a:lnSpc>
+                  <a:spcBef>
+                    <a:spcPts val="300"/>
+                  </a:spcBef>
+                  <a:spcAft>
+                    <a:spcPts val="300"/>
+                  </a:spcAft>
+                  <a:buClr>
+                    <a:schemeClr val="accent1"/>
+                  </a:buClr>
+                  <a:buFont typeface="Wingdings 2" pitchFamily="18" charset="2"/>
+                  <a:buChar char=""/>
+                  <a:defRPr sz="1400" kern="1200">
+                    <a:solidFill>
+                      <a:schemeClr val="tx1">
+                        <a:lumMod val="85000"/>
+                        <a:lumOff val="15000"/>
+                      </a:schemeClr>
+                    </a:solidFill>
+                    <a:latin typeface="+mn-lt"/>
+                    <a:ea typeface="+mn-ea"/>
+                    <a:cs typeface="+mn-cs"/>
+                  </a:defRPr>
+                </a:lvl6pPr>
+                <a:lvl7pPr marL="1900000" indent="-228600" algn="l" defTabSz="914400" rtl="0" eaLnBrk="1" latinLnBrk="0" hangingPunct="1">
+                  <a:lnSpc>
+                    <a:spcPct val="90000"/>
+                  </a:lnSpc>
+                  <a:spcBef>
+                    <a:spcPts val="300"/>
+                  </a:spcBef>
+                  <a:spcAft>
+                    <a:spcPts val="300"/>
+                  </a:spcAft>
+                  <a:buClr>
+                    <a:schemeClr val="accent1"/>
+                  </a:buClr>
+                  <a:buFont typeface="Wingdings 2" pitchFamily="18" charset="2"/>
+                  <a:buChar char=""/>
+                  <a:defRPr sz="1400" kern="1200">
+                    <a:solidFill>
+                      <a:schemeClr val="tx1">
+                        <a:lumMod val="85000"/>
+                        <a:lumOff val="15000"/>
+                      </a:schemeClr>
+                    </a:solidFill>
+                    <a:latin typeface="+mn-lt"/>
+                    <a:ea typeface="+mn-ea"/>
+                    <a:cs typeface="+mn-cs"/>
+                  </a:defRPr>
+                </a:lvl7pPr>
+                <a:lvl8pPr marL="2200000" indent="-228600" algn="l" defTabSz="914400" rtl="0" eaLnBrk="1" latinLnBrk="0" hangingPunct="1">
+                  <a:lnSpc>
+                    <a:spcPct val="90000"/>
+                  </a:lnSpc>
+                  <a:spcBef>
+                    <a:spcPts val="300"/>
+                  </a:spcBef>
+                  <a:spcAft>
+                    <a:spcPts val="300"/>
+                  </a:spcAft>
+                  <a:buClr>
+                    <a:schemeClr val="accent1"/>
+                  </a:buClr>
+                  <a:buFont typeface="Wingdings 2" pitchFamily="18" charset="2"/>
+                  <a:buChar char=""/>
+                  <a:defRPr sz="1400" kern="1200">
+                    <a:solidFill>
+                      <a:schemeClr val="tx1">
+                        <a:lumMod val="85000"/>
+                        <a:lumOff val="15000"/>
+                      </a:schemeClr>
+                    </a:solidFill>
+                    <a:latin typeface="+mn-lt"/>
+                    <a:ea typeface="+mn-ea"/>
+                    <a:cs typeface="+mn-cs"/>
+                  </a:defRPr>
+                </a:lvl8pPr>
+                <a:lvl9pPr marL="2500000" indent="-228600" algn="l" defTabSz="914400" rtl="0" eaLnBrk="1" latinLnBrk="0" hangingPunct="1">
+                  <a:lnSpc>
+                    <a:spcPct val="90000"/>
+                  </a:lnSpc>
+                  <a:spcBef>
+                    <a:spcPts val="300"/>
+                  </a:spcBef>
+                  <a:spcAft>
+                    <a:spcPts val="300"/>
+                  </a:spcAft>
+                  <a:buClr>
+                    <a:schemeClr val="accent1"/>
+                  </a:buClr>
+                  <a:buFont typeface="Wingdings 2" pitchFamily="18" charset="2"/>
+                  <a:buChar char=""/>
+                  <a:defRPr sz="1400" kern="1200">
+                    <a:solidFill>
+                      <a:schemeClr val="tx1">
+                        <a:lumMod val="85000"/>
+                        <a:lumOff val="15000"/>
+                      </a:schemeClr>
+                    </a:solidFill>
+                    <a:latin typeface="+mn-lt"/>
+                    <a:ea typeface="+mn-ea"/>
+                    <a:cs typeface="+mn-cs"/>
+                  </a:defRPr>
+                </a:lvl9pPr>
+              </a:lstStyle>
+              <a:p>
+                <a:pPr marL="0" indent="0">
+                  <a:buNone/>
+                </a:pPr>
+                <a14:m>
+                  <m:oMathPara xmlns:m="http://schemas.openxmlformats.org/officeDocument/2006/math">
+                    <m:oMathParaPr>
+                      <m:jc m:val="centerGroup"/>
+                    </m:oMathParaPr>
+                    <m:oMath xmlns:m="http://schemas.openxmlformats.org/officeDocument/2006/math">
+                      <m:r>
+                        <a:rPr lang="de-DE" b="0" i="1" smtClean="0">
+                          <a:latin typeface="Cambria Math" panose="02040503050406030204" pitchFamily="18" charset="0"/>
+                        </a:rPr>
+                        <m:t>Ö</m:t>
+                      </m:r>
+                      <m:r>
+                        <a:rPr lang="de-DE" b="0" i="1" smtClean="0">
+                          <a:latin typeface="Cambria Math" panose="02040503050406030204" pitchFamily="18" charset="0"/>
+                        </a:rPr>
+                        <m:t>𝑉𝑃</m:t>
+                      </m:r>
+                      <m:r>
+                        <a:rPr lang="de-DE" b="0" i="1" smtClean="0">
+                          <a:latin typeface="Cambria Math" panose="02040503050406030204" pitchFamily="18" charset="0"/>
+                        </a:rPr>
+                        <m:t>24=0,6707 ∗Ö</m:t>
+                      </m:r>
+                      <m:r>
+                        <a:rPr lang="de-DE" b="0" i="1" smtClean="0">
+                          <a:latin typeface="Cambria Math" panose="02040503050406030204" pitchFamily="18" charset="0"/>
+                        </a:rPr>
+                        <m:t>𝑉𝑃</m:t>
+                      </m:r>
+                      <m:r>
+                        <a:rPr lang="de-DE" b="0" i="1" smtClean="0">
+                          <a:latin typeface="Cambria Math" panose="02040503050406030204" pitchFamily="18" charset="0"/>
+                        </a:rPr>
+                        <m:t>19+3,8415</m:t>
+                      </m:r>
+                    </m:oMath>
+                  </m:oMathPara>
+                </a14:m>
+                <a:endParaRPr lang="de-DE" b="0" dirty="0"/>
+              </a:p>
+              <a:p>
+                <a:pPr marL="0" indent="0">
+                  <a:buNone/>
+                </a:pPr>
+                <a:endParaRPr lang="de-AT" dirty="0"/>
+              </a:p>
+              <a:p>
+                <a:pPr marL="0" indent="0">
+                  <a:buNone/>
+                </a:pPr>
+                <a:endParaRPr lang="de-AT" dirty="0"/>
+              </a:p>
+            </p:txBody>
+          </p:sp>
+        </mc:Choice>
+        <mc:Fallback>
+          <p:sp>
+            <p:nvSpPr>
+              <p:cNvPr id="14" name="Inhaltsplatzhalter 2">
+                <a:extLst>
+                  <a:ext uri="{FF2B5EF4-FFF2-40B4-BE49-F238E27FC236}">
+                    <a16:creationId xmlns:a16="http://schemas.microsoft.com/office/drawing/2014/main" id="{7599AAB2-DB64-2218-507F-DB2A3AC7E1E9}"/>
+                  </a:ext>
+                </a:extLst>
+              </p:cNvPr>
+              <p:cNvSpPr txBox="1">
+                <a:spLocks noRot="1" noChangeAspect="1" noMove="1" noResize="1" noEditPoints="1" noAdjustHandles="1" noChangeArrowheads="1" noChangeShapeType="1" noTextEdit="1"/>
+              </p:cNvSpPr>
+              <p:nvPr/>
+            </p:nvSpPr>
+            <p:spPr>
+              <a:xfrm>
+                <a:off x="1261872" y="4533498"/>
+                <a:ext cx="4479926" cy="1615301"/>
+              </a:xfrm>
+              <a:prstGeom prst="rect">
+                <a:avLst/>
+              </a:prstGeom>
+              <a:blipFill>
+                <a:blip r:embed="rId3"/>
+                <a:stretch>
+                  <a:fillRect/>
+                </a:stretch>
+              </a:blipFill>
+            </p:spPr>
+            <p:txBody>
+              <a:bodyPr/>
+              <a:lstStyle/>
+              <a:p>
+                <a:r>
+                  <a:rPr lang="de-AT">
+                    <a:noFill/>
+                  </a:rPr>
+                  <a:t> </a:t>
+                </a:r>
+              </a:p>
+            </p:txBody>
+          </p:sp>
+        </mc:Fallback>
+      </mc:AlternateContent>
+      <p:sp>
+        <p:nvSpPr>
+          <p:cNvPr id="18" name="Fußzeilenplatzhalter 17">
+            <a:extLst>
+              <a:ext uri="{FF2B5EF4-FFF2-40B4-BE49-F238E27FC236}">
+                <a16:creationId xmlns:a16="http://schemas.microsoft.com/office/drawing/2014/main" id="{3753AE8A-2F01-1542-5F00-258C985C1EE9}"/>
+              </a:ext>
+            </a:extLst>
+          </p:cNvPr>
+          <p:cNvSpPr>
+            <a:spLocks noGrp="1"/>
+          </p:cNvSpPr>
+          <p:nvPr>
+            <p:ph type="ftr" sz="quarter" idx="11"/>
+          </p:nvPr>
+        </p:nvSpPr>
+        <p:spPr/>
+        <p:txBody>
+          <a:bodyPr/>
+          <a:lstStyle/>
+          <a:p>
+            <a:r>
+              <a:rPr lang="de-DE"/>
+              <a:t>WIPOL Hirschwang</a:t>
+            </a:r>
+            <a:endParaRPr lang="de-AT" dirty="0"/>
+          </a:p>
+        </p:txBody>
+      </p:sp>
+      <p:sp>
+        <p:nvSpPr>
+          <p:cNvPr id="19" name="Foliennummernplatzhalter 18">
+            <a:extLst>
+              <a:ext uri="{FF2B5EF4-FFF2-40B4-BE49-F238E27FC236}">
+                <a16:creationId xmlns:a16="http://schemas.microsoft.com/office/drawing/2014/main" id="{AD7AF727-0E65-4B11-C3E2-E538BE3E4E9E}"/>
+              </a:ext>
+            </a:extLst>
+          </p:cNvPr>
+          <p:cNvSpPr>
+            <a:spLocks noGrp="1"/>
+          </p:cNvSpPr>
+          <p:nvPr>
+            <p:ph type="sldNum" sz="quarter" idx="12"/>
+          </p:nvPr>
+        </p:nvSpPr>
+        <p:spPr/>
+        <p:txBody>
+          <a:bodyPr>
+            <a:normAutofit lnSpcReduction="10000"/>
+          </a:bodyPr>
+          <a:lstStyle/>
+          <a:p>
+            <a:fld id="{58087E24-FB43-451A-9D0B-7B980EC5ED81}" type="slidenum">
+              <a:rPr lang="de-AT" smtClean="0"/>
+              <a:t>5</a:t>
+            </a:fld>
+            <a:endParaRPr lang="de-AT"/>
+          </a:p>
+        </p:txBody>
+      </p:sp>
+    </p:spTree>
+    <p:extLst>
+      <p:ext uri="{BB962C8B-B14F-4D97-AF65-F5344CB8AC3E}">
+        <p14:creationId xmlns:p14="http://schemas.microsoft.com/office/powerpoint/2010/main" val="1972135932"/>
+      </p:ext>
+    </p:extLst>
+  </p:cSld>
+  <p:clrMapOvr>
+    <a:masterClrMapping/>
+  </p:clrMapOvr>
+  <p:timing>
+    <p:tnLst>
+      <p:par>
+        <p:cTn id="1" dur="indefinite" restart="never" nodeType="tmRoot">
+          <p:childTnLst>
+            <p:seq concurrent="1" nextAc="seek">
+              <p:cTn id="2" dur="indefinite" nodeType="mainSeq">
+                <p:childTnLst>
+                  <p:par>
+                    <p:cTn id="3" fill="hold">
+                      <p:stCondLst>
+                        <p:cond delay="indefinite"/>
+                      </p:stCondLst>
+                      <p:childTnLst>
+                        <p:par>
+                          <p:cTn id="4" fill="hold">
+                            <p:stCondLst>
+                              <p:cond delay="0"/>
+                            </p:stCondLst>
+                            <p:childTnLst>
+                              <p:par>
+                                <p:cTn id="5" presetID="1" presetClass="entr" presetSubtype="0" fill="hold" grpId="0" nodeType="clickEffect">
+                                  <p:stCondLst>
+                                    <p:cond delay="0"/>
+                                  </p:stCondLst>
+                                  <p:childTnLst>
+                                    <p:set>
+                                      <p:cBhvr>
+                                        <p:cTn id="6" dur="1" fill="hold">
+                                          <p:stCondLst>
+                                            <p:cond delay="0"/>
+                                          </p:stCondLst>
+                                        </p:cTn>
+                                        <p:tgtEl>
+                                          <p:spTgt spid="12"/>
+                                        </p:tgtEl>
+                                        <p:attrNameLst>
+                                          <p:attrName>style.visibility</p:attrName>
+                                        </p:attrNameLst>
+                                      </p:cBhvr>
+                                      <p:to>
+                                        <p:strVal val="visible"/>
+                                      </p:to>
+                                    </p:set>
+                                  </p:childTnLst>
+                                </p:cTn>
+                              </p:par>
+                            </p:childTnLst>
+                          </p:cTn>
+                        </p:par>
+                      </p:childTnLst>
+                    </p:cTn>
+                  </p:par>
+                  <p:par>
+                    <p:cTn id="7" fill="hold">
+                      <p:stCondLst>
+                        <p:cond delay="indefinite"/>
+                      </p:stCondLst>
+                      <p:childTnLst>
+                        <p:par>
+                          <p:cTn id="8" fill="hold">
+                            <p:stCondLst>
+                              <p:cond delay="0"/>
+                            </p:stCondLst>
+                            <p:childTnLst>
+                              <p:par>
+                                <p:cTn id="9" presetID="1" presetClass="entr" presetSubtype="0" fill="hold" grpId="0" nodeType="clickEffect">
+                                  <p:stCondLst>
+                                    <p:cond delay="0"/>
+                                  </p:stCondLst>
+                                  <p:childTnLst>
+                                    <p:set>
+                                      <p:cBhvr>
+                                        <p:cTn id="10" dur="1" fill="hold">
+                                          <p:stCondLst>
+                                            <p:cond delay="0"/>
+                                          </p:stCondLst>
+                                        </p:cTn>
+                                        <p:tgtEl>
+                                          <p:spTgt spid="14"/>
+                                        </p:tgtEl>
+                                        <p:attrNameLst>
+                                          <p:attrName>style.visibility</p:attrName>
+                                        </p:attrNameLst>
+                                      </p:cBhvr>
+                                      <p:to>
+                                        <p:strVal val="visible"/>
+                                      </p:to>
+                                    </p:set>
+                                  </p:childTnLst>
+                                </p:cTn>
+                              </p:par>
+                            </p:childTnLst>
+                          </p:cTn>
+                        </p:par>
+                      </p:childTnLst>
+                    </p:cTn>
+                  </p:par>
+                </p:childTnLst>
+              </p:cTn>
+              <p:prevCondLst>
+                <p:cond evt="onPrev" delay="0">
+                  <p:tgtEl>
+                    <p:sldTgt/>
+                  </p:tgtEl>
+                </p:cond>
+              </p:prevCondLst>
+              <p:nextCondLst>
+                <p:cond evt="onNext" delay="0">
+                  <p:tgtEl>
+                    <p:sldTgt/>
+                  </p:tgtEl>
+                </p:cond>
+              </p:nextCondLst>
+            </p:seq>
+          </p:childTnLst>
+        </p:cTn>
+      </p:par>
+    </p:tnLst>
+    <p:bldLst>
+      <p:bldGraphic spid="12" grpId="0">
+        <p:bldAsOne/>
+      </p:bldGraphic>
+      <p:bldP spid="14" grpId="0"/>
+    </p:bldLst>
+  </p:timing>
+</p:sld>
+</file>
+
+<file path=ppt/slides/slide6.xml><?xml version="1.0" encoding="utf-8"?>
+<p:sld xmlns:a="http://schemas.openxmlformats.org/drawingml/2006/main" xmlns:r="http://schemas.openxmlformats.org/officeDocument/2006/relationships" xmlns:p="http://schemas.openxmlformats.org/presentationml/2006/main">
+  <p:cSld>
+    <p:spTree>
+      <p:nvGrpSpPr>
+        <p:cNvPr id="1" name=""/>
+        <p:cNvGrpSpPr/>
+        <p:nvPr/>
+      </p:nvGrpSpPr>
+      <p:grpSpPr>
+        <a:xfrm>
+          <a:off x="0" y="0"/>
+          <a:ext cx="0" cy="0"/>
+          <a:chOff x="0" y="0"/>
+          <a:chExt cx="0" cy="0"/>
+        </a:xfrm>
+      </p:grpSpPr>
+      <p:graphicFrame>
+        <p:nvGraphicFramePr>
+          <p:cNvPr id="6" name="Inhaltsplatzhalter 5">
+            <a:extLst>
+              <a:ext uri="{FF2B5EF4-FFF2-40B4-BE49-F238E27FC236}">
+                <a16:creationId xmlns:a16="http://schemas.microsoft.com/office/drawing/2014/main" id="{BF92515A-37FA-47F8-B3A1-3447AE6F536C}"/>
+              </a:ext>
+            </a:extLst>
+          </p:cNvPr>
+          <p:cNvGraphicFramePr>
+            <a:graphicFrameLocks noGrp="1" noDrilldown="1" noMove="1" noResize="1"/>
+          </p:cNvGraphicFramePr>
+          <p:nvPr>
+            <p:ph idx="1"/>
+            <p:extLst>
+              <p:ext uri="{D42A27DB-BD31-4B8C-83A1-F6EECF244321}">
+                <p14:modId xmlns:p14="http://schemas.microsoft.com/office/powerpoint/2010/main" val="2582648120"/>
+              </p:ext>
+            </p:extLst>
+          </p:nvPr>
+        </p:nvGraphicFramePr>
+        <p:xfrm>
+          <a:off x="1262063" y="1828800"/>
+          <a:ext cx="8594725" cy="4351338"/>
+        </p:xfrm>
+        <a:graphic>
+          <a:graphicData uri="http://schemas.openxmlformats.org/drawingml/2006/chart">
+            <c:chart xmlns:c="http://schemas.openxmlformats.org/drawingml/2006/chart" xmlns:r="http://schemas.openxmlformats.org/officeDocument/2006/relationships" r:id="rId2"/>
+          </a:graphicData>
+        </a:graphic>
+      </p:graphicFrame>
+      <p:sp>
+        <p:nvSpPr>
+          <p:cNvPr id="2" name="Titel 1">
+            <a:extLst>
+              <a:ext uri="{FF2B5EF4-FFF2-40B4-BE49-F238E27FC236}">
+                <a16:creationId xmlns:a16="http://schemas.microsoft.com/office/drawing/2014/main" id="{08DF9AF6-C3AF-B2EF-5CC2-EFAE60243826}"/>
+              </a:ext>
+            </a:extLst>
+          </p:cNvPr>
+          <p:cNvSpPr>
+            <a:spLocks noGrp="1"/>
+          </p:cNvSpPr>
+          <p:nvPr>
+            <p:ph type="title"/>
+          </p:nvPr>
+        </p:nvSpPr>
+        <p:spPr/>
+        <p:txBody>
+          <a:bodyPr/>
+          <a:lstStyle/>
+          <a:p>
+            <a:r>
+              <a:rPr lang="de-DE" dirty="0"/>
+              <a:t>OLS – </a:t>
+            </a:r>
+            <a:r>
+              <a:rPr lang="de-DE" dirty="0" err="1"/>
+              <a:t>Ordinary</a:t>
+            </a:r>
+            <a:r>
+              <a:rPr lang="de-DE" dirty="0"/>
+              <a:t> Least </a:t>
+            </a:r>
+            <a:r>
+              <a:rPr lang="de-DE" dirty="0" err="1"/>
+              <a:t>Sqares</a:t>
+            </a:r>
+            <a:endParaRPr lang="de-AT" dirty="0"/>
+          </a:p>
+        </p:txBody>
+      </p:sp>
+      <p:grpSp>
+        <p:nvGrpSpPr>
+          <p:cNvPr id="12" name="Gruppieren 11">
+            <a:extLst>
+              <a:ext uri="{FF2B5EF4-FFF2-40B4-BE49-F238E27FC236}">
+                <a16:creationId xmlns:a16="http://schemas.microsoft.com/office/drawing/2014/main" id="{DC25BA6E-843D-9D73-2655-F7106F304E26}"/>
+              </a:ext>
+            </a:extLst>
+          </p:cNvPr>
+          <p:cNvGrpSpPr/>
+          <p:nvPr/>
+        </p:nvGrpSpPr>
+        <p:grpSpPr>
+          <a:xfrm>
+            <a:off x="4687147" y="2841413"/>
+            <a:ext cx="4809066" cy="1689947"/>
+            <a:chOff x="4687147" y="2841413"/>
+            <a:chExt cx="4809066" cy="1689947"/>
+          </a:xfrm>
+        </p:grpSpPr>
+        <p:sp>
+          <p:nvSpPr>
+            <p:cNvPr id="7" name="Rechteck 6">
+              <a:extLst>
+                <a:ext uri="{FF2B5EF4-FFF2-40B4-BE49-F238E27FC236}">
+                  <a16:creationId xmlns:a16="http://schemas.microsoft.com/office/drawing/2014/main" id="{E938058F-E636-9839-D31C-57738A9ED5DE}"/>
+                </a:ext>
+              </a:extLst>
+            </p:cNvPr>
+            <p:cNvSpPr/>
+            <p:nvPr/>
+          </p:nvSpPr>
+          <p:spPr>
+            <a:xfrm>
+              <a:off x="4687147" y="4409440"/>
+              <a:ext cx="122400" cy="121920"/>
+            </a:xfrm>
+            <a:prstGeom prst="rect">
+              <a:avLst/>
+            </a:prstGeom>
+            <a:noFill/>
+          </p:spPr>
+          <p:style>
+            <a:lnRef idx="2">
+              <a:schemeClr val="accent1">
+                <a:shade val="15000"/>
+              </a:schemeClr>
+            </a:lnRef>
+            <a:fillRef idx="1">
+              <a:schemeClr val="accent1"/>
+            </a:fillRef>
+            <a:effectRef idx="0">
+              <a:schemeClr val="accent1"/>
+            </a:effectRef>
+            <a:fontRef idx="minor">
+              <a:schemeClr val="lt1"/>
+            </a:fontRef>
+          </p:style>
+          <p:txBody>
+            <a:bodyPr rtlCol="0" anchor="ctr"/>
+            <a:lstStyle/>
+            <a:p>
+              <a:pPr algn="ctr"/>
+              <a:endParaRPr lang="de-AT"/>
+            </a:p>
+          </p:txBody>
+        </p:sp>
+        <p:sp>
+          <p:nvSpPr>
+            <p:cNvPr id="8" name="Rechteck 7">
+              <a:extLst>
+                <a:ext uri="{FF2B5EF4-FFF2-40B4-BE49-F238E27FC236}">
+                  <a16:creationId xmlns:a16="http://schemas.microsoft.com/office/drawing/2014/main" id="{BE21E40E-1EFD-93E4-266B-34C0B80243D7}"/>
+                </a:ext>
+              </a:extLst>
+            </p:cNvPr>
+            <p:cNvSpPr/>
+            <p:nvPr/>
+          </p:nvSpPr>
+          <p:spPr>
+            <a:xfrm>
+              <a:off x="5889414" y="4036907"/>
+              <a:ext cx="206586" cy="206586"/>
+            </a:xfrm>
+            <a:prstGeom prst="rect">
+              <a:avLst/>
+            </a:prstGeom>
+            <a:noFill/>
+          </p:spPr>
+          <p:style>
+            <a:lnRef idx="2">
+              <a:schemeClr val="accent1">
+                <a:shade val="15000"/>
+              </a:schemeClr>
+            </a:lnRef>
+            <a:fillRef idx="1">
+              <a:schemeClr val="accent1"/>
+            </a:fillRef>
+            <a:effectRef idx="0">
+              <a:schemeClr val="accent1"/>
+            </a:effectRef>
+            <a:fontRef idx="minor">
+              <a:schemeClr val="lt1"/>
+            </a:fontRef>
+          </p:style>
+          <p:txBody>
+            <a:bodyPr rtlCol="0" anchor="ctr"/>
+            <a:lstStyle/>
+            <a:p>
+              <a:pPr algn="ctr"/>
+              <a:endParaRPr lang="de-AT"/>
+            </a:p>
+          </p:txBody>
+        </p:sp>
+        <p:sp>
+          <p:nvSpPr>
+            <p:cNvPr id="9" name="Rechteck 8">
+              <a:extLst>
+                <a:ext uri="{FF2B5EF4-FFF2-40B4-BE49-F238E27FC236}">
+                  <a16:creationId xmlns:a16="http://schemas.microsoft.com/office/drawing/2014/main" id="{E3BC3924-033D-379E-0EAC-6654E7800FA2}"/>
+                </a:ext>
+              </a:extLst>
+            </p:cNvPr>
+            <p:cNvSpPr/>
+            <p:nvPr/>
+          </p:nvSpPr>
+          <p:spPr>
+            <a:xfrm>
+              <a:off x="6590455" y="3132666"/>
+              <a:ext cx="525600" cy="524933"/>
+            </a:xfrm>
+            <a:prstGeom prst="rect">
+              <a:avLst/>
+            </a:prstGeom>
+            <a:noFill/>
+          </p:spPr>
+          <p:style>
+            <a:lnRef idx="2">
+              <a:schemeClr val="accent1">
+                <a:shade val="15000"/>
+              </a:schemeClr>
+            </a:lnRef>
+            <a:fillRef idx="1">
+              <a:schemeClr val="accent1"/>
+            </a:fillRef>
+            <a:effectRef idx="0">
+              <a:schemeClr val="accent1"/>
+            </a:effectRef>
+            <a:fontRef idx="minor">
+              <a:schemeClr val="lt1"/>
+            </a:fontRef>
+          </p:style>
+          <p:txBody>
+            <a:bodyPr rtlCol="0" anchor="ctr"/>
+            <a:lstStyle/>
+            <a:p>
+              <a:pPr algn="ctr"/>
+              <a:endParaRPr lang="de-AT"/>
+            </a:p>
+          </p:txBody>
+        </p:sp>
+        <p:sp>
+          <p:nvSpPr>
+            <p:cNvPr id="10" name="Rechteck 9">
+              <a:extLst>
+                <a:ext uri="{FF2B5EF4-FFF2-40B4-BE49-F238E27FC236}">
+                  <a16:creationId xmlns:a16="http://schemas.microsoft.com/office/drawing/2014/main" id="{9E9E395C-16B2-3D66-AC2B-817C966DC5F1}"/>
+                </a:ext>
+              </a:extLst>
+            </p:cNvPr>
+            <p:cNvSpPr/>
+            <p:nvPr/>
+          </p:nvSpPr>
+          <p:spPr>
+            <a:xfrm>
+              <a:off x="7890933" y="2841413"/>
+              <a:ext cx="423333" cy="423333"/>
+            </a:xfrm>
+            <a:prstGeom prst="rect">
+              <a:avLst/>
+            </a:prstGeom>
+            <a:noFill/>
+          </p:spPr>
+          <p:style>
+            <a:lnRef idx="2">
+              <a:schemeClr val="accent1">
+                <a:shade val="15000"/>
+              </a:schemeClr>
+            </a:lnRef>
+            <a:fillRef idx="1">
+              <a:schemeClr val="accent1"/>
+            </a:fillRef>
+            <a:effectRef idx="0">
+              <a:schemeClr val="accent1"/>
+            </a:effectRef>
+            <a:fontRef idx="minor">
+              <a:schemeClr val="lt1"/>
+            </a:fontRef>
+          </p:style>
+          <p:txBody>
+            <a:bodyPr rtlCol="0" anchor="ctr"/>
+            <a:lstStyle/>
+            <a:p>
+              <a:pPr algn="ctr"/>
+              <a:endParaRPr lang="de-AT"/>
+            </a:p>
+          </p:txBody>
+        </p:sp>
+        <p:sp>
+          <p:nvSpPr>
+            <p:cNvPr id="11" name="Rechteck 10">
+              <a:extLst>
+                <a:ext uri="{FF2B5EF4-FFF2-40B4-BE49-F238E27FC236}">
+                  <a16:creationId xmlns:a16="http://schemas.microsoft.com/office/drawing/2014/main" id="{E48C39C6-1B0A-40D5-0C39-133D7531BF4A}"/>
+                </a:ext>
+              </a:extLst>
+            </p:cNvPr>
+            <p:cNvSpPr/>
+            <p:nvPr/>
+          </p:nvSpPr>
+          <p:spPr>
+            <a:xfrm>
+              <a:off x="8920479" y="3112346"/>
+              <a:ext cx="575734" cy="576000"/>
+            </a:xfrm>
+            <a:prstGeom prst="rect">
+              <a:avLst/>
+            </a:prstGeom>
+            <a:noFill/>
+          </p:spPr>
+          <p:style>
+            <a:lnRef idx="2">
+              <a:schemeClr val="accent1">
+                <a:shade val="15000"/>
+              </a:schemeClr>
+            </a:lnRef>
+            <a:fillRef idx="1">
+              <a:schemeClr val="accent1"/>
+            </a:fillRef>
+            <a:effectRef idx="0">
+              <a:schemeClr val="accent1"/>
+            </a:effectRef>
+            <a:fontRef idx="minor">
+              <a:schemeClr val="lt1"/>
+            </a:fontRef>
+          </p:style>
+          <p:txBody>
+            <a:bodyPr rtlCol="0" anchor="ctr"/>
+            <a:lstStyle/>
+            <a:p>
+              <a:pPr algn="ctr"/>
+              <a:endParaRPr lang="de-AT"/>
+            </a:p>
+          </p:txBody>
+        </p:sp>
+      </p:grpSp>
+      <p:sp>
+        <p:nvSpPr>
+          <p:cNvPr id="13" name="Fußzeilenplatzhalter 12">
+            <a:extLst>
+              <a:ext uri="{FF2B5EF4-FFF2-40B4-BE49-F238E27FC236}">
+                <a16:creationId xmlns:a16="http://schemas.microsoft.com/office/drawing/2014/main" id="{6B70AEB0-4C8F-A393-7589-DD3FC6C5DE65}"/>
+              </a:ext>
+            </a:extLst>
+          </p:cNvPr>
+          <p:cNvSpPr>
+            <a:spLocks noGrp="1"/>
+          </p:cNvSpPr>
+          <p:nvPr>
+            <p:ph type="ftr" sz="quarter" idx="11"/>
+          </p:nvPr>
+        </p:nvSpPr>
+        <p:spPr/>
+        <p:txBody>
+          <a:bodyPr/>
+          <a:lstStyle/>
+          <a:p>
+            <a:r>
+              <a:rPr lang="de-DE"/>
+              <a:t>WIPOL Hirschwang</a:t>
+            </a:r>
+            <a:endParaRPr lang="de-AT" dirty="0"/>
+          </a:p>
+        </p:txBody>
+      </p:sp>
+      <p:sp>
+        <p:nvSpPr>
+          <p:cNvPr id="14" name="Foliennummernplatzhalter 13">
+            <a:extLst>
+              <a:ext uri="{FF2B5EF4-FFF2-40B4-BE49-F238E27FC236}">
+                <a16:creationId xmlns:a16="http://schemas.microsoft.com/office/drawing/2014/main" id="{BCBBBD86-36CE-5F5A-27D2-510518E584A0}"/>
+              </a:ext>
+            </a:extLst>
+          </p:cNvPr>
+          <p:cNvSpPr>
+            <a:spLocks noGrp="1"/>
+          </p:cNvSpPr>
+          <p:nvPr>
+            <p:ph type="sldNum" sz="quarter" idx="12"/>
+          </p:nvPr>
+        </p:nvSpPr>
+        <p:spPr/>
+        <p:txBody>
+          <a:bodyPr>
+            <a:normAutofit lnSpcReduction="10000"/>
+          </a:bodyPr>
+          <a:lstStyle/>
+          <a:p>
+            <a:fld id="{58087E24-FB43-451A-9D0B-7B980EC5ED81}" type="slidenum">
+              <a:rPr lang="de-AT" smtClean="0"/>
+              <a:t>6</a:t>
+            </a:fld>
+            <a:endParaRPr lang="de-AT"/>
+          </a:p>
+        </p:txBody>
+      </p:sp>
+    </p:spTree>
+    <p:extLst>
+      <p:ext uri="{BB962C8B-B14F-4D97-AF65-F5344CB8AC3E}">
+        <p14:creationId xmlns:p14="http://schemas.microsoft.com/office/powerpoint/2010/main" val="1577236126"/>
+      </p:ext>
+    </p:extLst>
+  </p:cSld>
+  <p:clrMapOvr>
+    <a:masterClrMapping/>
+  </p:clrMapOvr>
+  <p:timing>
+    <p:tnLst>
+      <p:par>
+        <p:cTn id="1" dur="indefinite" restart="never" nodeType="tmRoot">
+          <p:childTnLst>
+            <p:seq concurrent="1" nextAc="seek">
+              <p:cTn id="2" dur="indefinite" nodeType="mainSeq">
+                <p:childTnLst>
+                  <p:par>
+                    <p:cTn id="3" fill="hold">
+                      <p:stCondLst>
+                        <p:cond delay="indefinite"/>
+                      </p:stCondLst>
+                      <p:childTnLst>
+                        <p:par>
+                          <p:cTn id="4" fill="hold">
+                            <p:stCondLst>
+                              <p:cond delay="0"/>
+                            </p:stCondLst>
+                            <p:childTnLst>
+                              <p:par>
+                                <p:cTn id="5" presetID="1" presetClass="entr" presetSubtype="0" fill="hold" nodeType="clickEffect">
+                                  <p:stCondLst>
+                                    <p:cond delay="0"/>
+                                  </p:stCondLst>
+                                  <p:childTnLst>
+                                    <p:set>
+                                      <p:cBhvr>
+                                        <p:cTn id="6" dur="1" fill="hold">
+                                          <p:stCondLst>
+                                            <p:cond delay="0"/>
+                                          </p:stCondLst>
+                                        </p:cTn>
+                                        <p:tgtEl>
+                                          <p:spTgt spid="12"/>
+                                        </p:tgtEl>
+                                        <p:attrNameLst>
+                                          <p:attrName>style.visibility</p:attrName>
+                                        </p:attrNameLst>
+                                      </p:cBhvr>
+                                      <p:to>
+                                        <p:strVal val="visible"/>
+                                      </p:to>
+                                    </p:set>
+                                  </p:childTnLst>
+                                </p:cTn>
+                              </p:par>
+                            </p:childTnLst>
+                          </p:cTn>
+                        </p:par>
+                      </p:childTnLst>
+                    </p:cTn>
+                  </p:par>
+                </p:childTnLst>
+              </p:cTn>
+              <p:prevCondLst>
+                <p:cond evt="onPrev" delay="0">
+                  <p:tgtEl>
+                    <p:sldTgt/>
+                  </p:tgtEl>
+                </p:cond>
+              </p:prevCondLst>
+              <p:nextCondLst>
+                <p:cond evt="onNext" delay="0">
+                  <p:tgtEl>
+                    <p:sldTgt/>
+                  </p:tgtEl>
+                </p:cond>
+              </p:nextCondLst>
+            </p:seq>
+          </p:childTnLst>
+        </p:cTn>
+      </p:par>
+    </p:tnLst>
+  </p:timing>
+</p:sld>
+</file>
+
+<file path=ppt/slides/slide7.xml><?xml version="1.0" encoding="utf-8"?>
 <p:sld xmlns:a="http://schemas.openxmlformats.org/drawingml/2006/main" xmlns:r="http://schemas.openxmlformats.org/officeDocument/2006/relationships" xmlns:p="http://schemas.openxmlformats.org/presentationml/2006/main">
   <p:cSld>
     <p:spTree>
@@ -5468,18 +12835,525 @@
           <a:p>
             <a:r>
               <a:rPr lang="de-DE" dirty="0"/>
-              <a:t>Lineare Funktionen</a:t>
+              <a:t>Multivariate Regression</a:t>
             </a:r>
             <a:endParaRPr lang="de-AT" dirty="0"/>
           </a:p>
         </p:txBody>
       </p:sp>
+      <mc:AlternateContent xmlns:mc="http://schemas.openxmlformats.org/markup-compatibility/2006">
+        <mc:Choice xmlns:a14="http://schemas.microsoft.com/office/drawing/2010/main" Requires="a14">
+          <p:sp>
+            <p:nvSpPr>
+              <p:cNvPr id="3" name="Inhaltsplatzhalter 2">
+                <a:extLst>
+                  <a:ext uri="{FF2B5EF4-FFF2-40B4-BE49-F238E27FC236}">
+                    <a16:creationId xmlns:a16="http://schemas.microsoft.com/office/drawing/2014/main" id="{8B4F73BC-6221-7151-9E3D-A10E327370F1}"/>
+                  </a:ext>
+                </a:extLst>
+              </p:cNvPr>
+              <p:cNvSpPr>
+                <a:spLocks noGrp="1"/>
+              </p:cNvSpPr>
+              <p:nvPr>
+                <p:ph idx="1"/>
+              </p:nvPr>
+            </p:nvSpPr>
+            <p:spPr/>
+            <p:txBody>
+              <a:bodyPr/>
+              <a:lstStyle/>
+              <a:p>
+                <a:pPr marL="0" indent="0">
+                  <a:buNone/>
+                </a:pPr>
+                <a14:m>
+                  <m:oMathPara xmlns:m="http://schemas.openxmlformats.org/officeDocument/2006/math">
+                    <m:oMathParaPr>
+                      <m:jc m:val="centerGroup"/>
+                    </m:oMathParaPr>
+                    <m:oMath xmlns:m="http://schemas.openxmlformats.org/officeDocument/2006/math">
+                      <m:r>
+                        <a:rPr lang="de-DE" b="0" i="1" smtClean="0">
+                          <a:latin typeface="Cambria Math" panose="02040503050406030204" pitchFamily="18" charset="0"/>
+                        </a:rPr>
+                        <m:t>𝑦</m:t>
+                      </m:r>
+                      <m:r>
+                        <a:rPr lang="de-DE" b="0" i="1" smtClean="0">
+                          <a:latin typeface="Cambria Math" panose="02040503050406030204" pitchFamily="18" charset="0"/>
+                        </a:rPr>
+                        <m:t>=</m:t>
+                      </m:r>
+                      <m:r>
+                        <a:rPr lang="de-DE" b="0" i="1" smtClean="0">
+                          <a:latin typeface="Cambria Math" panose="02040503050406030204" pitchFamily="18" charset="0"/>
+                        </a:rPr>
+                        <m:t>𝑘𝑥</m:t>
+                      </m:r>
+                      <m:r>
+                        <a:rPr lang="de-DE" b="0" i="1" smtClean="0">
+                          <a:latin typeface="Cambria Math" panose="02040503050406030204" pitchFamily="18" charset="0"/>
+                        </a:rPr>
+                        <m:t>+</m:t>
+                      </m:r>
+                      <m:r>
+                        <a:rPr lang="de-DE" b="0" i="1" smtClean="0">
+                          <a:latin typeface="Cambria Math" panose="02040503050406030204" pitchFamily="18" charset="0"/>
+                        </a:rPr>
+                        <m:t>𝑑</m:t>
+                      </m:r>
+                    </m:oMath>
+                  </m:oMathPara>
+                </a14:m>
+                <a:endParaRPr lang="de-DE" b="0" dirty="0"/>
+              </a:p>
+              <a:p>
+                <a:pPr marL="0" indent="0">
+                  <a:buNone/>
+                </a:pPr>
+                <a:endParaRPr lang="de-AT" dirty="0"/>
+              </a:p>
+              <a:p>
+                <a:pPr marL="0" indent="0">
+                  <a:buNone/>
+                </a:pPr>
+                <a:r>
+                  <a:rPr lang="de-AT" dirty="0"/>
+                  <a:t>ÖVP-Ergebnis 2024 anhand der ÖVP-Ergebnisse 2019 vorhersagen:</a:t>
+                </a:r>
+              </a:p>
+              <a:p>
+                <a:pPr marL="0" indent="0">
+                  <a:buNone/>
+                </a:pPr>
+                <a:endParaRPr lang="de-AT" dirty="0"/>
+              </a:p>
+              <a:p>
+                <a:pPr marL="0" indent="0">
+                  <a:buNone/>
+                </a:pPr>
+                <a14:m>
+                  <m:oMathPara xmlns:m="http://schemas.openxmlformats.org/officeDocument/2006/math">
+                    <m:oMathParaPr>
+                      <m:jc m:val="centerGroup"/>
+                    </m:oMathParaPr>
+                    <m:oMath xmlns:m="http://schemas.openxmlformats.org/officeDocument/2006/math">
+                      <m:r>
+                        <a:rPr lang="de-DE" b="0" i="1" smtClean="0">
+                          <a:latin typeface="Cambria Math" panose="02040503050406030204" pitchFamily="18" charset="0"/>
+                        </a:rPr>
+                        <m:t>Ö</m:t>
+                      </m:r>
+                      <m:r>
+                        <a:rPr lang="de-DE" b="0" i="1" smtClean="0">
+                          <a:latin typeface="Cambria Math" panose="02040503050406030204" pitchFamily="18" charset="0"/>
+                        </a:rPr>
+                        <m:t>𝑉𝑃</m:t>
+                      </m:r>
+                      <m:r>
+                        <a:rPr lang="de-DE" b="0" i="1" smtClean="0">
+                          <a:latin typeface="Cambria Math" panose="02040503050406030204" pitchFamily="18" charset="0"/>
+                        </a:rPr>
+                        <m:t>2024=  </m:t>
+                      </m:r>
+                      <m:r>
+                        <a:rPr lang="de-DE" b="0" i="1" smtClean="0">
+                          <a:latin typeface="Cambria Math" panose="02040503050406030204" pitchFamily="18" charset="0"/>
+                        </a:rPr>
+                        <m:t>𝑘</m:t>
+                      </m:r>
+                      <m:r>
+                        <a:rPr lang="de-DE" b="0" i="1" smtClean="0">
+                          <a:latin typeface="Cambria Math" panose="02040503050406030204" pitchFamily="18" charset="0"/>
+                        </a:rPr>
+                        <m:t> ∗Ö</m:t>
+                      </m:r>
+                      <m:r>
+                        <a:rPr lang="de-DE" b="0" i="1" smtClean="0">
+                          <a:latin typeface="Cambria Math" panose="02040503050406030204" pitchFamily="18" charset="0"/>
+                        </a:rPr>
+                        <m:t>𝑉𝑃</m:t>
+                      </m:r>
+                      <m:r>
+                        <a:rPr lang="de-DE" b="0" i="1" smtClean="0">
+                          <a:latin typeface="Cambria Math" panose="02040503050406030204" pitchFamily="18" charset="0"/>
+                        </a:rPr>
+                        <m:t>2019+</m:t>
+                      </m:r>
+                      <m:r>
+                        <a:rPr lang="de-DE" b="0" i="1" smtClean="0">
+                          <a:latin typeface="Cambria Math" panose="02040503050406030204" pitchFamily="18" charset="0"/>
+                        </a:rPr>
+                        <m:t>𝑑</m:t>
+                      </m:r>
+                    </m:oMath>
+                  </m:oMathPara>
+                </a14:m>
+                <a:endParaRPr lang="de-AT" dirty="0"/>
+              </a:p>
+              <a:p>
+                <a:pPr marL="0" indent="0">
+                  <a:buNone/>
+                </a:pPr>
+                <a:endParaRPr lang="de-AT" dirty="0"/>
+              </a:p>
+              <a:p>
+                <a:pPr marL="0" indent="0">
+                  <a:buNone/>
+                </a:pPr>
+                <a:r>
+                  <a:rPr lang="de-AT" dirty="0"/>
+                  <a:t>ÖVP-Ergebnis 2024 anhand der Ergebnisse aller Parteien 2019 vorhersagen:</a:t>
+                </a:r>
+              </a:p>
+              <a:p>
+                <a:pPr marL="0" indent="0">
+                  <a:buNone/>
+                </a:pPr>
+                <a:endParaRPr lang="de-AT" dirty="0"/>
+              </a:p>
+              <a:p>
+                <a:pPr marL="0" indent="0">
+                  <a:buNone/>
+                </a:pPr>
+                <a14:m>
+                  <m:oMathPara xmlns:m="http://schemas.openxmlformats.org/officeDocument/2006/math">
+                    <m:oMathParaPr>
+                      <m:jc m:val="centerGroup"/>
+                    </m:oMathParaPr>
+                    <m:oMath xmlns:m="http://schemas.openxmlformats.org/officeDocument/2006/math">
+                      <m:r>
+                        <a:rPr lang="de-DE" sz="1750" b="0" i="1" smtClean="0">
+                          <a:latin typeface="Cambria Math" panose="02040503050406030204" pitchFamily="18" charset="0"/>
+                        </a:rPr>
+                        <m:t>𝑉𝑃</m:t>
+                      </m:r>
+                      <m:r>
+                        <a:rPr lang="de-DE" sz="1750" b="0" i="1" smtClean="0">
+                          <a:latin typeface="Cambria Math" panose="02040503050406030204" pitchFamily="18" charset="0"/>
+                        </a:rPr>
+                        <m:t>24=</m:t>
+                      </m:r>
+                      <m:sSub>
+                        <m:sSubPr>
+                          <m:ctrlPr>
+                            <a:rPr lang="de-DE" sz="1750" b="0" i="1" smtClean="0">
+                              <a:latin typeface="Cambria Math" panose="02040503050406030204" pitchFamily="18" charset="0"/>
+                            </a:rPr>
+                          </m:ctrlPr>
+                        </m:sSubPr>
+                        <m:e>
+                          <m:r>
+                            <a:rPr lang="de-DE" sz="1750" b="0" i="1" smtClean="0">
+                              <a:latin typeface="Cambria Math" panose="02040503050406030204" pitchFamily="18" charset="0"/>
+                            </a:rPr>
+                            <m:t>𝑘</m:t>
+                          </m:r>
+                        </m:e>
+                        <m:sub>
+                          <m:r>
+                            <a:rPr lang="de-DE" sz="1750" b="0" i="1" smtClean="0">
+                              <a:latin typeface="Cambria Math" panose="02040503050406030204" pitchFamily="18" charset="0"/>
+                            </a:rPr>
+                            <m:t>1</m:t>
+                          </m:r>
+                        </m:sub>
+                      </m:sSub>
+                      <m:r>
+                        <a:rPr lang="de-DE" sz="1750" b="0" i="1" smtClean="0">
+                          <a:latin typeface="Cambria Math" panose="02040503050406030204" pitchFamily="18" charset="0"/>
+                        </a:rPr>
+                        <m:t>𝑉𝑃</m:t>
+                      </m:r>
+                      <m:r>
+                        <a:rPr lang="de-DE" sz="1750" b="0" i="1" smtClean="0">
+                          <a:latin typeface="Cambria Math" panose="02040503050406030204" pitchFamily="18" charset="0"/>
+                        </a:rPr>
+                        <m:t>19+</m:t>
+                      </m:r>
+                      <m:sSub>
+                        <m:sSubPr>
+                          <m:ctrlPr>
+                            <a:rPr lang="de-DE" sz="1750" b="0" i="1" smtClean="0">
+                              <a:latin typeface="Cambria Math" panose="02040503050406030204" pitchFamily="18" charset="0"/>
+                            </a:rPr>
+                          </m:ctrlPr>
+                        </m:sSubPr>
+                        <m:e>
+                          <m:r>
+                            <a:rPr lang="de-DE" sz="1750" b="0" i="1" smtClean="0">
+                              <a:latin typeface="Cambria Math" panose="02040503050406030204" pitchFamily="18" charset="0"/>
+                            </a:rPr>
+                            <m:t>𝑘</m:t>
+                          </m:r>
+                        </m:e>
+                        <m:sub>
+                          <m:r>
+                            <a:rPr lang="de-DE" sz="1750" b="0" i="1" smtClean="0">
+                              <a:latin typeface="Cambria Math" panose="02040503050406030204" pitchFamily="18" charset="0"/>
+                            </a:rPr>
+                            <m:t>2</m:t>
+                          </m:r>
+                        </m:sub>
+                      </m:sSub>
+                      <m:r>
+                        <a:rPr lang="de-DE" sz="1750" b="0" i="1" smtClean="0">
+                          <a:latin typeface="Cambria Math" panose="02040503050406030204" pitchFamily="18" charset="0"/>
+                        </a:rPr>
+                        <m:t>𝑆𝑃</m:t>
+                      </m:r>
+                      <m:r>
+                        <a:rPr lang="de-DE" sz="1750" b="0" i="1" smtClean="0">
+                          <a:latin typeface="Cambria Math" panose="02040503050406030204" pitchFamily="18" charset="0"/>
+                        </a:rPr>
+                        <m:t>19+</m:t>
+                      </m:r>
+                      <m:sSub>
+                        <m:sSubPr>
+                          <m:ctrlPr>
+                            <a:rPr lang="de-DE" sz="1750" b="0" i="1" smtClean="0">
+                              <a:latin typeface="Cambria Math" panose="02040503050406030204" pitchFamily="18" charset="0"/>
+                            </a:rPr>
+                          </m:ctrlPr>
+                        </m:sSubPr>
+                        <m:e>
+                          <m:r>
+                            <a:rPr lang="de-DE" sz="1750" b="0" i="1" smtClean="0">
+                              <a:latin typeface="Cambria Math" panose="02040503050406030204" pitchFamily="18" charset="0"/>
+                            </a:rPr>
+                            <m:t>𝑘</m:t>
+                          </m:r>
+                        </m:e>
+                        <m:sub>
+                          <m:r>
+                            <a:rPr lang="de-DE" sz="1750" b="0" i="1" smtClean="0">
+                              <a:latin typeface="Cambria Math" panose="02040503050406030204" pitchFamily="18" charset="0"/>
+                            </a:rPr>
+                            <m:t>3</m:t>
+                          </m:r>
+                        </m:sub>
+                      </m:sSub>
+                      <m:r>
+                        <a:rPr lang="de-DE" sz="1750" b="0" i="1" smtClean="0">
+                          <a:latin typeface="Cambria Math" panose="02040503050406030204" pitchFamily="18" charset="0"/>
+                        </a:rPr>
+                        <m:t>𝐹𝑃</m:t>
+                      </m:r>
+                      <m:r>
+                        <a:rPr lang="de-DE" sz="1750" b="0" i="1" smtClean="0">
+                          <a:latin typeface="Cambria Math" panose="02040503050406030204" pitchFamily="18" charset="0"/>
+                        </a:rPr>
+                        <m:t>19+</m:t>
+                      </m:r>
+                      <m:sSub>
+                        <m:sSubPr>
+                          <m:ctrlPr>
+                            <a:rPr lang="de-DE" sz="1750" b="0" i="1" smtClean="0">
+                              <a:latin typeface="Cambria Math" panose="02040503050406030204" pitchFamily="18" charset="0"/>
+                            </a:rPr>
+                          </m:ctrlPr>
+                        </m:sSubPr>
+                        <m:e>
+                          <m:r>
+                            <a:rPr lang="de-DE" sz="1750" b="0" i="1" smtClean="0">
+                              <a:latin typeface="Cambria Math" panose="02040503050406030204" pitchFamily="18" charset="0"/>
+                            </a:rPr>
+                            <m:t>𝑘</m:t>
+                          </m:r>
+                        </m:e>
+                        <m:sub>
+                          <m:r>
+                            <a:rPr lang="de-DE" sz="1750" b="0" i="1" smtClean="0">
+                              <a:latin typeface="Cambria Math" panose="02040503050406030204" pitchFamily="18" charset="0"/>
+                            </a:rPr>
+                            <m:t>4</m:t>
+                          </m:r>
+                        </m:sub>
+                      </m:sSub>
+                      <m:r>
+                        <a:rPr lang="de-DE" sz="1750" b="0" i="1" smtClean="0">
+                          <a:latin typeface="Cambria Math" panose="02040503050406030204" pitchFamily="18" charset="0"/>
+                        </a:rPr>
+                        <m:t>𝐺𝑅</m:t>
+                      </m:r>
+                      <m:r>
+                        <a:rPr lang="de-DE" sz="1750" b="0" i="1" smtClean="0">
+                          <a:latin typeface="Cambria Math" panose="02040503050406030204" pitchFamily="18" charset="0"/>
+                        </a:rPr>
+                        <m:t>19+</m:t>
+                      </m:r>
+                      <m:sSub>
+                        <m:sSubPr>
+                          <m:ctrlPr>
+                            <a:rPr lang="de-DE" sz="1750" b="0" i="1" smtClean="0">
+                              <a:latin typeface="Cambria Math" panose="02040503050406030204" pitchFamily="18" charset="0"/>
+                            </a:rPr>
+                          </m:ctrlPr>
+                        </m:sSubPr>
+                        <m:e>
+                          <m:r>
+                            <a:rPr lang="de-DE" sz="1750" b="0" i="1" smtClean="0">
+                              <a:latin typeface="Cambria Math" panose="02040503050406030204" pitchFamily="18" charset="0"/>
+                            </a:rPr>
+                            <m:t>𝑘</m:t>
+                          </m:r>
+                        </m:e>
+                        <m:sub>
+                          <m:r>
+                            <a:rPr lang="de-DE" sz="1750" b="0" i="1" smtClean="0">
+                              <a:latin typeface="Cambria Math" panose="02040503050406030204" pitchFamily="18" charset="0"/>
+                            </a:rPr>
+                            <m:t>5</m:t>
+                          </m:r>
+                        </m:sub>
+                      </m:sSub>
+                      <m:r>
+                        <a:rPr lang="de-DE" sz="1750" b="0" i="1" smtClean="0">
+                          <a:latin typeface="Cambria Math" panose="02040503050406030204" pitchFamily="18" charset="0"/>
+                        </a:rPr>
+                        <m:t>𝑁𝐸</m:t>
+                      </m:r>
+                      <m:r>
+                        <a:rPr lang="de-DE" sz="1750" b="0" i="1" smtClean="0">
+                          <a:latin typeface="Cambria Math" panose="02040503050406030204" pitchFamily="18" charset="0"/>
+                        </a:rPr>
+                        <m:t>19+</m:t>
+                      </m:r>
+                      <m:sSub>
+                        <m:sSubPr>
+                          <m:ctrlPr>
+                            <a:rPr lang="de-DE" sz="1750" b="0" i="1" smtClean="0">
+                              <a:latin typeface="Cambria Math" panose="02040503050406030204" pitchFamily="18" charset="0"/>
+                            </a:rPr>
+                          </m:ctrlPr>
+                        </m:sSubPr>
+                        <m:e>
+                          <m:r>
+                            <a:rPr lang="de-DE" sz="1750" b="0" i="1" smtClean="0">
+                              <a:latin typeface="Cambria Math" panose="02040503050406030204" pitchFamily="18" charset="0"/>
+                            </a:rPr>
+                            <m:t>𝑘</m:t>
+                          </m:r>
+                        </m:e>
+                        <m:sub>
+                          <m:r>
+                            <a:rPr lang="de-DE" sz="1750" b="0" i="1" smtClean="0">
+                              <a:latin typeface="Cambria Math" panose="02040503050406030204" pitchFamily="18" charset="0"/>
+                            </a:rPr>
+                            <m:t>6</m:t>
+                          </m:r>
+                        </m:sub>
+                      </m:sSub>
+                      <m:r>
+                        <a:rPr lang="de-DE" sz="1750" b="0" i="1" smtClean="0">
+                          <a:latin typeface="Cambria Math" panose="02040503050406030204" pitchFamily="18" charset="0"/>
+                        </a:rPr>
+                        <m:t>𝑆𝑂</m:t>
+                      </m:r>
+                      <m:r>
+                        <a:rPr lang="de-DE" sz="1750" b="0" i="1" smtClean="0">
+                          <a:latin typeface="Cambria Math" panose="02040503050406030204" pitchFamily="18" charset="0"/>
+                        </a:rPr>
+                        <m:t>19+</m:t>
+                      </m:r>
+                      <m:sSub>
+                        <m:sSubPr>
+                          <m:ctrlPr>
+                            <a:rPr lang="de-DE" sz="1750" b="0" i="1" smtClean="0">
+                              <a:latin typeface="Cambria Math" panose="02040503050406030204" pitchFamily="18" charset="0"/>
+                            </a:rPr>
+                          </m:ctrlPr>
+                        </m:sSubPr>
+                        <m:e>
+                          <m:r>
+                            <a:rPr lang="de-DE" sz="1750" b="0" i="1" smtClean="0">
+                              <a:latin typeface="Cambria Math" panose="02040503050406030204" pitchFamily="18" charset="0"/>
+                            </a:rPr>
+                            <m:t>𝑘</m:t>
+                          </m:r>
+                        </m:e>
+                        <m:sub>
+                          <m:r>
+                            <a:rPr lang="de-DE" sz="1750" b="0" i="1" smtClean="0">
+                              <a:latin typeface="Cambria Math" panose="02040503050406030204" pitchFamily="18" charset="0"/>
+                            </a:rPr>
+                            <m:t>7</m:t>
+                          </m:r>
+                        </m:sub>
+                      </m:sSub>
+                      <m:r>
+                        <a:rPr lang="de-DE" sz="1750" b="0" i="1" smtClean="0">
+                          <a:latin typeface="Cambria Math" panose="02040503050406030204" pitchFamily="18" charset="0"/>
+                        </a:rPr>
+                        <m:t>𝑁𝑊</m:t>
+                      </m:r>
+                      <m:r>
+                        <a:rPr lang="de-DE" sz="1750" b="0" i="1" smtClean="0">
+                          <a:latin typeface="Cambria Math" panose="02040503050406030204" pitchFamily="18" charset="0"/>
+                        </a:rPr>
+                        <m:t>19+</m:t>
+                      </m:r>
+                      <m:r>
+                        <a:rPr lang="de-DE" sz="1750" b="0" i="1" smtClean="0">
+                          <a:latin typeface="Cambria Math" panose="02040503050406030204" pitchFamily="18" charset="0"/>
+                        </a:rPr>
+                        <m:t>𝑑</m:t>
+                      </m:r>
+                    </m:oMath>
+                  </m:oMathPara>
+                </a14:m>
+                <a:endParaRPr lang="de-AT" sz="1750" dirty="0"/>
+              </a:p>
+            </p:txBody>
+          </p:sp>
+        </mc:Choice>
+        <mc:Fallback>
+          <p:sp>
+            <p:nvSpPr>
+              <p:cNvPr id="3" name="Inhaltsplatzhalter 2">
+                <a:extLst>
+                  <a:ext uri="{FF2B5EF4-FFF2-40B4-BE49-F238E27FC236}">
+                    <a16:creationId xmlns:a16="http://schemas.microsoft.com/office/drawing/2014/main" id="{8B4F73BC-6221-7151-9E3D-A10E327370F1}"/>
+                  </a:ext>
+                </a:extLst>
+              </p:cNvPr>
+              <p:cNvSpPr>
+                <a:spLocks noGrp="1" noRot="1" noChangeAspect="1" noMove="1" noResize="1" noEditPoints="1" noAdjustHandles="1" noChangeArrowheads="1" noChangeShapeType="1" noTextEdit="1"/>
+              </p:cNvSpPr>
+              <p:nvPr>
+                <p:ph idx="1"/>
+              </p:nvPr>
+            </p:nvSpPr>
+            <p:spPr>
+              <a:blipFill>
+                <a:blip r:embed="rId2"/>
+                <a:stretch>
+                  <a:fillRect l="-567"/>
+                </a:stretch>
+              </a:blipFill>
+            </p:spPr>
+            <p:txBody>
+              <a:bodyPr/>
+              <a:lstStyle/>
+              <a:p>
+                <a:r>
+                  <a:rPr lang="de-AT">
+                    <a:noFill/>
+                  </a:rPr>
+                  <a:t> </a:t>
+                </a:r>
+              </a:p>
+            </p:txBody>
+          </p:sp>
+        </mc:Fallback>
+      </mc:AlternateContent>
       <p:sp>
         <p:nvSpPr>
-          <p:cNvPr id="3" name="Inhaltsplatzhalter 2">
+          <p:cNvPr id="4" name="Fußzeilenplatzhalter 3">
             <a:extLst>
               <a:ext uri="{FF2B5EF4-FFF2-40B4-BE49-F238E27FC236}">
-                <a16:creationId xmlns:a16="http://schemas.microsoft.com/office/drawing/2014/main" id="{8B4F73BC-6221-7151-9E3D-A10E327370F1}"/>
+                <a16:creationId xmlns:a16="http://schemas.microsoft.com/office/drawing/2014/main" id="{904B6141-661D-6AC6-3C1D-FE88180BBD9C}"/>
               </a:ext>
             </a:extLst>
           </p:cNvPr>
@@ -5487,7 +13361,7 @@
             <a:spLocks noGrp="1"/>
           </p:cNvSpPr>
           <p:nvPr>
-            <p:ph idx="1"/>
+            <p:ph type="ftr" sz="quarter" idx="11"/>
           </p:nvPr>
         </p:nvSpPr>
         <p:spPr/>
@@ -5495,6 +13369,41 @@
           <a:bodyPr/>
           <a:lstStyle/>
           <a:p>
+            <a:r>
+              <a:rPr lang="de-DE"/>
+              <a:t>WIPOL Hirschwang</a:t>
+            </a:r>
+            <a:endParaRPr lang="de-AT" dirty="0"/>
+          </a:p>
+        </p:txBody>
+      </p:sp>
+      <p:sp>
+        <p:nvSpPr>
+          <p:cNvPr id="5" name="Foliennummernplatzhalter 4">
+            <a:extLst>
+              <a:ext uri="{FF2B5EF4-FFF2-40B4-BE49-F238E27FC236}">
+                <a16:creationId xmlns:a16="http://schemas.microsoft.com/office/drawing/2014/main" id="{AC990CCD-0B57-449F-86AA-3F9EE9F1DE08}"/>
+              </a:ext>
+            </a:extLst>
+          </p:cNvPr>
+          <p:cNvSpPr>
+            <a:spLocks noGrp="1"/>
+          </p:cNvSpPr>
+          <p:nvPr>
+            <p:ph type="sldNum" sz="quarter" idx="12"/>
+          </p:nvPr>
+        </p:nvSpPr>
+        <p:spPr/>
+        <p:txBody>
+          <a:bodyPr>
+            <a:normAutofit lnSpcReduction="10000"/>
+          </a:bodyPr>
+          <a:lstStyle/>
+          <a:p>
+            <a:fld id="{58087E24-FB43-451A-9D0B-7B980EC5ED81}" type="slidenum">
+              <a:rPr lang="de-AT" smtClean="0"/>
+              <a:t>7</a:t>
+            </a:fld>
             <a:endParaRPr lang="de-AT"/>
           </a:p>
         </p:txBody>
@@ -5509,174 +13418,196 @@
   <p:clrMapOvr>
     <a:masterClrMapping/>
   </p:clrMapOvr>
-</p:sld>
-</file>
-
-<file path=ppt/slides/slide6.xml><?xml version="1.0" encoding="utf-8"?>
-<p:sld xmlns:a="http://schemas.openxmlformats.org/drawingml/2006/main" xmlns:r="http://schemas.openxmlformats.org/officeDocument/2006/relationships" xmlns:p="http://schemas.openxmlformats.org/presentationml/2006/main">
-  <p:cSld>
-    <p:spTree>
-      <p:nvGrpSpPr>
-        <p:cNvPr id="1" name=""/>
-        <p:cNvGrpSpPr/>
-        <p:nvPr/>
-      </p:nvGrpSpPr>
-      <p:grpSpPr>
-        <a:xfrm>
-          <a:off x="0" y="0"/>
-          <a:ext cx="0" cy="0"/>
-          <a:chOff x="0" y="0"/>
-          <a:chExt cx="0" cy="0"/>
-        </a:xfrm>
-      </p:grpSpPr>
-      <p:sp>
-        <p:nvSpPr>
-          <p:cNvPr id="2" name="Titel 1">
-            <a:extLst>
-              <a:ext uri="{FF2B5EF4-FFF2-40B4-BE49-F238E27FC236}">
-                <a16:creationId xmlns:a16="http://schemas.microsoft.com/office/drawing/2014/main" id="{BA8B69C5-C240-88A4-BD48-850C48BE733B}"/>
-              </a:ext>
-            </a:extLst>
-          </p:cNvPr>
-          <p:cNvSpPr>
-            <a:spLocks noGrp="1"/>
-          </p:cNvSpPr>
-          <p:nvPr>
-            <p:ph type="title"/>
-          </p:nvPr>
-        </p:nvSpPr>
-        <p:spPr/>
-        <p:txBody>
-          <a:bodyPr/>
-          <a:lstStyle/>
-          <a:p>
-            <a:r>
-              <a:rPr lang="de-DE" dirty="0"/>
-              <a:t>Multivariate lineare Regression</a:t>
-            </a:r>
-            <a:endParaRPr lang="de-AT" dirty="0"/>
-          </a:p>
-        </p:txBody>
-      </p:sp>
-      <p:sp>
-        <p:nvSpPr>
-          <p:cNvPr id="3" name="Inhaltsplatzhalter 2">
-            <a:extLst>
-              <a:ext uri="{FF2B5EF4-FFF2-40B4-BE49-F238E27FC236}">
-                <a16:creationId xmlns:a16="http://schemas.microsoft.com/office/drawing/2014/main" id="{4C57A619-47FE-2F4B-4C80-DBFC185BAAF1}"/>
-              </a:ext>
-            </a:extLst>
-          </p:cNvPr>
-          <p:cNvSpPr>
-            <a:spLocks noGrp="1"/>
-          </p:cNvSpPr>
-          <p:nvPr>
-            <p:ph idx="1"/>
-          </p:nvPr>
-        </p:nvSpPr>
-        <p:spPr/>
-        <p:txBody>
-          <a:bodyPr/>
-          <a:lstStyle/>
-          <a:p>
-            <a:endParaRPr lang="de-AT"/>
-          </a:p>
-        </p:txBody>
-      </p:sp>
-    </p:spTree>
-    <p:extLst>
-      <p:ext uri="{BB962C8B-B14F-4D97-AF65-F5344CB8AC3E}">
-        <p14:creationId xmlns:p14="http://schemas.microsoft.com/office/powerpoint/2010/main" val="2183538183"/>
-      </p:ext>
-    </p:extLst>
-  </p:cSld>
-  <p:clrMapOvr>
-    <a:masterClrMapping/>
-  </p:clrMapOvr>
-</p:sld>
-</file>
-
-<file path=ppt/slides/slide7.xml><?xml version="1.0" encoding="utf-8"?>
-<p:sld xmlns:a="http://schemas.openxmlformats.org/drawingml/2006/main" xmlns:r="http://schemas.openxmlformats.org/officeDocument/2006/relationships" xmlns:p="http://schemas.openxmlformats.org/presentationml/2006/main">
-  <p:cSld>
-    <p:spTree>
-      <p:nvGrpSpPr>
-        <p:cNvPr id="1" name=""/>
-        <p:cNvGrpSpPr/>
-        <p:nvPr/>
-      </p:nvGrpSpPr>
-      <p:grpSpPr>
-        <a:xfrm>
-          <a:off x="0" y="0"/>
-          <a:ext cx="0" cy="0"/>
-          <a:chOff x="0" y="0"/>
-          <a:chExt cx="0" cy="0"/>
-        </a:xfrm>
-      </p:grpSpPr>
-      <p:sp>
-        <p:nvSpPr>
-          <p:cNvPr id="2" name="Titel 1">
-            <a:extLst>
-              <a:ext uri="{FF2B5EF4-FFF2-40B4-BE49-F238E27FC236}">
-                <a16:creationId xmlns:a16="http://schemas.microsoft.com/office/drawing/2014/main" id="{B0F12AB1-0276-235A-A78F-AC7C856D3ABB}"/>
-              </a:ext>
-            </a:extLst>
-          </p:cNvPr>
-          <p:cNvSpPr>
-            <a:spLocks noGrp="1"/>
-          </p:cNvSpPr>
-          <p:nvPr>
-            <p:ph type="title"/>
-          </p:nvPr>
-        </p:nvSpPr>
-        <p:spPr/>
-        <p:txBody>
-          <a:bodyPr/>
-          <a:lstStyle/>
-          <a:p>
-            <a:r>
-              <a:rPr lang="de-DE" dirty="0"/>
-              <a:t>Hochrechnung und lineare Regression</a:t>
-            </a:r>
-            <a:endParaRPr lang="de-AT" dirty="0"/>
-          </a:p>
-        </p:txBody>
-      </p:sp>
-      <p:sp>
-        <p:nvSpPr>
-          <p:cNvPr id="3" name="Inhaltsplatzhalter 2">
-            <a:extLst>
-              <a:ext uri="{FF2B5EF4-FFF2-40B4-BE49-F238E27FC236}">
-                <a16:creationId xmlns:a16="http://schemas.microsoft.com/office/drawing/2014/main" id="{AC7F4988-7C23-A449-FACD-67CE41C01E74}"/>
-              </a:ext>
-            </a:extLst>
-          </p:cNvPr>
-          <p:cNvSpPr>
-            <a:spLocks noGrp="1"/>
-          </p:cNvSpPr>
-          <p:nvPr>
-            <p:ph idx="1"/>
-          </p:nvPr>
-        </p:nvSpPr>
-        <p:spPr/>
-        <p:txBody>
-          <a:bodyPr/>
-          <a:lstStyle/>
-          <a:p>
-            <a:endParaRPr lang="de-AT"/>
-          </a:p>
-        </p:txBody>
-      </p:sp>
-    </p:spTree>
-    <p:extLst>
-      <p:ext uri="{BB962C8B-B14F-4D97-AF65-F5344CB8AC3E}">
-        <p14:creationId xmlns:p14="http://schemas.microsoft.com/office/powerpoint/2010/main" val="2130042208"/>
-      </p:ext>
-    </p:extLst>
-  </p:cSld>
-  <p:clrMapOvr>
-    <a:masterClrMapping/>
-  </p:clrMapOvr>
+  <p:timing>
+    <p:tnLst>
+      <p:par>
+        <p:cTn id="1" dur="indefinite" restart="never" nodeType="tmRoot">
+          <p:childTnLst>
+            <p:seq concurrent="1" nextAc="seek">
+              <p:cTn id="2" dur="indefinite" nodeType="mainSeq">
+                <p:childTnLst>
+                  <p:par>
+                    <p:cTn id="3" fill="hold">
+                      <p:stCondLst>
+                        <p:cond delay="indefinite"/>
+                      </p:stCondLst>
+                      <p:childTnLst>
+                        <p:par>
+                          <p:cTn id="4" fill="hold">
+                            <p:stCondLst>
+                              <p:cond delay="0"/>
+                            </p:stCondLst>
+                            <p:childTnLst>
+                              <p:par>
+                                <p:cTn id="5" presetID="1" presetClass="entr" presetSubtype="0" fill="hold" nodeType="clickEffect">
+                                  <p:stCondLst>
+                                    <p:cond delay="0"/>
+                                  </p:stCondLst>
+                                  <p:childTnLst>
+                                    <p:set>
+                                      <p:cBhvr>
+                                        <p:cTn id="6" dur="1" fill="hold">
+                                          <p:stCondLst>
+                                            <p:cond delay="0"/>
+                                          </p:stCondLst>
+                                        </p:cTn>
+                                        <p:tgtEl>
+                                          <p:spTgt spid="3">
+                                            <p:txEl>
+                                              <p:pRg st="2" end="2"/>
+                                            </p:txEl>
+                                          </p:spTgt>
+                                        </p:tgtEl>
+                                        <p:attrNameLst>
+                                          <p:attrName>style.visibility</p:attrName>
+                                        </p:attrNameLst>
+                                      </p:cBhvr>
+                                      <p:to>
+                                        <p:strVal val="visible"/>
+                                      </p:to>
+                                    </p:set>
+                                  </p:childTnLst>
+                                </p:cTn>
+                              </p:par>
+                              <p:par>
+                                <p:cTn id="7" presetID="1" presetClass="entr" presetSubtype="0" fill="hold" nodeType="withEffect">
+                                  <p:stCondLst>
+                                    <p:cond delay="0"/>
+                                  </p:stCondLst>
+                                  <p:childTnLst>
+                                    <p:set>
+                                      <p:cBhvr>
+                                        <p:cTn id="8" dur="1" fill="hold">
+                                          <p:stCondLst>
+                                            <p:cond delay="0"/>
+                                          </p:stCondLst>
+                                        </p:cTn>
+                                        <p:tgtEl>
+                                          <p:spTgt spid="3">
+                                            <p:txEl>
+                                              <p:pRg st="4" end="4"/>
+                                            </p:txEl>
+                                          </p:spTgt>
+                                        </p:tgtEl>
+                                        <p:attrNameLst>
+                                          <p:attrName>style.visibility</p:attrName>
+                                        </p:attrNameLst>
+                                      </p:cBhvr>
+                                      <p:to>
+                                        <p:strVal val="visible"/>
+                                      </p:to>
+                                    </p:set>
+                                  </p:childTnLst>
+                                </p:cTn>
+                              </p:par>
+                            </p:childTnLst>
+                          </p:cTn>
+                        </p:par>
+                      </p:childTnLst>
+                    </p:cTn>
+                  </p:par>
+                  <p:par>
+                    <p:cTn id="9" fill="hold">
+                      <p:stCondLst>
+                        <p:cond delay="indefinite"/>
+                      </p:stCondLst>
+                      <p:childTnLst>
+                        <p:par>
+                          <p:cTn id="10" fill="hold">
+                            <p:stCondLst>
+                              <p:cond delay="0"/>
+                            </p:stCondLst>
+                            <p:childTnLst>
+                              <p:par>
+                                <p:cTn id="11" presetID="1" presetClass="entr" presetSubtype="0" fill="hold" nodeType="clickEffect">
+                                  <p:stCondLst>
+                                    <p:cond delay="0"/>
+                                  </p:stCondLst>
+                                  <p:childTnLst>
+                                    <p:set>
+                                      <p:cBhvr>
+                                        <p:cTn id="12" dur="1" fill="hold">
+                                          <p:stCondLst>
+                                            <p:cond delay="0"/>
+                                          </p:stCondLst>
+                                        </p:cTn>
+                                        <p:tgtEl>
+                                          <p:spTgt spid="3">
+                                            <p:txEl>
+                                              <p:pRg st="6" end="6"/>
+                                            </p:txEl>
+                                          </p:spTgt>
+                                        </p:tgtEl>
+                                        <p:attrNameLst>
+                                          <p:attrName>style.visibility</p:attrName>
+                                        </p:attrNameLst>
+                                      </p:cBhvr>
+                                      <p:to>
+                                        <p:strVal val="visible"/>
+                                      </p:to>
+                                    </p:set>
+                                  </p:childTnLst>
+                                </p:cTn>
+                              </p:par>
+                              <p:par>
+                                <p:cTn id="13" presetID="1" presetClass="entr" presetSubtype="0" fill="hold" nodeType="withEffect">
+                                  <p:stCondLst>
+                                    <p:cond delay="0"/>
+                                  </p:stCondLst>
+                                  <p:childTnLst>
+                                    <p:set>
+                                      <p:cBhvr>
+                                        <p:cTn id="14" dur="1" fill="hold">
+                                          <p:stCondLst>
+                                            <p:cond delay="0"/>
+                                          </p:stCondLst>
+                                        </p:cTn>
+                                        <p:tgtEl>
+                                          <p:spTgt spid="3">
+                                            <p:txEl>
+                                              <p:pRg st="8" end="8"/>
+                                            </p:txEl>
+                                          </p:spTgt>
+                                        </p:tgtEl>
+                                        <p:attrNameLst>
+                                          <p:attrName>style.visibility</p:attrName>
+                                        </p:attrNameLst>
+                                      </p:cBhvr>
+                                      <p:to>
+                                        <p:strVal val="visible"/>
+                                      </p:to>
+                                    </p:set>
+                                  </p:childTnLst>
+                                </p:cTn>
+                              </p:par>
+                            </p:childTnLst>
+                          </p:cTn>
+                        </p:par>
+                      </p:childTnLst>
+                    </p:cTn>
+                  </p:par>
+                </p:childTnLst>
+              </p:cTn>
+              <p:prevCondLst>
+                <p:cond evt="onPrev" delay="0">
+                  <p:tgtEl>
+                    <p:sldTgt/>
+                  </p:tgtEl>
+                </p:cond>
+              </p:prevCondLst>
+              <p:nextCondLst>
+                <p:cond evt="onNext" delay="0">
+                  <p:tgtEl>
+                    <p:sldTgt/>
+                  </p:tgtEl>
+                </p:cond>
+              </p:nextCondLst>
+            </p:seq>
+          </p:childTnLst>
+        </p:cTn>
+      </p:par>
+    </p:tnLst>
+  </p:timing>
 </p:sld>
 </file>
 
@@ -5702,7 +13633,7 @@
           <p:cNvPr id="2" name="Titel 1">
             <a:extLst>
               <a:ext uri="{FF2B5EF4-FFF2-40B4-BE49-F238E27FC236}">
-                <a16:creationId xmlns:a16="http://schemas.microsoft.com/office/drawing/2014/main" id="{AB4F34F2-FD1A-FC57-D53E-8A5C1321C35A}"/>
+                <a16:creationId xmlns:a16="http://schemas.microsoft.com/office/drawing/2014/main" id="{72D063B7-920E-99CF-ED69-5C505F27D448}"/>
               </a:ext>
             </a:extLst>
           </p:cNvPr>
@@ -5710,7 +13641,7 @@
             <a:spLocks noGrp="1"/>
           </p:cNvSpPr>
           <p:nvPr>
-            <p:ph type="title"/>
+            <p:ph type="ctrTitle"/>
           </p:nvPr>
         </p:nvSpPr>
         <p:spPr/>
@@ -5720,7 +13651,7 @@
           <a:p>
             <a:r>
               <a:rPr lang="de-DE" dirty="0"/>
-              <a:t>Hochrechnung in Excel machen</a:t>
+              <a:t>Hochrechnung</a:t>
             </a:r>
             <a:endParaRPr lang="de-AT" dirty="0"/>
           </a:p>
@@ -5728,10 +13659,10 @@
       </p:sp>
       <p:sp>
         <p:nvSpPr>
-          <p:cNvPr id="3" name="Inhaltsplatzhalter 2">
+          <p:cNvPr id="3" name="Untertitel 2">
             <a:extLst>
               <a:ext uri="{FF2B5EF4-FFF2-40B4-BE49-F238E27FC236}">
-                <a16:creationId xmlns:a16="http://schemas.microsoft.com/office/drawing/2014/main" id="{6471F93C-8191-3241-8A23-E9A5E8781D29}"/>
+                <a16:creationId xmlns:a16="http://schemas.microsoft.com/office/drawing/2014/main" id="{CE01CBFB-C7A0-A578-95B9-6D9198EFAA2B}"/>
               </a:ext>
             </a:extLst>
           </p:cNvPr>
@@ -5739,7 +13670,7 @@
             <a:spLocks noGrp="1"/>
           </p:cNvSpPr>
           <p:nvPr>
-            <p:ph idx="1"/>
+            <p:ph type="subTitle" idx="1"/>
           </p:nvPr>
         </p:nvSpPr>
         <p:spPr/>
@@ -5747,6 +13678,70 @@
           <a:bodyPr/>
           <a:lstStyle/>
           <a:p>
+            <a:r>
+              <a:rPr lang="de-DE" dirty="0"/>
+              <a:t>Praktische Umsetzung in Excel</a:t>
+            </a:r>
+            <a:endParaRPr lang="de-AT" dirty="0"/>
+          </a:p>
+        </p:txBody>
+      </p:sp>
+      <p:sp>
+        <p:nvSpPr>
+          <p:cNvPr id="4" name="Fußzeilenplatzhalter 3">
+            <a:extLst>
+              <a:ext uri="{FF2B5EF4-FFF2-40B4-BE49-F238E27FC236}">
+                <a16:creationId xmlns:a16="http://schemas.microsoft.com/office/drawing/2014/main" id="{92CCE94F-C9F6-1E34-A87A-F056DD5D746A}"/>
+              </a:ext>
+            </a:extLst>
+          </p:cNvPr>
+          <p:cNvSpPr>
+            <a:spLocks noGrp="1"/>
+          </p:cNvSpPr>
+          <p:nvPr>
+            <p:ph type="ftr" sz="quarter" idx="11"/>
+          </p:nvPr>
+        </p:nvSpPr>
+        <p:spPr/>
+        <p:txBody>
+          <a:bodyPr/>
+          <a:lstStyle/>
+          <a:p>
+            <a:r>
+              <a:rPr lang="de-AT"/>
+              <a:t>WIPOL Hirschwang</a:t>
+            </a:r>
+            <a:endParaRPr lang="de-AT" dirty="0"/>
+          </a:p>
+        </p:txBody>
+      </p:sp>
+      <p:sp>
+        <p:nvSpPr>
+          <p:cNvPr id="5" name="Foliennummernplatzhalter 4">
+            <a:extLst>
+              <a:ext uri="{FF2B5EF4-FFF2-40B4-BE49-F238E27FC236}">
+                <a16:creationId xmlns:a16="http://schemas.microsoft.com/office/drawing/2014/main" id="{AEC9DD78-CC11-233B-12E1-03CA8E258FC2}"/>
+              </a:ext>
+            </a:extLst>
+          </p:cNvPr>
+          <p:cNvSpPr>
+            <a:spLocks noGrp="1"/>
+          </p:cNvSpPr>
+          <p:nvPr>
+            <p:ph type="sldNum" sz="quarter" idx="12"/>
+          </p:nvPr>
+        </p:nvSpPr>
+        <p:spPr/>
+        <p:txBody>
+          <a:bodyPr>
+            <a:normAutofit lnSpcReduction="10000"/>
+          </a:bodyPr>
+          <a:lstStyle/>
+          <a:p>
+            <a:fld id="{58087E24-FB43-451A-9D0B-7B980EC5ED81}" type="slidenum">
+              <a:rPr lang="de-AT" smtClean="0"/>
+              <a:t>8</a:t>
+            </a:fld>
             <a:endParaRPr lang="de-AT"/>
           </a:p>
         </p:txBody>
@@ -5754,7 +13749,7 @@
     </p:spTree>
     <p:extLst>
       <p:ext uri="{BB962C8B-B14F-4D97-AF65-F5344CB8AC3E}">
-        <p14:creationId xmlns:p14="http://schemas.microsoft.com/office/powerpoint/2010/main" val="4082787262"/>
+        <p14:creationId xmlns:p14="http://schemas.microsoft.com/office/powerpoint/2010/main" val="3274048661"/>
       </p:ext>
     </p:extLst>
   </p:cSld>
@@ -5826,7 +13821,7 @@
             <p:ph idx="1"/>
             <p:extLst>
               <p:ext uri="{D42A27DB-BD31-4B8C-83A1-F6EECF244321}">
-                <p14:modId xmlns:p14="http://schemas.microsoft.com/office/powerpoint/2010/main" val="4105898660"/>
+                <p14:modId xmlns:p14="http://schemas.microsoft.com/office/powerpoint/2010/main" val="3978930660"/>
               </p:ext>
             </p:extLst>
           </p:nvPr>
@@ -5841,6 +13836,66 @@
           </a:graphicData>
         </a:graphic>
       </p:graphicFrame>
+      <p:sp>
+        <p:nvSpPr>
+          <p:cNvPr id="3" name="Fußzeilenplatzhalter 2">
+            <a:extLst>
+              <a:ext uri="{FF2B5EF4-FFF2-40B4-BE49-F238E27FC236}">
+                <a16:creationId xmlns:a16="http://schemas.microsoft.com/office/drawing/2014/main" id="{D701CED9-144B-1159-11A3-A2AB534A4C9D}"/>
+              </a:ext>
+            </a:extLst>
+          </p:cNvPr>
+          <p:cNvSpPr>
+            <a:spLocks noGrp="1"/>
+          </p:cNvSpPr>
+          <p:nvPr>
+            <p:ph type="ftr" sz="quarter" idx="11"/>
+          </p:nvPr>
+        </p:nvSpPr>
+        <p:spPr/>
+        <p:txBody>
+          <a:bodyPr/>
+          <a:lstStyle/>
+          <a:p>
+            <a:r>
+              <a:rPr lang="de-DE"/>
+              <a:t>WIPOL Hirschwang</a:t>
+            </a:r>
+            <a:endParaRPr lang="de-AT" dirty="0"/>
+          </a:p>
+        </p:txBody>
+      </p:sp>
+      <p:sp>
+        <p:nvSpPr>
+          <p:cNvPr id="4" name="Foliennummernplatzhalter 3">
+            <a:extLst>
+              <a:ext uri="{FF2B5EF4-FFF2-40B4-BE49-F238E27FC236}">
+                <a16:creationId xmlns:a16="http://schemas.microsoft.com/office/drawing/2014/main" id="{2148BD3E-D14A-C146-52F3-D15D55DE1AF4}"/>
+              </a:ext>
+            </a:extLst>
+          </p:cNvPr>
+          <p:cNvSpPr>
+            <a:spLocks noGrp="1"/>
+          </p:cNvSpPr>
+          <p:nvPr>
+            <p:ph type="sldNum" sz="quarter" idx="12"/>
+          </p:nvPr>
+        </p:nvSpPr>
+        <p:spPr/>
+        <p:txBody>
+          <a:bodyPr>
+            <a:normAutofit lnSpcReduction="10000"/>
+          </a:bodyPr>
+          <a:lstStyle/>
+          <a:p>
+            <a:fld id="{58087E24-FB43-451A-9D0B-7B980EC5ED81}" type="slidenum">
+              <a:rPr lang="de-AT" smtClean="0"/>
+              <a:t>9</a:t>
+            </a:fld>
+            <a:endParaRPr lang="de-AT"/>
+          </a:p>
+        </p:txBody>
+      </p:sp>
     </p:spTree>
     <p:extLst>
       <p:ext uri="{BB962C8B-B14F-4D97-AF65-F5344CB8AC3E}">
@@ -6107,6 +14162,321 @@
 </a:theme>
 </file>
 
+<file path=ppt/theme/theme2.xml><?xml version="1.0" encoding="utf-8"?>
+<a:theme xmlns:a="http://schemas.openxmlformats.org/drawingml/2006/main" name="Office">
+  <a:themeElements>
+    <a:clrScheme name="Office">
+      <a:dk1>
+        <a:sysClr val="windowText" lastClr="000000"/>
+      </a:dk1>
+      <a:lt1>
+        <a:sysClr val="window" lastClr="FFFFFF"/>
+      </a:lt1>
+      <a:dk2>
+        <a:srgbClr val="0E2841"/>
+      </a:dk2>
+      <a:lt2>
+        <a:srgbClr val="E8E8E8"/>
+      </a:lt2>
+      <a:accent1>
+        <a:srgbClr val="156082"/>
+      </a:accent1>
+      <a:accent2>
+        <a:srgbClr val="E97132"/>
+      </a:accent2>
+      <a:accent3>
+        <a:srgbClr val="196B24"/>
+      </a:accent3>
+      <a:accent4>
+        <a:srgbClr val="0F9ED5"/>
+      </a:accent4>
+      <a:accent5>
+        <a:srgbClr val="A02B93"/>
+      </a:accent5>
+      <a:accent6>
+        <a:srgbClr val="4EA72E"/>
+      </a:accent6>
+      <a:hlink>
+        <a:srgbClr val="467886"/>
+      </a:hlink>
+      <a:folHlink>
+        <a:srgbClr val="96607D"/>
+      </a:folHlink>
+    </a:clrScheme>
+    <a:fontScheme name="Office">
+      <a:majorFont>
+        <a:latin typeface="Aptos Display" panose="02110004020202020204"/>
+        <a:ea typeface=""/>
+        <a:cs typeface=""/>
+        <a:font script="Jpan" typeface="游ゴシック Light"/>
+        <a:font script="Hang" typeface="맑은 고딕"/>
+        <a:font script="Hans" typeface="等线 Light"/>
+        <a:font script="Hant" typeface="新細明體"/>
+        <a:font script="Arab" typeface="Times New Roman"/>
+        <a:font script="Hebr" typeface="Times New Roman"/>
+        <a:font script="Thai" typeface="Angsana New"/>
+        <a:font script="Ethi" typeface="Nyala"/>
+        <a:font script="Beng" typeface="Vrinda"/>
+        <a:font script="Gujr" typeface="Shruti"/>
+        <a:font script="Khmr" typeface="MoolBoran"/>
+        <a:font script="Knda" typeface="Tunga"/>
+        <a:font script="Guru" typeface="Raavi"/>
+        <a:font script="Cans" typeface="Euphemia"/>
+        <a:font script="Cher" typeface="Plantagenet Cherokee"/>
+        <a:font script="Yiii" typeface="Microsoft Yi Baiti"/>
+        <a:font script="Tibt" typeface="Microsoft Himalaya"/>
+        <a:font script="Thaa" typeface="MV Boli"/>
+        <a:font script="Deva" typeface="Mangal"/>
+        <a:font script="Telu" typeface="Gautami"/>
+        <a:font script="Taml" typeface="Latha"/>
+        <a:font script="Syrc" typeface="Estrangelo Edessa"/>
+        <a:font script="Orya" typeface="Kalinga"/>
+        <a:font script="Mlym" typeface="Kartika"/>
+        <a:font script="Laoo" typeface="DokChampa"/>
+        <a:font script="Sinh" typeface="Iskoola Pota"/>
+        <a:font script="Mong" typeface="Mongolian Baiti"/>
+        <a:font script="Viet" typeface="Times New Roman"/>
+        <a:font script="Uigh" typeface="Microsoft Uighur"/>
+        <a:font script="Geor" typeface="Sylfaen"/>
+        <a:font script="Armn" typeface="Arial"/>
+        <a:font script="Bugi" typeface="Leelawadee UI"/>
+        <a:font script="Bopo" typeface="Microsoft JhengHei"/>
+        <a:font script="Java" typeface="Javanese Text"/>
+        <a:font script="Lisu" typeface="Segoe UI"/>
+        <a:font script="Mymr" typeface="Myanmar Text"/>
+        <a:font script="Nkoo" typeface="Ebrima"/>
+        <a:font script="Olck" typeface="Nirmala UI"/>
+        <a:font script="Osma" typeface="Ebrima"/>
+        <a:font script="Phag" typeface="Phagspa"/>
+        <a:font script="Syrn" typeface="Estrangelo Edessa"/>
+        <a:font script="Syrj" typeface="Estrangelo Edessa"/>
+        <a:font script="Syre" typeface="Estrangelo Edessa"/>
+        <a:font script="Sora" typeface="Nirmala UI"/>
+        <a:font script="Tale" typeface="Microsoft Tai Le"/>
+        <a:font script="Talu" typeface="Microsoft New Tai Lue"/>
+        <a:font script="Tfng" typeface="Ebrima"/>
+      </a:majorFont>
+      <a:minorFont>
+        <a:latin typeface="Aptos" panose="02110004020202020204"/>
+        <a:ea typeface=""/>
+        <a:cs typeface=""/>
+        <a:font script="Jpan" typeface="游ゴシック"/>
+        <a:font script="Hang" typeface="맑은 고딕"/>
+        <a:font script="Hans" typeface="等线"/>
+        <a:font script="Hant" typeface="新細明體"/>
+        <a:font script="Arab" typeface="Arial"/>
+        <a:font script="Hebr" typeface="Arial"/>
+        <a:font script="Thai" typeface="Cordia New"/>
+        <a:font script="Ethi" typeface="Nyala"/>
+        <a:font script="Beng" typeface="Vrinda"/>
+        <a:font script="Gujr" typeface="Shruti"/>
+        <a:font script="Khmr" typeface="DaunPenh"/>
+        <a:font script="Knda" typeface="Tunga"/>
+        <a:font script="Guru" typeface="Raavi"/>
+        <a:font script="Cans" typeface="Euphemia"/>
+        <a:font script="Cher" typeface="Plantagenet Cherokee"/>
+        <a:font script="Yiii" typeface="Microsoft Yi Baiti"/>
+        <a:font script="Tibt" typeface="Microsoft Himalaya"/>
+        <a:font script="Thaa" typeface="MV Boli"/>
+        <a:font script="Deva" typeface="Mangal"/>
+        <a:font script="Telu" typeface="Gautami"/>
+        <a:font script="Taml" typeface="Latha"/>
+        <a:font script="Syrc" typeface="Estrangelo Edessa"/>
+        <a:font script="Orya" typeface="Kalinga"/>
+        <a:font script="Mlym" typeface="Kartika"/>
+        <a:font script="Laoo" typeface="DokChampa"/>
+        <a:font script="Sinh" typeface="Iskoola Pota"/>
+        <a:font script="Mong" typeface="Mongolian Baiti"/>
+        <a:font script="Viet" typeface="Arial"/>
+        <a:font script="Uigh" typeface="Microsoft Uighur"/>
+        <a:font script="Geor" typeface="Sylfaen"/>
+        <a:font script="Armn" typeface="Arial"/>
+        <a:font script="Bugi" typeface="Leelawadee UI"/>
+        <a:font script="Bopo" typeface="Microsoft JhengHei"/>
+        <a:font script="Java" typeface="Javanese Text"/>
+        <a:font script="Lisu" typeface="Segoe UI"/>
+        <a:font script="Mymr" typeface="Myanmar Text"/>
+        <a:font script="Nkoo" typeface="Ebrima"/>
+        <a:font script="Olck" typeface="Nirmala UI"/>
+        <a:font script="Osma" typeface="Ebrima"/>
+        <a:font script="Phag" typeface="Phagspa"/>
+        <a:font script="Syrn" typeface="Estrangelo Edessa"/>
+        <a:font script="Syrj" typeface="Estrangelo Edessa"/>
+        <a:font script="Syre" typeface="Estrangelo Edessa"/>
+        <a:font script="Sora" typeface="Nirmala UI"/>
+        <a:font script="Tale" typeface="Microsoft Tai Le"/>
+        <a:font script="Talu" typeface="Microsoft New Tai Lue"/>
+        <a:font script="Tfng" typeface="Ebrima"/>
+      </a:minorFont>
+    </a:fontScheme>
+    <a:fmtScheme name="Office">
+      <a:fillStyleLst>
+        <a:solidFill>
+          <a:schemeClr val="phClr"/>
+        </a:solidFill>
+        <a:gradFill rotWithShape="1">
+          <a:gsLst>
+            <a:gs pos="0">
+              <a:schemeClr val="phClr">
+                <a:lumMod val="110000"/>
+                <a:satMod val="105000"/>
+                <a:tint val="67000"/>
+              </a:schemeClr>
+            </a:gs>
+            <a:gs pos="50000">
+              <a:schemeClr val="phClr">
+                <a:lumMod val="105000"/>
+                <a:satMod val="103000"/>
+                <a:tint val="73000"/>
+              </a:schemeClr>
+            </a:gs>
+            <a:gs pos="100000">
+              <a:schemeClr val="phClr">
+                <a:lumMod val="105000"/>
+                <a:satMod val="109000"/>
+                <a:tint val="81000"/>
+              </a:schemeClr>
+            </a:gs>
+          </a:gsLst>
+          <a:lin ang="5400000" scaled="0"/>
+        </a:gradFill>
+        <a:gradFill rotWithShape="1">
+          <a:gsLst>
+            <a:gs pos="0">
+              <a:schemeClr val="phClr">
+                <a:satMod val="103000"/>
+                <a:lumMod val="102000"/>
+                <a:tint val="94000"/>
+              </a:schemeClr>
+            </a:gs>
+            <a:gs pos="50000">
+              <a:schemeClr val="phClr">
+                <a:satMod val="110000"/>
+                <a:lumMod val="100000"/>
+                <a:shade val="100000"/>
+              </a:schemeClr>
+            </a:gs>
+            <a:gs pos="100000">
+              <a:schemeClr val="phClr">
+                <a:lumMod val="99000"/>
+                <a:satMod val="120000"/>
+                <a:shade val="78000"/>
+              </a:schemeClr>
+            </a:gs>
+          </a:gsLst>
+          <a:lin ang="5400000" scaled="0"/>
+        </a:gradFill>
+      </a:fillStyleLst>
+      <a:lnStyleLst>
+        <a:ln w="12700" cap="flat" cmpd="sng" algn="ctr">
+          <a:solidFill>
+            <a:schemeClr val="phClr"/>
+          </a:solidFill>
+          <a:prstDash val="solid"/>
+          <a:miter lim="800000"/>
+        </a:ln>
+        <a:ln w="19050" cap="flat" cmpd="sng" algn="ctr">
+          <a:solidFill>
+            <a:schemeClr val="phClr"/>
+          </a:solidFill>
+          <a:prstDash val="solid"/>
+          <a:miter lim="800000"/>
+        </a:ln>
+        <a:ln w="25400" cap="flat" cmpd="sng" algn="ctr">
+          <a:solidFill>
+            <a:schemeClr val="phClr"/>
+          </a:solidFill>
+          <a:prstDash val="solid"/>
+          <a:miter lim="800000"/>
+        </a:ln>
+      </a:lnStyleLst>
+      <a:effectStyleLst>
+        <a:effectStyle>
+          <a:effectLst/>
+        </a:effectStyle>
+        <a:effectStyle>
+          <a:effectLst/>
+        </a:effectStyle>
+        <a:effectStyle>
+          <a:effectLst>
+            <a:outerShdw blurRad="57150" dist="19050" dir="5400000" algn="ctr" rotWithShape="0">
+              <a:srgbClr val="000000">
+                <a:alpha val="63000"/>
+              </a:srgbClr>
+            </a:outerShdw>
+          </a:effectLst>
+        </a:effectStyle>
+      </a:effectStyleLst>
+      <a:bgFillStyleLst>
+        <a:solidFill>
+          <a:schemeClr val="phClr"/>
+        </a:solidFill>
+        <a:solidFill>
+          <a:schemeClr val="phClr">
+            <a:tint val="95000"/>
+            <a:satMod val="170000"/>
+          </a:schemeClr>
+        </a:solidFill>
+        <a:gradFill rotWithShape="1">
+          <a:gsLst>
+            <a:gs pos="0">
+              <a:schemeClr val="phClr">
+                <a:tint val="93000"/>
+                <a:satMod val="150000"/>
+                <a:shade val="98000"/>
+                <a:lumMod val="102000"/>
+              </a:schemeClr>
+            </a:gs>
+            <a:gs pos="50000">
+              <a:schemeClr val="phClr">
+                <a:tint val="98000"/>
+                <a:satMod val="130000"/>
+                <a:shade val="90000"/>
+                <a:lumMod val="103000"/>
+              </a:schemeClr>
+            </a:gs>
+            <a:gs pos="100000">
+              <a:schemeClr val="phClr">
+                <a:shade val="63000"/>
+                <a:satMod val="120000"/>
+              </a:schemeClr>
+            </a:gs>
+          </a:gsLst>
+          <a:lin ang="5400000" scaled="0"/>
+        </a:gradFill>
+      </a:bgFillStyleLst>
+    </a:fmtScheme>
+  </a:themeElements>
+  <a:objectDefaults>
+    <a:lnDef>
+      <a:spPr/>
+      <a:bodyPr/>
+      <a:lstStyle/>
+      <a:style>
+        <a:lnRef idx="2">
+          <a:schemeClr val="accent1"/>
+        </a:lnRef>
+        <a:fillRef idx="0">
+          <a:schemeClr val="accent1"/>
+        </a:fillRef>
+        <a:effectRef idx="1">
+          <a:schemeClr val="accent1"/>
+        </a:effectRef>
+        <a:fontRef idx="minor">
+          <a:schemeClr val="tx1"/>
+        </a:fontRef>
+      </a:style>
+    </a:lnDef>
+  </a:objectDefaults>
+  <a:extraClrSchemeLst/>
+  <a:extLst>
+    <a:ext uri="{05A4C25C-085E-4340-85A3-A5531E510DB2}">
+      <thm15:themeFamily xmlns:thm15="http://schemas.microsoft.com/office/thememl/2012/main" name="Office Theme" id="{2E142A2C-CD16-42D6-873A-C26D2A0506FA}" vid="{1BDDFF52-6CD6-40A5-AB3C-68EB2F1E4D0A}"/>
+    </a:ext>
+  </a:extLst>
+</a:theme>
+</file>
+
 <file path=ppt/theme/themeOverride1.xml><?xml version="1.0" encoding="utf-8"?>
 <a:themeOverride xmlns:a="http://schemas.openxmlformats.org/drawingml/2006/main">
   <a:clrScheme name="Parteien">

--- a/report/presentation.pptx
+++ b/report/presentation.pptx
@@ -5,7 +5,7 @@
     <p:sldMasterId id="2147483714" r:id="rId1"/>
   </p:sldMasterIdLst>
   <p:notesMasterIdLst>
-    <p:notesMasterId r:id="rId15"/>
+    <p:notesMasterId r:id="rId20"/>
   </p:notesMasterIdLst>
   <p:sldIdLst>
     <p:sldId id="256" r:id="rId2"/>
@@ -14,13 +14,18 @@
     <p:sldId id="267" r:id="rId5"/>
     <p:sldId id="269" r:id="rId6"/>
     <p:sldId id="268" r:id="rId7"/>
-    <p:sldId id="260" r:id="rId8"/>
-    <p:sldId id="270" r:id="rId9"/>
-    <p:sldId id="257" r:id="rId10"/>
-    <p:sldId id="262" r:id="rId11"/>
-    <p:sldId id="263" r:id="rId12"/>
-    <p:sldId id="272" r:id="rId13"/>
-    <p:sldId id="271" r:id="rId14"/>
+    <p:sldId id="275" r:id="rId8"/>
+    <p:sldId id="276" r:id="rId9"/>
+    <p:sldId id="260" r:id="rId10"/>
+    <p:sldId id="270" r:id="rId11"/>
+    <p:sldId id="257" r:id="rId12"/>
+    <p:sldId id="262" r:id="rId13"/>
+    <p:sldId id="263" r:id="rId14"/>
+    <p:sldId id="272" r:id="rId15"/>
+    <p:sldId id="277" r:id="rId16"/>
+    <p:sldId id="278" r:id="rId17"/>
+    <p:sldId id="279" r:id="rId18"/>
+    <p:sldId id="271" r:id="rId19"/>
   </p:sldIdLst>
   <p:sldSz cx="12192000" cy="6858000"/>
   <p:notesSz cx="6858000" cy="9144000"/>
@@ -130,7 +135,7 @@
 <file path=ppt/revisionInfo.xml><?xml version="1.0" encoding="utf-8"?>
 <p1510:revInfo xmlns:a="http://schemas.openxmlformats.org/drawingml/2006/main" xmlns:r="http://schemas.openxmlformats.org/officeDocument/2006/relationships" xmlns:p1510="http://schemas.microsoft.com/office/powerpoint/2015/10/main">
   <p1510:revLst>
-    <p1510:client id="{26A58844-2FB7-4F90-9501-5CC089926BE8}" v="603" dt="2025-02-14T15:57:04.907"/>
+    <p1510:client id="{26A58844-2FB7-4F90-9501-5CC089926BE8}" v="839" dt="2025-02-24T08:44:57.391"/>
   </p1510:revLst>
 </p1510:revInfo>
 </file>
@@ -140,7 +145,7 @@
   <pc:docChgLst>
     <pc:chgData name="Himmelbauer, Clara" userId="12d7e35a-e13e-4c49-b9be-a181bf83ad46" providerId="ADAL" clId="{26A58844-2FB7-4F90-9501-5CC089926BE8}"/>
     <pc:docChg chg="undo custSel addSld delSld modSld sldOrd modMainMaster">
-      <pc:chgData name="Himmelbauer, Clara" userId="12d7e35a-e13e-4c49-b9be-a181bf83ad46" providerId="ADAL" clId="{26A58844-2FB7-4F90-9501-5CC089926BE8}" dt="2025-02-14T15:57:04.907" v="2893"/>
+      <pc:chgData name="Himmelbauer, Clara" userId="12d7e35a-e13e-4c49-b9be-a181bf83ad46" providerId="ADAL" clId="{26A58844-2FB7-4F90-9501-5CC089926BE8}" dt="2025-02-24T08:44:57.391" v="4732"/>
       <pc:docMkLst>
         <pc:docMk/>
       </pc:docMkLst>
@@ -212,14 +217,6 @@
           <pc:docMk/>
           <pc:sldMk cId="1720390971" sldId="258"/>
         </pc:sldMkLst>
-        <pc:spChg chg="mod">
-          <ac:chgData name="Himmelbauer, Clara" userId="12d7e35a-e13e-4c49-b9be-a181bf83ad46" providerId="ADAL" clId="{26A58844-2FB7-4F90-9501-5CC089926BE8}" dt="2025-02-14T15:33:33.834" v="1994" actId="27636"/>
-          <ac:spMkLst>
-            <pc:docMk/>
-            <pc:sldMk cId="1720390971" sldId="258"/>
-            <ac:spMk id="5" creationId="{EB066036-2BFB-B30F-21FD-8040913425AB}"/>
-          </ac:spMkLst>
-        </pc:spChg>
       </pc:sldChg>
       <pc:sldChg chg="modSp new mod modAnim">
         <pc:chgData name="Himmelbauer, Clara" userId="12d7e35a-e13e-4c49-b9be-a181bf83ad46" providerId="ADAL" clId="{26A58844-2FB7-4F90-9501-5CC089926BE8}" dt="2025-02-14T15:57:04.907" v="2893"/>
@@ -289,22 +286,6 @@
           <pc:docMk/>
           <pc:sldMk cId="2183538183" sldId="261"/>
         </pc:sldMkLst>
-        <pc:spChg chg="mod">
-          <ac:chgData name="Himmelbauer, Clara" userId="12d7e35a-e13e-4c49-b9be-a181bf83ad46" providerId="ADAL" clId="{26A58844-2FB7-4F90-9501-5CC089926BE8}" dt="2025-02-14T14:56:54.987" v="881" actId="20577"/>
-          <ac:spMkLst>
-            <pc:docMk/>
-            <pc:sldMk cId="2183538183" sldId="261"/>
-            <ac:spMk id="3" creationId="{4C57A619-47FE-2F4B-4C80-DBFC185BAAF1}"/>
-          </ac:spMkLst>
-        </pc:spChg>
-        <pc:spChg chg="mod">
-          <ac:chgData name="Himmelbauer, Clara" userId="12d7e35a-e13e-4c49-b9be-a181bf83ad46" providerId="ADAL" clId="{26A58844-2FB7-4F90-9501-5CC089926BE8}" dt="2025-02-14T15:33:33.819" v="1989" actId="27636"/>
-          <ac:spMkLst>
-            <pc:docMk/>
-            <pc:sldMk cId="2183538183" sldId="261"/>
-            <ac:spMk id="5" creationId="{5FFE7AF0-2F4D-EADA-2781-ACBAE8A94E17}"/>
-          </ac:spMkLst>
-        </pc:spChg>
       </pc:sldChg>
       <pc:sldChg chg="modSp new mod">
         <pc:chgData name="Himmelbauer, Clara" userId="12d7e35a-e13e-4c49-b9be-a181bf83ad46" providerId="ADAL" clId="{26A58844-2FB7-4F90-9501-5CC089926BE8}" dt="2025-02-14T15:42:17.494" v="2116" actId="20577"/>
@@ -374,14 +355,6 @@
           <pc:docMk/>
           <pc:sldMk cId="2130042208" sldId="264"/>
         </pc:sldMkLst>
-        <pc:spChg chg="mod">
-          <ac:chgData name="Himmelbauer, Clara" userId="12d7e35a-e13e-4c49-b9be-a181bf83ad46" providerId="ADAL" clId="{26A58844-2FB7-4F90-9501-5CC089926BE8}" dt="2025-02-14T15:33:33.819" v="1990" actId="27636"/>
-          <ac:spMkLst>
-            <pc:docMk/>
-            <pc:sldMk cId="2130042208" sldId="264"/>
-            <ac:spMk id="5" creationId="{08F5F4C6-C6AA-C3CF-9CA2-902D99715259}"/>
-          </ac:spMkLst>
-        </pc:spChg>
       </pc:sldChg>
       <pc:sldChg chg="modSp new mod">
         <pc:chgData name="Himmelbauer, Clara" userId="12d7e35a-e13e-4c49-b9be-a181bf83ad46" providerId="ADAL" clId="{26A58844-2FB7-4F90-9501-5CC089926BE8}" dt="2025-02-14T15:33:33.856" v="1997" actId="27636"/>
@@ -435,14 +408,6 @@
             <ac:spMk id="2" creationId="{2236A51D-002B-D99F-E2D1-2CA94C39C13E}"/>
           </ac:spMkLst>
         </pc:spChg>
-        <pc:spChg chg="del">
-          <ac:chgData name="Himmelbauer, Clara" userId="12d7e35a-e13e-4c49-b9be-a181bf83ad46" providerId="ADAL" clId="{26A58844-2FB7-4F90-9501-5CC089926BE8}" dt="2025-02-14T14:53:52.768" v="812"/>
-          <ac:spMkLst>
-            <pc:docMk/>
-            <pc:sldMk cId="1368333132" sldId="267"/>
-            <ac:spMk id="4" creationId="{FDA904B8-44EE-3666-ADC3-A3B0F91B04DF}"/>
-          </ac:spMkLst>
-        </pc:spChg>
         <pc:spChg chg="add mod">
           <ac:chgData name="Himmelbauer, Clara" userId="12d7e35a-e13e-4c49-b9be-a181bf83ad46" providerId="ADAL" clId="{26A58844-2FB7-4F90-9501-5CC089926BE8}" dt="2025-02-14T15:00:43.276" v="1010" actId="20577"/>
           <ac:spMkLst>
@@ -467,14 +432,6 @@
             <ac:graphicFrameMk id="3" creationId="{E91C3302-3212-4B6A-8208-514EE0DC525F}"/>
           </ac:graphicFrameMkLst>
         </pc:graphicFrameChg>
-        <pc:graphicFrameChg chg="add mod">
-          <ac:chgData name="Himmelbauer, Clara" userId="12d7e35a-e13e-4c49-b9be-a181bf83ad46" providerId="ADAL" clId="{26A58844-2FB7-4F90-9501-5CC089926BE8}" dt="2025-02-14T14:56:53.046" v="880"/>
-          <ac:graphicFrameMkLst>
-            <pc:docMk/>
-            <pc:sldMk cId="1368333132" sldId="267"/>
-            <ac:graphicFrameMk id="5" creationId="{E91C3302-3212-4B6A-8208-514EE0DC525F}"/>
-          </ac:graphicFrameMkLst>
-        </pc:graphicFrameChg>
         <pc:graphicFrameChg chg="add mod ord modGraphic">
           <ac:chgData name="Himmelbauer, Clara" userId="12d7e35a-e13e-4c49-b9be-a181bf83ad46" providerId="ADAL" clId="{26A58844-2FB7-4F90-9501-5CC089926BE8}" dt="2025-02-14T15:05:52.263" v="1036"/>
           <ac:graphicFrameMkLst>
@@ -496,30 +453,6 @@
             <pc:docMk/>
             <pc:sldMk cId="1577236126" sldId="268"/>
             <ac:spMk id="2" creationId="{08DF9AF6-C3AF-B2EF-5CC2-EFAE60243826}"/>
-          </ac:spMkLst>
-        </pc:spChg>
-        <pc:spChg chg="del">
-          <ac:chgData name="Himmelbauer, Clara" userId="12d7e35a-e13e-4c49-b9be-a181bf83ad46" providerId="ADAL" clId="{26A58844-2FB7-4F90-9501-5CC089926BE8}" dt="2025-02-14T15:13:51.244" v="1262" actId="478"/>
-          <ac:spMkLst>
-            <pc:docMk/>
-            <pc:sldMk cId="1577236126" sldId="268"/>
-            <ac:spMk id="3" creationId="{CDEFAE27-0214-629F-02BA-0A62CB4F8405}"/>
-          </ac:spMkLst>
-        </pc:spChg>
-        <pc:spChg chg="del">
-          <ac:chgData name="Himmelbauer, Clara" userId="12d7e35a-e13e-4c49-b9be-a181bf83ad46" providerId="ADAL" clId="{26A58844-2FB7-4F90-9501-5CC089926BE8}" dt="2025-02-14T15:13:53.548" v="1263" actId="478"/>
-          <ac:spMkLst>
-            <pc:docMk/>
-            <pc:sldMk cId="1577236126" sldId="268"/>
-            <ac:spMk id="4" creationId="{1B967E4E-49F8-0846-B54F-D5BEBCBA6669}"/>
-          </ac:spMkLst>
-        </pc:spChg>
-        <pc:spChg chg="add del mod">
-          <ac:chgData name="Himmelbauer, Clara" userId="12d7e35a-e13e-4c49-b9be-a181bf83ad46" providerId="ADAL" clId="{26A58844-2FB7-4F90-9501-5CC089926BE8}" dt="2025-02-14T15:14:02.768" v="1266"/>
-          <ac:spMkLst>
-            <pc:docMk/>
-            <pc:sldMk cId="1577236126" sldId="268"/>
-            <ac:spMk id="5" creationId="{9E232D34-B976-730B-C969-6588EFF06E54}"/>
           </ac:spMkLst>
         </pc:spChg>
         <pc:spChg chg="add mod">
@@ -601,68 +534,12 @@
             <ac:spMk id="2" creationId="{914F389D-BA30-A740-8FD6-3AFDA7B8A889}"/>
           </ac:spMkLst>
         </pc:spChg>
-        <pc:spChg chg="add del mod">
-          <ac:chgData name="Himmelbauer, Clara" userId="12d7e35a-e13e-4c49-b9be-a181bf83ad46" providerId="ADAL" clId="{26A58844-2FB7-4F90-9501-5CC089926BE8}" dt="2025-02-14T15:06:08.051" v="1042" actId="478"/>
-          <ac:spMkLst>
-            <pc:docMk/>
-            <pc:sldMk cId="1972135932" sldId="269"/>
-            <ac:spMk id="5" creationId="{2DFFC354-A4C9-5E9A-8917-8B2670A5115F}"/>
-          </ac:spMkLst>
-        </pc:spChg>
-        <pc:spChg chg="del mod">
-          <ac:chgData name="Himmelbauer, Clara" userId="12d7e35a-e13e-4c49-b9be-a181bf83ad46" providerId="ADAL" clId="{26A58844-2FB7-4F90-9501-5CC089926BE8}" dt="2025-02-14T15:08:28.553" v="1112" actId="478"/>
-          <ac:spMkLst>
-            <pc:docMk/>
-            <pc:sldMk cId="1972135932" sldId="269"/>
-            <ac:spMk id="7" creationId="{E83A0256-DFEB-66DF-7932-DE1B50037CD9}"/>
-          </ac:spMkLst>
-        </pc:spChg>
-        <pc:spChg chg="add del mod">
-          <ac:chgData name="Himmelbauer, Clara" userId="12d7e35a-e13e-4c49-b9be-a181bf83ad46" providerId="ADAL" clId="{26A58844-2FB7-4F90-9501-5CC089926BE8}" dt="2025-02-14T15:07:37.820" v="1101"/>
-          <ac:spMkLst>
-            <pc:docMk/>
-            <pc:sldMk cId="1972135932" sldId="269"/>
-            <ac:spMk id="11" creationId="{B4204B03-2C39-5CD8-6C01-7C63DEFA916A}"/>
-          </ac:spMkLst>
-        </pc:spChg>
-        <pc:spChg chg="add">
-          <ac:chgData name="Himmelbauer, Clara" userId="12d7e35a-e13e-4c49-b9be-a181bf83ad46" providerId="ADAL" clId="{26A58844-2FB7-4F90-9501-5CC089926BE8}" dt="2025-02-14T15:10:06.518" v="1113"/>
-          <ac:spMkLst>
-            <pc:docMk/>
-            <pc:sldMk cId="1972135932" sldId="269"/>
-            <ac:spMk id="13" creationId="{AD5EE53A-E57F-B8A3-B053-BC1866F53F63}"/>
-          </ac:spMkLst>
-        </pc:spChg>
         <pc:spChg chg="add mod">
           <ac:chgData name="Himmelbauer, Clara" userId="12d7e35a-e13e-4c49-b9be-a181bf83ad46" providerId="ADAL" clId="{26A58844-2FB7-4F90-9501-5CC089926BE8}" dt="2025-02-14T15:11:38.563" v="1157" actId="14100"/>
           <ac:spMkLst>
             <pc:docMk/>
             <pc:sldMk cId="1972135932" sldId="269"/>
             <ac:spMk id="14" creationId="{7599AAB2-DB64-2218-507F-DB2A3AC7E1E9}"/>
-          </ac:spMkLst>
-        </pc:spChg>
-        <pc:spChg chg="add">
-          <ac:chgData name="Himmelbauer, Clara" userId="12d7e35a-e13e-4c49-b9be-a181bf83ad46" providerId="ADAL" clId="{26A58844-2FB7-4F90-9501-5CC089926BE8}" dt="2025-02-14T15:10:28.433" v="1117"/>
-          <ac:spMkLst>
-            <pc:docMk/>
-            <pc:sldMk cId="1972135932" sldId="269"/>
-            <ac:spMk id="15" creationId="{EB08B462-16D9-CC01-2485-5AE88741E862}"/>
-          </ac:spMkLst>
-        </pc:spChg>
-        <pc:spChg chg="add">
-          <ac:chgData name="Himmelbauer, Clara" userId="12d7e35a-e13e-4c49-b9be-a181bf83ad46" providerId="ADAL" clId="{26A58844-2FB7-4F90-9501-5CC089926BE8}" dt="2025-02-14T15:10:32.707" v="1118"/>
-          <ac:spMkLst>
-            <pc:docMk/>
-            <pc:sldMk cId="1972135932" sldId="269"/>
-            <ac:spMk id="16" creationId="{50AE2770-F393-9793-78AD-52773C542B40}"/>
-          </ac:spMkLst>
-        </pc:spChg>
-        <pc:spChg chg="add">
-          <ac:chgData name="Himmelbauer, Clara" userId="12d7e35a-e13e-4c49-b9be-a181bf83ad46" providerId="ADAL" clId="{26A58844-2FB7-4F90-9501-5CC089926BE8}" dt="2025-02-14T15:10:35.535" v="1119"/>
-          <ac:spMkLst>
-            <pc:docMk/>
-            <pc:sldMk cId="1972135932" sldId="269"/>
-            <ac:spMk id="17" creationId="{30606458-B032-13AB-7C84-1437499FE8D2}"/>
           </ac:spMkLst>
         </pc:spChg>
         <pc:spChg chg="mod">
@@ -673,36 +550,12 @@
             <ac:spMk id="19" creationId="{AD7AF727-0E65-4B11-C3E2-E538BE3E4E9E}"/>
           </ac:spMkLst>
         </pc:spChg>
-        <pc:graphicFrameChg chg="del">
-          <ac:chgData name="Himmelbauer, Clara" userId="12d7e35a-e13e-4c49-b9be-a181bf83ad46" providerId="ADAL" clId="{26A58844-2FB7-4F90-9501-5CC089926BE8}" dt="2025-02-14T15:07:31.490" v="1099" actId="478"/>
-          <ac:graphicFrameMkLst>
-            <pc:docMk/>
-            <pc:sldMk cId="1972135932" sldId="269"/>
-            <ac:graphicFrameMk id="3" creationId="{4F6DD39B-72D2-CC98-7CDD-CD94B6009983}"/>
-          </ac:graphicFrameMkLst>
-        </pc:graphicFrameChg>
         <pc:graphicFrameChg chg="add del mod modGraphic">
           <ac:chgData name="Himmelbauer, Clara" userId="12d7e35a-e13e-4c49-b9be-a181bf83ad46" providerId="ADAL" clId="{26A58844-2FB7-4F90-9501-5CC089926BE8}" dt="2025-02-14T15:07:21.420" v="1098" actId="20577"/>
           <ac:graphicFrameMkLst>
             <pc:docMk/>
             <pc:sldMk cId="1972135932" sldId="269"/>
             <ac:graphicFrameMk id="6" creationId="{D1AB6CBF-9B23-9BED-0CEB-F159E928D85C}"/>
-          </ac:graphicFrameMkLst>
-        </pc:graphicFrameChg>
-        <pc:graphicFrameChg chg="add mod">
-          <ac:chgData name="Himmelbauer, Clara" userId="12d7e35a-e13e-4c49-b9be-a181bf83ad46" providerId="ADAL" clId="{26A58844-2FB7-4F90-9501-5CC089926BE8}" dt="2025-02-14T15:05:28.307" v="1031"/>
-          <ac:graphicFrameMkLst>
-            <pc:docMk/>
-            <pc:sldMk cId="1972135932" sldId="269"/>
-            <ac:graphicFrameMk id="8" creationId="{64EC9247-132A-324F-C5F8-5C370457151E}"/>
-          </ac:graphicFrameMkLst>
-        </pc:graphicFrameChg>
-        <pc:graphicFrameChg chg="add del mod ord modGraphic">
-          <ac:chgData name="Himmelbauer, Clara" userId="12d7e35a-e13e-4c49-b9be-a181bf83ad46" providerId="ADAL" clId="{26A58844-2FB7-4F90-9501-5CC089926BE8}" dt="2025-02-14T15:06:07.598" v="1041" actId="3680"/>
-          <ac:graphicFrameMkLst>
-            <pc:docMk/>
-            <pc:sldMk cId="1972135932" sldId="269"/>
-            <ac:graphicFrameMk id="9" creationId="{EF137BB7-8508-AA1A-4278-59A5969A5BE5}"/>
           </ac:graphicFrameMkLst>
         </pc:graphicFrameChg>
         <pc:graphicFrameChg chg="add mod">
@@ -788,6 +641,382 @@
             <pc:docMk/>
             <pc:sldMk cId="1092695825" sldId="272"/>
             <ac:spMk id="3" creationId="{E1798F2C-FE89-ED24-D240-6CC575BDD404}"/>
+          </ac:spMkLst>
+        </pc:spChg>
+      </pc:sldChg>
+      <pc:sldChg chg="addSp delSp modSp add del mod delAnim">
+        <pc:chgData name="Himmelbauer, Clara" userId="12d7e35a-e13e-4c49-b9be-a181bf83ad46" providerId="ADAL" clId="{26A58844-2FB7-4F90-9501-5CC089926BE8}" dt="2025-02-24T08:09:42.537" v="3138" actId="2696"/>
+        <pc:sldMkLst>
+          <pc:docMk/>
+          <pc:sldMk cId="3894295473" sldId="273"/>
+        </pc:sldMkLst>
+        <pc:spChg chg="mod">
+          <ac:chgData name="Himmelbauer, Clara" userId="12d7e35a-e13e-4c49-b9be-a181bf83ad46" providerId="ADAL" clId="{26A58844-2FB7-4F90-9501-5CC089926BE8}" dt="2025-02-24T08:06:55.098" v="2923" actId="20577"/>
+          <ac:spMkLst>
+            <pc:docMk/>
+            <pc:sldMk cId="3894295473" sldId="273"/>
+            <ac:spMk id="2" creationId="{C61E652C-C550-5F2D-3F1E-B2A8ED7C6E68}"/>
+          </ac:spMkLst>
+        </pc:spChg>
+        <pc:spChg chg="add del mod">
+          <ac:chgData name="Himmelbauer, Clara" userId="12d7e35a-e13e-4c49-b9be-a181bf83ad46" providerId="ADAL" clId="{26A58844-2FB7-4F90-9501-5CC089926BE8}" dt="2025-02-24T08:08:15.098" v="3008" actId="478"/>
+          <ac:spMkLst>
+            <pc:docMk/>
+            <pc:sldMk cId="3894295473" sldId="273"/>
+            <ac:spMk id="3" creationId="{3C902B6D-7FD4-9DAE-7335-E2B7A1F92C80}"/>
+          </ac:spMkLst>
+        </pc:spChg>
+        <pc:spChg chg="add del mod">
+          <ac:chgData name="Himmelbauer, Clara" userId="12d7e35a-e13e-4c49-b9be-a181bf83ad46" providerId="ADAL" clId="{26A58844-2FB7-4F90-9501-5CC089926BE8}" dt="2025-02-24T08:09:08.838" v="3126"/>
+          <ac:spMkLst>
+            <pc:docMk/>
+            <pc:sldMk cId="3894295473" sldId="273"/>
+            <ac:spMk id="5" creationId="{E60A365A-09E4-DA81-36DE-C1EAD4148395}"/>
+          </ac:spMkLst>
+        </pc:spChg>
+        <pc:grpChg chg="del">
+          <ac:chgData name="Himmelbauer, Clara" userId="12d7e35a-e13e-4c49-b9be-a181bf83ad46" providerId="ADAL" clId="{26A58844-2FB7-4F90-9501-5CC089926BE8}" dt="2025-02-24T08:05:56.998" v="2905" actId="478"/>
+          <ac:grpSpMkLst>
+            <pc:docMk/>
+            <pc:sldMk cId="3894295473" sldId="273"/>
+            <ac:grpSpMk id="12" creationId="{E7E30913-B873-02CA-FE13-CC4F665B09A1}"/>
+          </ac:grpSpMkLst>
+        </pc:grpChg>
+        <pc:graphicFrameChg chg="del">
+          <ac:chgData name="Himmelbauer, Clara" userId="12d7e35a-e13e-4c49-b9be-a181bf83ad46" providerId="ADAL" clId="{26A58844-2FB7-4F90-9501-5CC089926BE8}" dt="2025-02-24T08:08:23.736" v="3010" actId="478"/>
+          <ac:graphicFrameMkLst>
+            <pc:docMk/>
+            <pc:sldMk cId="3894295473" sldId="273"/>
+            <ac:graphicFrameMk id="6" creationId="{87FF4A99-3A90-3EBB-8263-170ABA9BC126}"/>
+          </ac:graphicFrameMkLst>
+        </pc:graphicFrameChg>
+        <pc:graphicFrameChg chg="add mod">
+          <ac:chgData name="Himmelbauer, Clara" userId="12d7e35a-e13e-4c49-b9be-a181bf83ad46" providerId="ADAL" clId="{26A58844-2FB7-4F90-9501-5CC089926BE8}" dt="2025-02-24T08:09:08.838" v="3126"/>
+          <ac:graphicFrameMkLst>
+            <pc:docMk/>
+            <pc:sldMk cId="3894295473" sldId="273"/>
+            <ac:graphicFrameMk id="15" creationId="{807AD6DC-7AB4-43F5-8FE2-2817AEBD9AA2}"/>
+          </ac:graphicFrameMkLst>
+        </pc:graphicFrameChg>
+        <pc:graphicFrameChg chg="add mod modGraphic">
+          <ac:chgData name="Himmelbauer, Clara" userId="12d7e35a-e13e-4c49-b9be-a181bf83ad46" providerId="ADAL" clId="{26A58844-2FB7-4F90-9501-5CC089926BE8}" dt="2025-02-24T08:09:12.836" v="3134" actId="20577"/>
+          <ac:graphicFrameMkLst>
+            <pc:docMk/>
+            <pc:sldMk cId="3894295473" sldId="273"/>
+            <ac:graphicFrameMk id="16" creationId="{A0D0273D-58BF-21D2-071F-BE1940BE5230}"/>
+          </ac:graphicFrameMkLst>
+        </pc:graphicFrameChg>
+      </pc:sldChg>
+      <pc:sldChg chg="add del">
+        <pc:chgData name="Himmelbauer, Clara" userId="12d7e35a-e13e-4c49-b9be-a181bf83ad46" providerId="ADAL" clId="{26A58844-2FB7-4F90-9501-5CC089926BE8}" dt="2025-02-24T08:09:45.271" v="3139" actId="2696"/>
+        <pc:sldMkLst>
+          <pc:docMk/>
+          <pc:sldMk cId="1893007901" sldId="274"/>
+        </pc:sldMkLst>
+      </pc:sldChg>
+      <pc:sldChg chg="addSp modSp add mod ord modAnim">
+        <pc:chgData name="Himmelbauer, Clara" userId="12d7e35a-e13e-4c49-b9be-a181bf83ad46" providerId="ADAL" clId="{26A58844-2FB7-4F90-9501-5CC089926BE8}" dt="2025-02-24T08:18:13.761" v="3379" actId="1076"/>
+        <pc:sldMkLst>
+          <pc:docMk/>
+          <pc:sldMk cId="3014073" sldId="275"/>
+        </pc:sldMkLst>
+        <pc:spChg chg="mod">
+          <ac:chgData name="Himmelbauer, Clara" userId="12d7e35a-e13e-4c49-b9be-a181bf83ad46" providerId="ADAL" clId="{26A58844-2FB7-4F90-9501-5CC089926BE8}" dt="2025-02-24T08:13:24.481" v="3326" actId="20577"/>
+          <ac:spMkLst>
+            <pc:docMk/>
+            <pc:sldMk cId="3014073" sldId="275"/>
+            <ac:spMk id="2" creationId="{150BF46F-86AD-BA86-9EC6-3E7518D7FD15}"/>
+          </ac:spMkLst>
+        </pc:spChg>
+        <pc:spChg chg="add mod">
+          <ac:chgData name="Himmelbauer, Clara" userId="12d7e35a-e13e-4c49-b9be-a181bf83ad46" providerId="ADAL" clId="{26A58844-2FB7-4F90-9501-5CC089926BE8}" dt="2025-02-24T08:16:16.119" v="3372" actId="1036"/>
+          <ac:spMkLst>
+            <pc:docMk/>
+            <pc:sldMk cId="3014073" sldId="275"/>
+            <ac:spMk id="10" creationId="{A4F4BA3A-7D0A-9A7F-FAEF-E36EDC381000}"/>
+          </ac:spMkLst>
+        </pc:spChg>
+        <pc:spChg chg="add mod">
+          <ac:chgData name="Himmelbauer, Clara" userId="12d7e35a-e13e-4c49-b9be-a181bf83ad46" providerId="ADAL" clId="{26A58844-2FB7-4F90-9501-5CC089926BE8}" dt="2025-02-24T08:18:13.761" v="3379" actId="1076"/>
+          <ac:spMkLst>
+            <pc:docMk/>
+            <pc:sldMk cId="3014073" sldId="275"/>
+            <ac:spMk id="11" creationId="{9B0378FC-7FC3-78B7-88F1-B03A9A3E31DC}"/>
+          </ac:spMkLst>
+        </pc:spChg>
+        <pc:spChg chg="mod">
+          <ac:chgData name="Himmelbauer, Clara" userId="12d7e35a-e13e-4c49-b9be-a181bf83ad46" providerId="ADAL" clId="{26A58844-2FB7-4F90-9501-5CC089926BE8}" dt="2025-02-24T08:12:34.253" v="3315" actId="27636"/>
+          <ac:spMkLst>
+            <pc:docMk/>
+            <pc:sldMk cId="3014073" sldId="275"/>
+            <ac:spMk id="14" creationId="{1C6766D2-7D03-CC9C-5FBD-BAA07D03D953}"/>
+          </ac:spMkLst>
+        </pc:spChg>
+        <pc:graphicFrameChg chg="modGraphic">
+          <ac:chgData name="Himmelbauer, Clara" userId="12d7e35a-e13e-4c49-b9be-a181bf83ad46" providerId="ADAL" clId="{26A58844-2FB7-4F90-9501-5CC089926BE8}" dt="2025-02-24T08:10:28.299" v="3153" actId="207"/>
+          <ac:graphicFrameMkLst>
+            <pc:docMk/>
+            <pc:sldMk cId="3014073" sldId="275"/>
+            <ac:graphicFrameMk id="6" creationId="{1BF1860D-9E47-B521-D810-2EB57DAE73FD}"/>
+          </ac:graphicFrameMkLst>
+        </pc:graphicFrameChg>
+        <pc:graphicFrameChg chg="mod">
+          <ac:chgData name="Himmelbauer, Clara" userId="12d7e35a-e13e-4c49-b9be-a181bf83ad46" providerId="ADAL" clId="{26A58844-2FB7-4F90-9501-5CC089926BE8}" dt="2025-02-24T08:18:02.847" v="3376"/>
+          <ac:graphicFrameMkLst>
+            <pc:docMk/>
+            <pc:sldMk cId="3014073" sldId="275"/>
+            <ac:graphicFrameMk id="12" creationId="{6C10E878-EB00-B44D-CEDF-9DA78EFA66FF}"/>
+          </ac:graphicFrameMkLst>
+        </pc:graphicFrameChg>
+        <pc:cxnChg chg="add mod">
+          <ac:chgData name="Himmelbauer, Clara" userId="12d7e35a-e13e-4c49-b9be-a181bf83ad46" providerId="ADAL" clId="{26A58844-2FB7-4F90-9501-5CC089926BE8}" dt="2025-02-24T08:14:47.190" v="3339" actId="692"/>
+          <ac:cxnSpMkLst>
+            <pc:docMk/>
+            <pc:sldMk cId="3014073" sldId="275"/>
+            <ac:cxnSpMk id="4" creationId="{5D8A24C0-73D0-F192-A82D-1C32A7B18E94}"/>
+          </ac:cxnSpMkLst>
+        </pc:cxnChg>
+        <pc:cxnChg chg="add mod">
+          <ac:chgData name="Himmelbauer, Clara" userId="12d7e35a-e13e-4c49-b9be-a181bf83ad46" providerId="ADAL" clId="{26A58844-2FB7-4F90-9501-5CC089926BE8}" dt="2025-02-24T08:15:13.040" v="3347" actId="1038"/>
+          <ac:cxnSpMkLst>
+            <pc:docMk/>
+            <pc:sldMk cId="3014073" sldId="275"/>
+            <ac:cxnSpMk id="5" creationId="{71D9E85F-883A-DEA3-0D0F-98A7B81BB3C5}"/>
+          </ac:cxnSpMkLst>
+        </pc:cxnChg>
+      </pc:sldChg>
+      <pc:sldChg chg="addSp delSp modSp add mod ord delAnim modAnim">
+        <pc:chgData name="Himmelbauer, Clara" userId="12d7e35a-e13e-4c49-b9be-a181bf83ad46" providerId="ADAL" clId="{26A58844-2FB7-4F90-9501-5CC089926BE8}" dt="2025-02-24T08:28:24.337" v="3526" actId="1036"/>
+        <pc:sldMkLst>
+          <pc:docMk/>
+          <pc:sldMk cId="1660095020" sldId="276"/>
+        </pc:sldMkLst>
+        <pc:spChg chg="del">
+          <ac:chgData name="Himmelbauer, Clara" userId="12d7e35a-e13e-4c49-b9be-a181bf83ad46" providerId="ADAL" clId="{26A58844-2FB7-4F90-9501-5CC089926BE8}" dt="2025-02-24T08:18:47.489" v="3383" actId="478"/>
+          <ac:spMkLst>
+            <pc:docMk/>
+            <pc:sldMk cId="1660095020" sldId="276"/>
+            <ac:spMk id="3" creationId="{A64D6B5C-AB27-171E-1242-7AE66C66D0CC}"/>
+          </ac:spMkLst>
+        </pc:spChg>
+        <pc:spChg chg="add del mod">
+          <ac:chgData name="Himmelbauer, Clara" userId="12d7e35a-e13e-4c49-b9be-a181bf83ad46" providerId="ADAL" clId="{26A58844-2FB7-4F90-9501-5CC089926BE8}" dt="2025-02-24T08:18:50.529" v="3384" actId="478"/>
+          <ac:spMkLst>
+            <pc:docMk/>
+            <pc:sldMk cId="1660095020" sldId="276"/>
+            <ac:spMk id="7" creationId="{21B38E7C-6ACF-4248-5063-811F2CF695ED}"/>
+          </ac:spMkLst>
+        </pc:spChg>
+        <pc:spChg chg="add mod">
+          <ac:chgData name="Himmelbauer, Clara" userId="12d7e35a-e13e-4c49-b9be-a181bf83ad46" providerId="ADAL" clId="{26A58844-2FB7-4F90-9501-5CC089926BE8}" dt="2025-02-24T08:22:52.660" v="3402" actId="692"/>
+          <ac:spMkLst>
+            <pc:docMk/>
+            <pc:sldMk cId="1660095020" sldId="276"/>
+            <ac:spMk id="8" creationId="{173A4939-DFAD-AF2A-D322-DF2D0A549CE5}"/>
+          </ac:spMkLst>
+        </pc:spChg>
+        <pc:spChg chg="add mod">
+          <ac:chgData name="Himmelbauer, Clara" userId="12d7e35a-e13e-4c49-b9be-a181bf83ad46" providerId="ADAL" clId="{26A58844-2FB7-4F90-9501-5CC089926BE8}" dt="2025-02-24T08:23:01.164" v="3404" actId="692"/>
+          <ac:spMkLst>
+            <pc:docMk/>
+            <pc:sldMk cId="1660095020" sldId="276"/>
+            <ac:spMk id="9" creationId="{92BE29E0-F066-53DC-4804-463A74E276C7}"/>
+          </ac:spMkLst>
+        </pc:spChg>
+        <pc:spChg chg="add mod">
+          <ac:chgData name="Himmelbauer, Clara" userId="12d7e35a-e13e-4c49-b9be-a181bf83ad46" providerId="ADAL" clId="{26A58844-2FB7-4F90-9501-5CC089926BE8}" dt="2025-02-24T08:25:04.881" v="3467" actId="1076"/>
+          <ac:spMkLst>
+            <pc:docMk/>
+            <pc:sldMk cId="1660095020" sldId="276"/>
+            <ac:spMk id="13" creationId="{9F6F6E5E-C6AB-013F-5293-D8556B0F782C}"/>
+          </ac:spMkLst>
+        </pc:spChg>
+        <pc:spChg chg="add mod">
+          <ac:chgData name="Himmelbauer, Clara" userId="12d7e35a-e13e-4c49-b9be-a181bf83ad46" providerId="ADAL" clId="{26A58844-2FB7-4F90-9501-5CC089926BE8}" dt="2025-02-24T08:26:22.668" v="3485" actId="692"/>
+          <ac:spMkLst>
+            <pc:docMk/>
+            <pc:sldMk cId="1660095020" sldId="276"/>
+            <ac:spMk id="14" creationId="{784684A6-E2E6-8C5B-99BB-AB9FA64C23B7}"/>
+          </ac:spMkLst>
+        </pc:spChg>
+        <pc:spChg chg="add mod">
+          <ac:chgData name="Himmelbauer, Clara" userId="12d7e35a-e13e-4c49-b9be-a181bf83ad46" providerId="ADAL" clId="{26A58844-2FB7-4F90-9501-5CC089926BE8}" dt="2025-02-24T08:25:59.369" v="3479" actId="692"/>
+          <ac:spMkLst>
+            <pc:docMk/>
+            <pc:sldMk cId="1660095020" sldId="276"/>
+            <ac:spMk id="15" creationId="{211BCEE9-4E6E-B92C-391A-9354A3C7DF03}"/>
+          </ac:spMkLst>
+        </pc:spChg>
+        <pc:spChg chg="add mod">
+          <ac:chgData name="Himmelbauer, Clara" userId="12d7e35a-e13e-4c49-b9be-a181bf83ad46" providerId="ADAL" clId="{26A58844-2FB7-4F90-9501-5CC089926BE8}" dt="2025-02-24T08:25:45.645" v="3477" actId="692"/>
+          <ac:spMkLst>
+            <pc:docMk/>
+            <pc:sldMk cId="1660095020" sldId="276"/>
+            <ac:spMk id="16" creationId="{9F859A45-5345-C5E1-2578-C2CC5965CA9B}"/>
+          </ac:spMkLst>
+        </pc:spChg>
+        <pc:spChg chg="add mod">
+          <ac:chgData name="Himmelbauer, Clara" userId="12d7e35a-e13e-4c49-b9be-a181bf83ad46" providerId="ADAL" clId="{26A58844-2FB7-4F90-9501-5CC089926BE8}" dt="2025-02-24T08:25:33.246" v="3475" actId="692"/>
+          <ac:spMkLst>
+            <pc:docMk/>
+            <pc:sldMk cId="1660095020" sldId="276"/>
+            <ac:spMk id="17" creationId="{AE3D504D-1DD8-C9A9-FE13-7B22A8F09450}"/>
+          </ac:spMkLst>
+        </pc:spChg>
+        <pc:spChg chg="add mod">
+          <ac:chgData name="Himmelbauer, Clara" userId="12d7e35a-e13e-4c49-b9be-a181bf83ad46" providerId="ADAL" clId="{26A58844-2FB7-4F90-9501-5CC089926BE8}" dt="2025-02-24T08:26:17.340" v="3483" actId="692"/>
+          <ac:spMkLst>
+            <pc:docMk/>
+            <pc:sldMk cId="1660095020" sldId="276"/>
+            <ac:spMk id="18" creationId="{915750ED-E38E-055E-D791-DD2468EBA6D4}"/>
+          </ac:spMkLst>
+        </pc:spChg>
+        <pc:cxnChg chg="add mod">
+          <ac:chgData name="Himmelbauer, Clara" userId="12d7e35a-e13e-4c49-b9be-a181bf83ad46" providerId="ADAL" clId="{26A58844-2FB7-4F90-9501-5CC089926BE8}" dt="2025-02-24T08:28:24.337" v="3526" actId="1036"/>
+          <ac:cxnSpMkLst>
+            <pc:docMk/>
+            <pc:sldMk cId="1660095020" sldId="276"/>
+            <ac:cxnSpMk id="11" creationId="{78D0BD3F-B4DD-E518-1BD1-E437D8067360}"/>
+          </ac:cxnSpMkLst>
+        </pc:cxnChg>
+        <pc:cxnChg chg="add mod">
+          <ac:chgData name="Himmelbauer, Clara" userId="12d7e35a-e13e-4c49-b9be-a181bf83ad46" providerId="ADAL" clId="{26A58844-2FB7-4F90-9501-5CC089926BE8}" dt="2025-02-24T08:26:39.779" v="3492" actId="692"/>
+          <ac:cxnSpMkLst>
+            <pc:docMk/>
+            <pc:sldMk cId="1660095020" sldId="276"/>
+            <ac:cxnSpMk id="20" creationId="{887ED6FA-DB1A-9E7C-F771-4B10184384C5}"/>
+          </ac:cxnSpMkLst>
+        </pc:cxnChg>
+        <pc:cxnChg chg="add mod">
+          <ac:chgData name="Himmelbauer, Clara" userId="12d7e35a-e13e-4c49-b9be-a181bf83ad46" providerId="ADAL" clId="{26A58844-2FB7-4F90-9501-5CC089926BE8}" dt="2025-02-24T08:26:48.608" v="3499" actId="692"/>
+          <ac:cxnSpMkLst>
+            <pc:docMk/>
+            <pc:sldMk cId="1660095020" sldId="276"/>
+            <ac:cxnSpMk id="23" creationId="{35618F8C-8875-1E47-E6C0-77E854174489}"/>
+          </ac:cxnSpMkLst>
+        </pc:cxnChg>
+        <pc:cxnChg chg="add mod">
+          <ac:chgData name="Himmelbauer, Clara" userId="12d7e35a-e13e-4c49-b9be-a181bf83ad46" providerId="ADAL" clId="{26A58844-2FB7-4F90-9501-5CC089926BE8}" dt="2025-02-24T08:26:57.647" v="3505" actId="692"/>
+          <ac:cxnSpMkLst>
+            <pc:docMk/>
+            <pc:sldMk cId="1660095020" sldId="276"/>
+            <ac:cxnSpMk id="26" creationId="{671ADFF6-6025-18C7-63DD-C19DEB4F7ECE}"/>
+          </ac:cxnSpMkLst>
+        </pc:cxnChg>
+        <pc:cxnChg chg="add mod">
+          <ac:chgData name="Himmelbauer, Clara" userId="12d7e35a-e13e-4c49-b9be-a181bf83ad46" providerId="ADAL" clId="{26A58844-2FB7-4F90-9501-5CC089926BE8}" dt="2025-02-24T08:27:06.217" v="3511" actId="692"/>
+          <ac:cxnSpMkLst>
+            <pc:docMk/>
+            <pc:sldMk cId="1660095020" sldId="276"/>
+            <ac:cxnSpMk id="28" creationId="{9F2F1720-9D90-665E-3AD1-DDF29DF16EAC}"/>
+          </ac:cxnSpMkLst>
+        </pc:cxnChg>
+        <pc:cxnChg chg="add mod">
+          <ac:chgData name="Himmelbauer, Clara" userId="12d7e35a-e13e-4c49-b9be-a181bf83ad46" providerId="ADAL" clId="{26A58844-2FB7-4F90-9501-5CC089926BE8}" dt="2025-02-24T08:27:13.194" v="3517" actId="692"/>
+          <ac:cxnSpMkLst>
+            <pc:docMk/>
+            <pc:sldMk cId="1660095020" sldId="276"/>
+            <ac:cxnSpMk id="30" creationId="{18E9B770-EE49-09D8-4FA0-25846B10F8D6}"/>
+          </ac:cxnSpMkLst>
+        </pc:cxnChg>
+        <pc:cxnChg chg="add mod">
+          <ac:chgData name="Himmelbauer, Clara" userId="12d7e35a-e13e-4c49-b9be-a181bf83ad46" providerId="ADAL" clId="{26A58844-2FB7-4F90-9501-5CC089926BE8}" dt="2025-02-24T08:27:20.289" v="3523" actId="692"/>
+          <ac:cxnSpMkLst>
+            <pc:docMk/>
+            <pc:sldMk cId="1660095020" sldId="276"/>
+            <ac:cxnSpMk id="32" creationId="{DCD6490B-3A79-DF72-0661-BBE3690B23B1}"/>
+          </ac:cxnSpMkLst>
+        </pc:cxnChg>
+      </pc:sldChg>
+      <pc:sldChg chg="modSp new mod">
+        <pc:chgData name="Himmelbauer, Clara" userId="12d7e35a-e13e-4c49-b9be-a181bf83ad46" providerId="ADAL" clId="{26A58844-2FB7-4F90-9501-5CC089926BE8}" dt="2025-02-24T08:30:16.468" v="3632" actId="20577"/>
+        <pc:sldMkLst>
+          <pc:docMk/>
+          <pc:sldMk cId="223810055" sldId="277"/>
+        </pc:sldMkLst>
+        <pc:spChg chg="mod">
+          <ac:chgData name="Himmelbauer, Clara" userId="12d7e35a-e13e-4c49-b9be-a181bf83ad46" providerId="ADAL" clId="{26A58844-2FB7-4F90-9501-5CC089926BE8}" dt="2025-02-24T08:30:09.432" v="3585" actId="20577"/>
+          <ac:spMkLst>
+            <pc:docMk/>
+            <pc:sldMk cId="223810055" sldId="277"/>
+            <ac:spMk id="2" creationId="{A3E8BA1B-8652-0548-C0A7-CCD7AC016A7A}"/>
+          </ac:spMkLst>
+        </pc:spChg>
+        <pc:spChg chg="mod">
+          <ac:chgData name="Himmelbauer, Clara" userId="12d7e35a-e13e-4c49-b9be-a181bf83ad46" providerId="ADAL" clId="{26A58844-2FB7-4F90-9501-5CC089926BE8}" dt="2025-02-24T08:30:16.468" v="3632" actId="20577"/>
+          <ac:spMkLst>
+            <pc:docMk/>
+            <pc:sldMk cId="223810055" sldId="277"/>
+            <ac:spMk id="3" creationId="{648FEADF-A45C-79BD-FCDC-E19A97513D78}"/>
+          </ac:spMkLst>
+        </pc:spChg>
+      </pc:sldChg>
+      <pc:sldChg chg="modSp new del mod">
+        <pc:chgData name="Himmelbauer, Clara" userId="12d7e35a-e13e-4c49-b9be-a181bf83ad46" providerId="ADAL" clId="{26A58844-2FB7-4F90-9501-5CC089926BE8}" dt="2025-02-24T08:29:49.128" v="3561" actId="47"/>
+        <pc:sldMkLst>
+          <pc:docMk/>
+          <pc:sldMk cId="275253395" sldId="277"/>
+        </pc:sldMkLst>
+        <pc:spChg chg="mod">
+          <ac:chgData name="Himmelbauer, Clara" userId="12d7e35a-e13e-4c49-b9be-a181bf83ad46" providerId="ADAL" clId="{26A58844-2FB7-4F90-9501-5CC089926BE8}" dt="2025-02-24T08:29:25.055" v="3560" actId="20577"/>
+          <ac:spMkLst>
+            <pc:docMk/>
+            <pc:sldMk cId="275253395" sldId="277"/>
+            <ac:spMk id="2" creationId="{361452C2-A14D-219A-6F90-2BA366CF396B}"/>
+          </ac:spMkLst>
+        </pc:spChg>
+      </pc:sldChg>
+      <pc:sldChg chg="addSp modSp new mod modAnim">
+        <pc:chgData name="Himmelbauer, Clara" userId="12d7e35a-e13e-4c49-b9be-a181bf83ad46" providerId="ADAL" clId="{26A58844-2FB7-4F90-9501-5CC089926BE8}" dt="2025-02-24T08:44:57.391" v="4732"/>
+        <pc:sldMkLst>
+          <pc:docMk/>
+          <pc:sldMk cId="990182696" sldId="278"/>
+        </pc:sldMkLst>
+        <pc:spChg chg="mod">
+          <ac:chgData name="Himmelbauer, Clara" userId="12d7e35a-e13e-4c49-b9be-a181bf83ad46" providerId="ADAL" clId="{26A58844-2FB7-4F90-9501-5CC089926BE8}" dt="2025-02-24T08:39:04.961" v="3898" actId="20577"/>
+          <ac:spMkLst>
+            <pc:docMk/>
+            <pc:sldMk cId="990182696" sldId="278"/>
+            <ac:spMk id="2" creationId="{3E498521-CF89-7D9E-50EF-32AB61CF40CE}"/>
+          </ac:spMkLst>
+        </pc:spChg>
+        <pc:spChg chg="mod">
+          <ac:chgData name="Himmelbauer, Clara" userId="12d7e35a-e13e-4c49-b9be-a181bf83ad46" providerId="ADAL" clId="{26A58844-2FB7-4F90-9501-5CC089926BE8}" dt="2025-02-24T08:39:21.131" v="3983" actId="20577"/>
+          <ac:spMkLst>
+            <pc:docMk/>
+            <pc:sldMk cId="990182696" sldId="278"/>
+            <ac:spMk id="3" creationId="{DFAD8BC4-F9BC-8A3E-D854-36277956ECDA}"/>
+          </ac:spMkLst>
+        </pc:spChg>
+        <pc:graphicFrameChg chg="add mod">
+          <ac:chgData name="Himmelbauer, Clara" userId="12d7e35a-e13e-4c49-b9be-a181bf83ad46" providerId="ADAL" clId="{26A58844-2FB7-4F90-9501-5CC089926BE8}" dt="2025-02-24T08:38:11.141" v="3882" actId="14100"/>
+          <ac:graphicFrameMkLst>
+            <pc:docMk/>
+            <pc:sldMk cId="990182696" sldId="278"/>
+            <ac:graphicFrameMk id="6" creationId="{E5D80863-1A26-9576-016D-2943A306BD9D}"/>
+          </ac:graphicFrameMkLst>
+        </pc:graphicFrameChg>
+      </pc:sldChg>
+      <pc:sldChg chg="modSp new mod">
+        <pc:chgData name="Himmelbauer, Clara" userId="12d7e35a-e13e-4c49-b9be-a181bf83ad46" providerId="ADAL" clId="{26A58844-2FB7-4F90-9501-5CC089926BE8}" dt="2025-02-24T08:43:47.323" v="4731" actId="20577"/>
+        <pc:sldMkLst>
+          <pc:docMk/>
+          <pc:sldMk cId="3566797091" sldId="279"/>
+        </pc:sldMkLst>
+        <pc:spChg chg="mod">
+          <ac:chgData name="Himmelbauer, Clara" userId="12d7e35a-e13e-4c49-b9be-a181bf83ad46" providerId="ADAL" clId="{26A58844-2FB7-4F90-9501-5CC089926BE8}" dt="2025-02-24T08:40:00.377" v="4036" actId="255"/>
+          <ac:spMkLst>
+            <pc:docMk/>
+            <pc:sldMk cId="3566797091" sldId="279"/>
+            <ac:spMk id="2" creationId="{EFD4250F-E35E-0D59-484D-C7C21A2DF7FA}"/>
+          </ac:spMkLst>
+        </pc:spChg>
+        <pc:spChg chg="mod">
+          <ac:chgData name="Himmelbauer, Clara" userId="12d7e35a-e13e-4c49-b9be-a181bf83ad46" providerId="ADAL" clId="{26A58844-2FB7-4F90-9501-5CC089926BE8}" dt="2025-02-24T08:43:47.323" v="4731" actId="20577"/>
+          <ac:spMkLst>
+            <pc:docMk/>
+            <pc:sldMk cId="3566797091" sldId="279"/>
+            <ac:spMk id="3" creationId="{7B9BD119-1895-9437-C576-EB2B0B0101B7}"/>
           </ac:spMkLst>
         </pc:spChg>
       </pc:sldChg>
@@ -2342,6 +2571,434 @@
       <c:style val="2"/>
     </mc:Fallback>
   </mc:AlternateContent>
+  <c:chart>
+    <c:autoTitleDeleted val="1"/>
+    <c:plotArea>
+      <c:layout/>
+      <c:scatterChart>
+        <c:scatterStyle val="lineMarker"/>
+        <c:varyColors val="0"/>
+        <c:ser>
+          <c:idx val="0"/>
+          <c:order val="0"/>
+          <c:spPr>
+            <a:ln w="25400" cap="rnd">
+              <a:noFill/>
+              <a:round/>
+            </a:ln>
+            <a:effectLst/>
+          </c:spPr>
+          <c:marker>
+            <c:symbol val="circle"/>
+            <c:size val="5"/>
+            <c:spPr>
+              <a:solidFill>
+                <a:schemeClr val="accent1"/>
+              </a:solidFill>
+              <a:ln w="9525">
+                <a:solidFill>
+                  <a:schemeClr val="accent1"/>
+                </a:solidFill>
+              </a:ln>
+              <a:effectLst/>
+            </c:spPr>
+          </c:marker>
+          <c:dLbls>
+            <c:delete val="1"/>
+          </c:dLbls>
+          <c:trendline>
+            <c:spPr>
+              <a:ln w="19050" cap="rnd">
+                <a:solidFill>
+                  <a:schemeClr val="accent1"/>
+                </a:solidFill>
+                <a:prstDash val="sysDot"/>
+              </a:ln>
+              <a:effectLst/>
+            </c:spPr>
+            <c:trendlineType val="linear"/>
+            <c:forward val="0.5"/>
+            <c:backward val="0.30000000000000004"/>
+            <c:dispRSqr val="0"/>
+            <c:dispEq val="0"/>
+          </c:trendline>
+          <c:xVal>
+            <c:numRef>
+              <c:f>'lineare funktion'!$B$2:$B$6</c:f>
+              <c:numCache>
+                <c:formatCode>0%</c:formatCode>
+                <c:ptCount val="5"/>
+                <c:pt idx="0">
+                  <c:v>0.3</c:v>
+                </c:pt>
+                <c:pt idx="1">
+                  <c:v>0.5</c:v>
+                </c:pt>
+                <c:pt idx="2">
+                  <c:v>0.2</c:v>
+                </c:pt>
+                <c:pt idx="3">
+                  <c:v>0.55000000000000004</c:v>
+                </c:pt>
+                <c:pt idx="4">
+                  <c:v>0.4</c:v>
+                </c:pt>
+              </c:numCache>
+            </c:numRef>
+          </c:xVal>
+          <c:yVal>
+            <c:numRef>
+              <c:f>'lineare funktion'!$C$2:$C$6</c:f>
+              <c:numCache>
+                <c:formatCode>0%</c:formatCode>
+                <c:ptCount val="5"/>
+                <c:pt idx="0">
+                  <c:v>0.2</c:v>
+                </c:pt>
+                <c:pt idx="1">
+                  <c:v>0.45</c:v>
+                </c:pt>
+                <c:pt idx="2">
+                  <c:v>0.15</c:v>
+                </c:pt>
+                <c:pt idx="3">
+                  <c:v>0.3</c:v>
+                </c:pt>
+                <c:pt idx="4">
+                  <c:v>0.4</c:v>
+                </c:pt>
+              </c:numCache>
+            </c:numRef>
+          </c:yVal>
+          <c:smooth val="0"/>
+          <c:extLst>
+            <c:ext xmlns:c16="http://schemas.microsoft.com/office/drawing/2014/chart" uri="{C3380CC4-5D6E-409C-BE32-E72D297353CC}">
+              <c16:uniqueId val="{00000001-C450-4678-8570-B3D701EE45FC}"/>
+            </c:ext>
+          </c:extLst>
+        </c:ser>
+        <c:dLbls>
+          <c:dLblPos val="t"/>
+          <c:showLegendKey val="0"/>
+          <c:showVal val="1"/>
+          <c:showCatName val="0"/>
+          <c:showSerName val="0"/>
+          <c:showPercent val="0"/>
+          <c:showBubbleSize val="0"/>
+        </c:dLbls>
+        <c:axId val="846280960"/>
+        <c:axId val="1160046928"/>
+      </c:scatterChart>
+      <c:valAx>
+        <c:axId val="846280960"/>
+        <c:scaling>
+          <c:orientation val="minMax"/>
+          <c:max val="0.60000000000000009"/>
+          <c:min val="0"/>
+        </c:scaling>
+        <c:delete val="0"/>
+        <c:axPos val="b"/>
+        <c:majorGridlines>
+          <c:spPr>
+            <a:ln w="9525" cap="flat" cmpd="sng" algn="ctr">
+              <a:solidFill>
+                <a:schemeClr val="tx1">
+                  <a:lumMod val="15000"/>
+                  <a:lumOff val="85000"/>
+                </a:schemeClr>
+              </a:solidFill>
+              <a:round/>
+            </a:ln>
+            <a:effectLst/>
+          </c:spPr>
+        </c:majorGridlines>
+        <c:minorGridlines>
+          <c:spPr>
+            <a:ln w="9525" cap="flat" cmpd="sng" algn="ctr">
+              <a:solidFill>
+                <a:schemeClr val="tx1">
+                  <a:lumMod val="5000"/>
+                  <a:lumOff val="95000"/>
+                </a:schemeClr>
+              </a:solidFill>
+              <a:round/>
+            </a:ln>
+            <a:effectLst/>
+          </c:spPr>
+        </c:minorGridlines>
+        <c:title>
+          <c:tx>
+            <c:rich>
+              <a:bodyPr rot="0" spcFirstLastPara="1" vertOverflow="ellipsis" vert="horz" wrap="square" anchor="ctr" anchorCtr="1"/>
+              <a:lstStyle/>
+              <a:p>
+                <a:pPr>
+                  <a:defRPr sz="1600" b="0" i="0" u="none" strike="noStrike" kern="1200" baseline="0">
+                    <a:solidFill>
+                      <a:schemeClr val="tx1"/>
+                    </a:solidFill>
+                    <a:latin typeface="+mn-lt"/>
+                    <a:ea typeface="+mn-ea"/>
+                    <a:cs typeface="+mn-cs"/>
+                  </a:defRPr>
+                </a:pPr>
+                <a:r>
+                  <a:rPr lang="de-AT"/>
+                  <a:t>ÖVP 2019</a:t>
+                </a:r>
+              </a:p>
+            </c:rich>
+          </c:tx>
+          <c:overlay val="0"/>
+          <c:spPr>
+            <a:noFill/>
+            <a:ln>
+              <a:noFill/>
+            </a:ln>
+            <a:effectLst/>
+          </c:spPr>
+          <c:txPr>
+            <a:bodyPr rot="0" spcFirstLastPara="1" vertOverflow="ellipsis" vert="horz" wrap="square" anchor="ctr" anchorCtr="1"/>
+            <a:lstStyle/>
+            <a:p>
+              <a:pPr>
+                <a:defRPr sz="1600" b="0" i="0" u="none" strike="noStrike" kern="1200" baseline="0">
+                  <a:solidFill>
+                    <a:schemeClr val="tx1"/>
+                  </a:solidFill>
+                  <a:latin typeface="+mn-lt"/>
+                  <a:ea typeface="+mn-ea"/>
+                  <a:cs typeface="+mn-cs"/>
+                </a:defRPr>
+              </a:pPr>
+              <a:endParaRPr lang="de-DE"/>
+            </a:p>
+          </c:txPr>
+        </c:title>
+        <c:numFmt formatCode="0%" sourceLinked="1"/>
+        <c:majorTickMark val="none"/>
+        <c:minorTickMark val="none"/>
+        <c:tickLblPos val="nextTo"/>
+        <c:spPr>
+          <a:noFill/>
+          <a:ln w="9525" cap="flat" cmpd="sng" algn="ctr">
+            <a:solidFill>
+              <a:schemeClr val="tx1">
+                <a:lumMod val="25000"/>
+                <a:lumOff val="75000"/>
+              </a:schemeClr>
+            </a:solidFill>
+            <a:round/>
+          </a:ln>
+          <a:effectLst/>
+        </c:spPr>
+        <c:txPr>
+          <a:bodyPr rot="-60000000" spcFirstLastPara="1" vertOverflow="ellipsis" vert="horz" wrap="square" anchor="ctr" anchorCtr="1"/>
+          <a:lstStyle/>
+          <a:p>
+            <a:pPr>
+              <a:defRPr sz="1600" b="0" i="0" u="none" strike="noStrike" kern="1200" baseline="0">
+                <a:solidFill>
+                  <a:schemeClr val="tx1"/>
+                </a:solidFill>
+                <a:latin typeface="+mn-lt"/>
+                <a:ea typeface="+mn-ea"/>
+                <a:cs typeface="+mn-cs"/>
+              </a:defRPr>
+            </a:pPr>
+            <a:endParaRPr lang="de-DE"/>
+          </a:p>
+        </c:txPr>
+        <c:crossAx val="1160046928"/>
+        <c:crosses val="autoZero"/>
+        <c:crossBetween val="midCat"/>
+        <c:minorUnit val="5.000000000000001E-2"/>
+      </c:valAx>
+      <c:valAx>
+        <c:axId val="1160046928"/>
+        <c:scaling>
+          <c:orientation val="minMax"/>
+          <c:max val="0.60000000000000009"/>
+          <c:min val="0"/>
+        </c:scaling>
+        <c:delete val="0"/>
+        <c:axPos val="l"/>
+        <c:majorGridlines>
+          <c:spPr>
+            <a:ln w="9525" cap="flat" cmpd="sng" algn="ctr">
+              <a:solidFill>
+                <a:schemeClr val="tx1">
+                  <a:lumMod val="15000"/>
+                  <a:lumOff val="85000"/>
+                </a:schemeClr>
+              </a:solidFill>
+              <a:round/>
+            </a:ln>
+            <a:effectLst/>
+          </c:spPr>
+        </c:majorGridlines>
+        <c:minorGridlines>
+          <c:spPr>
+            <a:ln w="9525" cap="flat" cmpd="sng" algn="ctr">
+              <a:solidFill>
+                <a:schemeClr val="tx1">
+                  <a:lumMod val="5000"/>
+                  <a:lumOff val="95000"/>
+                </a:schemeClr>
+              </a:solidFill>
+              <a:round/>
+            </a:ln>
+            <a:effectLst/>
+          </c:spPr>
+        </c:minorGridlines>
+        <c:title>
+          <c:tx>
+            <c:rich>
+              <a:bodyPr rot="-5400000" spcFirstLastPara="1" vertOverflow="ellipsis" vert="horz" wrap="square" anchor="ctr" anchorCtr="1"/>
+              <a:lstStyle/>
+              <a:p>
+                <a:pPr>
+                  <a:defRPr sz="1600" b="0" i="0" u="none" strike="noStrike" kern="1200" baseline="0">
+                    <a:solidFill>
+                      <a:schemeClr val="tx1"/>
+                    </a:solidFill>
+                    <a:latin typeface="+mn-lt"/>
+                    <a:ea typeface="+mn-ea"/>
+                    <a:cs typeface="+mn-cs"/>
+                  </a:defRPr>
+                </a:pPr>
+                <a:r>
+                  <a:rPr lang="de-AT"/>
+                  <a:t>ÖVP 2024</a:t>
+                </a:r>
+              </a:p>
+            </c:rich>
+          </c:tx>
+          <c:overlay val="0"/>
+          <c:spPr>
+            <a:noFill/>
+            <a:ln>
+              <a:noFill/>
+            </a:ln>
+            <a:effectLst/>
+          </c:spPr>
+          <c:txPr>
+            <a:bodyPr rot="-5400000" spcFirstLastPara="1" vertOverflow="ellipsis" vert="horz" wrap="square" anchor="ctr" anchorCtr="1"/>
+            <a:lstStyle/>
+            <a:p>
+              <a:pPr>
+                <a:defRPr sz="1600" b="0" i="0" u="none" strike="noStrike" kern="1200" baseline="0">
+                  <a:solidFill>
+                    <a:schemeClr val="tx1"/>
+                  </a:solidFill>
+                  <a:latin typeface="+mn-lt"/>
+                  <a:ea typeface="+mn-ea"/>
+                  <a:cs typeface="+mn-cs"/>
+                </a:defRPr>
+              </a:pPr>
+              <a:endParaRPr lang="de-DE"/>
+            </a:p>
+          </c:txPr>
+        </c:title>
+        <c:numFmt formatCode="0%" sourceLinked="1"/>
+        <c:majorTickMark val="none"/>
+        <c:minorTickMark val="none"/>
+        <c:tickLblPos val="nextTo"/>
+        <c:spPr>
+          <a:noFill/>
+          <a:ln w="9525" cap="flat" cmpd="sng" algn="ctr">
+            <a:solidFill>
+              <a:schemeClr val="tx1">
+                <a:lumMod val="25000"/>
+                <a:lumOff val="75000"/>
+              </a:schemeClr>
+            </a:solidFill>
+            <a:round/>
+          </a:ln>
+          <a:effectLst/>
+        </c:spPr>
+        <c:txPr>
+          <a:bodyPr rot="-60000000" spcFirstLastPara="1" vertOverflow="ellipsis" vert="horz" wrap="square" anchor="ctr" anchorCtr="1"/>
+          <a:lstStyle/>
+          <a:p>
+            <a:pPr>
+              <a:defRPr sz="1600" b="0" i="0" u="none" strike="noStrike" kern="1200" baseline="0">
+                <a:solidFill>
+                  <a:schemeClr val="tx1"/>
+                </a:solidFill>
+                <a:latin typeface="+mn-lt"/>
+                <a:ea typeface="+mn-ea"/>
+                <a:cs typeface="+mn-cs"/>
+              </a:defRPr>
+            </a:pPr>
+            <a:endParaRPr lang="de-DE"/>
+          </a:p>
+        </c:txPr>
+        <c:crossAx val="846280960"/>
+        <c:crosses val="autoZero"/>
+        <c:crossBetween val="midCat"/>
+        <c:majorUnit val="0.2"/>
+        <c:minorUnit val="5.000000000000001E-2"/>
+      </c:valAx>
+      <c:spPr>
+        <a:noFill/>
+        <a:ln>
+          <a:noFill/>
+        </a:ln>
+        <a:effectLst/>
+      </c:spPr>
+    </c:plotArea>
+    <c:plotVisOnly val="1"/>
+    <c:dispBlanksAs val="gap"/>
+    <c:extLst>
+      <c:ext xmlns:c16r3="http://schemas.microsoft.com/office/drawing/2017/03/chart" uri="{56B9EC1D-385E-4148-901F-78D8002777C0}">
+        <c16r3:dataDisplayOptions16>
+          <c16r3:dispNaAsBlank val="1"/>
+        </c16r3:dataDisplayOptions16>
+      </c:ext>
+    </c:extLst>
+    <c:showDLblsOverMax val="0"/>
+  </c:chart>
+  <c:spPr>
+    <a:noFill/>
+    <a:ln>
+      <a:noFill/>
+    </a:ln>
+    <a:effectLst/>
+  </c:spPr>
+  <c:txPr>
+    <a:bodyPr/>
+    <a:lstStyle/>
+    <a:p>
+      <a:pPr>
+        <a:defRPr sz="1600">
+          <a:solidFill>
+            <a:schemeClr val="tx1"/>
+          </a:solidFill>
+        </a:defRPr>
+      </a:pPr>
+      <a:endParaRPr lang="de-DE"/>
+    </a:p>
+  </c:txPr>
+  <c:externalData r:id="rId3">
+    <c:autoUpdate val="0"/>
+  </c:externalData>
+</c:chartSpace>
+</file>
+
+<file path=ppt/charts/chart5.xml><?xml version="1.0" encoding="utf-8"?>
+<c:chartSpace xmlns:c="http://schemas.openxmlformats.org/drawingml/2006/chart" xmlns:a="http://schemas.openxmlformats.org/drawingml/2006/main" xmlns:r="http://schemas.openxmlformats.org/officeDocument/2006/relationships" xmlns:c16r2="http://schemas.microsoft.com/office/drawing/2015/06/chart">
+  <c:date1904 val="0"/>
+  <c:lang val="de-DE"/>
+  <c:roundedCorners val="0"/>
+  <mc:AlternateContent xmlns:mc="http://schemas.openxmlformats.org/markup-compatibility/2006">
+    <mc:Choice xmlns:c14="http://schemas.microsoft.com/office/drawing/2007/8/2/chart" Requires="c14">
+      <c14:style val="102"/>
+    </mc:Choice>
+    <mc:Fallback>
+      <c:style val="2"/>
+    </mc:Fallback>
+  </mc:AlternateContent>
   <c:clrMapOvr bg1="lt1" tx1="dk1" bg2="lt2" tx2="dk2" accent1="accent1" accent2="accent2" accent3="accent3" accent4="accent4" accent5="accent5" accent6="accent6" hlink="hlink" folHlink="folHlink"/>
   <c:chart>
     <c:autoTitleDeleted val="1"/>
@@ -2700,6 +3357,402 @@
 </c:chartSpace>
 </file>
 
+<file path=ppt/charts/chart6.xml><?xml version="1.0" encoding="utf-8"?>
+<c:chartSpace xmlns:c="http://schemas.openxmlformats.org/drawingml/2006/chart" xmlns:a="http://schemas.openxmlformats.org/drawingml/2006/main" xmlns:r="http://schemas.openxmlformats.org/officeDocument/2006/relationships" xmlns:c16r2="http://schemas.microsoft.com/office/drawing/2015/06/chart">
+  <c:date1904 val="0"/>
+  <c:lang val="de-DE"/>
+  <c:roundedCorners val="0"/>
+  <mc:AlternateContent xmlns:mc="http://schemas.openxmlformats.org/markup-compatibility/2006">
+    <mc:Choice xmlns:c14="http://schemas.microsoft.com/office/drawing/2007/8/2/chart" Requires="c14">
+      <c14:style val="102"/>
+    </mc:Choice>
+    <mc:Fallback>
+      <c:style val="2"/>
+    </mc:Fallback>
+  </mc:AlternateContent>
+  <c:clrMapOvr bg1="lt1" tx1="dk1" bg2="lt2" tx2="dk2" accent1="accent1" accent2="accent2" accent3="accent3" accent4="accent4" accent5="accent5" accent6="accent6" hlink="hlink" folHlink="folHlink"/>
+  <c:chart>
+    <c:title>
+      <c:tx>
+        <c:rich>
+          <a:bodyPr rot="0" spcFirstLastPara="1" vertOverflow="ellipsis" vert="horz" wrap="square" anchor="ctr" anchorCtr="1"/>
+          <a:lstStyle/>
+          <a:p>
+            <a:pPr>
+              <a:defRPr lang="en-US" sz="1200" b="0" i="0" u="none" strike="noStrike" kern="1200" spc="0" baseline="0">
+                <a:solidFill>
+                  <a:sysClr val="windowText" lastClr="000000"/>
+                </a:solidFill>
+                <a:latin typeface="Palatino Linotype" panose="02040502050505030304" pitchFamily="18" charset="0"/>
+                <a:ea typeface="+mn-ea"/>
+                <a:cs typeface="+mn-cs"/>
+              </a:defRPr>
+            </a:pPr>
+            <a:r>
+              <a:rPr lang="de-AT" sz="1400" b="1"/>
+              <a:t>Mandatsverteilung im Nationalrat</a:t>
+            </a:r>
+          </a:p>
+        </c:rich>
+      </c:tx>
+      <c:overlay val="0"/>
+      <c:spPr>
+        <a:noFill/>
+        <a:ln>
+          <a:noFill/>
+        </a:ln>
+        <a:effectLst/>
+      </c:spPr>
+      <c:txPr>
+        <a:bodyPr rot="0" spcFirstLastPara="1" vertOverflow="ellipsis" vert="horz" wrap="square" anchor="ctr" anchorCtr="1"/>
+        <a:lstStyle/>
+        <a:p>
+          <a:pPr>
+            <a:defRPr lang="en-US" sz="1200" b="0" i="0" u="none" strike="noStrike" kern="1200" spc="0" baseline="0">
+              <a:solidFill>
+                <a:sysClr val="windowText" lastClr="000000"/>
+              </a:solidFill>
+              <a:latin typeface="Palatino Linotype" panose="02040502050505030304" pitchFamily="18" charset="0"/>
+              <a:ea typeface="+mn-ea"/>
+              <a:cs typeface="+mn-cs"/>
+            </a:defRPr>
+          </a:pPr>
+          <a:endParaRPr lang="de-DE"/>
+        </a:p>
+      </c:txPr>
+    </c:title>
+    <c:autoTitleDeleted val="0"/>
+    <c:plotArea>
+      <c:layout/>
+      <c:barChart>
+        <c:barDir val="bar"/>
+        <c:grouping val="clustered"/>
+        <c:varyColors val="0"/>
+        <c:ser>
+          <c:idx val="0"/>
+          <c:order val="0"/>
+          <c:spPr>
+            <a:solidFill>
+              <a:schemeClr val="accent1"/>
+            </a:solidFill>
+            <a:ln>
+              <a:noFill/>
+            </a:ln>
+            <a:effectLst/>
+          </c:spPr>
+          <c:invertIfNegative val="0"/>
+          <c:dPt>
+            <c:idx val="0"/>
+            <c:invertIfNegative val="0"/>
+            <c:bubble3D val="0"/>
+            <c:spPr>
+              <a:solidFill>
+                <a:schemeClr val="accent5"/>
+              </a:solidFill>
+              <a:ln>
+                <a:noFill/>
+              </a:ln>
+              <a:effectLst/>
+            </c:spPr>
+            <c:extLst>
+              <c:ext xmlns:c16="http://schemas.microsoft.com/office/drawing/2014/chart" uri="{C3380CC4-5D6E-409C-BE32-E72D297353CC}">
+                <c16:uniqueId val="{00000001-FF12-4EC2-92A5-0884CD1380AE}"/>
+              </c:ext>
+            </c:extLst>
+          </c:dPt>
+          <c:dPt>
+            <c:idx val="1"/>
+            <c:invertIfNegative val="0"/>
+            <c:bubble3D val="0"/>
+            <c:spPr>
+              <a:solidFill>
+                <a:schemeClr val="accent4"/>
+              </a:solidFill>
+              <a:ln>
+                <a:noFill/>
+              </a:ln>
+              <a:effectLst/>
+            </c:spPr>
+            <c:extLst>
+              <c:ext xmlns:c16="http://schemas.microsoft.com/office/drawing/2014/chart" uri="{C3380CC4-5D6E-409C-BE32-E72D297353CC}">
+                <c16:uniqueId val="{00000003-FF12-4EC2-92A5-0884CD1380AE}"/>
+              </c:ext>
+            </c:extLst>
+          </c:dPt>
+          <c:dPt>
+            <c:idx val="3"/>
+            <c:invertIfNegative val="0"/>
+            <c:bubble3D val="0"/>
+            <c:spPr>
+              <a:solidFill>
+                <a:schemeClr val="accent3"/>
+              </a:solidFill>
+              <a:ln>
+                <a:noFill/>
+              </a:ln>
+              <a:effectLst/>
+            </c:spPr>
+            <c:extLst>
+              <c:ext xmlns:c16="http://schemas.microsoft.com/office/drawing/2014/chart" uri="{C3380CC4-5D6E-409C-BE32-E72D297353CC}">
+                <c16:uniqueId val="{00000005-FF12-4EC2-92A5-0884CD1380AE}"/>
+              </c:ext>
+            </c:extLst>
+          </c:dPt>
+          <c:dPt>
+            <c:idx val="4"/>
+            <c:invertIfNegative val="0"/>
+            <c:bubble3D val="0"/>
+            <c:spPr>
+              <a:solidFill>
+                <a:schemeClr val="accent2"/>
+              </a:solidFill>
+              <a:ln>
+                <a:noFill/>
+              </a:ln>
+              <a:effectLst/>
+            </c:spPr>
+            <c:extLst>
+              <c:ext xmlns:c16="http://schemas.microsoft.com/office/drawing/2014/chart" uri="{C3380CC4-5D6E-409C-BE32-E72D297353CC}">
+                <c16:uniqueId val="{00000007-FF12-4EC2-92A5-0884CD1380AE}"/>
+              </c:ext>
+            </c:extLst>
+          </c:dPt>
+          <c:dLbls>
+            <c:spPr>
+              <a:noFill/>
+              <a:ln>
+                <a:noFill/>
+              </a:ln>
+              <a:effectLst/>
+            </c:spPr>
+            <c:txPr>
+              <a:bodyPr rot="0" spcFirstLastPara="1" vertOverflow="ellipsis" vert="horz" wrap="square" lIns="38100" tIns="19050" rIns="38100" bIns="19050" anchor="ctr" anchorCtr="1">
+                <a:spAutoFit/>
+              </a:bodyPr>
+              <a:lstStyle/>
+              <a:p>
+                <a:pPr>
+                  <a:defRPr lang="en-US" sz="1000" b="0" i="0" u="none" strike="noStrike" kern="1200" baseline="0">
+                    <a:solidFill>
+                      <a:sysClr val="windowText" lastClr="000000"/>
+                    </a:solidFill>
+                    <a:latin typeface="Palatino Linotype" panose="02040502050505030304" pitchFamily="18" charset="0"/>
+                    <a:ea typeface="+mn-ea"/>
+                    <a:cs typeface="+mn-cs"/>
+                  </a:defRPr>
+                </a:pPr>
+                <a:endParaRPr lang="de-DE"/>
+              </a:p>
+            </c:txPr>
+            <c:dLblPos val="outEnd"/>
+            <c:showLegendKey val="0"/>
+            <c:showVal val="1"/>
+            <c:showCatName val="0"/>
+            <c:showSerName val="0"/>
+            <c:showPercent val="0"/>
+            <c:showBubbleSize val="0"/>
+            <c:showLeaderLines val="0"/>
+            <c:extLst>
+              <c:ext xmlns:c15="http://schemas.microsoft.com/office/drawing/2012/chart" uri="{CE6537A1-D6FC-4f65-9D91-7224C49458BB}">
+                <c15:showLeaderLines val="1"/>
+                <c15:leaderLines>
+                  <c:spPr>
+                    <a:ln w="9525" cap="flat" cmpd="sng" algn="ctr">
+                      <a:solidFill>
+                        <a:schemeClr val="tx1">
+                          <a:lumMod val="35000"/>
+                          <a:lumOff val="65000"/>
+                        </a:schemeClr>
+                      </a:solidFill>
+                      <a:round/>
+                    </a:ln>
+                    <a:effectLst/>
+                  </c:spPr>
+                </c15:leaderLines>
+              </c:ext>
+            </c:extLst>
+          </c:dLbls>
+          <c:cat>
+            <c:strRef>
+              <c:f>'d''Hondt'!$B$8:$B$12</c:f>
+              <c:strCache>
+                <c:ptCount val="5"/>
+                <c:pt idx="0">
+                  <c:v>NEOS</c:v>
+                </c:pt>
+                <c:pt idx="1">
+                  <c:v>GRÜNE</c:v>
+                </c:pt>
+                <c:pt idx="2">
+                  <c:v>FPÖ</c:v>
+                </c:pt>
+                <c:pt idx="3">
+                  <c:v>SPÖ</c:v>
+                </c:pt>
+                <c:pt idx="4">
+                  <c:v>ÖVP</c:v>
+                </c:pt>
+              </c:strCache>
+            </c:strRef>
+          </c:cat>
+          <c:val>
+            <c:numRef>
+              <c:f>'d''Hondt'!$H$8:$H$12</c:f>
+              <c:numCache>
+                <c:formatCode>General</c:formatCode>
+                <c:ptCount val="5"/>
+                <c:pt idx="0">
+                  <c:v>18</c:v>
+                </c:pt>
+                <c:pt idx="1">
+                  <c:v>16</c:v>
+                </c:pt>
+                <c:pt idx="2">
+                  <c:v>57</c:v>
+                </c:pt>
+                <c:pt idx="3">
+                  <c:v>41</c:v>
+                </c:pt>
+                <c:pt idx="4">
+                  <c:v>51</c:v>
+                </c:pt>
+              </c:numCache>
+            </c:numRef>
+          </c:val>
+          <c:extLst>
+            <c:ext xmlns:c16="http://schemas.microsoft.com/office/drawing/2014/chart" uri="{C3380CC4-5D6E-409C-BE32-E72D297353CC}">
+              <c16:uniqueId val="{00000008-FF12-4EC2-92A5-0884CD1380AE}"/>
+            </c:ext>
+          </c:extLst>
+        </c:ser>
+        <c:dLbls>
+          <c:dLblPos val="outEnd"/>
+          <c:showLegendKey val="0"/>
+          <c:showVal val="1"/>
+          <c:showCatName val="0"/>
+          <c:showSerName val="0"/>
+          <c:showPercent val="0"/>
+          <c:showBubbleSize val="0"/>
+        </c:dLbls>
+        <c:gapWidth val="125"/>
+        <c:axId val="1601402895"/>
+        <c:axId val="1601403855"/>
+      </c:barChart>
+      <c:catAx>
+        <c:axId val="1601402895"/>
+        <c:scaling>
+          <c:orientation val="minMax"/>
+        </c:scaling>
+        <c:delete val="0"/>
+        <c:axPos val="l"/>
+        <c:numFmt formatCode="General" sourceLinked="1"/>
+        <c:majorTickMark val="none"/>
+        <c:minorTickMark val="none"/>
+        <c:tickLblPos val="nextTo"/>
+        <c:spPr>
+          <a:noFill/>
+          <a:ln w="9525" cap="flat" cmpd="sng" algn="ctr">
+            <a:solidFill>
+              <a:schemeClr val="tx1">
+                <a:lumMod val="15000"/>
+                <a:lumOff val="85000"/>
+              </a:schemeClr>
+            </a:solidFill>
+            <a:round/>
+          </a:ln>
+          <a:effectLst/>
+        </c:spPr>
+        <c:txPr>
+          <a:bodyPr rot="-60000000" spcFirstLastPara="1" vertOverflow="ellipsis" vert="horz" wrap="square" anchor="ctr" anchorCtr="1"/>
+          <a:lstStyle/>
+          <a:p>
+            <a:pPr>
+              <a:defRPr lang="en-US" sz="1000" b="0" i="0" u="none" strike="noStrike" kern="1200" baseline="0">
+                <a:solidFill>
+                  <a:sysClr val="windowText" lastClr="000000"/>
+                </a:solidFill>
+                <a:latin typeface="Palatino Linotype" panose="02040502050505030304" pitchFamily="18" charset="0"/>
+                <a:ea typeface="+mn-ea"/>
+                <a:cs typeface="+mn-cs"/>
+              </a:defRPr>
+            </a:pPr>
+            <a:endParaRPr lang="de-DE"/>
+          </a:p>
+        </c:txPr>
+        <c:crossAx val="1601403855"/>
+        <c:crosses val="autoZero"/>
+        <c:auto val="1"/>
+        <c:lblAlgn val="ctr"/>
+        <c:lblOffset val="100"/>
+        <c:noMultiLvlLbl val="0"/>
+      </c:catAx>
+      <c:valAx>
+        <c:axId val="1601403855"/>
+        <c:scaling>
+          <c:orientation val="minMax"/>
+        </c:scaling>
+        <c:delete val="1"/>
+        <c:axPos val="b"/>
+        <c:numFmt formatCode="General" sourceLinked="1"/>
+        <c:majorTickMark val="none"/>
+        <c:minorTickMark val="none"/>
+        <c:tickLblPos val="nextTo"/>
+        <c:crossAx val="1601402895"/>
+        <c:crosses val="autoZero"/>
+        <c:crossBetween val="between"/>
+      </c:valAx>
+      <c:spPr>
+        <a:noFill/>
+        <a:ln>
+          <a:noFill/>
+        </a:ln>
+        <a:effectLst/>
+      </c:spPr>
+    </c:plotArea>
+    <c:plotVisOnly val="1"/>
+    <c:dispBlanksAs val="gap"/>
+    <c:extLst>
+      <c:ext xmlns:c16r3="http://schemas.microsoft.com/office/drawing/2017/03/chart" uri="{56B9EC1D-385E-4148-901F-78D8002777C0}">
+        <c16r3:dataDisplayOptions16>
+          <c16r3:dispNaAsBlank val="1"/>
+        </c16r3:dataDisplayOptions16>
+      </c:ext>
+    </c:extLst>
+    <c:showDLblsOverMax val="0"/>
+  </c:chart>
+  <c:spPr>
+    <a:solidFill>
+      <a:schemeClr val="bg1"/>
+    </a:solidFill>
+    <a:ln w="9525" cap="flat" cmpd="sng" algn="ctr">
+      <a:noFill/>
+      <a:round/>
+    </a:ln>
+    <a:effectLst/>
+  </c:spPr>
+  <c:txPr>
+    <a:bodyPr/>
+    <a:lstStyle/>
+    <a:p>
+      <a:pPr>
+        <a:defRPr lang="en-US" sz="1000" b="0" i="0" u="none" strike="noStrike" kern="1200" baseline="0">
+          <a:solidFill>
+            <a:sysClr val="windowText" lastClr="000000"/>
+          </a:solidFill>
+          <a:latin typeface="Palatino Linotype" panose="02040502050505030304" pitchFamily="18" charset="0"/>
+          <a:ea typeface="+mn-ea"/>
+          <a:cs typeface="+mn-cs"/>
+        </a:defRPr>
+      </a:pPr>
+      <a:endParaRPr lang="de-DE"/>
+    </a:p>
+  </c:txPr>
+  <c:externalData r:id="rId4">
+    <c:autoUpdate val="0"/>
+  </c:externalData>
+</c:chartSpace>
+</file>
+
 <file path=ppt/charts/colors1.xml><?xml version="1.0" encoding="utf-8"?>
 <cs:colorStyle xmlns:cs="http://schemas.microsoft.com/office/drawing/2012/chartStyle" xmlns:a="http://schemas.openxmlformats.org/drawingml/2006/main" meth="cycle" id="10">
   <a:schemeClr val="accent1"/>
@@ -2821,6 +3874,86 @@
 </file>
 
 <file path=ppt/charts/colors4.xml><?xml version="1.0" encoding="utf-8"?>
+<cs:colorStyle xmlns:cs="http://schemas.microsoft.com/office/drawing/2012/chartStyle" xmlns:a="http://schemas.openxmlformats.org/drawingml/2006/main" meth="cycle" id="10">
+  <a:schemeClr val="accent1"/>
+  <a:schemeClr val="accent2"/>
+  <a:schemeClr val="accent3"/>
+  <a:schemeClr val="accent4"/>
+  <a:schemeClr val="accent5"/>
+  <a:schemeClr val="accent6"/>
+  <cs:variation/>
+  <cs:variation>
+    <a:lumMod val="60000"/>
+  </cs:variation>
+  <cs:variation>
+    <a:lumMod val="80000"/>
+    <a:lumOff val="20000"/>
+  </cs:variation>
+  <cs:variation>
+    <a:lumMod val="80000"/>
+  </cs:variation>
+  <cs:variation>
+    <a:lumMod val="60000"/>
+    <a:lumOff val="40000"/>
+  </cs:variation>
+  <cs:variation>
+    <a:lumMod val="50000"/>
+  </cs:variation>
+  <cs:variation>
+    <a:lumMod val="70000"/>
+    <a:lumOff val="30000"/>
+  </cs:variation>
+  <cs:variation>
+    <a:lumMod val="70000"/>
+  </cs:variation>
+  <cs:variation>
+    <a:lumMod val="50000"/>
+    <a:lumOff val="50000"/>
+  </cs:variation>
+</cs:colorStyle>
+</file>
+
+<file path=ppt/charts/colors5.xml><?xml version="1.0" encoding="utf-8"?>
+<cs:colorStyle xmlns:cs="http://schemas.microsoft.com/office/drawing/2012/chartStyle" xmlns:a="http://schemas.openxmlformats.org/drawingml/2006/main" meth="cycle" id="10">
+  <a:schemeClr val="accent1"/>
+  <a:schemeClr val="accent2"/>
+  <a:schemeClr val="accent3"/>
+  <a:schemeClr val="accent4"/>
+  <a:schemeClr val="accent5"/>
+  <a:schemeClr val="accent6"/>
+  <cs:variation/>
+  <cs:variation>
+    <a:lumMod val="60000"/>
+  </cs:variation>
+  <cs:variation>
+    <a:lumMod val="80000"/>
+    <a:lumOff val="20000"/>
+  </cs:variation>
+  <cs:variation>
+    <a:lumMod val="80000"/>
+  </cs:variation>
+  <cs:variation>
+    <a:lumMod val="60000"/>
+    <a:lumOff val="40000"/>
+  </cs:variation>
+  <cs:variation>
+    <a:lumMod val="50000"/>
+  </cs:variation>
+  <cs:variation>
+    <a:lumMod val="70000"/>
+    <a:lumOff val="30000"/>
+  </cs:variation>
+  <cs:variation>
+    <a:lumMod val="70000"/>
+  </cs:variation>
+  <cs:variation>
+    <a:lumMod val="50000"/>
+    <a:lumOff val="50000"/>
+  </cs:variation>
+</cs:colorStyle>
+</file>
+
+<file path=ppt/charts/colors6.xml><?xml version="1.0" encoding="utf-8"?>
 <cs:colorStyle xmlns:cs="http://schemas.microsoft.com/office/drawing/2012/chartStyle" xmlns:a="http://schemas.openxmlformats.org/drawingml/2006/main" meth="cycle" id="10">
   <a:schemeClr val="accent1"/>
   <a:schemeClr val="accent2"/>
@@ -4409,6 +5542,1027 @@
 </file>
 
 <file path=ppt/charts/style4.xml><?xml version="1.0" encoding="utf-8"?>
+<cs:chartStyle xmlns:cs="http://schemas.microsoft.com/office/drawing/2012/chartStyle" xmlns:a="http://schemas.openxmlformats.org/drawingml/2006/main" id="240">
+  <cs:axisTitle>
+    <cs:lnRef idx="0"/>
+    <cs:fillRef idx="0"/>
+    <cs:effectRef idx="0"/>
+    <cs:fontRef idx="minor">
+      <a:schemeClr val="tx1">
+        <a:lumMod val="65000"/>
+        <a:lumOff val="35000"/>
+      </a:schemeClr>
+    </cs:fontRef>
+    <cs:defRPr sz="1000" kern="1200"/>
+  </cs:axisTitle>
+  <cs:categoryAxis>
+    <cs:lnRef idx="0"/>
+    <cs:fillRef idx="0"/>
+    <cs:effectRef idx="0"/>
+    <cs:fontRef idx="minor">
+      <a:schemeClr val="tx1">
+        <a:lumMod val="65000"/>
+        <a:lumOff val="35000"/>
+      </a:schemeClr>
+    </cs:fontRef>
+    <cs:spPr>
+      <a:ln w="9525" cap="flat" cmpd="sng" algn="ctr">
+        <a:solidFill>
+          <a:schemeClr val="tx1">
+            <a:lumMod val="25000"/>
+            <a:lumOff val="75000"/>
+          </a:schemeClr>
+        </a:solidFill>
+        <a:round/>
+      </a:ln>
+    </cs:spPr>
+    <cs:defRPr sz="900" kern="1200"/>
+  </cs:categoryAxis>
+  <cs:chartArea mods="allowNoFillOverride allowNoLineOverride">
+    <cs:lnRef idx="0"/>
+    <cs:fillRef idx="0"/>
+    <cs:effectRef idx="0"/>
+    <cs:fontRef idx="minor">
+      <a:schemeClr val="tx1"/>
+    </cs:fontRef>
+    <cs:spPr>
+      <a:solidFill>
+        <a:schemeClr val="bg1"/>
+      </a:solidFill>
+      <a:ln w="9525" cap="flat" cmpd="sng" algn="ctr">
+        <a:solidFill>
+          <a:schemeClr val="tx1">
+            <a:lumMod val="15000"/>
+            <a:lumOff val="85000"/>
+          </a:schemeClr>
+        </a:solidFill>
+        <a:round/>
+      </a:ln>
+    </cs:spPr>
+    <cs:defRPr sz="1000" kern="1200"/>
+  </cs:chartArea>
+  <cs:dataLabel>
+    <cs:lnRef idx="0"/>
+    <cs:fillRef idx="0"/>
+    <cs:effectRef idx="0"/>
+    <cs:fontRef idx="minor">
+      <a:schemeClr val="tx1">
+        <a:lumMod val="75000"/>
+        <a:lumOff val="25000"/>
+      </a:schemeClr>
+    </cs:fontRef>
+    <cs:defRPr sz="900" kern="1200"/>
+  </cs:dataLabel>
+  <cs:dataLabelCallout>
+    <cs:lnRef idx="0"/>
+    <cs:fillRef idx="0"/>
+    <cs:effectRef idx="0"/>
+    <cs:fontRef idx="minor">
+      <a:schemeClr val="dk1">
+        <a:lumMod val="65000"/>
+        <a:lumOff val="35000"/>
+      </a:schemeClr>
+    </cs:fontRef>
+    <cs:spPr>
+      <a:solidFill>
+        <a:schemeClr val="lt1"/>
+      </a:solidFill>
+      <a:ln>
+        <a:solidFill>
+          <a:schemeClr val="dk1">
+            <a:lumMod val="25000"/>
+            <a:lumOff val="75000"/>
+          </a:schemeClr>
+        </a:solidFill>
+      </a:ln>
+    </cs:spPr>
+    <cs:defRPr sz="900" kern="1200"/>
+    <cs:bodyPr rot="0" spcFirstLastPara="1" vertOverflow="clip" horzOverflow="clip" vert="horz" wrap="square" lIns="36576" tIns="18288" rIns="36576" bIns="18288" anchor="ctr" anchorCtr="1">
+      <a:spAutoFit/>
+    </cs:bodyPr>
+  </cs:dataLabelCallout>
+  <cs:dataPoint>
+    <cs:lnRef idx="0"/>
+    <cs:fillRef idx="1">
+      <cs:styleClr val="auto"/>
+    </cs:fillRef>
+    <cs:effectRef idx="0"/>
+    <cs:fontRef idx="minor">
+      <a:schemeClr val="tx1"/>
+    </cs:fontRef>
+  </cs:dataPoint>
+  <cs:dataPoint3D>
+    <cs:lnRef idx="0"/>
+    <cs:fillRef idx="1">
+      <cs:styleClr val="auto"/>
+    </cs:fillRef>
+    <cs:effectRef idx="0"/>
+    <cs:fontRef idx="minor">
+      <a:schemeClr val="tx1"/>
+    </cs:fontRef>
+  </cs:dataPoint3D>
+  <cs:dataPointLine>
+    <cs:lnRef idx="0">
+      <cs:styleClr val="auto"/>
+    </cs:lnRef>
+    <cs:fillRef idx="1"/>
+    <cs:effectRef idx="0"/>
+    <cs:fontRef idx="minor">
+      <a:schemeClr val="tx1"/>
+    </cs:fontRef>
+    <cs:spPr>
+      <a:ln w="19050" cap="rnd">
+        <a:solidFill>
+          <a:schemeClr val="phClr"/>
+        </a:solidFill>
+        <a:round/>
+      </a:ln>
+    </cs:spPr>
+  </cs:dataPointLine>
+  <cs:dataPointMarker>
+    <cs:lnRef idx="0">
+      <cs:styleClr val="auto"/>
+    </cs:lnRef>
+    <cs:fillRef idx="1">
+      <cs:styleClr val="auto"/>
+    </cs:fillRef>
+    <cs:effectRef idx="0"/>
+    <cs:fontRef idx="minor">
+      <a:schemeClr val="tx1"/>
+    </cs:fontRef>
+    <cs:spPr>
+      <a:ln w="9525">
+        <a:solidFill>
+          <a:schemeClr val="phClr"/>
+        </a:solidFill>
+      </a:ln>
+    </cs:spPr>
+  </cs:dataPointMarker>
+  <cs:dataPointMarkerLayout symbol="circle" size="5"/>
+  <cs:dataPointWireframe>
+    <cs:lnRef idx="0">
+      <cs:styleClr val="auto"/>
+    </cs:lnRef>
+    <cs:fillRef idx="0"/>
+    <cs:effectRef idx="0"/>
+    <cs:fontRef idx="minor">
+      <a:schemeClr val="dk1"/>
+    </cs:fontRef>
+    <cs:spPr>
+      <a:ln w="9525" cap="rnd">
+        <a:solidFill>
+          <a:schemeClr val="phClr"/>
+        </a:solidFill>
+        <a:round/>
+      </a:ln>
+    </cs:spPr>
+  </cs:dataPointWireframe>
+  <cs:dataTable>
+    <cs:lnRef idx="0"/>
+    <cs:fillRef idx="0"/>
+    <cs:effectRef idx="0"/>
+    <cs:fontRef idx="minor">
+      <a:schemeClr val="tx1">
+        <a:lumMod val="65000"/>
+        <a:lumOff val="35000"/>
+      </a:schemeClr>
+    </cs:fontRef>
+    <cs:spPr>
+      <a:noFill/>
+      <a:ln w="9525" cap="flat" cmpd="sng" algn="ctr">
+        <a:solidFill>
+          <a:schemeClr val="tx1">
+            <a:lumMod val="15000"/>
+            <a:lumOff val="85000"/>
+          </a:schemeClr>
+        </a:solidFill>
+        <a:round/>
+      </a:ln>
+    </cs:spPr>
+    <cs:defRPr sz="900" kern="1200"/>
+  </cs:dataTable>
+  <cs:downBar>
+    <cs:lnRef idx="0"/>
+    <cs:fillRef idx="0"/>
+    <cs:effectRef idx="0"/>
+    <cs:fontRef idx="minor">
+      <a:schemeClr val="tx1"/>
+    </cs:fontRef>
+    <cs:spPr>
+      <a:solidFill>
+        <a:schemeClr val="dk1">
+          <a:lumMod val="75000"/>
+          <a:lumOff val="25000"/>
+        </a:schemeClr>
+      </a:solidFill>
+      <a:ln w="9525" cap="flat" cmpd="sng" algn="ctr">
+        <a:solidFill>
+          <a:schemeClr val="tx1">
+            <a:lumMod val="65000"/>
+            <a:lumOff val="35000"/>
+          </a:schemeClr>
+        </a:solidFill>
+        <a:round/>
+      </a:ln>
+    </cs:spPr>
+  </cs:downBar>
+  <cs:dropLine>
+    <cs:lnRef idx="0"/>
+    <cs:fillRef idx="0"/>
+    <cs:effectRef idx="0"/>
+    <cs:fontRef idx="minor">
+      <a:schemeClr val="tx1"/>
+    </cs:fontRef>
+    <cs:spPr>
+      <a:ln w="9525" cap="flat" cmpd="sng" algn="ctr">
+        <a:solidFill>
+          <a:schemeClr val="tx1">
+            <a:lumMod val="35000"/>
+            <a:lumOff val="65000"/>
+          </a:schemeClr>
+        </a:solidFill>
+        <a:round/>
+      </a:ln>
+    </cs:spPr>
+  </cs:dropLine>
+  <cs:errorBar>
+    <cs:lnRef idx="0"/>
+    <cs:fillRef idx="0"/>
+    <cs:effectRef idx="0"/>
+    <cs:fontRef idx="minor">
+      <a:schemeClr val="tx1"/>
+    </cs:fontRef>
+    <cs:spPr>
+      <a:ln w="9525" cap="flat" cmpd="sng" algn="ctr">
+        <a:solidFill>
+          <a:schemeClr val="tx1">
+            <a:lumMod val="65000"/>
+            <a:lumOff val="35000"/>
+          </a:schemeClr>
+        </a:solidFill>
+        <a:round/>
+      </a:ln>
+    </cs:spPr>
+  </cs:errorBar>
+  <cs:floor>
+    <cs:lnRef idx="0"/>
+    <cs:fillRef idx="0"/>
+    <cs:effectRef idx="0"/>
+    <cs:fontRef idx="minor">
+      <a:schemeClr val="tx1"/>
+    </cs:fontRef>
+    <cs:spPr>
+      <a:noFill/>
+      <a:ln>
+        <a:noFill/>
+      </a:ln>
+    </cs:spPr>
+  </cs:floor>
+  <cs:gridlineMajor>
+    <cs:lnRef idx="0"/>
+    <cs:fillRef idx="0"/>
+    <cs:effectRef idx="0"/>
+    <cs:fontRef idx="minor">
+      <a:schemeClr val="tx1"/>
+    </cs:fontRef>
+    <cs:spPr>
+      <a:ln w="9525" cap="flat" cmpd="sng" algn="ctr">
+        <a:solidFill>
+          <a:schemeClr val="tx1">
+            <a:lumMod val="15000"/>
+            <a:lumOff val="85000"/>
+          </a:schemeClr>
+        </a:solidFill>
+        <a:round/>
+      </a:ln>
+    </cs:spPr>
+  </cs:gridlineMajor>
+  <cs:gridlineMinor>
+    <cs:lnRef idx="0"/>
+    <cs:fillRef idx="0"/>
+    <cs:effectRef idx="0"/>
+    <cs:fontRef idx="minor">
+      <a:schemeClr val="tx1"/>
+    </cs:fontRef>
+    <cs:spPr>
+      <a:ln w="9525" cap="flat" cmpd="sng" algn="ctr">
+        <a:solidFill>
+          <a:schemeClr val="tx1">
+            <a:lumMod val="5000"/>
+            <a:lumOff val="95000"/>
+          </a:schemeClr>
+        </a:solidFill>
+        <a:round/>
+      </a:ln>
+    </cs:spPr>
+  </cs:gridlineMinor>
+  <cs:hiLoLine>
+    <cs:lnRef idx="0"/>
+    <cs:fillRef idx="0"/>
+    <cs:effectRef idx="0"/>
+    <cs:fontRef idx="minor">
+      <a:schemeClr val="tx1"/>
+    </cs:fontRef>
+    <cs:spPr>
+      <a:ln w="9525" cap="flat" cmpd="sng" algn="ctr">
+        <a:solidFill>
+          <a:schemeClr val="tx1">
+            <a:lumMod val="50000"/>
+            <a:lumOff val="50000"/>
+          </a:schemeClr>
+        </a:solidFill>
+        <a:round/>
+      </a:ln>
+    </cs:spPr>
+  </cs:hiLoLine>
+  <cs:leaderLine>
+    <cs:lnRef idx="0"/>
+    <cs:fillRef idx="0"/>
+    <cs:effectRef idx="0"/>
+    <cs:fontRef idx="minor">
+      <a:schemeClr val="tx1"/>
+    </cs:fontRef>
+    <cs:spPr>
+      <a:ln w="9525" cap="flat" cmpd="sng" algn="ctr">
+        <a:solidFill>
+          <a:schemeClr val="tx1">
+            <a:lumMod val="35000"/>
+            <a:lumOff val="65000"/>
+          </a:schemeClr>
+        </a:solidFill>
+        <a:round/>
+      </a:ln>
+    </cs:spPr>
+  </cs:leaderLine>
+  <cs:legend>
+    <cs:lnRef idx="0"/>
+    <cs:fillRef idx="0"/>
+    <cs:effectRef idx="0"/>
+    <cs:fontRef idx="minor">
+      <a:schemeClr val="tx1">
+        <a:lumMod val="65000"/>
+        <a:lumOff val="35000"/>
+      </a:schemeClr>
+    </cs:fontRef>
+    <cs:defRPr sz="900" kern="1200"/>
+  </cs:legend>
+  <cs:plotArea mods="allowNoFillOverride allowNoLineOverride">
+    <cs:lnRef idx="0"/>
+    <cs:fillRef idx="0"/>
+    <cs:effectRef idx="0"/>
+    <cs:fontRef idx="minor">
+      <a:schemeClr val="tx1"/>
+    </cs:fontRef>
+  </cs:plotArea>
+  <cs:plotArea3D mods="allowNoFillOverride allowNoLineOverride">
+    <cs:lnRef idx="0"/>
+    <cs:fillRef idx="0"/>
+    <cs:effectRef idx="0"/>
+    <cs:fontRef idx="minor">
+      <a:schemeClr val="tx1"/>
+    </cs:fontRef>
+  </cs:plotArea3D>
+  <cs:seriesAxis>
+    <cs:lnRef idx="0"/>
+    <cs:fillRef idx="0"/>
+    <cs:effectRef idx="0"/>
+    <cs:fontRef idx="minor">
+      <a:schemeClr val="tx1">
+        <a:lumMod val="65000"/>
+        <a:lumOff val="35000"/>
+      </a:schemeClr>
+    </cs:fontRef>
+    <cs:defRPr sz="900" kern="1200"/>
+  </cs:seriesAxis>
+  <cs:seriesLine>
+    <cs:lnRef idx="0"/>
+    <cs:fillRef idx="0"/>
+    <cs:effectRef idx="0"/>
+    <cs:fontRef idx="minor">
+      <a:schemeClr val="tx1"/>
+    </cs:fontRef>
+    <cs:spPr>
+      <a:ln w="9525" cap="flat" cmpd="sng" algn="ctr">
+        <a:solidFill>
+          <a:schemeClr val="tx1">
+            <a:lumMod val="35000"/>
+            <a:lumOff val="65000"/>
+          </a:schemeClr>
+        </a:solidFill>
+        <a:round/>
+      </a:ln>
+    </cs:spPr>
+  </cs:seriesLine>
+  <cs:title>
+    <cs:lnRef idx="0"/>
+    <cs:fillRef idx="0"/>
+    <cs:effectRef idx="0"/>
+    <cs:fontRef idx="minor">
+      <a:schemeClr val="tx1">
+        <a:lumMod val="65000"/>
+        <a:lumOff val="35000"/>
+      </a:schemeClr>
+    </cs:fontRef>
+    <cs:defRPr sz="1400" b="0" kern="1200" spc="0" baseline="0"/>
+  </cs:title>
+  <cs:trendline>
+    <cs:lnRef idx="0">
+      <cs:styleClr val="auto"/>
+    </cs:lnRef>
+    <cs:fillRef idx="0"/>
+    <cs:effectRef idx="0"/>
+    <cs:fontRef idx="minor">
+      <a:schemeClr val="tx1"/>
+    </cs:fontRef>
+    <cs:spPr>
+      <a:ln w="19050" cap="rnd">
+        <a:solidFill>
+          <a:schemeClr val="phClr"/>
+        </a:solidFill>
+        <a:prstDash val="sysDot"/>
+      </a:ln>
+    </cs:spPr>
+  </cs:trendline>
+  <cs:trendlineLabel>
+    <cs:lnRef idx="0"/>
+    <cs:fillRef idx="0"/>
+    <cs:effectRef idx="0"/>
+    <cs:fontRef idx="minor">
+      <a:schemeClr val="tx1">
+        <a:lumMod val="65000"/>
+        <a:lumOff val="35000"/>
+      </a:schemeClr>
+    </cs:fontRef>
+    <cs:defRPr sz="900" kern="1200"/>
+  </cs:trendlineLabel>
+  <cs:upBar>
+    <cs:lnRef idx="0"/>
+    <cs:fillRef idx="0"/>
+    <cs:effectRef idx="0"/>
+    <cs:fontRef idx="minor">
+      <a:schemeClr val="tx1"/>
+    </cs:fontRef>
+    <cs:spPr>
+      <a:solidFill>
+        <a:schemeClr val="lt1"/>
+      </a:solidFill>
+      <a:ln w="9525" cap="flat" cmpd="sng" algn="ctr">
+        <a:solidFill>
+          <a:schemeClr val="tx1">
+            <a:lumMod val="65000"/>
+            <a:lumOff val="35000"/>
+          </a:schemeClr>
+        </a:solidFill>
+        <a:round/>
+      </a:ln>
+    </cs:spPr>
+  </cs:upBar>
+  <cs:valueAxis>
+    <cs:lnRef idx="0"/>
+    <cs:fillRef idx="0"/>
+    <cs:effectRef idx="0"/>
+    <cs:fontRef idx="minor">
+      <a:schemeClr val="tx1">
+        <a:lumMod val="65000"/>
+        <a:lumOff val="35000"/>
+      </a:schemeClr>
+    </cs:fontRef>
+    <cs:spPr>
+      <a:ln w="9525" cap="flat" cmpd="sng" algn="ctr">
+        <a:solidFill>
+          <a:schemeClr val="tx1">
+            <a:lumMod val="25000"/>
+            <a:lumOff val="75000"/>
+          </a:schemeClr>
+        </a:solidFill>
+        <a:round/>
+      </a:ln>
+    </cs:spPr>
+    <cs:defRPr sz="900" kern="1200"/>
+  </cs:valueAxis>
+  <cs:wall>
+    <cs:lnRef idx="0"/>
+    <cs:fillRef idx="0"/>
+    <cs:effectRef idx="0"/>
+    <cs:fontRef idx="minor">
+      <a:schemeClr val="tx1"/>
+    </cs:fontRef>
+    <cs:spPr>
+      <a:noFill/>
+      <a:ln>
+        <a:noFill/>
+      </a:ln>
+    </cs:spPr>
+  </cs:wall>
+</cs:chartStyle>
+</file>
+
+<file path=ppt/charts/style5.xml><?xml version="1.0" encoding="utf-8"?>
+<cs:chartStyle xmlns:cs="http://schemas.microsoft.com/office/drawing/2012/chartStyle" xmlns:a="http://schemas.openxmlformats.org/drawingml/2006/main" id="216">
+  <cs:axisTitle>
+    <cs:lnRef idx="0"/>
+    <cs:fillRef idx="0"/>
+    <cs:effectRef idx="0"/>
+    <cs:fontRef idx="minor">
+      <a:schemeClr val="tx1">
+        <a:lumMod val="65000"/>
+        <a:lumOff val="35000"/>
+      </a:schemeClr>
+    </cs:fontRef>
+    <cs:defRPr sz="1000" kern="1200"/>
+  </cs:axisTitle>
+  <cs:categoryAxis>
+    <cs:lnRef idx="0"/>
+    <cs:fillRef idx="0"/>
+    <cs:effectRef idx="0"/>
+    <cs:fontRef idx="minor">
+      <a:schemeClr val="tx1">
+        <a:lumMod val="65000"/>
+        <a:lumOff val="35000"/>
+      </a:schemeClr>
+    </cs:fontRef>
+    <cs:spPr>
+      <a:ln w="9525" cap="flat" cmpd="sng" algn="ctr">
+        <a:solidFill>
+          <a:schemeClr val="tx1">
+            <a:lumMod val="15000"/>
+            <a:lumOff val="85000"/>
+          </a:schemeClr>
+        </a:solidFill>
+        <a:round/>
+      </a:ln>
+    </cs:spPr>
+    <cs:defRPr sz="900" kern="1200"/>
+  </cs:categoryAxis>
+  <cs:chartArea mods="allowNoFillOverride allowNoLineOverride">
+    <cs:lnRef idx="0"/>
+    <cs:fillRef idx="0"/>
+    <cs:effectRef idx="0"/>
+    <cs:fontRef idx="minor">
+      <a:schemeClr val="tx1"/>
+    </cs:fontRef>
+    <cs:spPr>
+      <a:solidFill>
+        <a:schemeClr val="bg1"/>
+      </a:solidFill>
+      <a:ln w="9525" cap="flat" cmpd="sng" algn="ctr">
+        <a:solidFill>
+          <a:schemeClr val="tx1">
+            <a:lumMod val="15000"/>
+            <a:lumOff val="85000"/>
+          </a:schemeClr>
+        </a:solidFill>
+        <a:round/>
+      </a:ln>
+    </cs:spPr>
+    <cs:defRPr sz="1000" kern="1200"/>
+  </cs:chartArea>
+  <cs:dataLabel>
+    <cs:lnRef idx="0"/>
+    <cs:fillRef idx="0"/>
+    <cs:effectRef idx="0"/>
+    <cs:fontRef idx="minor">
+      <a:schemeClr val="tx1">
+        <a:lumMod val="75000"/>
+        <a:lumOff val="25000"/>
+      </a:schemeClr>
+    </cs:fontRef>
+    <cs:defRPr sz="900" kern="1200"/>
+  </cs:dataLabel>
+  <cs:dataLabelCallout>
+    <cs:lnRef idx="0"/>
+    <cs:fillRef idx="0"/>
+    <cs:effectRef idx="0"/>
+    <cs:fontRef idx="minor">
+      <a:schemeClr val="dk1">
+        <a:lumMod val="65000"/>
+        <a:lumOff val="35000"/>
+      </a:schemeClr>
+    </cs:fontRef>
+    <cs:spPr>
+      <a:solidFill>
+        <a:schemeClr val="lt1"/>
+      </a:solidFill>
+      <a:ln>
+        <a:solidFill>
+          <a:schemeClr val="dk1">
+            <a:lumMod val="25000"/>
+            <a:lumOff val="75000"/>
+          </a:schemeClr>
+        </a:solidFill>
+      </a:ln>
+    </cs:spPr>
+    <cs:defRPr sz="900" kern="1200"/>
+    <cs:bodyPr rot="0" spcFirstLastPara="1" vertOverflow="clip" horzOverflow="clip" vert="horz" wrap="square" lIns="36576" tIns="18288" rIns="36576" bIns="18288" anchor="ctr" anchorCtr="1">
+      <a:spAutoFit/>
+    </cs:bodyPr>
+  </cs:dataLabelCallout>
+  <cs:dataPoint>
+    <cs:lnRef idx="0"/>
+    <cs:fillRef idx="1">
+      <cs:styleClr val="auto"/>
+    </cs:fillRef>
+    <cs:effectRef idx="0"/>
+    <cs:fontRef idx="minor">
+      <a:schemeClr val="tx1"/>
+    </cs:fontRef>
+  </cs:dataPoint>
+  <cs:dataPoint3D>
+    <cs:lnRef idx="0"/>
+    <cs:fillRef idx="1">
+      <cs:styleClr val="auto"/>
+    </cs:fillRef>
+    <cs:effectRef idx="0"/>
+    <cs:fontRef idx="minor">
+      <a:schemeClr val="tx1"/>
+    </cs:fontRef>
+  </cs:dataPoint3D>
+  <cs:dataPointLine>
+    <cs:lnRef idx="0">
+      <cs:styleClr val="auto"/>
+    </cs:lnRef>
+    <cs:fillRef idx="1"/>
+    <cs:effectRef idx="0"/>
+    <cs:fontRef idx="minor">
+      <a:schemeClr val="tx1"/>
+    </cs:fontRef>
+    <cs:spPr>
+      <a:ln w="28575" cap="rnd">
+        <a:solidFill>
+          <a:schemeClr val="phClr"/>
+        </a:solidFill>
+        <a:round/>
+      </a:ln>
+    </cs:spPr>
+  </cs:dataPointLine>
+  <cs:dataPointMarker>
+    <cs:lnRef idx="0">
+      <cs:styleClr val="auto"/>
+    </cs:lnRef>
+    <cs:fillRef idx="1">
+      <cs:styleClr val="auto"/>
+    </cs:fillRef>
+    <cs:effectRef idx="0"/>
+    <cs:fontRef idx="minor">
+      <a:schemeClr val="tx1"/>
+    </cs:fontRef>
+    <cs:spPr>
+      <a:ln w="9525">
+        <a:solidFill>
+          <a:schemeClr val="phClr"/>
+        </a:solidFill>
+      </a:ln>
+    </cs:spPr>
+  </cs:dataPointMarker>
+  <cs:dataPointMarkerLayout symbol="circle" size="5"/>
+  <cs:dataPointWireframe>
+    <cs:lnRef idx="0">
+      <cs:styleClr val="auto"/>
+    </cs:lnRef>
+    <cs:fillRef idx="1"/>
+    <cs:effectRef idx="0"/>
+    <cs:fontRef idx="minor">
+      <a:schemeClr val="tx1"/>
+    </cs:fontRef>
+    <cs:spPr>
+      <a:ln w="9525" cap="rnd">
+        <a:solidFill>
+          <a:schemeClr val="phClr"/>
+        </a:solidFill>
+        <a:round/>
+      </a:ln>
+    </cs:spPr>
+  </cs:dataPointWireframe>
+  <cs:dataTable>
+    <cs:lnRef idx="0"/>
+    <cs:fillRef idx="0"/>
+    <cs:effectRef idx="0"/>
+    <cs:fontRef idx="minor">
+      <a:schemeClr val="tx1">
+        <a:lumMod val="65000"/>
+        <a:lumOff val="35000"/>
+      </a:schemeClr>
+    </cs:fontRef>
+    <cs:spPr>
+      <a:noFill/>
+      <a:ln w="9525" cap="flat" cmpd="sng" algn="ctr">
+        <a:solidFill>
+          <a:schemeClr val="tx1">
+            <a:lumMod val="15000"/>
+            <a:lumOff val="85000"/>
+          </a:schemeClr>
+        </a:solidFill>
+        <a:round/>
+      </a:ln>
+    </cs:spPr>
+    <cs:defRPr sz="900" kern="1200"/>
+  </cs:dataTable>
+  <cs:downBar>
+    <cs:lnRef idx="0"/>
+    <cs:fillRef idx="0"/>
+    <cs:effectRef idx="0"/>
+    <cs:fontRef idx="minor">
+      <a:schemeClr val="tx1"/>
+    </cs:fontRef>
+    <cs:spPr>
+      <a:solidFill>
+        <a:schemeClr val="dk1">
+          <a:lumMod val="75000"/>
+          <a:lumOff val="25000"/>
+        </a:schemeClr>
+      </a:solidFill>
+      <a:ln w="9525" cap="flat" cmpd="sng" algn="ctr">
+        <a:solidFill>
+          <a:schemeClr val="tx1">
+            <a:lumMod val="65000"/>
+            <a:lumOff val="35000"/>
+          </a:schemeClr>
+        </a:solidFill>
+        <a:round/>
+      </a:ln>
+    </cs:spPr>
+  </cs:downBar>
+  <cs:dropLine>
+    <cs:lnRef idx="0"/>
+    <cs:fillRef idx="0"/>
+    <cs:effectRef idx="0"/>
+    <cs:fontRef idx="minor">
+      <a:schemeClr val="tx1"/>
+    </cs:fontRef>
+    <cs:spPr>
+      <a:ln w="9525" cap="flat" cmpd="sng" algn="ctr">
+        <a:solidFill>
+          <a:schemeClr val="tx1">
+            <a:lumMod val="35000"/>
+            <a:lumOff val="65000"/>
+          </a:schemeClr>
+        </a:solidFill>
+        <a:round/>
+      </a:ln>
+    </cs:spPr>
+  </cs:dropLine>
+  <cs:errorBar>
+    <cs:lnRef idx="0"/>
+    <cs:fillRef idx="0"/>
+    <cs:effectRef idx="0"/>
+    <cs:fontRef idx="minor">
+      <a:schemeClr val="tx1"/>
+    </cs:fontRef>
+    <cs:spPr>
+      <a:ln w="9525" cap="flat" cmpd="sng" algn="ctr">
+        <a:solidFill>
+          <a:schemeClr val="tx1">
+            <a:lumMod val="65000"/>
+            <a:lumOff val="35000"/>
+          </a:schemeClr>
+        </a:solidFill>
+        <a:round/>
+      </a:ln>
+    </cs:spPr>
+  </cs:errorBar>
+  <cs:floor>
+    <cs:lnRef idx="0"/>
+    <cs:fillRef idx="0"/>
+    <cs:effectRef idx="0"/>
+    <cs:fontRef idx="minor">
+      <a:schemeClr val="tx1"/>
+    </cs:fontRef>
+    <cs:spPr>
+      <a:noFill/>
+      <a:ln>
+        <a:noFill/>
+      </a:ln>
+    </cs:spPr>
+  </cs:floor>
+  <cs:gridlineMajor>
+    <cs:lnRef idx="0"/>
+    <cs:fillRef idx="0"/>
+    <cs:effectRef idx="0"/>
+    <cs:fontRef idx="minor">
+      <a:schemeClr val="tx1"/>
+    </cs:fontRef>
+    <cs:spPr>
+      <a:ln w="9525" cap="flat" cmpd="sng" algn="ctr">
+        <a:solidFill>
+          <a:schemeClr val="tx1">
+            <a:lumMod val="15000"/>
+            <a:lumOff val="85000"/>
+          </a:schemeClr>
+        </a:solidFill>
+        <a:round/>
+      </a:ln>
+    </cs:spPr>
+  </cs:gridlineMajor>
+  <cs:gridlineMinor>
+    <cs:lnRef idx="0"/>
+    <cs:fillRef idx="0"/>
+    <cs:effectRef idx="0"/>
+    <cs:fontRef idx="minor">
+      <a:schemeClr val="tx1"/>
+    </cs:fontRef>
+    <cs:spPr>
+      <a:ln w="9525" cap="flat" cmpd="sng" algn="ctr">
+        <a:solidFill>
+          <a:schemeClr val="tx1">
+            <a:lumMod val="5000"/>
+            <a:lumOff val="95000"/>
+          </a:schemeClr>
+        </a:solidFill>
+        <a:round/>
+      </a:ln>
+    </cs:spPr>
+  </cs:gridlineMinor>
+  <cs:hiLoLine>
+    <cs:lnRef idx="0"/>
+    <cs:fillRef idx="0"/>
+    <cs:effectRef idx="0"/>
+    <cs:fontRef idx="minor">
+      <a:schemeClr val="tx1"/>
+    </cs:fontRef>
+    <cs:spPr>
+      <a:ln w="9525" cap="flat" cmpd="sng" algn="ctr">
+        <a:solidFill>
+          <a:schemeClr val="tx1">
+            <a:lumMod val="50000"/>
+            <a:lumOff val="50000"/>
+          </a:schemeClr>
+        </a:solidFill>
+        <a:round/>
+      </a:ln>
+    </cs:spPr>
+  </cs:hiLoLine>
+  <cs:leaderLine>
+    <cs:lnRef idx="0"/>
+    <cs:fillRef idx="0"/>
+    <cs:effectRef idx="0"/>
+    <cs:fontRef idx="minor">
+      <a:schemeClr val="tx1"/>
+    </cs:fontRef>
+    <cs:spPr>
+      <a:ln w="9525" cap="flat" cmpd="sng" algn="ctr">
+        <a:solidFill>
+          <a:schemeClr val="tx1">
+            <a:lumMod val="35000"/>
+            <a:lumOff val="65000"/>
+          </a:schemeClr>
+        </a:solidFill>
+        <a:round/>
+      </a:ln>
+    </cs:spPr>
+  </cs:leaderLine>
+  <cs:legend>
+    <cs:lnRef idx="0"/>
+    <cs:fillRef idx="0"/>
+    <cs:effectRef idx="0"/>
+    <cs:fontRef idx="minor">
+      <a:schemeClr val="tx1">
+        <a:lumMod val="65000"/>
+        <a:lumOff val="35000"/>
+      </a:schemeClr>
+    </cs:fontRef>
+    <cs:defRPr sz="900" kern="1200"/>
+  </cs:legend>
+  <cs:plotArea mods="allowNoFillOverride allowNoLineOverride">
+    <cs:lnRef idx="0"/>
+    <cs:fillRef idx="0"/>
+    <cs:effectRef idx="0"/>
+    <cs:fontRef idx="minor">
+      <a:schemeClr val="tx1"/>
+    </cs:fontRef>
+  </cs:plotArea>
+  <cs:plotArea3D mods="allowNoFillOverride allowNoLineOverride">
+    <cs:lnRef idx="0"/>
+    <cs:fillRef idx="0"/>
+    <cs:effectRef idx="0"/>
+    <cs:fontRef idx="minor">
+      <a:schemeClr val="tx1"/>
+    </cs:fontRef>
+  </cs:plotArea3D>
+  <cs:seriesAxis>
+    <cs:lnRef idx="0"/>
+    <cs:fillRef idx="0"/>
+    <cs:effectRef idx="0"/>
+    <cs:fontRef idx="minor">
+      <a:schemeClr val="tx1">
+        <a:lumMod val="65000"/>
+        <a:lumOff val="35000"/>
+      </a:schemeClr>
+    </cs:fontRef>
+    <cs:defRPr sz="900" kern="1200"/>
+  </cs:seriesAxis>
+  <cs:seriesLine>
+    <cs:lnRef idx="0"/>
+    <cs:fillRef idx="0"/>
+    <cs:effectRef idx="0"/>
+    <cs:fontRef idx="minor">
+      <a:schemeClr val="tx1"/>
+    </cs:fontRef>
+    <cs:spPr>
+      <a:ln w="9525" cap="flat" cmpd="sng" algn="ctr">
+        <a:solidFill>
+          <a:schemeClr val="tx1">
+            <a:lumMod val="35000"/>
+            <a:lumOff val="65000"/>
+          </a:schemeClr>
+        </a:solidFill>
+        <a:round/>
+      </a:ln>
+    </cs:spPr>
+  </cs:seriesLine>
+  <cs:title>
+    <cs:lnRef idx="0"/>
+    <cs:fillRef idx="0"/>
+    <cs:effectRef idx="0"/>
+    <cs:fontRef idx="minor">
+      <a:schemeClr val="tx1">
+        <a:lumMod val="65000"/>
+        <a:lumOff val="35000"/>
+      </a:schemeClr>
+    </cs:fontRef>
+    <cs:defRPr sz="1400" b="0" kern="1200" spc="0" baseline="0"/>
+  </cs:title>
+  <cs:trendline>
+    <cs:lnRef idx="0">
+      <cs:styleClr val="auto"/>
+    </cs:lnRef>
+    <cs:fillRef idx="0"/>
+    <cs:effectRef idx="0"/>
+    <cs:fontRef idx="minor">
+      <a:schemeClr val="tx1"/>
+    </cs:fontRef>
+    <cs:spPr>
+      <a:ln w="19050" cap="rnd">
+        <a:solidFill>
+          <a:schemeClr val="phClr"/>
+        </a:solidFill>
+        <a:prstDash val="sysDot"/>
+      </a:ln>
+    </cs:spPr>
+  </cs:trendline>
+  <cs:trendlineLabel>
+    <cs:lnRef idx="0"/>
+    <cs:fillRef idx="0"/>
+    <cs:effectRef idx="0"/>
+    <cs:fontRef idx="minor">
+      <a:schemeClr val="tx1">
+        <a:lumMod val="65000"/>
+        <a:lumOff val="35000"/>
+      </a:schemeClr>
+    </cs:fontRef>
+    <cs:defRPr sz="900" kern="1200"/>
+  </cs:trendlineLabel>
+  <cs:upBar>
+    <cs:lnRef idx="0"/>
+    <cs:fillRef idx="0"/>
+    <cs:effectRef idx="0"/>
+    <cs:fontRef idx="minor">
+      <a:schemeClr val="tx1"/>
+    </cs:fontRef>
+    <cs:spPr>
+      <a:solidFill>
+        <a:schemeClr val="lt1"/>
+      </a:solidFill>
+      <a:ln w="9525" cap="flat" cmpd="sng" algn="ctr">
+        <a:solidFill>
+          <a:schemeClr val="tx1">
+            <a:lumMod val="65000"/>
+            <a:lumOff val="35000"/>
+          </a:schemeClr>
+        </a:solidFill>
+        <a:round/>
+      </a:ln>
+    </cs:spPr>
+  </cs:upBar>
+  <cs:valueAxis>
+    <cs:lnRef idx="0"/>
+    <cs:fillRef idx="0"/>
+    <cs:effectRef idx="0"/>
+    <cs:fontRef idx="minor">
+      <a:schemeClr val="tx1">
+        <a:lumMod val="65000"/>
+        <a:lumOff val="35000"/>
+      </a:schemeClr>
+    </cs:fontRef>
+    <cs:defRPr sz="900" kern="1200"/>
+  </cs:valueAxis>
+  <cs:wall>
+    <cs:lnRef idx="0"/>
+    <cs:fillRef idx="0"/>
+    <cs:effectRef idx="0"/>
+    <cs:fontRef idx="minor">
+      <a:schemeClr val="tx1"/>
+    </cs:fontRef>
+    <cs:spPr>
+      <a:noFill/>
+      <a:ln>
+        <a:noFill/>
+      </a:ln>
+    </cs:spPr>
+  </cs:wall>
+</cs:chartStyle>
+</file>
+
+<file path=ppt/charts/style6.xml><?xml version="1.0" encoding="utf-8"?>
 <cs:chartStyle xmlns:cs="http://schemas.microsoft.com/office/drawing/2012/chartStyle" xmlns:a="http://schemas.openxmlformats.org/drawingml/2006/main" id="216">
   <cs:axisTitle>
     <cs:lnRef idx="0"/>
@@ -4995,7 +7149,7 @@
           <a:p>
             <a:fld id="{76434FE5-7B68-4ABA-9120-E8154FE6DC3F}" type="datetimeFigureOut">
               <a:rPr lang="de-AT" smtClean="0"/>
-              <a:t>14.02.2025</a:t>
+              <a:t>24.02.2025</a:t>
             </a:fld>
             <a:endParaRPr lang="de-AT"/>
           </a:p>
@@ -5431,7 +7585,7 @@
           <a:p>
             <a:fld id="{246058E9-55A2-4372-9191-49F9A4870AAA}" type="datetime1">
               <a:rPr lang="de-AT" smtClean="0"/>
-              <a:t>14.02.2025</a:t>
+              <a:t>24.02.2025</a:t>
             </a:fld>
             <a:endParaRPr lang="de-AT"/>
           </a:p>
@@ -5667,7 +7821,7 @@
           <a:p>
             <a:fld id="{143B0B5A-4FCE-4D89-AA62-7BF252F71E89}" type="datetime1">
               <a:rPr lang="de-AT" smtClean="0"/>
-              <a:t>14.02.2025</a:t>
+              <a:t>24.02.2025</a:t>
             </a:fld>
             <a:endParaRPr lang="de-AT"/>
           </a:p>
@@ -5851,7 +8005,7 @@
           <a:p>
             <a:fld id="{73E23147-2EDF-4F5F-8C95-FE456210809D}" type="datetime1">
               <a:rPr lang="de-AT" smtClean="0"/>
-              <a:t>14.02.2025</a:t>
+              <a:t>24.02.2025</a:t>
             </a:fld>
             <a:endParaRPr lang="de-AT"/>
           </a:p>
@@ -6025,7 +8179,7 @@
           <a:p>
             <a:fld id="{689FCED0-334A-4C9A-9230-D481B01ADEAD}" type="datetime1">
               <a:rPr lang="de-AT" smtClean="0"/>
-              <a:t>14.02.2025</a:t>
+              <a:t>24.02.2025</a:t>
             </a:fld>
             <a:endParaRPr lang="de-AT" dirty="0"/>
           </a:p>
@@ -6283,7 +8437,7 @@
           <a:p>
             <a:fld id="{B6D0B57B-F9DC-45CA-811E-177ABA524BFE}" type="datetime1">
               <a:rPr lang="de-AT" smtClean="0"/>
-              <a:t>14.02.2025</a:t>
+              <a:t>24.02.2025</a:t>
             </a:fld>
             <a:endParaRPr lang="de-AT"/>
           </a:p>
@@ -6613,7 +8767,7 @@
           <a:p>
             <a:fld id="{B21427AD-1DF3-4BA4-9BED-4548075ED95D}" type="datetime1">
               <a:rPr lang="de-AT" smtClean="0"/>
-              <a:t>14.02.2025</a:t>
+              <a:t>24.02.2025</a:t>
             </a:fld>
             <a:endParaRPr lang="de-AT"/>
           </a:p>
@@ -7068,7 +9222,7 @@
           <a:p>
             <a:fld id="{A63B4EB0-A88A-4452-B6A6-330855AB3A89}" type="datetime1">
               <a:rPr lang="de-AT" smtClean="0"/>
-              <a:t>14.02.2025</a:t>
+              <a:t>24.02.2025</a:t>
             </a:fld>
             <a:endParaRPr lang="de-AT"/>
           </a:p>
@@ -7190,7 +9344,7 @@
           <a:p>
             <a:fld id="{EB26C837-E799-4614-84E9-45715316A295}" type="datetime1">
               <a:rPr lang="de-AT" smtClean="0"/>
-              <a:t>14.02.2025</a:t>
+              <a:t>24.02.2025</a:t>
             </a:fld>
             <a:endParaRPr lang="de-AT"/>
           </a:p>
@@ -7289,7 +9443,7 @@
           <a:p>
             <a:fld id="{9EEE9879-AADB-4E18-9D95-470FF4626C68}" type="datetime1">
               <a:rPr lang="de-AT" smtClean="0"/>
-              <a:t>14.02.2025</a:t>
+              <a:t>24.02.2025</a:t>
             </a:fld>
             <a:endParaRPr lang="de-AT"/>
           </a:p>
@@ -7580,7 +9734,7 @@
           <a:p>
             <a:fld id="{FC65365C-52D5-475A-9AB0-4158C41B7A41}" type="datetime1">
               <a:rPr lang="de-AT" smtClean="0"/>
-              <a:t>14.02.2025</a:t>
+              <a:t>24.02.2025</a:t>
             </a:fld>
             <a:endParaRPr lang="de-AT"/>
           </a:p>
@@ -7906,7 +10060,7 @@
           <a:p>
             <a:fld id="{814CA2A9-C25F-4097-9711-0218A29E078F}" type="datetime1">
               <a:rPr lang="de-AT" smtClean="0"/>
-              <a:t>14.02.2025</a:t>
+              <a:t>24.02.2025</a:t>
             </a:fld>
             <a:endParaRPr lang="de-AT"/>
           </a:p>
@@ -8164,7 +10318,7 @@
           <a:p>
             <a:fld id="{9C96DB8E-0008-40D4-BEBB-7F8E3F84F940}" type="datetime1">
               <a:rPr lang="de-AT" smtClean="0"/>
-              <a:t>14.02.2025</a:t>
+              <a:t>24.02.2025</a:t>
             </a:fld>
             <a:endParaRPr lang="de-AT" dirty="0"/>
           </a:p>
@@ -8818,6 +10972,304 @@
           <p:cNvPr id="2" name="Titel 1">
             <a:extLst>
               <a:ext uri="{FF2B5EF4-FFF2-40B4-BE49-F238E27FC236}">
+                <a16:creationId xmlns:a16="http://schemas.microsoft.com/office/drawing/2014/main" id="{72D063B7-920E-99CF-ED69-5C505F27D448}"/>
+              </a:ext>
+            </a:extLst>
+          </p:cNvPr>
+          <p:cNvSpPr>
+            <a:spLocks noGrp="1"/>
+          </p:cNvSpPr>
+          <p:nvPr>
+            <p:ph type="ctrTitle"/>
+          </p:nvPr>
+        </p:nvSpPr>
+        <p:spPr/>
+        <p:txBody>
+          <a:bodyPr/>
+          <a:lstStyle/>
+          <a:p>
+            <a:r>
+              <a:rPr lang="de-DE" dirty="0"/>
+              <a:t>Hochrechnung</a:t>
+            </a:r>
+            <a:endParaRPr lang="de-AT" dirty="0"/>
+          </a:p>
+        </p:txBody>
+      </p:sp>
+      <p:sp>
+        <p:nvSpPr>
+          <p:cNvPr id="3" name="Untertitel 2">
+            <a:extLst>
+              <a:ext uri="{FF2B5EF4-FFF2-40B4-BE49-F238E27FC236}">
+                <a16:creationId xmlns:a16="http://schemas.microsoft.com/office/drawing/2014/main" id="{CE01CBFB-C7A0-A578-95B9-6D9198EFAA2B}"/>
+              </a:ext>
+            </a:extLst>
+          </p:cNvPr>
+          <p:cNvSpPr>
+            <a:spLocks noGrp="1"/>
+          </p:cNvSpPr>
+          <p:nvPr>
+            <p:ph type="subTitle" idx="1"/>
+          </p:nvPr>
+        </p:nvSpPr>
+        <p:spPr/>
+        <p:txBody>
+          <a:bodyPr/>
+          <a:lstStyle/>
+          <a:p>
+            <a:r>
+              <a:rPr lang="de-DE" dirty="0"/>
+              <a:t>Praktische Umsetzung in Excel</a:t>
+            </a:r>
+            <a:endParaRPr lang="de-AT" dirty="0"/>
+          </a:p>
+        </p:txBody>
+      </p:sp>
+      <p:sp>
+        <p:nvSpPr>
+          <p:cNvPr id="4" name="Fußzeilenplatzhalter 3">
+            <a:extLst>
+              <a:ext uri="{FF2B5EF4-FFF2-40B4-BE49-F238E27FC236}">
+                <a16:creationId xmlns:a16="http://schemas.microsoft.com/office/drawing/2014/main" id="{92CCE94F-C9F6-1E34-A87A-F056DD5D746A}"/>
+              </a:ext>
+            </a:extLst>
+          </p:cNvPr>
+          <p:cNvSpPr>
+            <a:spLocks noGrp="1"/>
+          </p:cNvSpPr>
+          <p:nvPr>
+            <p:ph type="ftr" sz="quarter" idx="11"/>
+          </p:nvPr>
+        </p:nvSpPr>
+        <p:spPr/>
+        <p:txBody>
+          <a:bodyPr/>
+          <a:lstStyle/>
+          <a:p>
+            <a:r>
+              <a:rPr lang="de-AT"/>
+              <a:t>WIPOL Hirschwang</a:t>
+            </a:r>
+            <a:endParaRPr lang="de-AT" dirty="0"/>
+          </a:p>
+        </p:txBody>
+      </p:sp>
+      <p:sp>
+        <p:nvSpPr>
+          <p:cNvPr id="5" name="Foliennummernplatzhalter 4">
+            <a:extLst>
+              <a:ext uri="{FF2B5EF4-FFF2-40B4-BE49-F238E27FC236}">
+                <a16:creationId xmlns:a16="http://schemas.microsoft.com/office/drawing/2014/main" id="{AEC9DD78-CC11-233B-12E1-03CA8E258FC2}"/>
+              </a:ext>
+            </a:extLst>
+          </p:cNvPr>
+          <p:cNvSpPr>
+            <a:spLocks noGrp="1"/>
+          </p:cNvSpPr>
+          <p:nvPr>
+            <p:ph type="sldNum" sz="quarter" idx="12"/>
+          </p:nvPr>
+        </p:nvSpPr>
+        <p:spPr/>
+        <p:txBody>
+          <a:bodyPr>
+            <a:normAutofit lnSpcReduction="10000"/>
+          </a:bodyPr>
+          <a:lstStyle/>
+          <a:p>
+            <a:fld id="{58087E24-FB43-451A-9D0B-7B980EC5ED81}" type="slidenum">
+              <a:rPr lang="de-AT" smtClean="0"/>
+              <a:t>10</a:t>
+            </a:fld>
+            <a:endParaRPr lang="de-AT"/>
+          </a:p>
+        </p:txBody>
+      </p:sp>
+    </p:spTree>
+    <p:extLst>
+      <p:ext uri="{BB962C8B-B14F-4D97-AF65-F5344CB8AC3E}">
+        <p14:creationId xmlns:p14="http://schemas.microsoft.com/office/powerpoint/2010/main" val="3274048661"/>
+      </p:ext>
+    </p:extLst>
+  </p:cSld>
+  <p:clrMapOvr>
+    <a:masterClrMapping/>
+  </p:clrMapOvr>
+</p:sld>
+</file>
+
+<file path=ppt/slides/slide11.xml><?xml version="1.0" encoding="utf-8"?>
+<p:sld xmlns:a="http://schemas.openxmlformats.org/drawingml/2006/main" xmlns:r="http://schemas.openxmlformats.org/officeDocument/2006/relationships" xmlns:p="http://schemas.openxmlformats.org/presentationml/2006/main">
+  <p:cSld>
+    <p:spTree>
+      <p:nvGrpSpPr>
+        <p:cNvPr id="1" name=""/>
+        <p:cNvGrpSpPr/>
+        <p:nvPr/>
+      </p:nvGrpSpPr>
+      <p:grpSpPr>
+        <a:xfrm>
+          <a:off x="0" y="0"/>
+          <a:ext cx="0" cy="0"/>
+          <a:chOff x="0" y="0"/>
+          <a:chExt cx="0" cy="0"/>
+        </a:xfrm>
+      </p:grpSpPr>
+      <p:sp>
+        <p:nvSpPr>
+          <p:cNvPr id="2" name="Titel 1">
+            <a:extLst>
+              <a:ext uri="{FF2B5EF4-FFF2-40B4-BE49-F238E27FC236}">
+                <a16:creationId xmlns:a16="http://schemas.microsoft.com/office/drawing/2014/main" id="{BB36368B-FAB8-C20B-35F4-757B95A5D4EF}"/>
+              </a:ext>
+            </a:extLst>
+          </p:cNvPr>
+          <p:cNvSpPr>
+            <a:spLocks noGrp="1"/>
+          </p:cNvSpPr>
+          <p:nvPr>
+            <p:ph type="title"/>
+          </p:nvPr>
+        </p:nvSpPr>
+        <p:spPr/>
+        <p:txBody>
+          <a:bodyPr/>
+          <a:lstStyle/>
+          <a:p>
+            <a:r>
+              <a:rPr lang="de-DE" dirty="0"/>
+              <a:t>Ziel: Urnenwahlergebnis NRW 2024</a:t>
+            </a:r>
+            <a:endParaRPr lang="de-AT" dirty="0"/>
+          </a:p>
+        </p:txBody>
+      </p:sp>
+      <p:graphicFrame>
+        <p:nvGraphicFramePr>
+          <p:cNvPr id="5" name="Inhaltsplatzhalter 4">
+            <a:extLst>
+              <a:ext uri="{FF2B5EF4-FFF2-40B4-BE49-F238E27FC236}">
+                <a16:creationId xmlns:a16="http://schemas.microsoft.com/office/drawing/2014/main" id="{0B7A5EA3-4E87-D48C-6EF1-E98D90806FEE}"/>
+              </a:ext>
+            </a:extLst>
+          </p:cNvPr>
+          <p:cNvGraphicFramePr>
+            <a:graphicFrameLocks noGrp="1"/>
+          </p:cNvGraphicFramePr>
+          <p:nvPr>
+            <p:ph idx="1"/>
+            <p:extLst>
+              <p:ext uri="{D42A27DB-BD31-4B8C-83A1-F6EECF244321}">
+                <p14:modId xmlns:p14="http://schemas.microsoft.com/office/powerpoint/2010/main" val="3978930660"/>
+              </p:ext>
+            </p:extLst>
+          </p:nvPr>
+        </p:nvGraphicFramePr>
+        <p:xfrm>
+          <a:off x="1262063" y="1828800"/>
+          <a:ext cx="8594725" cy="4351338"/>
+        </p:xfrm>
+        <a:graphic>
+          <a:graphicData uri="http://schemas.openxmlformats.org/drawingml/2006/chart">
+            <c:chart xmlns:c="http://schemas.openxmlformats.org/drawingml/2006/chart" xmlns:r="http://schemas.openxmlformats.org/officeDocument/2006/relationships" r:id="rId2"/>
+          </a:graphicData>
+        </a:graphic>
+      </p:graphicFrame>
+      <p:sp>
+        <p:nvSpPr>
+          <p:cNvPr id="3" name="Fußzeilenplatzhalter 2">
+            <a:extLst>
+              <a:ext uri="{FF2B5EF4-FFF2-40B4-BE49-F238E27FC236}">
+                <a16:creationId xmlns:a16="http://schemas.microsoft.com/office/drawing/2014/main" id="{D701CED9-144B-1159-11A3-A2AB534A4C9D}"/>
+              </a:ext>
+            </a:extLst>
+          </p:cNvPr>
+          <p:cNvSpPr>
+            <a:spLocks noGrp="1"/>
+          </p:cNvSpPr>
+          <p:nvPr>
+            <p:ph type="ftr" sz="quarter" idx="11"/>
+          </p:nvPr>
+        </p:nvSpPr>
+        <p:spPr/>
+        <p:txBody>
+          <a:bodyPr/>
+          <a:lstStyle/>
+          <a:p>
+            <a:r>
+              <a:rPr lang="de-DE"/>
+              <a:t>WIPOL Hirschwang</a:t>
+            </a:r>
+            <a:endParaRPr lang="de-AT" dirty="0"/>
+          </a:p>
+        </p:txBody>
+      </p:sp>
+      <p:sp>
+        <p:nvSpPr>
+          <p:cNvPr id="4" name="Foliennummernplatzhalter 3">
+            <a:extLst>
+              <a:ext uri="{FF2B5EF4-FFF2-40B4-BE49-F238E27FC236}">
+                <a16:creationId xmlns:a16="http://schemas.microsoft.com/office/drawing/2014/main" id="{2148BD3E-D14A-C146-52F3-D15D55DE1AF4}"/>
+              </a:ext>
+            </a:extLst>
+          </p:cNvPr>
+          <p:cNvSpPr>
+            <a:spLocks noGrp="1"/>
+          </p:cNvSpPr>
+          <p:nvPr>
+            <p:ph type="sldNum" sz="quarter" idx="12"/>
+          </p:nvPr>
+        </p:nvSpPr>
+        <p:spPr/>
+        <p:txBody>
+          <a:bodyPr>
+            <a:normAutofit lnSpcReduction="10000"/>
+          </a:bodyPr>
+          <a:lstStyle/>
+          <a:p>
+            <a:fld id="{58087E24-FB43-451A-9D0B-7B980EC5ED81}" type="slidenum">
+              <a:rPr lang="de-AT" smtClean="0"/>
+              <a:t>11</a:t>
+            </a:fld>
+            <a:endParaRPr lang="de-AT"/>
+          </a:p>
+        </p:txBody>
+      </p:sp>
+    </p:spTree>
+    <p:extLst>
+      <p:ext uri="{BB962C8B-B14F-4D97-AF65-F5344CB8AC3E}">
+        <p14:creationId xmlns:p14="http://schemas.microsoft.com/office/powerpoint/2010/main" val="4171298435"/>
+      </p:ext>
+    </p:extLst>
+  </p:cSld>
+  <p:clrMapOvr>
+    <a:masterClrMapping/>
+  </p:clrMapOvr>
+</p:sld>
+</file>
+
+<file path=ppt/slides/slide12.xml><?xml version="1.0" encoding="utf-8"?>
+<p:sld xmlns:a="http://schemas.openxmlformats.org/drawingml/2006/main" xmlns:r="http://schemas.openxmlformats.org/officeDocument/2006/relationships" xmlns:p="http://schemas.openxmlformats.org/presentationml/2006/main">
+  <p:cSld>
+    <p:spTree>
+      <p:nvGrpSpPr>
+        <p:cNvPr id="1" name=""/>
+        <p:cNvGrpSpPr/>
+        <p:nvPr/>
+      </p:nvGrpSpPr>
+      <p:grpSpPr>
+        <a:xfrm>
+          <a:off x="0" y="0"/>
+          <a:ext cx="0" cy="0"/>
+          <a:chOff x="0" y="0"/>
+          <a:chExt cx="0" cy="0"/>
+        </a:xfrm>
+      </p:grpSpPr>
+      <p:sp>
+        <p:nvSpPr>
+          <p:cNvPr id="2" name="Titel 1">
+            <a:extLst>
+              <a:ext uri="{FF2B5EF4-FFF2-40B4-BE49-F238E27FC236}">
                 <a16:creationId xmlns:a16="http://schemas.microsoft.com/office/drawing/2014/main" id="{AB4F34F2-FD1A-FC57-D53E-8A5C1321C35A}"/>
               </a:ext>
             </a:extLst>
@@ -8930,7 +11382,7 @@
           <a:p>
             <a:fld id="{58087E24-FB43-451A-9D0B-7B980EC5ED81}" type="slidenum">
               <a:rPr lang="de-AT" smtClean="0"/>
-              <a:t>10</a:t>
+              <a:t>12</a:t>
             </a:fld>
             <a:endParaRPr lang="de-AT"/>
           </a:p>
@@ -8949,7 +11401,7 @@
 </p:sld>
 </file>
 
-<file path=ppt/slides/slide11.xml><?xml version="1.0" encoding="utf-8"?>
+<file path=ppt/slides/slide13.xml><?xml version="1.0" encoding="utf-8"?>
 <p:sld xmlns:a="http://schemas.openxmlformats.org/drawingml/2006/main" xmlns:r="http://schemas.openxmlformats.org/officeDocument/2006/relationships" xmlns:p="http://schemas.openxmlformats.org/presentationml/2006/main">
   <p:cSld>
     <p:spTree>
@@ -9110,7 +11562,7 @@
           <a:p>
             <a:fld id="{58087E24-FB43-451A-9D0B-7B980EC5ED81}" type="slidenum">
               <a:rPr lang="de-AT" smtClean="0"/>
-              <a:t>11</a:t>
+              <a:t>13</a:t>
             </a:fld>
             <a:endParaRPr lang="de-AT"/>
           </a:p>
@@ -9129,7 +11581,7 @@
 </p:sld>
 </file>
 
-<file path=ppt/slides/slide12.xml><?xml version="1.0" encoding="utf-8"?>
+<file path=ppt/slides/slide14.xml><?xml version="1.0" encoding="utf-8"?>
 <p:sld xmlns:a="http://schemas.openxmlformats.org/drawingml/2006/main" xmlns:r="http://schemas.openxmlformats.org/officeDocument/2006/relationships" xmlns:p="http://schemas.openxmlformats.org/presentationml/2006/main">
   <p:cSld>
     <p:spTree>
@@ -9441,7 +11893,7 @@
           <a:p>
             <a:fld id="{58087E24-FB43-451A-9D0B-7B980EC5ED81}" type="slidenum">
               <a:rPr lang="de-AT" smtClean="0"/>
-              <a:t>12</a:t>
+              <a:t>14</a:t>
             </a:fld>
             <a:endParaRPr lang="de-AT"/>
           </a:p>
@@ -9460,7 +11912,684 @@
 </p:sld>
 </file>
 
-<file path=ppt/slides/slide13.xml><?xml version="1.0" encoding="utf-8"?>
+<file path=ppt/slides/slide15.xml><?xml version="1.0" encoding="utf-8"?>
+<p:sld xmlns:a="http://schemas.openxmlformats.org/drawingml/2006/main" xmlns:r="http://schemas.openxmlformats.org/officeDocument/2006/relationships" xmlns:p="http://schemas.openxmlformats.org/presentationml/2006/main">
+  <p:cSld>
+    <p:spTree>
+      <p:nvGrpSpPr>
+        <p:cNvPr id="1" name=""/>
+        <p:cNvGrpSpPr/>
+        <p:nvPr/>
+      </p:nvGrpSpPr>
+      <p:grpSpPr>
+        <a:xfrm>
+          <a:off x="0" y="0"/>
+          <a:ext cx="0" cy="0"/>
+          <a:chOff x="0" y="0"/>
+          <a:chExt cx="0" cy="0"/>
+        </a:xfrm>
+      </p:grpSpPr>
+      <p:sp>
+        <p:nvSpPr>
+          <p:cNvPr id="2" name="Titel 1">
+            <a:extLst>
+              <a:ext uri="{FF2B5EF4-FFF2-40B4-BE49-F238E27FC236}">
+                <a16:creationId xmlns:a16="http://schemas.microsoft.com/office/drawing/2014/main" id="{A3E8BA1B-8652-0548-C0A7-CCD7AC016A7A}"/>
+              </a:ext>
+            </a:extLst>
+          </p:cNvPr>
+          <p:cNvSpPr>
+            <a:spLocks noGrp="1"/>
+          </p:cNvSpPr>
+          <p:nvPr>
+            <p:ph type="ctrTitle"/>
+          </p:nvPr>
+        </p:nvSpPr>
+        <p:spPr/>
+        <p:txBody>
+          <a:bodyPr/>
+          <a:lstStyle/>
+          <a:p>
+            <a:r>
+              <a:rPr lang="de-DE" dirty="0"/>
+              <a:t>Mandatsberechnung</a:t>
+            </a:r>
+            <a:endParaRPr lang="de-AT" dirty="0"/>
+          </a:p>
+        </p:txBody>
+      </p:sp>
+      <p:sp>
+        <p:nvSpPr>
+          <p:cNvPr id="3" name="Untertitel 2">
+            <a:extLst>
+              <a:ext uri="{FF2B5EF4-FFF2-40B4-BE49-F238E27FC236}">
+                <a16:creationId xmlns:a16="http://schemas.microsoft.com/office/drawing/2014/main" id="{648FEADF-A45C-79BD-FCDC-E19A97513D78}"/>
+              </a:ext>
+            </a:extLst>
+          </p:cNvPr>
+          <p:cNvSpPr>
+            <a:spLocks noGrp="1"/>
+          </p:cNvSpPr>
+          <p:nvPr>
+            <p:ph type="subTitle" idx="1"/>
+          </p:nvPr>
+        </p:nvSpPr>
+        <p:spPr/>
+        <p:txBody>
+          <a:bodyPr/>
+          <a:lstStyle/>
+          <a:p>
+            <a:endParaRPr lang="de-AT" dirty="0"/>
+          </a:p>
+        </p:txBody>
+      </p:sp>
+      <p:sp>
+        <p:nvSpPr>
+          <p:cNvPr id="4" name="Fußzeilenplatzhalter 3">
+            <a:extLst>
+              <a:ext uri="{FF2B5EF4-FFF2-40B4-BE49-F238E27FC236}">
+                <a16:creationId xmlns:a16="http://schemas.microsoft.com/office/drawing/2014/main" id="{E6362EF7-9F2B-E0F9-5E19-4F63E18C0240}"/>
+              </a:ext>
+            </a:extLst>
+          </p:cNvPr>
+          <p:cNvSpPr>
+            <a:spLocks noGrp="1"/>
+          </p:cNvSpPr>
+          <p:nvPr>
+            <p:ph type="ftr" sz="quarter" idx="11"/>
+          </p:nvPr>
+        </p:nvSpPr>
+        <p:spPr/>
+        <p:txBody>
+          <a:bodyPr/>
+          <a:lstStyle/>
+          <a:p>
+            <a:r>
+              <a:rPr lang="de-AT"/>
+              <a:t>WIPOL Hirschwang</a:t>
+            </a:r>
+            <a:endParaRPr lang="de-AT" dirty="0"/>
+          </a:p>
+        </p:txBody>
+      </p:sp>
+      <p:sp>
+        <p:nvSpPr>
+          <p:cNvPr id="5" name="Foliennummernplatzhalter 4">
+            <a:extLst>
+              <a:ext uri="{FF2B5EF4-FFF2-40B4-BE49-F238E27FC236}">
+                <a16:creationId xmlns:a16="http://schemas.microsoft.com/office/drawing/2014/main" id="{65157EF8-D8B5-0E47-280E-831F0FDA7EF6}"/>
+              </a:ext>
+            </a:extLst>
+          </p:cNvPr>
+          <p:cNvSpPr>
+            <a:spLocks noGrp="1"/>
+          </p:cNvSpPr>
+          <p:nvPr>
+            <p:ph type="sldNum" sz="quarter" idx="12"/>
+          </p:nvPr>
+        </p:nvSpPr>
+        <p:spPr/>
+        <p:txBody>
+          <a:bodyPr>
+            <a:normAutofit lnSpcReduction="10000"/>
+          </a:bodyPr>
+          <a:lstStyle/>
+          <a:p>
+            <a:fld id="{58087E24-FB43-451A-9D0B-7B980EC5ED81}" type="slidenum">
+              <a:rPr lang="de-AT" smtClean="0"/>
+              <a:t>15</a:t>
+            </a:fld>
+            <a:endParaRPr lang="de-AT"/>
+          </a:p>
+        </p:txBody>
+      </p:sp>
+    </p:spTree>
+    <p:extLst>
+      <p:ext uri="{BB962C8B-B14F-4D97-AF65-F5344CB8AC3E}">
+        <p14:creationId xmlns:p14="http://schemas.microsoft.com/office/powerpoint/2010/main" val="223810055"/>
+      </p:ext>
+    </p:extLst>
+  </p:cSld>
+  <p:clrMapOvr>
+    <a:masterClrMapping/>
+  </p:clrMapOvr>
+</p:sld>
+</file>
+
+<file path=ppt/slides/slide16.xml><?xml version="1.0" encoding="utf-8"?>
+<p:sld xmlns:a="http://schemas.openxmlformats.org/drawingml/2006/main" xmlns:r="http://schemas.openxmlformats.org/officeDocument/2006/relationships" xmlns:p="http://schemas.openxmlformats.org/presentationml/2006/main">
+  <p:cSld>
+    <p:spTree>
+      <p:nvGrpSpPr>
+        <p:cNvPr id="1" name=""/>
+        <p:cNvGrpSpPr/>
+        <p:nvPr/>
+      </p:nvGrpSpPr>
+      <p:grpSpPr>
+        <a:xfrm>
+          <a:off x="0" y="0"/>
+          <a:ext cx="0" cy="0"/>
+          <a:chOff x="0" y="0"/>
+          <a:chExt cx="0" cy="0"/>
+        </a:xfrm>
+      </p:grpSpPr>
+      <p:sp>
+        <p:nvSpPr>
+          <p:cNvPr id="2" name="Titel 1">
+            <a:extLst>
+              <a:ext uri="{FF2B5EF4-FFF2-40B4-BE49-F238E27FC236}">
+                <a16:creationId xmlns:a16="http://schemas.microsoft.com/office/drawing/2014/main" id="{3E498521-CF89-7D9E-50EF-32AB61CF40CE}"/>
+              </a:ext>
+            </a:extLst>
+          </p:cNvPr>
+          <p:cNvSpPr>
+            <a:spLocks noGrp="1"/>
+          </p:cNvSpPr>
+          <p:nvPr>
+            <p:ph type="title"/>
+          </p:nvPr>
+        </p:nvSpPr>
+        <p:spPr/>
+        <p:txBody>
+          <a:bodyPr/>
+          <a:lstStyle/>
+          <a:p>
+            <a:r>
+              <a:rPr lang="de-DE" dirty="0" err="1"/>
+              <a:t>D‘Hondt</a:t>
+            </a:r>
+            <a:endParaRPr lang="de-AT" dirty="0"/>
+          </a:p>
+        </p:txBody>
+      </p:sp>
+      <p:sp>
+        <p:nvSpPr>
+          <p:cNvPr id="3" name="Inhaltsplatzhalter 2">
+            <a:extLst>
+              <a:ext uri="{FF2B5EF4-FFF2-40B4-BE49-F238E27FC236}">
+                <a16:creationId xmlns:a16="http://schemas.microsoft.com/office/drawing/2014/main" id="{DFAD8BC4-F9BC-8A3E-D854-36277956ECDA}"/>
+              </a:ext>
+            </a:extLst>
+          </p:cNvPr>
+          <p:cNvSpPr>
+            <a:spLocks noGrp="1"/>
+          </p:cNvSpPr>
+          <p:nvPr>
+            <p:ph idx="1"/>
+          </p:nvPr>
+        </p:nvSpPr>
+        <p:spPr>
+          <a:xfrm>
+            <a:off x="1261872" y="1828800"/>
+            <a:ext cx="4834128" cy="4351337"/>
+          </a:xfrm>
+        </p:spPr>
+        <p:txBody>
+          <a:bodyPr/>
+          <a:lstStyle/>
+          <a:p>
+            <a:r>
+              <a:rPr lang="de-DE" dirty="0"/>
+              <a:t>Wie rechnet man Stimmen in Mandate um? Ohne dass ein Rest bleibt?</a:t>
+            </a:r>
+          </a:p>
+          <a:p>
+            <a:r>
+              <a:rPr lang="de-DE" dirty="0" err="1"/>
+              <a:t>D‘Hondsches</a:t>
+            </a:r>
+            <a:r>
+              <a:rPr lang="de-DE" dirty="0"/>
+              <a:t> Verfahren: Mandate proportional auf Ergebnis aufteilen</a:t>
+            </a:r>
+          </a:p>
+          <a:p>
+            <a:r>
+              <a:rPr lang="de-DE" dirty="0"/>
+              <a:t>Wird angewandt bei: NRW, ÖH-Wahlen, Betriebsratswahlen</a:t>
+            </a:r>
+          </a:p>
+        </p:txBody>
+      </p:sp>
+      <p:sp>
+        <p:nvSpPr>
+          <p:cNvPr id="4" name="Fußzeilenplatzhalter 3">
+            <a:extLst>
+              <a:ext uri="{FF2B5EF4-FFF2-40B4-BE49-F238E27FC236}">
+                <a16:creationId xmlns:a16="http://schemas.microsoft.com/office/drawing/2014/main" id="{CB22B436-BB75-DF6C-8B61-24F5557CC43C}"/>
+              </a:ext>
+            </a:extLst>
+          </p:cNvPr>
+          <p:cNvSpPr>
+            <a:spLocks noGrp="1"/>
+          </p:cNvSpPr>
+          <p:nvPr>
+            <p:ph type="ftr" sz="quarter" idx="11"/>
+          </p:nvPr>
+        </p:nvSpPr>
+        <p:spPr/>
+        <p:txBody>
+          <a:bodyPr/>
+          <a:lstStyle/>
+          <a:p>
+            <a:r>
+              <a:rPr lang="de-DE"/>
+              <a:t>WIPOL Hirschwang</a:t>
+            </a:r>
+            <a:endParaRPr lang="de-AT" dirty="0"/>
+          </a:p>
+        </p:txBody>
+      </p:sp>
+      <p:sp>
+        <p:nvSpPr>
+          <p:cNvPr id="5" name="Foliennummernplatzhalter 4">
+            <a:extLst>
+              <a:ext uri="{FF2B5EF4-FFF2-40B4-BE49-F238E27FC236}">
+                <a16:creationId xmlns:a16="http://schemas.microsoft.com/office/drawing/2014/main" id="{D3F8E613-E53C-1026-C488-93A621FEF011}"/>
+              </a:ext>
+            </a:extLst>
+          </p:cNvPr>
+          <p:cNvSpPr>
+            <a:spLocks noGrp="1"/>
+          </p:cNvSpPr>
+          <p:nvPr>
+            <p:ph type="sldNum" sz="quarter" idx="12"/>
+          </p:nvPr>
+        </p:nvSpPr>
+        <p:spPr/>
+        <p:txBody>
+          <a:bodyPr>
+            <a:normAutofit lnSpcReduction="10000"/>
+          </a:bodyPr>
+          <a:lstStyle/>
+          <a:p>
+            <a:fld id="{58087E24-FB43-451A-9D0B-7B980EC5ED81}" type="slidenum">
+              <a:rPr lang="de-AT" smtClean="0"/>
+              <a:t>16</a:t>
+            </a:fld>
+            <a:endParaRPr lang="de-AT"/>
+          </a:p>
+        </p:txBody>
+      </p:sp>
+      <p:graphicFrame>
+        <p:nvGraphicFramePr>
+          <p:cNvPr id="6" name="Diagramm 5">
+            <a:extLst>
+              <a:ext uri="{FF2B5EF4-FFF2-40B4-BE49-F238E27FC236}">
+                <a16:creationId xmlns:a16="http://schemas.microsoft.com/office/drawing/2014/main" id="{E5D80863-1A26-9576-016D-2943A306BD9D}"/>
+              </a:ext>
+            </a:extLst>
+          </p:cNvPr>
+          <p:cNvGraphicFramePr>
+            <a:graphicFrameLocks/>
+          </p:cNvGraphicFramePr>
+          <p:nvPr>
+            <p:extLst>
+              <p:ext uri="{D42A27DB-BD31-4B8C-83A1-F6EECF244321}">
+                <p14:modId xmlns:p14="http://schemas.microsoft.com/office/powerpoint/2010/main" val="4276163078"/>
+              </p:ext>
+            </p:extLst>
+          </p:nvPr>
+        </p:nvGraphicFramePr>
+        <p:xfrm>
+          <a:off x="6096000" y="1828800"/>
+          <a:ext cx="4858512" cy="4488815"/>
+        </p:xfrm>
+        <a:graphic>
+          <a:graphicData uri="http://schemas.openxmlformats.org/drawingml/2006/chart">
+            <c:chart xmlns:c="http://schemas.openxmlformats.org/drawingml/2006/chart" xmlns:r="http://schemas.openxmlformats.org/officeDocument/2006/relationships" r:id="rId2"/>
+          </a:graphicData>
+        </a:graphic>
+      </p:graphicFrame>
+    </p:spTree>
+    <p:extLst>
+      <p:ext uri="{BB962C8B-B14F-4D97-AF65-F5344CB8AC3E}">
+        <p14:creationId xmlns:p14="http://schemas.microsoft.com/office/powerpoint/2010/main" val="990182696"/>
+      </p:ext>
+    </p:extLst>
+  </p:cSld>
+  <p:clrMapOvr>
+    <a:masterClrMapping/>
+  </p:clrMapOvr>
+  <p:timing>
+    <p:tnLst>
+      <p:par>
+        <p:cTn id="1" dur="indefinite" restart="never" nodeType="tmRoot">
+          <p:childTnLst>
+            <p:seq concurrent="1" nextAc="seek">
+              <p:cTn id="2" dur="indefinite" nodeType="mainSeq">
+                <p:childTnLst>
+                  <p:par>
+                    <p:cTn id="3" fill="hold">
+                      <p:stCondLst>
+                        <p:cond delay="indefinite"/>
+                      </p:stCondLst>
+                      <p:childTnLst>
+                        <p:par>
+                          <p:cTn id="4" fill="hold">
+                            <p:stCondLst>
+                              <p:cond delay="0"/>
+                            </p:stCondLst>
+                            <p:childTnLst>
+                              <p:par>
+                                <p:cTn id="5" presetID="1" presetClass="entr" presetSubtype="0" fill="hold" grpId="0" nodeType="clickEffect">
+                                  <p:stCondLst>
+                                    <p:cond delay="0"/>
+                                  </p:stCondLst>
+                                  <p:childTnLst>
+                                    <p:set>
+                                      <p:cBhvr>
+                                        <p:cTn id="6" dur="1" fill="hold">
+                                          <p:stCondLst>
+                                            <p:cond delay="0"/>
+                                          </p:stCondLst>
+                                        </p:cTn>
+                                        <p:tgtEl>
+                                          <p:spTgt spid="6"/>
+                                        </p:tgtEl>
+                                        <p:attrNameLst>
+                                          <p:attrName>style.visibility</p:attrName>
+                                        </p:attrNameLst>
+                                      </p:cBhvr>
+                                      <p:to>
+                                        <p:strVal val="visible"/>
+                                      </p:to>
+                                    </p:set>
+                                  </p:childTnLst>
+                                </p:cTn>
+                              </p:par>
+                            </p:childTnLst>
+                          </p:cTn>
+                        </p:par>
+                      </p:childTnLst>
+                    </p:cTn>
+                  </p:par>
+                </p:childTnLst>
+              </p:cTn>
+              <p:prevCondLst>
+                <p:cond evt="onPrev" delay="0">
+                  <p:tgtEl>
+                    <p:sldTgt/>
+                  </p:tgtEl>
+                </p:cond>
+              </p:prevCondLst>
+              <p:nextCondLst>
+                <p:cond evt="onNext" delay="0">
+                  <p:tgtEl>
+                    <p:sldTgt/>
+                  </p:tgtEl>
+                </p:cond>
+              </p:nextCondLst>
+            </p:seq>
+          </p:childTnLst>
+        </p:cTn>
+      </p:par>
+    </p:tnLst>
+    <p:bldLst>
+      <p:bldGraphic spid="6" grpId="0">
+        <p:bldAsOne/>
+      </p:bldGraphic>
+    </p:bldLst>
+  </p:timing>
+</p:sld>
+</file>
+
+<file path=ppt/slides/slide17.xml><?xml version="1.0" encoding="utf-8"?>
+<p:sld xmlns:a="http://schemas.openxmlformats.org/drawingml/2006/main" xmlns:r="http://schemas.openxmlformats.org/officeDocument/2006/relationships" xmlns:p="http://schemas.openxmlformats.org/presentationml/2006/main">
+  <p:cSld>
+    <p:spTree>
+      <p:nvGrpSpPr>
+        <p:cNvPr id="1" name=""/>
+        <p:cNvGrpSpPr/>
+        <p:nvPr/>
+      </p:nvGrpSpPr>
+      <p:grpSpPr>
+        <a:xfrm>
+          <a:off x="0" y="0"/>
+          <a:ext cx="0" cy="0"/>
+          <a:chOff x="0" y="0"/>
+          <a:chExt cx="0" cy="0"/>
+        </a:xfrm>
+      </p:grpSpPr>
+      <p:sp>
+        <p:nvSpPr>
+          <p:cNvPr id="2" name="Titel 1">
+            <a:extLst>
+              <a:ext uri="{FF2B5EF4-FFF2-40B4-BE49-F238E27FC236}">
+                <a16:creationId xmlns:a16="http://schemas.microsoft.com/office/drawing/2014/main" id="{EFD4250F-E35E-0D59-484D-C7C21A2DF7FA}"/>
+              </a:ext>
+            </a:extLst>
+          </p:cNvPr>
+          <p:cNvSpPr>
+            <a:spLocks noGrp="1"/>
+          </p:cNvSpPr>
+          <p:nvPr>
+            <p:ph type="title"/>
+          </p:nvPr>
+        </p:nvSpPr>
+        <p:spPr/>
+        <p:txBody>
+          <a:bodyPr>
+            <a:normAutofit/>
+          </a:bodyPr>
+          <a:lstStyle/>
+          <a:p>
+            <a:r>
+              <a:rPr lang="de-DE" sz="4300" dirty="0"/>
+              <a:t>Berechnung mit Höchstzahlenschema</a:t>
+            </a:r>
+            <a:endParaRPr lang="de-AT" sz="4300" dirty="0"/>
+          </a:p>
+        </p:txBody>
+      </p:sp>
+      <p:sp>
+        <p:nvSpPr>
+          <p:cNvPr id="3" name="Inhaltsplatzhalter 2">
+            <a:extLst>
+              <a:ext uri="{FF2B5EF4-FFF2-40B4-BE49-F238E27FC236}">
+                <a16:creationId xmlns:a16="http://schemas.microsoft.com/office/drawing/2014/main" id="{7B9BD119-1895-9437-C576-EB2B0B0101B7}"/>
+              </a:ext>
+            </a:extLst>
+          </p:cNvPr>
+          <p:cNvSpPr>
+            <a:spLocks noGrp="1"/>
+          </p:cNvSpPr>
+          <p:nvPr>
+            <p:ph idx="1"/>
+          </p:nvPr>
+        </p:nvSpPr>
+        <p:spPr/>
+        <p:txBody>
+          <a:bodyPr/>
+          <a:lstStyle/>
+          <a:p>
+            <a:pPr marL="342900" indent="-342900">
+              <a:buFont typeface="+mj-lt"/>
+              <a:buAutoNum type="arabicPeriod"/>
+            </a:pPr>
+            <a:r>
+              <a:rPr lang="de-DE" dirty="0"/>
+              <a:t>Absolute Parteienstimmen nebeneinander schreiben</a:t>
+            </a:r>
+          </a:p>
+          <a:p>
+            <a:pPr lvl="1"/>
+            <a:r>
+              <a:rPr lang="de-DE" dirty="0"/>
+              <a:t>alle Parteienstimmen (nicht nur Urnenstimmen)</a:t>
+            </a:r>
+          </a:p>
+          <a:p>
+            <a:pPr lvl="1"/>
+            <a:r>
+              <a:rPr lang="de-DE" dirty="0"/>
+              <a:t>Parteien, die den Einzug nicht geschafft haben werden nicht berücksichtigt</a:t>
+            </a:r>
+            <a:endParaRPr lang="de-AT" dirty="0"/>
+          </a:p>
+          <a:p>
+            <a:pPr marL="342900" indent="-342900">
+              <a:buFont typeface="+mj-lt"/>
+              <a:buAutoNum type="arabicPeriod"/>
+            </a:pPr>
+            <a:r>
+              <a:rPr lang="de-AT" dirty="0"/>
+              <a:t>Stimmen fortlaufend durch 1, 2, 3, … teilen (</a:t>
+            </a:r>
+            <a:r>
+              <a:rPr lang="de-AT" dirty="0">
+                <a:sym typeface="Wingdings" panose="05000000000000000000" pitchFamily="2" charset="2"/>
+              </a:rPr>
+              <a:t> Vergleichszahlen)</a:t>
+            </a:r>
+          </a:p>
+          <a:p>
+            <a:pPr marL="342900" indent="-342900">
+              <a:buFont typeface="+mj-lt"/>
+              <a:buAutoNum type="arabicPeriod"/>
+            </a:pPr>
+            <a:r>
+              <a:rPr lang="de-AT" dirty="0">
+                <a:sym typeface="Wingdings" panose="05000000000000000000" pitchFamily="2" charset="2"/>
+              </a:rPr>
+              <a:t>Vergleichszahlen untereinander aufschreiben </a:t>
+            </a:r>
+            <a:r>
+              <a:rPr lang="de-AT" dirty="0">
+                <a:solidFill>
+                  <a:schemeClr val="accent1"/>
+                </a:solidFill>
+                <a:sym typeface="Wingdings" panose="05000000000000000000" pitchFamily="2" charset="2"/>
+              </a:rPr>
+              <a:t>(Excel ZUSPALTE / TOCOL)</a:t>
+            </a:r>
+          </a:p>
+          <a:p>
+            <a:pPr marL="342900" indent="-342900">
+              <a:buFont typeface="+mj-lt"/>
+              <a:buAutoNum type="arabicPeriod"/>
+            </a:pPr>
+            <a:r>
+              <a:rPr lang="de-AT" dirty="0">
+                <a:sym typeface="Wingdings" panose="05000000000000000000" pitchFamily="2" charset="2"/>
+              </a:rPr>
+              <a:t>Zahlen sortieren </a:t>
+            </a:r>
+            <a:r>
+              <a:rPr lang="de-AT" dirty="0">
+                <a:solidFill>
+                  <a:schemeClr val="accent1"/>
+                </a:solidFill>
+                <a:sym typeface="Wingdings" panose="05000000000000000000" pitchFamily="2" charset="2"/>
+              </a:rPr>
+              <a:t>(Excel SORTIEREN)</a:t>
+            </a:r>
+          </a:p>
+          <a:p>
+            <a:pPr marL="342900" indent="-342900">
+              <a:buFont typeface="+mj-lt"/>
+              <a:buAutoNum type="arabicPeriod"/>
+            </a:pPr>
+            <a:r>
+              <a:rPr lang="de-AT" dirty="0">
+                <a:sym typeface="Wingdings" panose="05000000000000000000" pitchFamily="2" charset="2"/>
+              </a:rPr>
+              <a:t>183. größte Zahl suchen</a:t>
+            </a:r>
+          </a:p>
+          <a:p>
+            <a:pPr marL="342900" indent="-342900">
+              <a:buFont typeface="+mj-lt"/>
+              <a:buAutoNum type="arabicPeriod"/>
+            </a:pPr>
+            <a:r>
+              <a:rPr lang="de-AT" dirty="0">
+                <a:sym typeface="Wingdings" panose="05000000000000000000" pitchFamily="2" charset="2"/>
+              </a:rPr>
+              <a:t>Anzahl der Mandate pro Partei = Häufigkeit, mit der die Vergleichszahlen einer Partei eine Zahl welche größer oder gleich der 183. größten Vergleichszahl sind</a:t>
+            </a:r>
+          </a:p>
+          <a:p>
+            <a:pPr marL="342900" indent="-342900">
+              <a:buFont typeface="+mj-lt"/>
+              <a:buAutoNum type="arabicPeriod"/>
+            </a:pPr>
+            <a:endParaRPr lang="de-DE" dirty="0"/>
+          </a:p>
+        </p:txBody>
+      </p:sp>
+      <p:sp>
+        <p:nvSpPr>
+          <p:cNvPr id="4" name="Fußzeilenplatzhalter 3">
+            <a:extLst>
+              <a:ext uri="{FF2B5EF4-FFF2-40B4-BE49-F238E27FC236}">
+                <a16:creationId xmlns:a16="http://schemas.microsoft.com/office/drawing/2014/main" id="{FF54CF55-2966-ECE2-1980-74226BC93758}"/>
+              </a:ext>
+            </a:extLst>
+          </p:cNvPr>
+          <p:cNvSpPr>
+            <a:spLocks noGrp="1"/>
+          </p:cNvSpPr>
+          <p:nvPr>
+            <p:ph type="ftr" sz="quarter" idx="11"/>
+          </p:nvPr>
+        </p:nvSpPr>
+        <p:spPr/>
+        <p:txBody>
+          <a:bodyPr/>
+          <a:lstStyle/>
+          <a:p>
+            <a:r>
+              <a:rPr lang="de-DE"/>
+              <a:t>WIPOL Hirschwang</a:t>
+            </a:r>
+            <a:endParaRPr lang="de-AT" dirty="0"/>
+          </a:p>
+        </p:txBody>
+      </p:sp>
+      <p:sp>
+        <p:nvSpPr>
+          <p:cNvPr id="5" name="Foliennummernplatzhalter 4">
+            <a:extLst>
+              <a:ext uri="{FF2B5EF4-FFF2-40B4-BE49-F238E27FC236}">
+                <a16:creationId xmlns:a16="http://schemas.microsoft.com/office/drawing/2014/main" id="{C09B90F9-26D0-0CF5-5AA2-FAD90ED60027}"/>
+              </a:ext>
+            </a:extLst>
+          </p:cNvPr>
+          <p:cNvSpPr>
+            <a:spLocks noGrp="1"/>
+          </p:cNvSpPr>
+          <p:nvPr>
+            <p:ph type="sldNum" sz="quarter" idx="12"/>
+          </p:nvPr>
+        </p:nvSpPr>
+        <p:spPr/>
+        <p:txBody>
+          <a:bodyPr/>
+          <a:lstStyle/>
+          <a:p>
+            <a:fld id="{58087E24-FB43-451A-9D0B-7B980EC5ED81}" type="slidenum">
+              <a:rPr lang="de-AT" smtClean="0"/>
+              <a:t>17</a:t>
+            </a:fld>
+            <a:endParaRPr lang="de-AT"/>
+          </a:p>
+        </p:txBody>
+      </p:sp>
+    </p:spTree>
+    <p:extLst>
+      <p:ext uri="{BB962C8B-B14F-4D97-AF65-F5344CB8AC3E}">
+        <p14:creationId xmlns:p14="http://schemas.microsoft.com/office/powerpoint/2010/main" val="3566797091"/>
+      </p:ext>
+    </p:extLst>
+  </p:cSld>
+  <p:clrMapOvr>
+    <a:masterClrMapping/>
+  </p:clrMapOvr>
+</p:sld>
+</file>
+
+<file path=ppt/slides/slide18.xml><?xml version="1.0" encoding="utf-8"?>
 <p:sld xmlns:a="http://schemas.openxmlformats.org/drawingml/2006/main" xmlns:r="http://schemas.openxmlformats.org/officeDocument/2006/relationships" xmlns:p="http://schemas.openxmlformats.org/presentationml/2006/main">
   <p:cSld>
     <p:spTree>
@@ -9589,7 +12718,7 @@
           <a:p>
             <a:fld id="{58087E24-FB43-451A-9D0B-7B980EC5ED81}" type="slidenum">
               <a:rPr lang="de-AT" smtClean="0"/>
-              <a:t>13</a:t>
+              <a:t>18</a:t>
             </a:fld>
             <a:endParaRPr lang="de-AT"/>
           </a:p>
@@ -10356,8 +13485,8 @@
           </a:graphicData>
         </a:graphic>
       </p:graphicFrame>
-      <mc:AlternateContent xmlns:mc="http://schemas.openxmlformats.org/markup-compatibility/2006">
-        <mc:Choice xmlns:a14="http://schemas.microsoft.com/office/drawing/2010/main" Requires="a14">
+      <mc:AlternateContent xmlns:mc="http://schemas.openxmlformats.org/markup-compatibility/2006" xmlns:a14="http://schemas.microsoft.com/office/drawing/2010/main">
+        <mc:Choice Requires="a14">
           <p:sp>
             <p:nvSpPr>
               <p:cNvPr id="7" name="Inhaltsplatzhalter 2">
@@ -10856,7 +13985,7 @@
             </p:txBody>
           </p:sp>
         </mc:Choice>
-        <mc:Fallback>
+        <mc:Fallback xmlns="">
           <p:sp>
             <p:nvSpPr>
               <p:cNvPr id="7" name="Inhaltsplatzhalter 2">
@@ -11726,8 +14855,8 @@
           </a:graphicData>
         </a:graphic>
       </p:graphicFrame>
-      <mc:AlternateContent xmlns:mc="http://schemas.openxmlformats.org/markup-compatibility/2006">
-        <mc:Choice xmlns:a14="http://schemas.microsoft.com/office/drawing/2010/main" Requires="a14">
+      <mc:AlternateContent xmlns:mc="http://schemas.openxmlformats.org/markup-compatibility/2006" xmlns:a14="http://schemas.microsoft.com/office/drawing/2010/main">
+        <mc:Choice Requires="a14">
           <p:sp>
             <p:nvSpPr>
               <p:cNvPr id="14" name="Inhaltsplatzhalter 2">
@@ -12058,7 +15187,7 @@
             </p:txBody>
           </p:sp>
         </mc:Choice>
-        <mc:Fallback>
+        <mc:Fallback xmlns="">
           <p:sp>
             <p:nvSpPr>
               <p:cNvPr id="14" name="Inhaltsplatzhalter 2">
@@ -12800,6 +15929,2786 @@
   <p:cSld>
     <p:spTree>
       <p:nvGrpSpPr>
+        <p:cNvPr id="1" name="">
+          <a:extLst>
+            <a:ext uri="{FF2B5EF4-FFF2-40B4-BE49-F238E27FC236}">
+              <a16:creationId xmlns:a16="http://schemas.microsoft.com/office/drawing/2014/main" id="{719A29EE-5031-6CCB-BD37-70D5D4012E82}"/>
+            </a:ext>
+          </a:extLst>
+        </p:cNvPr>
+        <p:cNvGrpSpPr/>
+        <p:nvPr/>
+      </p:nvGrpSpPr>
+      <p:grpSpPr>
+        <a:xfrm>
+          <a:off x="0" y="0"/>
+          <a:ext cx="0" cy="0"/>
+          <a:chOff x="0" y="0"/>
+          <a:chExt cx="0" cy="0"/>
+        </a:xfrm>
+      </p:grpSpPr>
+      <p:sp>
+        <p:nvSpPr>
+          <p:cNvPr id="2" name="Titel 1">
+            <a:extLst>
+              <a:ext uri="{FF2B5EF4-FFF2-40B4-BE49-F238E27FC236}">
+                <a16:creationId xmlns:a16="http://schemas.microsoft.com/office/drawing/2014/main" id="{150BF46F-86AD-BA86-9EC6-3E7518D7FD15}"/>
+              </a:ext>
+            </a:extLst>
+          </p:cNvPr>
+          <p:cNvSpPr>
+            <a:spLocks noGrp="1"/>
+          </p:cNvSpPr>
+          <p:nvPr>
+            <p:ph type="title"/>
+          </p:nvPr>
+        </p:nvSpPr>
+        <p:spPr/>
+        <p:txBody>
+          <a:bodyPr/>
+          <a:lstStyle/>
+          <a:p>
+            <a:r>
+              <a:rPr lang="de-DE" dirty="0"/>
+              <a:t>Prognose</a:t>
+            </a:r>
+            <a:endParaRPr lang="de-AT" dirty="0"/>
+          </a:p>
+        </p:txBody>
+      </p:sp>
+      <p:graphicFrame>
+        <p:nvGraphicFramePr>
+          <p:cNvPr id="6" name="Inhaltsplatzhalter 5">
+            <a:extLst>
+              <a:ext uri="{FF2B5EF4-FFF2-40B4-BE49-F238E27FC236}">
+                <a16:creationId xmlns:a16="http://schemas.microsoft.com/office/drawing/2014/main" id="{1BF1860D-9E47-B521-D810-2EB57DAE73FD}"/>
+              </a:ext>
+            </a:extLst>
+          </p:cNvPr>
+          <p:cNvGraphicFramePr>
+            <a:graphicFrameLocks noGrp="1"/>
+          </p:cNvGraphicFramePr>
+          <p:nvPr>
+            <p:ph sz="half" idx="1"/>
+            <p:extLst>
+              <p:ext uri="{D42A27DB-BD31-4B8C-83A1-F6EECF244321}">
+                <p14:modId xmlns:p14="http://schemas.microsoft.com/office/powerpoint/2010/main" val="1853168252"/>
+              </p:ext>
+            </p:extLst>
+          </p:nvPr>
+        </p:nvGraphicFramePr>
+        <p:xfrm>
+          <a:off x="1262063" y="1828800"/>
+          <a:ext cx="4479926" cy="1010920"/>
+        </p:xfrm>
+        <a:graphic>
+          <a:graphicData uri="http://schemas.openxmlformats.org/drawingml/2006/table">
+            <a:tbl>
+              <a:tblPr firstRow="1" bandRow="1">
+                <a:tableStyleId>{5C22544A-7EE6-4342-B048-85BDC9FD1C3A}</a:tableStyleId>
+              </a:tblPr>
+              <a:tblGrid>
+                <a:gridCol w="2172900">
+                  <a:extLst>
+                    <a:ext uri="{9D8B030D-6E8A-4147-A177-3AD203B41FA5}">
+                      <a16:colId xmlns:a16="http://schemas.microsoft.com/office/drawing/2014/main" val="3782367989"/>
+                    </a:ext>
+                  </a:extLst>
+                </a:gridCol>
+                <a:gridCol w="1153513">
+                  <a:extLst>
+                    <a:ext uri="{9D8B030D-6E8A-4147-A177-3AD203B41FA5}">
+                      <a16:colId xmlns:a16="http://schemas.microsoft.com/office/drawing/2014/main" val="970933377"/>
+                    </a:ext>
+                  </a:extLst>
+                </a:gridCol>
+                <a:gridCol w="1153513">
+                  <a:extLst>
+                    <a:ext uri="{9D8B030D-6E8A-4147-A177-3AD203B41FA5}">
+                      <a16:colId xmlns:a16="http://schemas.microsoft.com/office/drawing/2014/main" val="4069194008"/>
+                    </a:ext>
+                  </a:extLst>
+                </a:gridCol>
+              </a:tblGrid>
+              <a:tr h="370840">
+                <a:tc>
+                  <a:txBody>
+                    <a:bodyPr/>
+                    <a:lstStyle/>
+                    <a:p>
+                      <a:r>
+                        <a:rPr lang="de-DE" dirty="0"/>
+                        <a:t>Gemeinde</a:t>
+                      </a:r>
+                      <a:endParaRPr lang="de-AT" dirty="0"/>
+                    </a:p>
+                  </a:txBody>
+                  <a:tcPr/>
+                </a:tc>
+                <a:tc>
+                  <a:txBody>
+                    <a:bodyPr/>
+                    <a:lstStyle/>
+                    <a:p>
+                      <a:r>
+                        <a:rPr lang="de-DE" dirty="0"/>
+                        <a:t>ÖVP 2019</a:t>
+                      </a:r>
+                      <a:endParaRPr lang="de-AT" dirty="0"/>
+                    </a:p>
+                  </a:txBody>
+                  <a:tcPr/>
+                </a:tc>
+                <a:tc>
+                  <a:txBody>
+                    <a:bodyPr/>
+                    <a:lstStyle/>
+                    <a:p>
+                      <a:r>
+                        <a:rPr lang="de-DE" dirty="0"/>
+                        <a:t>ÖVP 2024</a:t>
+                      </a:r>
+                      <a:endParaRPr lang="de-AT" dirty="0"/>
+                    </a:p>
+                  </a:txBody>
+                  <a:tcPr/>
+                </a:tc>
+                <a:extLst>
+                  <a:ext uri="{0D108BD9-81ED-4DB2-BD59-A6C34878D82A}">
+                    <a16:rowId xmlns:a16="http://schemas.microsoft.com/office/drawing/2014/main" val="813830686"/>
+                  </a:ext>
+                </a:extLst>
+              </a:tr>
+              <a:tr h="370840">
+                <a:tc>
+                  <a:txBody>
+                    <a:bodyPr/>
+                    <a:lstStyle/>
+                    <a:p>
+                      <a:r>
+                        <a:rPr lang="de-DE" sz="1600" dirty="0" err="1"/>
+                        <a:t>Saudorf</a:t>
+                      </a:r>
+                      <a:endParaRPr lang="de-AT" sz="1600" dirty="0"/>
+                    </a:p>
+                  </a:txBody>
+                  <a:tcPr/>
+                </a:tc>
+                <a:tc>
+                  <a:txBody>
+                    <a:bodyPr/>
+                    <a:lstStyle/>
+                    <a:p>
+                      <a:pPr algn="r"/>
+                      <a:r>
+                        <a:rPr lang="de-DE" sz="1600" dirty="0"/>
+                        <a:t>42%</a:t>
+                      </a:r>
+                      <a:endParaRPr lang="de-AT" sz="1600" dirty="0"/>
+                    </a:p>
+                  </a:txBody>
+                  <a:tcPr/>
+                </a:tc>
+                <a:tc>
+                  <a:txBody>
+                    <a:bodyPr/>
+                    <a:lstStyle/>
+                    <a:p>
+                      <a:pPr algn="r"/>
+                      <a:r>
+                        <a:rPr lang="de-DE" sz="1600" dirty="0">
+                          <a:solidFill>
+                            <a:srgbClr val="FF0000"/>
+                          </a:solidFill>
+                        </a:rPr>
+                        <a:t>?</a:t>
+                      </a:r>
+                      <a:endParaRPr lang="de-AT" sz="1600" dirty="0">
+                        <a:solidFill>
+                          <a:srgbClr val="FF0000"/>
+                        </a:solidFill>
+                      </a:endParaRPr>
+                    </a:p>
+                  </a:txBody>
+                  <a:tcPr/>
+                </a:tc>
+                <a:extLst>
+                  <a:ext uri="{0D108BD9-81ED-4DB2-BD59-A6C34878D82A}">
+                    <a16:rowId xmlns:a16="http://schemas.microsoft.com/office/drawing/2014/main" val="1591309596"/>
+                  </a:ext>
+                </a:extLst>
+              </a:tr>
+            </a:tbl>
+          </a:graphicData>
+        </a:graphic>
+      </p:graphicFrame>
+      <p:graphicFrame>
+        <p:nvGraphicFramePr>
+          <p:cNvPr id="12" name="Inhaltsplatzhalter 11">
+            <a:extLst>
+              <a:ext uri="{FF2B5EF4-FFF2-40B4-BE49-F238E27FC236}">
+                <a16:creationId xmlns:a16="http://schemas.microsoft.com/office/drawing/2014/main" id="{6C10E878-EB00-B44D-CEDF-9DA78EFA66FF}"/>
+              </a:ext>
+            </a:extLst>
+          </p:cNvPr>
+          <p:cNvGraphicFramePr>
+            <a:graphicFrameLocks noGrp="1"/>
+          </p:cNvGraphicFramePr>
+          <p:nvPr>
+            <p:ph sz="half" idx="2"/>
+            <p:extLst>
+              <p:ext uri="{D42A27DB-BD31-4B8C-83A1-F6EECF244321}">
+                <p14:modId xmlns:p14="http://schemas.microsoft.com/office/powerpoint/2010/main" val="92686596"/>
+              </p:ext>
+            </p:extLst>
+          </p:nvPr>
+        </p:nvGraphicFramePr>
+        <p:xfrm>
+          <a:off x="6126163" y="1828800"/>
+          <a:ext cx="4680000" cy="4320000"/>
+        </p:xfrm>
+        <a:graphic>
+          <a:graphicData uri="http://schemas.openxmlformats.org/drawingml/2006/chart">
+            <c:chart xmlns:c="http://schemas.openxmlformats.org/drawingml/2006/chart" xmlns:r="http://schemas.openxmlformats.org/officeDocument/2006/relationships" r:id="rId2"/>
+          </a:graphicData>
+        </a:graphic>
+      </p:graphicFrame>
+      <mc:AlternateContent xmlns:mc="http://schemas.openxmlformats.org/markup-compatibility/2006">
+        <mc:Choice xmlns:a14="http://schemas.microsoft.com/office/drawing/2010/main" Requires="a14">
+          <p:sp>
+            <p:nvSpPr>
+              <p:cNvPr id="14" name="Inhaltsplatzhalter 2">
+                <a:extLst>
+                  <a:ext uri="{FF2B5EF4-FFF2-40B4-BE49-F238E27FC236}">
+                    <a16:creationId xmlns:a16="http://schemas.microsoft.com/office/drawing/2014/main" id="{1C6766D2-7D03-CC9C-5FBD-BAA07D03D953}"/>
+                  </a:ext>
+                </a:extLst>
+              </p:cNvPr>
+              <p:cNvSpPr txBox="1">
+                <a:spLocks/>
+              </p:cNvSpPr>
+              <p:nvPr/>
+            </p:nvSpPr>
+            <p:spPr>
+              <a:xfrm>
+                <a:off x="1261872" y="3180522"/>
+                <a:ext cx="4479926" cy="2968277"/>
+              </a:xfrm>
+              <a:prstGeom prst="rect">
+                <a:avLst/>
+              </a:prstGeom>
+            </p:spPr>
+            <p:txBody>
+              <a:bodyPr vert="horz" lIns="91440" tIns="45720" rIns="91440" bIns="45720" rtlCol="0">
+                <a:normAutofit lnSpcReduction="10000"/>
+              </a:bodyPr>
+              <a:lstStyle>
+                <a:lvl1pPr marL="182880" indent="-182880" algn="l" defTabSz="914400" rtl="0" eaLnBrk="1" latinLnBrk="0" hangingPunct="1">
+                  <a:lnSpc>
+                    <a:spcPct val="95000"/>
+                  </a:lnSpc>
+                  <a:spcBef>
+                    <a:spcPts val="1400"/>
+                  </a:spcBef>
+                  <a:spcAft>
+                    <a:spcPts val="200"/>
+                  </a:spcAft>
+                  <a:buClr>
+                    <a:schemeClr val="accent1"/>
+                  </a:buClr>
+                  <a:buSzPct val="80000"/>
+                  <a:buFont typeface="Arial" pitchFamily="34" charset="0"/>
+                  <a:buChar char="•"/>
+                  <a:defRPr sz="1800" kern="1200" spc="10" baseline="0">
+                    <a:solidFill>
+                      <a:schemeClr val="tx1"/>
+                    </a:solidFill>
+                    <a:latin typeface="+mn-lt"/>
+                    <a:ea typeface="+mn-ea"/>
+                    <a:cs typeface="+mn-cs"/>
+                  </a:defRPr>
+                </a:lvl1pPr>
+                <a:lvl2pPr marL="457200" indent="-182880" algn="l" defTabSz="914400" rtl="0" eaLnBrk="1" latinLnBrk="0" hangingPunct="1">
+                  <a:lnSpc>
+                    <a:spcPct val="90000"/>
+                  </a:lnSpc>
+                  <a:spcBef>
+                    <a:spcPts val="300"/>
+                  </a:spcBef>
+                  <a:spcAft>
+                    <a:spcPts val="300"/>
+                  </a:spcAft>
+                  <a:buClr>
+                    <a:schemeClr val="accent1"/>
+                  </a:buClr>
+                  <a:buFont typeface="Wingdings 2" pitchFamily="18" charset="2"/>
+                  <a:buChar char=""/>
+                  <a:defRPr sz="1600" kern="1200">
+                    <a:solidFill>
+                      <a:schemeClr val="tx1">
+                        <a:lumMod val="85000"/>
+                        <a:lumOff val="15000"/>
+                      </a:schemeClr>
+                    </a:solidFill>
+                    <a:latin typeface="+mn-lt"/>
+                    <a:ea typeface="+mn-ea"/>
+                    <a:cs typeface="+mn-cs"/>
+                  </a:defRPr>
+                </a:lvl2pPr>
+                <a:lvl3pPr marL="731520" indent="-182880" algn="l" defTabSz="914400" rtl="0" eaLnBrk="1" latinLnBrk="0" hangingPunct="1">
+                  <a:lnSpc>
+                    <a:spcPct val="90000"/>
+                  </a:lnSpc>
+                  <a:spcBef>
+                    <a:spcPts val="300"/>
+                  </a:spcBef>
+                  <a:spcAft>
+                    <a:spcPts val="300"/>
+                  </a:spcAft>
+                  <a:buClr>
+                    <a:schemeClr val="accent1"/>
+                  </a:buClr>
+                  <a:buFont typeface="Wingdings 2" pitchFamily="18" charset="2"/>
+                  <a:buChar char=""/>
+                  <a:defRPr sz="1400" kern="1200">
+                    <a:solidFill>
+                      <a:schemeClr val="tx1">
+                        <a:lumMod val="85000"/>
+                        <a:lumOff val="15000"/>
+                      </a:schemeClr>
+                    </a:solidFill>
+                    <a:latin typeface="+mn-lt"/>
+                    <a:ea typeface="+mn-ea"/>
+                    <a:cs typeface="+mn-cs"/>
+                  </a:defRPr>
+                </a:lvl3pPr>
+                <a:lvl4pPr marL="1005840" indent="-182880" algn="l" defTabSz="914400" rtl="0" eaLnBrk="1" latinLnBrk="0" hangingPunct="1">
+                  <a:lnSpc>
+                    <a:spcPct val="90000"/>
+                  </a:lnSpc>
+                  <a:spcBef>
+                    <a:spcPts val="300"/>
+                  </a:spcBef>
+                  <a:spcAft>
+                    <a:spcPts val="300"/>
+                  </a:spcAft>
+                  <a:buClr>
+                    <a:schemeClr val="accent1"/>
+                  </a:buClr>
+                  <a:buFont typeface="Wingdings 2" pitchFamily="18" charset="2"/>
+                  <a:buChar char=""/>
+                  <a:defRPr sz="1400" kern="1200">
+                    <a:solidFill>
+                      <a:schemeClr val="tx1">
+                        <a:lumMod val="85000"/>
+                        <a:lumOff val="15000"/>
+                      </a:schemeClr>
+                    </a:solidFill>
+                    <a:latin typeface="+mn-lt"/>
+                    <a:ea typeface="+mn-ea"/>
+                    <a:cs typeface="+mn-cs"/>
+                  </a:defRPr>
+                </a:lvl4pPr>
+                <a:lvl5pPr marL="1280160" indent="-182880" algn="l" defTabSz="914400" rtl="0" eaLnBrk="1" latinLnBrk="0" hangingPunct="1">
+                  <a:lnSpc>
+                    <a:spcPct val="90000"/>
+                  </a:lnSpc>
+                  <a:spcBef>
+                    <a:spcPts val="300"/>
+                  </a:spcBef>
+                  <a:spcAft>
+                    <a:spcPts val="300"/>
+                  </a:spcAft>
+                  <a:buClr>
+                    <a:schemeClr val="accent1"/>
+                  </a:buClr>
+                  <a:buFont typeface="Wingdings 2" pitchFamily="18" charset="2"/>
+                  <a:buChar char=""/>
+                  <a:defRPr sz="1400" kern="1200">
+                    <a:solidFill>
+                      <a:schemeClr val="tx1">
+                        <a:lumMod val="85000"/>
+                        <a:lumOff val="15000"/>
+                      </a:schemeClr>
+                    </a:solidFill>
+                    <a:latin typeface="+mn-lt"/>
+                    <a:ea typeface="+mn-ea"/>
+                    <a:cs typeface="+mn-cs"/>
+                  </a:defRPr>
+                </a:lvl5pPr>
+                <a:lvl6pPr marL="1600000" indent="-228600" algn="l" defTabSz="914400" rtl="0" eaLnBrk="1" latinLnBrk="0" hangingPunct="1">
+                  <a:lnSpc>
+                    <a:spcPct val="90000"/>
+                  </a:lnSpc>
+                  <a:spcBef>
+                    <a:spcPts val="300"/>
+                  </a:spcBef>
+                  <a:spcAft>
+                    <a:spcPts val="300"/>
+                  </a:spcAft>
+                  <a:buClr>
+                    <a:schemeClr val="accent1"/>
+                  </a:buClr>
+                  <a:buFont typeface="Wingdings 2" pitchFamily="18" charset="2"/>
+                  <a:buChar char=""/>
+                  <a:defRPr sz="1400" kern="1200">
+                    <a:solidFill>
+                      <a:schemeClr val="tx1">
+                        <a:lumMod val="85000"/>
+                        <a:lumOff val="15000"/>
+                      </a:schemeClr>
+                    </a:solidFill>
+                    <a:latin typeface="+mn-lt"/>
+                    <a:ea typeface="+mn-ea"/>
+                    <a:cs typeface="+mn-cs"/>
+                  </a:defRPr>
+                </a:lvl6pPr>
+                <a:lvl7pPr marL="1900000" indent="-228600" algn="l" defTabSz="914400" rtl="0" eaLnBrk="1" latinLnBrk="0" hangingPunct="1">
+                  <a:lnSpc>
+                    <a:spcPct val="90000"/>
+                  </a:lnSpc>
+                  <a:spcBef>
+                    <a:spcPts val="300"/>
+                  </a:spcBef>
+                  <a:spcAft>
+                    <a:spcPts val="300"/>
+                  </a:spcAft>
+                  <a:buClr>
+                    <a:schemeClr val="accent1"/>
+                  </a:buClr>
+                  <a:buFont typeface="Wingdings 2" pitchFamily="18" charset="2"/>
+                  <a:buChar char=""/>
+                  <a:defRPr sz="1400" kern="1200">
+                    <a:solidFill>
+                      <a:schemeClr val="tx1">
+                        <a:lumMod val="85000"/>
+                        <a:lumOff val="15000"/>
+                      </a:schemeClr>
+                    </a:solidFill>
+                    <a:latin typeface="+mn-lt"/>
+                    <a:ea typeface="+mn-ea"/>
+                    <a:cs typeface="+mn-cs"/>
+                  </a:defRPr>
+                </a:lvl7pPr>
+                <a:lvl8pPr marL="2200000" indent="-228600" algn="l" defTabSz="914400" rtl="0" eaLnBrk="1" latinLnBrk="0" hangingPunct="1">
+                  <a:lnSpc>
+                    <a:spcPct val="90000"/>
+                  </a:lnSpc>
+                  <a:spcBef>
+                    <a:spcPts val="300"/>
+                  </a:spcBef>
+                  <a:spcAft>
+                    <a:spcPts val="300"/>
+                  </a:spcAft>
+                  <a:buClr>
+                    <a:schemeClr val="accent1"/>
+                  </a:buClr>
+                  <a:buFont typeface="Wingdings 2" pitchFamily="18" charset="2"/>
+                  <a:buChar char=""/>
+                  <a:defRPr sz="1400" kern="1200">
+                    <a:solidFill>
+                      <a:schemeClr val="tx1">
+                        <a:lumMod val="85000"/>
+                        <a:lumOff val="15000"/>
+                      </a:schemeClr>
+                    </a:solidFill>
+                    <a:latin typeface="+mn-lt"/>
+                    <a:ea typeface="+mn-ea"/>
+                    <a:cs typeface="+mn-cs"/>
+                  </a:defRPr>
+                </a:lvl8pPr>
+                <a:lvl9pPr marL="2500000" indent="-228600" algn="l" defTabSz="914400" rtl="0" eaLnBrk="1" latinLnBrk="0" hangingPunct="1">
+                  <a:lnSpc>
+                    <a:spcPct val="90000"/>
+                  </a:lnSpc>
+                  <a:spcBef>
+                    <a:spcPts val="300"/>
+                  </a:spcBef>
+                  <a:spcAft>
+                    <a:spcPts val="300"/>
+                  </a:spcAft>
+                  <a:buClr>
+                    <a:schemeClr val="accent1"/>
+                  </a:buClr>
+                  <a:buFont typeface="Wingdings 2" pitchFamily="18" charset="2"/>
+                  <a:buChar char=""/>
+                  <a:defRPr sz="1400" kern="1200">
+                    <a:solidFill>
+                      <a:schemeClr val="tx1">
+                        <a:lumMod val="85000"/>
+                        <a:lumOff val="15000"/>
+                      </a:schemeClr>
+                    </a:solidFill>
+                    <a:latin typeface="+mn-lt"/>
+                    <a:ea typeface="+mn-ea"/>
+                    <a:cs typeface="+mn-cs"/>
+                  </a:defRPr>
+                </a:lvl9pPr>
+              </a:lstStyle>
+              <a:p>
+                <a:pPr marL="0" indent="0">
+                  <a:buNone/>
+                </a:pPr>
+                <a:r>
+                  <a:rPr lang="de-DE" b="0" dirty="0">
+                    <a:latin typeface="Cambria Math" panose="02040503050406030204" pitchFamily="18" charset="0"/>
+                  </a:rPr>
+                  <a:t>Regressionsgleichung von vorhin:</a:t>
+                </a:r>
+                <a:br>
+                  <a:rPr lang="de-DE" b="0" dirty="0">
+                    <a:latin typeface="Cambria Math" panose="02040503050406030204" pitchFamily="18" charset="0"/>
+                  </a:rPr>
+                </a:br>
+                <a:endParaRPr lang="de-DE" b="0" dirty="0">
+                  <a:latin typeface="Cambria Math" panose="02040503050406030204" pitchFamily="18" charset="0"/>
+                </a:endParaRPr>
+              </a:p>
+              <a:p>
+                <a:pPr marL="0" indent="0">
+                  <a:buNone/>
+                </a:pPr>
+                <a14:m>
+                  <m:oMathPara xmlns:m="http://schemas.openxmlformats.org/officeDocument/2006/math">
+                    <m:oMathParaPr>
+                      <m:jc m:val="centerGroup"/>
+                    </m:oMathParaPr>
+                    <m:oMath xmlns:m="http://schemas.openxmlformats.org/officeDocument/2006/math">
+                      <m:r>
+                        <a:rPr lang="de-DE" b="0" i="1" smtClean="0">
+                          <a:latin typeface="Cambria Math" panose="02040503050406030204" pitchFamily="18" charset="0"/>
+                        </a:rPr>
+                        <m:t>Ö</m:t>
+                      </m:r>
+                      <m:r>
+                        <a:rPr lang="de-DE" b="0" i="1" smtClean="0">
+                          <a:latin typeface="Cambria Math" panose="02040503050406030204" pitchFamily="18" charset="0"/>
+                        </a:rPr>
+                        <m:t>𝑉𝑃</m:t>
+                      </m:r>
+                      <m:r>
+                        <a:rPr lang="de-DE" b="0" i="1" smtClean="0">
+                          <a:latin typeface="Cambria Math" panose="02040503050406030204" pitchFamily="18" charset="0"/>
+                        </a:rPr>
+                        <m:t>24=0,6707 ∗Ö</m:t>
+                      </m:r>
+                      <m:r>
+                        <a:rPr lang="de-DE" b="0" i="1" smtClean="0">
+                          <a:latin typeface="Cambria Math" panose="02040503050406030204" pitchFamily="18" charset="0"/>
+                        </a:rPr>
+                        <m:t>𝑉𝑃</m:t>
+                      </m:r>
+                      <m:r>
+                        <a:rPr lang="de-DE" b="0" i="1" smtClean="0">
+                          <a:latin typeface="Cambria Math" panose="02040503050406030204" pitchFamily="18" charset="0"/>
+                        </a:rPr>
+                        <m:t>19+3,8415</m:t>
+                      </m:r>
+                    </m:oMath>
+                  </m:oMathPara>
+                </a14:m>
+                <a:endParaRPr lang="de-DE" b="0" dirty="0"/>
+              </a:p>
+              <a:p>
+                <a:pPr marL="0" indent="0">
+                  <a:buNone/>
+                </a:pPr>
+                <a:endParaRPr lang="de-DE" dirty="0"/>
+              </a:p>
+              <a:p>
+                <a:pPr marL="0" indent="0">
+                  <a:buNone/>
+                </a:pPr>
+                <a:r>
+                  <a:rPr lang="de-DE" b="0" dirty="0"/>
+                  <a:t>Werte einsetzen und lösen:</a:t>
+                </a:r>
+                <a:br>
+                  <a:rPr lang="de-DE" b="0" dirty="0"/>
+                </a:br>
+                <a:endParaRPr lang="de-DE" b="0" dirty="0"/>
+              </a:p>
+              <a:p>
+                <a:pPr marL="0" indent="0">
+                  <a:buNone/>
+                </a:pPr>
+                <a14:m>
+                  <m:oMathPara xmlns:m="http://schemas.openxmlformats.org/officeDocument/2006/math">
+                    <m:oMathParaPr>
+                      <m:jc m:val="centerGroup"/>
+                    </m:oMathParaPr>
+                    <m:oMath xmlns:m="http://schemas.openxmlformats.org/officeDocument/2006/math">
+                      <m:r>
+                        <a:rPr lang="de-DE" b="0" i="1" smtClean="0">
+                          <a:latin typeface="Cambria Math" panose="02040503050406030204" pitchFamily="18" charset="0"/>
+                        </a:rPr>
+                        <m:t>Ö</m:t>
+                      </m:r>
+                      <m:r>
+                        <a:rPr lang="de-DE" b="0" i="1" smtClean="0">
+                          <a:latin typeface="Cambria Math" panose="02040503050406030204" pitchFamily="18" charset="0"/>
+                        </a:rPr>
+                        <m:t>𝑉𝑃</m:t>
+                      </m:r>
+                      <m:r>
+                        <a:rPr lang="de-DE" b="0" i="1" smtClean="0">
+                          <a:latin typeface="Cambria Math" panose="02040503050406030204" pitchFamily="18" charset="0"/>
+                        </a:rPr>
+                        <m:t>24=0,6707 ∗42+3,8415</m:t>
+                      </m:r>
+                    </m:oMath>
+                  </m:oMathPara>
+                </a14:m>
+                <a:br>
+                  <a:rPr lang="de-DE" b="0" dirty="0"/>
+                </a:br>
+                <a:endParaRPr lang="de-DE" b="0" dirty="0"/>
+              </a:p>
+              <a:p>
+                <a:pPr marL="0" indent="0">
+                  <a:buNone/>
+                </a:pPr>
+                <a:br>
+                  <a:rPr lang="de-DE" b="0" i="1" dirty="0">
+                    <a:latin typeface="Cambria Math" panose="02040503050406030204" pitchFamily="18" charset="0"/>
+                  </a:rPr>
+                </a:br>
+                <a14:m>
+                  <m:oMathPara xmlns:m="http://schemas.openxmlformats.org/officeDocument/2006/math">
+                    <m:oMathParaPr>
+                      <m:jc m:val="centerGroup"/>
+                    </m:oMathParaPr>
+                    <m:oMath xmlns:m="http://schemas.openxmlformats.org/officeDocument/2006/math">
+                      <m:r>
+                        <a:rPr lang="de-DE" b="0" i="1" smtClean="0">
+                          <a:latin typeface="Cambria Math" panose="02040503050406030204" pitchFamily="18" charset="0"/>
+                        </a:rPr>
+                        <m:t>Ö</m:t>
+                      </m:r>
+                      <m:r>
+                        <a:rPr lang="de-DE" b="0" i="1" smtClean="0">
+                          <a:latin typeface="Cambria Math" panose="02040503050406030204" pitchFamily="18" charset="0"/>
+                        </a:rPr>
+                        <m:t>𝑉𝑃</m:t>
+                      </m:r>
+                      <m:r>
+                        <a:rPr lang="de-DE" b="0" i="1" smtClean="0">
+                          <a:latin typeface="Cambria Math" panose="02040503050406030204" pitchFamily="18" charset="0"/>
+                        </a:rPr>
+                        <m:t>2024=32,0067</m:t>
+                      </m:r>
+                    </m:oMath>
+                  </m:oMathPara>
+                </a14:m>
+                <a:endParaRPr lang="de-DE" b="0" dirty="0"/>
+              </a:p>
+              <a:p>
+                <a:pPr marL="0" indent="0">
+                  <a:buNone/>
+                </a:pPr>
+                <a:endParaRPr lang="de-AT" dirty="0"/>
+              </a:p>
+              <a:p>
+                <a:pPr marL="0" indent="0">
+                  <a:buNone/>
+                </a:pPr>
+                <a:endParaRPr lang="de-AT" dirty="0"/>
+              </a:p>
+            </p:txBody>
+          </p:sp>
+        </mc:Choice>
+        <mc:Fallback>
+          <p:sp>
+            <p:nvSpPr>
+              <p:cNvPr id="14" name="Inhaltsplatzhalter 2">
+                <a:extLst>
+                  <a:ext uri="{FF2B5EF4-FFF2-40B4-BE49-F238E27FC236}">
+                    <a16:creationId xmlns:a16="http://schemas.microsoft.com/office/drawing/2014/main" id="{1C6766D2-7D03-CC9C-5FBD-BAA07D03D953}"/>
+                  </a:ext>
+                </a:extLst>
+              </p:cNvPr>
+              <p:cNvSpPr txBox="1">
+                <a:spLocks noRot="1" noChangeAspect="1" noMove="1" noResize="1" noEditPoints="1" noAdjustHandles="1" noChangeArrowheads="1" noChangeShapeType="1" noTextEdit="1"/>
+              </p:cNvSpPr>
+              <p:nvPr/>
+            </p:nvSpPr>
+            <p:spPr>
+              <a:xfrm>
+                <a:off x="1261872" y="3180522"/>
+                <a:ext cx="4479926" cy="2968277"/>
+              </a:xfrm>
+              <a:prstGeom prst="rect">
+                <a:avLst/>
+              </a:prstGeom>
+              <a:blipFill>
+                <a:blip r:embed="rId3"/>
+                <a:stretch>
+                  <a:fillRect l="-1088" t="-2669"/>
+                </a:stretch>
+              </a:blipFill>
+            </p:spPr>
+            <p:txBody>
+              <a:bodyPr/>
+              <a:lstStyle/>
+              <a:p>
+                <a:r>
+                  <a:rPr lang="de-AT">
+                    <a:noFill/>
+                  </a:rPr>
+                  <a:t> </a:t>
+                </a:r>
+              </a:p>
+            </p:txBody>
+          </p:sp>
+        </mc:Fallback>
+      </mc:AlternateContent>
+      <p:sp>
+        <p:nvSpPr>
+          <p:cNvPr id="18" name="Fußzeilenplatzhalter 17">
+            <a:extLst>
+              <a:ext uri="{FF2B5EF4-FFF2-40B4-BE49-F238E27FC236}">
+                <a16:creationId xmlns:a16="http://schemas.microsoft.com/office/drawing/2014/main" id="{8FD72088-D0AB-3112-8FB4-88D61D1AAD89}"/>
+              </a:ext>
+            </a:extLst>
+          </p:cNvPr>
+          <p:cNvSpPr>
+            <a:spLocks noGrp="1"/>
+          </p:cNvSpPr>
+          <p:nvPr>
+            <p:ph type="ftr" sz="quarter" idx="11"/>
+          </p:nvPr>
+        </p:nvSpPr>
+        <p:spPr/>
+        <p:txBody>
+          <a:bodyPr/>
+          <a:lstStyle/>
+          <a:p>
+            <a:r>
+              <a:rPr lang="de-DE"/>
+              <a:t>WIPOL Hirschwang</a:t>
+            </a:r>
+            <a:endParaRPr lang="de-AT" dirty="0"/>
+          </a:p>
+        </p:txBody>
+      </p:sp>
+      <p:sp>
+        <p:nvSpPr>
+          <p:cNvPr id="19" name="Foliennummernplatzhalter 18">
+            <a:extLst>
+              <a:ext uri="{FF2B5EF4-FFF2-40B4-BE49-F238E27FC236}">
+                <a16:creationId xmlns:a16="http://schemas.microsoft.com/office/drawing/2014/main" id="{AA340990-F0A9-D585-F20A-846020C804DE}"/>
+              </a:ext>
+            </a:extLst>
+          </p:cNvPr>
+          <p:cNvSpPr>
+            <a:spLocks noGrp="1"/>
+          </p:cNvSpPr>
+          <p:nvPr>
+            <p:ph type="sldNum" sz="quarter" idx="12"/>
+          </p:nvPr>
+        </p:nvSpPr>
+        <p:spPr/>
+        <p:txBody>
+          <a:bodyPr>
+            <a:normAutofit lnSpcReduction="10000"/>
+          </a:bodyPr>
+          <a:lstStyle/>
+          <a:p>
+            <a:fld id="{58087E24-FB43-451A-9D0B-7B980EC5ED81}" type="slidenum">
+              <a:rPr lang="de-AT" smtClean="0"/>
+              <a:t>7</a:t>
+            </a:fld>
+            <a:endParaRPr lang="de-AT"/>
+          </a:p>
+        </p:txBody>
+      </p:sp>
+      <p:cxnSp>
+        <p:nvCxnSpPr>
+          <p:cNvPr id="4" name="Gerader Verbinder 3">
+            <a:extLst>
+              <a:ext uri="{FF2B5EF4-FFF2-40B4-BE49-F238E27FC236}">
+                <a16:creationId xmlns:a16="http://schemas.microsoft.com/office/drawing/2014/main" id="{5D8A24C0-73D0-F192-A82D-1C32A7B18E94}"/>
+              </a:ext>
+            </a:extLst>
+          </p:cNvPr>
+          <p:cNvCxnSpPr/>
+          <p:nvPr/>
+        </p:nvCxnSpPr>
+        <p:spPr>
+          <a:xfrm flipV="1">
+            <a:off x="9454101" y="3578087"/>
+            <a:ext cx="0" cy="1749287"/>
+          </a:xfrm>
+          <a:prstGeom prst="line">
+            <a:avLst/>
+          </a:prstGeom>
+          <a:ln w="25400">
+            <a:solidFill>
+              <a:schemeClr val="accent3"/>
+            </a:solidFill>
+          </a:ln>
+        </p:spPr>
+        <p:style>
+          <a:lnRef idx="1">
+            <a:schemeClr val="accent1"/>
+          </a:lnRef>
+          <a:fillRef idx="0">
+            <a:schemeClr val="accent1"/>
+          </a:fillRef>
+          <a:effectRef idx="0">
+            <a:schemeClr val="accent1"/>
+          </a:effectRef>
+          <a:fontRef idx="minor">
+            <a:schemeClr val="tx1"/>
+          </a:fontRef>
+        </p:style>
+      </p:cxnSp>
+      <p:cxnSp>
+        <p:nvCxnSpPr>
+          <p:cNvPr id="5" name="Gerader Verbinder 4">
+            <a:extLst>
+              <a:ext uri="{FF2B5EF4-FFF2-40B4-BE49-F238E27FC236}">
+                <a16:creationId xmlns:a16="http://schemas.microsoft.com/office/drawing/2014/main" id="{71D9E85F-883A-DEA3-0D0F-98A7B81BB3C5}"/>
+              </a:ext>
+            </a:extLst>
+          </p:cNvPr>
+          <p:cNvCxnSpPr>
+            <a:cxnSpLocks/>
+          </p:cNvCxnSpPr>
+          <p:nvPr/>
+        </p:nvCxnSpPr>
+        <p:spPr>
+          <a:xfrm>
+            <a:off x="7148946" y="3578087"/>
+            <a:ext cx="2295919" cy="0"/>
+          </a:xfrm>
+          <a:prstGeom prst="line">
+            <a:avLst/>
+          </a:prstGeom>
+          <a:ln w="25400">
+            <a:solidFill>
+              <a:schemeClr val="accent3"/>
+            </a:solidFill>
+          </a:ln>
+        </p:spPr>
+        <p:style>
+          <a:lnRef idx="1">
+            <a:schemeClr val="accent1"/>
+          </a:lnRef>
+          <a:fillRef idx="0">
+            <a:schemeClr val="accent1"/>
+          </a:fillRef>
+          <a:effectRef idx="0">
+            <a:schemeClr val="accent1"/>
+          </a:effectRef>
+          <a:fontRef idx="minor">
+            <a:schemeClr val="tx1"/>
+          </a:fontRef>
+        </p:style>
+      </p:cxnSp>
+      <p:sp>
+        <p:nvSpPr>
+          <p:cNvPr id="10" name="Textfeld 9">
+            <a:extLst>
+              <a:ext uri="{FF2B5EF4-FFF2-40B4-BE49-F238E27FC236}">
+                <a16:creationId xmlns:a16="http://schemas.microsoft.com/office/drawing/2014/main" id="{A4F4BA3A-7D0A-9A7F-FAEF-E36EDC381000}"/>
+              </a:ext>
+            </a:extLst>
+          </p:cNvPr>
+          <p:cNvSpPr txBox="1"/>
+          <p:nvPr/>
+        </p:nvSpPr>
+        <p:spPr>
+          <a:xfrm>
+            <a:off x="9407921" y="5096555"/>
+            <a:ext cx="482824" cy="276999"/>
+          </a:xfrm>
+          <a:prstGeom prst="rect">
+            <a:avLst/>
+          </a:prstGeom>
+          <a:noFill/>
+        </p:spPr>
+        <p:txBody>
+          <a:bodyPr wrap="none" rtlCol="0">
+            <a:spAutoFit/>
+          </a:bodyPr>
+          <a:lstStyle/>
+          <a:p>
+            <a:r>
+              <a:rPr lang="de-DE" sz="1200" dirty="0">
+                <a:solidFill>
+                  <a:schemeClr val="accent3"/>
+                </a:solidFill>
+              </a:rPr>
+              <a:t>42%</a:t>
+            </a:r>
+            <a:endParaRPr lang="de-AT" sz="1200" dirty="0">
+              <a:solidFill>
+                <a:schemeClr val="accent3"/>
+              </a:solidFill>
+            </a:endParaRPr>
+          </a:p>
+        </p:txBody>
+      </p:sp>
+      <p:sp>
+        <p:nvSpPr>
+          <p:cNvPr id="11" name="Textfeld 9">
+            <a:extLst>
+              <a:ext uri="{FF2B5EF4-FFF2-40B4-BE49-F238E27FC236}">
+                <a16:creationId xmlns:a16="http://schemas.microsoft.com/office/drawing/2014/main" id="{9B0378FC-7FC3-78B7-88F1-B03A9A3E31DC}"/>
+              </a:ext>
+            </a:extLst>
+          </p:cNvPr>
+          <p:cNvSpPr txBox="1"/>
+          <p:nvPr/>
+        </p:nvSpPr>
+        <p:spPr>
+          <a:xfrm>
+            <a:off x="6712303" y="3439587"/>
+            <a:ext cx="482824" cy="276999"/>
+          </a:xfrm>
+          <a:prstGeom prst="rect">
+            <a:avLst/>
+          </a:prstGeom>
+          <a:noFill/>
+        </p:spPr>
+        <p:txBody>
+          <a:bodyPr wrap="none" rtlCol="0">
+            <a:spAutoFit/>
+          </a:bodyPr>
+          <a:lstStyle>
+            <a:defPPr>
+              <a:defRPr lang="en-US"/>
+            </a:defPPr>
+            <a:lvl1pPr marL="0" indent="0" algn="l" defTabSz="457200" rtl="0" eaLnBrk="1" latinLnBrk="0" hangingPunct="1">
+              <a:defRPr sz="1800" kern="1200">
+                <a:solidFill>
+                  <a:schemeClr val="tx1"/>
+                </a:solidFill>
+                <a:latin typeface="+mn-lt"/>
+                <a:ea typeface="+mn-ea"/>
+                <a:cs typeface="+mn-cs"/>
+              </a:defRPr>
+            </a:lvl1pPr>
+            <a:lvl2pPr marL="457200" indent="0" algn="l" defTabSz="457200" rtl="0" eaLnBrk="1" latinLnBrk="0" hangingPunct="1">
+              <a:defRPr sz="1800" kern="1200">
+                <a:solidFill>
+                  <a:schemeClr val="tx1"/>
+                </a:solidFill>
+                <a:latin typeface="+mn-lt"/>
+                <a:ea typeface="+mn-ea"/>
+                <a:cs typeface="+mn-cs"/>
+              </a:defRPr>
+            </a:lvl2pPr>
+            <a:lvl3pPr marL="914400" indent="0" algn="l" defTabSz="457200" rtl="0" eaLnBrk="1" latinLnBrk="0" hangingPunct="1">
+              <a:defRPr sz="1800" kern="1200">
+                <a:solidFill>
+                  <a:schemeClr val="tx1"/>
+                </a:solidFill>
+                <a:latin typeface="+mn-lt"/>
+                <a:ea typeface="+mn-ea"/>
+                <a:cs typeface="+mn-cs"/>
+              </a:defRPr>
+            </a:lvl3pPr>
+            <a:lvl4pPr marL="1371600" indent="0" algn="l" defTabSz="457200" rtl="0" eaLnBrk="1" latinLnBrk="0" hangingPunct="1">
+              <a:defRPr sz="1800" kern="1200">
+                <a:solidFill>
+                  <a:schemeClr val="tx1"/>
+                </a:solidFill>
+                <a:latin typeface="+mn-lt"/>
+                <a:ea typeface="+mn-ea"/>
+                <a:cs typeface="+mn-cs"/>
+              </a:defRPr>
+            </a:lvl4pPr>
+            <a:lvl5pPr marL="1828800" indent="0" algn="l" defTabSz="457200" rtl="0" eaLnBrk="1" latinLnBrk="0" hangingPunct="1">
+              <a:defRPr sz="1800" kern="1200">
+                <a:solidFill>
+                  <a:schemeClr val="tx1"/>
+                </a:solidFill>
+                <a:latin typeface="+mn-lt"/>
+                <a:ea typeface="+mn-ea"/>
+                <a:cs typeface="+mn-cs"/>
+              </a:defRPr>
+            </a:lvl5pPr>
+            <a:lvl6pPr marL="2286000" indent="0" algn="l" defTabSz="457200" rtl="0" eaLnBrk="1" latinLnBrk="0" hangingPunct="1">
+              <a:defRPr sz="1800" kern="1200">
+                <a:solidFill>
+                  <a:schemeClr val="tx1"/>
+                </a:solidFill>
+                <a:latin typeface="+mn-lt"/>
+                <a:ea typeface="+mn-ea"/>
+                <a:cs typeface="+mn-cs"/>
+              </a:defRPr>
+            </a:lvl6pPr>
+            <a:lvl7pPr marL="2743200" indent="0" algn="l" defTabSz="457200" rtl="0" eaLnBrk="1" latinLnBrk="0" hangingPunct="1">
+              <a:defRPr sz="1800" kern="1200">
+                <a:solidFill>
+                  <a:schemeClr val="tx1"/>
+                </a:solidFill>
+                <a:latin typeface="+mn-lt"/>
+                <a:ea typeface="+mn-ea"/>
+                <a:cs typeface="+mn-cs"/>
+              </a:defRPr>
+            </a:lvl7pPr>
+            <a:lvl8pPr marL="3200400" indent="0" algn="l" defTabSz="457200" rtl="0" eaLnBrk="1" latinLnBrk="0" hangingPunct="1">
+              <a:defRPr sz="1800" kern="1200">
+                <a:solidFill>
+                  <a:schemeClr val="tx1"/>
+                </a:solidFill>
+                <a:latin typeface="+mn-lt"/>
+                <a:ea typeface="+mn-ea"/>
+                <a:cs typeface="+mn-cs"/>
+              </a:defRPr>
+            </a:lvl8pPr>
+            <a:lvl9pPr marL="3657600" indent="0" algn="l" defTabSz="457200" rtl="0" eaLnBrk="1" latinLnBrk="0" hangingPunct="1">
+              <a:defRPr sz="1800" kern="1200">
+                <a:solidFill>
+                  <a:schemeClr val="tx1"/>
+                </a:solidFill>
+                <a:latin typeface="+mn-lt"/>
+                <a:ea typeface="+mn-ea"/>
+                <a:cs typeface="+mn-cs"/>
+              </a:defRPr>
+            </a:lvl9pPr>
+          </a:lstStyle>
+          <a:p>
+            <a:r>
+              <a:rPr lang="de-DE" sz="1200" dirty="0">
+                <a:solidFill>
+                  <a:schemeClr val="accent3"/>
+                </a:solidFill>
+              </a:rPr>
+              <a:t>32%</a:t>
+            </a:r>
+            <a:endParaRPr lang="de-AT" sz="1200" dirty="0">
+              <a:solidFill>
+                <a:schemeClr val="accent3"/>
+              </a:solidFill>
+            </a:endParaRPr>
+          </a:p>
+        </p:txBody>
+      </p:sp>
+    </p:spTree>
+    <p:extLst>
+      <p:ext uri="{BB962C8B-B14F-4D97-AF65-F5344CB8AC3E}">
+        <p14:creationId xmlns:p14="http://schemas.microsoft.com/office/powerpoint/2010/main" val="3014073"/>
+      </p:ext>
+    </p:extLst>
+  </p:cSld>
+  <p:clrMapOvr>
+    <a:masterClrMapping/>
+  </p:clrMapOvr>
+  <p:timing>
+    <p:tnLst>
+      <p:par>
+        <p:cTn id="1" dur="indefinite" restart="never" nodeType="tmRoot">
+          <p:childTnLst>
+            <p:seq concurrent="1" nextAc="seek">
+              <p:cTn id="2" dur="indefinite" nodeType="mainSeq">
+                <p:childTnLst>
+                  <p:par>
+                    <p:cTn id="3" fill="hold">
+                      <p:stCondLst>
+                        <p:cond delay="indefinite"/>
+                      </p:stCondLst>
+                      <p:childTnLst>
+                        <p:par>
+                          <p:cTn id="4" fill="hold">
+                            <p:stCondLst>
+                              <p:cond delay="0"/>
+                            </p:stCondLst>
+                            <p:childTnLst>
+                              <p:par>
+                                <p:cTn id="5" presetID="1" presetClass="entr" presetSubtype="0" fill="hold" grpId="0" nodeType="clickEffect">
+                                  <p:stCondLst>
+                                    <p:cond delay="0"/>
+                                  </p:stCondLst>
+                                  <p:childTnLst>
+                                    <p:set>
+                                      <p:cBhvr>
+                                        <p:cTn id="6" dur="1" fill="hold">
+                                          <p:stCondLst>
+                                            <p:cond delay="0"/>
+                                          </p:stCondLst>
+                                        </p:cTn>
+                                        <p:tgtEl>
+                                          <p:spTgt spid="14"/>
+                                        </p:tgtEl>
+                                        <p:attrNameLst>
+                                          <p:attrName>style.visibility</p:attrName>
+                                        </p:attrNameLst>
+                                      </p:cBhvr>
+                                      <p:to>
+                                        <p:strVal val="visible"/>
+                                      </p:to>
+                                    </p:set>
+                                  </p:childTnLst>
+                                </p:cTn>
+                              </p:par>
+                            </p:childTnLst>
+                          </p:cTn>
+                        </p:par>
+                      </p:childTnLst>
+                    </p:cTn>
+                  </p:par>
+                  <p:par>
+                    <p:cTn id="7" fill="hold">
+                      <p:stCondLst>
+                        <p:cond delay="indefinite"/>
+                      </p:stCondLst>
+                      <p:childTnLst>
+                        <p:par>
+                          <p:cTn id="8" fill="hold">
+                            <p:stCondLst>
+                              <p:cond delay="0"/>
+                            </p:stCondLst>
+                            <p:childTnLst>
+                              <p:par>
+                                <p:cTn id="9" presetID="1" presetClass="entr" presetSubtype="0" fill="hold" nodeType="clickEffect">
+                                  <p:stCondLst>
+                                    <p:cond delay="0"/>
+                                  </p:stCondLst>
+                                  <p:childTnLst>
+                                    <p:set>
+                                      <p:cBhvr>
+                                        <p:cTn id="10" dur="1" fill="hold">
+                                          <p:stCondLst>
+                                            <p:cond delay="0"/>
+                                          </p:stCondLst>
+                                        </p:cTn>
+                                        <p:tgtEl>
+                                          <p:spTgt spid="14">
+                                            <p:txEl>
+                                              <p:pRg st="0" end="0"/>
+                                            </p:txEl>
+                                          </p:spTgt>
+                                        </p:tgtEl>
+                                        <p:attrNameLst>
+                                          <p:attrName>style.visibility</p:attrName>
+                                        </p:attrNameLst>
+                                      </p:cBhvr>
+                                      <p:to>
+                                        <p:strVal val="visible"/>
+                                      </p:to>
+                                    </p:set>
+                                  </p:childTnLst>
+                                </p:cTn>
+                              </p:par>
+                              <p:par>
+                                <p:cTn id="11" presetID="1" presetClass="entr" presetSubtype="0" fill="hold" nodeType="withEffect">
+                                  <p:stCondLst>
+                                    <p:cond delay="0"/>
+                                  </p:stCondLst>
+                                  <p:childTnLst>
+                                    <p:set>
+                                      <p:cBhvr>
+                                        <p:cTn id="12" dur="1" fill="hold">
+                                          <p:stCondLst>
+                                            <p:cond delay="0"/>
+                                          </p:stCondLst>
+                                        </p:cTn>
+                                        <p:tgtEl>
+                                          <p:spTgt spid="14">
+                                            <p:txEl>
+                                              <p:pRg st="1" end="1"/>
+                                            </p:txEl>
+                                          </p:spTgt>
+                                        </p:tgtEl>
+                                        <p:attrNameLst>
+                                          <p:attrName>style.visibility</p:attrName>
+                                        </p:attrNameLst>
+                                      </p:cBhvr>
+                                      <p:to>
+                                        <p:strVal val="visible"/>
+                                      </p:to>
+                                    </p:set>
+                                  </p:childTnLst>
+                                </p:cTn>
+                              </p:par>
+                            </p:childTnLst>
+                          </p:cTn>
+                        </p:par>
+                      </p:childTnLst>
+                    </p:cTn>
+                  </p:par>
+                  <p:par>
+                    <p:cTn id="13" fill="hold">
+                      <p:stCondLst>
+                        <p:cond delay="indefinite"/>
+                      </p:stCondLst>
+                      <p:childTnLst>
+                        <p:par>
+                          <p:cTn id="14" fill="hold">
+                            <p:stCondLst>
+                              <p:cond delay="0"/>
+                            </p:stCondLst>
+                            <p:childTnLst>
+                              <p:par>
+                                <p:cTn id="15" presetID="1" presetClass="entr" presetSubtype="0" fill="hold" nodeType="clickEffect">
+                                  <p:stCondLst>
+                                    <p:cond delay="0"/>
+                                  </p:stCondLst>
+                                  <p:childTnLst>
+                                    <p:set>
+                                      <p:cBhvr>
+                                        <p:cTn id="16" dur="1" fill="hold">
+                                          <p:stCondLst>
+                                            <p:cond delay="0"/>
+                                          </p:stCondLst>
+                                        </p:cTn>
+                                        <p:tgtEl>
+                                          <p:spTgt spid="14">
+                                            <p:txEl>
+                                              <p:pRg st="3" end="3"/>
+                                            </p:txEl>
+                                          </p:spTgt>
+                                        </p:tgtEl>
+                                        <p:attrNameLst>
+                                          <p:attrName>style.visibility</p:attrName>
+                                        </p:attrNameLst>
+                                      </p:cBhvr>
+                                      <p:to>
+                                        <p:strVal val="visible"/>
+                                      </p:to>
+                                    </p:set>
+                                  </p:childTnLst>
+                                </p:cTn>
+                              </p:par>
+                              <p:par>
+                                <p:cTn id="17" presetID="1" presetClass="entr" presetSubtype="0" fill="hold" nodeType="withEffect">
+                                  <p:stCondLst>
+                                    <p:cond delay="0"/>
+                                  </p:stCondLst>
+                                  <p:childTnLst>
+                                    <p:set>
+                                      <p:cBhvr>
+                                        <p:cTn id="18" dur="1" fill="hold">
+                                          <p:stCondLst>
+                                            <p:cond delay="0"/>
+                                          </p:stCondLst>
+                                        </p:cTn>
+                                        <p:tgtEl>
+                                          <p:spTgt spid="14">
+                                            <p:txEl>
+                                              <p:pRg st="4" end="4"/>
+                                            </p:txEl>
+                                          </p:spTgt>
+                                        </p:tgtEl>
+                                        <p:attrNameLst>
+                                          <p:attrName>style.visibility</p:attrName>
+                                        </p:attrNameLst>
+                                      </p:cBhvr>
+                                      <p:to>
+                                        <p:strVal val="visible"/>
+                                      </p:to>
+                                    </p:set>
+                                  </p:childTnLst>
+                                </p:cTn>
+                              </p:par>
+                              <p:par>
+                                <p:cTn id="19" presetID="1" presetClass="entr" presetSubtype="0" fill="hold" nodeType="withEffect">
+                                  <p:stCondLst>
+                                    <p:cond delay="0"/>
+                                  </p:stCondLst>
+                                  <p:childTnLst>
+                                    <p:set>
+                                      <p:cBhvr>
+                                        <p:cTn id="20" dur="1" fill="hold">
+                                          <p:stCondLst>
+                                            <p:cond delay="0"/>
+                                          </p:stCondLst>
+                                        </p:cTn>
+                                        <p:tgtEl>
+                                          <p:spTgt spid="14">
+                                            <p:txEl>
+                                              <p:pRg st="5" end="5"/>
+                                            </p:txEl>
+                                          </p:spTgt>
+                                        </p:tgtEl>
+                                        <p:attrNameLst>
+                                          <p:attrName>style.visibility</p:attrName>
+                                        </p:attrNameLst>
+                                      </p:cBhvr>
+                                      <p:to>
+                                        <p:strVal val="visible"/>
+                                      </p:to>
+                                    </p:set>
+                                  </p:childTnLst>
+                                </p:cTn>
+                              </p:par>
+                            </p:childTnLst>
+                          </p:cTn>
+                        </p:par>
+                      </p:childTnLst>
+                    </p:cTn>
+                  </p:par>
+                  <p:par>
+                    <p:cTn id="21" fill="hold">
+                      <p:stCondLst>
+                        <p:cond delay="indefinite"/>
+                      </p:stCondLst>
+                      <p:childTnLst>
+                        <p:par>
+                          <p:cTn id="22" fill="hold">
+                            <p:stCondLst>
+                              <p:cond delay="0"/>
+                            </p:stCondLst>
+                            <p:childTnLst>
+                              <p:par>
+                                <p:cTn id="23" presetID="1" presetClass="entr" presetSubtype="0" fill="hold" grpId="0" nodeType="clickEffect">
+                                  <p:stCondLst>
+                                    <p:cond delay="0"/>
+                                  </p:stCondLst>
+                                  <p:childTnLst>
+                                    <p:set>
+                                      <p:cBhvr>
+                                        <p:cTn id="24" dur="1" fill="hold">
+                                          <p:stCondLst>
+                                            <p:cond delay="0"/>
+                                          </p:stCondLst>
+                                        </p:cTn>
+                                        <p:tgtEl>
+                                          <p:spTgt spid="10"/>
+                                        </p:tgtEl>
+                                        <p:attrNameLst>
+                                          <p:attrName>style.visibility</p:attrName>
+                                        </p:attrNameLst>
+                                      </p:cBhvr>
+                                      <p:to>
+                                        <p:strVal val="visible"/>
+                                      </p:to>
+                                    </p:set>
+                                  </p:childTnLst>
+                                </p:cTn>
+                              </p:par>
+                              <p:par>
+                                <p:cTn id="25" presetID="1" presetClass="entr" presetSubtype="0" fill="hold" nodeType="withEffect">
+                                  <p:stCondLst>
+                                    <p:cond delay="0"/>
+                                  </p:stCondLst>
+                                  <p:childTnLst>
+                                    <p:set>
+                                      <p:cBhvr>
+                                        <p:cTn id="26" dur="1" fill="hold">
+                                          <p:stCondLst>
+                                            <p:cond delay="0"/>
+                                          </p:stCondLst>
+                                        </p:cTn>
+                                        <p:tgtEl>
+                                          <p:spTgt spid="4"/>
+                                        </p:tgtEl>
+                                        <p:attrNameLst>
+                                          <p:attrName>style.visibility</p:attrName>
+                                        </p:attrNameLst>
+                                      </p:cBhvr>
+                                      <p:to>
+                                        <p:strVal val="visible"/>
+                                      </p:to>
+                                    </p:set>
+                                  </p:childTnLst>
+                                </p:cTn>
+                              </p:par>
+                            </p:childTnLst>
+                          </p:cTn>
+                        </p:par>
+                      </p:childTnLst>
+                    </p:cTn>
+                  </p:par>
+                  <p:par>
+                    <p:cTn id="27" fill="hold">
+                      <p:stCondLst>
+                        <p:cond delay="indefinite"/>
+                      </p:stCondLst>
+                      <p:childTnLst>
+                        <p:par>
+                          <p:cTn id="28" fill="hold">
+                            <p:stCondLst>
+                              <p:cond delay="0"/>
+                            </p:stCondLst>
+                            <p:childTnLst>
+                              <p:par>
+                                <p:cTn id="29" presetID="1" presetClass="entr" presetSubtype="0" fill="hold" nodeType="clickEffect">
+                                  <p:stCondLst>
+                                    <p:cond delay="0"/>
+                                  </p:stCondLst>
+                                  <p:childTnLst>
+                                    <p:set>
+                                      <p:cBhvr>
+                                        <p:cTn id="30" dur="1" fill="hold">
+                                          <p:stCondLst>
+                                            <p:cond delay="0"/>
+                                          </p:stCondLst>
+                                        </p:cTn>
+                                        <p:tgtEl>
+                                          <p:spTgt spid="5"/>
+                                        </p:tgtEl>
+                                        <p:attrNameLst>
+                                          <p:attrName>style.visibility</p:attrName>
+                                        </p:attrNameLst>
+                                      </p:cBhvr>
+                                      <p:to>
+                                        <p:strVal val="visible"/>
+                                      </p:to>
+                                    </p:set>
+                                  </p:childTnLst>
+                                </p:cTn>
+                              </p:par>
+                              <p:par>
+                                <p:cTn id="31" presetID="1" presetClass="entr" presetSubtype="0" fill="hold" grpId="0" nodeType="withEffect">
+                                  <p:stCondLst>
+                                    <p:cond delay="0"/>
+                                  </p:stCondLst>
+                                  <p:childTnLst>
+                                    <p:set>
+                                      <p:cBhvr>
+                                        <p:cTn id="32" dur="1" fill="hold">
+                                          <p:stCondLst>
+                                            <p:cond delay="0"/>
+                                          </p:stCondLst>
+                                        </p:cTn>
+                                        <p:tgtEl>
+                                          <p:spTgt spid="11"/>
+                                        </p:tgtEl>
+                                        <p:attrNameLst>
+                                          <p:attrName>style.visibility</p:attrName>
+                                        </p:attrNameLst>
+                                      </p:cBhvr>
+                                      <p:to>
+                                        <p:strVal val="visible"/>
+                                      </p:to>
+                                    </p:set>
+                                  </p:childTnLst>
+                                </p:cTn>
+                              </p:par>
+                            </p:childTnLst>
+                          </p:cTn>
+                        </p:par>
+                      </p:childTnLst>
+                    </p:cTn>
+                  </p:par>
+                </p:childTnLst>
+              </p:cTn>
+              <p:prevCondLst>
+                <p:cond evt="onPrev" delay="0">
+                  <p:tgtEl>
+                    <p:sldTgt/>
+                  </p:tgtEl>
+                </p:cond>
+              </p:prevCondLst>
+              <p:nextCondLst>
+                <p:cond evt="onNext" delay="0">
+                  <p:tgtEl>
+                    <p:sldTgt/>
+                  </p:tgtEl>
+                </p:cond>
+              </p:nextCondLst>
+            </p:seq>
+          </p:childTnLst>
+        </p:cTn>
+      </p:par>
+    </p:tnLst>
+    <p:bldLst>
+      <p:bldP spid="14" grpId="0"/>
+      <p:bldP spid="10" grpId="0"/>
+      <p:bldP spid="11" grpId="0"/>
+    </p:bldLst>
+  </p:timing>
+</p:sld>
+</file>
+
+<file path=ppt/slides/slide8.xml><?xml version="1.0" encoding="utf-8"?>
+<p:sld xmlns:a="http://schemas.openxmlformats.org/drawingml/2006/main" xmlns:r="http://schemas.openxmlformats.org/officeDocument/2006/relationships" xmlns:p="http://schemas.openxmlformats.org/presentationml/2006/main">
+  <p:cSld>
+    <p:spTree>
+      <p:nvGrpSpPr>
+        <p:cNvPr id="1" name="">
+          <a:extLst>
+            <a:ext uri="{FF2B5EF4-FFF2-40B4-BE49-F238E27FC236}">
+              <a16:creationId xmlns:a16="http://schemas.microsoft.com/office/drawing/2014/main" id="{17FB3E71-7771-EB11-881A-C7E200408385}"/>
+            </a:ext>
+          </a:extLst>
+        </p:cNvPr>
+        <p:cNvGrpSpPr/>
+        <p:nvPr/>
+      </p:nvGrpSpPr>
+      <p:grpSpPr>
+        <a:xfrm>
+          <a:off x="0" y="0"/>
+          <a:ext cx="0" cy="0"/>
+          <a:chOff x="0" y="0"/>
+          <a:chExt cx="0" cy="0"/>
+        </a:xfrm>
+      </p:grpSpPr>
+      <p:sp>
+        <p:nvSpPr>
+          <p:cNvPr id="2" name="Titel 1">
+            <a:extLst>
+              <a:ext uri="{FF2B5EF4-FFF2-40B4-BE49-F238E27FC236}">
+                <a16:creationId xmlns:a16="http://schemas.microsoft.com/office/drawing/2014/main" id="{5EE23466-7F19-FED3-0775-68B09B003DF6}"/>
+              </a:ext>
+            </a:extLst>
+          </p:cNvPr>
+          <p:cNvSpPr>
+            <a:spLocks noGrp="1"/>
+          </p:cNvSpPr>
+          <p:nvPr>
+            <p:ph type="title"/>
+          </p:nvPr>
+        </p:nvSpPr>
+        <p:spPr/>
+        <p:txBody>
+          <a:bodyPr/>
+          <a:lstStyle/>
+          <a:p>
+            <a:r>
+              <a:rPr lang="de-DE" dirty="0"/>
+              <a:t>Multivariate Regression</a:t>
+            </a:r>
+            <a:endParaRPr lang="de-AT" dirty="0"/>
+          </a:p>
+        </p:txBody>
+      </p:sp>
+      <p:sp>
+        <p:nvSpPr>
+          <p:cNvPr id="4" name="Fußzeilenplatzhalter 3">
+            <a:extLst>
+              <a:ext uri="{FF2B5EF4-FFF2-40B4-BE49-F238E27FC236}">
+                <a16:creationId xmlns:a16="http://schemas.microsoft.com/office/drawing/2014/main" id="{469918A1-1C81-CECE-81E0-87E0859E7967}"/>
+              </a:ext>
+            </a:extLst>
+          </p:cNvPr>
+          <p:cNvSpPr>
+            <a:spLocks noGrp="1"/>
+          </p:cNvSpPr>
+          <p:nvPr>
+            <p:ph type="ftr" sz="quarter" idx="11"/>
+          </p:nvPr>
+        </p:nvSpPr>
+        <p:spPr/>
+        <p:txBody>
+          <a:bodyPr/>
+          <a:lstStyle/>
+          <a:p>
+            <a:r>
+              <a:rPr lang="de-DE"/>
+              <a:t>WIPOL Hirschwang</a:t>
+            </a:r>
+            <a:endParaRPr lang="de-AT" dirty="0"/>
+          </a:p>
+        </p:txBody>
+      </p:sp>
+      <p:sp>
+        <p:nvSpPr>
+          <p:cNvPr id="5" name="Foliennummernplatzhalter 4">
+            <a:extLst>
+              <a:ext uri="{FF2B5EF4-FFF2-40B4-BE49-F238E27FC236}">
+                <a16:creationId xmlns:a16="http://schemas.microsoft.com/office/drawing/2014/main" id="{F904B70A-6750-6D84-C890-5951D5703430}"/>
+              </a:ext>
+            </a:extLst>
+          </p:cNvPr>
+          <p:cNvSpPr>
+            <a:spLocks noGrp="1"/>
+          </p:cNvSpPr>
+          <p:nvPr>
+            <p:ph type="sldNum" sz="quarter" idx="12"/>
+          </p:nvPr>
+        </p:nvSpPr>
+        <p:spPr/>
+        <p:txBody>
+          <a:bodyPr>
+            <a:normAutofit lnSpcReduction="10000"/>
+          </a:bodyPr>
+          <a:lstStyle/>
+          <a:p>
+            <a:fld id="{58087E24-FB43-451A-9D0B-7B980EC5ED81}" type="slidenum">
+              <a:rPr lang="de-AT" smtClean="0"/>
+              <a:t>8</a:t>
+            </a:fld>
+            <a:endParaRPr lang="de-AT"/>
+          </a:p>
+        </p:txBody>
+      </p:sp>
+      <p:sp>
+        <p:nvSpPr>
+          <p:cNvPr id="8" name="Rechteck 7">
+            <a:extLst>
+              <a:ext uri="{FF2B5EF4-FFF2-40B4-BE49-F238E27FC236}">
+                <a16:creationId xmlns:a16="http://schemas.microsoft.com/office/drawing/2014/main" id="{173A4939-DFAD-AF2A-D322-DF2D0A549CE5}"/>
+              </a:ext>
+            </a:extLst>
+          </p:cNvPr>
+          <p:cNvSpPr/>
+          <p:nvPr/>
+        </p:nvSpPr>
+        <p:spPr>
+          <a:xfrm>
+            <a:off x="1357745" y="1939636"/>
+            <a:ext cx="2216728" cy="498763"/>
+          </a:xfrm>
+          <a:prstGeom prst="rect">
+            <a:avLst/>
+          </a:prstGeom>
+          <a:solidFill>
+            <a:srgbClr val="63C3D0"/>
+          </a:solidFill>
+          <a:ln>
+            <a:solidFill>
+              <a:srgbClr val="63C3D0"/>
+            </a:solidFill>
+          </a:ln>
+        </p:spPr>
+        <p:style>
+          <a:lnRef idx="2">
+            <a:schemeClr val="accent1">
+              <a:shade val="15000"/>
+            </a:schemeClr>
+          </a:lnRef>
+          <a:fillRef idx="1">
+            <a:schemeClr val="accent1"/>
+          </a:fillRef>
+          <a:effectRef idx="0">
+            <a:schemeClr val="accent1"/>
+          </a:effectRef>
+          <a:fontRef idx="minor">
+            <a:schemeClr val="lt1"/>
+          </a:fontRef>
+        </p:style>
+        <p:txBody>
+          <a:bodyPr rtlCol="0" anchor="ctr"/>
+          <a:lstStyle/>
+          <a:p>
+            <a:pPr algn="ctr"/>
+            <a:r>
+              <a:rPr lang="de-DE" dirty="0"/>
+              <a:t>ÖVP 2019</a:t>
+            </a:r>
+            <a:endParaRPr lang="de-AT" dirty="0"/>
+          </a:p>
+        </p:txBody>
+      </p:sp>
+      <p:sp>
+        <p:nvSpPr>
+          <p:cNvPr id="9" name="Rechteck 8">
+            <a:extLst>
+              <a:ext uri="{FF2B5EF4-FFF2-40B4-BE49-F238E27FC236}">
+                <a16:creationId xmlns:a16="http://schemas.microsoft.com/office/drawing/2014/main" id="{92BE29E0-F066-53DC-4804-463A74E276C7}"/>
+              </a:ext>
+            </a:extLst>
+          </p:cNvPr>
+          <p:cNvSpPr/>
+          <p:nvPr/>
+        </p:nvSpPr>
+        <p:spPr>
+          <a:xfrm>
+            <a:off x="6108192" y="1944254"/>
+            <a:ext cx="2216728" cy="498763"/>
+          </a:xfrm>
+          <a:prstGeom prst="rect">
+            <a:avLst/>
+          </a:prstGeom>
+          <a:solidFill>
+            <a:srgbClr val="63C3D0"/>
+          </a:solidFill>
+          <a:ln>
+            <a:solidFill>
+              <a:srgbClr val="63C3D0"/>
+            </a:solidFill>
+          </a:ln>
+        </p:spPr>
+        <p:style>
+          <a:lnRef idx="2">
+            <a:schemeClr val="accent1">
+              <a:shade val="15000"/>
+            </a:schemeClr>
+          </a:lnRef>
+          <a:fillRef idx="1">
+            <a:schemeClr val="accent1"/>
+          </a:fillRef>
+          <a:effectRef idx="0">
+            <a:schemeClr val="accent1"/>
+          </a:effectRef>
+          <a:fontRef idx="minor">
+            <a:schemeClr val="lt1"/>
+          </a:fontRef>
+        </p:style>
+        <p:txBody>
+          <a:bodyPr rtlCol="0" anchor="ctr"/>
+          <a:lstStyle/>
+          <a:p>
+            <a:pPr algn="ctr"/>
+            <a:r>
+              <a:rPr lang="de-DE" dirty="0"/>
+              <a:t>ÖVP 2024</a:t>
+            </a:r>
+            <a:endParaRPr lang="de-AT" dirty="0"/>
+          </a:p>
+        </p:txBody>
+      </p:sp>
+      <p:cxnSp>
+        <p:nvCxnSpPr>
+          <p:cNvPr id="11" name="Gerade Verbindung mit Pfeil 10">
+            <a:extLst>
+              <a:ext uri="{FF2B5EF4-FFF2-40B4-BE49-F238E27FC236}">
+                <a16:creationId xmlns:a16="http://schemas.microsoft.com/office/drawing/2014/main" id="{78D0BD3F-B4DD-E518-1BD1-E437D8067360}"/>
+              </a:ext>
+            </a:extLst>
+          </p:cNvPr>
+          <p:cNvCxnSpPr>
+            <a:cxnSpLocks/>
+          </p:cNvCxnSpPr>
+          <p:nvPr/>
+        </p:nvCxnSpPr>
+        <p:spPr>
+          <a:xfrm>
+            <a:off x="3574473" y="2198254"/>
+            <a:ext cx="2533719" cy="4618"/>
+          </a:xfrm>
+          <a:prstGeom prst="straightConnector1">
+            <a:avLst/>
+          </a:prstGeom>
+          <a:ln w="25400">
+            <a:tailEnd type="triangle"/>
+          </a:ln>
+        </p:spPr>
+        <p:style>
+          <a:lnRef idx="1">
+            <a:schemeClr val="accent1"/>
+          </a:lnRef>
+          <a:fillRef idx="0">
+            <a:schemeClr val="accent1"/>
+          </a:fillRef>
+          <a:effectRef idx="0">
+            <a:schemeClr val="accent1"/>
+          </a:effectRef>
+          <a:fontRef idx="minor">
+            <a:schemeClr val="tx1"/>
+          </a:fontRef>
+        </p:style>
+      </p:cxnSp>
+      <p:sp>
+        <p:nvSpPr>
+          <p:cNvPr id="13" name="Rechteck 12">
+            <a:extLst>
+              <a:ext uri="{FF2B5EF4-FFF2-40B4-BE49-F238E27FC236}">
+                <a16:creationId xmlns:a16="http://schemas.microsoft.com/office/drawing/2014/main" id="{9F6F6E5E-C6AB-013F-5293-D8556B0F782C}"/>
+              </a:ext>
+            </a:extLst>
+          </p:cNvPr>
+          <p:cNvSpPr/>
+          <p:nvPr/>
+        </p:nvSpPr>
+        <p:spPr>
+          <a:xfrm>
+            <a:off x="1357745" y="2579789"/>
+            <a:ext cx="2216728" cy="498763"/>
+          </a:xfrm>
+          <a:prstGeom prst="rect">
+            <a:avLst/>
+          </a:prstGeom>
+          <a:solidFill>
+            <a:srgbClr val="FF0000"/>
+          </a:solidFill>
+          <a:ln>
+            <a:solidFill>
+              <a:srgbClr val="FF0000"/>
+            </a:solidFill>
+          </a:ln>
+        </p:spPr>
+        <p:style>
+          <a:lnRef idx="2">
+            <a:schemeClr val="accent1">
+              <a:shade val="15000"/>
+            </a:schemeClr>
+          </a:lnRef>
+          <a:fillRef idx="1">
+            <a:schemeClr val="accent1"/>
+          </a:fillRef>
+          <a:effectRef idx="0">
+            <a:schemeClr val="accent1"/>
+          </a:effectRef>
+          <a:fontRef idx="minor">
+            <a:schemeClr val="lt1"/>
+          </a:fontRef>
+        </p:style>
+        <p:txBody>
+          <a:bodyPr rtlCol="0" anchor="ctr"/>
+          <a:lstStyle/>
+          <a:p>
+            <a:pPr algn="ctr"/>
+            <a:r>
+              <a:rPr lang="de-DE" dirty="0"/>
+              <a:t>SPÖ 2019</a:t>
+            </a:r>
+            <a:endParaRPr lang="de-AT" dirty="0"/>
+          </a:p>
+        </p:txBody>
+      </p:sp>
+      <p:sp>
+        <p:nvSpPr>
+          <p:cNvPr id="14" name="Rechteck 13">
+            <a:extLst>
+              <a:ext uri="{FF2B5EF4-FFF2-40B4-BE49-F238E27FC236}">
+                <a16:creationId xmlns:a16="http://schemas.microsoft.com/office/drawing/2014/main" id="{784684A6-E2E6-8C5B-99BB-AB9FA64C23B7}"/>
+              </a:ext>
+            </a:extLst>
+          </p:cNvPr>
+          <p:cNvSpPr/>
+          <p:nvPr/>
+        </p:nvSpPr>
+        <p:spPr>
+          <a:xfrm>
+            <a:off x="1357745" y="4964546"/>
+            <a:ext cx="2216728" cy="498763"/>
+          </a:xfrm>
+          <a:prstGeom prst="rect">
+            <a:avLst/>
+          </a:prstGeom>
+          <a:solidFill>
+            <a:schemeClr val="tx2"/>
+          </a:solidFill>
+          <a:ln>
+            <a:solidFill>
+              <a:schemeClr val="tx2"/>
+            </a:solidFill>
+          </a:ln>
+        </p:spPr>
+        <p:style>
+          <a:lnRef idx="2">
+            <a:schemeClr val="accent1">
+              <a:shade val="15000"/>
+            </a:schemeClr>
+          </a:lnRef>
+          <a:fillRef idx="1">
+            <a:schemeClr val="accent1"/>
+          </a:fillRef>
+          <a:effectRef idx="0">
+            <a:schemeClr val="accent1"/>
+          </a:effectRef>
+          <a:fontRef idx="minor">
+            <a:schemeClr val="lt1"/>
+          </a:fontRef>
+        </p:style>
+        <p:txBody>
+          <a:bodyPr rtlCol="0" anchor="ctr"/>
+          <a:lstStyle/>
+          <a:p>
+            <a:pPr algn="ctr"/>
+            <a:r>
+              <a:rPr lang="de-DE" dirty="0"/>
+              <a:t>SONSTIGE 2019</a:t>
+            </a:r>
+            <a:endParaRPr lang="de-AT" dirty="0"/>
+          </a:p>
+        </p:txBody>
+      </p:sp>
+      <p:sp>
+        <p:nvSpPr>
+          <p:cNvPr id="15" name="Rechteck 14">
+            <a:extLst>
+              <a:ext uri="{FF2B5EF4-FFF2-40B4-BE49-F238E27FC236}">
+                <a16:creationId xmlns:a16="http://schemas.microsoft.com/office/drawing/2014/main" id="{211BCEE9-4E6E-B92C-391A-9354A3C7DF03}"/>
+              </a:ext>
+            </a:extLst>
+          </p:cNvPr>
+          <p:cNvSpPr/>
+          <p:nvPr/>
+        </p:nvSpPr>
+        <p:spPr>
+          <a:xfrm>
+            <a:off x="1357745" y="4359564"/>
+            <a:ext cx="2216728" cy="498763"/>
+          </a:xfrm>
+          <a:prstGeom prst="rect">
+            <a:avLst/>
+          </a:prstGeom>
+          <a:solidFill>
+            <a:srgbClr val="E84188"/>
+          </a:solidFill>
+          <a:ln>
+            <a:solidFill>
+              <a:srgbClr val="E84188"/>
+            </a:solidFill>
+          </a:ln>
+        </p:spPr>
+        <p:style>
+          <a:lnRef idx="2">
+            <a:schemeClr val="accent1">
+              <a:shade val="15000"/>
+            </a:schemeClr>
+          </a:lnRef>
+          <a:fillRef idx="1">
+            <a:schemeClr val="accent1"/>
+          </a:fillRef>
+          <a:effectRef idx="0">
+            <a:schemeClr val="accent1"/>
+          </a:effectRef>
+          <a:fontRef idx="minor">
+            <a:schemeClr val="lt1"/>
+          </a:fontRef>
+        </p:style>
+        <p:txBody>
+          <a:bodyPr rtlCol="0" anchor="ctr"/>
+          <a:lstStyle/>
+          <a:p>
+            <a:pPr algn="ctr"/>
+            <a:r>
+              <a:rPr lang="de-DE" dirty="0"/>
+              <a:t>NEOS 2019</a:t>
+            </a:r>
+            <a:endParaRPr lang="de-AT" dirty="0"/>
+          </a:p>
+        </p:txBody>
+      </p:sp>
+      <p:sp>
+        <p:nvSpPr>
+          <p:cNvPr id="16" name="Rechteck 15">
+            <a:extLst>
+              <a:ext uri="{FF2B5EF4-FFF2-40B4-BE49-F238E27FC236}">
+                <a16:creationId xmlns:a16="http://schemas.microsoft.com/office/drawing/2014/main" id="{9F859A45-5345-C5E1-2578-C2CC5965CA9B}"/>
+              </a:ext>
+            </a:extLst>
+          </p:cNvPr>
+          <p:cNvSpPr/>
+          <p:nvPr/>
+        </p:nvSpPr>
+        <p:spPr>
+          <a:xfrm>
+            <a:off x="1357745" y="3770568"/>
+            <a:ext cx="2216728" cy="498763"/>
+          </a:xfrm>
+          <a:prstGeom prst="rect">
+            <a:avLst/>
+          </a:prstGeom>
+          <a:solidFill>
+            <a:srgbClr val="92D050"/>
+          </a:solidFill>
+          <a:ln>
+            <a:solidFill>
+              <a:srgbClr val="92D050"/>
+            </a:solidFill>
+          </a:ln>
+        </p:spPr>
+        <p:style>
+          <a:lnRef idx="2">
+            <a:schemeClr val="accent1">
+              <a:shade val="15000"/>
+            </a:schemeClr>
+          </a:lnRef>
+          <a:fillRef idx="1">
+            <a:schemeClr val="accent1"/>
+          </a:fillRef>
+          <a:effectRef idx="0">
+            <a:schemeClr val="accent1"/>
+          </a:effectRef>
+          <a:fontRef idx="minor">
+            <a:schemeClr val="lt1"/>
+          </a:fontRef>
+        </p:style>
+        <p:txBody>
+          <a:bodyPr rtlCol="0" anchor="ctr"/>
+          <a:lstStyle/>
+          <a:p>
+            <a:pPr algn="ctr"/>
+            <a:r>
+              <a:rPr lang="de-DE" dirty="0"/>
+              <a:t>GRÜNE 2019</a:t>
+            </a:r>
+            <a:endParaRPr lang="de-AT" dirty="0"/>
+          </a:p>
+        </p:txBody>
+      </p:sp>
+      <p:sp>
+        <p:nvSpPr>
+          <p:cNvPr id="17" name="Rechteck 16">
+            <a:extLst>
+              <a:ext uri="{FF2B5EF4-FFF2-40B4-BE49-F238E27FC236}">
+                <a16:creationId xmlns:a16="http://schemas.microsoft.com/office/drawing/2014/main" id="{AE3D504D-1DD8-C9A9-FE13-7B22A8F09450}"/>
+              </a:ext>
+            </a:extLst>
+          </p:cNvPr>
+          <p:cNvSpPr/>
+          <p:nvPr/>
+        </p:nvSpPr>
+        <p:spPr>
+          <a:xfrm>
+            <a:off x="1357745" y="3167185"/>
+            <a:ext cx="2216728" cy="498763"/>
+          </a:xfrm>
+          <a:prstGeom prst="rect">
+            <a:avLst/>
+          </a:prstGeom>
+          <a:solidFill>
+            <a:srgbClr val="0066FF"/>
+          </a:solidFill>
+          <a:ln>
+            <a:solidFill>
+              <a:srgbClr val="0066FF"/>
+            </a:solidFill>
+          </a:ln>
+        </p:spPr>
+        <p:style>
+          <a:lnRef idx="2">
+            <a:schemeClr val="accent1">
+              <a:shade val="15000"/>
+            </a:schemeClr>
+          </a:lnRef>
+          <a:fillRef idx="1">
+            <a:schemeClr val="accent1"/>
+          </a:fillRef>
+          <a:effectRef idx="0">
+            <a:schemeClr val="accent1"/>
+          </a:effectRef>
+          <a:fontRef idx="minor">
+            <a:schemeClr val="lt1"/>
+          </a:fontRef>
+        </p:style>
+        <p:txBody>
+          <a:bodyPr rtlCol="0" anchor="ctr"/>
+          <a:lstStyle/>
+          <a:p>
+            <a:pPr algn="ctr"/>
+            <a:r>
+              <a:rPr lang="de-DE" dirty="0"/>
+              <a:t>FPÖ 2019</a:t>
+            </a:r>
+            <a:endParaRPr lang="de-AT" dirty="0"/>
+          </a:p>
+        </p:txBody>
+      </p:sp>
+      <p:sp>
+        <p:nvSpPr>
+          <p:cNvPr id="18" name="Rechteck 17">
+            <a:extLst>
+              <a:ext uri="{FF2B5EF4-FFF2-40B4-BE49-F238E27FC236}">
+                <a16:creationId xmlns:a16="http://schemas.microsoft.com/office/drawing/2014/main" id="{915750ED-E38E-055E-D791-DD2468EBA6D4}"/>
+              </a:ext>
+            </a:extLst>
+          </p:cNvPr>
+          <p:cNvSpPr/>
+          <p:nvPr/>
+        </p:nvSpPr>
+        <p:spPr>
+          <a:xfrm>
+            <a:off x="1357745" y="5569528"/>
+            <a:ext cx="2216728" cy="498763"/>
+          </a:xfrm>
+          <a:prstGeom prst="rect">
+            <a:avLst/>
+          </a:prstGeom>
+          <a:solidFill>
+            <a:schemeClr val="accent1">
+              <a:lumMod val="60000"/>
+              <a:lumOff val="40000"/>
+            </a:schemeClr>
+          </a:solidFill>
+          <a:ln>
+            <a:solidFill>
+              <a:schemeClr val="accent1">
+                <a:lumMod val="60000"/>
+                <a:lumOff val="40000"/>
+              </a:schemeClr>
+            </a:solidFill>
+          </a:ln>
+        </p:spPr>
+        <p:style>
+          <a:lnRef idx="2">
+            <a:schemeClr val="accent1">
+              <a:shade val="15000"/>
+            </a:schemeClr>
+          </a:lnRef>
+          <a:fillRef idx="1">
+            <a:schemeClr val="accent1"/>
+          </a:fillRef>
+          <a:effectRef idx="0">
+            <a:schemeClr val="accent1"/>
+          </a:effectRef>
+          <a:fontRef idx="minor">
+            <a:schemeClr val="lt1"/>
+          </a:fontRef>
+        </p:style>
+        <p:txBody>
+          <a:bodyPr rtlCol="0" anchor="ctr"/>
+          <a:lstStyle/>
+          <a:p>
+            <a:pPr algn="ctr"/>
+            <a:r>
+              <a:rPr lang="de-DE" dirty="0"/>
+              <a:t>NICHTW. 2019</a:t>
+            </a:r>
+            <a:endParaRPr lang="de-AT" dirty="0"/>
+          </a:p>
+        </p:txBody>
+      </p:sp>
+      <p:cxnSp>
+        <p:nvCxnSpPr>
+          <p:cNvPr id="20" name="Gerade Verbindung mit Pfeil 19">
+            <a:extLst>
+              <a:ext uri="{FF2B5EF4-FFF2-40B4-BE49-F238E27FC236}">
+                <a16:creationId xmlns:a16="http://schemas.microsoft.com/office/drawing/2014/main" id="{887ED6FA-DB1A-9E7C-F771-4B10184384C5}"/>
+              </a:ext>
+            </a:extLst>
+          </p:cNvPr>
+          <p:cNvCxnSpPr>
+            <a:cxnSpLocks/>
+            <a:stCxn id="13" idx="3"/>
+            <a:endCxn id="9" idx="1"/>
+          </p:cNvCxnSpPr>
+          <p:nvPr/>
+        </p:nvCxnSpPr>
+        <p:spPr>
+          <a:xfrm flipV="1">
+            <a:off x="3574473" y="2193636"/>
+            <a:ext cx="2533719" cy="635535"/>
+          </a:xfrm>
+          <a:prstGeom prst="straightConnector1">
+            <a:avLst/>
+          </a:prstGeom>
+          <a:ln w="25400">
+            <a:tailEnd type="triangle"/>
+          </a:ln>
+        </p:spPr>
+        <p:style>
+          <a:lnRef idx="1">
+            <a:schemeClr val="accent1"/>
+          </a:lnRef>
+          <a:fillRef idx="0">
+            <a:schemeClr val="accent1"/>
+          </a:fillRef>
+          <a:effectRef idx="0">
+            <a:schemeClr val="accent1"/>
+          </a:effectRef>
+          <a:fontRef idx="minor">
+            <a:schemeClr val="tx1"/>
+          </a:fontRef>
+        </p:style>
+      </p:cxnSp>
+      <p:cxnSp>
+        <p:nvCxnSpPr>
+          <p:cNvPr id="23" name="Gerade Verbindung mit Pfeil 22">
+            <a:extLst>
+              <a:ext uri="{FF2B5EF4-FFF2-40B4-BE49-F238E27FC236}">
+                <a16:creationId xmlns:a16="http://schemas.microsoft.com/office/drawing/2014/main" id="{35618F8C-8875-1E47-E6C0-77E854174489}"/>
+              </a:ext>
+            </a:extLst>
+          </p:cNvPr>
+          <p:cNvCxnSpPr>
+            <a:cxnSpLocks/>
+            <a:stCxn id="17" idx="3"/>
+            <a:endCxn id="9" idx="1"/>
+          </p:cNvCxnSpPr>
+          <p:nvPr/>
+        </p:nvCxnSpPr>
+        <p:spPr>
+          <a:xfrm flipV="1">
+            <a:off x="3574473" y="2193636"/>
+            <a:ext cx="2533719" cy="1222931"/>
+          </a:xfrm>
+          <a:prstGeom prst="straightConnector1">
+            <a:avLst/>
+          </a:prstGeom>
+          <a:ln w="25400">
+            <a:tailEnd type="triangle"/>
+          </a:ln>
+        </p:spPr>
+        <p:style>
+          <a:lnRef idx="1">
+            <a:schemeClr val="accent1"/>
+          </a:lnRef>
+          <a:fillRef idx="0">
+            <a:schemeClr val="accent1"/>
+          </a:fillRef>
+          <a:effectRef idx="0">
+            <a:schemeClr val="accent1"/>
+          </a:effectRef>
+          <a:fontRef idx="minor">
+            <a:schemeClr val="tx1"/>
+          </a:fontRef>
+        </p:style>
+      </p:cxnSp>
+      <p:cxnSp>
+        <p:nvCxnSpPr>
+          <p:cNvPr id="26" name="Gerade Verbindung mit Pfeil 25">
+            <a:extLst>
+              <a:ext uri="{FF2B5EF4-FFF2-40B4-BE49-F238E27FC236}">
+                <a16:creationId xmlns:a16="http://schemas.microsoft.com/office/drawing/2014/main" id="{671ADFF6-6025-18C7-63DD-C19DEB4F7ECE}"/>
+              </a:ext>
+            </a:extLst>
+          </p:cNvPr>
+          <p:cNvCxnSpPr>
+            <a:stCxn id="16" idx="3"/>
+            <a:endCxn id="9" idx="1"/>
+          </p:cNvCxnSpPr>
+          <p:nvPr/>
+        </p:nvCxnSpPr>
+        <p:spPr>
+          <a:xfrm flipV="1">
+            <a:off x="3574473" y="2193636"/>
+            <a:ext cx="2533719" cy="1826314"/>
+          </a:xfrm>
+          <a:prstGeom prst="straightConnector1">
+            <a:avLst/>
+          </a:prstGeom>
+          <a:ln w="25400">
+            <a:tailEnd type="triangle"/>
+          </a:ln>
+        </p:spPr>
+        <p:style>
+          <a:lnRef idx="1">
+            <a:schemeClr val="accent1"/>
+          </a:lnRef>
+          <a:fillRef idx="0">
+            <a:schemeClr val="accent1"/>
+          </a:fillRef>
+          <a:effectRef idx="0">
+            <a:schemeClr val="accent1"/>
+          </a:effectRef>
+          <a:fontRef idx="minor">
+            <a:schemeClr val="tx1"/>
+          </a:fontRef>
+        </p:style>
+      </p:cxnSp>
+      <p:cxnSp>
+        <p:nvCxnSpPr>
+          <p:cNvPr id="28" name="Gerade Verbindung mit Pfeil 27">
+            <a:extLst>
+              <a:ext uri="{FF2B5EF4-FFF2-40B4-BE49-F238E27FC236}">
+                <a16:creationId xmlns:a16="http://schemas.microsoft.com/office/drawing/2014/main" id="{9F2F1720-9D90-665E-3AD1-DDF29DF16EAC}"/>
+              </a:ext>
+            </a:extLst>
+          </p:cNvPr>
+          <p:cNvCxnSpPr>
+            <a:stCxn id="15" idx="3"/>
+            <a:endCxn id="9" idx="1"/>
+          </p:cNvCxnSpPr>
+          <p:nvPr/>
+        </p:nvCxnSpPr>
+        <p:spPr>
+          <a:xfrm flipV="1">
+            <a:off x="3574473" y="2193636"/>
+            <a:ext cx="2533719" cy="2415310"/>
+          </a:xfrm>
+          <a:prstGeom prst="straightConnector1">
+            <a:avLst/>
+          </a:prstGeom>
+          <a:ln w="25400">
+            <a:tailEnd type="triangle"/>
+          </a:ln>
+        </p:spPr>
+        <p:style>
+          <a:lnRef idx="1">
+            <a:schemeClr val="accent1"/>
+          </a:lnRef>
+          <a:fillRef idx="0">
+            <a:schemeClr val="accent1"/>
+          </a:fillRef>
+          <a:effectRef idx="0">
+            <a:schemeClr val="accent1"/>
+          </a:effectRef>
+          <a:fontRef idx="minor">
+            <a:schemeClr val="tx1"/>
+          </a:fontRef>
+        </p:style>
+      </p:cxnSp>
+      <p:cxnSp>
+        <p:nvCxnSpPr>
+          <p:cNvPr id="30" name="Gerade Verbindung mit Pfeil 29">
+            <a:extLst>
+              <a:ext uri="{FF2B5EF4-FFF2-40B4-BE49-F238E27FC236}">
+                <a16:creationId xmlns:a16="http://schemas.microsoft.com/office/drawing/2014/main" id="{18E9B770-EE49-09D8-4FA0-25846B10F8D6}"/>
+              </a:ext>
+            </a:extLst>
+          </p:cNvPr>
+          <p:cNvCxnSpPr>
+            <a:stCxn id="14" idx="3"/>
+            <a:endCxn id="9" idx="1"/>
+          </p:cNvCxnSpPr>
+          <p:nvPr/>
+        </p:nvCxnSpPr>
+        <p:spPr>
+          <a:xfrm flipV="1">
+            <a:off x="3574473" y="2193636"/>
+            <a:ext cx="2533719" cy="3020292"/>
+          </a:xfrm>
+          <a:prstGeom prst="straightConnector1">
+            <a:avLst/>
+          </a:prstGeom>
+          <a:ln w="25400">
+            <a:tailEnd type="triangle"/>
+          </a:ln>
+        </p:spPr>
+        <p:style>
+          <a:lnRef idx="1">
+            <a:schemeClr val="accent1"/>
+          </a:lnRef>
+          <a:fillRef idx="0">
+            <a:schemeClr val="accent1"/>
+          </a:fillRef>
+          <a:effectRef idx="0">
+            <a:schemeClr val="accent1"/>
+          </a:effectRef>
+          <a:fontRef idx="minor">
+            <a:schemeClr val="tx1"/>
+          </a:fontRef>
+        </p:style>
+      </p:cxnSp>
+      <p:cxnSp>
+        <p:nvCxnSpPr>
+          <p:cNvPr id="32" name="Gerade Verbindung mit Pfeil 31">
+            <a:extLst>
+              <a:ext uri="{FF2B5EF4-FFF2-40B4-BE49-F238E27FC236}">
+                <a16:creationId xmlns:a16="http://schemas.microsoft.com/office/drawing/2014/main" id="{DCD6490B-3A79-DF72-0661-BBE3690B23B1}"/>
+              </a:ext>
+            </a:extLst>
+          </p:cNvPr>
+          <p:cNvCxnSpPr>
+            <a:stCxn id="18" idx="3"/>
+            <a:endCxn id="9" idx="1"/>
+          </p:cNvCxnSpPr>
+          <p:nvPr/>
+        </p:nvCxnSpPr>
+        <p:spPr>
+          <a:xfrm flipV="1">
+            <a:off x="3574473" y="2193636"/>
+            <a:ext cx="2533719" cy="3625274"/>
+          </a:xfrm>
+          <a:prstGeom prst="straightConnector1">
+            <a:avLst/>
+          </a:prstGeom>
+          <a:ln w="25400">
+            <a:tailEnd type="triangle"/>
+          </a:ln>
+        </p:spPr>
+        <p:style>
+          <a:lnRef idx="1">
+            <a:schemeClr val="accent1"/>
+          </a:lnRef>
+          <a:fillRef idx="0">
+            <a:schemeClr val="accent1"/>
+          </a:fillRef>
+          <a:effectRef idx="0">
+            <a:schemeClr val="accent1"/>
+          </a:effectRef>
+          <a:fontRef idx="minor">
+            <a:schemeClr val="tx1"/>
+          </a:fontRef>
+        </p:style>
+      </p:cxnSp>
+    </p:spTree>
+    <p:extLst>
+      <p:ext uri="{BB962C8B-B14F-4D97-AF65-F5344CB8AC3E}">
+        <p14:creationId xmlns:p14="http://schemas.microsoft.com/office/powerpoint/2010/main" val="1660095020"/>
+      </p:ext>
+    </p:extLst>
+  </p:cSld>
+  <p:clrMapOvr>
+    <a:masterClrMapping/>
+  </p:clrMapOvr>
+  <p:timing>
+    <p:tnLst>
+      <p:par>
+        <p:cTn id="1" dur="indefinite" restart="never" nodeType="tmRoot">
+          <p:childTnLst>
+            <p:seq concurrent="1" nextAc="seek">
+              <p:cTn id="2" dur="indefinite" nodeType="mainSeq">
+                <p:childTnLst>
+                  <p:par>
+                    <p:cTn id="3" fill="hold">
+                      <p:stCondLst>
+                        <p:cond delay="indefinite"/>
+                      </p:stCondLst>
+                      <p:childTnLst>
+                        <p:par>
+                          <p:cTn id="4" fill="hold">
+                            <p:stCondLst>
+                              <p:cond delay="0"/>
+                            </p:stCondLst>
+                            <p:childTnLst>
+                              <p:par>
+                                <p:cTn id="5" presetID="1" presetClass="entr" presetSubtype="0" fill="hold" grpId="0" nodeType="clickEffect">
+                                  <p:stCondLst>
+                                    <p:cond delay="0"/>
+                                  </p:stCondLst>
+                                  <p:childTnLst>
+                                    <p:set>
+                                      <p:cBhvr>
+                                        <p:cTn id="6" dur="1" fill="hold">
+                                          <p:stCondLst>
+                                            <p:cond delay="0"/>
+                                          </p:stCondLst>
+                                        </p:cTn>
+                                        <p:tgtEl>
+                                          <p:spTgt spid="13"/>
+                                        </p:tgtEl>
+                                        <p:attrNameLst>
+                                          <p:attrName>style.visibility</p:attrName>
+                                        </p:attrNameLst>
+                                      </p:cBhvr>
+                                      <p:to>
+                                        <p:strVal val="visible"/>
+                                      </p:to>
+                                    </p:set>
+                                  </p:childTnLst>
+                                </p:cTn>
+                              </p:par>
+                              <p:par>
+                                <p:cTn id="7" presetID="1" presetClass="entr" presetSubtype="0" fill="hold" grpId="0" nodeType="withEffect">
+                                  <p:stCondLst>
+                                    <p:cond delay="0"/>
+                                  </p:stCondLst>
+                                  <p:childTnLst>
+                                    <p:set>
+                                      <p:cBhvr>
+                                        <p:cTn id="8" dur="1" fill="hold">
+                                          <p:stCondLst>
+                                            <p:cond delay="0"/>
+                                          </p:stCondLst>
+                                        </p:cTn>
+                                        <p:tgtEl>
+                                          <p:spTgt spid="17"/>
+                                        </p:tgtEl>
+                                        <p:attrNameLst>
+                                          <p:attrName>style.visibility</p:attrName>
+                                        </p:attrNameLst>
+                                      </p:cBhvr>
+                                      <p:to>
+                                        <p:strVal val="visible"/>
+                                      </p:to>
+                                    </p:set>
+                                  </p:childTnLst>
+                                </p:cTn>
+                              </p:par>
+                              <p:par>
+                                <p:cTn id="9" presetID="1" presetClass="entr" presetSubtype="0" fill="hold" grpId="0" nodeType="withEffect">
+                                  <p:stCondLst>
+                                    <p:cond delay="0"/>
+                                  </p:stCondLst>
+                                  <p:childTnLst>
+                                    <p:set>
+                                      <p:cBhvr>
+                                        <p:cTn id="10" dur="1" fill="hold">
+                                          <p:stCondLst>
+                                            <p:cond delay="0"/>
+                                          </p:stCondLst>
+                                        </p:cTn>
+                                        <p:tgtEl>
+                                          <p:spTgt spid="16"/>
+                                        </p:tgtEl>
+                                        <p:attrNameLst>
+                                          <p:attrName>style.visibility</p:attrName>
+                                        </p:attrNameLst>
+                                      </p:cBhvr>
+                                      <p:to>
+                                        <p:strVal val="visible"/>
+                                      </p:to>
+                                    </p:set>
+                                  </p:childTnLst>
+                                </p:cTn>
+                              </p:par>
+                              <p:par>
+                                <p:cTn id="11" presetID="1" presetClass="entr" presetSubtype="0" fill="hold" grpId="0" nodeType="withEffect">
+                                  <p:stCondLst>
+                                    <p:cond delay="0"/>
+                                  </p:stCondLst>
+                                  <p:childTnLst>
+                                    <p:set>
+                                      <p:cBhvr>
+                                        <p:cTn id="12" dur="1" fill="hold">
+                                          <p:stCondLst>
+                                            <p:cond delay="0"/>
+                                          </p:stCondLst>
+                                        </p:cTn>
+                                        <p:tgtEl>
+                                          <p:spTgt spid="15"/>
+                                        </p:tgtEl>
+                                        <p:attrNameLst>
+                                          <p:attrName>style.visibility</p:attrName>
+                                        </p:attrNameLst>
+                                      </p:cBhvr>
+                                      <p:to>
+                                        <p:strVal val="visible"/>
+                                      </p:to>
+                                    </p:set>
+                                  </p:childTnLst>
+                                </p:cTn>
+                              </p:par>
+                              <p:par>
+                                <p:cTn id="13" presetID="1" presetClass="entr" presetSubtype="0" fill="hold" grpId="0" nodeType="withEffect">
+                                  <p:stCondLst>
+                                    <p:cond delay="0"/>
+                                  </p:stCondLst>
+                                  <p:childTnLst>
+                                    <p:set>
+                                      <p:cBhvr>
+                                        <p:cTn id="14" dur="1" fill="hold">
+                                          <p:stCondLst>
+                                            <p:cond delay="0"/>
+                                          </p:stCondLst>
+                                        </p:cTn>
+                                        <p:tgtEl>
+                                          <p:spTgt spid="14"/>
+                                        </p:tgtEl>
+                                        <p:attrNameLst>
+                                          <p:attrName>style.visibility</p:attrName>
+                                        </p:attrNameLst>
+                                      </p:cBhvr>
+                                      <p:to>
+                                        <p:strVal val="visible"/>
+                                      </p:to>
+                                    </p:set>
+                                  </p:childTnLst>
+                                </p:cTn>
+                              </p:par>
+                              <p:par>
+                                <p:cTn id="15" presetID="1" presetClass="entr" presetSubtype="0" fill="hold" grpId="0" nodeType="withEffect">
+                                  <p:stCondLst>
+                                    <p:cond delay="0"/>
+                                  </p:stCondLst>
+                                  <p:childTnLst>
+                                    <p:set>
+                                      <p:cBhvr>
+                                        <p:cTn id="16" dur="1" fill="hold">
+                                          <p:stCondLst>
+                                            <p:cond delay="0"/>
+                                          </p:stCondLst>
+                                        </p:cTn>
+                                        <p:tgtEl>
+                                          <p:spTgt spid="18"/>
+                                        </p:tgtEl>
+                                        <p:attrNameLst>
+                                          <p:attrName>style.visibility</p:attrName>
+                                        </p:attrNameLst>
+                                      </p:cBhvr>
+                                      <p:to>
+                                        <p:strVal val="visible"/>
+                                      </p:to>
+                                    </p:set>
+                                  </p:childTnLst>
+                                </p:cTn>
+                              </p:par>
+                            </p:childTnLst>
+                          </p:cTn>
+                        </p:par>
+                      </p:childTnLst>
+                    </p:cTn>
+                  </p:par>
+                  <p:par>
+                    <p:cTn id="17" fill="hold">
+                      <p:stCondLst>
+                        <p:cond delay="indefinite"/>
+                      </p:stCondLst>
+                      <p:childTnLst>
+                        <p:par>
+                          <p:cTn id="18" fill="hold">
+                            <p:stCondLst>
+                              <p:cond delay="0"/>
+                            </p:stCondLst>
+                            <p:childTnLst>
+                              <p:par>
+                                <p:cTn id="19" presetID="1" presetClass="entr" presetSubtype="0" fill="hold" nodeType="clickEffect">
+                                  <p:stCondLst>
+                                    <p:cond delay="0"/>
+                                  </p:stCondLst>
+                                  <p:childTnLst>
+                                    <p:set>
+                                      <p:cBhvr>
+                                        <p:cTn id="20" dur="1" fill="hold">
+                                          <p:stCondLst>
+                                            <p:cond delay="0"/>
+                                          </p:stCondLst>
+                                        </p:cTn>
+                                        <p:tgtEl>
+                                          <p:spTgt spid="20"/>
+                                        </p:tgtEl>
+                                        <p:attrNameLst>
+                                          <p:attrName>style.visibility</p:attrName>
+                                        </p:attrNameLst>
+                                      </p:cBhvr>
+                                      <p:to>
+                                        <p:strVal val="visible"/>
+                                      </p:to>
+                                    </p:set>
+                                  </p:childTnLst>
+                                </p:cTn>
+                              </p:par>
+                              <p:par>
+                                <p:cTn id="21" presetID="1" presetClass="entr" presetSubtype="0" fill="hold" nodeType="withEffect">
+                                  <p:stCondLst>
+                                    <p:cond delay="0"/>
+                                  </p:stCondLst>
+                                  <p:childTnLst>
+                                    <p:set>
+                                      <p:cBhvr>
+                                        <p:cTn id="22" dur="1" fill="hold">
+                                          <p:stCondLst>
+                                            <p:cond delay="0"/>
+                                          </p:stCondLst>
+                                        </p:cTn>
+                                        <p:tgtEl>
+                                          <p:spTgt spid="23"/>
+                                        </p:tgtEl>
+                                        <p:attrNameLst>
+                                          <p:attrName>style.visibility</p:attrName>
+                                        </p:attrNameLst>
+                                      </p:cBhvr>
+                                      <p:to>
+                                        <p:strVal val="visible"/>
+                                      </p:to>
+                                    </p:set>
+                                  </p:childTnLst>
+                                </p:cTn>
+                              </p:par>
+                              <p:par>
+                                <p:cTn id="23" presetID="1" presetClass="entr" presetSubtype="0" fill="hold" nodeType="withEffect">
+                                  <p:stCondLst>
+                                    <p:cond delay="0"/>
+                                  </p:stCondLst>
+                                  <p:childTnLst>
+                                    <p:set>
+                                      <p:cBhvr>
+                                        <p:cTn id="24" dur="1" fill="hold">
+                                          <p:stCondLst>
+                                            <p:cond delay="0"/>
+                                          </p:stCondLst>
+                                        </p:cTn>
+                                        <p:tgtEl>
+                                          <p:spTgt spid="26"/>
+                                        </p:tgtEl>
+                                        <p:attrNameLst>
+                                          <p:attrName>style.visibility</p:attrName>
+                                        </p:attrNameLst>
+                                      </p:cBhvr>
+                                      <p:to>
+                                        <p:strVal val="visible"/>
+                                      </p:to>
+                                    </p:set>
+                                  </p:childTnLst>
+                                </p:cTn>
+                              </p:par>
+                              <p:par>
+                                <p:cTn id="25" presetID="1" presetClass="entr" presetSubtype="0" fill="hold" nodeType="withEffect">
+                                  <p:stCondLst>
+                                    <p:cond delay="0"/>
+                                  </p:stCondLst>
+                                  <p:childTnLst>
+                                    <p:set>
+                                      <p:cBhvr>
+                                        <p:cTn id="26" dur="1" fill="hold">
+                                          <p:stCondLst>
+                                            <p:cond delay="0"/>
+                                          </p:stCondLst>
+                                        </p:cTn>
+                                        <p:tgtEl>
+                                          <p:spTgt spid="28"/>
+                                        </p:tgtEl>
+                                        <p:attrNameLst>
+                                          <p:attrName>style.visibility</p:attrName>
+                                        </p:attrNameLst>
+                                      </p:cBhvr>
+                                      <p:to>
+                                        <p:strVal val="visible"/>
+                                      </p:to>
+                                    </p:set>
+                                  </p:childTnLst>
+                                </p:cTn>
+                              </p:par>
+                              <p:par>
+                                <p:cTn id="27" presetID="1" presetClass="entr" presetSubtype="0" fill="hold" nodeType="withEffect">
+                                  <p:stCondLst>
+                                    <p:cond delay="0"/>
+                                  </p:stCondLst>
+                                  <p:childTnLst>
+                                    <p:set>
+                                      <p:cBhvr>
+                                        <p:cTn id="28" dur="1" fill="hold">
+                                          <p:stCondLst>
+                                            <p:cond delay="0"/>
+                                          </p:stCondLst>
+                                        </p:cTn>
+                                        <p:tgtEl>
+                                          <p:spTgt spid="30"/>
+                                        </p:tgtEl>
+                                        <p:attrNameLst>
+                                          <p:attrName>style.visibility</p:attrName>
+                                        </p:attrNameLst>
+                                      </p:cBhvr>
+                                      <p:to>
+                                        <p:strVal val="visible"/>
+                                      </p:to>
+                                    </p:set>
+                                  </p:childTnLst>
+                                </p:cTn>
+                              </p:par>
+                              <p:par>
+                                <p:cTn id="29" presetID="1" presetClass="entr" presetSubtype="0" fill="hold" nodeType="withEffect">
+                                  <p:stCondLst>
+                                    <p:cond delay="0"/>
+                                  </p:stCondLst>
+                                  <p:childTnLst>
+                                    <p:set>
+                                      <p:cBhvr>
+                                        <p:cTn id="30" dur="1" fill="hold">
+                                          <p:stCondLst>
+                                            <p:cond delay="0"/>
+                                          </p:stCondLst>
+                                        </p:cTn>
+                                        <p:tgtEl>
+                                          <p:spTgt spid="32"/>
+                                        </p:tgtEl>
+                                        <p:attrNameLst>
+                                          <p:attrName>style.visibility</p:attrName>
+                                        </p:attrNameLst>
+                                      </p:cBhvr>
+                                      <p:to>
+                                        <p:strVal val="visible"/>
+                                      </p:to>
+                                    </p:set>
+                                  </p:childTnLst>
+                                </p:cTn>
+                              </p:par>
+                            </p:childTnLst>
+                          </p:cTn>
+                        </p:par>
+                      </p:childTnLst>
+                    </p:cTn>
+                  </p:par>
+                </p:childTnLst>
+              </p:cTn>
+              <p:prevCondLst>
+                <p:cond evt="onPrev" delay="0">
+                  <p:tgtEl>
+                    <p:sldTgt/>
+                  </p:tgtEl>
+                </p:cond>
+              </p:prevCondLst>
+              <p:nextCondLst>
+                <p:cond evt="onNext" delay="0">
+                  <p:tgtEl>
+                    <p:sldTgt/>
+                  </p:tgtEl>
+                </p:cond>
+              </p:nextCondLst>
+            </p:seq>
+          </p:childTnLst>
+        </p:cTn>
+      </p:par>
+    </p:tnLst>
+    <p:bldLst>
+      <p:bldP spid="13" grpId="0" animBg="1"/>
+      <p:bldP spid="14" grpId="0" animBg="1"/>
+      <p:bldP spid="15" grpId="0" animBg="1"/>
+      <p:bldP spid="16" grpId="0" animBg="1"/>
+      <p:bldP spid="17" grpId="0" animBg="1"/>
+      <p:bldP spid="18" grpId="0" animBg="1"/>
+    </p:bldLst>
+  </p:timing>
+</p:sld>
+</file>
+
+<file path=ppt/slides/slide9.xml><?xml version="1.0" encoding="utf-8"?>
+<p:sld xmlns:a="http://schemas.openxmlformats.org/drawingml/2006/main" xmlns:r="http://schemas.openxmlformats.org/officeDocument/2006/relationships" xmlns:p="http://schemas.openxmlformats.org/presentationml/2006/main">
+  <p:cSld>
+    <p:spTree>
+      <p:nvGrpSpPr>
         <p:cNvPr id="1" name=""/>
         <p:cNvGrpSpPr/>
         <p:nvPr/>
@@ -12841,8 +18750,8 @@
           </a:p>
         </p:txBody>
       </p:sp>
-      <mc:AlternateContent xmlns:mc="http://schemas.openxmlformats.org/markup-compatibility/2006">
-        <mc:Choice xmlns:a14="http://schemas.microsoft.com/office/drawing/2010/main" Requires="a14">
+      <mc:AlternateContent xmlns:mc="http://schemas.openxmlformats.org/markup-compatibility/2006" xmlns:a14="http://schemas.microsoft.com/office/drawing/2010/main">
+        <mc:Choice Requires="a14">
           <p:sp>
             <p:nvSpPr>
               <p:cNvPr id="3" name="Inhaltsplatzhalter 2">
@@ -13308,7 +19217,7 @@
             </p:txBody>
           </p:sp>
         </mc:Choice>
-        <mc:Fallback>
+        <mc:Fallback xmlns="">
           <p:sp>
             <p:nvSpPr>
               <p:cNvPr id="3" name="Inhaltsplatzhalter 2">
@@ -13402,7 +19311,7 @@
           <a:p>
             <a:fld id="{58087E24-FB43-451A-9D0B-7B980EC5ED81}" type="slidenum">
               <a:rPr lang="de-AT" smtClean="0"/>
-              <a:t>7</a:t>
+              <a:t>9</a:t>
             </a:fld>
             <a:endParaRPr lang="de-AT"/>
           </a:p>
@@ -13608,304 +19517,6 @@
       </p:par>
     </p:tnLst>
   </p:timing>
-</p:sld>
-</file>
-
-<file path=ppt/slides/slide8.xml><?xml version="1.0" encoding="utf-8"?>
-<p:sld xmlns:a="http://schemas.openxmlformats.org/drawingml/2006/main" xmlns:r="http://schemas.openxmlformats.org/officeDocument/2006/relationships" xmlns:p="http://schemas.openxmlformats.org/presentationml/2006/main">
-  <p:cSld>
-    <p:spTree>
-      <p:nvGrpSpPr>
-        <p:cNvPr id="1" name=""/>
-        <p:cNvGrpSpPr/>
-        <p:nvPr/>
-      </p:nvGrpSpPr>
-      <p:grpSpPr>
-        <a:xfrm>
-          <a:off x="0" y="0"/>
-          <a:ext cx="0" cy="0"/>
-          <a:chOff x="0" y="0"/>
-          <a:chExt cx="0" cy="0"/>
-        </a:xfrm>
-      </p:grpSpPr>
-      <p:sp>
-        <p:nvSpPr>
-          <p:cNvPr id="2" name="Titel 1">
-            <a:extLst>
-              <a:ext uri="{FF2B5EF4-FFF2-40B4-BE49-F238E27FC236}">
-                <a16:creationId xmlns:a16="http://schemas.microsoft.com/office/drawing/2014/main" id="{72D063B7-920E-99CF-ED69-5C505F27D448}"/>
-              </a:ext>
-            </a:extLst>
-          </p:cNvPr>
-          <p:cNvSpPr>
-            <a:spLocks noGrp="1"/>
-          </p:cNvSpPr>
-          <p:nvPr>
-            <p:ph type="ctrTitle"/>
-          </p:nvPr>
-        </p:nvSpPr>
-        <p:spPr/>
-        <p:txBody>
-          <a:bodyPr/>
-          <a:lstStyle/>
-          <a:p>
-            <a:r>
-              <a:rPr lang="de-DE" dirty="0"/>
-              <a:t>Hochrechnung</a:t>
-            </a:r>
-            <a:endParaRPr lang="de-AT" dirty="0"/>
-          </a:p>
-        </p:txBody>
-      </p:sp>
-      <p:sp>
-        <p:nvSpPr>
-          <p:cNvPr id="3" name="Untertitel 2">
-            <a:extLst>
-              <a:ext uri="{FF2B5EF4-FFF2-40B4-BE49-F238E27FC236}">
-                <a16:creationId xmlns:a16="http://schemas.microsoft.com/office/drawing/2014/main" id="{CE01CBFB-C7A0-A578-95B9-6D9198EFAA2B}"/>
-              </a:ext>
-            </a:extLst>
-          </p:cNvPr>
-          <p:cNvSpPr>
-            <a:spLocks noGrp="1"/>
-          </p:cNvSpPr>
-          <p:nvPr>
-            <p:ph type="subTitle" idx="1"/>
-          </p:nvPr>
-        </p:nvSpPr>
-        <p:spPr/>
-        <p:txBody>
-          <a:bodyPr/>
-          <a:lstStyle/>
-          <a:p>
-            <a:r>
-              <a:rPr lang="de-DE" dirty="0"/>
-              <a:t>Praktische Umsetzung in Excel</a:t>
-            </a:r>
-            <a:endParaRPr lang="de-AT" dirty="0"/>
-          </a:p>
-        </p:txBody>
-      </p:sp>
-      <p:sp>
-        <p:nvSpPr>
-          <p:cNvPr id="4" name="Fußzeilenplatzhalter 3">
-            <a:extLst>
-              <a:ext uri="{FF2B5EF4-FFF2-40B4-BE49-F238E27FC236}">
-                <a16:creationId xmlns:a16="http://schemas.microsoft.com/office/drawing/2014/main" id="{92CCE94F-C9F6-1E34-A87A-F056DD5D746A}"/>
-              </a:ext>
-            </a:extLst>
-          </p:cNvPr>
-          <p:cNvSpPr>
-            <a:spLocks noGrp="1"/>
-          </p:cNvSpPr>
-          <p:nvPr>
-            <p:ph type="ftr" sz="quarter" idx="11"/>
-          </p:nvPr>
-        </p:nvSpPr>
-        <p:spPr/>
-        <p:txBody>
-          <a:bodyPr/>
-          <a:lstStyle/>
-          <a:p>
-            <a:r>
-              <a:rPr lang="de-AT"/>
-              <a:t>WIPOL Hirschwang</a:t>
-            </a:r>
-            <a:endParaRPr lang="de-AT" dirty="0"/>
-          </a:p>
-        </p:txBody>
-      </p:sp>
-      <p:sp>
-        <p:nvSpPr>
-          <p:cNvPr id="5" name="Foliennummernplatzhalter 4">
-            <a:extLst>
-              <a:ext uri="{FF2B5EF4-FFF2-40B4-BE49-F238E27FC236}">
-                <a16:creationId xmlns:a16="http://schemas.microsoft.com/office/drawing/2014/main" id="{AEC9DD78-CC11-233B-12E1-03CA8E258FC2}"/>
-              </a:ext>
-            </a:extLst>
-          </p:cNvPr>
-          <p:cNvSpPr>
-            <a:spLocks noGrp="1"/>
-          </p:cNvSpPr>
-          <p:nvPr>
-            <p:ph type="sldNum" sz="quarter" idx="12"/>
-          </p:nvPr>
-        </p:nvSpPr>
-        <p:spPr/>
-        <p:txBody>
-          <a:bodyPr>
-            <a:normAutofit lnSpcReduction="10000"/>
-          </a:bodyPr>
-          <a:lstStyle/>
-          <a:p>
-            <a:fld id="{58087E24-FB43-451A-9D0B-7B980EC5ED81}" type="slidenum">
-              <a:rPr lang="de-AT" smtClean="0"/>
-              <a:t>8</a:t>
-            </a:fld>
-            <a:endParaRPr lang="de-AT"/>
-          </a:p>
-        </p:txBody>
-      </p:sp>
-    </p:spTree>
-    <p:extLst>
-      <p:ext uri="{BB962C8B-B14F-4D97-AF65-F5344CB8AC3E}">
-        <p14:creationId xmlns:p14="http://schemas.microsoft.com/office/powerpoint/2010/main" val="3274048661"/>
-      </p:ext>
-    </p:extLst>
-  </p:cSld>
-  <p:clrMapOvr>
-    <a:masterClrMapping/>
-  </p:clrMapOvr>
-</p:sld>
-</file>
-
-<file path=ppt/slides/slide9.xml><?xml version="1.0" encoding="utf-8"?>
-<p:sld xmlns:a="http://schemas.openxmlformats.org/drawingml/2006/main" xmlns:r="http://schemas.openxmlformats.org/officeDocument/2006/relationships" xmlns:p="http://schemas.openxmlformats.org/presentationml/2006/main">
-  <p:cSld>
-    <p:spTree>
-      <p:nvGrpSpPr>
-        <p:cNvPr id="1" name=""/>
-        <p:cNvGrpSpPr/>
-        <p:nvPr/>
-      </p:nvGrpSpPr>
-      <p:grpSpPr>
-        <a:xfrm>
-          <a:off x="0" y="0"/>
-          <a:ext cx="0" cy="0"/>
-          <a:chOff x="0" y="0"/>
-          <a:chExt cx="0" cy="0"/>
-        </a:xfrm>
-      </p:grpSpPr>
-      <p:sp>
-        <p:nvSpPr>
-          <p:cNvPr id="2" name="Titel 1">
-            <a:extLst>
-              <a:ext uri="{FF2B5EF4-FFF2-40B4-BE49-F238E27FC236}">
-                <a16:creationId xmlns:a16="http://schemas.microsoft.com/office/drawing/2014/main" id="{BB36368B-FAB8-C20B-35F4-757B95A5D4EF}"/>
-              </a:ext>
-            </a:extLst>
-          </p:cNvPr>
-          <p:cNvSpPr>
-            <a:spLocks noGrp="1"/>
-          </p:cNvSpPr>
-          <p:nvPr>
-            <p:ph type="title"/>
-          </p:nvPr>
-        </p:nvSpPr>
-        <p:spPr/>
-        <p:txBody>
-          <a:bodyPr/>
-          <a:lstStyle/>
-          <a:p>
-            <a:r>
-              <a:rPr lang="de-DE" dirty="0"/>
-              <a:t>Ziel: Urnenwahlergebnis NRW 2024</a:t>
-            </a:r>
-            <a:endParaRPr lang="de-AT" dirty="0"/>
-          </a:p>
-        </p:txBody>
-      </p:sp>
-      <p:graphicFrame>
-        <p:nvGraphicFramePr>
-          <p:cNvPr id="5" name="Inhaltsplatzhalter 4">
-            <a:extLst>
-              <a:ext uri="{FF2B5EF4-FFF2-40B4-BE49-F238E27FC236}">
-                <a16:creationId xmlns:a16="http://schemas.microsoft.com/office/drawing/2014/main" id="{0B7A5EA3-4E87-D48C-6EF1-E98D90806FEE}"/>
-              </a:ext>
-            </a:extLst>
-          </p:cNvPr>
-          <p:cNvGraphicFramePr>
-            <a:graphicFrameLocks noGrp="1"/>
-          </p:cNvGraphicFramePr>
-          <p:nvPr>
-            <p:ph idx="1"/>
-            <p:extLst>
-              <p:ext uri="{D42A27DB-BD31-4B8C-83A1-F6EECF244321}">
-                <p14:modId xmlns:p14="http://schemas.microsoft.com/office/powerpoint/2010/main" val="3978930660"/>
-              </p:ext>
-            </p:extLst>
-          </p:nvPr>
-        </p:nvGraphicFramePr>
-        <p:xfrm>
-          <a:off x="1262063" y="1828800"/>
-          <a:ext cx="8594725" cy="4351338"/>
-        </p:xfrm>
-        <a:graphic>
-          <a:graphicData uri="http://schemas.openxmlformats.org/drawingml/2006/chart">
-            <c:chart xmlns:c="http://schemas.openxmlformats.org/drawingml/2006/chart" xmlns:r="http://schemas.openxmlformats.org/officeDocument/2006/relationships" r:id="rId2"/>
-          </a:graphicData>
-        </a:graphic>
-      </p:graphicFrame>
-      <p:sp>
-        <p:nvSpPr>
-          <p:cNvPr id="3" name="Fußzeilenplatzhalter 2">
-            <a:extLst>
-              <a:ext uri="{FF2B5EF4-FFF2-40B4-BE49-F238E27FC236}">
-                <a16:creationId xmlns:a16="http://schemas.microsoft.com/office/drawing/2014/main" id="{D701CED9-144B-1159-11A3-A2AB534A4C9D}"/>
-              </a:ext>
-            </a:extLst>
-          </p:cNvPr>
-          <p:cNvSpPr>
-            <a:spLocks noGrp="1"/>
-          </p:cNvSpPr>
-          <p:nvPr>
-            <p:ph type="ftr" sz="quarter" idx="11"/>
-          </p:nvPr>
-        </p:nvSpPr>
-        <p:spPr/>
-        <p:txBody>
-          <a:bodyPr/>
-          <a:lstStyle/>
-          <a:p>
-            <a:r>
-              <a:rPr lang="de-DE"/>
-              <a:t>WIPOL Hirschwang</a:t>
-            </a:r>
-            <a:endParaRPr lang="de-AT" dirty="0"/>
-          </a:p>
-        </p:txBody>
-      </p:sp>
-      <p:sp>
-        <p:nvSpPr>
-          <p:cNvPr id="4" name="Foliennummernplatzhalter 3">
-            <a:extLst>
-              <a:ext uri="{FF2B5EF4-FFF2-40B4-BE49-F238E27FC236}">
-                <a16:creationId xmlns:a16="http://schemas.microsoft.com/office/drawing/2014/main" id="{2148BD3E-D14A-C146-52F3-D15D55DE1AF4}"/>
-              </a:ext>
-            </a:extLst>
-          </p:cNvPr>
-          <p:cNvSpPr>
-            <a:spLocks noGrp="1"/>
-          </p:cNvSpPr>
-          <p:nvPr>
-            <p:ph type="sldNum" sz="quarter" idx="12"/>
-          </p:nvPr>
-        </p:nvSpPr>
-        <p:spPr/>
-        <p:txBody>
-          <a:bodyPr>
-            <a:normAutofit lnSpcReduction="10000"/>
-          </a:bodyPr>
-          <a:lstStyle/>
-          <a:p>
-            <a:fld id="{58087E24-FB43-451A-9D0B-7B980EC5ED81}" type="slidenum">
-              <a:rPr lang="de-AT" smtClean="0"/>
-              <a:t>9</a:t>
-            </a:fld>
-            <a:endParaRPr lang="de-AT"/>
-          </a:p>
-        </p:txBody>
-      </p:sp>
-    </p:spTree>
-    <p:extLst>
-      <p:ext uri="{BB962C8B-B14F-4D97-AF65-F5344CB8AC3E}">
-        <p14:creationId xmlns:p14="http://schemas.microsoft.com/office/powerpoint/2010/main" val="4171298435"/>
-      </p:ext>
-    </p:extLst>
-  </p:cSld>
-  <p:clrMapOvr>
-    <a:masterClrMapping/>
-  </p:clrMapOvr>
 </p:sld>
 </file>
 
@@ -14727,4 +20338,256 @@
     </a:bgFillStyleLst>
   </a:fmtScheme>
 </a:themeOverride>
+</file>
+
+<file path=ppt/theme/themeOverride2.xml><?xml version="1.0" encoding="utf-8"?>
+<a:themeOverride xmlns:a="http://schemas.openxmlformats.org/drawingml/2006/main">
+  <a:clrScheme name="Parteien">
+    <a:dk1>
+      <a:sysClr val="windowText" lastClr="000000"/>
+    </a:dk1>
+    <a:lt1>
+      <a:sysClr val="window" lastClr="FFFFFF"/>
+    </a:lt1>
+    <a:dk2>
+      <a:srgbClr val="44546A"/>
+    </a:dk2>
+    <a:lt2>
+      <a:srgbClr val="E7E6E6"/>
+    </a:lt2>
+    <a:accent1>
+      <a:srgbClr val="0066FF"/>
+    </a:accent1>
+    <a:accent2>
+      <a:srgbClr val="63C3D0"/>
+    </a:accent2>
+    <a:accent3>
+      <a:srgbClr val="FF0000"/>
+    </a:accent3>
+    <a:accent4>
+      <a:srgbClr val="92D050"/>
+    </a:accent4>
+    <a:accent5>
+      <a:srgbClr val="E84188"/>
+    </a:accent5>
+    <a:accent6>
+      <a:srgbClr val="A20000"/>
+    </a:accent6>
+    <a:hlink>
+      <a:srgbClr val="0563C1"/>
+    </a:hlink>
+    <a:folHlink>
+      <a:srgbClr val="954F72"/>
+    </a:folHlink>
+  </a:clrScheme>
+  <a:fontScheme name="Office">
+    <a:majorFont>
+      <a:latin typeface="Calibri Light" panose="020F0302020204030204"/>
+      <a:ea typeface=""/>
+      <a:cs typeface=""/>
+      <a:font script="Jpan" typeface="Yu Gothic Light"/>
+      <a:font script="Hang" typeface="맑은 고딕"/>
+      <a:font script="Hans" typeface="等线 Light"/>
+      <a:font script="Hant" typeface="新細明體"/>
+      <a:font script="Arab" typeface="Times New Roman"/>
+      <a:font script="Hebr" typeface="Times New Roman"/>
+      <a:font script="Thai" typeface="Tahoma"/>
+      <a:font script="Ethi" typeface="Nyala"/>
+      <a:font script="Beng" typeface="Vrinda"/>
+      <a:font script="Gujr" typeface="Shruti"/>
+      <a:font script="Khmr" typeface="MoolBoran"/>
+      <a:font script="Knda" typeface="Tunga"/>
+      <a:font script="Guru" typeface="Raavi"/>
+      <a:font script="Cans" typeface="Euphemia"/>
+      <a:font script="Cher" typeface="Plantagenet Cherokee"/>
+      <a:font script="Yiii" typeface="Microsoft Yi Baiti"/>
+      <a:font script="Tibt" typeface="Microsoft Himalaya"/>
+      <a:font script="Thaa" typeface="MV Boli"/>
+      <a:font script="Deva" typeface="Mangal"/>
+      <a:font script="Telu" typeface="Gautami"/>
+      <a:font script="Taml" typeface="Latha"/>
+      <a:font script="Syrc" typeface="Estrangelo Edessa"/>
+      <a:font script="Orya" typeface="Kalinga"/>
+      <a:font script="Mlym" typeface="Kartika"/>
+      <a:font script="Laoo" typeface="DokChampa"/>
+      <a:font script="Sinh" typeface="Iskoola Pota"/>
+      <a:font script="Mong" typeface="Mongolian Baiti"/>
+      <a:font script="Viet" typeface="Times New Roman"/>
+      <a:font script="Uigh" typeface="Microsoft Uighur"/>
+      <a:font script="Geor" typeface="Sylfaen"/>
+    </a:majorFont>
+    <a:minorFont>
+      <a:latin typeface="Calibri" panose="020F0502020204030204"/>
+      <a:ea typeface=""/>
+      <a:cs typeface=""/>
+      <a:font script="Jpan" typeface="Yu Gothic"/>
+      <a:font script="Hang" typeface="맑은 고딕"/>
+      <a:font script="Hans" typeface="等线"/>
+      <a:font script="Hant" typeface="新細明體"/>
+      <a:font script="Arab" typeface="Arial"/>
+      <a:font script="Hebr" typeface="Arial"/>
+      <a:font script="Thai" typeface="Tahoma"/>
+      <a:font script="Ethi" typeface="Nyala"/>
+      <a:font script="Beng" typeface="Vrinda"/>
+      <a:font script="Gujr" typeface="Shruti"/>
+      <a:font script="Khmr" typeface="DaunPenh"/>
+      <a:font script="Knda" typeface="Tunga"/>
+      <a:font script="Guru" typeface="Raavi"/>
+      <a:font script="Cans" typeface="Euphemia"/>
+      <a:font script="Cher" typeface="Plantagenet Cherokee"/>
+      <a:font script="Yiii" typeface="Microsoft Yi Baiti"/>
+      <a:font script="Tibt" typeface="Microsoft Himalaya"/>
+      <a:font script="Thaa" typeface="MV Boli"/>
+      <a:font script="Deva" typeface="Mangal"/>
+      <a:font script="Telu" typeface="Gautami"/>
+      <a:font script="Taml" typeface="Latha"/>
+      <a:font script="Syrc" typeface="Estrangelo Edessa"/>
+      <a:font script="Orya" typeface="Kalinga"/>
+      <a:font script="Mlym" typeface="Kartika"/>
+      <a:font script="Laoo" typeface="DokChampa"/>
+      <a:font script="Sinh" typeface="Iskoola Pota"/>
+      <a:font script="Mong" typeface="Mongolian Baiti"/>
+      <a:font script="Viet" typeface="Arial"/>
+      <a:font script="Uigh" typeface="Microsoft Uighur"/>
+      <a:font script="Geor" typeface="Sylfaen"/>
+    </a:minorFont>
+  </a:fontScheme>
+  <a:fmtScheme name="Office">
+    <a:fillStyleLst>
+      <a:solidFill>
+        <a:schemeClr val="phClr"/>
+      </a:solidFill>
+      <a:gradFill rotWithShape="1">
+        <a:gsLst>
+          <a:gs pos="0">
+            <a:schemeClr val="phClr">
+              <a:lumMod val="110000"/>
+              <a:satMod val="105000"/>
+              <a:tint val="67000"/>
+            </a:schemeClr>
+          </a:gs>
+          <a:gs pos="50000">
+            <a:schemeClr val="phClr">
+              <a:lumMod val="105000"/>
+              <a:satMod val="103000"/>
+              <a:tint val="73000"/>
+            </a:schemeClr>
+          </a:gs>
+          <a:gs pos="100000">
+            <a:schemeClr val="phClr">
+              <a:lumMod val="105000"/>
+              <a:satMod val="109000"/>
+              <a:tint val="81000"/>
+            </a:schemeClr>
+          </a:gs>
+        </a:gsLst>
+        <a:lin ang="5400000" scaled="0"/>
+      </a:gradFill>
+      <a:gradFill rotWithShape="1">
+        <a:gsLst>
+          <a:gs pos="0">
+            <a:schemeClr val="phClr">
+              <a:satMod val="103000"/>
+              <a:lumMod val="102000"/>
+              <a:tint val="94000"/>
+            </a:schemeClr>
+          </a:gs>
+          <a:gs pos="50000">
+            <a:schemeClr val="phClr">
+              <a:satMod val="110000"/>
+              <a:lumMod val="100000"/>
+              <a:shade val="100000"/>
+            </a:schemeClr>
+          </a:gs>
+          <a:gs pos="100000">
+            <a:schemeClr val="phClr">
+              <a:lumMod val="99000"/>
+              <a:satMod val="120000"/>
+              <a:shade val="78000"/>
+            </a:schemeClr>
+          </a:gs>
+        </a:gsLst>
+        <a:lin ang="5400000" scaled="0"/>
+      </a:gradFill>
+    </a:fillStyleLst>
+    <a:lnStyleLst>
+      <a:ln w="6350" cap="flat" cmpd="sng" algn="ctr">
+        <a:solidFill>
+          <a:schemeClr val="phClr"/>
+        </a:solidFill>
+        <a:prstDash val="solid"/>
+        <a:miter lim="800000"/>
+      </a:ln>
+      <a:ln w="12700" cap="flat" cmpd="sng" algn="ctr">
+        <a:solidFill>
+          <a:schemeClr val="phClr"/>
+        </a:solidFill>
+        <a:prstDash val="solid"/>
+        <a:miter lim="800000"/>
+      </a:ln>
+      <a:ln w="19050" cap="flat" cmpd="sng" algn="ctr">
+        <a:solidFill>
+          <a:schemeClr val="phClr"/>
+        </a:solidFill>
+        <a:prstDash val="solid"/>
+        <a:miter lim="800000"/>
+      </a:ln>
+    </a:lnStyleLst>
+    <a:effectStyleLst>
+      <a:effectStyle>
+        <a:effectLst/>
+      </a:effectStyle>
+      <a:effectStyle>
+        <a:effectLst/>
+      </a:effectStyle>
+      <a:effectStyle>
+        <a:effectLst>
+          <a:outerShdw blurRad="57150" dist="19050" dir="5400000" algn="ctr" rotWithShape="0">
+            <a:srgbClr val="000000">
+              <a:alpha val="63000"/>
+            </a:srgbClr>
+          </a:outerShdw>
+        </a:effectLst>
+      </a:effectStyle>
+    </a:effectStyleLst>
+    <a:bgFillStyleLst>
+      <a:solidFill>
+        <a:schemeClr val="phClr"/>
+      </a:solidFill>
+      <a:solidFill>
+        <a:schemeClr val="phClr">
+          <a:tint val="95000"/>
+          <a:satMod val="170000"/>
+        </a:schemeClr>
+      </a:solidFill>
+      <a:gradFill rotWithShape="1">
+        <a:gsLst>
+          <a:gs pos="0">
+            <a:schemeClr val="phClr">
+              <a:tint val="93000"/>
+              <a:satMod val="150000"/>
+              <a:shade val="98000"/>
+              <a:lumMod val="102000"/>
+            </a:schemeClr>
+          </a:gs>
+          <a:gs pos="50000">
+            <a:schemeClr val="phClr">
+              <a:tint val="98000"/>
+              <a:satMod val="130000"/>
+              <a:shade val="90000"/>
+              <a:lumMod val="103000"/>
+            </a:schemeClr>
+          </a:gs>
+          <a:gs pos="100000">
+            <a:schemeClr val="phClr">
+              <a:shade val="63000"/>
+              <a:satMod val="120000"/>
+            </a:schemeClr>
+          </a:gs>
+        </a:gsLst>
+        <a:lin ang="5400000" scaled="0"/>
+      </a:gradFill>
+    </a:bgFillStyleLst>
+  </a:fmtScheme>
+</a:themeOverride>
 </file>
--- a/report/presentation.pptx
+++ b/report/presentation.pptx
@@ -5,7 +5,7 @@
     <p:sldMasterId id="2147483714" r:id="rId1"/>
   </p:sldMasterIdLst>
   <p:notesMasterIdLst>
-    <p:notesMasterId r:id="rId20"/>
+    <p:notesMasterId r:id="rId21"/>
   </p:notesMasterIdLst>
   <p:sldIdLst>
     <p:sldId id="256" r:id="rId2"/>
@@ -18,14 +18,15 @@
     <p:sldId id="276" r:id="rId9"/>
     <p:sldId id="260" r:id="rId10"/>
     <p:sldId id="270" r:id="rId11"/>
-    <p:sldId id="257" r:id="rId12"/>
-    <p:sldId id="262" r:id="rId13"/>
+    <p:sldId id="262" r:id="rId12"/>
+    <p:sldId id="257" r:id="rId13"/>
     <p:sldId id="263" r:id="rId14"/>
-    <p:sldId id="272" r:id="rId15"/>
-    <p:sldId id="277" r:id="rId16"/>
-    <p:sldId id="278" r:id="rId17"/>
-    <p:sldId id="279" r:id="rId18"/>
-    <p:sldId id="271" r:id="rId19"/>
+    <p:sldId id="280" r:id="rId15"/>
+    <p:sldId id="272" r:id="rId16"/>
+    <p:sldId id="277" r:id="rId17"/>
+    <p:sldId id="278" r:id="rId18"/>
+    <p:sldId id="279" r:id="rId19"/>
+    <p:sldId id="271" r:id="rId20"/>
   </p:sldIdLst>
   <p:sldSz cx="12192000" cy="6858000"/>
   <p:notesSz cx="6858000" cy="9144000"/>
@@ -135,7 +136,7 @@
 <file path=ppt/revisionInfo.xml><?xml version="1.0" encoding="utf-8"?>
 <p1510:revInfo xmlns:a="http://schemas.openxmlformats.org/drawingml/2006/main" xmlns:r="http://schemas.openxmlformats.org/officeDocument/2006/relationships" xmlns:p1510="http://schemas.microsoft.com/office/powerpoint/2015/10/main">
   <p1510:revLst>
-    <p1510:client id="{26A58844-2FB7-4F90-9501-5CC089926BE8}" v="839" dt="2025-02-24T08:44:57.391"/>
+    <p1510:client id="{26A58844-2FB7-4F90-9501-5CC089926BE8}" v="841" dt="2025-03-01T13:10:33.121"/>
   </p1510:revLst>
 </p1510:revInfo>
 </file>
@@ -145,7 +146,7 @@
   <pc:docChgLst>
     <pc:chgData name="Himmelbauer, Clara" userId="12d7e35a-e13e-4c49-b9be-a181bf83ad46" providerId="ADAL" clId="{26A58844-2FB7-4F90-9501-5CC089926BE8}"/>
     <pc:docChg chg="undo custSel addSld delSld modSld sldOrd modMainMaster">
-      <pc:chgData name="Himmelbauer, Clara" userId="12d7e35a-e13e-4c49-b9be-a181bf83ad46" providerId="ADAL" clId="{26A58844-2FB7-4F90-9501-5CC089926BE8}" dt="2025-02-24T08:44:57.391" v="4732"/>
+      <pc:chgData name="Himmelbauer, Clara" userId="12d7e35a-e13e-4c49-b9be-a181bf83ad46" providerId="ADAL" clId="{26A58844-2FB7-4F90-9501-5CC089926BE8}" dt="2025-03-01T13:11:22.576" v="4871"/>
       <pc:docMkLst>
         <pc:docMk/>
       </pc:docMkLst>
@@ -181,7 +182,7 @@
         </pc:spChg>
       </pc:sldChg>
       <pc:sldChg chg="addSp delSp modSp new mod ord">
-        <pc:chgData name="Himmelbauer, Clara" userId="12d7e35a-e13e-4c49-b9be-a181bf83ad46" providerId="ADAL" clId="{26A58844-2FB7-4F90-9501-5CC089926BE8}" dt="2025-02-14T15:46:28.114" v="2403" actId="403"/>
+        <pc:chgData name="Himmelbauer, Clara" userId="12d7e35a-e13e-4c49-b9be-a181bf83ad46" providerId="ADAL" clId="{26A58844-2FB7-4F90-9501-5CC089926BE8}" dt="2025-03-01T13:11:22.576" v="4871"/>
         <pc:sldMkLst>
           <pc:docMk/>
           <pc:sldMk cId="4171298435" sldId="257"/>
@@ -288,7 +289,7 @@
         </pc:sldMkLst>
       </pc:sldChg>
       <pc:sldChg chg="modSp new mod">
-        <pc:chgData name="Himmelbauer, Clara" userId="12d7e35a-e13e-4c49-b9be-a181bf83ad46" providerId="ADAL" clId="{26A58844-2FB7-4F90-9501-5CC089926BE8}" dt="2025-02-14T15:42:17.494" v="2116" actId="20577"/>
+        <pc:chgData name="Himmelbauer, Clara" userId="12d7e35a-e13e-4c49-b9be-a181bf83ad46" providerId="ADAL" clId="{26A58844-2FB7-4F90-9501-5CC089926BE8}" dt="2025-03-01T13:10:56.816" v="4869" actId="2711"/>
         <pc:sldMkLst>
           <pc:docMk/>
           <pc:sldMk cId="4082787262" sldId="262"/>
@@ -302,7 +303,7 @@
           </ac:spMkLst>
         </pc:spChg>
         <pc:spChg chg="mod">
-          <ac:chgData name="Himmelbauer, Clara" userId="12d7e35a-e13e-4c49-b9be-a181bf83ad46" providerId="ADAL" clId="{26A58844-2FB7-4F90-9501-5CC089926BE8}" dt="2025-02-14T15:42:15.474" v="2109" actId="20577"/>
+          <ac:chgData name="Himmelbauer, Clara" userId="12d7e35a-e13e-4c49-b9be-a181bf83ad46" providerId="ADAL" clId="{26A58844-2FB7-4F90-9501-5CC089926BE8}" dt="2025-03-01T13:10:56.816" v="4869" actId="2711"/>
           <ac:spMkLst>
             <pc:docMk/>
             <pc:sldMk cId="4082787262" sldId="262"/>
@@ -650,62 +651,6 @@
           <pc:docMk/>
           <pc:sldMk cId="3894295473" sldId="273"/>
         </pc:sldMkLst>
-        <pc:spChg chg="mod">
-          <ac:chgData name="Himmelbauer, Clara" userId="12d7e35a-e13e-4c49-b9be-a181bf83ad46" providerId="ADAL" clId="{26A58844-2FB7-4F90-9501-5CC089926BE8}" dt="2025-02-24T08:06:55.098" v="2923" actId="20577"/>
-          <ac:spMkLst>
-            <pc:docMk/>
-            <pc:sldMk cId="3894295473" sldId="273"/>
-            <ac:spMk id="2" creationId="{C61E652C-C550-5F2D-3F1E-B2A8ED7C6E68}"/>
-          </ac:spMkLst>
-        </pc:spChg>
-        <pc:spChg chg="add del mod">
-          <ac:chgData name="Himmelbauer, Clara" userId="12d7e35a-e13e-4c49-b9be-a181bf83ad46" providerId="ADAL" clId="{26A58844-2FB7-4F90-9501-5CC089926BE8}" dt="2025-02-24T08:08:15.098" v="3008" actId="478"/>
-          <ac:spMkLst>
-            <pc:docMk/>
-            <pc:sldMk cId="3894295473" sldId="273"/>
-            <ac:spMk id="3" creationId="{3C902B6D-7FD4-9DAE-7335-E2B7A1F92C80}"/>
-          </ac:spMkLst>
-        </pc:spChg>
-        <pc:spChg chg="add del mod">
-          <ac:chgData name="Himmelbauer, Clara" userId="12d7e35a-e13e-4c49-b9be-a181bf83ad46" providerId="ADAL" clId="{26A58844-2FB7-4F90-9501-5CC089926BE8}" dt="2025-02-24T08:09:08.838" v="3126"/>
-          <ac:spMkLst>
-            <pc:docMk/>
-            <pc:sldMk cId="3894295473" sldId="273"/>
-            <ac:spMk id="5" creationId="{E60A365A-09E4-DA81-36DE-C1EAD4148395}"/>
-          </ac:spMkLst>
-        </pc:spChg>
-        <pc:grpChg chg="del">
-          <ac:chgData name="Himmelbauer, Clara" userId="12d7e35a-e13e-4c49-b9be-a181bf83ad46" providerId="ADAL" clId="{26A58844-2FB7-4F90-9501-5CC089926BE8}" dt="2025-02-24T08:05:56.998" v="2905" actId="478"/>
-          <ac:grpSpMkLst>
-            <pc:docMk/>
-            <pc:sldMk cId="3894295473" sldId="273"/>
-            <ac:grpSpMk id="12" creationId="{E7E30913-B873-02CA-FE13-CC4F665B09A1}"/>
-          </ac:grpSpMkLst>
-        </pc:grpChg>
-        <pc:graphicFrameChg chg="del">
-          <ac:chgData name="Himmelbauer, Clara" userId="12d7e35a-e13e-4c49-b9be-a181bf83ad46" providerId="ADAL" clId="{26A58844-2FB7-4F90-9501-5CC089926BE8}" dt="2025-02-24T08:08:23.736" v="3010" actId="478"/>
-          <ac:graphicFrameMkLst>
-            <pc:docMk/>
-            <pc:sldMk cId="3894295473" sldId="273"/>
-            <ac:graphicFrameMk id="6" creationId="{87FF4A99-3A90-3EBB-8263-170ABA9BC126}"/>
-          </ac:graphicFrameMkLst>
-        </pc:graphicFrameChg>
-        <pc:graphicFrameChg chg="add mod">
-          <ac:chgData name="Himmelbauer, Clara" userId="12d7e35a-e13e-4c49-b9be-a181bf83ad46" providerId="ADAL" clId="{26A58844-2FB7-4F90-9501-5CC089926BE8}" dt="2025-02-24T08:09:08.838" v="3126"/>
-          <ac:graphicFrameMkLst>
-            <pc:docMk/>
-            <pc:sldMk cId="3894295473" sldId="273"/>
-            <ac:graphicFrameMk id="15" creationId="{807AD6DC-7AB4-43F5-8FE2-2817AEBD9AA2}"/>
-          </ac:graphicFrameMkLst>
-        </pc:graphicFrameChg>
-        <pc:graphicFrameChg chg="add mod modGraphic">
-          <ac:chgData name="Himmelbauer, Clara" userId="12d7e35a-e13e-4c49-b9be-a181bf83ad46" providerId="ADAL" clId="{26A58844-2FB7-4F90-9501-5CC089926BE8}" dt="2025-02-24T08:09:12.836" v="3134" actId="20577"/>
-          <ac:graphicFrameMkLst>
-            <pc:docMk/>
-            <pc:sldMk cId="3894295473" sldId="273"/>
-            <ac:graphicFrameMk id="16" creationId="{A0D0273D-58BF-21D2-071F-BE1940BE5230}"/>
-          </ac:graphicFrameMkLst>
-        </pc:graphicFrameChg>
       </pc:sldChg>
       <pc:sldChg chg="add del">
         <pc:chgData name="Himmelbauer, Clara" userId="12d7e35a-e13e-4c49-b9be-a181bf83ad46" providerId="ADAL" clId="{26A58844-2FB7-4F90-9501-5CC089926BE8}" dt="2025-02-24T08:09:45.271" v="3139" actId="2696"/>
@@ -791,22 +736,6 @@
           <pc:docMk/>
           <pc:sldMk cId="1660095020" sldId="276"/>
         </pc:sldMkLst>
-        <pc:spChg chg="del">
-          <ac:chgData name="Himmelbauer, Clara" userId="12d7e35a-e13e-4c49-b9be-a181bf83ad46" providerId="ADAL" clId="{26A58844-2FB7-4F90-9501-5CC089926BE8}" dt="2025-02-24T08:18:47.489" v="3383" actId="478"/>
-          <ac:spMkLst>
-            <pc:docMk/>
-            <pc:sldMk cId="1660095020" sldId="276"/>
-            <ac:spMk id="3" creationId="{A64D6B5C-AB27-171E-1242-7AE66C66D0CC}"/>
-          </ac:spMkLst>
-        </pc:spChg>
-        <pc:spChg chg="add del mod">
-          <ac:chgData name="Himmelbauer, Clara" userId="12d7e35a-e13e-4c49-b9be-a181bf83ad46" providerId="ADAL" clId="{26A58844-2FB7-4F90-9501-5CC089926BE8}" dt="2025-02-24T08:18:50.529" v="3384" actId="478"/>
-          <ac:spMkLst>
-            <pc:docMk/>
-            <pc:sldMk cId="1660095020" sldId="276"/>
-            <ac:spMk id="7" creationId="{21B38E7C-6ACF-4248-5063-811F2CF695ED}"/>
-          </ac:spMkLst>
-        </pc:spChg>
         <pc:spChg chg="add mod">
           <ac:chgData name="Himmelbauer, Clara" userId="12d7e35a-e13e-4c49-b9be-a181bf83ad46" providerId="ADAL" clId="{26A58844-2FB7-4F90-9501-5CC089926BE8}" dt="2025-02-24T08:22:52.660" v="3402" actId="692"/>
           <ac:spMkLst>
@@ -957,14 +886,6 @@
           <pc:docMk/>
           <pc:sldMk cId="275253395" sldId="277"/>
         </pc:sldMkLst>
-        <pc:spChg chg="mod">
-          <ac:chgData name="Himmelbauer, Clara" userId="12d7e35a-e13e-4c49-b9be-a181bf83ad46" providerId="ADAL" clId="{26A58844-2FB7-4F90-9501-5CC089926BE8}" dt="2025-02-24T08:29:25.055" v="3560" actId="20577"/>
-          <ac:spMkLst>
-            <pc:docMk/>
-            <pc:sldMk cId="275253395" sldId="277"/>
-            <ac:spMk id="2" creationId="{361452C2-A14D-219A-6F90-2BA366CF396B}"/>
-          </ac:spMkLst>
-        </pc:spChg>
       </pc:sldChg>
       <pc:sldChg chg="addSp modSp new mod modAnim">
         <pc:chgData name="Himmelbauer, Clara" userId="12d7e35a-e13e-4c49-b9be-a181bf83ad46" providerId="ADAL" clId="{26A58844-2FB7-4F90-9501-5CC089926BE8}" dt="2025-02-24T08:44:57.391" v="4732"/>
@@ -998,7 +919,7 @@
         </pc:graphicFrameChg>
       </pc:sldChg>
       <pc:sldChg chg="modSp new mod">
-        <pc:chgData name="Himmelbauer, Clara" userId="12d7e35a-e13e-4c49-b9be-a181bf83ad46" providerId="ADAL" clId="{26A58844-2FB7-4F90-9501-5CC089926BE8}" dt="2025-02-24T08:43:47.323" v="4731" actId="20577"/>
+        <pc:chgData name="Himmelbauer, Clara" userId="12d7e35a-e13e-4c49-b9be-a181bf83ad46" providerId="ADAL" clId="{26A58844-2FB7-4F90-9501-5CC089926BE8}" dt="2025-03-01T12:57:44.607" v="4803" actId="27636"/>
         <pc:sldMkLst>
           <pc:docMk/>
           <pc:sldMk cId="3566797091" sldId="279"/>
@@ -1019,6 +940,69 @@
             <ac:spMk id="3" creationId="{7B9BD119-1895-9437-C576-EB2B0B0101B7}"/>
           </ac:spMkLst>
         </pc:spChg>
+        <pc:spChg chg="mod">
+          <ac:chgData name="Himmelbauer, Clara" userId="12d7e35a-e13e-4c49-b9be-a181bf83ad46" providerId="ADAL" clId="{26A58844-2FB7-4F90-9501-5CC089926BE8}" dt="2025-03-01T12:57:44.607" v="4803" actId="27636"/>
+          <ac:spMkLst>
+            <pc:docMk/>
+            <pc:sldMk cId="3566797091" sldId="279"/>
+            <ac:spMk id="5" creationId="{C09B90F9-26D0-0CF5-5AA2-FAD90ED60027}"/>
+          </ac:spMkLst>
+        </pc:spChg>
+      </pc:sldChg>
+      <pc:sldChg chg="addSp delSp modSp new mod setBg">
+        <pc:chgData name="Himmelbauer, Clara" userId="12d7e35a-e13e-4c49-b9be-a181bf83ad46" providerId="ADAL" clId="{26A58844-2FB7-4F90-9501-5CC089926BE8}" dt="2025-03-01T12:58:00.381" v="4810" actId="20577"/>
+        <pc:sldMkLst>
+          <pc:docMk/>
+          <pc:sldMk cId="1850023634" sldId="280"/>
+        </pc:sldMkLst>
+        <pc:spChg chg="mod">
+          <ac:chgData name="Himmelbauer, Clara" userId="12d7e35a-e13e-4c49-b9be-a181bf83ad46" providerId="ADAL" clId="{26A58844-2FB7-4F90-9501-5CC089926BE8}" dt="2025-03-01T12:58:00.381" v="4810" actId="20577"/>
+          <ac:spMkLst>
+            <pc:docMk/>
+            <pc:sldMk cId="1850023634" sldId="280"/>
+            <ac:spMk id="2" creationId="{75AD42DF-EC60-1518-677F-89B7060274D2}"/>
+          </ac:spMkLst>
+        </pc:spChg>
+        <pc:spChg chg="del">
+          <ac:chgData name="Himmelbauer, Clara" userId="12d7e35a-e13e-4c49-b9be-a181bf83ad46" providerId="ADAL" clId="{26A58844-2FB7-4F90-9501-5CC089926BE8}" dt="2025-03-01T12:57:44.418" v="4801" actId="931"/>
+          <ac:spMkLst>
+            <pc:docMk/>
+            <pc:sldMk cId="1850023634" sldId="280"/>
+            <ac:spMk id="3" creationId="{701A8A6A-858A-BAB5-DAA6-EC9006E4A64A}"/>
+          </ac:spMkLst>
+        </pc:spChg>
+        <pc:spChg chg="mod">
+          <ac:chgData name="Himmelbauer, Clara" userId="12d7e35a-e13e-4c49-b9be-a181bf83ad46" providerId="ADAL" clId="{26A58844-2FB7-4F90-9501-5CC089926BE8}" dt="2025-03-01T12:57:49.772" v="4807" actId="26606"/>
+          <ac:spMkLst>
+            <pc:docMk/>
+            <pc:sldMk cId="1850023634" sldId="280"/>
+            <ac:spMk id="4" creationId="{19E50DC8-0F91-3B40-E2F3-7541D5FAFDAD}"/>
+          </ac:spMkLst>
+        </pc:spChg>
+        <pc:spChg chg="mod">
+          <ac:chgData name="Himmelbauer, Clara" userId="12d7e35a-e13e-4c49-b9be-a181bf83ad46" providerId="ADAL" clId="{26A58844-2FB7-4F90-9501-5CC089926BE8}" dt="2025-03-01T12:57:49.772" v="4807" actId="26606"/>
+          <ac:spMkLst>
+            <pc:docMk/>
+            <pc:sldMk cId="1850023634" sldId="280"/>
+            <ac:spMk id="5" creationId="{84D5D65B-6150-23DB-096D-FB3F4E0DE859}"/>
+          </ac:spMkLst>
+        </pc:spChg>
+        <pc:spChg chg="add del">
+          <ac:chgData name="Himmelbauer, Clara" userId="12d7e35a-e13e-4c49-b9be-a181bf83ad46" providerId="ADAL" clId="{26A58844-2FB7-4F90-9501-5CC089926BE8}" dt="2025-03-01T12:57:49.772" v="4807" actId="26606"/>
+          <ac:spMkLst>
+            <pc:docMk/>
+            <pc:sldMk cId="1850023634" sldId="280"/>
+            <ac:spMk id="11" creationId="{D09B7266-85D0-B7DB-59FE-69C3DD1BEB2D}"/>
+          </ac:spMkLst>
+        </pc:spChg>
+        <pc:picChg chg="add mod">
+          <ac:chgData name="Himmelbauer, Clara" userId="12d7e35a-e13e-4c49-b9be-a181bf83ad46" providerId="ADAL" clId="{26A58844-2FB7-4F90-9501-5CC089926BE8}" dt="2025-03-01T12:57:49.772" v="4807" actId="26606"/>
+          <ac:picMkLst>
+            <pc:docMk/>
+            <pc:sldMk cId="1850023634" sldId="280"/>
+            <ac:picMk id="7" creationId="{4AC44A2B-1362-5B62-7405-6EA0C2A7B369}"/>
+          </ac:picMkLst>
+        </pc:picChg>
       </pc:sldChg>
       <pc:sldMasterChg chg="modSp mod modSldLayout">
         <pc:chgData name="Himmelbauer, Clara" userId="12d7e35a-e13e-4c49-b9be-a181bf83ad46" providerId="ADAL" clId="{26A58844-2FB7-4F90-9501-5CC089926BE8}" dt="2025-02-14T15:34:07.440" v="2021" actId="20577"/>
@@ -7149,7 +7133,7 @@
           <a:p>
             <a:fld id="{76434FE5-7B68-4ABA-9120-E8154FE6DC3F}" type="datetimeFigureOut">
               <a:rPr lang="de-AT" smtClean="0"/>
-              <a:t>24.02.2025</a:t>
+              <a:t>01.03.2025</a:t>
             </a:fld>
             <a:endParaRPr lang="de-AT"/>
           </a:p>
@@ -7585,7 +7569,7 @@
           <a:p>
             <a:fld id="{246058E9-55A2-4372-9191-49F9A4870AAA}" type="datetime1">
               <a:rPr lang="de-AT" smtClean="0"/>
-              <a:t>24.02.2025</a:t>
+              <a:t>01.03.2025</a:t>
             </a:fld>
             <a:endParaRPr lang="de-AT"/>
           </a:p>
@@ -7821,7 +7805,7 @@
           <a:p>
             <a:fld id="{143B0B5A-4FCE-4D89-AA62-7BF252F71E89}" type="datetime1">
               <a:rPr lang="de-AT" smtClean="0"/>
-              <a:t>24.02.2025</a:t>
+              <a:t>01.03.2025</a:t>
             </a:fld>
             <a:endParaRPr lang="de-AT"/>
           </a:p>
@@ -8005,7 +7989,7 @@
           <a:p>
             <a:fld id="{73E23147-2EDF-4F5F-8C95-FE456210809D}" type="datetime1">
               <a:rPr lang="de-AT" smtClean="0"/>
-              <a:t>24.02.2025</a:t>
+              <a:t>01.03.2025</a:t>
             </a:fld>
             <a:endParaRPr lang="de-AT"/>
           </a:p>
@@ -8179,7 +8163,7 @@
           <a:p>
             <a:fld id="{689FCED0-334A-4C9A-9230-D481B01ADEAD}" type="datetime1">
               <a:rPr lang="de-AT" smtClean="0"/>
-              <a:t>24.02.2025</a:t>
+              <a:t>01.03.2025</a:t>
             </a:fld>
             <a:endParaRPr lang="de-AT" dirty="0"/>
           </a:p>
@@ -8437,7 +8421,7 @@
           <a:p>
             <a:fld id="{B6D0B57B-F9DC-45CA-811E-177ABA524BFE}" type="datetime1">
               <a:rPr lang="de-AT" smtClean="0"/>
-              <a:t>24.02.2025</a:t>
+              <a:t>01.03.2025</a:t>
             </a:fld>
             <a:endParaRPr lang="de-AT"/>
           </a:p>
@@ -8767,7 +8751,7 @@
           <a:p>
             <a:fld id="{B21427AD-1DF3-4BA4-9BED-4548075ED95D}" type="datetime1">
               <a:rPr lang="de-AT" smtClean="0"/>
-              <a:t>24.02.2025</a:t>
+              <a:t>01.03.2025</a:t>
             </a:fld>
             <a:endParaRPr lang="de-AT"/>
           </a:p>
@@ -9222,7 +9206,7 @@
           <a:p>
             <a:fld id="{A63B4EB0-A88A-4452-B6A6-330855AB3A89}" type="datetime1">
               <a:rPr lang="de-AT" smtClean="0"/>
-              <a:t>24.02.2025</a:t>
+              <a:t>01.03.2025</a:t>
             </a:fld>
             <a:endParaRPr lang="de-AT"/>
           </a:p>
@@ -9344,7 +9328,7 @@
           <a:p>
             <a:fld id="{EB26C837-E799-4614-84E9-45715316A295}" type="datetime1">
               <a:rPr lang="de-AT" smtClean="0"/>
-              <a:t>24.02.2025</a:t>
+              <a:t>01.03.2025</a:t>
             </a:fld>
             <a:endParaRPr lang="de-AT"/>
           </a:p>
@@ -9443,7 +9427,7 @@
           <a:p>
             <a:fld id="{9EEE9879-AADB-4E18-9D95-470FF4626C68}" type="datetime1">
               <a:rPr lang="de-AT" smtClean="0"/>
-              <a:t>24.02.2025</a:t>
+              <a:t>01.03.2025</a:t>
             </a:fld>
             <a:endParaRPr lang="de-AT"/>
           </a:p>
@@ -9734,7 +9718,7 @@
           <a:p>
             <a:fld id="{FC65365C-52D5-475A-9AB0-4158C41B7A41}" type="datetime1">
               <a:rPr lang="de-AT" smtClean="0"/>
-              <a:t>24.02.2025</a:t>
+              <a:t>01.03.2025</a:t>
             </a:fld>
             <a:endParaRPr lang="de-AT"/>
           </a:p>
@@ -10060,7 +10044,7 @@
           <a:p>
             <a:fld id="{814CA2A9-C25F-4097-9711-0218A29E078F}" type="datetime1">
               <a:rPr lang="de-AT" smtClean="0"/>
-              <a:t>24.02.2025</a:t>
+              <a:t>01.03.2025</a:t>
             </a:fld>
             <a:endParaRPr lang="de-AT"/>
           </a:p>
@@ -10318,7 +10302,7 @@
           <a:p>
             <a:fld id="{9C96DB8E-0008-40D4-BEBB-7F8E3F84F940}" type="datetime1">
               <a:rPr lang="de-AT" smtClean="0"/>
-              <a:t>24.02.2025</a:t>
+              <a:t>01.03.2025</a:t>
             </a:fld>
             <a:endParaRPr lang="de-AT" dirty="0"/>
           </a:p>
@@ -11120,6 +11104,181 @@
           <p:cNvPr id="2" name="Titel 1">
             <a:extLst>
               <a:ext uri="{FF2B5EF4-FFF2-40B4-BE49-F238E27FC236}">
+                <a16:creationId xmlns:a16="http://schemas.microsoft.com/office/drawing/2014/main" id="{AB4F34F2-FD1A-FC57-D53E-8A5C1321C35A}"/>
+              </a:ext>
+            </a:extLst>
+          </p:cNvPr>
+          <p:cNvSpPr>
+            <a:spLocks noGrp="1"/>
+          </p:cNvSpPr>
+          <p:nvPr>
+            <p:ph type="title"/>
+          </p:nvPr>
+        </p:nvSpPr>
+        <p:spPr/>
+        <p:txBody>
+          <a:bodyPr/>
+          <a:lstStyle/>
+          <a:p>
+            <a:r>
+              <a:rPr lang="de-DE" dirty="0" err="1"/>
+              <a:t>Github</a:t>
+            </a:r>
+            <a:endParaRPr lang="de-AT" dirty="0"/>
+          </a:p>
+        </p:txBody>
+      </p:sp>
+      <p:sp>
+        <p:nvSpPr>
+          <p:cNvPr id="3" name="Inhaltsplatzhalter 2">
+            <a:extLst>
+              <a:ext uri="{FF2B5EF4-FFF2-40B4-BE49-F238E27FC236}">
+                <a16:creationId xmlns:a16="http://schemas.microsoft.com/office/drawing/2014/main" id="{6471F93C-8191-3241-8A23-E9A5E8781D29}"/>
+              </a:ext>
+            </a:extLst>
+          </p:cNvPr>
+          <p:cNvSpPr>
+            <a:spLocks noGrp="1"/>
+          </p:cNvSpPr>
+          <p:nvPr>
+            <p:ph idx="1"/>
+          </p:nvPr>
+        </p:nvSpPr>
+        <p:spPr/>
+        <p:txBody>
+          <a:bodyPr/>
+          <a:lstStyle/>
+          <a:p>
+            <a:r>
+              <a:rPr lang="de-AT" dirty="0">
+                <a:hlinkClick r:id="rId2"/>
+              </a:rPr>
+              <a:t>https://github.com/ClaraHimmelbauer/hirschwang-hochrechnung</a:t>
+            </a:r>
+            <a:endParaRPr lang="de-AT" dirty="0"/>
+          </a:p>
+          <a:p>
+            <a:endParaRPr lang="de-AT" dirty="0"/>
+          </a:p>
+          <a:p>
+            <a:r>
+              <a:rPr lang="de-AT" dirty="0"/>
+              <a:t>Herunterladen: </a:t>
+            </a:r>
+            <a:r>
+              <a:rPr lang="de-AT" dirty="0" err="1">
+                <a:latin typeface="Consolas" panose="020B0609020204030204" pitchFamily="49" charset="0"/>
+              </a:rPr>
+              <a:t>data</a:t>
+            </a:r>
+            <a:r>
+              <a:rPr lang="de-AT" dirty="0">
+                <a:latin typeface="Consolas" panose="020B0609020204030204" pitchFamily="49" charset="0"/>
+              </a:rPr>
+              <a:t>/master.xlsx</a:t>
+            </a:r>
+            <a:r>
+              <a:rPr lang="de-AT" dirty="0"/>
+              <a:t> </a:t>
+            </a:r>
+          </a:p>
+        </p:txBody>
+      </p:sp>
+      <p:sp>
+        <p:nvSpPr>
+          <p:cNvPr id="4" name="Fußzeilenplatzhalter 3">
+            <a:extLst>
+              <a:ext uri="{FF2B5EF4-FFF2-40B4-BE49-F238E27FC236}">
+                <a16:creationId xmlns:a16="http://schemas.microsoft.com/office/drawing/2014/main" id="{71785966-08C8-DB34-DD0F-CCF445189BEC}"/>
+              </a:ext>
+            </a:extLst>
+          </p:cNvPr>
+          <p:cNvSpPr>
+            <a:spLocks noGrp="1"/>
+          </p:cNvSpPr>
+          <p:nvPr>
+            <p:ph type="ftr" sz="quarter" idx="11"/>
+          </p:nvPr>
+        </p:nvSpPr>
+        <p:spPr/>
+        <p:txBody>
+          <a:bodyPr/>
+          <a:lstStyle/>
+          <a:p>
+            <a:r>
+              <a:rPr lang="de-DE"/>
+              <a:t>WIPOL Hirschwang</a:t>
+            </a:r>
+            <a:endParaRPr lang="de-AT" dirty="0"/>
+          </a:p>
+        </p:txBody>
+      </p:sp>
+      <p:sp>
+        <p:nvSpPr>
+          <p:cNvPr id="5" name="Foliennummernplatzhalter 4">
+            <a:extLst>
+              <a:ext uri="{FF2B5EF4-FFF2-40B4-BE49-F238E27FC236}">
+                <a16:creationId xmlns:a16="http://schemas.microsoft.com/office/drawing/2014/main" id="{C5BA5588-5E52-6350-56D1-1A6F750510D3}"/>
+              </a:ext>
+            </a:extLst>
+          </p:cNvPr>
+          <p:cNvSpPr>
+            <a:spLocks noGrp="1"/>
+          </p:cNvSpPr>
+          <p:nvPr>
+            <p:ph type="sldNum" sz="quarter" idx="12"/>
+          </p:nvPr>
+        </p:nvSpPr>
+        <p:spPr/>
+        <p:txBody>
+          <a:bodyPr>
+            <a:normAutofit lnSpcReduction="10000"/>
+          </a:bodyPr>
+          <a:lstStyle/>
+          <a:p>
+            <a:fld id="{58087E24-FB43-451A-9D0B-7B980EC5ED81}" type="slidenum">
+              <a:rPr lang="de-AT" smtClean="0"/>
+              <a:t>11</a:t>
+            </a:fld>
+            <a:endParaRPr lang="de-AT"/>
+          </a:p>
+        </p:txBody>
+      </p:sp>
+    </p:spTree>
+    <p:extLst>
+      <p:ext uri="{BB962C8B-B14F-4D97-AF65-F5344CB8AC3E}">
+        <p14:creationId xmlns:p14="http://schemas.microsoft.com/office/powerpoint/2010/main" val="4082787262"/>
+      </p:ext>
+    </p:extLst>
+  </p:cSld>
+  <p:clrMapOvr>
+    <a:masterClrMapping/>
+  </p:clrMapOvr>
+</p:sld>
+</file>
+
+<file path=ppt/slides/slide12.xml><?xml version="1.0" encoding="utf-8"?>
+<p:sld xmlns:a="http://schemas.openxmlformats.org/drawingml/2006/main" xmlns:r="http://schemas.openxmlformats.org/officeDocument/2006/relationships" xmlns:p="http://schemas.openxmlformats.org/presentationml/2006/main">
+  <p:cSld>
+    <p:spTree>
+      <p:nvGrpSpPr>
+        <p:cNvPr id="1" name=""/>
+        <p:cNvGrpSpPr/>
+        <p:nvPr/>
+      </p:nvGrpSpPr>
+      <p:grpSpPr>
+        <a:xfrm>
+          <a:off x="0" y="0"/>
+          <a:ext cx="0" cy="0"/>
+          <a:chOff x="0" y="0"/>
+          <a:chExt cx="0" cy="0"/>
+        </a:xfrm>
+      </p:grpSpPr>
+      <p:sp>
+        <p:nvSpPr>
+          <p:cNvPr id="2" name="Titel 1">
+            <a:extLst>
+              <a:ext uri="{FF2B5EF4-FFF2-40B4-BE49-F238E27FC236}">
                 <a16:creationId xmlns:a16="http://schemas.microsoft.com/office/drawing/2014/main" id="{BB36368B-FAB8-C20B-35F4-757B95A5D4EF}"/>
               </a:ext>
             </a:extLst>
@@ -11229,7 +11388,7 @@
           <a:p>
             <a:fld id="{58087E24-FB43-451A-9D0B-7B980EC5ED81}" type="slidenum">
               <a:rPr lang="de-AT" smtClean="0"/>
-              <a:t>11</a:t>
+              <a:t>12</a:t>
             </a:fld>
             <a:endParaRPr lang="de-AT"/>
           </a:p>
@@ -11239,159 +11398,6 @@
     <p:extLst>
       <p:ext uri="{BB962C8B-B14F-4D97-AF65-F5344CB8AC3E}">
         <p14:creationId xmlns:p14="http://schemas.microsoft.com/office/powerpoint/2010/main" val="4171298435"/>
-      </p:ext>
-    </p:extLst>
-  </p:cSld>
-  <p:clrMapOvr>
-    <a:masterClrMapping/>
-  </p:clrMapOvr>
-</p:sld>
-</file>
-
-<file path=ppt/slides/slide12.xml><?xml version="1.0" encoding="utf-8"?>
-<p:sld xmlns:a="http://schemas.openxmlformats.org/drawingml/2006/main" xmlns:r="http://schemas.openxmlformats.org/officeDocument/2006/relationships" xmlns:p="http://schemas.openxmlformats.org/presentationml/2006/main">
-  <p:cSld>
-    <p:spTree>
-      <p:nvGrpSpPr>
-        <p:cNvPr id="1" name=""/>
-        <p:cNvGrpSpPr/>
-        <p:nvPr/>
-      </p:nvGrpSpPr>
-      <p:grpSpPr>
-        <a:xfrm>
-          <a:off x="0" y="0"/>
-          <a:ext cx="0" cy="0"/>
-          <a:chOff x="0" y="0"/>
-          <a:chExt cx="0" cy="0"/>
-        </a:xfrm>
-      </p:grpSpPr>
-      <p:sp>
-        <p:nvSpPr>
-          <p:cNvPr id="2" name="Titel 1">
-            <a:extLst>
-              <a:ext uri="{FF2B5EF4-FFF2-40B4-BE49-F238E27FC236}">
-                <a16:creationId xmlns:a16="http://schemas.microsoft.com/office/drawing/2014/main" id="{AB4F34F2-FD1A-FC57-D53E-8A5C1321C35A}"/>
-              </a:ext>
-            </a:extLst>
-          </p:cNvPr>
-          <p:cNvSpPr>
-            <a:spLocks noGrp="1"/>
-          </p:cNvSpPr>
-          <p:nvPr>
-            <p:ph type="title"/>
-          </p:nvPr>
-        </p:nvSpPr>
-        <p:spPr/>
-        <p:txBody>
-          <a:bodyPr/>
-          <a:lstStyle/>
-          <a:p>
-            <a:r>
-              <a:rPr lang="de-DE" dirty="0" err="1"/>
-              <a:t>Github</a:t>
-            </a:r>
-            <a:endParaRPr lang="de-AT" dirty="0"/>
-          </a:p>
-        </p:txBody>
-      </p:sp>
-      <p:sp>
-        <p:nvSpPr>
-          <p:cNvPr id="3" name="Inhaltsplatzhalter 2">
-            <a:extLst>
-              <a:ext uri="{FF2B5EF4-FFF2-40B4-BE49-F238E27FC236}">
-                <a16:creationId xmlns:a16="http://schemas.microsoft.com/office/drawing/2014/main" id="{6471F93C-8191-3241-8A23-E9A5E8781D29}"/>
-              </a:ext>
-            </a:extLst>
-          </p:cNvPr>
-          <p:cNvSpPr>
-            <a:spLocks noGrp="1"/>
-          </p:cNvSpPr>
-          <p:nvPr>
-            <p:ph idx="1"/>
-          </p:nvPr>
-        </p:nvSpPr>
-        <p:spPr/>
-        <p:txBody>
-          <a:bodyPr/>
-          <a:lstStyle/>
-          <a:p>
-            <a:r>
-              <a:rPr lang="de-AT" dirty="0">
-                <a:hlinkClick r:id="rId2"/>
-              </a:rPr>
-              <a:t>https://github.com/ClaraHimmelbauer/hirschwang-hochrechnung</a:t>
-            </a:r>
-            <a:r>
-              <a:rPr lang="de-AT" dirty="0"/>
-              <a:t> </a:t>
-            </a:r>
-          </a:p>
-        </p:txBody>
-      </p:sp>
-      <p:sp>
-        <p:nvSpPr>
-          <p:cNvPr id="4" name="Fußzeilenplatzhalter 3">
-            <a:extLst>
-              <a:ext uri="{FF2B5EF4-FFF2-40B4-BE49-F238E27FC236}">
-                <a16:creationId xmlns:a16="http://schemas.microsoft.com/office/drawing/2014/main" id="{71785966-08C8-DB34-DD0F-CCF445189BEC}"/>
-              </a:ext>
-            </a:extLst>
-          </p:cNvPr>
-          <p:cNvSpPr>
-            <a:spLocks noGrp="1"/>
-          </p:cNvSpPr>
-          <p:nvPr>
-            <p:ph type="ftr" sz="quarter" idx="11"/>
-          </p:nvPr>
-        </p:nvSpPr>
-        <p:spPr/>
-        <p:txBody>
-          <a:bodyPr/>
-          <a:lstStyle/>
-          <a:p>
-            <a:r>
-              <a:rPr lang="de-DE"/>
-              <a:t>WIPOL Hirschwang</a:t>
-            </a:r>
-            <a:endParaRPr lang="de-AT" dirty="0"/>
-          </a:p>
-        </p:txBody>
-      </p:sp>
-      <p:sp>
-        <p:nvSpPr>
-          <p:cNvPr id="5" name="Foliennummernplatzhalter 4">
-            <a:extLst>
-              <a:ext uri="{FF2B5EF4-FFF2-40B4-BE49-F238E27FC236}">
-                <a16:creationId xmlns:a16="http://schemas.microsoft.com/office/drawing/2014/main" id="{C5BA5588-5E52-6350-56D1-1A6F750510D3}"/>
-              </a:ext>
-            </a:extLst>
-          </p:cNvPr>
-          <p:cNvSpPr>
-            <a:spLocks noGrp="1"/>
-          </p:cNvSpPr>
-          <p:nvPr>
-            <p:ph type="sldNum" sz="quarter" idx="12"/>
-          </p:nvPr>
-        </p:nvSpPr>
-        <p:spPr/>
-        <p:txBody>
-          <a:bodyPr>
-            <a:normAutofit lnSpcReduction="10000"/>
-          </a:bodyPr>
-          <a:lstStyle/>
-          <a:p>
-            <a:fld id="{58087E24-FB43-451A-9D0B-7B980EC5ED81}" type="slidenum">
-              <a:rPr lang="de-AT" smtClean="0"/>
-              <a:t>12</a:t>
-            </a:fld>
-            <a:endParaRPr lang="de-AT"/>
-          </a:p>
-        </p:txBody>
-      </p:sp>
-    </p:spTree>
-    <p:extLst>
-      <p:ext uri="{BB962C8B-B14F-4D97-AF65-F5344CB8AC3E}">
-        <p14:creationId xmlns:p14="http://schemas.microsoft.com/office/powerpoint/2010/main" val="4082787262"/>
       </p:ext>
     </p:extLst>
   </p:cSld>
@@ -11603,6 +11609,160 @@
           <p:cNvPr id="2" name="Titel 1">
             <a:extLst>
               <a:ext uri="{FF2B5EF4-FFF2-40B4-BE49-F238E27FC236}">
+                <a16:creationId xmlns:a16="http://schemas.microsoft.com/office/drawing/2014/main" id="{75AD42DF-EC60-1518-677F-89B7060274D2}"/>
+              </a:ext>
+            </a:extLst>
+          </p:cNvPr>
+          <p:cNvSpPr>
+            <a:spLocks noGrp="1"/>
+          </p:cNvSpPr>
+          <p:nvPr>
+            <p:ph type="title"/>
+          </p:nvPr>
+        </p:nvSpPr>
+        <p:spPr/>
+        <p:txBody>
+          <a:bodyPr/>
+          <a:lstStyle/>
+          <a:p>
+            <a:r>
+              <a:rPr lang="de-DE" dirty="0"/>
+              <a:t>„Ausgezählte“ Gemeinden</a:t>
+            </a:r>
+            <a:endParaRPr lang="de-AT" dirty="0"/>
+          </a:p>
+        </p:txBody>
+      </p:sp>
+      <p:pic>
+        <p:nvPicPr>
+          <p:cNvPr id="7" name="Inhaltsplatzhalter 6">
+            <a:extLst>
+              <a:ext uri="{FF2B5EF4-FFF2-40B4-BE49-F238E27FC236}">
+                <a16:creationId xmlns:a16="http://schemas.microsoft.com/office/drawing/2014/main" id="{4AC44A2B-1362-5B62-7405-6EA0C2A7B369}"/>
+              </a:ext>
+            </a:extLst>
+          </p:cNvPr>
+          <p:cNvPicPr>
+            <a:picLocks noGrp="1" noChangeAspect="1"/>
+          </p:cNvPicPr>
+          <p:nvPr>
+            <p:ph idx="1"/>
+          </p:nvPr>
+        </p:nvPicPr>
+        <p:blipFill>
+          <a:blip r:embed="rId2">
+            <a:extLst>
+              <a:ext uri="{28A0092B-C50C-407E-A947-70E740481C1C}">
+                <a14:useLocalDpi xmlns:a14="http://schemas.microsoft.com/office/drawing/2010/main" val="0"/>
+              </a:ext>
+            </a:extLst>
+          </a:blip>
+          <a:stretch>
+            <a:fillRect/>
+          </a:stretch>
+        </p:blipFill>
+        <p:spPr>
+          <a:xfrm>
+            <a:off x="1694750" y="1828800"/>
+            <a:ext cx="7729350" cy="4351338"/>
+          </a:xfrm>
+        </p:spPr>
+      </p:pic>
+      <p:sp>
+        <p:nvSpPr>
+          <p:cNvPr id="4" name="Fußzeilenplatzhalter 3">
+            <a:extLst>
+              <a:ext uri="{FF2B5EF4-FFF2-40B4-BE49-F238E27FC236}">
+                <a16:creationId xmlns:a16="http://schemas.microsoft.com/office/drawing/2014/main" id="{19E50DC8-0F91-3B40-E2F3-7541D5FAFDAD}"/>
+              </a:ext>
+            </a:extLst>
+          </p:cNvPr>
+          <p:cNvSpPr>
+            <a:spLocks noGrp="1"/>
+          </p:cNvSpPr>
+          <p:nvPr>
+            <p:ph type="ftr" sz="quarter" idx="11"/>
+          </p:nvPr>
+        </p:nvSpPr>
+        <p:spPr/>
+        <p:txBody>
+          <a:bodyPr/>
+          <a:lstStyle/>
+          <a:p>
+            <a:r>
+              <a:rPr lang="de-DE"/>
+              <a:t>WIPOL Hirschwang</a:t>
+            </a:r>
+            <a:endParaRPr lang="de-AT" dirty="0"/>
+          </a:p>
+        </p:txBody>
+      </p:sp>
+      <p:sp>
+        <p:nvSpPr>
+          <p:cNvPr id="5" name="Foliennummernplatzhalter 4">
+            <a:extLst>
+              <a:ext uri="{FF2B5EF4-FFF2-40B4-BE49-F238E27FC236}">
+                <a16:creationId xmlns:a16="http://schemas.microsoft.com/office/drawing/2014/main" id="{84D5D65B-6150-23DB-096D-FB3F4E0DE859}"/>
+              </a:ext>
+            </a:extLst>
+          </p:cNvPr>
+          <p:cNvSpPr>
+            <a:spLocks noGrp="1"/>
+          </p:cNvSpPr>
+          <p:nvPr>
+            <p:ph type="sldNum" sz="quarter" idx="12"/>
+          </p:nvPr>
+        </p:nvSpPr>
+        <p:spPr/>
+        <p:txBody>
+          <a:bodyPr>
+            <a:normAutofit lnSpcReduction="10000"/>
+          </a:bodyPr>
+          <a:lstStyle/>
+          <a:p>
+            <a:fld id="{58087E24-FB43-451A-9D0B-7B980EC5ED81}" type="slidenum">
+              <a:rPr lang="de-AT" smtClean="0"/>
+              <a:t>14</a:t>
+            </a:fld>
+            <a:endParaRPr lang="de-AT"/>
+          </a:p>
+        </p:txBody>
+      </p:sp>
+    </p:spTree>
+    <p:extLst>
+      <p:ext uri="{BB962C8B-B14F-4D97-AF65-F5344CB8AC3E}">
+        <p14:creationId xmlns:p14="http://schemas.microsoft.com/office/powerpoint/2010/main" val="1850023634"/>
+      </p:ext>
+    </p:extLst>
+  </p:cSld>
+  <p:clrMapOvr>
+    <a:masterClrMapping/>
+  </p:clrMapOvr>
+</p:sld>
+</file>
+
+<file path=ppt/slides/slide15.xml><?xml version="1.0" encoding="utf-8"?>
+<p:sld xmlns:a="http://schemas.openxmlformats.org/drawingml/2006/main" xmlns:r="http://schemas.openxmlformats.org/officeDocument/2006/relationships" xmlns:p="http://schemas.openxmlformats.org/presentationml/2006/main">
+  <p:cSld>
+    <p:spTree>
+      <p:nvGrpSpPr>
+        <p:cNvPr id="1" name=""/>
+        <p:cNvGrpSpPr/>
+        <p:nvPr/>
+      </p:nvGrpSpPr>
+      <p:grpSpPr>
+        <a:xfrm>
+          <a:off x="0" y="0"/>
+          <a:ext cx="0" cy="0"/>
+          <a:chOff x="0" y="0"/>
+          <a:chExt cx="0" cy="0"/>
+        </a:xfrm>
+      </p:grpSpPr>
+      <p:sp>
+        <p:nvSpPr>
+          <p:cNvPr id="2" name="Titel 1">
+            <a:extLst>
+              <a:ext uri="{FF2B5EF4-FFF2-40B4-BE49-F238E27FC236}">
                 <a16:creationId xmlns:a16="http://schemas.microsoft.com/office/drawing/2014/main" id="{EAA1EB89-0DA5-8B12-35B9-45D2002014C9}"/>
               </a:ext>
             </a:extLst>
@@ -11893,7 +12053,7 @@
           <a:p>
             <a:fld id="{58087E24-FB43-451A-9D0B-7B980EC5ED81}" type="slidenum">
               <a:rPr lang="de-AT" smtClean="0"/>
-              <a:t>14</a:t>
+              <a:t>15</a:t>
             </a:fld>
             <a:endParaRPr lang="de-AT"/>
           </a:p>
@@ -11912,7 +12072,7 @@
 </p:sld>
 </file>
 
-<file path=ppt/slides/slide15.xml><?xml version="1.0" encoding="utf-8"?>
+<file path=ppt/slides/slide16.xml><?xml version="1.0" encoding="utf-8"?>
 <p:sld xmlns:a="http://schemas.openxmlformats.org/drawingml/2006/main" xmlns:r="http://schemas.openxmlformats.org/officeDocument/2006/relationships" xmlns:p="http://schemas.openxmlformats.org/presentationml/2006/main">
   <p:cSld>
     <p:spTree>
@@ -12037,7 +12197,7 @@
           <a:p>
             <a:fld id="{58087E24-FB43-451A-9D0B-7B980EC5ED81}" type="slidenum">
               <a:rPr lang="de-AT" smtClean="0"/>
-              <a:t>15</a:t>
+              <a:t>16</a:t>
             </a:fld>
             <a:endParaRPr lang="de-AT"/>
           </a:p>
@@ -12056,7 +12216,7 @@
 </p:sld>
 </file>
 
-<file path=ppt/slides/slide16.xml><?xml version="1.0" encoding="utf-8"?>
+<file path=ppt/slides/slide17.xml><?xml version="1.0" encoding="utf-8"?>
 <p:sld xmlns:a="http://schemas.openxmlformats.org/drawingml/2006/main" xmlns:r="http://schemas.openxmlformats.org/officeDocument/2006/relationships" xmlns:p="http://schemas.openxmlformats.org/presentationml/2006/main">
   <p:cSld>
     <p:spTree>
@@ -12205,7 +12365,7 @@
           <a:p>
             <a:fld id="{58087E24-FB43-451A-9D0B-7B980EC5ED81}" type="slidenum">
               <a:rPr lang="de-AT" smtClean="0"/>
-              <a:t>16</a:t>
+              <a:t>17</a:t>
             </a:fld>
             <a:endParaRPr lang="de-AT"/>
           </a:p>
@@ -12334,7 +12494,7 @@
 </p:sld>
 </file>
 
-<file path=ppt/slides/slide17.xml><?xml version="1.0" encoding="utf-8"?>
+<file path=ppt/slides/slide18.xml><?xml version="1.0" encoding="utf-8"?>
 <p:sld xmlns:a="http://schemas.openxmlformats.org/drawingml/2006/main" xmlns:r="http://schemas.openxmlformats.org/officeDocument/2006/relationships" xmlns:p="http://schemas.openxmlformats.org/presentationml/2006/main">
   <p:cSld>
     <p:spTree>
@@ -12565,12 +12725,14 @@
         </p:nvSpPr>
         <p:spPr/>
         <p:txBody>
-          <a:bodyPr/>
+          <a:bodyPr>
+            <a:normAutofit lnSpcReduction="10000"/>
+          </a:bodyPr>
           <a:lstStyle/>
           <a:p>
             <a:fld id="{58087E24-FB43-451A-9D0B-7B980EC5ED81}" type="slidenum">
               <a:rPr lang="de-AT" smtClean="0"/>
-              <a:t>17</a:t>
+              <a:t>18</a:t>
             </a:fld>
             <a:endParaRPr lang="de-AT"/>
           </a:p>
@@ -12589,7 +12751,7 @@
 </p:sld>
 </file>
 
-<file path=ppt/slides/slide18.xml><?xml version="1.0" encoding="utf-8"?>
+<file path=ppt/slides/slide19.xml><?xml version="1.0" encoding="utf-8"?>
 <p:sld xmlns:a="http://schemas.openxmlformats.org/drawingml/2006/main" xmlns:r="http://schemas.openxmlformats.org/officeDocument/2006/relationships" xmlns:p="http://schemas.openxmlformats.org/presentationml/2006/main">
   <p:cSld>
     <p:spTree>
@@ -12718,7 +12880,7 @@
           <a:p>
             <a:fld id="{58087E24-FB43-451A-9D0B-7B980EC5ED81}" type="slidenum">
               <a:rPr lang="de-AT" smtClean="0"/>
-              <a:t>18</a:t>
+              <a:t>19</a:t>
             </a:fld>
             <a:endParaRPr lang="de-AT"/>
           </a:p>
@@ -16173,8 +16335,8 @@
           </a:graphicData>
         </a:graphic>
       </p:graphicFrame>
-      <mc:AlternateContent xmlns:mc="http://schemas.openxmlformats.org/markup-compatibility/2006">
-        <mc:Choice xmlns:a14="http://schemas.microsoft.com/office/drawing/2010/main" Requires="a14">
+      <mc:AlternateContent xmlns:mc="http://schemas.openxmlformats.org/markup-compatibility/2006" xmlns:a14="http://schemas.microsoft.com/office/drawing/2010/main">
+        <mc:Choice Requires="a14">
           <p:sp>
             <p:nvSpPr>
               <p:cNvPr id="14" name="Inhaltsplatzhalter 2">
@@ -16617,7 +16779,7 @@
             </p:txBody>
           </p:sp>
         </mc:Choice>
-        <mc:Fallback>
+        <mc:Fallback xmlns="">
           <p:sp>
             <p:nvSpPr>
               <p:cNvPr id="14" name="Inhaltsplatzhalter 2">
